--- a/3_Interim Project Presentation/Interim Project Presentation - 두리번두리번.pptx
+++ b/3_Interim Project Presentation/Interim Project Presentation - 두리번두리번.pptx
@@ -5,11 +5,16 @@
     <p:sldMasterId id="2147483648" r:id="rId1"/>
   </p:sldMasterIdLst>
   <p:notesMasterIdLst>
-    <p:notesMasterId r:id="rId4"/>
+    <p:notesMasterId r:id="rId9"/>
   </p:notesMasterIdLst>
   <p:sldIdLst>
     <p:sldId id="256" r:id="rId2"/>
     <p:sldId id="257" r:id="rId3"/>
+    <p:sldId id="258" r:id="rId4"/>
+    <p:sldId id="260" r:id="rId5"/>
+    <p:sldId id="261" r:id="rId6"/>
+    <p:sldId id="262" r:id="rId7"/>
+    <p:sldId id="263" r:id="rId8"/>
   </p:sldIdLst>
   <p:sldSz cx="12192000" cy="6858000"/>
   <p:notesSz cx="6858000" cy="9144000"/>
@@ -108,6 +113,11 @@
       </a:defRPr>
     </a:lvl9pPr>
   </p:defaultTextStyle>
+  <p:extLst>
+    <p:ext uri="{EFAFB233-063F-42B5-8137-9DF3F51BA10A}">
+      <p15:sldGuideLst xmlns:p15="http://schemas.microsoft.com/office/powerpoint/2012/main"/>
+    </p:ext>
+  </p:extLst>
 </p:presentation>
 </file>
 
@@ -193,7 +203,7 @@
           <a:p>
             <a:fld id="{CAE244D8-87F9-4A82-9A7F-A988436C03F2}" type="datetimeFigureOut">
               <a:rPr lang="ko-KR" altLang="en-US" smtClean="0"/>
-              <a:t>2020-10-24</a:t>
+              <a:t>2020-10-25</a:t>
             </a:fld>
             <a:endParaRPr lang="ko-KR" altLang="en-US"/>
           </a:p>
@@ -460,6 +470,648 @@
 </p:notesMaster>
 </file>
 
+<file path=ppt/notesSlides/notesSlide1.xml><?xml version="1.0" encoding="utf-8"?>
+<p:notes xmlns:a="http://schemas.openxmlformats.org/drawingml/2006/main" xmlns:r="http://schemas.openxmlformats.org/officeDocument/2006/relationships" xmlns:p="http://schemas.openxmlformats.org/presentationml/2006/main">
+  <p:cSld>
+    <p:spTree>
+      <p:nvGrpSpPr>
+        <p:cNvPr id="1" name=""/>
+        <p:cNvGrpSpPr/>
+        <p:nvPr/>
+      </p:nvGrpSpPr>
+      <p:grpSpPr>
+        <a:xfrm>
+          <a:off x="0" y="0"/>
+          <a:ext cx="0" cy="0"/>
+          <a:chOff x="0" y="0"/>
+          <a:chExt cx="0" cy="0"/>
+        </a:xfrm>
+      </p:grpSpPr>
+      <p:sp>
+        <p:nvSpPr>
+          <p:cNvPr id="2" name="슬라이드 이미지 개체 틀 1"/>
+          <p:cNvSpPr>
+            <a:spLocks noGrp="1" noRot="1" noChangeAspect="1"/>
+          </p:cNvSpPr>
+          <p:nvPr>
+            <p:ph type="sldImg"/>
+          </p:nvPr>
+        </p:nvSpPr>
+        <p:spPr/>
+      </p:sp>
+      <p:sp>
+        <p:nvSpPr>
+          <p:cNvPr id="3" name="슬라이드 노트 개체 틀 2"/>
+          <p:cNvSpPr>
+            <a:spLocks noGrp="1"/>
+          </p:cNvSpPr>
+          <p:nvPr>
+            <p:ph type="body" idx="1"/>
+          </p:nvPr>
+        </p:nvSpPr>
+        <p:spPr/>
+        <p:txBody>
+          <a:bodyPr/>
+          <a:lstStyle/>
+          <a:p>
+            <a:r>
+              <a:rPr lang="ko-KR" altLang="en-US" dirty="0"/>
+              <a:t>과거의 </a:t>
+            </a:r>
+            <a:r>
+              <a:rPr lang="ko-KR" altLang="en-US" dirty="0" err="1"/>
+              <a:t>메르스나</a:t>
+            </a:r>
+            <a:r>
+              <a:rPr lang="ko-KR" altLang="en-US" dirty="0"/>
+              <a:t> 신종 플루와 같은 감염병을 포함하여</a:t>
+            </a:r>
+            <a:r>
+              <a:rPr lang="en-US" altLang="ko-KR" dirty="0"/>
+              <a:t>, </a:t>
+            </a:r>
+            <a:r>
+              <a:rPr lang="ko-KR" altLang="en-US" dirty="0"/>
+              <a:t>현재 진행되고 있는 코로나 바이러스까지</a:t>
+            </a:r>
+            <a:r>
+              <a:rPr lang="en-US" altLang="ko-KR" dirty="0"/>
+              <a:t>,</a:t>
+            </a:r>
+          </a:p>
+          <a:p>
+            <a:r>
+              <a:rPr lang="ko-KR" altLang="en-US" dirty="0"/>
+              <a:t>감염성이 강한 감염병이 대대적으로 확산되는 기간이 있었습니다</a:t>
+            </a:r>
+            <a:r>
+              <a:rPr lang="en-US" altLang="ko-KR" dirty="0"/>
+              <a:t>.</a:t>
+            </a:r>
+          </a:p>
+        </p:txBody>
+      </p:sp>
+      <p:sp>
+        <p:nvSpPr>
+          <p:cNvPr id="4" name="슬라이드 번호 개체 틀 3"/>
+          <p:cNvSpPr>
+            <a:spLocks noGrp="1"/>
+          </p:cNvSpPr>
+          <p:nvPr>
+            <p:ph type="sldNum" sz="quarter" idx="5"/>
+          </p:nvPr>
+        </p:nvSpPr>
+        <p:spPr/>
+        <p:txBody>
+          <a:bodyPr/>
+          <a:lstStyle/>
+          <a:p>
+            <a:fld id="{CFEC5C64-9846-41DF-88A9-FAC22ECF479C}" type="slidenum">
+              <a:rPr lang="ko-KR" altLang="en-US" smtClean="0"/>
+              <a:t>3</a:t>
+            </a:fld>
+            <a:endParaRPr lang="ko-KR" altLang="en-US"/>
+          </a:p>
+        </p:txBody>
+      </p:sp>
+    </p:spTree>
+    <p:extLst>
+      <p:ext uri="{BB962C8B-B14F-4D97-AF65-F5344CB8AC3E}">
+        <p14:creationId xmlns:p14="http://schemas.microsoft.com/office/powerpoint/2010/main" val="173811371"/>
+      </p:ext>
+    </p:extLst>
+  </p:cSld>
+  <p:clrMapOvr>
+    <a:masterClrMapping/>
+  </p:clrMapOvr>
+</p:notes>
+</file>
+
+<file path=ppt/notesSlides/notesSlide2.xml><?xml version="1.0" encoding="utf-8"?>
+<p:notes xmlns:a="http://schemas.openxmlformats.org/drawingml/2006/main" xmlns:r="http://schemas.openxmlformats.org/officeDocument/2006/relationships" xmlns:p="http://schemas.openxmlformats.org/presentationml/2006/main">
+  <p:cSld>
+    <p:spTree>
+      <p:nvGrpSpPr>
+        <p:cNvPr id="1" name=""/>
+        <p:cNvGrpSpPr/>
+        <p:nvPr/>
+      </p:nvGrpSpPr>
+      <p:grpSpPr>
+        <a:xfrm>
+          <a:off x="0" y="0"/>
+          <a:ext cx="0" cy="0"/>
+          <a:chOff x="0" y="0"/>
+          <a:chExt cx="0" cy="0"/>
+        </a:xfrm>
+      </p:grpSpPr>
+      <p:sp>
+        <p:nvSpPr>
+          <p:cNvPr id="2" name="슬라이드 이미지 개체 틀 1"/>
+          <p:cNvSpPr>
+            <a:spLocks noGrp="1" noRot="1" noChangeAspect="1"/>
+          </p:cNvSpPr>
+          <p:nvPr>
+            <p:ph type="sldImg"/>
+          </p:nvPr>
+        </p:nvSpPr>
+        <p:spPr/>
+      </p:sp>
+      <p:sp>
+        <p:nvSpPr>
+          <p:cNvPr id="3" name="슬라이드 노트 개체 틀 2"/>
+          <p:cNvSpPr>
+            <a:spLocks noGrp="1"/>
+          </p:cNvSpPr>
+          <p:nvPr>
+            <p:ph type="body" idx="1"/>
+          </p:nvPr>
+        </p:nvSpPr>
+        <p:spPr/>
+        <p:txBody>
+          <a:bodyPr/>
+          <a:lstStyle/>
+          <a:p>
+            <a:r>
+              <a:rPr lang="ko-KR" altLang="en-US" dirty="0"/>
+              <a:t>이와 같이 감염병이 확산할 때</a:t>
+            </a:r>
+            <a:r>
+              <a:rPr lang="en-US" altLang="ko-KR" dirty="0"/>
+              <a:t>, </a:t>
+            </a:r>
+            <a:r>
+              <a:rPr lang="ko-KR" altLang="en-US" dirty="0"/>
+              <a:t>확산 방지를 위해</a:t>
+            </a:r>
+            <a:endParaRPr lang="en-US" altLang="ko-KR" dirty="0"/>
+          </a:p>
+          <a:p>
+            <a:r>
+              <a:rPr lang="ko-KR" altLang="en-US" dirty="0"/>
+              <a:t>학교나 공공기관 건물</a:t>
+            </a:r>
+            <a:r>
+              <a:rPr lang="en-US" altLang="ko-KR" dirty="0"/>
+              <a:t>, </a:t>
+            </a:r>
+            <a:r>
+              <a:rPr lang="ko-KR" altLang="en-US" dirty="0"/>
+              <a:t>영화관 등지에 알코올 손소독제가 비치되는 것을 볼 수 있습니다</a:t>
+            </a:r>
+            <a:r>
+              <a:rPr lang="en-US" altLang="ko-KR" dirty="0"/>
+              <a:t>.</a:t>
+            </a:r>
+          </a:p>
+          <a:p>
+            <a:r>
+              <a:rPr lang="ko-KR" altLang="en-US" dirty="0"/>
+              <a:t>특히</a:t>
+            </a:r>
+            <a:r>
+              <a:rPr lang="en-US" altLang="ko-KR" dirty="0"/>
+              <a:t>, </a:t>
+            </a:r>
+            <a:r>
+              <a:rPr lang="ko-KR" altLang="en-US" dirty="0"/>
+              <a:t>사람들의 </a:t>
+            </a:r>
+            <a:r>
+              <a:rPr lang="ko-KR" altLang="en-US" dirty="0" err="1"/>
+              <a:t>이용량이</a:t>
+            </a:r>
+            <a:r>
+              <a:rPr lang="ko-KR" altLang="en-US" dirty="0"/>
+              <a:t> 많을수록 손소독제 </a:t>
+            </a:r>
+            <a:r>
+              <a:rPr lang="ko-KR" altLang="en-US" dirty="0" err="1"/>
+              <a:t>비치량은</a:t>
+            </a:r>
+            <a:r>
+              <a:rPr lang="ko-KR" altLang="en-US" dirty="0"/>
+              <a:t> 더욱 증가합니다</a:t>
+            </a:r>
+            <a:r>
+              <a:rPr lang="en-US" altLang="ko-KR" dirty="0"/>
+              <a:t>.</a:t>
+            </a:r>
+            <a:endParaRPr lang="ko-KR" altLang="en-US" dirty="0"/>
+          </a:p>
+        </p:txBody>
+      </p:sp>
+      <p:sp>
+        <p:nvSpPr>
+          <p:cNvPr id="4" name="슬라이드 번호 개체 틀 3"/>
+          <p:cNvSpPr>
+            <a:spLocks noGrp="1"/>
+          </p:cNvSpPr>
+          <p:nvPr>
+            <p:ph type="sldNum" sz="quarter" idx="5"/>
+          </p:nvPr>
+        </p:nvSpPr>
+        <p:spPr/>
+        <p:txBody>
+          <a:bodyPr/>
+          <a:lstStyle/>
+          <a:p>
+            <a:fld id="{CFEC5C64-9846-41DF-88A9-FAC22ECF479C}" type="slidenum">
+              <a:rPr lang="ko-KR" altLang="en-US" smtClean="0"/>
+              <a:t>4</a:t>
+            </a:fld>
+            <a:endParaRPr lang="ko-KR" altLang="en-US"/>
+          </a:p>
+        </p:txBody>
+      </p:sp>
+    </p:spTree>
+    <p:extLst>
+      <p:ext uri="{BB962C8B-B14F-4D97-AF65-F5344CB8AC3E}">
+        <p14:creationId xmlns:p14="http://schemas.microsoft.com/office/powerpoint/2010/main" val="2561162082"/>
+      </p:ext>
+    </p:extLst>
+  </p:cSld>
+  <p:clrMapOvr>
+    <a:masterClrMapping/>
+  </p:clrMapOvr>
+</p:notes>
+</file>
+
+<file path=ppt/notesSlides/notesSlide3.xml><?xml version="1.0" encoding="utf-8"?>
+<p:notes xmlns:a="http://schemas.openxmlformats.org/drawingml/2006/main" xmlns:r="http://schemas.openxmlformats.org/officeDocument/2006/relationships" xmlns:p="http://schemas.openxmlformats.org/presentationml/2006/main">
+  <p:cSld>
+    <p:spTree>
+      <p:nvGrpSpPr>
+        <p:cNvPr id="1" name=""/>
+        <p:cNvGrpSpPr/>
+        <p:nvPr/>
+      </p:nvGrpSpPr>
+      <p:grpSpPr>
+        <a:xfrm>
+          <a:off x="0" y="0"/>
+          <a:ext cx="0" cy="0"/>
+          <a:chOff x="0" y="0"/>
+          <a:chExt cx="0" cy="0"/>
+        </a:xfrm>
+      </p:grpSpPr>
+      <p:sp>
+        <p:nvSpPr>
+          <p:cNvPr id="2" name="슬라이드 이미지 개체 틀 1"/>
+          <p:cNvSpPr>
+            <a:spLocks noGrp="1" noRot="1" noChangeAspect="1"/>
+          </p:cNvSpPr>
+          <p:nvPr>
+            <p:ph type="sldImg"/>
+          </p:nvPr>
+        </p:nvSpPr>
+        <p:spPr/>
+      </p:sp>
+      <p:sp>
+        <p:nvSpPr>
+          <p:cNvPr id="3" name="슬라이드 노트 개체 틀 2"/>
+          <p:cNvSpPr>
+            <a:spLocks noGrp="1"/>
+          </p:cNvSpPr>
+          <p:nvPr>
+            <p:ph type="body" idx="1"/>
+          </p:nvPr>
+        </p:nvSpPr>
+        <p:spPr/>
+        <p:txBody>
+          <a:bodyPr/>
+          <a:lstStyle/>
+          <a:p>
+            <a:r>
+              <a:rPr lang="ko-KR" altLang="en-US" dirty="0"/>
+              <a:t>여러 장소에 분산되어 위치해 있는 손소독제는</a:t>
+            </a:r>
+            <a:endParaRPr lang="en-US" altLang="ko-KR" dirty="0"/>
+          </a:p>
+          <a:p>
+            <a:r>
+              <a:rPr lang="ko-KR" altLang="en-US" dirty="0"/>
+              <a:t>소모품이라는 특성상</a:t>
+            </a:r>
+            <a:r>
+              <a:rPr lang="en-US" altLang="ko-KR" dirty="0"/>
+              <a:t>, </a:t>
+            </a:r>
+            <a:r>
+              <a:rPr lang="ko-KR" altLang="en-US" dirty="0"/>
+              <a:t>지속적인 점검 및 교체를 실시해 주어야 합니다</a:t>
+            </a:r>
+            <a:r>
+              <a:rPr lang="en-US" altLang="ko-KR" dirty="0"/>
+              <a:t>.</a:t>
+            </a:r>
+          </a:p>
+          <a:p>
+            <a:r>
+              <a:rPr lang="ko-KR" altLang="en-US" dirty="0"/>
+              <a:t>이를 위해 손소독제를 관리하는 관리자는</a:t>
+            </a:r>
+            <a:r>
+              <a:rPr lang="en-US" altLang="ko-KR" dirty="0"/>
+              <a:t>, </a:t>
+            </a:r>
+            <a:r>
+              <a:rPr lang="ko-KR" altLang="en-US" dirty="0"/>
+              <a:t>잔량 파악을 위해 직접 가서 눈으로 확인하는 수 밖에 없습니다</a:t>
+            </a:r>
+            <a:r>
+              <a:rPr lang="en-US" altLang="ko-KR" dirty="0"/>
+              <a:t>.</a:t>
+            </a:r>
+            <a:endParaRPr lang="ko-KR" altLang="en-US" dirty="0"/>
+          </a:p>
+        </p:txBody>
+      </p:sp>
+      <p:sp>
+        <p:nvSpPr>
+          <p:cNvPr id="4" name="슬라이드 번호 개체 틀 3"/>
+          <p:cNvSpPr>
+            <a:spLocks noGrp="1"/>
+          </p:cNvSpPr>
+          <p:nvPr>
+            <p:ph type="sldNum" sz="quarter" idx="5"/>
+          </p:nvPr>
+        </p:nvSpPr>
+        <p:spPr/>
+        <p:txBody>
+          <a:bodyPr/>
+          <a:lstStyle/>
+          <a:p>
+            <a:fld id="{CFEC5C64-9846-41DF-88A9-FAC22ECF479C}" type="slidenum">
+              <a:rPr lang="ko-KR" altLang="en-US" smtClean="0"/>
+              <a:t>5</a:t>
+            </a:fld>
+            <a:endParaRPr lang="ko-KR" altLang="en-US"/>
+          </a:p>
+        </p:txBody>
+      </p:sp>
+    </p:spTree>
+    <p:extLst>
+      <p:ext uri="{BB962C8B-B14F-4D97-AF65-F5344CB8AC3E}">
+        <p14:creationId xmlns:p14="http://schemas.microsoft.com/office/powerpoint/2010/main" val="2183811852"/>
+      </p:ext>
+    </p:extLst>
+  </p:cSld>
+  <p:clrMapOvr>
+    <a:masterClrMapping/>
+  </p:clrMapOvr>
+</p:notes>
+</file>
+
+<file path=ppt/notesSlides/notesSlide4.xml><?xml version="1.0" encoding="utf-8"?>
+<p:notes xmlns:a="http://schemas.openxmlformats.org/drawingml/2006/main" xmlns:r="http://schemas.openxmlformats.org/officeDocument/2006/relationships" xmlns:p="http://schemas.openxmlformats.org/presentationml/2006/main">
+  <p:cSld>
+    <p:spTree>
+      <p:nvGrpSpPr>
+        <p:cNvPr id="1" name=""/>
+        <p:cNvGrpSpPr/>
+        <p:nvPr/>
+      </p:nvGrpSpPr>
+      <p:grpSpPr>
+        <a:xfrm>
+          <a:off x="0" y="0"/>
+          <a:ext cx="0" cy="0"/>
+          <a:chOff x="0" y="0"/>
+          <a:chExt cx="0" cy="0"/>
+        </a:xfrm>
+      </p:grpSpPr>
+      <p:sp>
+        <p:nvSpPr>
+          <p:cNvPr id="2" name="슬라이드 이미지 개체 틀 1"/>
+          <p:cNvSpPr>
+            <a:spLocks noGrp="1" noRot="1" noChangeAspect="1"/>
+          </p:cNvSpPr>
+          <p:nvPr>
+            <p:ph type="sldImg"/>
+          </p:nvPr>
+        </p:nvSpPr>
+        <p:spPr/>
+      </p:sp>
+      <p:sp>
+        <p:nvSpPr>
+          <p:cNvPr id="3" name="슬라이드 노트 개체 틀 2"/>
+          <p:cNvSpPr>
+            <a:spLocks noGrp="1"/>
+          </p:cNvSpPr>
+          <p:nvPr>
+            <p:ph type="body" idx="1"/>
+          </p:nvPr>
+        </p:nvSpPr>
+        <p:spPr/>
+        <p:txBody>
+          <a:bodyPr/>
+          <a:lstStyle/>
+          <a:p>
+            <a:r>
+              <a:rPr lang="ko-KR" altLang="en-US" dirty="0"/>
+              <a:t>만약 학교나 백화점 같은 규모가 큰 곳의 경우</a:t>
+            </a:r>
+            <a:r>
+              <a:rPr lang="en-US" altLang="ko-KR" dirty="0"/>
+              <a:t>,</a:t>
+            </a:r>
+          </a:p>
+          <a:p>
+            <a:r>
+              <a:rPr lang="ko-KR" altLang="en-US" dirty="0"/>
+              <a:t>관리자가 그 많은 손소독제를 전수조사 한다면</a:t>
+            </a:r>
+            <a:r>
+              <a:rPr lang="en-US" altLang="ko-KR" dirty="0"/>
+              <a:t>, </a:t>
+            </a:r>
+            <a:r>
+              <a:rPr lang="ko-KR" altLang="en-US" dirty="0"/>
+              <a:t>시간 낭비와 비효율적인 관리라고 볼 수 밖에 없습니다</a:t>
+            </a:r>
+            <a:r>
+              <a:rPr lang="en-US" altLang="ko-KR" dirty="0"/>
+              <a:t>.</a:t>
+            </a:r>
+          </a:p>
+          <a:p>
+            <a:r>
+              <a:rPr lang="ko-KR" altLang="en-US" dirty="0"/>
+              <a:t>직접 확인하기 전에는 손소독제가 고갈되었는지 확인이 불가하기에</a:t>
+            </a:r>
+            <a:r>
+              <a:rPr lang="en-US" altLang="ko-KR" dirty="0"/>
+              <a:t>,</a:t>
+            </a:r>
+          </a:p>
+          <a:p>
+            <a:r>
+              <a:rPr lang="ko-KR" altLang="en-US" dirty="0"/>
+              <a:t>아직 손소독제가 소모되지 않아 교체할 필요가 없는 곳까지 방문하는 경우가 다반사입니다</a:t>
+            </a:r>
+            <a:r>
+              <a:rPr lang="en-US" altLang="ko-KR" dirty="0"/>
+              <a:t>.</a:t>
+            </a:r>
+          </a:p>
+        </p:txBody>
+      </p:sp>
+      <p:sp>
+        <p:nvSpPr>
+          <p:cNvPr id="4" name="슬라이드 번호 개체 틀 3"/>
+          <p:cNvSpPr>
+            <a:spLocks noGrp="1"/>
+          </p:cNvSpPr>
+          <p:nvPr>
+            <p:ph type="sldNum" sz="quarter" idx="5"/>
+          </p:nvPr>
+        </p:nvSpPr>
+        <p:spPr/>
+        <p:txBody>
+          <a:bodyPr/>
+          <a:lstStyle/>
+          <a:p>
+            <a:fld id="{CFEC5C64-9846-41DF-88A9-FAC22ECF479C}" type="slidenum">
+              <a:rPr lang="ko-KR" altLang="en-US" smtClean="0"/>
+              <a:t>6</a:t>
+            </a:fld>
+            <a:endParaRPr lang="ko-KR" altLang="en-US"/>
+          </a:p>
+        </p:txBody>
+      </p:sp>
+    </p:spTree>
+    <p:extLst>
+      <p:ext uri="{BB962C8B-B14F-4D97-AF65-F5344CB8AC3E}">
+        <p14:creationId xmlns:p14="http://schemas.microsoft.com/office/powerpoint/2010/main" val="101886592"/>
+      </p:ext>
+    </p:extLst>
+  </p:cSld>
+  <p:clrMapOvr>
+    <a:masterClrMapping/>
+  </p:clrMapOvr>
+</p:notes>
+</file>
+
+<file path=ppt/notesSlides/notesSlide5.xml><?xml version="1.0" encoding="utf-8"?>
+<p:notes xmlns:a="http://schemas.openxmlformats.org/drawingml/2006/main" xmlns:r="http://schemas.openxmlformats.org/officeDocument/2006/relationships" xmlns:p="http://schemas.openxmlformats.org/presentationml/2006/main">
+  <p:cSld>
+    <p:spTree>
+      <p:nvGrpSpPr>
+        <p:cNvPr id="1" name=""/>
+        <p:cNvGrpSpPr/>
+        <p:nvPr/>
+      </p:nvGrpSpPr>
+      <p:grpSpPr>
+        <a:xfrm>
+          <a:off x="0" y="0"/>
+          <a:ext cx="0" cy="0"/>
+          <a:chOff x="0" y="0"/>
+          <a:chExt cx="0" cy="0"/>
+        </a:xfrm>
+      </p:grpSpPr>
+      <p:sp>
+        <p:nvSpPr>
+          <p:cNvPr id="2" name="슬라이드 이미지 개체 틀 1"/>
+          <p:cNvSpPr>
+            <a:spLocks noGrp="1" noRot="1" noChangeAspect="1"/>
+          </p:cNvSpPr>
+          <p:nvPr>
+            <p:ph type="sldImg"/>
+          </p:nvPr>
+        </p:nvSpPr>
+        <p:spPr/>
+      </p:sp>
+      <p:sp>
+        <p:nvSpPr>
+          <p:cNvPr id="3" name="슬라이드 노트 개체 틀 2"/>
+          <p:cNvSpPr>
+            <a:spLocks noGrp="1"/>
+          </p:cNvSpPr>
+          <p:nvPr>
+            <p:ph type="body" idx="1"/>
+          </p:nvPr>
+        </p:nvSpPr>
+        <p:spPr/>
+        <p:txBody>
+          <a:bodyPr/>
+          <a:lstStyle/>
+          <a:p>
+            <a:r>
+              <a:rPr lang="ko-KR" altLang="en-US" dirty="0"/>
+              <a:t>이러한 문제점에 착안하여</a:t>
+            </a:r>
+            <a:r>
+              <a:rPr lang="en-US" altLang="ko-KR" dirty="0"/>
+              <a:t>, IoT </a:t>
+            </a:r>
+            <a:r>
+              <a:rPr lang="ko-KR" altLang="en-US" dirty="0"/>
+              <a:t>기술을 이용해서</a:t>
+            </a:r>
+            <a:endParaRPr lang="en-US" altLang="ko-KR" dirty="0"/>
+          </a:p>
+          <a:p>
+            <a:r>
+              <a:rPr lang="ko-KR" altLang="en-US" dirty="0"/>
+              <a:t>손소독제의 잔량을 원격으로 체크해주고</a:t>
+            </a:r>
+            <a:r>
+              <a:rPr lang="en-US" altLang="ko-KR" dirty="0"/>
+              <a:t>, </a:t>
+            </a:r>
+            <a:r>
+              <a:rPr lang="ko-KR" altLang="en-US" dirty="0"/>
+              <a:t>소모되는 정도를 파악하여</a:t>
+            </a:r>
+            <a:endParaRPr lang="en-US" altLang="ko-KR" dirty="0"/>
+          </a:p>
+          <a:p>
+            <a:r>
+              <a:rPr lang="ko-KR" altLang="en-US" dirty="0"/>
+              <a:t>적절하고 효율적인 관리를 돕는 프로세스를 고안해 보았습니다</a:t>
+            </a:r>
+            <a:r>
+              <a:rPr lang="en-US" altLang="ko-KR" dirty="0"/>
+              <a:t>.</a:t>
+            </a:r>
+            <a:endParaRPr lang="ko-KR" altLang="en-US" dirty="0"/>
+          </a:p>
+        </p:txBody>
+      </p:sp>
+      <p:sp>
+        <p:nvSpPr>
+          <p:cNvPr id="4" name="슬라이드 번호 개체 틀 3"/>
+          <p:cNvSpPr>
+            <a:spLocks noGrp="1"/>
+          </p:cNvSpPr>
+          <p:nvPr>
+            <p:ph type="sldNum" sz="quarter" idx="5"/>
+          </p:nvPr>
+        </p:nvSpPr>
+        <p:spPr/>
+        <p:txBody>
+          <a:bodyPr/>
+          <a:lstStyle/>
+          <a:p>
+            <a:fld id="{CFEC5C64-9846-41DF-88A9-FAC22ECF479C}" type="slidenum">
+              <a:rPr lang="ko-KR" altLang="en-US" smtClean="0"/>
+              <a:t>7</a:t>
+            </a:fld>
+            <a:endParaRPr lang="ko-KR" altLang="en-US"/>
+          </a:p>
+        </p:txBody>
+      </p:sp>
+    </p:spTree>
+    <p:extLst>
+      <p:ext uri="{BB962C8B-B14F-4D97-AF65-F5344CB8AC3E}">
+        <p14:creationId xmlns:p14="http://schemas.microsoft.com/office/powerpoint/2010/main" val="3123243971"/>
+      </p:ext>
+    </p:extLst>
+  </p:cSld>
+  <p:clrMapOvr>
+    <a:masterClrMapping/>
+  </p:clrMapOvr>
+</p:notes>
+</file>
+
 <file path=ppt/slideLayouts/slideLayout1.xml><?xml version="1.0" encoding="utf-8"?>
 <p:sldLayout xmlns:a="http://schemas.openxmlformats.org/drawingml/2006/main" xmlns:r="http://schemas.openxmlformats.org/officeDocument/2006/relationships" xmlns:p="http://schemas.openxmlformats.org/presentationml/2006/main" type="title" preserve="1">
   <p:cSld name="제목 슬라이드">
@@ -615,7 +1267,7 @@
           <a:p>
             <a:fld id="{7197A083-76BA-49CA-BB32-BD7943E08EBB}" type="datetime1">
               <a:rPr lang="ko-KR" altLang="en-US" smtClean="0"/>
-              <a:t>2020-10-24</a:t>
+              <a:t>2020-10-25</a:t>
             </a:fld>
             <a:endParaRPr lang="ko-KR" altLang="en-US"/>
           </a:p>
@@ -855,7 +1507,7 @@
           <a:p>
             <a:fld id="{51BD7EAD-C81D-4805-8039-C3D3B9DD6EC1}" type="datetime1">
               <a:rPr lang="ko-KR" altLang="en-US" smtClean="0"/>
-              <a:t>2020-10-24</a:t>
+              <a:t>2020-10-25</a:t>
             </a:fld>
             <a:endParaRPr lang="ko-KR" altLang="en-US"/>
           </a:p>
@@ -1098,7 +1750,7 @@
           <a:p>
             <a:fld id="{6ED4B718-156F-4F1B-AF1E-F81FDBE32FE9}" type="datetime1">
               <a:rPr lang="ko-KR" altLang="en-US" smtClean="0"/>
-              <a:t>2020-10-24</a:t>
+              <a:t>2020-10-25</a:t>
             </a:fld>
             <a:endParaRPr lang="ko-KR" altLang="en-US"/>
           </a:p>
@@ -1331,7 +1983,7 @@
           <a:p>
             <a:fld id="{1170B75A-FA6C-4151-ADE2-F942388B6A78}" type="datetime1">
               <a:rPr lang="ko-KR" altLang="en-US" smtClean="0"/>
-              <a:t>2020-10-24</a:t>
+              <a:t>2020-10-25</a:t>
             </a:fld>
             <a:endParaRPr lang="ko-KR" altLang="en-US"/>
           </a:p>
@@ -1641,7 +2293,7 @@
           <a:p>
             <a:fld id="{3BD28081-0DFE-4CC6-9E7F-2F9EF6B0B7B7}" type="datetime1">
               <a:rPr lang="ko-KR" altLang="en-US" smtClean="0"/>
-              <a:t>2020-10-24</a:t>
+              <a:t>2020-10-25</a:t>
             </a:fld>
             <a:endParaRPr lang="ko-KR" altLang="en-US"/>
           </a:p>
@@ -1941,7 +2593,7 @@
           <a:p>
             <a:fld id="{AF44C2A0-723E-4DFD-B5A2-B62A0B8CF913}" type="datetime1">
               <a:rPr lang="ko-KR" altLang="en-US" smtClean="0"/>
-              <a:t>2020-10-24</a:t>
+              <a:t>2020-10-25</a:t>
             </a:fld>
             <a:endParaRPr lang="ko-KR" altLang="en-US"/>
           </a:p>
@@ -2388,7 +3040,7 @@
           <a:p>
             <a:fld id="{3D7A3139-C291-4F6D-B506-80349A2CE843}" type="datetime1">
               <a:rPr lang="ko-KR" altLang="en-US" smtClean="0"/>
-              <a:t>2020-10-24</a:t>
+              <a:t>2020-10-25</a:t>
             </a:fld>
             <a:endParaRPr lang="ko-KR" altLang="en-US"/>
           </a:p>
@@ -2564,7 +3216,7 @@
           <a:p>
             <a:fld id="{AC3A54A4-1D9A-4EA4-83C9-032C7558E97A}" type="datetime1">
               <a:rPr lang="ko-KR" altLang="en-US" smtClean="0"/>
-              <a:t>2020-10-24</a:t>
+              <a:t>2020-10-25</a:t>
             </a:fld>
             <a:endParaRPr lang="ko-KR" altLang="en-US"/>
           </a:p>
@@ -2712,7 +3364,7 @@
           <a:p>
             <a:fld id="{29F12B2F-7FA6-450F-99FE-04774F19F559}" type="datetime1">
               <a:rPr lang="ko-KR" altLang="en-US" smtClean="0"/>
-              <a:t>2020-10-24</a:t>
+              <a:t>2020-10-25</a:t>
             </a:fld>
             <a:endParaRPr lang="ko-KR" altLang="en-US"/>
           </a:p>
@@ -3058,7 +3710,7 @@
           <a:p>
             <a:fld id="{F5789761-A2A5-4DD2-A541-0B2333F1A735}" type="datetime1">
               <a:rPr lang="ko-KR" altLang="en-US" smtClean="0"/>
-              <a:t>2020-10-24</a:t>
+              <a:t>2020-10-25</a:t>
             </a:fld>
             <a:endParaRPr lang="ko-KR" altLang="en-US"/>
           </a:p>
@@ -3381,7 +4033,7 @@
           <a:p>
             <a:fld id="{66B08EFB-003F-47D8-BBB5-74494BE53C42}" type="datetime1">
               <a:rPr lang="ko-KR" altLang="en-US" smtClean="0"/>
-              <a:t>2020-10-24</a:t>
+              <a:t>2020-10-25</a:t>
             </a:fld>
             <a:endParaRPr lang="ko-KR" altLang="en-US"/>
           </a:p>
@@ -3649,7 +4301,7 @@
           <a:p>
             <a:fld id="{1D56028A-F832-41DB-8E61-55343315335C}" type="datetime1">
               <a:rPr lang="ko-KR" altLang="en-US" smtClean="0"/>
-              <a:t>2020-10-24</a:t>
+              <a:t>2020-10-25</a:t>
             </a:fld>
             <a:endParaRPr lang="ko-KR" altLang="en-US"/>
           </a:p>
@@ -5703,6 +6355,3764 @@
     <p:extLst>
       <p:ext uri="{BB962C8B-B14F-4D97-AF65-F5344CB8AC3E}">
         <p14:creationId xmlns:p14="http://schemas.microsoft.com/office/powerpoint/2010/main" val="841863617"/>
+      </p:ext>
+    </p:extLst>
+  </p:cSld>
+  <p:clrMapOvr>
+    <a:masterClrMapping/>
+  </p:clrMapOvr>
+</p:sld>
+</file>
+
+<file path=ppt/slides/slide3.xml><?xml version="1.0" encoding="utf-8"?>
+<p:sld xmlns:a="http://schemas.openxmlformats.org/drawingml/2006/main" xmlns:r="http://schemas.openxmlformats.org/officeDocument/2006/relationships" xmlns:p="http://schemas.openxmlformats.org/presentationml/2006/main">
+  <p:cSld>
+    <p:spTree>
+      <p:nvGrpSpPr>
+        <p:cNvPr id="1" name=""/>
+        <p:cNvGrpSpPr/>
+        <p:nvPr/>
+      </p:nvGrpSpPr>
+      <p:grpSpPr>
+        <a:xfrm>
+          <a:off x="0" y="0"/>
+          <a:ext cx="0" cy="0"/>
+          <a:chOff x="0" y="0"/>
+          <a:chExt cx="0" cy="0"/>
+        </a:xfrm>
+      </p:grpSpPr>
+      <p:sp>
+        <p:nvSpPr>
+          <p:cNvPr id="5" name="TextBox 4">
+            <a:extLst>
+              <a:ext uri="{FF2B5EF4-FFF2-40B4-BE49-F238E27FC236}">
+                <a16:creationId xmlns:a16="http://schemas.microsoft.com/office/drawing/2014/main" id="{64D1EAA9-4A91-4F18-96EB-D986CF3A4299}"/>
+              </a:ext>
+            </a:extLst>
+          </p:cNvPr>
+          <p:cNvSpPr txBox="1"/>
+          <p:nvPr/>
+        </p:nvSpPr>
+        <p:spPr>
+          <a:xfrm>
+            <a:off x="11630104" y="6453051"/>
+            <a:ext cx="474810" cy="307777"/>
+          </a:xfrm>
+          <a:prstGeom prst="rect">
+            <a:avLst/>
+          </a:prstGeom>
+          <a:noFill/>
+        </p:spPr>
+        <p:txBody>
+          <a:bodyPr wrap="none" rtlCol="0">
+            <a:spAutoFit/>
+          </a:bodyPr>
+          <a:lstStyle/>
+          <a:p>
+            <a:pPr algn="r"/>
+            <a:r>
+              <a:rPr lang="en-US" altLang="ko-KR" sz="1400" dirty="0">
+                <a:solidFill>
+                  <a:schemeClr val="tx1">
+                    <a:lumMod val="50000"/>
+                    <a:lumOff val="50000"/>
+                  </a:schemeClr>
+                </a:solidFill>
+                <a:latin typeface="카카오 Regular" panose="020B0600000101010101" pitchFamily="50" charset="-127"/>
+                <a:ea typeface="카카오 Regular" panose="020B0600000101010101" pitchFamily="50" charset="-127"/>
+              </a:rPr>
+              <a:t>p. 3</a:t>
+            </a:r>
+            <a:endParaRPr lang="ko-KR" altLang="en-US" sz="1400" dirty="0">
+              <a:solidFill>
+                <a:schemeClr val="tx1">
+                  <a:lumMod val="50000"/>
+                  <a:lumOff val="50000"/>
+                </a:schemeClr>
+              </a:solidFill>
+              <a:latin typeface="카카오 Regular" panose="020B0600000101010101" pitchFamily="50" charset="-127"/>
+              <a:ea typeface="카카오 Regular" panose="020B0600000101010101" pitchFamily="50" charset="-127"/>
+            </a:endParaRPr>
+          </a:p>
+        </p:txBody>
+      </p:sp>
+      <p:sp>
+        <p:nvSpPr>
+          <p:cNvPr id="7" name="TextBox 6">
+            <a:extLst>
+              <a:ext uri="{FF2B5EF4-FFF2-40B4-BE49-F238E27FC236}">
+                <a16:creationId xmlns:a16="http://schemas.microsoft.com/office/drawing/2014/main" id="{66A672A8-8173-4CC6-9669-8B5C768BF931}"/>
+              </a:ext>
+            </a:extLst>
+          </p:cNvPr>
+          <p:cNvSpPr txBox="1"/>
+          <p:nvPr/>
+        </p:nvSpPr>
+        <p:spPr>
+          <a:xfrm>
+            <a:off x="87086" y="6453051"/>
+            <a:ext cx="1356462" cy="307777"/>
+          </a:xfrm>
+          <a:prstGeom prst="rect">
+            <a:avLst/>
+          </a:prstGeom>
+          <a:noFill/>
+        </p:spPr>
+        <p:txBody>
+          <a:bodyPr wrap="none" rtlCol="0">
+            <a:spAutoFit/>
+          </a:bodyPr>
+          <a:lstStyle/>
+          <a:p>
+            <a:r>
+              <a:rPr lang="ko-KR" altLang="en-US" sz="1400" dirty="0">
+                <a:solidFill>
+                  <a:schemeClr val="tx1">
+                    <a:lumMod val="50000"/>
+                    <a:lumOff val="50000"/>
+                  </a:schemeClr>
+                </a:solidFill>
+                <a:latin typeface="카카오 Regular" panose="020B0600000101010101" pitchFamily="50" charset="-127"/>
+                <a:ea typeface="카카오 Regular" panose="020B0600000101010101" pitchFamily="50" charset="-127"/>
+              </a:rPr>
+              <a:t>오픈소스</a:t>
+            </a:r>
+            <a:r>
+              <a:rPr lang="en-US" altLang="ko-KR" sz="1400" dirty="0">
+                <a:solidFill>
+                  <a:schemeClr val="tx1">
+                    <a:lumMod val="50000"/>
+                    <a:lumOff val="50000"/>
+                  </a:schemeClr>
+                </a:solidFill>
+                <a:latin typeface="카카오 Regular" panose="020B0600000101010101" pitchFamily="50" charset="-127"/>
+                <a:ea typeface="카카오 Regular" panose="020B0600000101010101" pitchFamily="50" charset="-127"/>
+              </a:rPr>
+              <a:t>SW</a:t>
+            </a:r>
+            <a:r>
+              <a:rPr lang="ko-KR" altLang="en-US" sz="1400" dirty="0">
+                <a:solidFill>
+                  <a:schemeClr val="tx1">
+                    <a:lumMod val="50000"/>
+                    <a:lumOff val="50000"/>
+                  </a:schemeClr>
+                </a:solidFill>
+                <a:latin typeface="카카오 Regular" panose="020B0600000101010101" pitchFamily="50" charset="-127"/>
+                <a:ea typeface="카카오 Regular" panose="020B0600000101010101" pitchFamily="50" charset="-127"/>
+              </a:rPr>
+              <a:t>설계</a:t>
+            </a:r>
+          </a:p>
+        </p:txBody>
+      </p:sp>
+      <p:sp>
+        <p:nvSpPr>
+          <p:cNvPr id="9" name="TextBox 8">
+            <a:extLst>
+              <a:ext uri="{FF2B5EF4-FFF2-40B4-BE49-F238E27FC236}">
+                <a16:creationId xmlns:a16="http://schemas.microsoft.com/office/drawing/2014/main" id="{B2A6C981-D6F0-4EB8-A9DF-2DEC1C3E7DBE}"/>
+              </a:ext>
+            </a:extLst>
+          </p:cNvPr>
+          <p:cNvSpPr txBox="1"/>
+          <p:nvPr/>
+        </p:nvSpPr>
+        <p:spPr>
+          <a:xfrm>
+            <a:off x="5508339" y="6453051"/>
+            <a:ext cx="1175322" cy="307777"/>
+          </a:xfrm>
+          <a:prstGeom prst="rect">
+            <a:avLst/>
+          </a:prstGeom>
+          <a:noFill/>
+        </p:spPr>
+        <p:txBody>
+          <a:bodyPr wrap="none" rtlCol="0">
+            <a:spAutoFit/>
+          </a:bodyPr>
+          <a:lstStyle/>
+          <a:p>
+            <a:pPr algn="ctr"/>
+            <a:r>
+              <a:rPr lang="en-US" altLang="ko-KR" sz="1400" dirty="0">
+                <a:solidFill>
+                  <a:schemeClr val="tx1">
+                    <a:lumMod val="50000"/>
+                    <a:lumOff val="50000"/>
+                  </a:schemeClr>
+                </a:solidFill>
+                <a:latin typeface="카카오 Regular" panose="020B0600000101010101" pitchFamily="50" charset="-127"/>
+                <a:ea typeface="카카오 Regular" panose="020B0600000101010101" pitchFamily="50" charset="-127"/>
+              </a:rPr>
+              <a:t>2020.10.30.</a:t>
+            </a:r>
+            <a:endParaRPr lang="ko-KR" altLang="en-US" sz="1400" dirty="0">
+              <a:solidFill>
+                <a:schemeClr val="tx1">
+                  <a:lumMod val="50000"/>
+                  <a:lumOff val="50000"/>
+                </a:schemeClr>
+              </a:solidFill>
+              <a:latin typeface="카카오 Regular" panose="020B0600000101010101" pitchFamily="50" charset="-127"/>
+              <a:ea typeface="카카오 Regular" panose="020B0600000101010101" pitchFamily="50" charset="-127"/>
+            </a:endParaRPr>
+          </a:p>
+        </p:txBody>
+      </p:sp>
+      <p:grpSp>
+        <p:nvGrpSpPr>
+          <p:cNvPr id="25" name="그룹 24">
+            <a:extLst>
+              <a:ext uri="{FF2B5EF4-FFF2-40B4-BE49-F238E27FC236}">
+                <a16:creationId xmlns:a16="http://schemas.microsoft.com/office/drawing/2014/main" id="{00A7B8F9-97BD-47E9-B484-8D995DCE0D9A}"/>
+              </a:ext>
+            </a:extLst>
+          </p:cNvPr>
+          <p:cNvGrpSpPr/>
+          <p:nvPr/>
+        </p:nvGrpSpPr>
+        <p:grpSpPr>
+          <a:xfrm>
+            <a:off x="271174" y="216796"/>
+            <a:ext cx="4473787" cy="832711"/>
+            <a:chOff x="310539" y="246653"/>
+            <a:chExt cx="4473787" cy="832711"/>
+          </a:xfrm>
+        </p:grpSpPr>
+        <p:sp>
+          <p:nvSpPr>
+            <p:cNvPr id="23" name="평행 사변형 22">
+              <a:extLst>
+                <a:ext uri="{FF2B5EF4-FFF2-40B4-BE49-F238E27FC236}">
+                  <a16:creationId xmlns:a16="http://schemas.microsoft.com/office/drawing/2014/main" id="{6E79C4C7-3DDF-4C6A-8C87-D6C42ACC44D6}"/>
+                </a:ext>
+              </a:extLst>
+            </p:cNvPr>
+            <p:cNvSpPr/>
+            <p:nvPr/>
+          </p:nvSpPr>
+          <p:spPr>
+            <a:xfrm rot="21268823">
+              <a:off x="1356198" y="370527"/>
+              <a:ext cx="3367430" cy="584961"/>
+            </a:xfrm>
+            <a:prstGeom prst="parallelogram">
+              <a:avLst/>
+            </a:prstGeom>
+            <a:solidFill>
+              <a:schemeClr val="accent4">
+                <a:lumMod val="40000"/>
+                <a:lumOff val="60000"/>
+              </a:schemeClr>
+            </a:solidFill>
+            <a:ln>
+              <a:noFill/>
+            </a:ln>
+          </p:spPr>
+          <p:style>
+            <a:lnRef idx="2">
+              <a:schemeClr val="accent1">
+                <a:shade val="50000"/>
+              </a:schemeClr>
+            </a:lnRef>
+            <a:fillRef idx="1">
+              <a:schemeClr val="accent1"/>
+            </a:fillRef>
+            <a:effectRef idx="0">
+              <a:schemeClr val="accent1"/>
+            </a:effectRef>
+            <a:fontRef idx="minor">
+              <a:schemeClr val="lt1"/>
+            </a:fontRef>
+          </p:style>
+          <p:txBody>
+            <a:bodyPr rtlCol="0" anchor="ctr"/>
+            <a:lstStyle/>
+            <a:p>
+              <a:pPr algn="ctr"/>
+              <a:endParaRPr lang="ko-KR" altLang="en-US"/>
+            </a:p>
+          </p:txBody>
+        </p:sp>
+        <p:sp>
+          <p:nvSpPr>
+            <p:cNvPr id="13" name="제목 1">
+              <a:extLst>
+                <a:ext uri="{FF2B5EF4-FFF2-40B4-BE49-F238E27FC236}">
+                  <a16:creationId xmlns:a16="http://schemas.microsoft.com/office/drawing/2014/main" id="{4F09355B-16CE-40C0-AC48-57E5C34461C3}"/>
+                </a:ext>
+              </a:extLst>
+            </p:cNvPr>
+            <p:cNvSpPr txBox="1">
+              <a:spLocks/>
+            </p:cNvSpPr>
+            <p:nvPr/>
+          </p:nvSpPr>
+          <p:spPr>
+            <a:xfrm>
+              <a:off x="1295502" y="246653"/>
+              <a:ext cx="3488824" cy="832711"/>
+            </a:xfrm>
+            <a:prstGeom prst="rect">
+              <a:avLst/>
+            </a:prstGeom>
+            <a:noFill/>
+          </p:spPr>
+          <p:txBody>
+            <a:bodyPr vert="horz" lIns="91440" tIns="45720" rIns="91440" bIns="45720" rtlCol="0" anchor="ctr">
+              <a:normAutofit/>
+            </a:bodyPr>
+            <a:lstStyle>
+              <a:lvl1pPr algn="l" defTabSz="914400" rtl="0" eaLnBrk="1" latinLnBrk="1" hangingPunct="1">
+                <a:lnSpc>
+                  <a:spcPct val="90000"/>
+                </a:lnSpc>
+                <a:spcBef>
+                  <a:spcPct val="0"/>
+                </a:spcBef>
+                <a:buNone/>
+                <a:defRPr sz="4400" kern="1200">
+                  <a:solidFill>
+                    <a:schemeClr val="tx1"/>
+                  </a:solidFill>
+                  <a:latin typeface="+mj-lt"/>
+                  <a:ea typeface="+mj-ea"/>
+                  <a:cs typeface="+mj-cs"/>
+                </a:defRPr>
+              </a:lvl1pPr>
+            </a:lstStyle>
+            <a:p>
+              <a:pPr algn="dist"/>
+              <a:r>
+                <a:rPr lang="en-US" altLang="ko-KR" dirty="0">
+                  <a:solidFill>
+                    <a:schemeClr val="tx1">
+                      <a:lumMod val="85000"/>
+                      <a:lumOff val="15000"/>
+                    </a:schemeClr>
+                  </a:solidFill>
+                  <a:latin typeface="카카오 Regular" panose="020B0600000101010101" pitchFamily="50" charset="-127"/>
+                  <a:ea typeface="카카오 Regular" panose="020B0600000101010101" pitchFamily="50" charset="-127"/>
+                </a:rPr>
+                <a:t>Motivation</a:t>
+              </a:r>
+              <a:endParaRPr lang="ko-KR" altLang="en-US" dirty="0">
+                <a:solidFill>
+                  <a:schemeClr val="tx1">
+                    <a:lumMod val="85000"/>
+                    <a:lumOff val="15000"/>
+                  </a:schemeClr>
+                </a:solidFill>
+                <a:latin typeface="카카오 Regular" panose="020B0600000101010101" pitchFamily="50" charset="-127"/>
+                <a:ea typeface="카카오 Regular" panose="020B0600000101010101" pitchFamily="50" charset="-127"/>
+              </a:endParaRPr>
+            </a:p>
+          </p:txBody>
+        </p:sp>
+        <p:sp>
+          <p:nvSpPr>
+            <p:cNvPr id="16" name="TextBox 15">
+              <a:extLst>
+                <a:ext uri="{FF2B5EF4-FFF2-40B4-BE49-F238E27FC236}">
+                  <a16:creationId xmlns:a16="http://schemas.microsoft.com/office/drawing/2014/main" id="{DD557D49-0FCB-4716-A6EA-5360E29BF593}"/>
+                </a:ext>
+              </a:extLst>
+            </p:cNvPr>
+            <p:cNvSpPr txBox="1"/>
+            <p:nvPr/>
+          </p:nvSpPr>
+          <p:spPr>
+            <a:xfrm>
+              <a:off x="310539" y="309065"/>
+              <a:ext cx="879564" cy="707886"/>
+            </a:xfrm>
+            <a:prstGeom prst="rect">
+              <a:avLst/>
+            </a:prstGeom>
+            <a:noFill/>
+          </p:spPr>
+          <p:txBody>
+            <a:bodyPr wrap="square" rtlCol="0">
+              <a:spAutoFit/>
+            </a:bodyPr>
+            <a:lstStyle/>
+            <a:p>
+              <a:pPr algn="dist"/>
+              <a:r>
+                <a:rPr lang="en-US" altLang="ko-KR" sz="4000" b="1" dirty="0">
+                  <a:solidFill>
+                    <a:schemeClr val="bg1">
+                      <a:lumMod val="50000"/>
+                    </a:schemeClr>
+                  </a:solidFill>
+                  <a:latin typeface="카카오 Regular" panose="020B0600000101010101" pitchFamily="50" charset="-127"/>
+                  <a:ea typeface="카카오 Regular" panose="020B0600000101010101" pitchFamily="50" charset="-127"/>
+                </a:rPr>
+                <a:t>02</a:t>
+              </a:r>
+              <a:endParaRPr lang="ko-KR" altLang="en-US" sz="4000" b="1" dirty="0">
+                <a:solidFill>
+                  <a:schemeClr val="bg1">
+                    <a:lumMod val="50000"/>
+                  </a:schemeClr>
+                </a:solidFill>
+                <a:latin typeface="카카오 Regular" panose="020B0600000101010101" pitchFamily="50" charset="-127"/>
+                <a:ea typeface="카카오 Regular" panose="020B0600000101010101" pitchFamily="50" charset="-127"/>
+              </a:endParaRPr>
+            </a:p>
+          </p:txBody>
+        </p:sp>
+      </p:grpSp>
+      <p:pic>
+        <p:nvPicPr>
+          <p:cNvPr id="22" name="그림 21">
+            <a:extLst>
+              <a:ext uri="{FF2B5EF4-FFF2-40B4-BE49-F238E27FC236}">
+                <a16:creationId xmlns:a16="http://schemas.microsoft.com/office/drawing/2014/main" id="{C1B8A98A-7E03-421D-93F3-D454245DF608}"/>
+              </a:ext>
+            </a:extLst>
+          </p:cNvPr>
+          <p:cNvPicPr>
+            <a:picLocks noChangeAspect="1"/>
+          </p:cNvPicPr>
+          <p:nvPr/>
+        </p:nvPicPr>
+        <p:blipFill>
+          <a:blip r:embed="rId3"/>
+          <a:stretch>
+            <a:fillRect/>
+          </a:stretch>
+        </p:blipFill>
+        <p:spPr>
+          <a:xfrm>
+            <a:off x="1450522" y="1914409"/>
+            <a:ext cx="4327281" cy="2468200"/>
+          </a:xfrm>
+          <a:prstGeom prst="rect">
+            <a:avLst/>
+          </a:prstGeom>
+        </p:spPr>
+      </p:pic>
+      <p:pic>
+        <p:nvPicPr>
+          <p:cNvPr id="1030" name="Picture 6" descr="Covid19 코로나 바이러스 - Pixabay의 무료 이미지">
+            <a:extLst>
+              <a:ext uri="{FF2B5EF4-FFF2-40B4-BE49-F238E27FC236}">
+                <a16:creationId xmlns:a16="http://schemas.microsoft.com/office/drawing/2014/main" id="{9356B42D-E256-4725-88A6-8664867BEDB1}"/>
+              </a:ext>
+            </a:extLst>
+          </p:cNvPr>
+          <p:cNvPicPr>
+            <a:picLocks noChangeAspect="1" noChangeArrowheads="1"/>
+          </p:cNvPicPr>
+          <p:nvPr/>
+        </p:nvPicPr>
+        <p:blipFill>
+          <a:blip r:embed="rId4">
+            <a:extLst>
+              <a:ext uri="{28A0092B-C50C-407E-A947-70E740481C1C}">
+                <a14:useLocalDpi xmlns:a14="http://schemas.microsoft.com/office/drawing/2010/main" val="0"/>
+              </a:ext>
+            </a:extLst>
+          </a:blip>
+          <a:srcRect/>
+          <a:stretch>
+            <a:fillRect/>
+          </a:stretch>
+        </p:blipFill>
+        <p:spPr bwMode="auto">
+          <a:xfrm>
+            <a:off x="6414198" y="1912212"/>
+            <a:ext cx="4589417" cy="2470397"/>
+          </a:xfrm>
+          <a:prstGeom prst="rect">
+            <a:avLst/>
+          </a:prstGeom>
+          <a:noFill/>
+          <a:extLst>
+            <a:ext uri="{909E8E84-426E-40DD-AFC4-6F175D3DCCD1}">
+              <a14:hiddenFill xmlns:a14="http://schemas.microsoft.com/office/drawing/2010/main">
+                <a:solidFill>
+                  <a:srgbClr val="FFFFFF"/>
+                </a:solidFill>
+              </a14:hiddenFill>
+            </a:ext>
+          </a:extLst>
+        </p:spPr>
+      </p:pic>
+      <p:sp>
+        <p:nvSpPr>
+          <p:cNvPr id="26" name="TextBox 25">
+            <a:extLst>
+              <a:ext uri="{FF2B5EF4-FFF2-40B4-BE49-F238E27FC236}">
+                <a16:creationId xmlns:a16="http://schemas.microsoft.com/office/drawing/2014/main" id="{55332580-E421-4EAE-B256-0C304B7704A8}"/>
+              </a:ext>
+            </a:extLst>
+          </p:cNvPr>
+          <p:cNvSpPr txBox="1"/>
+          <p:nvPr/>
+        </p:nvSpPr>
+        <p:spPr>
+          <a:xfrm>
+            <a:off x="3331460" y="5001474"/>
+            <a:ext cx="5529079" cy="523220"/>
+          </a:xfrm>
+          <a:prstGeom prst="rect">
+            <a:avLst/>
+          </a:prstGeom>
+          <a:noFill/>
+        </p:spPr>
+        <p:txBody>
+          <a:bodyPr wrap="none" rtlCol="0">
+            <a:spAutoFit/>
+          </a:bodyPr>
+          <a:lstStyle/>
+          <a:p>
+            <a:pPr algn="ctr"/>
+            <a:r>
+              <a:rPr lang="ko-KR" altLang="en-US" sz="2800" dirty="0">
+                <a:solidFill>
+                  <a:schemeClr val="tx1">
+                    <a:lumMod val="75000"/>
+                    <a:lumOff val="25000"/>
+                  </a:schemeClr>
+                </a:solidFill>
+                <a:latin typeface="카카오 Regular" panose="020B0600000101010101" pitchFamily="50" charset="-127"/>
+                <a:ea typeface="카카오 Regular" panose="020B0600000101010101" pitchFamily="50" charset="-127"/>
+              </a:rPr>
+              <a:t>메르스</a:t>
+            </a:r>
+            <a:r>
+              <a:rPr lang="en-US" altLang="ko-KR" sz="2800" dirty="0">
+                <a:solidFill>
+                  <a:schemeClr val="tx1">
+                    <a:lumMod val="75000"/>
+                    <a:lumOff val="25000"/>
+                  </a:schemeClr>
+                </a:solidFill>
+                <a:latin typeface="카카오 Regular" panose="020B0600000101010101" pitchFamily="50" charset="-127"/>
+                <a:ea typeface="카카오 Regular" panose="020B0600000101010101" pitchFamily="50" charset="-127"/>
+              </a:rPr>
+              <a:t>, COVID-19 </a:t>
+            </a:r>
+            <a:r>
+              <a:rPr lang="ko-KR" altLang="en-US" sz="2800" dirty="0">
+                <a:solidFill>
+                  <a:schemeClr val="tx1">
+                    <a:lumMod val="75000"/>
+                    <a:lumOff val="25000"/>
+                  </a:schemeClr>
+                </a:solidFill>
+                <a:latin typeface="카카오 Regular" panose="020B0600000101010101" pitchFamily="50" charset="-127"/>
+                <a:ea typeface="카카오 Regular" panose="020B0600000101010101" pitchFamily="50" charset="-127"/>
+              </a:rPr>
+              <a:t>등 </a:t>
+            </a:r>
+            <a:r>
+              <a:rPr lang="ko-KR" altLang="en-US" sz="2800" dirty="0">
+                <a:solidFill>
+                  <a:schemeClr val="accent4"/>
+                </a:solidFill>
+                <a:latin typeface="카카오 Regular" panose="020B0600000101010101" pitchFamily="50" charset="-127"/>
+                <a:ea typeface="카카오 Regular" panose="020B0600000101010101" pitchFamily="50" charset="-127"/>
+              </a:rPr>
+              <a:t>감염병 확산</a:t>
+            </a:r>
+            <a:r>
+              <a:rPr lang="ko-KR" altLang="en-US" sz="2800" dirty="0">
+                <a:solidFill>
+                  <a:schemeClr val="tx1">
+                    <a:lumMod val="75000"/>
+                    <a:lumOff val="25000"/>
+                  </a:schemeClr>
+                </a:solidFill>
+                <a:latin typeface="카카오 Regular" panose="020B0600000101010101" pitchFamily="50" charset="-127"/>
+                <a:ea typeface="카카오 Regular" panose="020B0600000101010101" pitchFamily="50" charset="-127"/>
+              </a:rPr>
+              <a:t> 심화</a:t>
+            </a:r>
+          </a:p>
+        </p:txBody>
+      </p:sp>
+    </p:spTree>
+    <p:extLst>
+      <p:ext uri="{BB962C8B-B14F-4D97-AF65-F5344CB8AC3E}">
+        <p14:creationId xmlns:p14="http://schemas.microsoft.com/office/powerpoint/2010/main" val="2760751227"/>
+      </p:ext>
+    </p:extLst>
+  </p:cSld>
+  <p:clrMapOvr>
+    <a:masterClrMapping/>
+  </p:clrMapOvr>
+</p:sld>
+</file>
+
+<file path=ppt/slides/slide4.xml><?xml version="1.0" encoding="utf-8"?>
+<p:sld xmlns:a="http://schemas.openxmlformats.org/drawingml/2006/main" xmlns:r="http://schemas.openxmlformats.org/officeDocument/2006/relationships" xmlns:p="http://schemas.openxmlformats.org/presentationml/2006/main">
+  <p:cSld>
+    <p:spTree>
+      <p:nvGrpSpPr>
+        <p:cNvPr id="1" name=""/>
+        <p:cNvGrpSpPr/>
+        <p:nvPr/>
+      </p:nvGrpSpPr>
+      <p:grpSpPr>
+        <a:xfrm>
+          <a:off x="0" y="0"/>
+          <a:ext cx="0" cy="0"/>
+          <a:chOff x="0" y="0"/>
+          <a:chExt cx="0" cy="0"/>
+        </a:xfrm>
+      </p:grpSpPr>
+      <p:sp>
+        <p:nvSpPr>
+          <p:cNvPr id="4" name="TextBox 3">
+            <a:extLst>
+              <a:ext uri="{FF2B5EF4-FFF2-40B4-BE49-F238E27FC236}">
+                <a16:creationId xmlns:a16="http://schemas.microsoft.com/office/drawing/2014/main" id="{B7489367-2878-4E46-AFAA-F57B08FCD2B0}"/>
+              </a:ext>
+            </a:extLst>
+          </p:cNvPr>
+          <p:cNvSpPr txBox="1"/>
+          <p:nvPr/>
+        </p:nvSpPr>
+        <p:spPr>
+          <a:xfrm>
+            <a:off x="11625295" y="6453051"/>
+            <a:ext cx="479619" cy="307777"/>
+          </a:xfrm>
+          <a:prstGeom prst="rect">
+            <a:avLst/>
+          </a:prstGeom>
+          <a:noFill/>
+        </p:spPr>
+        <p:txBody>
+          <a:bodyPr wrap="none" rtlCol="0">
+            <a:spAutoFit/>
+          </a:bodyPr>
+          <a:lstStyle/>
+          <a:p>
+            <a:pPr algn="r"/>
+            <a:r>
+              <a:rPr lang="en-US" altLang="ko-KR" sz="1400" dirty="0">
+                <a:solidFill>
+                  <a:schemeClr val="tx1">
+                    <a:lumMod val="50000"/>
+                    <a:lumOff val="50000"/>
+                  </a:schemeClr>
+                </a:solidFill>
+                <a:latin typeface="카카오 Regular" panose="020B0600000101010101" pitchFamily="50" charset="-127"/>
+                <a:ea typeface="카카오 Regular" panose="020B0600000101010101" pitchFamily="50" charset="-127"/>
+              </a:rPr>
+              <a:t>p. 4</a:t>
+            </a:r>
+            <a:endParaRPr lang="ko-KR" altLang="en-US" sz="1400" dirty="0">
+              <a:solidFill>
+                <a:schemeClr val="tx1">
+                  <a:lumMod val="50000"/>
+                  <a:lumOff val="50000"/>
+                </a:schemeClr>
+              </a:solidFill>
+              <a:latin typeface="카카오 Regular" panose="020B0600000101010101" pitchFamily="50" charset="-127"/>
+              <a:ea typeface="카카오 Regular" panose="020B0600000101010101" pitchFamily="50" charset="-127"/>
+            </a:endParaRPr>
+          </a:p>
+        </p:txBody>
+      </p:sp>
+      <p:sp>
+        <p:nvSpPr>
+          <p:cNvPr id="5" name="TextBox 4">
+            <a:extLst>
+              <a:ext uri="{FF2B5EF4-FFF2-40B4-BE49-F238E27FC236}">
+                <a16:creationId xmlns:a16="http://schemas.microsoft.com/office/drawing/2014/main" id="{432D4550-24DE-4DE0-BE56-DA57E6C1FDB7}"/>
+              </a:ext>
+            </a:extLst>
+          </p:cNvPr>
+          <p:cNvSpPr txBox="1"/>
+          <p:nvPr/>
+        </p:nvSpPr>
+        <p:spPr>
+          <a:xfrm>
+            <a:off x="87086" y="6453051"/>
+            <a:ext cx="1356462" cy="307777"/>
+          </a:xfrm>
+          <a:prstGeom prst="rect">
+            <a:avLst/>
+          </a:prstGeom>
+          <a:noFill/>
+        </p:spPr>
+        <p:txBody>
+          <a:bodyPr wrap="none" rtlCol="0">
+            <a:spAutoFit/>
+          </a:bodyPr>
+          <a:lstStyle/>
+          <a:p>
+            <a:r>
+              <a:rPr lang="ko-KR" altLang="en-US" sz="1400" dirty="0">
+                <a:solidFill>
+                  <a:schemeClr val="tx1">
+                    <a:lumMod val="50000"/>
+                    <a:lumOff val="50000"/>
+                  </a:schemeClr>
+                </a:solidFill>
+                <a:latin typeface="카카오 Regular" panose="020B0600000101010101" pitchFamily="50" charset="-127"/>
+                <a:ea typeface="카카오 Regular" panose="020B0600000101010101" pitchFamily="50" charset="-127"/>
+              </a:rPr>
+              <a:t>오픈소스</a:t>
+            </a:r>
+            <a:r>
+              <a:rPr lang="en-US" altLang="ko-KR" sz="1400" dirty="0">
+                <a:solidFill>
+                  <a:schemeClr val="tx1">
+                    <a:lumMod val="50000"/>
+                    <a:lumOff val="50000"/>
+                  </a:schemeClr>
+                </a:solidFill>
+                <a:latin typeface="카카오 Regular" panose="020B0600000101010101" pitchFamily="50" charset="-127"/>
+                <a:ea typeface="카카오 Regular" panose="020B0600000101010101" pitchFamily="50" charset="-127"/>
+              </a:rPr>
+              <a:t>SW</a:t>
+            </a:r>
+            <a:r>
+              <a:rPr lang="ko-KR" altLang="en-US" sz="1400" dirty="0">
+                <a:solidFill>
+                  <a:schemeClr val="tx1">
+                    <a:lumMod val="50000"/>
+                    <a:lumOff val="50000"/>
+                  </a:schemeClr>
+                </a:solidFill>
+                <a:latin typeface="카카오 Regular" panose="020B0600000101010101" pitchFamily="50" charset="-127"/>
+                <a:ea typeface="카카오 Regular" panose="020B0600000101010101" pitchFamily="50" charset="-127"/>
+              </a:rPr>
+              <a:t>설계</a:t>
+            </a:r>
+          </a:p>
+        </p:txBody>
+      </p:sp>
+      <p:sp>
+        <p:nvSpPr>
+          <p:cNvPr id="6" name="TextBox 5">
+            <a:extLst>
+              <a:ext uri="{FF2B5EF4-FFF2-40B4-BE49-F238E27FC236}">
+                <a16:creationId xmlns:a16="http://schemas.microsoft.com/office/drawing/2014/main" id="{35106150-6845-4A5C-8DCF-D8F81F6DC63B}"/>
+              </a:ext>
+            </a:extLst>
+          </p:cNvPr>
+          <p:cNvSpPr txBox="1"/>
+          <p:nvPr/>
+        </p:nvSpPr>
+        <p:spPr>
+          <a:xfrm>
+            <a:off x="5508339" y="6453051"/>
+            <a:ext cx="1175322" cy="307777"/>
+          </a:xfrm>
+          <a:prstGeom prst="rect">
+            <a:avLst/>
+          </a:prstGeom>
+          <a:noFill/>
+        </p:spPr>
+        <p:txBody>
+          <a:bodyPr wrap="none" rtlCol="0">
+            <a:spAutoFit/>
+          </a:bodyPr>
+          <a:lstStyle/>
+          <a:p>
+            <a:pPr algn="ctr"/>
+            <a:r>
+              <a:rPr lang="en-US" altLang="ko-KR" sz="1400" dirty="0">
+                <a:solidFill>
+                  <a:schemeClr val="tx1">
+                    <a:lumMod val="50000"/>
+                    <a:lumOff val="50000"/>
+                  </a:schemeClr>
+                </a:solidFill>
+                <a:latin typeface="카카오 Regular" panose="020B0600000101010101" pitchFamily="50" charset="-127"/>
+                <a:ea typeface="카카오 Regular" panose="020B0600000101010101" pitchFamily="50" charset="-127"/>
+              </a:rPr>
+              <a:t>2020.10.30.</a:t>
+            </a:r>
+            <a:endParaRPr lang="ko-KR" altLang="en-US" sz="1400" dirty="0">
+              <a:solidFill>
+                <a:schemeClr val="tx1">
+                  <a:lumMod val="50000"/>
+                  <a:lumOff val="50000"/>
+                </a:schemeClr>
+              </a:solidFill>
+              <a:latin typeface="카카오 Regular" panose="020B0600000101010101" pitchFamily="50" charset="-127"/>
+              <a:ea typeface="카카오 Regular" panose="020B0600000101010101" pitchFamily="50" charset="-127"/>
+            </a:endParaRPr>
+          </a:p>
+        </p:txBody>
+      </p:sp>
+      <p:grpSp>
+        <p:nvGrpSpPr>
+          <p:cNvPr id="15" name="그룹 14">
+            <a:extLst>
+              <a:ext uri="{FF2B5EF4-FFF2-40B4-BE49-F238E27FC236}">
+                <a16:creationId xmlns:a16="http://schemas.microsoft.com/office/drawing/2014/main" id="{681D6224-D2AA-4436-801D-E3918AF25215}"/>
+              </a:ext>
+            </a:extLst>
+          </p:cNvPr>
+          <p:cNvGrpSpPr/>
+          <p:nvPr/>
+        </p:nvGrpSpPr>
+        <p:grpSpPr>
+          <a:xfrm>
+            <a:off x="2950868" y="4779024"/>
+            <a:ext cx="6290263" cy="1046440"/>
+            <a:chOff x="2725034" y="4608927"/>
+            <a:chExt cx="6290263" cy="1046440"/>
+          </a:xfrm>
+        </p:grpSpPr>
+        <p:sp>
+          <p:nvSpPr>
+            <p:cNvPr id="13" name="TextBox 12">
+              <a:extLst>
+                <a:ext uri="{FF2B5EF4-FFF2-40B4-BE49-F238E27FC236}">
+                  <a16:creationId xmlns:a16="http://schemas.microsoft.com/office/drawing/2014/main" id="{E090B547-9EDB-4D0A-85C7-42B27D5B1BA1}"/>
+                </a:ext>
+              </a:extLst>
+            </p:cNvPr>
+            <p:cNvSpPr txBox="1"/>
+            <p:nvPr/>
+          </p:nvSpPr>
+          <p:spPr>
+            <a:xfrm>
+              <a:off x="2725034" y="4608927"/>
+              <a:ext cx="4318810" cy="523220"/>
+            </a:xfrm>
+            <a:prstGeom prst="rect">
+              <a:avLst/>
+            </a:prstGeom>
+            <a:noFill/>
+          </p:spPr>
+          <p:txBody>
+            <a:bodyPr wrap="none" rtlCol="0">
+              <a:spAutoFit/>
+            </a:bodyPr>
+            <a:lstStyle/>
+            <a:p>
+              <a:pPr algn="ctr"/>
+              <a:r>
+                <a:rPr lang="ko-KR" altLang="en-US" sz="2800" dirty="0" err="1">
+                  <a:solidFill>
+                    <a:schemeClr val="tx1">
+                      <a:lumMod val="75000"/>
+                      <a:lumOff val="25000"/>
+                    </a:schemeClr>
+                  </a:solidFill>
+                  <a:latin typeface="카카오 Regular" panose="020B0600000101010101" pitchFamily="50" charset="-127"/>
+                  <a:ea typeface="카카오 Regular" panose="020B0600000101010101" pitchFamily="50" charset="-127"/>
+                </a:rPr>
+                <a:t>이용량이</a:t>
+              </a:r>
+              <a:r>
+                <a:rPr lang="ko-KR" altLang="en-US" sz="2800" dirty="0">
+                  <a:solidFill>
+                    <a:schemeClr val="tx1">
+                      <a:lumMod val="75000"/>
+                      <a:lumOff val="25000"/>
+                    </a:schemeClr>
+                  </a:solidFill>
+                  <a:latin typeface="카카오 Regular" panose="020B0600000101010101" pitchFamily="50" charset="-127"/>
+                  <a:ea typeface="카카오 Regular" panose="020B0600000101010101" pitchFamily="50" charset="-127"/>
+                </a:rPr>
+                <a:t> 많은 공공장소 등지에</a:t>
+              </a:r>
+              <a:endParaRPr lang="en-US" altLang="ko-KR" sz="2800" dirty="0">
+                <a:solidFill>
+                  <a:schemeClr val="tx1">
+                    <a:lumMod val="75000"/>
+                    <a:lumOff val="25000"/>
+                  </a:schemeClr>
+                </a:solidFill>
+                <a:latin typeface="카카오 Regular" panose="020B0600000101010101" pitchFamily="50" charset="-127"/>
+                <a:ea typeface="카카오 Regular" panose="020B0600000101010101" pitchFamily="50" charset="-127"/>
+              </a:endParaRPr>
+            </a:p>
+          </p:txBody>
+        </p:sp>
+        <p:sp>
+          <p:nvSpPr>
+            <p:cNvPr id="14" name="TextBox 13">
+              <a:extLst>
+                <a:ext uri="{FF2B5EF4-FFF2-40B4-BE49-F238E27FC236}">
+                  <a16:creationId xmlns:a16="http://schemas.microsoft.com/office/drawing/2014/main" id="{8143D1EA-F8E2-463B-99E4-3777096A2021}"/>
+                </a:ext>
+              </a:extLst>
+            </p:cNvPr>
+            <p:cNvSpPr txBox="1"/>
+            <p:nvPr/>
+          </p:nvSpPr>
+          <p:spPr>
+            <a:xfrm>
+              <a:off x="5974080" y="5132147"/>
+              <a:ext cx="3041217" cy="523220"/>
+            </a:xfrm>
+            <a:prstGeom prst="rect">
+              <a:avLst/>
+            </a:prstGeom>
+            <a:noFill/>
+          </p:spPr>
+          <p:txBody>
+            <a:bodyPr wrap="none" rtlCol="0">
+              <a:spAutoFit/>
+            </a:bodyPr>
+            <a:lstStyle/>
+            <a:p>
+              <a:pPr algn="ctr"/>
+              <a:r>
+                <a:rPr lang="ko-KR" altLang="en-US" sz="2800" dirty="0">
+                  <a:solidFill>
+                    <a:schemeClr val="accent4"/>
+                  </a:solidFill>
+                  <a:latin typeface="카카오 Regular" panose="020B0600000101010101" pitchFamily="50" charset="-127"/>
+                  <a:ea typeface="카카오 Regular" panose="020B0600000101010101" pitchFamily="50" charset="-127"/>
+                </a:rPr>
+                <a:t>손소독제 </a:t>
+              </a:r>
+              <a:r>
+                <a:rPr lang="ko-KR" altLang="en-US" sz="2800" dirty="0" err="1">
+                  <a:solidFill>
+                    <a:schemeClr val="accent4"/>
+                  </a:solidFill>
+                  <a:latin typeface="카카오 Regular" panose="020B0600000101010101" pitchFamily="50" charset="-127"/>
+                  <a:ea typeface="카카오 Regular" panose="020B0600000101010101" pitchFamily="50" charset="-127"/>
+                </a:rPr>
+                <a:t>비치량</a:t>
+              </a:r>
+              <a:r>
+                <a:rPr lang="ko-KR" altLang="en-US" sz="2800" dirty="0">
+                  <a:solidFill>
+                    <a:schemeClr val="accent4"/>
+                  </a:solidFill>
+                  <a:latin typeface="카카오 Regular" panose="020B0600000101010101" pitchFamily="50" charset="-127"/>
+                  <a:ea typeface="카카오 Regular" panose="020B0600000101010101" pitchFamily="50" charset="-127"/>
+                </a:rPr>
+                <a:t> 증가</a:t>
+              </a:r>
+            </a:p>
+          </p:txBody>
+        </p:sp>
+      </p:grpSp>
+      <p:pic>
+        <p:nvPicPr>
+          <p:cNvPr id="17" name="그림 16">
+            <a:extLst>
+              <a:ext uri="{FF2B5EF4-FFF2-40B4-BE49-F238E27FC236}">
+                <a16:creationId xmlns:a16="http://schemas.microsoft.com/office/drawing/2014/main" id="{92925F02-C112-4D36-9DDD-4113FEC703FC}"/>
+              </a:ext>
+            </a:extLst>
+          </p:cNvPr>
+          <p:cNvPicPr>
+            <a:picLocks noChangeAspect="1"/>
+          </p:cNvPicPr>
+          <p:nvPr/>
+        </p:nvPicPr>
+        <p:blipFill>
+          <a:blip r:embed="rId3"/>
+          <a:stretch>
+            <a:fillRect/>
+          </a:stretch>
+        </p:blipFill>
+        <p:spPr>
+          <a:xfrm>
+            <a:off x="3872880" y="1365471"/>
+            <a:ext cx="4446239" cy="3203908"/>
+          </a:xfrm>
+          <a:prstGeom prst="rect">
+            <a:avLst/>
+          </a:prstGeom>
+          <a:ln>
+            <a:noFill/>
+          </a:ln>
+          <a:effectLst>
+            <a:softEdge rad="112500"/>
+          </a:effectLst>
+        </p:spPr>
+      </p:pic>
+      <p:grpSp>
+        <p:nvGrpSpPr>
+          <p:cNvPr id="23" name="그룹 22">
+            <a:extLst>
+              <a:ext uri="{FF2B5EF4-FFF2-40B4-BE49-F238E27FC236}">
+                <a16:creationId xmlns:a16="http://schemas.microsoft.com/office/drawing/2014/main" id="{6ED5846F-271D-46CA-B95F-5117CF46815D}"/>
+              </a:ext>
+            </a:extLst>
+          </p:cNvPr>
+          <p:cNvGrpSpPr/>
+          <p:nvPr/>
+        </p:nvGrpSpPr>
+        <p:grpSpPr>
+          <a:xfrm>
+            <a:off x="271174" y="216796"/>
+            <a:ext cx="4473787" cy="832711"/>
+            <a:chOff x="310539" y="246653"/>
+            <a:chExt cx="4473787" cy="832711"/>
+          </a:xfrm>
+        </p:grpSpPr>
+        <p:sp>
+          <p:nvSpPr>
+            <p:cNvPr id="24" name="평행 사변형 23">
+              <a:extLst>
+                <a:ext uri="{FF2B5EF4-FFF2-40B4-BE49-F238E27FC236}">
+                  <a16:creationId xmlns:a16="http://schemas.microsoft.com/office/drawing/2014/main" id="{041CD5BC-1A17-46DA-B1A8-E0A3C027DD62}"/>
+                </a:ext>
+              </a:extLst>
+            </p:cNvPr>
+            <p:cNvSpPr/>
+            <p:nvPr/>
+          </p:nvSpPr>
+          <p:spPr>
+            <a:xfrm rot="21268823">
+              <a:off x="1356198" y="370527"/>
+              <a:ext cx="3367430" cy="584961"/>
+            </a:xfrm>
+            <a:prstGeom prst="parallelogram">
+              <a:avLst/>
+            </a:prstGeom>
+            <a:solidFill>
+              <a:schemeClr val="accent4">
+                <a:lumMod val="40000"/>
+                <a:lumOff val="60000"/>
+              </a:schemeClr>
+            </a:solidFill>
+            <a:ln>
+              <a:noFill/>
+            </a:ln>
+          </p:spPr>
+          <p:style>
+            <a:lnRef idx="2">
+              <a:schemeClr val="accent1">
+                <a:shade val="50000"/>
+              </a:schemeClr>
+            </a:lnRef>
+            <a:fillRef idx="1">
+              <a:schemeClr val="accent1"/>
+            </a:fillRef>
+            <a:effectRef idx="0">
+              <a:schemeClr val="accent1"/>
+            </a:effectRef>
+            <a:fontRef idx="minor">
+              <a:schemeClr val="lt1"/>
+            </a:fontRef>
+          </p:style>
+          <p:txBody>
+            <a:bodyPr rtlCol="0" anchor="ctr"/>
+            <a:lstStyle/>
+            <a:p>
+              <a:pPr algn="ctr"/>
+              <a:endParaRPr lang="ko-KR" altLang="en-US"/>
+            </a:p>
+          </p:txBody>
+        </p:sp>
+        <p:sp>
+          <p:nvSpPr>
+            <p:cNvPr id="25" name="제목 1">
+              <a:extLst>
+                <a:ext uri="{FF2B5EF4-FFF2-40B4-BE49-F238E27FC236}">
+                  <a16:creationId xmlns:a16="http://schemas.microsoft.com/office/drawing/2014/main" id="{763B6074-DBB6-4A82-89C4-CE35F08D9431}"/>
+                </a:ext>
+              </a:extLst>
+            </p:cNvPr>
+            <p:cNvSpPr txBox="1">
+              <a:spLocks/>
+            </p:cNvSpPr>
+            <p:nvPr/>
+          </p:nvSpPr>
+          <p:spPr>
+            <a:xfrm>
+              <a:off x="1295502" y="246653"/>
+              <a:ext cx="3488824" cy="832711"/>
+            </a:xfrm>
+            <a:prstGeom prst="rect">
+              <a:avLst/>
+            </a:prstGeom>
+            <a:noFill/>
+          </p:spPr>
+          <p:txBody>
+            <a:bodyPr vert="horz" lIns="91440" tIns="45720" rIns="91440" bIns="45720" rtlCol="0" anchor="ctr">
+              <a:normAutofit/>
+            </a:bodyPr>
+            <a:lstStyle>
+              <a:lvl1pPr algn="l" defTabSz="914400" rtl="0" eaLnBrk="1" latinLnBrk="1" hangingPunct="1">
+                <a:lnSpc>
+                  <a:spcPct val="90000"/>
+                </a:lnSpc>
+                <a:spcBef>
+                  <a:spcPct val="0"/>
+                </a:spcBef>
+                <a:buNone/>
+                <a:defRPr sz="4400" kern="1200">
+                  <a:solidFill>
+                    <a:schemeClr val="tx1"/>
+                  </a:solidFill>
+                  <a:latin typeface="+mj-lt"/>
+                  <a:ea typeface="+mj-ea"/>
+                  <a:cs typeface="+mj-cs"/>
+                </a:defRPr>
+              </a:lvl1pPr>
+            </a:lstStyle>
+            <a:p>
+              <a:pPr algn="dist"/>
+              <a:r>
+                <a:rPr lang="en-US" altLang="ko-KR" dirty="0">
+                  <a:solidFill>
+                    <a:schemeClr val="tx1">
+                      <a:lumMod val="85000"/>
+                      <a:lumOff val="15000"/>
+                    </a:schemeClr>
+                  </a:solidFill>
+                  <a:latin typeface="카카오 Regular" panose="020B0600000101010101" pitchFamily="50" charset="-127"/>
+                  <a:ea typeface="카카오 Regular" panose="020B0600000101010101" pitchFamily="50" charset="-127"/>
+                </a:rPr>
+                <a:t>Motivation</a:t>
+              </a:r>
+              <a:endParaRPr lang="ko-KR" altLang="en-US" dirty="0">
+                <a:solidFill>
+                  <a:schemeClr val="tx1">
+                    <a:lumMod val="85000"/>
+                    <a:lumOff val="15000"/>
+                  </a:schemeClr>
+                </a:solidFill>
+                <a:latin typeface="카카오 Regular" panose="020B0600000101010101" pitchFamily="50" charset="-127"/>
+                <a:ea typeface="카카오 Regular" panose="020B0600000101010101" pitchFamily="50" charset="-127"/>
+              </a:endParaRPr>
+            </a:p>
+          </p:txBody>
+        </p:sp>
+        <p:sp>
+          <p:nvSpPr>
+            <p:cNvPr id="26" name="TextBox 25">
+              <a:extLst>
+                <a:ext uri="{FF2B5EF4-FFF2-40B4-BE49-F238E27FC236}">
+                  <a16:creationId xmlns:a16="http://schemas.microsoft.com/office/drawing/2014/main" id="{777685F3-2A64-4B2E-8F4B-17E8BF95A4D2}"/>
+                </a:ext>
+              </a:extLst>
+            </p:cNvPr>
+            <p:cNvSpPr txBox="1"/>
+            <p:nvPr/>
+          </p:nvSpPr>
+          <p:spPr>
+            <a:xfrm>
+              <a:off x="310539" y="309065"/>
+              <a:ext cx="879564" cy="707886"/>
+            </a:xfrm>
+            <a:prstGeom prst="rect">
+              <a:avLst/>
+            </a:prstGeom>
+            <a:noFill/>
+          </p:spPr>
+          <p:txBody>
+            <a:bodyPr wrap="square" rtlCol="0">
+              <a:spAutoFit/>
+            </a:bodyPr>
+            <a:lstStyle/>
+            <a:p>
+              <a:pPr algn="dist"/>
+              <a:r>
+                <a:rPr lang="en-US" altLang="ko-KR" sz="4000" b="1" dirty="0">
+                  <a:solidFill>
+                    <a:schemeClr val="bg1">
+                      <a:lumMod val="50000"/>
+                    </a:schemeClr>
+                  </a:solidFill>
+                  <a:latin typeface="카카오 Regular" panose="020B0600000101010101" pitchFamily="50" charset="-127"/>
+                  <a:ea typeface="카카오 Regular" panose="020B0600000101010101" pitchFamily="50" charset="-127"/>
+                </a:rPr>
+                <a:t>02</a:t>
+              </a:r>
+              <a:endParaRPr lang="ko-KR" altLang="en-US" sz="4000" b="1" dirty="0">
+                <a:solidFill>
+                  <a:schemeClr val="bg1">
+                    <a:lumMod val="50000"/>
+                  </a:schemeClr>
+                </a:solidFill>
+                <a:latin typeface="카카오 Regular" panose="020B0600000101010101" pitchFamily="50" charset="-127"/>
+                <a:ea typeface="카카오 Regular" panose="020B0600000101010101" pitchFamily="50" charset="-127"/>
+              </a:endParaRPr>
+            </a:p>
+          </p:txBody>
+        </p:sp>
+      </p:grpSp>
+    </p:spTree>
+    <p:extLst>
+      <p:ext uri="{BB962C8B-B14F-4D97-AF65-F5344CB8AC3E}">
+        <p14:creationId xmlns:p14="http://schemas.microsoft.com/office/powerpoint/2010/main" val="409423830"/>
+      </p:ext>
+    </p:extLst>
+  </p:cSld>
+  <p:clrMapOvr>
+    <a:masterClrMapping/>
+  </p:clrMapOvr>
+</p:sld>
+</file>
+
+<file path=ppt/slides/slide5.xml><?xml version="1.0" encoding="utf-8"?>
+<p:sld xmlns:a="http://schemas.openxmlformats.org/drawingml/2006/main" xmlns:r="http://schemas.openxmlformats.org/officeDocument/2006/relationships" xmlns:p="http://schemas.openxmlformats.org/presentationml/2006/main">
+  <p:cSld>
+    <p:spTree>
+      <p:nvGrpSpPr>
+        <p:cNvPr id="1" name=""/>
+        <p:cNvGrpSpPr/>
+        <p:nvPr/>
+      </p:nvGrpSpPr>
+      <p:grpSpPr>
+        <a:xfrm>
+          <a:off x="0" y="0"/>
+          <a:ext cx="0" cy="0"/>
+          <a:chOff x="0" y="0"/>
+          <a:chExt cx="0" cy="0"/>
+        </a:xfrm>
+      </p:grpSpPr>
+      <p:sp>
+        <p:nvSpPr>
+          <p:cNvPr id="4" name="TextBox 3">
+            <a:extLst>
+              <a:ext uri="{FF2B5EF4-FFF2-40B4-BE49-F238E27FC236}">
+                <a16:creationId xmlns:a16="http://schemas.microsoft.com/office/drawing/2014/main" id="{AB30BB0C-AEBD-475B-AB03-055D952ED9F8}"/>
+              </a:ext>
+            </a:extLst>
+          </p:cNvPr>
+          <p:cNvSpPr txBox="1"/>
+          <p:nvPr/>
+        </p:nvSpPr>
+        <p:spPr>
+          <a:xfrm>
+            <a:off x="11625295" y="6453051"/>
+            <a:ext cx="479619" cy="307777"/>
+          </a:xfrm>
+          <a:prstGeom prst="rect">
+            <a:avLst/>
+          </a:prstGeom>
+          <a:noFill/>
+        </p:spPr>
+        <p:txBody>
+          <a:bodyPr wrap="none" rtlCol="0">
+            <a:spAutoFit/>
+          </a:bodyPr>
+          <a:lstStyle/>
+          <a:p>
+            <a:pPr algn="r"/>
+            <a:r>
+              <a:rPr lang="en-US" altLang="ko-KR" sz="1400" dirty="0">
+                <a:solidFill>
+                  <a:schemeClr val="tx1">
+                    <a:lumMod val="50000"/>
+                    <a:lumOff val="50000"/>
+                  </a:schemeClr>
+                </a:solidFill>
+                <a:latin typeface="카카오 Regular" panose="020B0600000101010101" pitchFamily="50" charset="-127"/>
+                <a:ea typeface="카카오 Regular" panose="020B0600000101010101" pitchFamily="50" charset="-127"/>
+              </a:rPr>
+              <a:t>p. 5</a:t>
+            </a:r>
+            <a:endParaRPr lang="ko-KR" altLang="en-US" sz="1400" dirty="0">
+              <a:solidFill>
+                <a:schemeClr val="tx1">
+                  <a:lumMod val="50000"/>
+                  <a:lumOff val="50000"/>
+                </a:schemeClr>
+              </a:solidFill>
+              <a:latin typeface="카카오 Regular" panose="020B0600000101010101" pitchFamily="50" charset="-127"/>
+              <a:ea typeface="카카오 Regular" panose="020B0600000101010101" pitchFamily="50" charset="-127"/>
+            </a:endParaRPr>
+          </a:p>
+        </p:txBody>
+      </p:sp>
+      <p:sp>
+        <p:nvSpPr>
+          <p:cNvPr id="5" name="TextBox 4">
+            <a:extLst>
+              <a:ext uri="{FF2B5EF4-FFF2-40B4-BE49-F238E27FC236}">
+                <a16:creationId xmlns:a16="http://schemas.microsoft.com/office/drawing/2014/main" id="{0A342C68-C3C8-494D-854A-FCF03860390C}"/>
+              </a:ext>
+            </a:extLst>
+          </p:cNvPr>
+          <p:cNvSpPr txBox="1"/>
+          <p:nvPr/>
+        </p:nvSpPr>
+        <p:spPr>
+          <a:xfrm>
+            <a:off x="87086" y="6453051"/>
+            <a:ext cx="1356462" cy="307777"/>
+          </a:xfrm>
+          <a:prstGeom prst="rect">
+            <a:avLst/>
+          </a:prstGeom>
+          <a:noFill/>
+        </p:spPr>
+        <p:txBody>
+          <a:bodyPr wrap="none" rtlCol="0">
+            <a:spAutoFit/>
+          </a:bodyPr>
+          <a:lstStyle/>
+          <a:p>
+            <a:r>
+              <a:rPr lang="ko-KR" altLang="en-US" sz="1400" dirty="0">
+                <a:solidFill>
+                  <a:schemeClr val="tx1">
+                    <a:lumMod val="50000"/>
+                    <a:lumOff val="50000"/>
+                  </a:schemeClr>
+                </a:solidFill>
+                <a:latin typeface="카카오 Regular" panose="020B0600000101010101" pitchFamily="50" charset="-127"/>
+                <a:ea typeface="카카오 Regular" panose="020B0600000101010101" pitchFamily="50" charset="-127"/>
+              </a:rPr>
+              <a:t>오픈소스</a:t>
+            </a:r>
+            <a:r>
+              <a:rPr lang="en-US" altLang="ko-KR" sz="1400" dirty="0">
+                <a:solidFill>
+                  <a:schemeClr val="tx1">
+                    <a:lumMod val="50000"/>
+                    <a:lumOff val="50000"/>
+                  </a:schemeClr>
+                </a:solidFill>
+                <a:latin typeface="카카오 Regular" panose="020B0600000101010101" pitchFamily="50" charset="-127"/>
+                <a:ea typeface="카카오 Regular" panose="020B0600000101010101" pitchFamily="50" charset="-127"/>
+              </a:rPr>
+              <a:t>SW</a:t>
+            </a:r>
+            <a:r>
+              <a:rPr lang="ko-KR" altLang="en-US" sz="1400" dirty="0">
+                <a:solidFill>
+                  <a:schemeClr val="tx1">
+                    <a:lumMod val="50000"/>
+                    <a:lumOff val="50000"/>
+                  </a:schemeClr>
+                </a:solidFill>
+                <a:latin typeface="카카오 Regular" panose="020B0600000101010101" pitchFamily="50" charset="-127"/>
+                <a:ea typeface="카카오 Regular" panose="020B0600000101010101" pitchFamily="50" charset="-127"/>
+              </a:rPr>
+              <a:t>설계</a:t>
+            </a:r>
+          </a:p>
+        </p:txBody>
+      </p:sp>
+      <p:sp>
+        <p:nvSpPr>
+          <p:cNvPr id="6" name="TextBox 5">
+            <a:extLst>
+              <a:ext uri="{FF2B5EF4-FFF2-40B4-BE49-F238E27FC236}">
+                <a16:creationId xmlns:a16="http://schemas.microsoft.com/office/drawing/2014/main" id="{B44EEAB0-EFC3-439A-9522-51A0BD6806CB}"/>
+              </a:ext>
+            </a:extLst>
+          </p:cNvPr>
+          <p:cNvSpPr txBox="1"/>
+          <p:nvPr/>
+        </p:nvSpPr>
+        <p:spPr>
+          <a:xfrm>
+            <a:off x="5508339" y="6453051"/>
+            <a:ext cx="1175322" cy="307777"/>
+          </a:xfrm>
+          <a:prstGeom prst="rect">
+            <a:avLst/>
+          </a:prstGeom>
+          <a:noFill/>
+        </p:spPr>
+        <p:txBody>
+          <a:bodyPr wrap="none" rtlCol="0">
+            <a:spAutoFit/>
+          </a:bodyPr>
+          <a:lstStyle/>
+          <a:p>
+            <a:pPr algn="ctr"/>
+            <a:r>
+              <a:rPr lang="en-US" altLang="ko-KR" sz="1400" dirty="0">
+                <a:solidFill>
+                  <a:schemeClr val="tx1">
+                    <a:lumMod val="50000"/>
+                    <a:lumOff val="50000"/>
+                  </a:schemeClr>
+                </a:solidFill>
+                <a:latin typeface="카카오 Regular" panose="020B0600000101010101" pitchFamily="50" charset="-127"/>
+                <a:ea typeface="카카오 Regular" panose="020B0600000101010101" pitchFamily="50" charset="-127"/>
+              </a:rPr>
+              <a:t>2020.10.30.</a:t>
+            </a:r>
+            <a:endParaRPr lang="ko-KR" altLang="en-US" sz="1400" dirty="0">
+              <a:solidFill>
+                <a:schemeClr val="tx1">
+                  <a:lumMod val="50000"/>
+                  <a:lumOff val="50000"/>
+                </a:schemeClr>
+              </a:solidFill>
+              <a:latin typeface="카카오 Regular" panose="020B0600000101010101" pitchFamily="50" charset="-127"/>
+              <a:ea typeface="카카오 Regular" panose="020B0600000101010101" pitchFamily="50" charset="-127"/>
+            </a:endParaRPr>
+          </a:p>
+        </p:txBody>
+      </p:sp>
+      <p:sp>
+        <p:nvSpPr>
+          <p:cNvPr id="12" name="TextBox 11">
+            <a:extLst>
+              <a:ext uri="{FF2B5EF4-FFF2-40B4-BE49-F238E27FC236}">
+                <a16:creationId xmlns:a16="http://schemas.microsoft.com/office/drawing/2014/main" id="{72AE1629-1704-40A9-8450-62F4FA4BE76D}"/>
+              </a:ext>
+            </a:extLst>
+          </p:cNvPr>
+          <p:cNvSpPr txBox="1"/>
+          <p:nvPr/>
+        </p:nvSpPr>
+        <p:spPr>
+          <a:xfrm>
+            <a:off x="6386687" y="2020922"/>
+            <a:ext cx="3892411" cy="2816156"/>
+          </a:xfrm>
+          <a:prstGeom prst="rect">
+            <a:avLst/>
+          </a:prstGeom>
+          <a:noFill/>
+        </p:spPr>
+        <p:txBody>
+          <a:bodyPr wrap="none" rtlCol="0">
+            <a:spAutoFit/>
+          </a:bodyPr>
+          <a:lstStyle/>
+          <a:p>
+            <a:pPr algn="ctr">
+              <a:lnSpc>
+                <a:spcPct val="150000"/>
+              </a:lnSpc>
+            </a:pPr>
+            <a:r>
+              <a:rPr lang="en-US" altLang="ko-KR" sz="2400" dirty="0">
+                <a:solidFill>
+                  <a:schemeClr val="accent4"/>
+                </a:solidFill>
+                <a:latin typeface="카카오 Regular" panose="020B0600000101010101" pitchFamily="50" charset="-127"/>
+                <a:ea typeface="카카오 Regular" panose="020B0600000101010101" pitchFamily="50" charset="-127"/>
+              </a:rPr>
+              <a:t>“</a:t>
+            </a:r>
+            <a:r>
+              <a:rPr lang="ko-KR" altLang="en-US" sz="2400" dirty="0">
+                <a:solidFill>
+                  <a:schemeClr val="accent4"/>
+                </a:solidFill>
+                <a:latin typeface="카카오 Regular" panose="020B0600000101010101" pitchFamily="50" charset="-127"/>
+                <a:ea typeface="카카오 Regular" panose="020B0600000101010101" pitchFamily="50" charset="-127"/>
+              </a:rPr>
+              <a:t>소모품</a:t>
+            </a:r>
+            <a:r>
+              <a:rPr lang="en-US" altLang="ko-KR" sz="2400" dirty="0">
+                <a:solidFill>
+                  <a:schemeClr val="accent4"/>
+                </a:solidFill>
+                <a:latin typeface="카카오 Regular" panose="020B0600000101010101" pitchFamily="50" charset="-127"/>
+                <a:ea typeface="카카오 Regular" panose="020B0600000101010101" pitchFamily="50" charset="-127"/>
+              </a:rPr>
+              <a:t>”</a:t>
+            </a:r>
+            <a:r>
+              <a:rPr lang="ko-KR" altLang="en-US" sz="2400" dirty="0">
+                <a:solidFill>
+                  <a:schemeClr val="tx1">
+                    <a:lumMod val="75000"/>
+                    <a:lumOff val="25000"/>
+                  </a:schemeClr>
+                </a:solidFill>
+                <a:latin typeface="카카오 Regular" panose="020B0600000101010101" pitchFamily="50" charset="-127"/>
+                <a:ea typeface="카카오 Regular" panose="020B0600000101010101" pitchFamily="50" charset="-127"/>
+              </a:rPr>
+              <a:t>이라는 손소독제의 특성</a:t>
+            </a:r>
+            <a:endParaRPr lang="en-US" altLang="ko-KR" sz="2400" dirty="0">
+              <a:solidFill>
+                <a:schemeClr val="tx1">
+                  <a:lumMod val="75000"/>
+                  <a:lumOff val="25000"/>
+                </a:schemeClr>
+              </a:solidFill>
+              <a:latin typeface="카카오 Regular" panose="020B0600000101010101" pitchFamily="50" charset="-127"/>
+              <a:ea typeface="카카오 Regular" panose="020B0600000101010101" pitchFamily="50" charset="-127"/>
+            </a:endParaRPr>
+          </a:p>
+          <a:p>
+            <a:pPr algn="ctr">
+              <a:lnSpc>
+                <a:spcPct val="150000"/>
+              </a:lnSpc>
+            </a:pPr>
+            <a:r>
+              <a:rPr lang="ko-KR" altLang="en-US" sz="2400" dirty="0">
+                <a:solidFill>
+                  <a:schemeClr val="tx1">
+                    <a:lumMod val="75000"/>
+                    <a:lumOff val="25000"/>
+                  </a:schemeClr>
+                </a:solidFill>
+                <a:latin typeface="카카오 Regular" panose="020B0600000101010101" pitchFamily="50" charset="-127"/>
+                <a:ea typeface="카카오 Regular" panose="020B0600000101010101" pitchFamily="50" charset="-127"/>
+              </a:rPr>
+              <a:t>↓</a:t>
+            </a:r>
+            <a:endParaRPr lang="en-US" altLang="ko-KR" sz="2400" dirty="0">
+              <a:solidFill>
+                <a:schemeClr val="tx1">
+                  <a:lumMod val="75000"/>
+                  <a:lumOff val="25000"/>
+                </a:schemeClr>
+              </a:solidFill>
+              <a:latin typeface="카카오 Regular" panose="020B0600000101010101" pitchFamily="50" charset="-127"/>
+              <a:ea typeface="카카오 Regular" panose="020B0600000101010101" pitchFamily="50" charset="-127"/>
+            </a:endParaRPr>
+          </a:p>
+          <a:p>
+            <a:pPr algn="ctr">
+              <a:lnSpc>
+                <a:spcPct val="150000"/>
+              </a:lnSpc>
+            </a:pPr>
+            <a:r>
+              <a:rPr lang="ko-KR" altLang="en-US" sz="2400" dirty="0">
+                <a:solidFill>
+                  <a:schemeClr val="tx1">
+                    <a:lumMod val="75000"/>
+                    <a:lumOff val="25000"/>
+                  </a:schemeClr>
+                </a:solidFill>
+                <a:latin typeface="카카오 Regular" panose="020B0600000101010101" pitchFamily="50" charset="-127"/>
+                <a:ea typeface="카카오 Regular" panose="020B0600000101010101" pitchFamily="50" charset="-127"/>
+              </a:rPr>
+              <a:t>넓은 범위에 분포되어</a:t>
+            </a:r>
+            <a:endParaRPr lang="en-US" altLang="ko-KR" sz="2400" dirty="0">
+              <a:solidFill>
+                <a:schemeClr val="tx1">
+                  <a:lumMod val="75000"/>
+                  <a:lumOff val="25000"/>
+                </a:schemeClr>
+              </a:solidFill>
+              <a:latin typeface="카카오 Regular" panose="020B0600000101010101" pitchFamily="50" charset="-127"/>
+              <a:ea typeface="카카오 Regular" panose="020B0600000101010101" pitchFamily="50" charset="-127"/>
+            </a:endParaRPr>
+          </a:p>
+          <a:p>
+            <a:pPr algn="ctr">
+              <a:lnSpc>
+                <a:spcPct val="150000"/>
+              </a:lnSpc>
+            </a:pPr>
+            <a:r>
+              <a:rPr lang="ko-KR" altLang="en-US" sz="2400" dirty="0">
+                <a:solidFill>
+                  <a:schemeClr val="tx1">
+                    <a:lumMod val="75000"/>
+                    <a:lumOff val="25000"/>
+                  </a:schemeClr>
+                </a:solidFill>
+                <a:latin typeface="카카오 Regular" panose="020B0600000101010101" pitchFamily="50" charset="-127"/>
+                <a:ea typeface="카카오 Regular" panose="020B0600000101010101" pitchFamily="50" charset="-127"/>
+              </a:rPr>
+              <a:t>위치해 있는 손소독제들의</a:t>
+            </a:r>
+            <a:endParaRPr lang="en-US" altLang="ko-KR" sz="2400" dirty="0">
+              <a:solidFill>
+                <a:schemeClr val="tx1">
+                  <a:lumMod val="75000"/>
+                  <a:lumOff val="25000"/>
+                </a:schemeClr>
+              </a:solidFill>
+              <a:latin typeface="카카오 Regular" panose="020B0600000101010101" pitchFamily="50" charset="-127"/>
+              <a:ea typeface="카카오 Regular" panose="020B0600000101010101" pitchFamily="50" charset="-127"/>
+            </a:endParaRPr>
+          </a:p>
+          <a:p>
+            <a:pPr algn="ctr">
+              <a:lnSpc>
+                <a:spcPct val="150000"/>
+              </a:lnSpc>
+            </a:pPr>
+            <a:r>
+              <a:rPr lang="ko-KR" altLang="en-US" sz="2400" dirty="0">
+                <a:solidFill>
+                  <a:schemeClr val="accent4"/>
+                </a:solidFill>
+                <a:latin typeface="카카오 Regular" panose="020B0600000101010101" pitchFamily="50" charset="-127"/>
+                <a:ea typeface="카카오 Regular" panose="020B0600000101010101" pitchFamily="50" charset="-127"/>
+              </a:rPr>
+              <a:t>미흡한 관리</a:t>
+            </a:r>
+            <a:endParaRPr lang="en-US" altLang="ko-KR" sz="2400" dirty="0">
+              <a:solidFill>
+                <a:schemeClr val="accent4"/>
+              </a:solidFill>
+              <a:latin typeface="카카오 Regular" panose="020B0600000101010101" pitchFamily="50" charset="-127"/>
+              <a:ea typeface="카카오 Regular" panose="020B0600000101010101" pitchFamily="50" charset="-127"/>
+            </a:endParaRPr>
+          </a:p>
+        </p:txBody>
+      </p:sp>
+      <p:pic>
+        <p:nvPicPr>
+          <p:cNvPr id="16" name="그림 15">
+            <a:extLst>
+              <a:ext uri="{FF2B5EF4-FFF2-40B4-BE49-F238E27FC236}">
+                <a16:creationId xmlns:a16="http://schemas.microsoft.com/office/drawing/2014/main" id="{991DE558-4738-49FC-9502-AC73BC3DDEFF}"/>
+              </a:ext>
+            </a:extLst>
+          </p:cNvPr>
+          <p:cNvPicPr>
+            <a:picLocks noChangeAspect="1"/>
+          </p:cNvPicPr>
+          <p:nvPr/>
+        </p:nvPicPr>
+        <p:blipFill>
+          <a:blip r:embed="rId3"/>
+          <a:stretch>
+            <a:fillRect/>
+          </a:stretch>
+        </p:blipFill>
+        <p:spPr>
+          <a:xfrm>
+            <a:off x="1176734" y="1876836"/>
+            <a:ext cx="4568557" cy="3104328"/>
+          </a:xfrm>
+          <a:prstGeom prst="rect">
+            <a:avLst/>
+          </a:prstGeom>
+          <a:ln>
+            <a:noFill/>
+          </a:ln>
+          <a:effectLst>
+            <a:softEdge rad="112500"/>
+          </a:effectLst>
+        </p:spPr>
+      </p:pic>
+      <p:grpSp>
+        <p:nvGrpSpPr>
+          <p:cNvPr id="18" name="그룹 17">
+            <a:extLst>
+              <a:ext uri="{FF2B5EF4-FFF2-40B4-BE49-F238E27FC236}">
+                <a16:creationId xmlns:a16="http://schemas.microsoft.com/office/drawing/2014/main" id="{188B7E00-7D6D-4137-850E-49E32D396CE2}"/>
+              </a:ext>
+            </a:extLst>
+          </p:cNvPr>
+          <p:cNvGrpSpPr/>
+          <p:nvPr/>
+        </p:nvGrpSpPr>
+        <p:grpSpPr>
+          <a:xfrm>
+            <a:off x="271174" y="216796"/>
+            <a:ext cx="4473787" cy="832711"/>
+            <a:chOff x="310539" y="246653"/>
+            <a:chExt cx="4473787" cy="832711"/>
+          </a:xfrm>
+        </p:grpSpPr>
+        <p:sp>
+          <p:nvSpPr>
+            <p:cNvPr id="19" name="평행 사변형 18">
+              <a:extLst>
+                <a:ext uri="{FF2B5EF4-FFF2-40B4-BE49-F238E27FC236}">
+                  <a16:creationId xmlns:a16="http://schemas.microsoft.com/office/drawing/2014/main" id="{8B9D2B71-D335-4E9D-A687-2DAC9889C662}"/>
+                </a:ext>
+              </a:extLst>
+            </p:cNvPr>
+            <p:cNvSpPr/>
+            <p:nvPr/>
+          </p:nvSpPr>
+          <p:spPr>
+            <a:xfrm rot="21268823">
+              <a:off x="1356198" y="370527"/>
+              <a:ext cx="3367430" cy="584961"/>
+            </a:xfrm>
+            <a:prstGeom prst="parallelogram">
+              <a:avLst/>
+            </a:prstGeom>
+            <a:solidFill>
+              <a:schemeClr val="accent4">
+                <a:lumMod val="40000"/>
+                <a:lumOff val="60000"/>
+              </a:schemeClr>
+            </a:solidFill>
+            <a:ln>
+              <a:noFill/>
+            </a:ln>
+          </p:spPr>
+          <p:style>
+            <a:lnRef idx="2">
+              <a:schemeClr val="accent1">
+                <a:shade val="50000"/>
+              </a:schemeClr>
+            </a:lnRef>
+            <a:fillRef idx="1">
+              <a:schemeClr val="accent1"/>
+            </a:fillRef>
+            <a:effectRef idx="0">
+              <a:schemeClr val="accent1"/>
+            </a:effectRef>
+            <a:fontRef idx="minor">
+              <a:schemeClr val="lt1"/>
+            </a:fontRef>
+          </p:style>
+          <p:txBody>
+            <a:bodyPr rtlCol="0" anchor="ctr"/>
+            <a:lstStyle/>
+            <a:p>
+              <a:pPr algn="ctr"/>
+              <a:endParaRPr lang="ko-KR" altLang="en-US"/>
+            </a:p>
+          </p:txBody>
+        </p:sp>
+        <p:sp>
+          <p:nvSpPr>
+            <p:cNvPr id="20" name="제목 1">
+              <a:extLst>
+                <a:ext uri="{FF2B5EF4-FFF2-40B4-BE49-F238E27FC236}">
+                  <a16:creationId xmlns:a16="http://schemas.microsoft.com/office/drawing/2014/main" id="{6616DD29-55E8-46BE-84B8-2EB0AD82E3BA}"/>
+                </a:ext>
+              </a:extLst>
+            </p:cNvPr>
+            <p:cNvSpPr txBox="1">
+              <a:spLocks/>
+            </p:cNvSpPr>
+            <p:nvPr/>
+          </p:nvSpPr>
+          <p:spPr>
+            <a:xfrm>
+              <a:off x="1295502" y="246653"/>
+              <a:ext cx="3488824" cy="832711"/>
+            </a:xfrm>
+            <a:prstGeom prst="rect">
+              <a:avLst/>
+            </a:prstGeom>
+            <a:noFill/>
+          </p:spPr>
+          <p:txBody>
+            <a:bodyPr vert="horz" lIns="91440" tIns="45720" rIns="91440" bIns="45720" rtlCol="0" anchor="ctr">
+              <a:normAutofit/>
+            </a:bodyPr>
+            <a:lstStyle>
+              <a:lvl1pPr algn="l" defTabSz="914400" rtl="0" eaLnBrk="1" latinLnBrk="1" hangingPunct="1">
+                <a:lnSpc>
+                  <a:spcPct val="90000"/>
+                </a:lnSpc>
+                <a:spcBef>
+                  <a:spcPct val="0"/>
+                </a:spcBef>
+                <a:buNone/>
+                <a:defRPr sz="4400" kern="1200">
+                  <a:solidFill>
+                    <a:schemeClr val="tx1"/>
+                  </a:solidFill>
+                  <a:latin typeface="+mj-lt"/>
+                  <a:ea typeface="+mj-ea"/>
+                  <a:cs typeface="+mj-cs"/>
+                </a:defRPr>
+              </a:lvl1pPr>
+            </a:lstStyle>
+            <a:p>
+              <a:pPr algn="dist"/>
+              <a:r>
+                <a:rPr lang="en-US" altLang="ko-KR" dirty="0">
+                  <a:solidFill>
+                    <a:schemeClr val="tx1">
+                      <a:lumMod val="85000"/>
+                      <a:lumOff val="15000"/>
+                    </a:schemeClr>
+                  </a:solidFill>
+                  <a:latin typeface="카카오 Regular" panose="020B0600000101010101" pitchFamily="50" charset="-127"/>
+                  <a:ea typeface="카카오 Regular" panose="020B0600000101010101" pitchFamily="50" charset="-127"/>
+                </a:rPr>
+                <a:t>Motivation</a:t>
+              </a:r>
+              <a:endParaRPr lang="ko-KR" altLang="en-US" dirty="0">
+                <a:solidFill>
+                  <a:schemeClr val="tx1">
+                    <a:lumMod val="85000"/>
+                    <a:lumOff val="15000"/>
+                  </a:schemeClr>
+                </a:solidFill>
+                <a:latin typeface="카카오 Regular" panose="020B0600000101010101" pitchFamily="50" charset="-127"/>
+                <a:ea typeface="카카오 Regular" panose="020B0600000101010101" pitchFamily="50" charset="-127"/>
+              </a:endParaRPr>
+            </a:p>
+          </p:txBody>
+        </p:sp>
+        <p:sp>
+          <p:nvSpPr>
+            <p:cNvPr id="21" name="TextBox 20">
+              <a:extLst>
+                <a:ext uri="{FF2B5EF4-FFF2-40B4-BE49-F238E27FC236}">
+                  <a16:creationId xmlns:a16="http://schemas.microsoft.com/office/drawing/2014/main" id="{6408B65D-FBBA-4920-AA70-9AFCCC8DEB5A}"/>
+                </a:ext>
+              </a:extLst>
+            </p:cNvPr>
+            <p:cNvSpPr txBox="1"/>
+            <p:nvPr/>
+          </p:nvSpPr>
+          <p:spPr>
+            <a:xfrm>
+              <a:off x="310539" y="309065"/>
+              <a:ext cx="879564" cy="707886"/>
+            </a:xfrm>
+            <a:prstGeom prst="rect">
+              <a:avLst/>
+            </a:prstGeom>
+            <a:noFill/>
+          </p:spPr>
+          <p:txBody>
+            <a:bodyPr wrap="square" rtlCol="0">
+              <a:spAutoFit/>
+            </a:bodyPr>
+            <a:lstStyle/>
+            <a:p>
+              <a:pPr algn="dist"/>
+              <a:r>
+                <a:rPr lang="en-US" altLang="ko-KR" sz="4000" b="1" dirty="0">
+                  <a:solidFill>
+                    <a:schemeClr val="bg1">
+                      <a:lumMod val="50000"/>
+                    </a:schemeClr>
+                  </a:solidFill>
+                  <a:latin typeface="카카오 Regular" panose="020B0600000101010101" pitchFamily="50" charset="-127"/>
+                  <a:ea typeface="카카오 Regular" panose="020B0600000101010101" pitchFamily="50" charset="-127"/>
+                </a:rPr>
+                <a:t>02</a:t>
+              </a:r>
+              <a:endParaRPr lang="ko-KR" altLang="en-US" sz="4000" b="1" dirty="0">
+                <a:solidFill>
+                  <a:schemeClr val="bg1">
+                    <a:lumMod val="50000"/>
+                  </a:schemeClr>
+                </a:solidFill>
+                <a:latin typeface="카카오 Regular" panose="020B0600000101010101" pitchFamily="50" charset="-127"/>
+                <a:ea typeface="카카오 Regular" panose="020B0600000101010101" pitchFamily="50" charset="-127"/>
+              </a:endParaRPr>
+            </a:p>
+          </p:txBody>
+        </p:sp>
+      </p:grpSp>
+    </p:spTree>
+    <p:extLst>
+      <p:ext uri="{BB962C8B-B14F-4D97-AF65-F5344CB8AC3E}">
+        <p14:creationId xmlns:p14="http://schemas.microsoft.com/office/powerpoint/2010/main" val="1522836231"/>
+      </p:ext>
+    </p:extLst>
+  </p:cSld>
+  <p:clrMapOvr>
+    <a:masterClrMapping/>
+  </p:clrMapOvr>
+</p:sld>
+</file>
+
+<file path=ppt/slides/slide6.xml><?xml version="1.0" encoding="utf-8"?>
+<p:sld xmlns:a="http://schemas.openxmlformats.org/drawingml/2006/main" xmlns:r="http://schemas.openxmlformats.org/officeDocument/2006/relationships" xmlns:p="http://schemas.openxmlformats.org/presentationml/2006/main">
+  <p:cSld>
+    <p:spTree>
+      <p:nvGrpSpPr>
+        <p:cNvPr id="1" name=""/>
+        <p:cNvGrpSpPr/>
+        <p:nvPr/>
+      </p:nvGrpSpPr>
+      <p:grpSpPr>
+        <a:xfrm>
+          <a:off x="0" y="0"/>
+          <a:ext cx="0" cy="0"/>
+          <a:chOff x="0" y="0"/>
+          <a:chExt cx="0" cy="0"/>
+        </a:xfrm>
+      </p:grpSpPr>
+      <p:sp>
+        <p:nvSpPr>
+          <p:cNvPr id="4" name="TextBox 3">
+            <a:extLst>
+              <a:ext uri="{FF2B5EF4-FFF2-40B4-BE49-F238E27FC236}">
+                <a16:creationId xmlns:a16="http://schemas.microsoft.com/office/drawing/2014/main" id="{BF1A87CE-13DA-451E-918F-891D05A2BA63}"/>
+              </a:ext>
+            </a:extLst>
+          </p:cNvPr>
+          <p:cNvSpPr txBox="1"/>
+          <p:nvPr/>
+        </p:nvSpPr>
+        <p:spPr>
+          <a:xfrm>
+            <a:off x="11625295" y="6453051"/>
+            <a:ext cx="479619" cy="307777"/>
+          </a:xfrm>
+          <a:prstGeom prst="rect">
+            <a:avLst/>
+          </a:prstGeom>
+          <a:noFill/>
+        </p:spPr>
+        <p:txBody>
+          <a:bodyPr wrap="none" rtlCol="0">
+            <a:spAutoFit/>
+          </a:bodyPr>
+          <a:lstStyle/>
+          <a:p>
+            <a:pPr algn="r"/>
+            <a:r>
+              <a:rPr lang="en-US" altLang="ko-KR" sz="1400" dirty="0">
+                <a:solidFill>
+                  <a:schemeClr val="tx1">
+                    <a:lumMod val="50000"/>
+                    <a:lumOff val="50000"/>
+                  </a:schemeClr>
+                </a:solidFill>
+                <a:latin typeface="카카오 Regular" panose="020B0600000101010101" pitchFamily="50" charset="-127"/>
+                <a:ea typeface="카카오 Regular" panose="020B0600000101010101" pitchFamily="50" charset="-127"/>
+              </a:rPr>
+              <a:t>p. 6</a:t>
+            </a:r>
+            <a:endParaRPr lang="ko-KR" altLang="en-US" sz="1400" dirty="0">
+              <a:solidFill>
+                <a:schemeClr val="tx1">
+                  <a:lumMod val="50000"/>
+                  <a:lumOff val="50000"/>
+                </a:schemeClr>
+              </a:solidFill>
+              <a:latin typeface="카카오 Regular" panose="020B0600000101010101" pitchFamily="50" charset="-127"/>
+              <a:ea typeface="카카오 Regular" panose="020B0600000101010101" pitchFamily="50" charset="-127"/>
+            </a:endParaRPr>
+          </a:p>
+        </p:txBody>
+      </p:sp>
+      <p:sp>
+        <p:nvSpPr>
+          <p:cNvPr id="5" name="TextBox 4">
+            <a:extLst>
+              <a:ext uri="{FF2B5EF4-FFF2-40B4-BE49-F238E27FC236}">
+                <a16:creationId xmlns:a16="http://schemas.microsoft.com/office/drawing/2014/main" id="{132D851A-2F3D-42B8-B19A-205ED722A622}"/>
+              </a:ext>
+            </a:extLst>
+          </p:cNvPr>
+          <p:cNvSpPr txBox="1"/>
+          <p:nvPr/>
+        </p:nvSpPr>
+        <p:spPr>
+          <a:xfrm>
+            <a:off x="87086" y="6453051"/>
+            <a:ext cx="1356462" cy="307777"/>
+          </a:xfrm>
+          <a:prstGeom prst="rect">
+            <a:avLst/>
+          </a:prstGeom>
+          <a:noFill/>
+        </p:spPr>
+        <p:txBody>
+          <a:bodyPr wrap="none" rtlCol="0">
+            <a:spAutoFit/>
+          </a:bodyPr>
+          <a:lstStyle/>
+          <a:p>
+            <a:r>
+              <a:rPr lang="ko-KR" altLang="en-US" sz="1400" dirty="0">
+                <a:solidFill>
+                  <a:schemeClr val="tx1">
+                    <a:lumMod val="50000"/>
+                    <a:lumOff val="50000"/>
+                  </a:schemeClr>
+                </a:solidFill>
+                <a:latin typeface="카카오 Regular" panose="020B0600000101010101" pitchFamily="50" charset="-127"/>
+                <a:ea typeface="카카오 Regular" panose="020B0600000101010101" pitchFamily="50" charset="-127"/>
+              </a:rPr>
+              <a:t>오픈소스</a:t>
+            </a:r>
+            <a:r>
+              <a:rPr lang="en-US" altLang="ko-KR" sz="1400" dirty="0">
+                <a:solidFill>
+                  <a:schemeClr val="tx1">
+                    <a:lumMod val="50000"/>
+                    <a:lumOff val="50000"/>
+                  </a:schemeClr>
+                </a:solidFill>
+                <a:latin typeface="카카오 Regular" panose="020B0600000101010101" pitchFamily="50" charset="-127"/>
+                <a:ea typeface="카카오 Regular" panose="020B0600000101010101" pitchFamily="50" charset="-127"/>
+              </a:rPr>
+              <a:t>SW</a:t>
+            </a:r>
+            <a:r>
+              <a:rPr lang="ko-KR" altLang="en-US" sz="1400" dirty="0">
+                <a:solidFill>
+                  <a:schemeClr val="tx1">
+                    <a:lumMod val="50000"/>
+                    <a:lumOff val="50000"/>
+                  </a:schemeClr>
+                </a:solidFill>
+                <a:latin typeface="카카오 Regular" panose="020B0600000101010101" pitchFamily="50" charset="-127"/>
+                <a:ea typeface="카카오 Regular" panose="020B0600000101010101" pitchFamily="50" charset="-127"/>
+              </a:rPr>
+              <a:t>설계</a:t>
+            </a:r>
+          </a:p>
+        </p:txBody>
+      </p:sp>
+      <p:sp>
+        <p:nvSpPr>
+          <p:cNvPr id="6" name="TextBox 5">
+            <a:extLst>
+              <a:ext uri="{FF2B5EF4-FFF2-40B4-BE49-F238E27FC236}">
+                <a16:creationId xmlns:a16="http://schemas.microsoft.com/office/drawing/2014/main" id="{E6354EFD-BCA2-4CFD-802F-4311EE435B30}"/>
+              </a:ext>
+            </a:extLst>
+          </p:cNvPr>
+          <p:cNvSpPr txBox="1"/>
+          <p:nvPr/>
+        </p:nvSpPr>
+        <p:spPr>
+          <a:xfrm>
+            <a:off x="5508339" y="6453051"/>
+            <a:ext cx="1175322" cy="307777"/>
+          </a:xfrm>
+          <a:prstGeom prst="rect">
+            <a:avLst/>
+          </a:prstGeom>
+          <a:noFill/>
+        </p:spPr>
+        <p:txBody>
+          <a:bodyPr wrap="none" rtlCol="0">
+            <a:spAutoFit/>
+          </a:bodyPr>
+          <a:lstStyle/>
+          <a:p>
+            <a:pPr algn="ctr"/>
+            <a:r>
+              <a:rPr lang="en-US" altLang="ko-KR" sz="1400" dirty="0">
+                <a:solidFill>
+                  <a:schemeClr val="tx1">
+                    <a:lumMod val="50000"/>
+                    <a:lumOff val="50000"/>
+                  </a:schemeClr>
+                </a:solidFill>
+                <a:latin typeface="카카오 Regular" panose="020B0600000101010101" pitchFamily="50" charset="-127"/>
+                <a:ea typeface="카카오 Regular" panose="020B0600000101010101" pitchFamily="50" charset="-127"/>
+              </a:rPr>
+              <a:t>2020.10.30.</a:t>
+            </a:r>
+            <a:endParaRPr lang="ko-KR" altLang="en-US" sz="1400" dirty="0">
+              <a:solidFill>
+                <a:schemeClr val="tx1">
+                  <a:lumMod val="50000"/>
+                  <a:lumOff val="50000"/>
+                </a:schemeClr>
+              </a:solidFill>
+              <a:latin typeface="카카오 Regular" panose="020B0600000101010101" pitchFamily="50" charset="-127"/>
+              <a:ea typeface="카카오 Regular" panose="020B0600000101010101" pitchFamily="50" charset="-127"/>
+            </a:endParaRPr>
+          </a:p>
+        </p:txBody>
+      </p:sp>
+      <p:sp>
+        <p:nvSpPr>
+          <p:cNvPr id="11" name="TextBox 10">
+            <a:extLst>
+              <a:ext uri="{FF2B5EF4-FFF2-40B4-BE49-F238E27FC236}">
+                <a16:creationId xmlns:a16="http://schemas.microsoft.com/office/drawing/2014/main" id="{21686E64-9237-4B5E-B00B-CAA041D05E72}"/>
+              </a:ext>
+            </a:extLst>
+          </p:cNvPr>
+          <p:cNvSpPr txBox="1"/>
+          <p:nvPr/>
+        </p:nvSpPr>
+        <p:spPr>
+          <a:xfrm>
+            <a:off x="2223225" y="2210835"/>
+            <a:ext cx="3427541" cy="2262158"/>
+          </a:xfrm>
+          <a:prstGeom prst="rect">
+            <a:avLst/>
+          </a:prstGeom>
+          <a:noFill/>
+        </p:spPr>
+        <p:txBody>
+          <a:bodyPr wrap="none" rtlCol="0">
+            <a:spAutoFit/>
+          </a:bodyPr>
+          <a:lstStyle/>
+          <a:p>
+            <a:pPr algn="ctr">
+              <a:lnSpc>
+                <a:spcPct val="150000"/>
+              </a:lnSpc>
+            </a:pPr>
+            <a:r>
+              <a:rPr lang="ko-KR" altLang="en-US" sz="2400" dirty="0">
+                <a:solidFill>
+                  <a:schemeClr val="tx1">
+                    <a:lumMod val="75000"/>
+                    <a:lumOff val="25000"/>
+                  </a:schemeClr>
+                </a:solidFill>
+                <a:latin typeface="카카오 Regular" panose="020B0600000101010101" pitchFamily="50" charset="-127"/>
+                <a:ea typeface="카카오 Regular" panose="020B0600000101010101" pitchFamily="50" charset="-127"/>
+              </a:rPr>
+              <a:t>관리자</a:t>
+            </a:r>
+            <a:r>
+              <a:rPr lang="en-US" altLang="ko-KR" sz="2400" dirty="0">
+                <a:solidFill>
+                  <a:schemeClr val="tx1">
+                    <a:lumMod val="75000"/>
+                    <a:lumOff val="25000"/>
+                  </a:schemeClr>
+                </a:solidFill>
+                <a:latin typeface="카카오 Regular" panose="020B0600000101010101" pitchFamily="50" charset="-127"/>
+                <a:ea typeface="카카오 Regular" panose="020B0600000101010101" pitchFamily="50" charset="-127"/>
+              </a:rPr>
+              <a:t>: </a:t>
+            </a:r>
+            <a:r>
+              <a:rPr lang="ko-KR" altLang="en-US" sz="2400" dirty="0">
+                <a:solidFill>
+                  <a:schemeClr val="tx1">
+                    <a:lumMod val="75000"/>
+                    <a:lumOff val="25000"/>
+                  </a:schemeClr>
+                </a:solidFill>
+                <a:latin typeface="카카오 Regular" panose="020B0600000101010101" pitchFamily="50" charset="-127"/>
+                <a:ea typeface="카카오 Regular" panose="020B0600000101010101" pitchFamily="50" charset="-127"/>
+              </a:rPr>
+              <a:t>전수 검사</a:t>
+            </a:r>
+            <a:r>
+              <a:rPr lang="en-US" altLang="ko-KR" sz="2400" dirty="0">
+                <a:solidFill>
+                  <a:schemeClr val="tx1">
+                    <a:lumMod val="75000"/>
+                    <a:lumOff val="25000"/>
+                  </a:schemeClr>
+                </a:solidFill>
+                <a:latin typeface="카카오 Regular" panose="020B0600000101010101" pitchFamily="50" charset="-127"/>
+                <a:ea typeface="카카오 Regular" panose="020B0600000101010101" pitchFamily="50" charset="-127"/>
+              </a:rPr>
+              <a:t>, </a:t>
+            </a:r>
+            <a:r>
+              <a:rPr lang="ko-KR" altLang="en-US" sz="2400" dirty="0">
+                <a:solidFill>
+                  <a:schemeClr val="tx1">
+                    <a:lumMod val="75000"/>
+                    <a:lumOff val="25000"/>
+                  </a:schemeClr>
+                </a:solidFill>
+                <a:latin typeface="카카오 Regular" panose="020B0600000101010101" pitchFamily="50" charset="-127"/>
+                <a:ea typeface="카카오 Regular" panose="020B0600000101010101" pitchFamily="50" charset="-127"/>
+              </a:rPr>
+              <a:t>직접 이동</a:t>
+            </a:r>
+            <a:endParaRPr lang="en-US" altLang="ko-KR" sz="2400" dirty="0">
+              <a:solidFill>
+                <a:schemeClr val="tx1">
+                  <a:lumMod val="75000"/>
+                  <a:lumOff val="25000"/>
+                </a:schemeClr>
+              </a:solidFill>
+              <a:latin typeface="카카오 Regular" panose="020B0600000101010101" pitchFamily="50" charset="-127"/>
+              <a:ea typeface="카카오 Regular" panose="020B0600000101010101" pitchFamily="50" charset="-127"/>
+            </a:endParaRPr>
+          </a:p>
+          <a:p>
+            <a:pPr algn="ctr">
+              <a:lnSpc>
+                <a:spcPct val="150000"/>
+              </a:lnSpc>
+            </a:pPr>
+            <a:endParaRPr lang="en-US" altLang="ko-KR" sz="2400" dirty="0">
+              <a:solidFill>
+                <a:schemeClr val="tx1">
+                  <a:lumMod val="75000"/>
+                  <a:lumOff val="25000"/>
+                </a:schemeClr>
+              </a:solidFill>
+              <a:latin typeface="카카오 Regular" panose="020B0600000101010101" pitchFamily="50" charset="-127"/>
+              <a:ea typeface="카카오 Regular" panose="020B0600000101010101" pitchFamily="50" charset="-127"/>
+            </a:endParaRPr>
+          </a:p>
+          <a:p>
+            <a:pPr algn="ctr">
+              <a:lnSpc>
+                <a:spcPct val="150000"/>
+              </a:lnSpc>
+            </a:pPr>
+            <a:r>
+              <a:rPr lang="en-US" altLang="ko-KR" sz="2400" dirty="0">
+                <a:solidFill>
+                  <a:schemeClr val="tx1">
+                    <a:lumMod val="75000"/>
+                    <a:lumOff val="25000"/>
+                  </a:schemeClr>
+                </a:solidFill>
+                <a:latin typeface="카카오 Regular" panose="020B0600000101010101" pitchFamily="50" charset="-127"/>
+                <a:ea typeface="카카오 Regular" panose="020B0600000101010101" pitchFamily="50" charset="-127"/>
+              </a:rPr>
+              <a:t>“</a:t>
+            </a:r>
+            <a:r>
+              <a:rPr lang="ko-KR" altLang="en-US" sz="2400" dirty="0">
+                <a:solidFill>
+                  <a:schemeClr val="accent4"/>
+                </a:solidFill>
+                <a:latin typeface="카카오 Regular" panose="020B0600000101010101" pitchFamily="50" charset="-127"/>
+                <a:ea typeface="카카오 Regular" panose="020B0600000101010101" pitchFamily="50" charset="-127"/>
+              </a:rPr>
+              <a:t>시간 낭비</a:t>
+            </a:r>
+            <a:r>
+              <a:rPr lang="en-US" altLang="ko-KR" sz="2400" dirty="0">
+                <a:solidFill>
+                  <a:schemeClr val="tx1">
+                    <a:lumMod val="75000"/>
+                    <a:lumOff val="25000"/>
+                  </a:schemeClr>
+                </a:solidFill>
+                <a:latin typeface="카카오 Regular" panose="020B0600000101010101" pitchFamily="50" charset="-127"/>
+                <a:ea typeface="카카오 Regular" panose="020B0600000101010101" pitchFamily="50" charset="-127"/>
+              </a:rPr>
+              <a:t>, </a:t>
+            </a:r>
+            <a:r>
+              <a:rPr lang="ko-KR" altLang="en-US" sz="2400" dirty="0">
+                <a:solidFill>
+                  <a:schemeClr val="tx1">
+                    <a:lumMod val="75000"/>
+                    <a:lumOff val="25000"/>
+                  </a:schemeClr>
+                </a:solidFill>
+                <a:latin typeface="카카오 Regular" panose="020B0600000101010101" pitchFamily="50" charset="-127"/>
+                <a:ea typeface="카카오 Regular" panose="020B0600000101010101" pitchFamily="50" charset="-127"/>
+              </a:rPr>
+              <a:t>그리고</a:t>
+            </a:r>
+            <a:endParaRPr lang="en-US" altLang="ko-KR" sz="2400" dirty="0">
+              <a:solidFill>
+                <a:schemeClr val="tx1">
+                  <a:lumMod val="75000"/>
+                  <a:lumOff val="25000"/>
+                </a:schemeClr>
+              </a:solidFill>
+              <a:latin typeface="카카오 Regular" panose="020B0600000101010101" pitchFamily="50" charset="-127"/>
+              <a:ea typeface="카카오 Regular" panose="020B0600000101010101" pitchFamily="50" charset="-127"/>
+            </a:endParaRPr>
+          </a:p>
+          <a:p>
+            <a:pPr algn="ctr">
+              <a:lnSpc>
+                <a:spcPct val="150000"/>
+              </a:lnSpc>
+            </a:pPr>
+            <a:r>
+              <a:rPr lang="ko-KR" altLang="en-US" sz="2400" dirty="0">
+                <a:solidFill>
+                  <a:schemeClr val="accent4"/>
+                </a:solidFill>
+                <a:latin typeface="카카오 Regular" panose="020B0600000101010101" pitchFamily="50" charset="-127"/>
+                <a:ea typeface="카카오 Regular" panose="020B0600000101010101" pitchFamily="50" charset="-127"/>
+              </a:rPr>
+              <a:t>비효율적인 관리</a:t>
+            </a:r>
+            <a:r>
+              <a:rPr lang="en-US" altLang="ko-KR" sz="2400" dirty="0">
+                <a:solidFill>
+                  <a:schemeClr val="tx1">
+                    <a:lumMod val="75000"/>
+                    <a:lumOff val="25000"/>
+                  </a:schemeClr>
+                </a:solidFill>
+                <a:latin typeface="카카오 Regular" panose="020B0600000101010101" pitchFamily="50" charset="-127"/>
+                <a:ea typeface="카카오 Regular" panose="020B0600000101010101" pitchFamily="50" charset="-127"/>
+              </a:rPr>
+              <a:t>”</a:t>
+            </a:r>
+            <a:endParaRPr lang="en-US" altLang="ko-KR" sz="2400" dirty="0">
+              <a:solidFill>
+                <a:schemeClr val="accent4"/>
+              </a:solidFill>
+              <a:latin typeface="카카오 Regular" panose="020B0600000101010101" pitchFamily="50" charset="-127"/>
+              <a:ea typeface="카카오 Regular" panose="020B0600000101010101" pitchFamily="50" charset="-127"/>
+            </a:endParaRPr>
+          </a:p>
+        </p:txBody>
+      </p:sp>
+      <p:grpSp>
+        <p:nvGrpSpPr>
+          <p:cNvPr id="29" name="그룹 28">
+            <a:extLst>
+              <a:ext uri="{FF2B5EF4-FFF2-40B4-BE49-F238E27FC236}">
+                <a16:creationId xmlns:a16="http://schemas.microsoft.com/office/drawing/2014/main" id="{83020B3D-37C7-4A63-BA8C-18D75BAAF618}"/>
+              </a:ext>
+            </a:extLst>
+          </p:cNvPr>
+          <p:cNvGrpSpPr/>
+          <p:nvPr/>
+        </p:nvGrpSpPr>
+        <p:grpSpPr>
+          <a:xfrm>
+            <a:off x="7352216" y="1332897"/>
+            <a:ext cx="1979347" cy="4477359"/>
+            <a:chOff x="1609011" y="1547993"/>
+            <a:chExt cx="2140317" cy="4841479"/>
+          </a:xfrm>
+        </p:grpSpPr>
+        <p:grpSp>
+          <p:nvGrpSpPr>
+            <p:cNvPr id="13" name="그룹 12">
+              <a:extLst>
+                <a:ext uri="{FF2B5EF4-FFF2-40B4-BE49-F238E27FC236}">
+                  <a16:creationId xmlns:a16="http://schemas.microsoft.com/office/drawing/2014/main" id="{73ACE28A-1963-4E8A-907F-FD1D1C3A07E3}"/>
+                </a:ext>
+              </a:extLst>
+            </p:cNvPr>
+            <p:cNvGrpSpPr/>
+            <p:nvPr/>
+          </p:nvGrpSpPr>
+          <p:grpSpPr>
+            <a:xfrm>
+              <a:off x="1609011" y="1547993"/>
+              <a:ext cx="2140317" cy="1500008"/>
+              <a:chOff x="454319" y="1138098"/>
+              <a:chExt cx="3382235" cy="2370387"/>
+            </a:xfrm>
+          </p:grpSpPr>
+          <p:pic>
+            <p:nvPicPr>
+              <p:cNvPr id="14" name="그래픽 13" descr="점검 목록">
+                <a:extLst>
+                  <a:ext uri="{FF2B5EF4-FFF2-40B4-BE49-F238E27FC236}">
+                    <a16:creationId xmlns:a16="http://schemas.microsoft.com/office/drawing/2014/main" id="{BF003B87-B34E-4CC0-87CF-1E638B299E9E}"/>
+                  </a:ext>
+                </a:extLst>
+              </p:cNvPr>
+              <p:cNvPicPr>
+                <a:picLocks noChangeAspect="1"/>
+              </p:cNvPicPr>
+              <p:nvPr/>
+            </p:nvPicPr>
+            <p:blipFill>
+              <a:blip r:embed="rId3">
+                <a:extLst>
+                  <a:ext uri="{28A0092B-C50C-407E-A947-70E740481C1C}">
+                    <a14:useLocalDpi xmlns:a14="http://schemas.microsoft.com/office/drawing/2010/main" val="0"/>
+                  </a:ext>
+                  <a:ext uri="{96DAC541-7B7A-43D3-8B79-37D633B846F1}">
+                    <asvg:svgBlip xmlns:asvg="http://schemas.microsoft.com/office/drawing/2016/SVG/main" r:embed="rId4"/>
+                  </a:ext>
+                </a:extLst>
+              </a:blip>
+              <a:stretch>
+                <a:fillRect/>
+              </a:stretch>
+            </p:blipFill>
+            <p:spPr>
+              <a:xfrm>
+                <a:off x="2019749" y="1595298"/>
+                <a:ext cx="1816805" cy="1816805"/>
+              </a:xfrm>
+              <a:prstGeom prst="rect">
+                <a:avLst/>
+              </a:prstGeom>
+            </p:spPr>
+          </p:pic>
+          <p:pic>
+            <p:nvPicPr>
+              <p:cNvPr id="15" name="그래픽 14" descr="연필">
+                <a:extLst>
+                  <a:ext uri="{FF2B5EF4-FFF2-40B4-BE49-F238E27FC236}">
+                    <a16:creationId xmlns:a16="http://schemas.microsoft.com/office/drawing/2014/main" id="{29C57982-F303-4822-A96D-D9E6C0BDE943}"/>
+                  </a:ext>
+                </a:extLst>
+              </p:cNvPr>
+              <p:cNvPicPr>
+                <a:picLocks noChangeAspect="1"/>
+              </p:cNvPicPr>
+              <p:nvPr/>
+            </p:nvPicPr>
+            <p:blipFill>
+              <a:blip r:embed="rId5">
+                <a:extLst>
+                  <a:ext uri="{28A0092B-C50C-407E-A947-70E740481C1C}">
+                    <a14:useLocalDpi xmlns:a14="http://schemas.microsoft.com/office/drawing/2010/main" val="0"/>
+                  </a:ext>
+                  <a:ext uri="{96DAC541-7B7A-43D3-8B79-37D633B846F1}">
+                    <asvg:svgBlip xmlns:asvg="http://schemas.microsoft.com/office/drawing/2016/SVG/main" r:embed="rId6"/>
+                  </a:ext>
+                </a:extLst>
+              </a:blip>
+              <a:stretch>
+                <a:fillRect/>
+              </a:stretch>
+            </p:blipFill>
+            <p:spPr>
+              <a:xfrm>
+                <a:off x="2809654" y="1138098"/>
+                <a:ext cx="914400" cy="914400"/>
+              </a:xfrm>
+              <a:prstGeom prst="rect">
+                <a:avLst/>
+              </a:prstGeom>
+            </p:spPr>
+          </p:pic>
+          <p:pic>
+            <p:nvPicPr>
+              <p:cNvPr id="16" name="그림 15">
+                <a:extLst>
+                  <a:ext uri="{FF2B5EF4-FFF2-40B4-BE49-F238E27FC236}">
+                    <a16:creationId xmlns:a16="http://schemas.microsoft.com/office/drawing/2014/main" id="{00ADBEAB-FF36-4141-959A-B43D1019CC90}"/>
+                  </a:ext>
+                </a:extLst>
+              </p:cNvPr>
+              <p:cNvPicPr>
+                <a:picLocks noChangeAspect="1"/>
+              </p:cNvPicPr>
+              <p:nvPr/>
+            </p:nvPicPr>
+            <p:blipFill>
+              <a:blip r:embed="rId7" cstate="print">
+                <a:extLst>
+                  <a:ext uri="{28A0092B-C50C-407E-A947-70E740481C1C}">
+                    <a14:useLocalDpi xmlns:a14="http://schemas.microsoft.com/office/drawing/2010/main" val="0"/>
+                  </a:ext>
+                </a:extLst>
+              </a:blip>
+              <a:stretch>
+                <a:fillRect/>
+              </a:stretch>
+            </p:blipFill>
+            <p:spPr>
+              <a:xfrm>
+                <a:off x="496424" y="1498915"/>
+                <a:ext cx="1816806" cy="2009570"/>
+              </a:xfrm>
+              <a:prstGeom prst="rect">
+                <a:avLst/>
+              </a:prstGeom>
+              <a:effectLst/>
+            </p:spPr>
+          </p:pic>
+          <p:pic>
+            <p:nvPicPr>
+              <p:cNvPr id="17" name="그래픽 16" descr="돋보기">
+                <a:extLst>
+                  <a:ext uri="{FF2B5EF4-FFF2-40B4-BE49-F238E27FC236}">
+                    <a16:creationId xmlns:a16="http://schemas.microsoft.com/office/drawing/2014/main" id="{5E26F1AE-1BDE-41F6-84DE-EAF899B405AB}"/>
+                  </a:ext>
+                </a:extLst>
+              </p:cNvPr>
+              <p:cNvPicPr>
+                <a:picLocks noChangeAspect="1"/>
+              </p:cNvPicPr>
+              <p:nvPr/>
+            </p:nvPicPr>
+            <p:blipFill>
+              <a:blip r:embed="rId8">
+                <a:extLst>
+                  <a:ext uri="{28A0092B-C50C-407E-A947-70E740481C1C}">
+                    <a14:useLocalDpi xmlns:a14="http://schemas.microsoft.com/office/drawing/2010/main" val="0"/>
+                  </a:ext>
+                  <a:ext uri="{96DAC541-7B7A-43D3-8B79-37D633B846F1}">
+                    <asvg:svgBlip xmlns:asvg="http://schemas.microsoft.com/office/drawing/2016/SVG/main" r:embed="rId9"/>
+                  </a:ext>
+                </a:extLst>
+              </a:blip>
+              <a:stretch>
+                <a:fillRect/>
+              </a:stretch>
+            </p:blipFill>
+            <p:spPr>
+              <a:xfrm>
+                <a:off x="454319" y="1726983"/>
+                <a:ext cx="1565430" cy="1565430"/>
+              </a:xfrm>
+              <a:prstGeom prst="rect">
+                <a:avLst/>
+              </a:prstGeom>
+            </p:spPr>
+          </p:pic>
+        </p:grpSp>
+        <p:grpSp>
+          <p:nvGrpSpPr>
+            <p:cNvPr id="18" name="그룹 17">
+              <a:extLst>
+                <a:ext uri="{FF2B5EF4-FFF2-40B4-BE49-F238E27FC236}">
+                  <a16:creationId xmlns:a16="http://schemas.microsoft.com/office/drawing/2014/main" id="{219EA424-069D-4502-9F2A-687F4B7EADAD}"/>
+                </a:ext>
+              </a:extLst>
+            </p:cNvPr>
+            <p:cNvGrpSpPr/>
+            <p:nvPr/>
+          </p:nvGrpSpPr>
+          <p:grpSpPr>
+            <a:xfrm>
+              <a:off x="1609011" y="2748609"/>
+              <a:ext cx="2140317" cy="1500008"/>
+              <a:chOff x="454319" y="1138098"/>
+              <a:chExt cx="3382235" cy="2370387"/>
+            </a:xfrm>
+          </p:grpSpPr>
+          <p:pic>
+            <p:nvPicPr>
+              <p:cNvPr id="19" name="그래픽 18" descr="점검 목록">
+                <a:extLst>
+                  <a:ext uri="{FF2B5EF4-FFF2-40B4-BE49-F238E27FC236}">
+                    <a16:creationId xmlns:a16="http://schemas.microsoft.com/office/drawing/2014/main" id="{43B51685-9798-406B-84D0-36FEB5E31CFC}"/>
+                  </a:ext>
+                </a:extLst>
+              </p:cNvPr>
+              <p:cNvPicPr>
+                <a:picLocks noChangeAspect="1"/>
+              </p:cNvPicPr>
+              <p:nvPr/>
+            </p:nvPicPr>
+            <p:blipFill>
+              <a:blip r:embed="rId10">
+                <a:extLst>
+                  <a:ext uri="{28A0092B-C50C-407E-A947-70E740481C1C}">
+                    <a14:useLocalDpi xmlns:a14="http://schemas.microsoft.com/office/drawing/2010/main" val="0"/>
+                  </a:ext>
+                  <a:ext uri="{96DAC541-7B7A-43D3-8B79-37D633B846F1}">
+                    <asvg:svgBlip xmlns:asvg="http://schemas.microsoft.com/office/drawing/2016/SVG/main" r:embed="rId11"/>
+                  </a:ext>
+                </a:extLst>
+              </a:blip>
+              <a:stretch>
+                <a:fillRect/>
+              </a:stretch>
+            </p:blipFill>
+            <p:spPr>
+              <a:xfrm>
+                <a:off x="2019749" y="1595298"/>
+                <a:ext cx="1816805" cy="1816805"/>
+              </a:xfrm>
+              <a:prstGeom prst="rect">
+                <a:avLst/>
+              </a:prstGeom>
+            </p:spPr>
+          </p:pic>
+          <p:pic>
+            <p:nvPicPr>
+              <p:cNvPr id="20" name="그래픽 19" descr="연필">
+                <a:extLst>
+                  <a:ext uri="{FF2B5EF4-FFF2-40B4-BE49-F238E27FC236}">
+                    <a16:creationId xmlns:a16="http://schemas.microsoft.com/office/drawing/2014/main" id="{CD1BE381-C21A-4233-8D92-EFC7B9C2CE11}"/>
+                  </a:ext>
+                </a:extLst>
+              </p:cNvPr>
+              <p:cNvPicPr>
+                <a:picLocks noChangeAspect="1"/>
+              </p:cNvPicPr>
+              <p:nvPr/>
+            </p:nvPicPr>
+            <p:blipFill>
+              <a:blip r:embed="rId5">
+                <a:extLst>
+                  <a:ext uri="{28A0092B-C50C-407E-A947-70E740481C1C}">
+                    <a14:useLocalDpi xmlns:a14="http://schemas.microsoft.com/office/drawing/2010/main" val="0"/>
+                  </a:ext>
+                  <a:ext uri="{96DAC541-7B7A-43D3-8B79-37D633B846F1}">
+                    <asvg:svgBlip xmlns:asvg="http://schemas.microsoft.com/office/drawing/2016/SVG/main" r:embed="rId6"/>
+                  </a:ext>
+                </a:extLst>
+              </a:blip>
+              <a:stretch>
+                <a:fillRect/>
+              </a:stretch>
+            </p:blipFill>
+            <p:spPr>
+              <a:xfrm>
+                <a:off x="2809654" y="1138098"/>
+                <a:ext cx="914400" cy="914400"/>
+              </a:xfrm>
+              <a:prstGeom prst="rect">
+                <a:avLst/>
+              </a:prstGeom>
+            </p:spPr>
+          </p:pic>
+          <p:pic>
+            <p:nvPicPr>
+              <p:cNvPr id="21" name="그림 20">
+                <a:extLst>
+                  <a:ext uri="{FF2B5EF4-FFF2-40B4-BE49-F238E27FC236}">
+                    <a16:creationId xmlns:a16="http://schemas.microsoft.com/office/drawing/2014/main" id="{5ED8367C-0CB2-4CA4-A8AC-3F6A25A746B3}"/>
+                  </a:ext>
+                </a:extLst>
+              </p:cNvPr>
+              <p:cNvPicPr>
+                <a:picLocks noChangeAspect="1"/>
+              </p:cNvPicPr>
+              <p:nvPr/>
+            </p:nvPicPr>
+            <p:blipFill>
+              <a:blip r:embed="rId7" cstate="print">
+                <a:extLst>
+                  <a:ext uri="{28A0092B-C50C-407E-A947-70E740481C1C}">
+                    <a14:useLocalDpi xmlns:a14="http://schemas.microsoft.com/office/drawing/2010/main" val="0"/>
+                  </a:ext>
+                </a:extLst>
+              </a:blip>
+              <a:stretch>
+                <a:fillRect/>
+              </a:stretch>
+            </p:blipFill>
+            <p:spPr>
+              <a:xfrm>
+                <a:off x="496424" y="1498915"/>
+                <a:ext cx="1816806" cy="2009570"/>
+              </a:xfrm>
+              <a:prstGeom prst="rect">
+                <a:avLst/>
+              </a:prstGeom>
+              <a:effectLst/>
+            </p:spPr>
+          </p:pic>
+          <p:pic>
+            <p:nvPicPr>
+              <p:cNvPr id="22" name="그래픽 21" descr="돋보기">
+                <a:extLst>
+                  <a:ext uri="{FF2B5EF4-FFF2-40B4-BE49-F238E27FC236}">
+                    <a16:creationId xmlns:a16="http://schemas.microsoft.com/office/drawing/2014/main" id="{4007BD24-30F7-41F3-A2F0-05FB017B42E0}"/>
+                  </a:ext>
+                </a:extLst>
+              </p:cNvPr>
+              <p:cNvPicPr>
+                <a:picLocks noChangeAspect="1"/>
+              </p:cNvPicPr>
+              <p:nvPr/>
+            </p:nvPicPr>
+            <p:blipFill>
+              <a:blip r:embed="rId12">
+                <a:extLst>
+                  <a:ext uri="{28A0092B-C50C-407E-A947-70E740481C1C}">
+                    <a14:useLocalDpi xmlns:a14="http://schemas.microsoft.com/office/drawing/2010/main" val="0"/>
+                  </a:ext>
+                  <a:ext uri="{96DAC541-7B7A-43D3-8B79-37D633B846F1}">
+                    <asvg:svgBlip xmlns:asvg="http://schemas.microsoft.com/office/drawing/2016/SVG/main" r:embed="rId13"/>
+                  </a:ext>
+                </a:extLst>
+              </a:blip>
+              <a:stretch>
+                <a:fillRect/>
+              </a:stretch>
+            </p:blipFill>
+            <p:spPr>
+              <a:xfrm>
+                <a:off x="454319" y="1726983"/>
+                <a:ext cx="1565430" cy="1565430"/>
+              </a:xfrm>
+              <a:prstGeom prst="rect">
+                <a:avLst/>
+              </a:prstGeom>
+            </p:spPr>
+          </p:pic>
+        </p:grpSp>
+        <p:grpSp>
+          <p:nvGrpSpPr>
+            <p:cNvPr id="23" name="그룹 22">
+              <a:extLst>
+                <a:ext uri="{FF2B5EF4-FFF2-40B4-BE49-F238E27FC236}">
+                  <a16:creationId xmlns:a16="http://schemas.microsoft.com/office/drawing/2014/main" id="{B36F636A-5053-4FAA-AB66-69CD6BA9807A}"/>
+                </a:ext>
+              </a:extLst>
+            </p:cNvPr>
+            <p:cNvGrpSpPr/>
+            <p:nvPr/>
+          </p:nvGrpSpPr>
+          <p:grpSpPr>
+            <a:xfrm>
+              <a:off x="1609011" y="3950696"/>
+              <a:ext cx="2140317" cy="1500008"/>
+              <a:chOff x="454319" y="1138098"/>
+              <a:chExt cx="3382235" cy="2370387"/>
+            </a:xfrm>
+          </p:grpSpPr>
+          <p:pic>
+            <p:nvPicPr>
+              <p:cNvPr id="24" name="그래픽 23" descr="점검 목록">
+                <a:extLst>
+                  <a:ext uri="{FF2B5EF4-FFF2-40B4-BE49-F238E27FC236}">
+                    <a16:creationId xmlns:a16="http://schemas.microsoft.com/office/drawing/2014/main" id="{4BB8DFBE-4E24-4206-8055-853FA8F42469}"/>
+                  </a:ext>
+                </a:extLst>
+              </p:cNvPr>
+              <p:cNvPicPr>
+                <a:picLocks noChangeAspect="1"/>
+              </p:cNvPicPr>
+              <p:nvPr/>
+            </p:nvPicPr>
+            <p:blipFill>
+              <a:blip r:embed="rId14">
+                <a:extLst>
+                  <a:ext uri="{28A0092B-C50C-407E-A947-70E740481C1C}">
+                    <a14:useLocalDpi xmlns:a14="http://schemas.microsoft.com/office/drawing/2010/main" val="0"/>
+                  </a:ext>
+                  <a:ext uri="{96DAC541-7B7A-43D3-8B79-37D633B846F1}">
+                    <asvg:svgBlip xmlns:asvg="http://schemas.microsoft.com/office/drawing/2016/SVG/main" r:embed="rId15"/>
+                  </a:ext>
+                </a:extLst>
+              </a:blip>
+              <a:stretch>
+                <a:fillRect/>
+              </a:stretch>
+            </p:blipFill>
+            <p:spPr>
+              <a:xfrm>
+                <a:off x="2019749" y="1595298"/>
+                <a:ext cx="1816805" cy="1816805"/>
+              </a:xfrm>
+              <a:prstGeom prst="rect">
+                <a:avLst/>
+              </a:prstGeom>
+            </p:spPr>
+          </p:pic>
+          <p:pic>
+            <p:nvPicPr>
+              <p:cNvPr id="25" name="그래픽 24" descr="연필">
+                <a:extLst>
+                  <a:ext uri="{FF2B5EF4-FFF2-40B4-BE49-F238E27FC236}">
+                    <a16:creationId xmlns:a16="http://schemas.microsoft.com/office/drawing/2014/main" id="{EFAFCEA2-E4E0-4EEC-8E90-47A6BEC059C1}"/>
+                  </a:ext>
+                </a:extLst>
+              </p:cNvPr>
+              <p:cNvPicPr>
+                <a:picLocks noChangeAspect="1"/>
+              </p:cNvPicPr>
+              <p:nvPr/>
+            </p:nvPicPr>
+            <p:blipFill>
+              <a:blip r:embed="rId5">
+                <a:extLst>
+                  <a:ext uri="{28A0092B-C50C-407E-A947-70E740481C1C}">
+                    <a14:useLocalDpi xmlns:a14="http://schemas.microsoft.com/office/drawing/2010/main" val="0"/>
+                  </a:ext>
+                  <a:ext uri="{96DAC541-7B7A-43D3-8B79-37D633B846F1}">
+                    <asvg:svgBlip xmlns:asvg="http://schemas.microsoft.com/office/drawing/2016/SVG/main" r:embed="rId6"/>
+                  </a:ext>
+                </a:extLst>
+              </a:blip>
+              <a:stretch>
+                <a:fillRect/>
+              </a:stretch>
+            </p:blipFill>
+            <p:spPr>
+              <a:xfrm>
+                <a:off x="2809654" y="1138098"/>
+                <a:ext cx="914400" cy="914400"/>
+              </a:xfrm>
+              <a:prstGeom prst="rect">
+                <a:avLst/>
+              </a:prstGeom>
+            </p:spPr>
+          </p:pic>
+          <p:pic>
+            <p:nvPicPr>
+              <p:cNvPr id="26" name="그림 25">
+                <a:extLst>
+                  <a:ext uri="{FF2B5EF4-FFF2-40B4-BE49-F238E27FC236}">
+                    <a16:creationId xmlns:a16="http://schemas.microsoft.com/office/drawing/2014/main" id="{91137AC7-F081-4CFA-A0F1-EA68BBED9FAB}"/>
+                  </a:ext>
+                </a:extLst>
+              </p:cNvPr>
+              <p:cNvPicPr>
+                <a:picLocks noChangeAspect="1"/>
+              </p:cNvPicPr>
+              <p:nvPr/>
+            </p:nvPicPr>
+            <p:blipFill>
+              <a:blip r:embed="rId7" cstate="print">
+                <a:extLst>
+                  <a:ext uri="{28A0092B-C50C-407E-A947-70E740481C1C}">
+                    <a14:useLocalDpi xmlns:a14="http://schemas.microsoft.com/office/drawing/2010/main" val="0"/>
+                  </a:ext>
+                </a:extLst>
+              </a:blip>
+              <a:stretch>
+                <a:fillRect/>
+              </a:stretch>
+            </p:blipFill>
+            <p:spPr>
+              <a:xfrm>
+                <a:off x="496424" y="1498915"/>
+                <a:ext cx="1816806" cy="2009570"/>
+              </a:xfrm>
+              <a:prstGeom prst="rect">
+                <a:avLst/>
+              </a:prstGeom>
+              <a:effectLst/>
+            </p:spPr>
+          </p:pic>
+          <p:pic>
+            <p:nvPicPr>
+              <p:cNvPr id="27" name="그래픽 26" descr="돋보기">
+                <a:extLst>
+                  <a:ext uri="{FF2B5EF4-FFF2-40B4-BE49-F238E27FC236}">
+                    <a16:creationId xmlns:a16="http://schemas.microsoft.com/office/drawing/2014/main" id="{724CA497-0F7F-4267-8F15-B307AC92FE11}"/>
+                  </a:ext>
+                </a:extLst>
+              </p:cNvPr>
+              <p:cNvPicPr>
+                <a:picLocks noChangeAspect="1"/>
+              </p:cNvPicPr>
+              <p:nvPr/>
+            </p:nvPicPr>
+            <p:blipFill>
+              <a:blip r:embed="rId16">
+                <a:extLst>
+                  <a:ext uri="{28A0092B-C50C-407E-A947-70E740481C1C}">
+                    <a14:useLocalDpi xmlns:a14="http://schemas.microsoft.com/office/drawing/2010/main" val="0"/>
+                  </a:ext>
+                  <a:ext uri="{96DAC541-7B7A-43D3-8B79-37D633B846F1}">
+                    <asvg:svgBlip xmlns:asvg="http://schemas.microsoft.com/office/drawing/2016/SVG/main" r:embed="rId17"/>
+                  </a:ext>
+                </a:extLst>
+              </a:blip>
+              <a:stretch>
+                <a:fillRect/>
+              </a:stretch>
+            </p:blipFill>
+            <p:spPr>
+              <a:xfrm>
+                <a:off x="454319" y="1726983"/>
+                <a:ext cx="1565430" cy="1565430"/>
+              </a:xfrm>
+              <a:prstGeom prst="rect">
+                <a:avLst/>
+              </a:prstGeom>
+            </p:spPr>
+          </p:pic>
+        </p:grpSp>
+        <p:sp>
+          <p:nvSpPr>
+            <p:cNvPr id="28" name="TextBox 27">
+              <a:extLst>
+                <a:ext uri="{FF2B5EF4-FFF2-40B4-BE49-F238E27FC236}">
+                  <a16:creationId xmlns:a16="http://schemas.microsoft.com/office/drawing/2014/main" id="{022AC7D6-10B7-4CA1-A115-CE4FB88695EF}"/>
+                </a:ext>
+              </a:extLst>
+            </p:cNvPr>
+            <p:cNvSpPr txBox="1"/>
+            <p:nvPr/>
+          </p:nvSpPr>
+          <p:spPr>
+            <a:xfrm>
+              <a:off x="2599633" y="5466142"/>
+              <a:ext cx="247184" cy="923330"/>
+            </a:xfrm>
+            <a:prstGeom prst="rect">
+              <a:avLst/>
+            </a:prstGeom>
+            <a:noFill/>
+          </p:spPr>
+          <p:txBody>
+            <a:bodyPr wrap="none" rtlCol="0">
+              <a:spAutoFit/>
+            </a:bodyPr>
+            <a:lstStyle/>
+            <a:p>
+              <a:r>
+                <a:rPr lang="en-US" altLang="ko-KR" dirty="0">
+                  <a:latin typeface="카카오 Regular" panose="020B0600000101010101" pitchFamily="50" charset="-127"/>
+                  <a:ea typeface="카카오 Regular" panose="020B0600000101010101" pitchFamily="50" charset="-127"/>
+                </a:rPr>
+                <a:t>.</a:t>
+              </a:r>
+            </a:p>
+            <a:p>
+              <a:r>
+                <a:rPr lang="en-US" altLang="ko-KR" dirty="0">
+                  <a:latin typeface="카카오 Regular" panose="020B0600000101010101" pitchFamily="50" charset="-127"/>
+                  <a:ea typeface="카카오 Regular" panose="020B0600000101010101" pitchFamily="50" charset="-127"/>
+                </a:rPr>
+                <a:t>.</a:t>
+              </a:r>
+            </a:p>
+            <a:p>
+              <a:r>
+                <a:rPr lang="en-US" altLang="ko-KR" dirty="0">
+                  <a:latin typeface="카카오 Regular" panose="020B0600000101010101" pitchFamily="50" charset="-127"/>
+                  <a:ea typeface="카카오 Regular" panose="020B0600000101010101" pitchFamily="50" charset="-127"/>
+                </a:rPr>
+                <a:t>.</a:t>
+              </a:r>
+            </a:p>
+          </p:txBody>
+        </p:sp>
+      </p:grpSp>
+      <p:grpSp>
+        <p:nvGrpSpPr>
+          <p:cNvPr id="31" name="그룹 30">
+            <a:extLst>
+              <a:ext uri="{FF2B5EF4-FFF2-40B4-BE49-F238E27FC236}">
+                <a16:creationId xmlns:a16="http://schemas.microsoft.com/office/drawing/2014/main" id="{8DCAF874-EE19-40AC-A7E4-55EA6C9D8DB1}"/>
+              </a:ext>
+            </a:extLst>
+          </p:cNvPr>
+          <p:cNvGrpSpPr/>
+          <p:nvPr/>
+        </p:nvGrpSpPr>
+        <p:grpSpPr>
+          <a:xfrm>
+            <a:off x="271174" y="216796"/>
+            <a:ext cx="4473787" cy="832711"/>
+            <a:chOff x="310539" y="246653"/>
+            <a:chExt cx="4473787" cy="832711"/>
+          </a:xfrm>
+        </p:grpSpPr>
+        <p:sp>
+          <p:nvSpPr>
+            <p:cNvPr id="32" name="평행 사변형 31">
+              <a:extLst>
+                <a:ext uri="{FF2B5EF4-FFF2-40B4-BE49-F238E27FC236}">
+                  <a16:creationId xmlns:a16="http://schemas.microsoft.com/office/drawing/2014/main" id="{9D9EA801-0AAE-439C-B985-130083D31519}"/>
+                </a:ext>
+              </a:extLst>
+            </p:cNvPr>
+            <p:cNvSpPr/>
+            <p:nvPr/>
+          </p:nvSpPr>
+          <p:spPr>
+            <a:xfrm rot="21268823">
+              <a:off x="1356198" y="370527"/>
+              <a:ext cx="3367430" cy="584961"/>
+            </a:xfrm>
+            <a:prstGeom prst="parallelogram">
+              <a:avLst/>
+            </a:prstGeom>
+            <a:solidFill>
+              <a:schemeClr val="accent4">
+                <a:lumMod val="40000"/>
+                <a:lumOff val="60000"/>
+              </a:schemeClr>
+            </a:solidFill>
+            <a:ln>
+              <a:noFill/>
+            </a:ln>
+          </p:spPr>
+          <p:style>
+            <a:lnRef idx="2">
+              <a:schemeClr val="accent1">
+                <a:shade val="50000"/>
+              </a:schemeClr>
+            </a:lnRef>
+            <a:fillRef idx="1">
+              <a:schemeClr val="accent1"/>
+            </a:fillRef>
+            <a:effectRef idx="0">
+              <a:schemeClr val="accent1"/>
+            </a:effectRef>
+            <a:fontRef idx="minor">
+              <a:schemeClr val="lt1"/>
+            </a:fontRef>
+          </p:style>
+          <p:txBody>
+            <a:bodyPr rtlCol="0" anchor="ctr"/>
+            <a:lstStyle/>
+            <a:p>
+              <a:pPr algn="ctr"/>
+              <a:endParaRPr lang="ko-KR" altLang="en-US"/>
+            </a:p>
+          </p:txBody>
+        </p:sp>
+        <p:sp>
+          <p:nvSpPr>
+            <p:cNvPr id="33" name="제목 1">
+              <a:extLst>
+                <a:ext uri="{FF2B5EF4-FFF2-40B4-BE49-F238E27FC236}">
+                  <a16:creationId xmlns:a16="http://schemas.microsoft.com/office/drawing/2014/main" id="{BC581E9D-A705-4FF8-9528-6FFC2B0DC7FF}"/>
+                </a:ext>
+              </a:extLst>
+            </p:cNvPr>
+            <p:cNvSpPr txBox="1">
+              <a:spLocks/>
+            </p:cNvSpPr>
+            <p:nvPr/>
+          </p:nvSpPr>
+          <p:spPr>
+            <a:xfrm>
+              <a:off x="1295502" y="246653"/>
+              <a:ext cx="3488824" cy="832711"/>
+            </a:xfrm>
+            <a:prstGeom prst="rect">
+              <a:avLst/>
+            </a:prstGeom>
+            <a:noFill/>
+          </p:spPr>
+          <p:txBody>
+            <a:bodyPr vert="horz" lIns="91440" tIns="45720" rIns="91440" bIns="45720" rtlCol="0" anchor="ctr">
+              <a:normAutofit/>
+            </a:bodyPr>
+            <a:lstStyle>
+              <a:lvl1pPr algn="l" defTabSz="914400" rtl="0" eaLnBrk="1" latinLnBrk="1" hangingPunct="1">
+                <a:lnSpc>
+                  <a:spcPct val="90000"/>
+                </a:lnSpc>
+                <a:spcBef>
+                  <a:spcPct val="0"/>
+                </a:spcBef>
+                <a:buNone/>
+                <a:defRPr sz="4400" kern="1200">
+                  <a:solidFill>
+                    <a:schemeClr val="tx1"/>
+                  </a:solidFill>
+                  <a:latin typeface="+mj-lt"/>
+                  <a:ea typeface="+mj-ea"/>
+                  <a:cs typeface="+mj-cs"/>
+                </a:defRPr>
+              </a:lvl1pPr>
+            </a:lstStyle>
+            <a:p>
+              <a:pPr algn="dist"/>
+              <a:r>
+                <a:rPr lang="en-US" altLang="ko-KR" dirty="0">
+                  <a:solidFill>
+                    <a:schemeClr val="tx1">
+                      <a:lumMod val="85000"/>
+                      <a:lumOff val="15000"/>
+                    </a:schemeClr>
+                  </a:solidFill>
+                  <a:latin typeface="카카오 Regular" panose="020B0600000101010101" pitchFamily="50" charset="-127"/>
+                  <a:ea typeface="카카오 Regular" panose="020B0600000101010101" pitchFamily="50" charset="-127"/>
+                </a:rPr>
+                <a:t>Motivation</a:t>
+              </a:r>
+              <a:endParaRPr lang="ko-KR" altLang="en-US" dirty="0">
+                <a:solidFill>
+                  <a:schemeClr val="tx1">
+                    <a:lumMod val="85000"/>
+                    <a:lumOff val="15000"/>
+                  </a:schemeClr>
+                </a:solidFill>
+                <a:latin typeface="카카오 Regular" panose="020B0600000101010101" pitchFamily="50" charset="-127"/>
+                <a:ea typeface="카카오 Regular" panose="020B0600000101010101" pitchFamily="50" charset="-127"/>
+              </a:endParaRPr>
+            </a:p>
+          </p:txBody>
+        </p:sp>
+        <p:sp>
+          <p:nvSpPr>
+            <p:cNvPr id="34" name="TextBox 33">
+              <a:extLst>
+                <a:ext uri="{FF2B5EF4-FFF2-40B4-BE49-F238E27FC236}">
+                  <a16:creationId xmlns:a16="http://schemas.microsoft.com/office/drawing/2014/main" id="{8853A949-A833-4219-B120-824059C78F78}"/>
+                </a:ext>
+              </a:extLst>
+            </p:cNvPr>
+            <p:cNvSpPr txBox="1"/>
+            <p:nvPr/>
+          </p:nvSpPr>
+          <p:spPr>
+            <a:xfrm>
+              <a:off x="310539" y="309065"/>
+              <a:ext cx="879564" cy="707886"/>
+            </a:xfrm>
+            <a:prstGeom prst="rect">
+              <a:avLst/>
+            </a:prstGeom>
+            <a:noFill/>
+          </p:spPr>
+          <p:txBody>
+            <a:bodyPr wrap="square" rtlCol="0">
+              <a:spAutoFit/>
+            </a:bodyPr>
+            <a:lstStyle/>
+            <a:p>
+              <a:pPr algn="dist"/>
+              <a:r>
+                <a:rPr lang="en-US" altLang="ko-KR" sz="4000" b="1" dirty="0">
+                  <a:solidFill>
+                    <a:schemeClr val="bg1">
+                      <a:lumMod val="50000"/>
+                    </a:schemeClr>
+                  </a:solidFill>
+                  <a:latin typeface="카카오 Regular" panose="020B0600000101010101" pitchFamily="50" charset="-127"/>
+                  <a:ea typeface="카카오 Regular" panose="020B0600000101010101" pitchFamily="50" charset="-127"/>
+                </a:rPr>
+                <a:t>02</a:t>
+              </a:r>
+              <a:endParaRPr lang="ko-KR" altLang="en-US" sz="4000" b="1" dirty="0">
+                <a:solidFill>
+                  <a:schemeClr val="bg1">
+                    <a:lumMod val="50000"/>
+                  </a:schemeClr>
+                </a:solidFill>
+                <a:latin typeface="카카오 Regular" panose="020B0600000101010101" pitchFamily="50" charset="-127"/>
+                <a:ea typeface="카카오 Regular" panose="020B0600000101010101" pitchFamily="50" charset="-127"/>
+              </a:endParaRPr>
+            </a:p>
+          </p:txBody>
+        </p:sp>
+      </p:grpSp>
+    </p:spTree>
+    <p:extLst>
+      <p:ext uri="{BB962C8B-B14F-4D97-AF65-F5344CB8AC3E}">
+        <p14:creationId xmlns:p14="http://schemas.microsoft.com/office/powerpoint/2010/main" val="3801648580"/>
+      </p:ext>
+    </p:extLst>
+  </p:cSld>
+  <p:clrMapOvr>
+    <a:masterClrMapping/>
+  </p:clrMapOvr>
+</p:sld>
+</file>
+
+<file path=ppt/slides/slide7.xml><?xml version="1.0" encoding="utf-8"?>
+<p:sld xmlns:a="http://schemas.openxmlformats.org/drawingml/2006/main" xmlns:r="http://schemas.openxmlformats.org/officeDocument/2006/relationships" xmlns:p="http://schemas.openxmlformats.org/presentationml/2006/main">
+  <p:cSld>
+    <p:spTree>
+      <p:nvGrpSpPr>
+        <p:cNvPr id="1" name=""/>
+        <p:cNvGrpSpPr/>
+        <p:nvPr/>
+      </p:nvGrpSpPr>
+      <p:grpSpPr>
+        <a:xfrm>
+          <a:off x="0" y="0"/>
+          <a:ext cx="0" cy="0"/>
+          <a:chOff x="0" y="0"/>
+          <a:chExt cx="0" cy="0"/>
+        </a:xfrm>
+      </p:grpSpPr>
+      <p:sp>
+        <p:nvSpPr>
+          <p:cNvPr id="12" name="TextBox 11">
+            <a:extLst>
+              <a:ext uri="{FF2B5EF4-FFF2-40B4-BE49-F238E27FC236}">
+                <a16:creationId xmlns:a16="http://schemas.microsoft.com/office/drawing/2014/main" id="{DB3F4886-3687-42E6-B5D2-800B13DA5988}"/>
+              </a:ext>
+            </a:extLst>
+          </p:cNvPr>
+          <p:cNvSpPr txBox="1"/>
+          <p:nvPr/>
+        </p:nvSpPr>
+        <p:spPr>
+          <a:xfrm>
+            <a:off x="11625295" y="6453051"/>
+            <a:ext cx="479619" cy="307777"/>
+          </a:xfrm>
+          <a:prstGeom prst="rect">
+            <a:avLst/>
+          </a:prstGeom>
+          <a:noFill/>
+        </p:spPr>
+        <p:txBody>
+          <a:bodyPr wrap="none" rtlCol="0">
+            <a:spAutoFit/>
+          </a:bodyPr>
+          <a:lstStyle/>
+          <a:p>
+            <a:pPr algn="r"/>
+            <a:r>
+              <a:rPr lang="en-US" altLang="ko-KR" sz="1400" dirty="0">
+                <a:solidFill>
+                  <a:schemeClr val="tx1">
+                    <a:lumMod val="50000"/>
+                    <a:lumOff val="50000"/>
+                  </a:schemeClr>
+                </a:solidFill>
+                <a:latin typeface="카카오 Regular" panose="020B0600000101010101" pitchFamily="50" charset="-127"/>
+                <a:ea typeface="카카오 Regular" panose="020B0600000101010101" pitchFamily="50" charset="-127"/>
+              </a:rPr>
+              <a:t>p. 7</a:t>
+            </a:r>
+            <a:endParaRPr lang="ko-KR" altLang="en-US" sz="1400" dirty="0">
+              <a:solidFill>
+                <a:schemeClr val="tx1">
+                  <a:lumMod val="50000"/>
+                  <a:lumOff val="50000"/>
+                </a:schemeClr>
+              </a:solidFill>
+              <a:latin typeface="카카오 Regular" panose="020B0600000101010101" pitchFamily="50" charset="-127"/>
+              <a:ea typeface="카카오 Regular" panose="020B0600000101010101" pitchFamily="50" charset="-127"/>
+            </a:endParaRPr>
+          </a:p>
+        </p:txBody>
+      </p:sp>
+      <p:sp>
+        <p:nvSpPr>
+          <p:cNvPr id="13" name="TextBox 12">
+            <a:extLst>
+              <a:ext uri="{FF2B5EF4-FFF2-40B4-BE49-F238E27FC236}">
+                <a16:creationId xmlns:a16="http://schemas.microsoft.com/office/drawing/2014/main" id="{CE643647-2130-4757-8AF0-C2ABB6EFEBC7}"/>
+              </a:ext>
+            </a:extLst>
+          </p:cNvPr>
+          <p:cNvSpPr txBox="1"/>
+          <p:nvPr/>
+        </p:nvSpPr>
+        <p:spPr>
+          <a:xfrm>
+            <a:off x="87086" y="6453051"/>
+            <a:ext cx="1356462" cy="307777"/>
+          </a:xfrm>
+          <a:prstGeom prst="rect">
+            <a:avLst/>
+          </a:prstGeom>
+          <a:noFill/>
+        </p:spPr>
+        <p:txBody>
+          <a:bodyPr wrap="none" rtlCol="0">
+            <a:spAutoFit/>
+          </a:bodyPr>
+          <a:lstStyle/>
+          <a:p>
+            <a:r>
+              <a:rPr lang="ko-KR" altLang="en-US" sz="1400" dirty="0">
+                <a:solidFill>
+                  <a:schemeClr val="tx1">
+                    <a:lumMod val="50000"/>
+                    <a:lumOff val="50000"/>
+                  </a:schemeClr>
+                </a:solidFill>
+                <a:latin typeface="카카오 Regular" panose="020B0600000101010101" pitchFamily="50" charset="-127"/>
+                <a:ea typeface="카카오 Regular" panose="020B0600000101010101" pitchFamily="50" charset="-127"/>
+              </a:rPr>
+              <a:t>오픈소스</a:t>
+            </a:r>
+            <a:r>
+              <a:rPr lang="en-US" altLang="ko-KR" sz="1400" dirty="0">
+                <a:solidFill>
+                  <a:schemeClr val="tx1">
+                    <a:lumMod val="50000"/>
+                    <a:lumOff val="50000"/>
+                  </a:schemeClr>
+                </a:solidFill>
+                <a:latin typeface="카카오 Regular" panose="020B0600000101010101" pitchFamily="50" charset="-127"/>
+                <a:ea typeface="카카오 Regular" panose="020B0600000101010101" pitchFamily="50" charset="-127"/>
+              </a:rPr>
+              <a:t>SW</a:t>
+            </a:r>
+            <a:r>
+              <a:rPr lang="ko-KR" altLang="en-US" sz="1400" dirty="0">
+                <a:solidFill>
+                  <a:schemeClr val="tx1">
+                    <a:lumMod val="50000"/>
+                    <a:lumOff val="50000"/>
+                  </a:schemeClr>
+                </a:solidFill>
+                <a:latin typeface="카카오 Regular" panose="020B0600000101010101" pitchFamily="50" charset="-127"/>
+                <a:ea typeface="카카오 Regular" panose="020B0600000101010101" pitchFamily="50" charset="-127"/>
+              </a:rPr>
+              <a:t>설계</a:t>
+            </a:r>
+          </a:p>
+        </p:txBody>
+      </p:sp>
+      <p:sp>
+        <p:nvSpPr>
+          <p:cNvPr id="14" name="TextBox 13">
+            <a:extLst>
+              <a:ext uri="{FF2B5EF4-FFF2-40B4-BE49-F238E27FC236}">
+                <a16:creationId xmlns:a16="http://schemas.microsoft.com/office/drawing/2014/main" id="{8498E1DE-6B64-4D78-8D1B-0AFD6B3A161F}"/>
+              </a:ext>
+            </a:extLst>
+          </p:cNvPr>
+          <p:cNvSpPr txBox="1"/>
+          <p:nvPr/>
+        </p:nvSpPr>
+        <p:spPr>
+          <a:xfrm>
+            <a:off x="5508339" y="6453051"/>
+            <a:ext cx="1175322" cy="307777"/>
+          </a:xfrm>
+          <a:prstGeom prst="rect">
+            <a:avLst/>
+          </a:prstGeom>
+          <a:noFill/>
+        </p:spPr>
+        <p:txBody>
+          <a:bodyPr wrap="none" rtlCol="0">
+            <a:spAutoFit/>
+          </a:bodyPr>
+          <a:lstStyle/>
+          <a:p>
+            <a:pPr algn="ctr"/>
+            <a:r>
+              <a:rPr lang="en-US" altLang="ko-KR" sz="1400" dirty="0">
+                <a:solidFill>
+                  <a:schemeClr val="tx1">
+                    <a:lumMod val="50000"/>
+                    <a:lumOff val="50000"/>
+                  </a:schemeClr>
+                </a:solidFill>
+                <a:latin typeface="카카오 Regular" panose="020B0600000101010101" pitchFamily="50" charset="-127"/>
+                <a:ea typeface="카카오 Regular" panose="020B0600000101010101" pitchFamily="50" charset="-127"/>
+              </a:rPr>
+              <a:t>2020.10.30.</a:t>
+            </a:r>
+            <a:endParaRPr lang="ko-KR" altLang="en-US" sz="1400" dirty="0">
+              <a:solidFill>
+                <a:schemeClr val="tx1">
+                  <a:lumMod val="50000"/>
+                  <a:lumOff val="50000"/>
+                </a:schemeClr>
+              </a:solidFill>
+              <a:latin typeface="카카오 Regular" panose="020B0600000101010101" pitchFamily="50" charset="-127"/>
+              <a:ea typeface="카카오 Regular" panose="020B0600000101010101" pitchFamily="50" charset="-127"/>
+            </a:endParaRPr>
+          </a:p>
+        </p:txBody>
+      </p:sp>
+      <p:sp>
+        <p:nvSpPr>
+          <p:cNvPr id="15" name="TextBox 14">
+            <a:extLst>
+              <a:ext uri="{FF2B5EF4-FFF2-40B4-BE49-F238E27FC236}">
+                <a16:creationId xmlns:a16="http://schemas.microsoft.com/office/drawing/2014/main" id="{1B8ABB93-AC1A-440C-8DC9-6B63F9A295A5}"/>
+              </a:ext>
+            </a:extLst>
+          </p:cNvPr>
+          <p:cNvSpPr txBox="1"/>
+          <p:nvPr/>
+        </p:nvSpPr>
+        <p:spPr>
+          <a:xfrm>
+            <a:off x="2086733" y="4695642"/>
+            <a:ext cx="8018542" cy="1154162"/>
+          </a:xfrm>
+          <a:prstGeom prst="rect">
+            <a:avLst/>
+          </a:prstGeom>
+          <a:noFill/>
+        </p:spPr>
+        <p:txBody>
+          <a:bodyPr wrap="none" rtlCol="0">
+            <a:spAutoFit/>
+          </a:bodyPr>
+          <a:lstStyle/>
+          <a:p>
+            <a:pPr algn="ctr">
+              <a:lnSpc>
+                <a:spcPct val="150000"/>
+              </a:lnSpc>
+            </a:pPr>
+            <a:r>
+              <a:rPr lang="ko-KR" altLang="en-US" sz="2400" dirty="0">
+                <a:solidFill>
+                  <a:schemeClr val="tx1">
+                    <a:lumMod val="75000"/>
+                    <a:lumOff val="25000"/>
+                  </a:schemeClr>
+                </a:solidFill>
+                <a:latin typeface="카카오 Regular" panose="020B0600000101010101" pitchFamily="50" charset="-127"/>
+                <a:ea typeface="카카오 Regular" panose="020B0600000101010101" pitchFamily="50" charset="-127"/>
+              </a:rPr>
+              <a:t>손소독제에 </a:t>
+            </a:r>
+            <a:r>
+              <a:rPr lang="en-US" altLang="ko-KR" sz="2400" dirty="0">
+                <a:solidFill>
+                  <a:schemeClr val="accent4"/>
+                </a:solidFill>
+                <a:latin typeface="카카오 Regular" panose="020B0600000101010101" pitchFamily="50" charset="-127"/>
+                <a:ea typeface="카카오 Regular" panose="020B0600000101010101" pitchFamily="50" charset="-127"/>
+              </a:rPr>
+              <a:t>IoT </a:t>
+            </a:r>
+            <a:r>
+              <a:rPr lang="ko-KR" altLang="en-US" sz="2400" dirty="0">
+                <a:solidFill>
+                  <a:schemeClr val="accent4"/>
+                </a:solidFill>
+                <a:latin typeface="카카오 Regular" panose="020B0600000101010101" pitchFamily="50" charset="-127"/>
+                <a:ea typeface="카카오 Regular" panose="020B0600000101010101" pitchFamily="50" charset="-127"/>
+              </a:rPr>
+              <a:t>센서</a:t>
+            </a:r>
+            <a:r>
+              <a:rPr lang="ko-KR" altLang="en-US" sz="2400" dirty="0">
+                <a:solidFill>
+                  <a:schemeClr val="tx1">
+                    <a:lumMod val="75000"/>
+                    <a:lumOff val="25000"/>
+                  </a:schemeClr>
+                </a:solidFill>
+                <a:latin typeface="카카오 Regular" panose="020B0600000101010101" pitchFamily="50" charset="-127"/>
+                <a:ea typeface="카카오 Regular" panose="020B0600000101010101" pitchFamily="50" charset="-127"/>
+              </a:rPr>
+              <a:t>를 부착해서 데이터를 기반으로 </a:t>
+            </a:r>
+            <a:r>
+              <a:rPr lang="ko-KR" altLang="en-US" sz="2400" dirty="0">
+                <a:solidFill>
+                  <a:schemeClr val="accent4"/>
+                </a:solidFill>
+                <a:latin typeface="카카오 Regular" panose="020B0600000101010101" pitchFamily="50" charset="-127"/>
+                <a:ea typeface="카카오 Regular" panose="020B0600000101010101" pitchFamily="50" charset="-127"/>
+              </a:rPr>
+              <a:t>현황을 파악</a:t>
+            </a:r>
+            <a:r>
+              <a:rPr lang="ko-KR" altLang="en-US" sz="2400" dirty="0">
+                <a:solidFill>
+                  <a:schemeClr val="tx1">
+                    <a:lumMod val="75000"/>
+                    <a:lumOff val="25000"/>
+                  </a:schemeClr>
+                </a:solidFill>
+                <a:latin typeface="카카오 Regular" panose="020B0600000101010101" pitchFamily="50" charset="-127"/>
+                <a:ea typeface="카카오 Regular" panose="020B0600000101010101" pitchFamily="50" charset="-127"/>
+              </a:rPr>
+              <a:t>하여</a:t>
+            </a:r>
+            <a:endParaRPr lang="en-US" altLang="ko-KR" sz="2400" dirty="0">
+              <a:solidFill>
+                <a:schemeClr val="tx1">
+                  <a:lumMod val="75000"/>
+                  <a:lumOff val="25000"/>
+                </a:schemeClr>
+              </a:solidFill>
+              <a:latin typeface="카카오 Regular" panose="020B0600000101010101" pitchFamily="50" charset="-127"/>
+              <a:ea typeface="카카오 Regular" panose="020B0600000101010101" pitchFamily="50" charset="-127"/>
+            </a:endParaRPr>
+          </a:p>
+          <a:p>
+            <a:pPr algn="ctr">
+              <a:lnSpc>
+                <a:spcPct val="150000"/>
+              </a:lnSpc>
+            </a:pPr>
+            <a:r>
+              <a:rPr lang="ko-KR" altLang="en-US" sz="2400" dirty="0">
+                <a:solidFill>
+                  <a:schemeClr val="accent4"/>
+                </a:solidFill>
+                <a:latin typeface="카카오 Regular" panose="020B0600000101010101" pitchFamily="50" charset="-127"/>
+                <a:ea typeface="카카오 Regular" panose="020B0600000101010101" pitchFamily="50" charset="-127"/>
+              </a:rPr>
+              <a:t>관리자가 일괄적으로 관리하는 서비스</a:t>
+            </a:r>
+            <a:r>
+              <a:rPr lang="ko-KR" altLang="en-US" sz="2400" dirty="0">
+                <a:solidFill>
+                  <a:schemeClr val="tx1">
+                    <a:lumMod val="75000"/>
+                    <a:lumOff val="25000"/>
+                  </a:schemeClr>
+                </a:solidFill>
+                <a:latin typeface="카카오 Regular" panose="020B0600000101010101" pitchFamily="50" charset="-127"/>
+                <a:ea typeface="카카오 Regular" panose="020B0600000101010101" pitchFamily="50" charset="-127"/>
+              </a:rPr>
+              <a:t>는 어떨까</a:t>
+            </a:r>
+            <a:r>
+              <a:rPr lang="en-US" altLang="ko-KR" sz="2400" dirty="0">
+                <a:solidFill>
+                  <a:schemeClr val="tx1">
+                    <a:lumMod val="75000"/>
+                    <a:lumOff val="25000"/>
+                  </a:schemeClr>
+                </a:solidFill>
+                <a:latin typeface="카카오 Regular" panose="020B0600000101010101" pitchFamily="50" charset="-127"/>
+                <a:ea typeface="카카오 Regular" panose="020B0600000101010101" pitchFamily="50" charset="-127"/>
+              </a:rPr>
+              <a:t>?</a:t>
+            </a:r>
+            <a:endParaRPr lang="en-US" altLang="ko-KR" sz="2400" dirty="0">
+              <a:solidFill>
+                <a:schemeClr val="accent4"/>
+              </a:solidFill>
+              <a:latin typeface="카카오 Regular" panose="020B0600000101010101" pitchFamily="50" charset="-127"/>
+              <a:ea typeface="카카오 Regular" panose="020B0600000101010101" pitchFamily="50" charset="-127"/>
+            </a:endParaRPr>
+          </a:p>
+        </p:txBody>
+      </p:sp>
+      <p:grpSp>
+        <p:nvGrpSpPr>
+          <p:cNvPr id="33" name="그룹 32">
+            <a:extLst>
+              <a:ext uri="{FF2B5EF4-FFF2-40B4-BE49-F238E27FC236}">
+                <a16:creationId xmlns:a16="http://schemas.microsoft.com/office/drawing/2014/main" id="{07764D50-9CDB-43A1-A8E8-2CB210BFF257}"/>
+              </a:ext>
+            </a:extLst>
+          </p:cNvPr>
+          <p:cNvGrpSpPr/>
+          <p:nvPr/>
+        </p:nvGrpSpPr>
+        <p:grpSpPr>
+          <a:xfrm>
+            <a:off x="271174" y="216796"/>
+            <a:ext cx="4473787" cy="832711"/>
+            <a:chOff x="310539" y="246653"/>
+            <a:chExt cx="4473787" cy="832711"/>
+          </a:xfrm>
+        </p:grpSpPr>
+        <p:sp>
+          <p:nvSpPr>
+            <p:cNvPr id="34" name="평행 사변형 33">
+              <a:extLst>
+                <a:ext uri="{FF2B5EF4-FFF2-40B4-BE49-F238E27FC236}">
+                  <a16:creationId xmlns:a16="http://schemas.microsoft.com/office/drawing/2014/main" id="{C3C4F722-9207-4C8C-B506-B5777F410DDE}"/>
+                </a:ext>
+              </a:extLst>
+            </p:cNvPr>
+            <p:cNvSpPr/>
+            <p:nvPr/>
+          </p:nvSpPr>
+          <p:spPr>
+            <a:xfrm rot="21268823">
+              <a:off x="1356198" y="370527"/>
+              <a:ext cx="3367430" cy="584961"/>
+            </a:xfrm>
+            <a:prstGeom prst="parallelogram">
+              <a:avLst/>
+            </a:prstGeom>
+            <a:solidFill>
+              <a:schemeClr val="accent4">
+                <a:lumMod val="40000"/>
+                <a:lumOff val="60000"/>
+              </a:schemeClr>
+            </a:solidFill>
+            <a:ln>
+              <a:noFill/>
+            </a:ln>
+          </p:spPr>
+          <p:style>
+            <a:lnRef idx="2">
+              <a:schemeClr val="accent1">
+                <a:shade val="50000"/>
+              </a:schemeClr>
+            </a:lnRef>
+            <a:fillRef idx="1">
+              <a:schemeClr val="accent1"/>
+            </a:fillRef>
+            <a:effectRef idx="0">
+              <a:schemeClr val="accent1"/>
+            </a:effectRef>
+            <a:fontRef idx="minor">
+              <a:schemeClr val="lt1"/>
+            </a:fontRef>
+          </p:style>
+          <p:txBody>
+            <a:bodyPr rtlCol="0" anchor="ctr"/>
+            <a:lstStyle/>
+            <a:p>
+              <a:pPr algn="ctr"/>
+              <a:endParaRPr lang="ko-KR" altLang="en-US"/>
+            </a:p>
+          </p:txBody>
+        </p:sp>
+        <p:sp>
+          <p:nvSpPr>
+            <p:cNvPr id="35" name="제목 1">
+              <a:extLst>
+                <a:ext uri="{FF2B5EF4-FFF2-40B4-BE49-F238E27FC236}">
+                  <a16:creationId xmlns:a16="http://schemas.microsoft.com/office/drawing/2014/main" id="{812A2A8C-213A-45AF-9CD1-AFBAF1EEE22B}"/>
+                </a:ext>
+              </a:extLst>
+            </p:cNvPr>
+            <p:cNvSpPr txBox="1">
+              <a:spLocks/>
+            </p:cNvSpPr>
+            <p:nvPr/>
+          </p:nvSpPr>
+          <p:spPr>
+            <a:xfrm>
+              <a:off x="1295502" y="246653"/>
+              <a:ext cx="3488824" cy="832711"/>
+            </a:xfrm>
+            <a:prstGeom prst="rect">
+              <a:avLst/>
+            </a:prstGeom>
+            <a:noFill/>
+          </p:spPr>
+          <p:txBody>
+            <a:bodyPr vert="horz" lIns="91440" tIns="45720" rIns="91440" bIns="45720" rtlCol="0" anchor="ctr">
+              <a:normAutofit/>
+            </a:bodyPr>
+            <a:lstStyle>
+              <a:lvl1pPr algn="l" defTabSz="914400" rtl="0" eaLnBrk="1" latinLnBrk="1" hangingPunct="1">
+                <a:lnSpc>
+                  <a:spcPct val="90000"/>
+                </a:lnSpc>
+                <a:spcBef>
+                  <a:spcPct val="0"/>
+                </a:spcBef>
+                <a:buNone/>
+                <a:defRPr sz="4400" kern="1200">
+                  <a:solidFill>
+                    <a:schemeClr val="tx1"/>
+                  </a:solidFill>
+                  <a:latin typeface="+mj-lt"/>
+                  <a:ea typeface="+mj-ea"/>
+                  <a:cs typeface="+mj-cs"/>
+                </a:defRPr>
+              </a:lvl1pPr>
+            </a:lstStyle>
+            <a:p>
+              <a:pPr algn="dist"/>
+              <a:r>
+                <a:rPr lang="en-US" altLang="ko-KR" dirty="0">
+                  <a:solidFill>
+                    <a:schemeClr val="tx1">
+                      <a:lumMod val="85000"/>
+                      <a:lumOff val="15000"/>
+                    </a:schemeClr>
+                  </a:solidFill>
+                  <a:latin typeface="카카오 Regular" panose="020B0600000101010101" pitchFamily="50" charset="-127"/>
+                  <a:ea typeface="카카오 Regular" panose="020B0600000101010101" pitchFamily="50" charset="-127"/>
+                </a:rPr>
+                <a:t>Motivation</a:t>
+              </a:r>
+              <a:endParaRPr lang="ko-KR" altLang="en-US" dirty="0">
+                <a:solidFill>
+                  <a:schemeClr val="tx1">
+                    <a:lumMod val="85000"/>
+                    <a:lumOff val="15000"/>
+                  </a:schemeClr>
+                </a:solidFill>
+                <a:latin typeface="카카오 Regular" panose="020B0600000101010101" pitchFamily="50" charset="-127"/>
+                <a:ea typeface="카카오 Regular" panose="020B0600000101010101" pitchFamily="50" charset="-127"/>
+              </a:endParaRPr>
+            </a:p>
+          </p:txBody>
+        </p:sp>
+        <p:sp>
+          <p:nvSpPr>
+            <p:cNvPr id="36" name="TextBox 35">
+              <a:extLst>
+                <a:ext uri="{FF2B5EF4-FFF2-40B4-BE49-F238E27FC236}">
+                  <a16:creationId xmlns:a16="http://schemas.microsoft.com/office/drawing/2014/main" id="{5C2BAB5E-2224-4F3D-B649-4AD599BD2370}"/>
+                </a:ext>
+              </a:extLst>
+            </p:cNvPr>
+            <p:cNvSpPr txBox="1"/>
+            <p:nvPr/>
+          </p:nvSpPr>
+          <p:spPr>
+            <a:xfrm>
+              <a:off x="310539" y="309065"/>
+              <a:ext cx="879564" cy="707886"/>
+            </a:xfrm>
+            <a:prstGeom prst="rect">
+              <a:avLst/>
+            </a:prstGeom>
+            <a:noFill/>
+          </p:spPr>
+          <p:txBody>
+            <a:bodyPr wrap="square" rtlCol="0">
+              <a:spAutoFit/>
+            </a:bodyPr>
+            <a:lstStyle/>
+            <a:p>
+              <a:pPr algn="dist"/>
+              <a:r>
+                <a:rPr lang="en-US" altLang="ko-KR" sz="4000" b="1" dirty="0">
+                  <a:solidFill>
+                    <a:schemeClr val="bg1">
+                      <a:lumMod val="50000"/>
+                    </a:schemeClr>
+                  </a:solidFill>
+                  <a:latin typeface="카카오 Regular" panose="020B0600000101010101" pitchFamily="50" charset="-127"/>
+                  <a:ea typeface="카카오 Regular" panose="020B0600000101010101" pitchFamily="50" charset="-127"/>
+                </a:rPr>
+                <a:t>02</a:t>
+              </a:r>
+              <a:endParaRPr lang="ko-KR" altLang="en-US" sz="4000" b="1" dirty="0">
+                <a:solidFill>
+                  <a:schemeClr val="bg1">
+                    <a:lumMod val="50000"/>
+                  </a:schemeClr>
+                </a:solidFill>
+                <a:latin typeface="카카오 Regular" panose="020B0600000101010101" pitchFamily="50" charset="-127"/>
+                <a:ea typeface="카카오 Regular" panose="020B0600000101010101" pitchFamily="50" charset="-127"/>
+              </a:endParaRPr>
+            </a:p>
+          </p:txBody>
+        </p:sp>
+      </p:grpSp>
+      <p:grpSp>
+        <p:nvGrpSpPr>
+          <p:cNvPr id="41" name="그룹 40">
+            <a:extLst>
+              <a:ext uri="{FF2B5EF4-FFF2-40B4-BE49-F238E27FC236}">
+                <a16:creationId xmlns:a16="http://schemas.microsoft.com/office/drawing/2014/main" id="{BF602D63-EE8B-4C8A-A02B-C216092F1369}"/>
+              </a:ext>
+            </a:extLst>
+          </p:cNvPr>
+          <p:cNvGrpSpPr/>
+          <p:nvPr/>
+        </p:nvGrpSpPr>
+        <p:grpSpPr>
+          <a:xfrm>
+            <a:off x="2672146" y="1122947"/>
+            <a:ext cx="6847708" cy="3513784"/>
+            <a:chOff x="2156681" y="1049507"/>
+            <a:chExt cx="8134498" cy="4174078"/>
+          </a:xfrm>
+        </p:grpSpPr>
+        <p:pic>
+          <p:nvPicPr>
+            <p:cNvPr id="38" name="그림 37">
+              <a:extLst>
+                <a:ext uri="{FF2B5EF4-FFF2-40B4-BE49-F238E27FC236}">
+                  <a16:creationId xmlns:a16="http://schemas.microsoft.com/office/drawing/2014/main" id="{150DA7FF-696E-4171-8587-62ABBF3B2B84}"/>
+                </a:ext>
+              </a:extLst>
+            </p:cNvPr>
+            <p:cNvPicPr>
+              <a:picLocks noChangeAspect="1"/>
+            </p:cNvPicPr>
+            <p:nvPr/>
+          </p:nvPicPr>
+          <p:blipFill rotWithShape="1">
+            <a:blip r:embed="rId3">
+              <a:extLst>
+                <a:ext uri="{28A0092B-C50C-407E-A947-70E740481C1C}">
+                  <a14:useLocalDpi xmlns:a14="http://schemas.microsoft.com/office/drawing/2010/main" val="0"/>
+                </a:ext>
+              </a:extLst>
+            </a:blip>
+            <a:srcRect r="9412"/>
+            <a:stretch/>
+          </p:blipFill>
+          <p:spPr>
+            <a:xfrm>
+              <a:off x="4086094" y="1049507"/>
+              <a:ext cx="6205085" cy="4174078"/>
+            </a:xfrm>
+            <a:prstGeom prst="rect">
+              <a:avLst/>
+            </a:prstGeom>
+          </p:spPr>
+        </p:pic>
+        <p:pic>
+          <p:nvPicPr>
+            <p:cNvPr id="40" name="그림 39">
+              <a:extLst>
+                <a:ext uri="{FF2B5EF4-FFF2-40B4-BE49-F238E27FC236}">
+                  <a16:creationId xmlns:a16="http://schemas.microsoft.com/office/drawing/2014/main" id="{4C2CD982-3E92-4786-B802-CA9F30C847EE}"/>
+                </a:ext>
+              </a:extLst>
+            </p:cNvPr>
+            <p:cNvPicPr>
+              <a:picLocks noChangeAspect="1"/>
+            </p:cNvPicPr>
+            <p:nvPr/>
+          </p:nvPicPr>
+          <p:blipFill>
+            <a:blip r:embed="rId4">
+              <a:extLst>
+                <a:ext uri="{28A0092B-C50C-407E-A947-70E740481C1C}">
+                  <a14:useLocalDpi xmlns:a14="http://schemas.microsoft.com/office/drawing/2010/main" val="0"/>
+                </a:ext>
+              </a:extLst>
+            </a:blip>
+            <a:stretch>
+              <a:fillRect/>
+            </a:stretch>
+          </p:blipFill>
+          <p:spPr>
+            <a:xfrm>
+              <a:off x="2156681" y="1722640"/>
+              <a:ext cx="2872989" cy="3177815"/>
+            </a:xfrm>
+            <a:prstGeom prst="rect">
+              <a:avLst/>
+            </a:prstGeom>
+            <a:effectLst/>
+          </p:spPr>
+        </p:pic>
+      </p:grpSp>
+    </p:spTree>
+    <p:extLst>
+      <p:ext uri="{BB962C8B-B14F-4D97-AF65-F5344CB8AC3E}">
+        <p14:creationId xmlns:p14="http://schemas.microsoft.com/office/powerpoint/2010/main" val="1679287529"/>
       </p:ext>
     </p:extLst>
   </p:cSld>

--- a/3_Interim Project Presentation/Interim Project Presentation - 두리번두리번.pptx
+++ b/3_Interim Project Presentation/Interim Project Presentation - 두리번두리번.pptx
@@ -5,7 +5,7 @@
     <p:sldMasterId id="2147483648" r:id="rId1"/>
   </p:sldMasterIdLst>
   <p:notesMasterIdLst>
-    <p:notesMasterId r:id="rId9"/>
+    <p:notesMasterId r:id="rId12"/>
   </p:notesMasterIdLst>
   <p:sldIdLst>
     <p:sldId id="256" r:id="rId2"/>
@@ -15,6 +15,9 @@
     <p:sldId id="261" r:id="rId6"/>
     <p:sldId id="262" r:id="rId7"/>
     <p:sldId id="263" r:id="rId8"/>
+    <p:sldId id="265" r:id="rId9"/>
+    <p:sldId id="266" r:id="rId10"/>
+    <p:sldId id="264" r:id="rId11"/>
   </p:sldIdLst>
   <p:sldSz cx="12192000" cy="6858000"/>
   <p:notesSz cx="6858000" cy="9144000"/>
@@ -203,7 +206,7 @@
           <a:p>
             <a:fld id="{CAE244D8-87F9-4A82-9A7F-A988436C03F2}" type="datetimeFigureOut">
               <a:rPr lang="ko-KR" altLang="en-US" smtClean="0"/>
-              <a:t>2020-10-25</a:t>
+              <a:t>2020-10-26</a:t>
             </a:fld>
             <a:endParaRPr lang="ko-KR" altLang="en-US"/>
           </a:p>
@@ -516,38 +519,29 @@
           <a:p>
             <a:r>
               <a:rPr lang="ko-KR" altLang="en-US" dirty="0"/>
-              <a:t>과거의 </a:t>
+              <a:t>안녕하세요</a:t>
+            </a:r>
+            <a:r>
+              <a:rPr lang="en-US" altLang="ko-KR" dirty="0"/>
+              <a:t>. Team 1 </a:t>
             </a:r>
             <a:r>
               <a:rPr lang="ko-KR" altLang="en-US" dirty="0" err="1"/>
-              <a:t>메르스나</a:t>
+              <a:t>두리번두리번입니다</a:t>
+            </a:r>
+            <a:r>
+              <a:rPr lang="en-US" altLang="ko-KR" dirty="0"/>
+              <a:t>. </a:t>
             </a:r>
             <a:r>
               <a:rPr lang="ko-KR" altLang="en-US" dirty="0"/>
-              <a:t> 신종 플루와 같은 감염병을 포함하여</a:t>
-            </a:r>
-            <a:r>
-              <a:rPr lang="en-US" altLang="ko-KR" dirty="0"/>
-              <a:t>, </a:t>
-            </a:r>
-            <a:r>
-              <a:rPr lang="ko-KR" altLang="en-US" dirty="0"/>
-              <a:t>현재 진행되고 있는 코로나 바이러스까지</a:t>
-            </a:r>
-            <a:r>
-              <a:rPr lang="en-US" altLang="ko-KR" dirty="0"/>
-              <a:t>,</a:t>
-            </a:r>
-          </a:p>
-          <a:p>
-            <a:r>
-              <a:rPr lang="ko-KR" altLang="en-US" dirty="0"/>
-              <a:t>감염성이 강한 감염병이 대대적으로 확산되는 기간이 있었습니다</a:t>
+              <a:t>프로젝트 중간 발표 시작하겠습니다</a:t>
             </a:r>
             <a:r>
               <a:rPr lang="en-US" altLang="ko-KR" dirty="0"/>
               <a:t>.</a:t>
             </a:r>
+            <a:endParaRPr lang="ko-KR" altLang="en-US" dirty="0"/>
           </a:p>
         </p:txBody>
       </p:sp>
@@ -568,7 +562,7 @@
           <a:p>
             <a:fld id="{CFEC5C64-9846-41DF-88A9-FAC22ECF479C}" type="slidenum">
               <a:rPr lang="ko-KR" altLang="en-US" smtClean="0"/>
-              <a:t>3</a:t>
+              <a:t>1</a:t>
             </a:fld>
             <a:endParaRPr lang="ko-KR" altLang="en-US"/>
           </a:p>
@@ -577,7 +571,199 @@
     </p:spTree>
     <p:extLst>
       <p:ext uri="{BB962C8B-B14F-4D97-AF65-F5344CB8AC3E}">
-        <p14:creationId xmlns:p14="http://schemas.microsoft.com/office/powerpoint/2010/main" val="173811371"/>
+        <p14:creationId xmlns:p14="http://schemas.microsoft.com/office/powerpoint/2010/main" val="3516991860"/>
+      </p:ext>
+    </p:extLst>
+  </p:cSld>
+  <p:clrMapOvr>
+    <a:masterClrMapping/>
+  </p:clrMapOvr>
+</p:notes>
+</file>
+
+<file path=ppt/notesSlides/notesSlide10.xml><?xml version="1.0" encoding="utf-8"?>
+<p:notes xmlns:a="http://schemas.openxmlformats.org/drawingml/2006/main" xmlns:r="http://schemas.openxmlformats.org/officeDocument/2006/relationships" xmlns:p="http://schemas.openxmlformats.org/presentationml/2006/main">
+  <p:cSld>
+    <p:spTree>
+      <p:nvGrpSpPr>
+        <p:cNvPr id="1" name=""/>
+        <p:cNvGrpSpPr/>
+        <p:nvPr/>
+      </p:nvGrpSpPr>
+      <p:grpSpPr>
+        <a:xfrm>
+          <a:off x="0" y="0"/>
+          <a:ext cx="0" cy="0"/>
+          <a:chOff x="0" y="0"/>
+          <a:chExt cx="0" cy="0"/>
+        </a:xfrm>
+      </p:grpSpPr>
+      <p:sp>
+        <p:nvSpPr>
+          <p:cNvPr id="2" name="슬라이드 이미지 개체 틀 1"/>
+          <p:cNvSpPr>
+            <a:spLocks noGrp="1" noRot="1" noChangeAspect="1"/>
+          </p:cNvSpPr>
+          <p:nvPr>
+            <p:ph type="sldImg"/>
+          </p:nvPr>
+        </p:nvSpPr>
+        <p:spPr/>
+      </p:sp>
+      <p:sp>
+        <p:nvSpPr>
+          <p:cNvPr id="3" name="슬라이드 노트 개체 틀 2"/>
+          <p:cNvSpPr>
+            <a:spLocks noGrp="1"/>
+          </p:cNvSpPr>
+          <p:nvPr>
+            <p:ph type="body" idx="1"/>
+          </p:nvPr>
+        </p:nvSpPr>
+        <p:spPr/>
+        <p:txBody>
+          <a:bodyPr/>
+          <a:lstStyle/>
+          <a:p>
+            <a:pPr marL="0" marR="0" lvl="0" indent="0" algn="l" defTabSz="914400" rtl="0" eaLnBrk="1" fontAlgn="auto" latinLnBrk="1" hangingPunct="1">
+              <a:lnSpc>
+                <a:spcPct val="100000"/>
+              </a:lnSpc>
+              <a:spcBef>
+                <a:spcPts val="0"/>
+              </a:spcBef>
+              <a:spcAft>
+                <a:spcPts val="0"/>
+              </a:spcAft>
+              <a:buClrTx/>
+              <a:buSzTx/>
+              <a:buFontTx/>
+              <a:buNone/>
+              <a:tabLst/>
+              <a:defRPr/>
+            </a:pPr>
+            <a:r>
+              <a:rPr lang="ko-KR" altLang="en-US" dirty="0"/>
+              <a:t>이 서비스를 개발하기 위해 보시는 바와 같이</a:t>
+            </a:r>
+            <a:r>
+              <a:rPr lang="en-US" altLang="ko-KR" dirty="0"/>
+              <a:t>, </a:t>
+            </a:r>
+          </a:p>
+          <a:p>
+            <a:pPr marL="0" marR="0" lvl="0" indent="0" algn="l" defTabSz="914400" rtl="0" eaLnBrk="1" fontAlgn="auto" latinLnBrk="1" hangingPunct="1">
+              <a:lnSpc>
+                <a:spcPct val="100000"/>
+              </a:lnSpc>
+              <a:spcBef>
+                <a:spcPts val="0"/>
+              </a:spcBef>
+              <a:spcAft>
+                <a:spcPts val="0"/>
+              </a:spcAft>
+              <a:buClrTx/>
+              <a:buSzTx/>
+              <a:buFontTx/>
+              <a:buNone/>
+              <a:tabLst/>
+              <a:defRPr/>
+            </a:pPr>
+            <a:r>
+              <a:rPr lang="ko-KR" altLang="en-US" dirty="0"/>
+              <a:t>디바이스와 서버</a:t>
+            </a:r>
+            <a:r>
+              <a:rPr lang="en-US" altLang="ko-KR" dirty="0"/>
+              <a:t>, </a:t>
+            </a:r>
+            <a:r>
+              <a:rPr lang="ko-KR" altLang="en-US" dirty="0"/>
+              <a:t>그리고 </a:t>
+            </a:r>
+            <a:r>
+              <a:rPr lang="en-US" altLang="ko-KR" dirty="0"/>
+              <a:t>DB</a:t>
+            </a:r>
+            <a:r>
+              <a:rPr lang="ko-KR" altLang="en-US" dirty="0"/>
+              <a:t>를 담당하는 사람 </a:t>
+            </a:r>
+            <a:r>
+              <a:rPr lang="en-US" altLang="ko-KR" dirty="0"/>
+              <a:t>3</a:t>
+            </a:r>
+            <a:r>
+              <a:rPr lang="ko-KR" altLang="en-US" dirty="0"/>
+              <a:t>명과</a:t>
+            </a:r>
+            <a:endParaRPr lang="en-US" altLang="ko-KR" dirty="0"/>
+          </a:p>
+          <a:p>
+            <a:pPr marL="0" marR="0" lvl="0" indent="0" algn="l" defTabSz="914400" rtl="0" eaLnBrk="1" fontAlgn="auto" latinLnBrk="1" hangingPunct="1">
+              <a:lnSpc>
+                <a:spcPct val="100000"/>
+              </a:lnSpc>
+              <a:spcBef>
+                <a:spcPts val="0"/>
+              </a:spcBef>
+              <a:spcAft>
+                <a:spcPts val="0"/>
+              </a:spcAft>
+              <a:buClrTx/>
+              <a:buSzTx/>
+              <a:buFontTx/>
+              <a:buNone/>
+              <a:tabLst/>
+              <a:defRPr/>
+            </a:pPr>
+            <a:r>
+              <a:rPr lang="ko-KR" altLang="en-US" dirty="0"/>
+              <a:t>서비스 플랫폼을 제작하는 사람 </a:t>
+            </a:r>
+            <a:r>
+              <a:rPr lang="en-US" altLang="ko-KR" dirty="0"/>
+              <a:t>3</a:t>
+            </a:r>
+            <a:r>
+              <a:rPr lang="ko-KR" altLang="en-US" dirty="0"/>
+              <a:t>명으로 역할 분담을 하였습니다</a:t>
+            </a:r>
+            <a:r>
+              <a:rPr lang="en-US" altLang="ko-KR" dirty="0"/>
+              <a:t>.</a:t>
+            </a:r>
+            <a:endParaRPr lang="ko-KR" altLang="en-US" dirty="0"/>
+          </a:p>
+        </p:txBody>
+      </p:sp>
+      <p:sp>
+        <p:nvSpPr>
+          <p:cNvPr id="4" name="슬라이드 번호 개체 틀 3"/>
+          <p:cNvSpPr>
+            <a:spLocks noGrp="1"/>
+          </p:cNvSpPr>
+          <p:nvPr>
+            <p:ph type="sldNum" sz="quarter" idx="5"/>
+          </p:nvPr>
+        </p:nvSpPr>
+        <p:spPr/>
+        <p:txBody>
+          <a:bodyPr/>
+          <a:lstStyle/>
+          <a:p>
+            <a:fld id="{CFEC5C64-9846-41DF-88A9-FAC22ECF479C}" type="slidenum">
+              <a:rPr lang="ko-KR" altLang="en-US" smtClean="0"/>
+              <a:t>10</a:t>
+            </a:fld>
+            <a:endParaRPr lang="ko-KR" altLang="en-US"/>
+          </a:p>
+        </p:txBody>
+      </p:sp>
+    </p:spTree>
+    <p:extLst>
+      <p:ext uri="{BB962C8B-B14F-4D97-AF65-F5344CB8AC3E}">
+        <p14:creationId xmlns:p14="http://schemas.microsoft.com/office/powerpoint/2010/main" val="527176301"/>
       </p:ext>
     </p:extLst>
   </p:cSld>
@@ -633,7 +819,14 @@
           <a:p>
             <a:r>
               <a:rPr lang="ko-KR" altLang="en-US" dirty="0"/>
-              <a:t>이와 같이 감염병이 확산할 때</a:t>
+              <a:t>발표는 </a:t>
+            </a:r>
+            <a:endParaRPr lang="en-US" altLang="ko-KR" dirty="0"/>
+          </a:p>
+          <a:p>
+            <a:r>
+              <a:rPr lang="ko-KR" altLang="en-US" dirty="0"/>
+              <a:t>서비스를 개발하게 된 동기</a:t>
             </a:r>
             <a:r>
               <a:rPr lang="en-US" altLang="ko-KR" dirty="0"/>
@@ -641,32 +834,29 @@
             </a:r>
             <a:r>
               <a:rPr lang="ko-KR" altLang="en-US" dirty="0"/>
-              <a:t>확산 방지를 위해</a:t>
-            </a:r>
-            <a:endParaRPr lang="en-US" altLang="ko-KR" dirty="0"/>
-          </a:p>
-          <a:p>
-            <a:r>
-              <a:rPr lang="ko-KR" altLang="en-US" dirty="0"/>
-              <a:t>학교나 공공기관 건물</a:t>
+              <a:t>프로젝트의 전체적인 개요</a:t>
             </a:r>
             <a:r>
               <a:rPr lang="en-US" altLang="ko-KR" dirty="0"/>
               <a:t>, </a:t>
             </a:r>
+          </a:p>
+          <a:p>
+            <a:r>
+              <a:rPr lang="en-US" altLang="ko-KR" dirty="0"/>
+              <a:t>use</a:t>
+            </a:r>
             <a:r>
               <a:rPr lang="ko-KR" altLang="en-US" dirty="0"/>
-              <a:t>영화관 등지에 알코올 손소독제가 비치되는 것을 볼 수 있습니다</a:t>
+              <a:t> </a:t>
             </a:r>
             <a:r>
               <a:rPr lang="en-US" altLang="ko-KR" dirty="0"/>
-              <a:t>.</a:t>
-            </a:r>
-          </a:p>
-          <a:p>
+              <a:t>case,</a:t>
+            </a:r>
             <a:r>
               <a:rPr lang="ko-KR" altLang="en-US" dirty="0"/>
-              <a:t>특히</a:t>
+              <a:t> 아키텍처</a:t>
             </a:r>
             <a:r>
               <a:rPr lang="en-US" altLang="ko-KR" dirty="0"/>
@@ -674,23 +864,23 @@
             </a:r>
             <a:r>
               <a:rPr lang="ko-KR" altLang="en-US" dirty="0"/>
-              <a:t>사람들의 </a:t>
-            </a:r>
-            <a:r>
-              <a:rPr lang="ko-KR" altLang="en-US" dirty="0" err="1"/>
-              <a:t>이용량이</a:t>
+              <a:t>리소스 구조</a:t>
+            </a:r>
+            <a:r>
+              <a:rPr lang="en-US" altLang="ko-KR" dirty="0"/>
+              <a:t>, </a:t>
             </a:r>
             <a:r>
               <a:rPr lang="ko-KR" altLang="en-US" dirty="0"/>
-              <a:t> 많을수록 손소독제 </a:t>
-            </a:r>
-            <a:r>
-              <a:rPr lang="ko-KR" altLang="en-US" dirty="0" err="1"/>
-              <a:t>비치량은</a:t>
+              <a:t>그리고</a:t>
+            </a:r>
+            <a:r>
+              <a:rPr lang="en-US" altLang="ko-KR" dirty="0"/>
+              <a:t> </a:t>
             </a:r>
             <a:r>
               <a:rPr lang="ko-KR" altLang="en-US" dirty="0"/>
-              <a:t> 더욱 증가합니다</a:t>
+              <a:t>대표적인 서비스 프로시저 순으로 진행하겠습니다</a:t>
             </a:r>
             <a:r>
               <a:rPr lang="en-US" altLang="ko-KR" dirty="0"/>
@@ -717,7 +907,7 @@
           <a:p>
             <a:fld id="{CFEC5C64-9846-41DF-88A9-FAC22ECF479C}" type="slidenum">
               <a:rPr lang="ko-KR" altLang="en-US" smtClean="0"/>
-              <a:t>4</a:t>
+              <a:t>2</a:t>
             </a:fld>
             <a:endParaRPr lang="ko-KR" altLang="en-US"/>
           </a:p>
@@ -726,7 +916,7 @@
     </p:spTree>
     <p:extLst>
       <p:ext uri="{BB962C8B-B14F-4D97-AF65-F5344CB8AC3E}">
-        <p14:creationId xmlns:p14="http://schemas.microsoft.com/office/powerpoint/2010/main" val="2561162082"/>
+        <p14:creationId xmlns:p14="http://schemas.microsoft.com/office/powerpoint/2010/main" val="1505300980"/>
       </p:ext>
     </p:extLst>
   </p:cSld>
@@ -782,14 +972,29 @@
           <a:p>
             <a:r>
               <a:rPr lang="ko-KR" altLang="en-US" dirty="0"/>
-              <a:t>여러 장소에 분산되어 위치해 있는 손소독제는</a:t>
-            </a:r>
-            <a:endParaRPr lang="en-US" altLang="ko-KR" dirty="0"/>
+              <a:t>서비스 개발 배경부터 간단히 </a:t>
+            </a:r>
+            <a:r>
+              <a:rPr lang="ko-KR" altLang="en-US" dirty="0" err="1"/>
+              <a:t>설명드리겠습니다</a:t>
+            </a:r>
+            <a:r>
+              <a:rPr lang="en-US" altLang="ko-KR" dirty="0"/>
+              <a:t>.</a:t>
+            </a:r>
           </a:p>
           <a:p>
             <a:r>
               <a:rPr lang="ko-KR" altLang="en-US" dirty="0"/>
-              <a:t>소모품이라는 특성상</a:t>
+              <a:t>과거의 </a:t>
+            </a:r>
+            <a:r>
+              <a:rPr lang="ko-KR" altLang="en-US" dirty="0" err="1"/>
+              <a:t>메르스나</a:t>
+            </a:r>
+            <a:r>
+              <a:rPr lang="ko-KR" altLang="en-US" dirty="0"/>
+              <a:t> 신종 플루와 같은 감염병을 포함하여</a:t>
             </a:r>
             <a:r>
               <a:rPr lang="en-US" altLang="ko-KR" dirty="0"/>
@@ -797,7 +1002,17 @@
             </a:r>
             <a:r>
               <a:rPr lang="ko-KR" altLang="en-US" dirty="0"/>
-              <a:t>지속적인 점검 및 교체를 실시해 주어야 합니다</a:t>
+              <a:t>현재 진행되고 있는 코로나 바이러스까지</a:t>
+            </a:r>
+            <a:r>
+              <a:rPr lang="en-US" altLang="ko-KR" dirty="0"/>
+              <a:t>,</a:t>
+            </a:r>
+          </a:p>
+          <a:p>
+            <a:r>
+              <a:rPr lang="ko-KR" altLang="en-US" dirty="0"/>
+              <a:t>감염성이 강한 감염병이 대대적으로 확산되는 기간이 있었습니다</a:t>
             </a:r>
             <a:r>
               <a:rPr lang="en-US" altLang="ko-KR" dirty="0"/>
@@ -807,21 +1022,39 @@
           <a:p>
             <a:r>
               <a:rPr lang="ko-KR" altLang="en-US" dirty="0"/>
-              <a:t>이를 위해 손소독제를 관리하는 관리자는</a:t>
+              <a:t>가장 결정적인 동기였던 코로나 바이러스는 현재</a:t>
+            </a:r>
+            <a:endParaRPr lang="en-US" altLang="ko-KR" dirty="0"/>
+          </a:p>
+          <a:p>
+            <a:r>
+              <a:rPr lang="ko-KR" altLang="en-US" dirty="0"/>
+              <a:t>예방을 위한 사회적 거리두기</a:t>
             </a:r>
             <a:r>
               <a:rPr lang="en-US" altLang="ko-KR" dirty="0"/>
               <a:t>, </a:t>
             </a:r>
             <a:r>
+              <a:rPr lang="ko-KR" altLang="en-US" dirty="0" err="1"/>
+              <a:t>비대면</a:t>
+            </a:r>
+            <a:r>
               <a:rPr lang="ko-KR" altLang="en-US" dirty="0"/>
-              <a:t>잔량 파악을 위해 직접 가서 눈으로 확인하는 수 밖에 없습니다</a:t>
+              <a:t> 수업 등 영향을 끼치지 않은 곳이 없을 정도로 </a:t>
+            </a:r>
+            <a:r>
+              <a:rPr lang="en-US" altLang="ko-KR" dirty="0"/>
+              <a:t>1</a:t>
+            </a:r>
+            <a:r>
+              <a:rPr lang="ko-KR" altLang="en-US" dirty="0"/>
+              <a:t>년 가까이 뉴스가 조용할 날이 없습니다</a:t>
             </a:r>
             <a:r>
               <a:rPr lang="en-US" altLang="ko-KR" dirty="0"/>
               <a:t>.</a:t>
             </a:r>
-            <a:endParaRPr lang="ko-KR" altLang="en-US" dirty="0"/>
           </a:p>
         </p:txBody>
       </p:sp>
@@ -842,7 +1075,7 @@
           <a:p>
             <a:fld id="{CFEC5C64-9846-41DF-88A9-FAC22ECF479C}" type="slidenum">
               <a:rPr lang="ko-KR" altLang="en-US" smtClean="0"/>
-              <a:t>5</a:t>
+              <a:t>3</a:t>
             </a:fld>
             <a:endParaRPr lang="ko-KR" altLang="en-US"/>
           </a:p>
@@ -851,7 +1084,7 @@
     </p:spTree>
     <p:extLst>
       <p:ext uri="{BB962C8B-B14F-4D97-AF65-F5344CB8AC3E}">
-        <p14:creationId xmlns:p14="http://schemas.microsoft.com/office/powerpoint/2010/main" val="2183811852"/>
+        <p14:creationId xmlns:p14="http://schemas.microsoft.com/office/powerpoint/2010/main" val="173811371"/>
       </p:ext>
     </p:extLst>
   </p:cSld>
@@ -905,19 +1138,46 @@
           <a:bodyPr/>
           <a:lstStyle/>
           <a:p>
-            <a:r>
-              <a:rPr lang="ko-KR" altLang="en-US" dirty="0"/>
-              <a:t>만약 학교나 백화점 같은 규모가 큰 곳의 경우</a:t>
-            </a:r>
-            <a:r>
-              <a:rPr lang="en-US" altLang="ko-KR" dirty="0"/>
-              <a:t>,</a:t>
-            </a:r>
-          </a:p>
-          <a:p>
-            <a:r>
-              <a:rPr lang="ko-KR" altLang="en-US" dirty="0"/>
-              <a:t>관리자가 그 많은 손소독제를 전수조사 한다면</a:t>
+            <a:pPr marL="0" marR="0" lvl="0" indent="0" algn="l" defTabSz="914400" rtl="0" eaLnBrk="1" fontAlgn="auto" latinLnBrk="1" hangingPunct="1">
+              <a:lnSpc>
+                <a:spcPct val="100000"/>
+              </a:lnSpc>
+              <a:spcBef>
+                <a:spcPts val="0"/>
+              </a:spcBef>
+              <a:spcAft>
+                <a:spcPts val="0"/>
+              </a:spcAft>
+              <a:buClrTx/>
+              <a:buSzTx/>
+              <a:buFontTx/>
+              <a:buNone/>
+              <a:tabLst/>
+              <a:defRPr/>
+            </a:pPr>
+            <a:r>
+              <a:rPr lang="ko-KR" altLang="ko-KR" sz="1200" kern="1200" dirty="0">
+                <a:solidFill>
+                  <a:schemeClr val="tx1"/>
+                </a:solidFill>
+                <a:effectLst/>
+                <a:latin typeface="+mn-lt"/>
+                <a:ea typeface="+mn-ea"/>
+                <a:cs typeface="+mn-cs"/>
+              </a:rPr>
+              <a:t>주로 </a:t>
+            </a:r>
+            <a:r>
+              <a:rPr lang="ko-KR" altLang="en-US" sz="1200" kern="1200" dirty="0">
+                <a:solidFill>
+                  <a:schemeClr val="tx1"/>
+                </a:solidFill>
+                <a:effectLst/>
+                <a:latin typeface="+mn-lt"/>
+                <a:ea typeface="+mn-ea"/>
+                <a:cs typeface="+mn-cs"/>
+              </a:rPr>
+              <a:t>비말과 손을 통한 접촉으로 코로나가 전파되기 때문에</a:t>
             </a:r>
             <a:r>
               <a:rPr lang="en-US" altLang="ko-KR" dirty="0"/>
@@ -925,7 +1185,22 @@
             </a:r>
             <a:r>
               <a:rPr lang="ko-KR" altLang="en-US" dirty="0"/>
-              <a:t>시간 낭비와 비효율적인 관리라고 볼 수 밖에 없습니다</a:t>
+              <a:t>확산 방지를 위해</a:t>
+            </a:r>
+            <a:endParaRPr lang="en-US" altLang="ko-KR" dirty="0"/>
+          </a:p>
+          <a:p>
+            <a:r>
+              <a:rPr lang="ko-KR" altLang="en-US" dirty="0"/>
+              <a:t>학교나 공공기관 건물</a:t>
+            </a:r>
+            <a:r>
+              <a:rPr lang="en-US" altLang="ko-KR" dirty="0"/>
+              <a:t>, </a:t>
+            </a:r>
+            <a:r>
+              <a:rPr lang="ko-KR" altLang="en-US" dirty="0"/>
+              <a:t>영화관 등지에 알코올 손소독제가 비치되는 것을 볼 수 있습니다</a:t>
             </a:r>
             <a:r>
               <a:rPr lang="en-US" altLang="ko-KR" dirty="0"/>
@@ -935,22 +1210,37 @@
           <a:p>
             <a:r>
               <a:rPr lang="ko-KR" altLang="en-US" dirty="0"/>
-              <a:t>직접 확인하기 전에는 손소독제가 고갈되었는지 확인이 불가하기에</a:t>
+              <a:t>특히</a:t>
             </a:r>
             <a:r>
               <a:rPr lang="en-US" altLang="ko-KR" dirty="0"/>
-              <a:t>,</a:t>
-            </a:r>
-          </a:p>
-          <a:p>
+              <a:t>, </a:t>
+            </a:r>
             <a:r>
               <a:rPr lang="ko-KR" altLang="en-US" dirty="0"/>
-              <a:t>아직 손소독제가 소모되지 않아 교체할 필요가 없는 곳까지 방문하는 경우가 다반사입니다</a:t>
+              <a:t>사람들의 </a:t>
+            </a:r>
+            <a:r>
+              <a:rPr lang="ko-KR" altLang="en-US" dirty="0" err="1"/>
+              <a:t>이용량이</a:t>
+            </a:r>
+            <a:r>
+              <a:rPr lang="ko-KR" altLang="en-US" dirty="0"/>
+              <a:t> 많을수록 손소독제 </a:t>
+            </a:r>
+            <a:r>
+              <a:rPr lang="ko-KR" altLang="en-US" dirty="0" err="1"/>
+              <a:t>비치량은</a:t>
+            </a:r>
+            <a:r>
+              <a:rPr lang="ko-KR" altLang="en-US" dirty="0"/>
+              <a:t> 더욱 증가합니다</a:t>
             </a:r>
             <a:r>
               <a:rPr lang="en-US" altLang="ko-KR" dirty="0"/>
               <a:t>.</a:t>
             </a:r>
+            <a:endParaRPr lang="ko-KR" altLang="en-US" dirty="0"/>
           </a:p>
         </p:txBody>
       </p:sp>
@@ -971,7 +1261,7 @@
           <a:p>
             <a:fld id="{CFEC5C64-9846-41DF-88A9-FAC22ECF479C}" type="slidenum">
               <a:rPr lang="ko-KR" altLang="en-US" smtClean="0"/>
-              <a:t>6</a:t>
+              <a:t>4</a:t>
             </a:fld>
             <a:endParaRPr lang="ko-KR" altLang="en-US"/>
           </a:p>
@@ -980,7 +1270,7 @@
     </p:spTree>
     <p:extLst>
       <p:ext uri="{BB962C8B-B14F-4D97-AF65-F5344CB8AC3E}">
-        <p14:creationId xmlns:p14="http://schemas.microsoft.com/office/powerpoint/2010/main" val="101886592"/>
+        <p14:creationId xmlns:p14="http://schemas.microsoft.com/office/powerpoint/2010/main" val="2561162082"/>
       </p:ext>
     </p:extLst>
   </p:cSld>
@@ -1036,22 +1326,7 @@
           <a:p>
             <a:r>
               <a:rPr lang="ko-KR" altLang="en-US" dirty="0"/>
-              <a:t>이러한 문제점에 착안하여</a:t>
-            </a:r>
-            <a:r>
-              <a:rPr lang="en-US" altLang="ko-KR" dirty="0"/>
-              <a:t>, IoT </a:t>
-            </a:r>
-            <a:r>
-              <a:rPr lang="ko-KR" altLang="en-US" dirty="0"/>
-              <a:t>기술을 이용해서</a:t>
-            </a:r>
-            <a:endParaRPr lang="en-US" altLang="ko-KR" dirty="0"/>
-          </a:p>
-          <a:p>
-            <a:r>
-              <a:rPr lang="ko-KR" altLang="en-US" dirty="0"/>
-              <a:t>손소독제의 잔량을 원격으로 체크해주고</a:t>
+              <a:t>하지만</a:t>
             </a:r>
             <a:r>
               <a:rPr lang="en-US" altLang="ko-KR" dirty="0"/>
@@ -1059,14 +1334,40 @@
             </a:r>
             <a:r>
               <a:rPr lang="ko-KR" altLang="en-US" dirty="0"/>
-              <a:t>소모되는 정도를 파악하여</a:t>
+              <a:t>여러 장소에 분산되어 위치해 있는 손소독제는</a:t>
             </a:r>
             <a:endParaRPr lang="en-US" altLang="ko-KR" dirty="0"/>
           </a:p>
           <a:p>
             <a:r>
               <a:rPr lang="ko-KR" altLang="en-US" dirty="0"/>
-              <a:t>적절하고 효율적인 관리를 돕는 프로세스를 고안해 보았습니다</a:t>
+              <a:t>소모품이라는 특성상</a:t>
+            </a:r>
+            <a:r>
+              <a:rPr lang="en-US" altLang="ko-KR" dirty="0"/>
+              <a:t>, </a:t>
+            </a:r>
+            <a:r>
+              <a:rPr lang="ko-KR" altLang="en-US" dirty="0"/>
+              <a:t>지속적인 점검 및 교체를 실시해 주어야 합니다</a:t>
+            </a:r>
+            <a:r>
+              <a:rPr lang="en-US" altLang="ko-KR" dirty="0"/>
+              <a:t>.</a:t>
+            </a:r>
+          </a:p>
+          <a:p>
+            <a:r>
+              <a:rPr lang="ko-KR" altLang="en-US" dirty="0"/>
+              <a:t>이를 위해 손소독제 관리자는</a:t>
+            </a:r>
+            <a:r>
+              <a:rPr lang="en-US" altLang="ko-KR" dirty="0"/>
+              <a:t>, </a:t>
+            </a:r>
+            <a:r>
+              <a:rPr lang="ko-KR" altLang="en-US" dirty="0"/>
+              <a:t>잔량 파악을 위해 직접 가서 눈으로 확인하는 수 밖에 없습니다</a:t>
             </a:r>
             <a:r>
               <a:rPr lang="en-US" altLang="ko-KR" dirty="0"/>
@@ -1093,6 +1394,257 @@
           <a:p>
             <a:fld id="{CFEC5C64-9846-41DF-88A9-FAC22ECF479C}" type="slidenum">
               <a:rPr lang="ko-KR" altLang="en-US" smtClean="0"/>
+              <a:t>5</a:t>
+            </a:fld>
+            <a:endParaRPr lang="ko-KR" altLang="en-US"/>
+          </a:p>
+        </p:txBody>
+      </p:sp>
+    </p:spTree>
+    <p:extLst>
+      <p:ext uri="{BB962C8B-B14F-4D97-AF65-F5344CB8AC3E}">
+        <p14:creationId xmlns:p14="http://schemas.microsoft.com/office/powerpoint/2010/main" val="2183811852"/>
+      </p:ext>
+    </p:extLst>
+  </p:cSld>
+  <p:clrMapOvr>
+    <a:masterClrMapping/>
+  </p:clrMapOvr>
+</p:notes>
+</file>
+
+<file path=ppt/notesSlides/notesSlide6.xml><?xml version="1.0" encoding="utf-8"?>
+<p:notes xmlns:a="http://schemas.openxmlformats.org/drawingml/2006/main" xmlns:r="http://schemas.openxmlformats.org/officeDocument/2006/relationships" xmlns:p="http://schemas.openxmlformats.org/presentationml/2006/main">
+  <p:cSld>
+    <p:spTree>
+      <p:nvGrpSpPr>
+        <p:cNvPr id="1" name=""/>
+        <p:cNvGrpSpPr/>
+        <p:nvPr/>
+      </p:nvGrpSpPr>
+      <p:grpSpPr>
+        <a:xfrm>
+          <a:off x="0" y="0"/>
+          <a:ext cx="0" cy="0"/>
+          <a:chOff x="0" y="0"/>
+          <a:chExt cx="0" cy="0"/>
+        </a:xfrm>
+      </p:grpSpPr>
+      <p:sp>
+        <p:nvSpPr>
+          <p:cNvPr id="2" name="슬라이드 이미지 개체 틀 1"/>
+          <p:cNvSpPr>
+            <a:spLocks noGrp="1" noRot="1" noChangeAspect="1"/>
+          </p:cNvSpPr>
+          <p:nvPr>
+            <p:ph type="sldImg"/>
+          </p:nvPr>
+        </p:nvSpPr>
+        <p:spPr/>
+      </p:sp>
+      <p:sp>
+        <p:nvSpPr>
+          <p:cNvPr id="3" name="슬라이드 노트 개체 틀 2"/>
+          <p:cNvSpPr>
+            <a:spLocks noGrp="1"/>
+          </p:cNvSpPr>
+          <p:nvPr>
+            <p:ph type="body" idx="1"/>
+          </p:nvPr>
+        </p:nvSpPr>
+        <p:spPr/>
+        <p:txBody>
+          <a:bodyPr/>
+          <a:lstStyle/>
+          <a:p>
+            <a:r>
+              <a:rPr lang="ko-KR" altLang="en-US" dirty="0"/>
+              <a:t>만약 학교나 백화점 같은 큰 규모의 경우</a:t>
+            </a:r>
+            <a:r>
+              <a:rPr lang="en-US" altLang="ko-KR" dirty="0"/>
+              <a:t>,</a:t>
+            </a:r>
+          </a:p>
+          <a:p>
+            <a:r>
+              <a:rPr lang="ko-KR" altLang="en-US" dirty="0"/>
+              <a:t>관리자가 그 많은 손소독제를 전수조사 한다면</a:t>
+            </a:r>
+            <a:r>
+              <a:rPr lang="en-US" altLang="ko-KR" dirty="0"/>
+              <a:t>, </a:t>
+            </a:r>
+            <a:r>
+              <a:rPr lang="ko-KR" altLang="en-US" dirty="0"/>
+              <a:t>이는 시간 낭비와 비효율적인 관리라고 볼 수 밖에 없습니다</a:t>
+            </a:r>
+            <a:r>
+              <a:rPr lang="en-US" altLang="ko-KR" dirty="0"/>
+              <a:t>.</a:t>
+            </a:r>
+          </a:p>
+          <a:p>
+            <a:r>
+              <a:rPr lang="ko-KR" altLang="en-US" dirty="0"/>
+              <a:t>직접 확인하기 전에는 손소독제가 고갈되었는지 확인이 불가하기에</a:t>
+            </a:r>
+            <a:r>
+              <a:rPr lang="en-US" altLang="ko-KR" dirty="0"/>
+              <a:t>,</a:t>
+            </a:r>
+          </a:p>
+          <a:p>
+            <a:r>
+              <a:rPr lang="ko-KR" altLang="en-US" dirty="0"/>
+              <a:t>아직 손소독제가 소모되지 않아 교체할 필요가 없는 곳까지 방문하는 경우가 다반사입니다</a:t>
+            </a:r>
+            <a:r>
+              <a:rPr lang="en-US" altLang="ko-KR" dirty="0"/>
+              <a:t>.</a:t>
+            </a:r>
+          </a:p>
+        </p:txBody>
+      </p:sp>
+      <p:sp>
+        <p:nvSpPr>
+          <p:cNvPr id="4" name="슬라이드 번호 개체 틀 3"/>
+          <p:cNvSpPr>
+            <a:spLocks noGrp="1"/>
+          </p:cNvSpPr>
+          <p:nvPr>
+            <p:ph type="sldNum" sz="quarter" idx="5"/>
+          </p:nvPr>
+        </p:nvSpPr>
+        <p:spPr/>
+        <p:txBody>
+          <a:bodyPr/>
+          <a:lstStyle/>
+          <a:p>
+            <a:fld id="{CFEC5C64-9846-41DF-88A9-FAC22ECF479C}" type="slidenum">
+              <a:rPr lang="ko-KR" altLang="en-US" smtClean="0"/>
+              <a:t>6</a:t>
+            </a:fld>
+            <a:endParaRPr lang="ko-KR" altLang="en-US"/>
+          </a:p>
+        </p:txBody>
+      </p:sp>
+    </p:spTree>
+    <p:extLst>
+      <p:ext uri="{BB962C8B-B14F-4D97-AF65-F5344CB8AC3E}">
+        <p14:creationId xmlns:p14="http://schemas.microsoft.com/office/powerpoint/2010/main" val="101886592"/>
+      </p:ext>
+    </p:extLst>
+  </p:cSld>
+  <p:clrMapOvr>
+    <a:masterClrMapping/>
+  </p:clrMapOvr>
+</p:notes>
+</file>
+
+<file path=ppt/notesSlides/notesSlide7.xml><?xml version="1.0" encoding="utf-8"?>
+<p:notes xmlns:a="http://schemas.openxmlformats.org/drawingml/2006/main" xmlns:r="http://schemas.openxmlformats.org/officeDocument/2006/relationships" xmlns:p="http://schemas.openxmlformats.org/presentationml/2006/main">
+  <p:cSld>
+    <p:spTree>
+      <p:nvGrpSpPr>
+        <p:cNvPr id="1" name=""/>
+        <p:cNvGrpSpPr/>
+        <p:nvPr/>
+      </p:nvGrpSpPr>
+      <p:grpSpPr>
+        <a:xfrm>
+          <a:off x="0" y="0"/>
+          <a:ext cx="0" cy="0"/>
+          <a:chOff x="0" y="0"/>
+          <a:chExt cx="0" cy="0"/>
+        </a:xfrm>
+      </p:grpSpPr>
+      <p:sp>
+        <p:nvSpPr>
+          <p:cNvPr id="2" name="슬라이드 이미지 개체 틀 1"/>
+          <p:cNvSpPr>
+            <a:spLocks noGrp="1" noRot="1" noChangeAspect="1"/>
+          </p:cNvSpPr>
+          <p:nvPr>
+            <p:ph type="sldImg"/>
+          </p:nvPr>
+        </p:nvSpPr>
+        <p:spPr/>
+      </p:sp>
+      <p:sp>
+        <p:nvSpPr>
+          <p:cNvPr id="3" name="슬라이드 노트 개체 틀 2"/>
+          <p:cNvSpPr>
+            <a:spLocks noGrp="1"/>
+          </p:cNvSpPr>
+          <p:nvPr>
+            <p:ph type="body" idx="1"/>
+          </p:nvPr>
+        </p:nvSpPr>
+        <p:spPr/>
+        <p:txBody>
+          <a:bodyPr/>
+          <a:lstStyle/>
+          <a:p>
+            <a:r>
+              <a:rPr lang="ko-KR" altLang="en-US" dirty="0"/>
+              <a:t>그래서 저희는 이러한 문제점에 착안하여</a:t>
+            </a:r>
+            <a:r>
+              <a:rPr lang="en-US" altLang="ko-KR" dirty="0"/>
+              <a:t>, IoT </a:t>
+            </a:r>
+            <a:r>
+              <a:rPr lang="ko-KR" altLang="en-US" dirty="0"/>
+              <a:t>기술을 이용해서</a:t>
+            </a:r>
+            <a:endParaRPr lang="en-US" altLang="ko-KR" dirty="0"/>
+          </a:p>
+          <a:p>
+            <a:r>
+              <a:rPr lang="ko-KR" altLang="en-US" dirty="0"/>
+              <a:t>손소독제의 잔량을 원격으로 체크해주고</a:t>
+            </a:r>
+            <a:r>
+              <a:rPr lang="en-US" altLang="ko-KR" dirty="0"/>
+              <a:t>, </a:t>
+            </a:r>
+            <a:r>
+              <a:rPr lang="ko-KR" altLang="en-US" dirty="0"/>
+              <a:t>소모되는 정도를 파악하여</a:t>
+            </a:r>
+            <a:endParaRPr lang="en-US" altLang="ko-KR" dirty="0"/>
+          </a:p>
+          <a:p>
+            <a:r>
+              <a:rPr lang="ko-KR" altLang="en-US" dirty="0"/>
+              <a:t>적절하고 효율적인 관리를 돕는 프로세스를 고안해 보았습니다</a:t>
+            </a:r>
+            <a:r>
+              <a:rPr lang="en-US" altLang="ko-KR" dirty="0"/>
+              <a:t>.</a:t>
+            </a:r>
+            <a:endParaRPr lang="ko-KR" altLang="en-US" dirty="0"/>
+          </a:p>
+        </p:txBody>
+      </p:sp>
+      <p:sp>
+        <p:nvSpPr>
+          <p:cNvPr id="4" name="슬라이드 번호 개체 틀 3"/>
+          <p:cNvSpPr>
+            <a:spLocks noGrp="1"/>
+          </p:cNvSpPr>
+          <p:nvPr>
+            <p:ph type="sldNum" sz="quarter" idx="5"/>
+          </p:nvPr>
+        </p:nvSpPr>
+        <p:spPr/>
+        <p:txBody>
+          <a:bodyPr/>
+          <a:lstStyle/>
+          <a:p>
+            <a:fld id="{CFEC5C64-9846-41DF-88A9-FAC22ECF479C}" type="slidenum">
+              <a:rPr lang="ko-KR" altLang="en-US" smtClean="0"/>
               <a:t>7</a:t>
             </a:fld>
             <a:endParaRPr lang="ko-KR" altLang="en-US"/>
@@ -1103,6 +1655,397 @@
     <p:extLst>
       <p:ext uri="{BB962C8B-B14F-4D97-AF65-F5344CB8AC3E}">
         <p14:creationId xmlns:p14="http://schemas.microsoft.com/office/powerpoint/2010/main" val="3123243971"/>
+      </p:ext>
+    </p:extLst>
+  </p:cSld>
+  <p:clrMapOvr>
+    <a:masterClrMapping/>
+  </p:clrMapOvr>
+</p:notes>
+</file>
+
+<file path=ppt/notesSlides/notesSlide8.xml><?xml version="1.0" encoding="utf-8"?>
+<p:notes xmlns:a="http://schemas.openxmlformats.org/drawingml/2006/main" xmlns:r="http://schemas.openxmlformats.org/officeDocument/2006/relationships" xmlns:p="http://schemas.openxmlformats.org/presentationml/2006/main">
+  <p:cSld>
+    <p:spTree>
+      <p:nvGrpSpPr>
+        <p:cNvPr id="1" name=""/>
+        <p:cNvGrpSpPr/>
+        <p:nvPr/>
+      </p:nvGrpSpPr>
+      <p:grpSpPr>
+        <a:xfrm>
+          <a:off x="0" y="0"/>
+          <a:ext cx="0" cy="0"/>
+          <a:chOff x="0" y="0"/>
+          <a:chExt cx="0" cy="0"/>
+        </a:xfrm>
+      </p:grpSpPr>
+      <p:sp>
+        <p:nvSpPr>
+          <p:cNvPr id="2" name="슬라이드 이미지 개체 틀 1"/>
+          <p:cNvSpPr>
+            <a:spLocks noGrp="1" noRot="1" noChangeAspect="1"/>
+          </p:cNvSpPr>
+          <p:nvPr>
+            <p:ph type="sldImg"/>
+          </p:nvPr>
+        </p:nvSpPr>
+        <p:spPr/>
+      </p:sp>
+      <p:sp>
+        <p:nvSpPr>
+          <p:cNvPr id="3" name="슬라이드 노트 개체 틀 2"/>
+          <p:cNvSpPr>
+            <a:spLocks noGrp="1"/>
+          </p:cNvSpPr>
+          <p:nvPr>
+            <p:ph type="body" idx="1"/>
+          </p:nvPr>
+        </p:nvSpPr>
+        <p:spPr/>
+        <p:txBody>
+          <a:bodyPr/>
+          <a:lstStyle/>
+          <a:p>
+            <a:pPr marL="0" marR="0" lvl="0" indent="0" algn="l" defTabSz="914400" rtl="0" eaLnBrk="1" fontAlgn="auto" latinLnBrk="1" hangingPunct="1">
+              <a:lnSpc>
+                <a:spcPct val="100000"/>
+              </a:lnSpc>
+              <a:spcBef>
+                <a:spcPts val="0"/>
+              </a:spcBef>
+              <a:spcAft>
+                <a:spcPts val="0"/>
+              </a:spcAft>
+              <a:buClrTx/>
+              <a:buSzTx/>
+              <a:buFontTx/>
+              <a:buNone/>
+              <a:tabLst/>
+              <a:defRPr/>
+            </a:pPr>
+            <a:r>
+              <a:rPr lang="ko-KR" altLang="en-US" dirty="0"/>
+              <a:t>그렇게 저희가 개발하고자 하는 서비스가 바로 </a:t>
+            </a:r>
+            <a:r>
+              <a:rPr lang="en-US" altLang="ko-KR" dirty="0"/>
+              <a:t>“</a:t>
+            </a:r>
+            <a:r>
+              <a:rPr lang="ko-KR" altLang="en-US" dirty="0"/>
+              <a:t>손소독제 관리 시스템</a:t>
+            </a:r>
+            <a:r>
+              <a:rPr lang="en-US" altLang="ko-KR" dirty="0"/>
+              <a:t>”</a:t>
+            </a:r>
+            <a:r>
+              <a:rPr lang="ko-KR" altLang="en-US" dirty="0"/>
+              <a:t>입니다</a:t>
+            </a:r>
+            <a:r>
+              <a:rPr lang="en-US" altLang="ko-KR" dirty="0"/>
+              <a:t>.</a:t>
+            </a:r>
+          </a:p>
+          <a:p>
+            <a:pPr marL="0" marR="0" lvl="0" indent="0" algn="l" defTabSz="914400" rtl="0" eaLnBrk="1" fontAlgn="auto" latinLnBrk="1" hangingPunct="1">
+              <a:lnSpc>
+                <a:spcPct val="100000"/>
+              </a:lnSpc>
+              <a:spcBef>
+                <a:spcPts val="0"/>
+              </a:spcBef>
+              <a:spcAft>
+                <a:spcPts val="0"/>
+              </a:spcAft>
+              <a:buClrTx/>
+              <a:buSzTx/>
+              <a:buFontTx/>
+              <a:buNone/>
+              <a:tabLst/>
+              <a:defRPr/>
+            </a:pPr>
+            <a:r>
+              <a:rPr lang="ko-KR" altLang="en-US" dirty="0"/>
+              <a:t>이 서비스의 주요 기능은 </a:t>
+            </a:r>
+            <a:r>
+              <a:rPr lang="en-US" altLang="ko-KR" dirty="0"/>
+              <a:t>IoT </a:t>
+            </a:r>
+            <a:r>
+              <a:rPr lang="ko-KR" altLang="en-US" dirty="0"/>
+              <a:t>센서를 통해 손소독제 잔량을 측정하여</a:t>
+            </a:r>
+            <a:r>
+              <a:rPr lang="en-US" altLang="ko-KR" dirty="0"/>
+              <a:t>,</a:t>
+            </a:r>
+            <a:br>
+              <a:rPr lang="en-US" altLang="ko-KR" dirty="0"/>
+            </a:br>
+            <a:r>
+              <a:rPr lang="ko-KR" altLang="en-US" dirty="0"/>
+              <a:t>소독제가 고갈되었을 때</a:t>
+            </a:r>
+            <a:r>
+              <a:rPr lang="en-US" altLang="ko-KR" dirty="0"/>
+              <a:t>, </a:t>
+            </a:r>
+            <a:r>
+              <a:rPr lang="ko-KR" altLang="en-US" dirty="0"/>
+              <a:t>관리자에게 </a:t>
+            </a:r>
+            <a:r>
+              <a:rPr lang="en-US" altLang="ko-KR" dirty="0"/>
+              <a:t>App</a:t>
+            </a:r>
+            <a:r>
+              <a:rPr lang="ko-KR" altLang="en-US" dirty="0"/>
+              <a:t>을 통해 알림을 보내는 것입니다</a:t>
+            </a:r>
+            <a:r>
+              <a:rPr lang="en-US" altLang="ko-KR" dirty="0"/>
+              <a:t>.</a:t>
+            </a:r>
+          </a:p>
+        </p:txBody>
+      </p:sp>
+      <p:sp>
+        <p:nvSpPr>
+          <p:cNvPr id="4" name="슬라이드 번호 개체 틀 3"/>
+          <p:cNvSpPr>
+            <a:spLocks noGrp="1"/>
+          </p:cNvSpPr>
+          <p:nvPr>
+            <p:ph type="sldNum" sz="quarter" idx="5"/>
+          </p:nvPr>
+        </p:nvSpPr>
+        <p:spPr/>
+        <p:txBody>
+          <a:bodyPr/>
+          <a:lstStyle/>
+          <a:p>
+            <a:fld id="{CFEC5C64-9846-41DF-88A9-FAC22ECF479C}" type="slidenum">
+              <a:rPr lang="ko-KR" altLang="en-US" smtClean="0"/>
+              <a:t>8</a:t>
+            </a:fld>
+            <a:endParaRPr lang="ko-KR" altLang="en-US"/>
+          </a:p>
+        </p:txBody>
+      </p:sp>
+    </p:spTree>
+    <p:extLst>
+      <p:ext uri="{BB962C8B-B14F-4D97-AF65-F5344CB8AC3E}">
+        <p14:creationId xmlns:p14="http://schemas.microsoft.com/office/powerpoint/2010/main" val="1505632171"/>
+      </p:ext>
+    </p:extLst>
+  </p:cSld>
+  <p:clrMapOvr>
+    <a:masterClrMapping/>
+  </p:clrMapOvr>
+</p:notes>
+</file>
+
+<file path=ppt/notesSlides/notesSlide9.xml><?xml version="1.0" encoding="utf-8"?>
+<p:notes xmlns:a="http://schemas.openxmlformats.org/drawingml/2006/main" xmlns:r="http://schemas.openxmlformats.org/officeDocument/2006/relationships" xmlns:p="http://schemas.openxmlformats.org/presentationml/2006/main">
+  <p:cSld>
+    <p:spTree>
+      <p:nvGrpSpPr>
+        <p:cNvPr id="1" name=""/>
+        <p:cNvGrpSpPr/>
+        <p:nvPr/>
+      </p:nvGrpSpPr>
+      <p:grpSpPr>
+        <a:xfrm>
+          <a:off x="0" y="0"/>
+          <a:ext cx="0" cy="0"/>
+          <a:chOff x="0" y="0"/>
+          <a:chExt cx="0" cy="0"/>
+        </a:xfrm>
+      </p:grpSpPr>
+      <p:sp>
+        <p:nvSpPr>
+          <p:cNvPr id="2" name="슬라이드 이미지 개체 틀 1"/>
+          <p:cNvSpPr>
+            <a:spLocks noGrp="1" noRot="1" noChangeAspect="1"/>
+          </p:cNvSpPr>
+          <p:nvPr>
+            <p:ph type="sldImg"/>
+          </p:nvPr>
+        </p:nvSpPr>
+        <p:spPr/>
+      </p:sp>
+      <p:sp>
+        <p:nvSpPr>
+          <p:cNvPr id="3" name="슬라이드 노트 개체 틀 2"/>
+          <p:cNvSpPr>
+            <a:spLocks noGrp="1"/>
+          </p:cNvSpPr>
+          <p:nvPr>
+            <p:ph type="body" idx="1"/>
+          </p:nvPr>
+        </p:nvSpPr>
+        <p:spPr/>
+        <p:txBody>
+          <a:bodyPr/>
+          <a:lstStyle/>
+          <a:p>
+            <a:pPr marL="0" marR="0" lvl="0" indent="0" algn="l" defTabSz="914400" rtl="0" eaLnBrk="1" fontAlgn="auto" latinLnBrk="1" hangingPunct="1">
+              <a:lnSpc>
+                <a:spcPct val="100000"/>
+              </a:lnSpc>
+              <a:spcBef>
+                <a:spcPts val="0"/>
+              </a:spcBef>
+              <a:spcAft>
+                <a:spcPts val="0"/>
+              </a:spcAft>
+              <a:buClrTx/>
+              <a:buSzTx/>
+              <a:buFontTx/>
+              <a:buNone/>
+              <a:tabLst/>
+              <a:defRPr/>
+            </a:pPr>
+            <a:r>
+              <a:rPr lang="ko-KR" altLang="en-US" dirty="0"/>
+              <a:t>그렇기에 이용 대상자는 공공기관 및 건물의 관리자입니다</a:t>
+            </a:r>
+            <a:r>
+              <a:rPr lang="en-US" altLang="ko-KR" dirty="0"/>
+              <a:t>.</a:t>
+            </a:r>
+          </a:p>
+          <a:p>
+            <a:pPr marL="0" marR="0" lvl="0" indent="0" algn="l" defTabSz="914400" rtl="0" eaLnBrk="1" fontAlgn="auto" latinLnBrk="1" hangingPunct="1">
+              <a:lnSpc>
+                <a:spcPct val="100000"/>
+              </a:lnSpc>
+              <a:spcBef>
+                <a:spcPts val="0"/>
+              </a:spcBef>
+              <a:spcAft>
+                <a:spcPts val="0"/>
+              </a:spcAft>
+              <a:buClrTx/>
+              <a:buSzTx/>
+              <a:buFontTx/>
+              <a:buNone/>
+              <a:tabLst/>
+              <a:defRPr/>
+            </a:pPr>
+            <a:r>
+              <a:rPr lang="ko-KR" altLang="en-US" dirty="0"/>
+              <a:t>이 서비스를 통해 손소독제 잔량 파악으로 인한 불필요한 인력낭비를 방지하고</a:t>
+            </a:r>
+            <a:r>
+              <a:rPr lang="en-US" altLang="ko-KR" dirty="0"/>
+              <a:t>,</a:t>
+            </a:r>
+          </a:p>
+          <a:p>
+            <a:pPr marL="0" marR="0" lvl="0" indent="0" algn="l" defTabSz="914400" rtl="0" eaLnBrk="1" fontAlgn="auto" latinLnBrk="1" hangingPunct="1">
+              <a:lnSpc>
+                <a:spcPct val="100000"/>
+              </a:lnSpc>
+              <a:spcBef>
+                <a:spcPts val="0"/>
+              </a:spcBef>
+              <a:spcAft>
+                <a:spcPts val="0"/>
+              </a:spcAft>
+              <a:buClrTx/>
+              <a:buSzTx/>
+              <a:buFontTx/>
+              <a:buNone/>
+              <a:tabLst/>
+              <a:defRPr/>
+            </a:pPr>
+            <a:r>
+              <a:rPr lang="ko-KR" altLang="en-US" dirty="0"/>
+              <a:t>소모 속도에 따라 적절한 양 조절을 하며</a:t>
+            </a:r>
+            <a:r>
+              <a:rPr lang="en-US" altLang="ko-KR" dirty="0"/>
+              <a:t>,</a:t>
+            </a:r>
+          </a:p>
+          <a:p>
+            <a:pPr marL="0" marR="0" lvl="0" indent="0" algn="l" defTabSz="914400" rtl="0" eaLnBrk="1" fontAlgn="auto" latinLnBrk="1" hangingPunct="1">
+              <a:lnSpc>
+                <a:spcPct val="100000"/>
+              </a:lnSpc>
+              <a:spcBef>
+                <a:spcPts val="0"/>
+              </a:spcBef>
+              <a:spcAft>
+                <a:spcPts val="0"/>
+              </a:spcAft>
+              <a:buClrTx/>
+              <a:buSzTx/>
+              <a:buFontTx/>
+              <a:buNone/>
+              <a:tabLst/>
+              <a:defRPr/>
+            </a:pPr>
+            <a:r>
+              <a:rPr lang="ko-KR" altLang="en-US" dirty="0"/>
+              <a:t>사용량을 기반으로 </a:t>
+            </a:r>
+            <a:r>
+              <a:rPr lang="ko-KR" altLang="en-US" dirty="0" err="1"/>
+              <a:t>간접적으로나마</a:t>
+            </a:r>
+            <a:r>
+              <a:rPr lang="ko-KR" altLang="en-US" dirty="0"/>
+              <a:t> 인구 밀집도를 파악하여</a:t>
+            </a:r>
+            <a:r>
+              <a:rPr lang="en-US" altLang="ko-KR" dirty="0"/>
+              <a:t>, </a:t>
+            </a:r>
+            <a:r>
+              <a:rPr lang="ko-KR" altLang="en-US" dirty="0"/>
+              <a:t>다양한 분야에 활용할 수 있게 하는 것이 저희의 목표입니다</a:t>
+            </a:r>
+            <a:r>
+              <a:rPr lang="en-US" altLang="ko-KR" dirty="0"/>
+              <a:t>.</a:t>
+            </a:r>
+          </a:p>
+        </p:txBody>
+      </p:sp>
+      <p:sp>
+        <p:nvSpPr>
+          <p:cNvPr id="4" name="슬라이드 번호 개체 틀 3"/>
+          <p:cNvSpPr>
+            <a:spLocks noGrp="1"/>
+          </p:cNvSpPr>
+          <p:nvPr>
+            <p:ph type="sldNum" sz="quarter" idx="5"/>
+          </p:nvPr>
+        </p:nvSpPr>
+        <p:spPr/>
+        <p:txBody>
+          <a:bodyPr/>
+          <a:lstStyle/>
+          <a:p>
+            <a:fld id="{CFEC5C64-9846-41DF-88A9-FAC22ECF479C}" type="slidenum">
+              <a:rPr lang="ko-KR" altLang="en-US" smtClean="0"/>
+              <a:t>9</a:t>
+            </a:fld>
+            <a:endParaRPr lang="ko-KR" altLang="en-US"/>
+          </a:p>
+        </p:txBody>
+      </p:sp>
+    </p:spTree>
+    <p:extLst>
+      <p:ext uri="{BB962C8B-B14F-4D97-AF65-F5344CB8AC3E}">
+        <p14:creationId xmlns:p14="http://schemas.microsoft.com/office/powerpoint/2010/main" val="2705882013"/>
       </p:ext>
     </p:extLst>
   </p:cSld>
@@ -1267,7 +2210,7 @@
           <a:p>
             <a:fld id="{7197A083-76BA-49CA-BB32-BD7943E08EBB}" type="datetime1">
               <a:rPr lang="ko-KR" altLang="en-US" smtClean="0"/>
-              <a:t>2020-10-25</a:t>
+              <a:t>2020-10-26</a:t>
             </a:fld>
             <a:endParaRPr lang="ko-KR" altLang="en-US"/>
           </a:p>
@@ -1507,7 +2450,7 @@
           <a:p>
             <a:fld id="{51BD7EAD-C81D-4805-8039-C3D3B9DD6EC1}" type="datetime1">
               <a:rPr lang="ko-KR" altLang="en-US" smtClean="0"/>
-              <a:t>2020-10-25</a:t>
+              <a:t>2020-10-26</a:t>
             </a:fld>
             <a:endParaRPr lang="ko-KR" altLang="en-US"/>
           </a:p>
@@ -1750,7 +2693,7 @@
           <a:p>
             <a:fld id="{6ED4B718-156F-4F1B-AF1E-F81FDBE32FE9}" type="datetime1">
               <a:rPr lang="ko-KR" altLang="en-US" smtClean="0"/>
-              <a:t>2020-10-25</a:t>
+              <a:t>2020-10-26</a:t>
             </a:fld>
             <a:endParaRPr lang="ko-KR" altLang="en-US"/>
           </a:p>
@@ -1983,7 +2926,7 @@
           <a:p>
             <a:fld id="{1170B75A-FA6C-4151-ADE2-F942388B6A78}" type="datetime1">
               <a:rPr lang="ko-KR" altLang="en-US" smtClean="0"/>
-              <a:t>2020-10-25</a:t>
+              <a:t>2020-10-26</a:t>
             </a:fld>
             <a:endParaRPr lang="ko-KR" altLang="en-US"/>
           </a:p>
@@ -2293,7 +3236,7 @@
           <a:p>
             <a:fld id="{3BD28081-0DFE-4CC6-9E7F-2F9EF6B0B7B7}" type="datetime1">
               <a:rPr lang="ko-KR" altLang="en-US" smtClean="0"/>
-              <a:t>2020-10-25</a:t>
+              <a:t>2020-10-26</a:t>
             </a:fld>
             <a:endParaRPr lang="ko-KR" altLang="en-US"/>
           </a:p>
@@ -2593,7 +3536,7 @@
           <a:p>
             <a:fld id="{AF44C2A0-723E-4DFD-B5A2-B62A0B8CF913}" type="datetime1">
               <a:rPr lang="ko-KR" altLang="en-US" smtClean="0"/>
-              <a:t>2020-10-25</a:t>
+              <a:t>2020-10-26</a:t>
             </a:fld>
             <a:endParaRPr lang="ko-KR" altLang="en-US"/>
           </a:p>
@@ -3040,7 +3983,7 @@
           <a:p>
             <a:fld id="{3D7A3139-C291-4F6D-B506-80349A2CE843}" type="datetime1">
               <a:rPr lang="ko-KR" altLang="en-US" smtClean="0"/>
-              <a:t>2020-10-25</a:t>
+              <a:t>2020-10-26</a:t>
             </a:fld>
             <a:endParaRPr lang="ko-KR" altLang="en-US"/>
           </a:p>
@@ -3216,7 +4159,7 @@
           <a:p>
             <a:fld id="{AC3A54A4-1D9A-4EA4-83C9-032C7558E97A}" type="datetime1">
               <a:rPr lang="ko-KR" altLang="en-US" smtClean="0"/>
-              <a:t>2020-10-25</a:t>
+              <a:t>2020-10-26</a:t>
             </a:fld>
             <a:endParaRPr lang="ko-KR" altLang="en-US"/>
           </a:p>
@@ -3364,7 +4307,7 @@
           <a:p>
             <a:fld id="{29F12B2F-7FA6-450F-99FE-04774F19F559}" type="datetime1">
               <a:rPr lang="ko-KR" altLang="en-US" smtClean="0"/>
-              <a:t>2020-10-25</a:t>
+              <a:t>2020-10-26</a:t>
             </a:fld>
             <a:endParaRPr lang="ko-KR" altLang="en-US"/>
           </a:p>
@@ -3710,7 +4653,7 @@
           <a:p>
             <a:fld id="{F5789761-A2A5-4DD2-A541-0B2333F1A735}" type="datetime1">
               <a:rPr lang="ko-KR" altLang="en-US" smtClean="0"/>
-              <a:t>2020-10-25</a:t>
+              <a:t>2020-10-26</a:t>
             </a:fld>
             <a:endParaRPr lang="ko-KR" altLang="en-US"/>
           </a:p>
@@ -4033,7 +4976,7 @@
           <a:p>
             <a:fld id="{66B08EFB-003F-47D8-BBB5-74494BE53C42}" type="datetime1">
               <a:rPr lang="ko-KR" altLang="en-US" smtClean="0"/>
-              <a:t>2020-10-25</a:t>
+              <a:t>2020-10-26</a:t>
             </a:fld>
             <a:endParaRPr lang="ko-KR" altLang="en-US"/>
           </a:p>
@@ -4301,7 +5244,7 @@
           <a:p>
             <a:fld id="{1D56028A-F832-41DB-8E61-55343315335C}" type="datetime1">
               <a:rPr lang="ko-KR" altLang="en-US" smtClean="0"/>
-              <a:t>2020-10-25</a:t>
+              <a:t>2020-10-26</a:t>
             </a:fld>
             <a:endParaRPr lang="ko-KR" altLang="en-US"/>
           </a:p>
@@ -5119,7 +6062,7 @@
 </p:sld>
 </file>
 
-<file path=ppt/slides/slide2.xml><?xml version="1.0" encoding="utf-8"?>
+<file path=ppt/slides/slide10.xml><?xml version="1.0" encoding="utf-8"?>
 <p:sld xmlns:a="http://schemas.openxmlformats.org/drawingml/2006/main" xmlns:r="http://schemas.openxmlformats.org/officeDocument/2006/relationships" xmlns:p="http://schemas.openxmlformats.org/presentationml/2006/main">
   <p:cSld>
     <p:spTree>
@@ -5138,10 +6081,190 @@
       </p:grpSpPr>
       <p:sp>
         <p:nvSpPr>
-          <p:cNvPr id="36" name="평행 사변형 35">
-            <a:extLst>
-              <a:ext uri="{FF2B5EF4-FFF2-40B4-BE49-F238E27FC236}">
-                <a16:creationId xmlns:a16="http://schemas.microsoft.com/office/drawing/2014/main" id="{3759C22E-FE49-456A-9080-67D87E30FA65}"/>
+          <p:cNvPr id="4" name="TextBox 3">
+            <a:extLst>
+              <a:ext uri="{FF2B5EF4-FFF2-40B4-BE49-F238E27FC236}">
+                <a16:creationId xmlns:a16="http://schemas.microsoft.com/office/drawing/2014/main" id="{6AAAD052-7018-4B5E-ACE0-B4B9B5DADAA8}"/>
+              </a:ext>
+            </a:extLst>
+          </p:cNvPr>
+          <p:cNvSpPr txBox="1"/>
+          <p:nvPr/>
+        </p:nvSpPr>
+        <p:spPr>
+          <a:xfrm>
+            <a:off x="11537130" y="6453051"/>
+            <a:ext cx="567784" cy="307777"/>
+          </a:xfrm>
+          <a:prstGeom prst="rect">
+            <a:avLst/>
+          </a:prstGeom>
+          <a:noFill/>
+        </p:spPr>
+        <p:txBody>
+          <a:bodyPr wrap="none" rtlCol="0">
+            <a:spAutoFit/>
+          </a:bodyPr>
+          <a:lstStyle/>
+          <a:p>
+            <a:pPr algn="r"/>
+            <a:r>
+              <a:rPr lang="en-US" altLang="ko-KR" sz="1400" dirty="0">
+                <a:solidFill>
+                  <a:schemeClr val="tx1">
+                    <a:lumMod val="50000"/>
+                    <a:lumOff val="50000"/>
+                  </a:schemeClr>
+                </a:solidFill>
+                <a:latin typeface="카카오 Regular" panose="020B0600000101010101" pitchFamily="50" charset="-127"/>
+                <a:ea typeface="카카오 Regular" panose="020B0600000101010101" pitchFamily="50" charset="-127"/>
+              </a:rPr>
+              <a:t>p. 10</a:t>
+            </a:r>
+            <a:endParaRPr lang="ko-KR" altLang="en-US" sz="1400" dirty="0">
+              <a:solidFill>
+                <a:schemeClr val="tx1">
+                  <a:lumMod val="50000"/>
+                  <a:lumOff val="50000"/>
+                </a:schemeClr>
+              </a:solidFill>
+              <a:latin typeface="카카오 Regular" panose="020B0600000101010101" pitchFamily="50" charset="-127"/>
+              <a:ea typeface="카카오 Regular" panose="020B0600000101010101" pitchFamily="50" charset="-127"/>
+            </a:endParaRPr>
+          </a:p>
+        </p:txBody>
+      </p:sp>
+      <p:sp>
+        <p:nvSpPr>
+          <p:cNvPr id="5" name="TextBox 4">
+            <a:extLst>
+              <a:ext uri="{FF2B5EF4-FFF2-40B4-BE49-F238E27FC236}">
+                <a16:creationId xmlns:a16="http://schemas.microsoft.com/office/drawing/2014/main" id="{4954B042-D712-468F-8BF0-BB42376DFC5E}"/>
+              </a:ext>
+            </a:extLst>
+          </p:cNvPr>
+          <p:cNvSpPr txBox="1"/>
+          <p:nvPr/>
+        </p:nvSpPr>
+        <p:spPr>
+          <a:xfrm>
+            <a:off x="87086" y="6453051"/>
+            <a:ext cx="1356462" cy="307777"/>
+          </a:xfrm>
+          <a:prstGeom prst="rect">
+            <a:avLst/>
+          </a:prstGeom>
+          <a:noFill/>
+        </p:spPr>
+        <p:txBody>
+          <a:bodyPr wrap="none" rtlCol="0">
+            <a:spAutoFit/>
+          </a:bodyPr>
+          <a:lstStyle/>
+          <a:p>
+            <a:r>
+              <a:rPr lang="ko-KR" altLang="en-US" sz="1400" dirty="0">
+                <a:solidFill>
+                  <a:schemeClr val="tx1">
+                    <a:lumMod val="50000"/>
+                    <a:lumOff val="50000"/>
+                  </a:schemeClr>
+                </a:solidFill>
+                <a:latin typeface="카카오 Regular" panose="020B0600000101010101" pitchFamily="50" charset="-127"/>
+                <a:ea typeface="카카오 Regular" panose="020B0600000101010101" pitchFamily="50" charset="-127"/>
+              </a:rPr>
+              <a:t>오픈소스</a:t>
+            </a:r>
+            <a:r>
+              <a:rPr lang="en-US" altLang="ko-KR" sz="1400" dirty="0">
+                <a:solidFill>
+                  <a:schemeClr val="tx1">
+                    <a:lumMod val="50000"/>
+                    <a:lumOff val="50000"/>
+                  </a:schemeClr>
+                </a:solidFill>
+                <a:latin typeface="카카오 Regular" panose="020B0600000101010101" pitchFamily="50" charset="-127"/>
+                <a:ea typeface="카카오 Regular" panose="020B0600000101010101" pitchFamily="50" charset="-127"/>
+              </a:rPr>
+              <a:t>SW</a:t>
+            </a:r>
+            <a:r>
+              <a:rPr lang="ko-KR" altLang="en-US" sz="1400" dirty="0">
+                <a:solidFill>
+                  <a:schemeClr val="tx1">
+                    <a:lumMod val="50000"/>
+                    <a:lumOff val="50000"/>
+                  </a:schemeClr>
+                </a:solidFill>
+                <a:latin typeface="카카오 Regular" panose="020B0600000101010101" pitchFamily="50" charset="-127"/>
+                <a:ea typeface="카카오 Regular" panose="020B0600000101010101" pitchFamily="50" charset="-127"/>
+              </a:rPr>
+              <a:t>설계</a:t>
+            </a:r>
+          </a:p>
+        </p:txBody>
+      </p:sp>
+      <p:sp>
+        <p:nvSpPr>
+          <p:cNvPr id="6" name="TextBox 5">
+            <a:extLst>
+              <a:ext uri="{FF2B5EF4-FFF2-40B4-BE49-F238E27FC236}">
+                <a16:creationId xmlns:a16="http://schemas.microsoft.com/office/drawing/2014/main" id="{B3DB57B7-8AEA-41FC-94CD-E72818DD6FEF}"/>
+              </a:ext>
+            </a:extLst>
+          </p:cNvPr>
+          <p:cNvSpPr txBox="1"/>
+          <p:nvPr/>
+        </p:nvSpPr>
+        <p:spPr>
+          <a:xfrm>
+            <a:off x="5508339" y="6453051"/>
+            <a:ext cx="1175322" cy="307777"/>
+          </a:xfrm>
+          <a:prstGeom prst="rect">
+            <a:avLst/>
+          </a:prstGeom>
+          <a:noFill/>
+        </p:spPr>
+        <p:txBody>
+          <a:bodyPr wrap="none" rtlCol="0">
+            <a:spAutoFit/>
+          </a:bodyPr>
+          <a:lstStyle/>
+          <a:p>
+            <a:pPr algn="ctr"/>
+            <a:r>
+              <a:rPr lang="en-US" altLang="ko-KR" sz="1400" dirty="0">
+                <a:solidFill>
+                  <a:schemeClr val="tx1">
+                    <a:lumMod val="50000"/>
+                    <a:lumOff val="50000"/>
+                  </a:schemeClr>
+                </a:solidFill>
+                <a:latin typeface="카카오 Regular" panose="020B0600000101010101" pitchFamily="50" charset="-127"/>
+                <a:ea typeface="카카오 Regular" panose="020B0600000101010101" pitchFamily="50" charset="-127"/>
+              </a:rPr>
+              <a:t>2020.10.30.</a:t>
+            </a:r>
+            <a:endParaRPr lang="ko-KR" altLang="en-US" sz="1400" dirty="0">
+              <a:solidFill>
+                <a:schemeClr val="tx1">
+                  <a:lumMod val="50000"/>
+                  <a:lumOff val="50000"/>
+                </a:schemeClr>
+              </a:solidFill>
+              <a:latin typeface="카카오 Regular" panose="020B0600000101010101" pitchFamily="50" charset="-127"/>
+              <a:ea typeface="카카오 Regular" panose="020B0600000101010101" pitchFamily="50" charset="-127"/>
+            </a:endParaRPr>
+          </a:p>
+        </p:txBody>
+      </p:sp>
+      <p:sp>
+        <p:nvSpPr>
+          <p:cNvPr id="8" name="평행 사변형 7">
+            <a:extLst>
+              <a:ext uri="{FF2B5EF4-FFF2-40B4-BE49-F238E27FC236}">
+                <a16:creationId xmlns:a16="http://schemas.microsoft.com/office/drawing/2014/main" id="{32A976F4-7794-4D2A-B68C-ADE8375D6943}"/>
               </a:ext>
             </a:extLst>
           </p:cNvPr>
@@ -5150,8 +6273,8 @@
         </p:nvSpPr>
         <p:spPr>
           <a:xfrm rot="21268823">
-            <a:off x="6831860" y="5229295"/>
-            <a:ext cx="1772210" cy="348842"/>
+            <a:off x="1315661" y="316342"/>
+            <a:ext cx="3873282" cy="584961"/>
           </a:xfrm>
           <a:prstGeom prst="parallelogram">
             <a:avLst/>
@@ -5193,10 +6316,164 @@
       </p:sp>
       <p:sp>
         <p:nvSpPr>
-          <p:cNvPr id="31" name="평행 사변형 30">
-            <a:extLst>
-              <a:ext uri="{FF2B5EF4-FFF2-40B4-BE49-F238E27FC236}">
-                <a16:creationId xmlns:a16="http://schemas.microsoft.com/office/drawing/2014/main" id="{A1A707E6-0D34-4952-86A6-21A3988C3135}"/>
+          <p:cNvPr id="9" name="제목 1">
+            <a:extLst>
+              <a:ext uri="{FF2B5EF4-FFF2-40B4-BE49-F238E27FC236}">
+                <a16:creationId xmlns:a16="http://schemas.microsoft.com/office/drawing/2014/main" id="{4E123F9F-CD1D-45C2-8122-E0C123E31B97}"/>
+              </a:ext>
+            </a:extLst>
+          </p:cNvPr>
+          <p:cNvSpPr txBox="1">
+            <a:spLocks/>
+          </p:cNvSpPr>
+          <p:nvPr/>
+        </p:nvSpPr>
+        <p:spPr>
+          <a:xfrm>
+            <a:off x="1296507" y="216796"/>
+            <a:ext cx="4012912" cy="832711"/>
+          </a:xfrm>
+          <a:prstGeom prst="rect">
+            <a:avLst/>
+          </a:prstGeom>
+          <a:noFill/>
+        </p:spPr>
+        <p:txBody>
+          <a:bodyPr vert="horz" lIns="91440" tIns="45720" rIns="91440" bIns="45720" rtlCol="0" anchor="ctr">
+            <a:normAutofit fontScale="85000" lnSpcReduction="10000"/>
+          </a:bodyPr>
+          <a:lstStyle>
+            <a:lvl1pPr algn="l" defTabSz="914400" rtl="0" eaLnBrk="1" latinLnBrk="1" hangingPunct="1">
+              <a:lnSpc>
+                <a:spcPct val="90000"/>
+              </a:lnSpc>
+              <a:spcBef>
+                <a:spcPct val="0"/>
+              </a:spcBef>
+              <a:buNone/>
+              <a:defRPr sz="4400" kern="1200">
+                <a:solidFill>
+                  <a:schemeClr val="tx1"/>
+                </a:solidFill>
+                <a:latin typeface="+mj-lt"/>
+                <a:ea typeface="+mj-ea"/>
+                <a:cs typeface="+mj-cs"/>
+              </a:defRPr>
+            </a:lvl1pPr>
+          </a:lstStyle>
+          <a:p>
+            <a:pPr algn="dist"/>
+            <a:r>
+              <a:rPr lang="en-US" altLang="ko-KR" dirty="0">
+                <a:solidFill>
+                  <a:schemeClr val="tx1">
+                    <a:lumMod val="85000"/>
+                    <a:lumOff val="15000"/>
+                  </a:schemeClr>
+                </a:solidFill>
+                <a:latin typeface="카카오 Regular" panose="020B0600000101010101" pitchFamily="50" charset="-127"/>
+                <a:ea typeface="카카오 Regular" panose="020B0600000101010101" pitchFamily="50" charset="-127"/>
+              </a:rPr>
+              <a:t>Project</a:t>
+            </a:r>
+            <a:r>
+              <a:rPr lang="ko-KR" altLang="en-US" dirty="0">
+                <a:solidFill>
+                  <a:schemeClr val="tx1">
+                    <a:lumMod val="85000"/>
+                    <a:lumOff val="15000"/>
+                  </a:schemeClr>
+                </a:solidFill>
+                <a:latin typeface="카카오 Regular" panose="020B0600000101010101" pitchFamily="50" charset="-127"/>
+                <a:ea typeface="카카오 Regular" panose="020B0600000101010101" pitchFamily="50" charset="-127"/>
+              </a:rPr>
+              <a:t> </a:t>
+            </a:r>
+            <a:r>
+              <a:rPr lang="en-US" altLang="ko-KR" dirty="0">
+                <a:solidFill>
+                  <a:schemeClr val="tx1">
+                    <a:lumMod val="85000"/>
+                    <a:lumOff val="15000"/>
+                  </a:schemeClr>
+                </a:solidFill>
+                <a:latin typeface="카카오 Regular" panose="020B0600000101010101" pitchFamily="50" charset="-127"/>
+                <a:ea typeface="카카오 Regular" panose="020B0600000101010101" pitchFamily="50" charset="-127"/>
+              </a:rPr>
+              <a:t>Overview</a:t>
+            </a:r>
+            <a:endParaRPr lang="ko-KR" altLang="en-US" dirty="0">
+              <a:solidFill>
+                <a:schemeClr val="tx1">
+                  <a:lumMod val="85000"/>
+                  <a:lumOff val="15000"/>
+                </a:schemeClr>
+              </a:solidFill>
+              <a:latin typeface="카카오 Regular" panose="020B0600000101010101" pitchFamily="50" charset="-127"/>
+              <a:ea typeface="카카오 Regular" panose="020B0600000101010101" pitchFamily="50" charset="-127"/>
+            </a:endParaRPr>
+          </a:p>
+        </p:txBody>
+      </p:sp>
+      <p:sp>
+        <p:nvSpPr>
+          <p:cNvPr id="10" name="TextBox 9">
+            <a:extLst>
+              <a:ext uri="{FF2B5EF4-FFF2-40B4-BE49-F238E27FC236}">
+                <a16:creationId xmlns:a16="http://schemas.microsoft.com/office/drawing/2014/main" id="{67751F4E-1FEE-48FC-BD46-E2D190AA6A2B}"/>
+              </a:ext>
+            </a:extLst>
+          </p:cNvPr>
+          <p:cNvSpPr txBox="1"/>
+          <p:nvPr/>
+        </p:nvSpPr>
+        <p:spPr>
+          <a:xfrm>
+            <a:off x="271174" y="279208"/>
+            <a:ext cx="879564" cy="707886"/>
+          </a:xfrm>
+          <a:prstGeom prst="rect">
+            <a:avLst/>
+          </a:prstGeom>
+          <a:noFill/>
+        </p:spPr>
+        <p:txBody>
+          <a:bodyPr wrap="square" rtlCol="0">
+            <a:spAutoFit/>
+          </a:bodyPr>
+          <a:lstStyle/>
+          <a:p>
+            <a:pPr algn="dist"/>
+            <a:r>
+              <a:rPr lang="en-US" altLang="ko-KR" sz="4000" b="1" dirty="0">
+                <a:solidFill>
+                  <a:schemeClr val="bg1">
+                    <a:lumMod val="50000"/>
+                  </a:schemeClr>
+                </a:solidFill>
+                <a:latin typeface="카카오 Regular" panose="020B0600000101010101" pitchFamily="50" charset="-127"/>
+                <a:ea typeface="카카오 Regular" panose="020B0600000101010101" pitchFamily="50" charset="-127"/>
+              </a:rPr>
+              <a:t>02</a:t>
+            </a:r>
+            <a:endParaRPr lang="ko-KR" altLang="en-US" sz="4000" b="1" dirty="0">
+              <a:solidFill>
+                <a:schemeClr val="bg1">
+                  <a:lumMod val="50000"/>
+                </a:schemeClr>
+              </a:solidFill>
+              <a:latin typeface="카카오 Regular" panose="020B0600000101010101" pitchFamily="50" charset="-127"/>
+              <a:ea typeface="카카오 Regular" panose="020B0600000101010101" pitchFamily="50" charset="-127"/>
+            </a:endParaRPr>
+          </a:p>
+        </p:txBody>
+      </p:sp>
+      <p:sp>
+        <p:nvSpPr>
+          <p:cNvPr id="15" name="Rectangle 1">
+            <a:extLst>
+              <a:ext uri="{FF2B5EF4-FFF2-40B4-BE49-F238E27FC236}">
+                <a16:creationId xmlns:a16="http://schemas.microsoft.com/office/drawing/2014/main" id="{01F6B743-0052-40D3-8871-2AB31E1CEB1D}"/>
               </a:ext>
             </a:extLst>
           </p:cNvPr>
@@ -5204,8 +6481,977 @@
           <p:nvPr/>
         </p:nvSpPr>
         <p:spPr>
+          <a:xfrm>
+            <a:off x="2208761" y="1493871"/>
+            <a:ext cx="2422596" cy="2089045"/>
+          </a:xfrm>
+          <a:prstGeom prst="rect">
+            <a:avLst/>
+          </a:prstGeom>
+          <a:solidFill>
+            <a:schemeClr val="accent4">
+              <a:lumMod val="20000"/>
+              <a:lumOff val="80000"/>
+            </a:schemeClr>
+          </a:solidFill>
+          <a:ln>
+            <a:solidFill>
+              <a:schemeClr val="accent4"/>
+            </a:solidFill>
+          </a:ln>
+          <a:effectLst>
+            <a:glow>
+              <a:schemeClr val="accent1"/>
+            </a:glow>
+            <a:reflection endPos="0" dir="5400000" sy="-100000" algn="bl" rotWithShape="0"/>
+            <a:softEdge rad="0"/>
+          </a:effectLst>
+        </p:spPr>
+        <p:style>
+          <a:lnRef idx="2">
+            <a:schemeClr val="accent1">
+              <a:shade val="50000"/>
+            </a:schemeClr>
+          </a:lnRef>
+          <a:fillRef idx="1">
+            <a:schemeClr val="accent1"/>
+          </a:fillRef>
+          <a:effectRef idx="0">
+            <a:schemeClr val="accent1"/>
+          </a:effectRef>
+          <a:fontRef idx="minor">
+            <a:schemeClr val="lt1"/>
+          </a:fontRef>
+        </p:style>
+        <p:txBody>
+          <a:bodyPr rtlCol="0" anchor="ctr"/>
+          <a:lstStyle/>
+          <a:p>
+            <a:pPr algn="ctr"/>
+            <a:r>
+              <a:rPr lang="en-US" altLang="ko-KR" sz="1400" dirty="0">
+                <a:solidFill>
+                  <a:schemeClr val="tx1"/>
+                </a:solidFill>
+                <a:latin typeface="카카오 Regular" panose="020B0600000101010101" pitchFamily="50" charset="-127"/>
+                <a:ea typeface="카카오 Regular" panose="020B0600000101010101" pitchFamily="50" charset="-127"/>
+              </a:rPr>
+              <a:t>17011637</a:t>
+            </a:r>
+          </a:p>
+          <a:p>
+            <a:pPr algn="ctr"/>
+            <a:r>
+              <a:rPr lang="ko-KR" altLang="en-US" sz="2000" dirty="0">
+                <a:solidFill>
+                  <a:schemeClr val="tx1"/>
+                </a:solidFill>
+                <a:latin typeface="카카오 Regular" panose="020B0600000101010101" pitchFamily="50" charset="-127"/>
+                <a:ea typeface="카카오 Regular" panose="020B0600000101010101" pitchFamily="50" charset="-127"/>
+              </a:rPr>
+              <a:t>최민지 </a:t>
+            </a:r>
+            <a:r>
+              <a:rPr lang="en-US" altLang="ko-KR" sz="2000" dirty="0">
+                <a:solidFill>
+                  <a:schemeClr val="tx1"/>
+                </a:solidFill>
+                <a:latin typeface="카카오 Regular" panose="020B0600000101010101" pitchFamily="50" charset="-127"/>
+                <a:ea typeface="카카오 Regular" panose="020B0600000101010101" pitchFamily="50" charset="-127"/>
+              </a:rPr>
+              <a:t>(</a:t>
+            </a:r>
+            <a:r>
+              <a:rPr lang="ko-KR" altLang="en-US" sz="2000" dirty="0">
+                <a:solidFill>
+                  <a:schemeClr val="tx1"/>
+                </a:solidFill>
+                <a:latin typeface="카카오 Regular" panose="020B0600000101010101" pitchFamily="50" charset="-127"/>
+                <a:ea typeface="카카오 Regular" panose="020B0600000101010101" pitchFamily="50" charset="-127"/>
+              </a:rPr>
+              <a:t>조장</a:t>
+            </a:r>
+            <a:r>
+              <a:rPr lang="en-US" altLang="ko-KR" sz="2000" dirty="0">
+                <a:solidFill>
+                  <a:schemeClr val="tx1"/>
+                </a:solidFill>
+                <a:latin typeface="카카오 Regular" panose="020B0600000101010101" pitchFamily="50" charset="-127"/>
+                <a:ea typeface="카카오 Regular" panose="020B0600000101010101" pitchFamily="50" charset="-127"/>
+              </a:rPr>
+              <a:t>)</a:t>
+            </a:r>
+          </a:p>
+          <a:p>
+            <a:pPr algn="ctr"/>
+            <a:endParaRPr lang="en-US" altLang="ko-KR" sz="2000" dirty="0">
+              <a:solidFill>
+                <a:schemeClr val="tx1"/>
+              </a:solidFill>
+              <a:latin typeface="카카오 Regular" panose="020B0600000101010101" pitchFamily="50" charset="-127"/>
+              <a:ea typeface="카카오 Regular" panose="020B0600000101010101" pitchFamily="50" charset="-127"/>
+            </a:endParaRPr>
+          </a:p>
+          <a:p>
+            <a:pPr algn="ctr"/>
+            <a:r>
+              <a:rPr lang="ko-KR" altLang="en-US" dirty="0">
+                <a:solidFill>
+                  <a:schemeClr val="tx1"/>
+                </a:solidFill>
+                <a:latin typeface="카카오 Regular" panose="020B0600000101010101" pitchFamily="50" charset="-127"/>
+                <a:ea typeface="카카오 Regular" panose="020B0600000101010101" pitchFamily="50" charset="-127"/>
+              </a:rPr>
+              <a:t>디바이스 설계</a:t>
+            </a:r>
+            <a:r>
+              <a:rPr lang="en-US" altLang="ko-KR" dirty="0">
+                <a:solidFill>
+                  <a:schemeClr val="tx1"/>
+                </a:solidFill>
+                <a:latin typeface="카카오 Regular" panose="020B0600000101010101" pitchFamily="50" charset="-127"/>
+                <a:ea typeface="카카오 Regular" panose="020B0600000101010101" pitchFamily="50" charset="-127"/>
+              </a:rPr>
+              <a:t>,</a:t>
+            </a:r>
+            <a:r>
+              <a:rPr lang="ko-KR" altLang="en-US" dirty="0">
+                <a:solidFill>
+                  <a:schemeClr val="tx1"/>
+                </a:solidFill>
+                <a:latin typeface="카카오 Regular" panose="020B0600000101010101" pitchFamily="50" charset="-127"/>
+                <a:ea typeface="카카오 Regular" panose="020B0600000101010101" pitchFamily="50" charset="-127"/>
+              </a:rPr>
+              <a:t> </a:t>
+            </a:r>
+            <a:br>
+              <a:rPr lang="en-US" altLang="ko-KR" dirty="0">
+                <a:solidFill>
+                  <a:schemeClr val="tx1"/>
+                </a:solidFill>
+                <a:latin typeface="카카오 Regular" panose="020B0600000101010101" pitchFamily="50" charset="-127"/>
+                <a:ea typeface="카카오 Regular" panose="020B0600000101010101" pitchFamily="50" charset="-127"/>
+              </a:rPr>
+            </a:br>
+            <a:r>
+              <a:rPr lang="ko-KR" altLang="en-US" dirty="0">
+                <a:solidFill>
+                  <a:schemeClr val="tx1"/>
+                </a:solidFill>
+                <a:latin typeface="카카오 Regular" panose="020B0600000101010101" pitchFamily="50" charset="-127"/>
+                <a:ea typeface="카카오 Regular" panose="020B0600000101010101" pitchFamily="50" charset="-127"/>
+              </a:rPr>
+              <a:t>제작</a:t>
+            </a:r>
+            <a:r>
+              <a:rPr lang="en-US" altLang="ko-KR" dirty="0">
+                <a:solidFill>
+                  <a:schemeClr val="tx1"/>
+                </a:solidFill>
+                <a:latin typeface="카카오 Regular" panose="020B0600000101010101" pitchFamily="50" charset="-127"/>
+                <a:ea typeface="카카오 Regular" panose="020B0600000101010101" pitchFamily="50" charset="-127"/>
+              </a:rPr>
+              <a:t>, DB</a:t>
+            </a:r>
+            <a:r>
+              <a:rPr lang="ko-KR" altLang="en-US" dirty="0">
+                <a:solidFill>
+                  <a:schemeClr val="tx1"/>
+                </a:solidFill>
+                <a:latin typeface="카카오 Regular" panose="020B0600000101010101" pitchFamily="50" charset="-127"/>
+                <a:ea typeface="카카오 Regular" panose="020B0600000101010101" pitchFamily="50" charset="-127"/>
+              </a:rPr>
+              <a:t>설계</a:t>
+            </a:r>
+            <a:endParaRPr lang="en-US" altLang="ko-KR" dirty="0">
+              <a:solidFill>
+                <a:schemeClr val="tx1"/>
+              </a:solidFill>
+              <a:latin typeface="카카오 Regular" panose="020B0600000101010101" pitchFamily="50" charset="-127"/>
+              <a:ea typeface="카카오 Regular" panose="020B0600000101010101" pitchFamily="50" charset="-127"/>
+            </a:endParaRPr>
+          </a:p>
+        </p:txBody>
+      </p:sp>
+      <p:sp>
+        <p:nvSpPr>
+          <p:cNvPr id="17" name="Rectangle 12">
+            <a:extLst>
+              <a:ext uri="{FF2B5EF4-FFF2-40B4-BE49-F238E27FC236}">
+                <a16:creationId xmlns:a16="http://schemas.microsoft.com/office/drawing/2014/main" id="{35EEDEFF-9E42-472D-ACE1-6816D8CADB4D}"/>
+              </a:ext>
+            </a:extLst>
+          </p:cNvPr>
+          <p:cNvSpPr/>
+          <p:nvPr/>
+        </p:nvSpPr>
+        <p:spPr>
+          <a:xfrm>
+            <a:off x="2208761" y="3853123"/>
+            <a:ext cx="2422596" cy="2089045"/>
+          </a:xfrm>
+          <a:prstGeom prst="rect">
+            <a:avLst/>
+          </a:prstGeom>
+          <a:solidFill>
+            <a:schemeClr val="bg1">
+              <a:lumMod val="95000"/>
+            </a:schemeClr>
+          </a:solidFill>
+          <a:ln>
+            <a:solidFill>
+              <a:schemeClr val="bg1">
+                <a:lumMod val="65000"/>
+              </a:schemeClr>
+            </a:solidFill>
+          </a:ln>
+        </p:spPr>
+        <p:style>
+          <a:lnRef idx="2">
+            <a:schemeClr val="accent1">
+              <a:shade val="50000"/>
+            </a:schemeClr>
+          </a:lnRef>
+          <a:fillRef idx="1">
+            <a:schemeClr val="accent1"/>
+          </a:fillRef>
+          <a:effectRef idx="0">
+            <a:schemeClr val="accent1"/>
+          </a:effectRef>
+          <a:fontRef idx="minor">
+            <a:schemeClr val="lt1"/>
+          </a:fontRef>
+        </p:style>
+        <p:txBody>
+          <a:bodyPr rtlCol="0" anchor="ctr"/>
+          <a:lstStyle/>
+          <a:p>
+            <a:pPr algn="ctr"/>
+            <a:r>
+              <a:rPr lang="en-US" altLang="ko-KR" sz="1400" dirty="0">
+                <a:solidFill>
+                  <a:schemeClr val="tx1"/>
+                </a:solidFill>
+                <a:latin typeface="카카오 Regular" panose="020B0600000101010101" pitchFamily="50" charset="-127"/>
+                <a:ea typeface="카카오 Regular" panose="020B0600000101010101" pitchFamily="50" charset="-127"/>
+              </a:rPr>
+              <a:t>17011009</a:t>
+            </a:r>
+          </a:p>
+          <a:p>
+            <a:pPr algn="ctr"/>
+            <a:r>
+              <a:rPr lang="ko-KR" altLang="en-US" sz="2000" dirty="0" err="1">
+                <a:solidFill>
+                  <a:schemeClr val="tx1"/>
+                </a:solidFill>
+                <a:latin typeface="카카오 Regular" panose="020B0600000101010101" pitchFamily="50" charset="-127"/>
+                <a:ea typeface="카카오 Regular" panose="020B0600000101010101" pitchFamily="50" charset="-127"/>
+              </a:rPr>
+              <a:t>구세화</a:t>
+            </a:r>
+            <a:endParaRPr lang="en-US" altLang="ko-KR" sz="2000" dirty="0">
+              <a:solidFill>
+                <a:schemeClr val="tx1"/>
+              </a:solidFill>
+              <a:latin typeface="카카오 Regular" panose="020B0600000101010101" pitchFamily="50" charset="-127"/>
+              <a:ea typeface="카카오 Regular" panose="020B0600000101010101" pitchFamily="50" charset="-127"/>
+            </a:endParaRPr>
+          </a:p>
+          <a:p>
+            <a:pPr algn="ctr"/>
+            <a:endParaRPr lang="en-US" altLang="ko-KR" sz="2000" dirty="0">
+              <a:solidFill>
+                <a:schemeClr val="tx1"/>
+              </a:solidFill>
+              <a:latin typeface="카카오 Regular" panose="020B0600000101010101" pitchFamily="50" charset="-127"/>
+              <a:ea typeface="카카오 Regular" panose="020B0600000101010101" pitchFamily="50" charset="-127"/>
+            </a:endParaRPr>
+          </a:p>
+          <a:p>
+            <a:pPr algn="ctr"/>
+            <a:r>
+              <a:rPr lang="ko-KR" altLang="en-US" dirty="0">
+                <a:solidFill>
+                  <a:schemeClr val="tx1"/>
+                </a:solidFill>
+                <a:latin typeface="카카오 Regular" panose="020B0600000101010101" pitchFamily="50" charset="-127"/>
+                <a:ea typeface="카카오 Regular" panose="020B0600000101010101" pitchFamily="50" charset="-127"/>
+              </a:rPr>
+              <a:t>디바이스 제작</a:t>
+            </a:r>
+            <a:endParaRPr lang="en-US" altLang="ko-KR" dirty="0">
+              <a:solidFill>
+                <a:schemeClr val="tx1"/>
+              </a:solidFill>
+              <a:latin typeface="카카오 Regular" panose="020B0600000101010101" pitchFamily="50" charset="-127"/>
+              <a:ea typeface="카카오 Regular" panose="020B0600000101010101" pitchFamily="50" charset="-127"/>
+            </a:endParaRPr>
+          </a:p>
+          <a:p>
+            <a:pPr algn="ctr"/>
+            <a:r>
+              <a:rPr lang="en-US" altLang="ko-KR" dirty="0">
+                <a:solidFill>
+                  <a:schemeClr val="tx1"/>
+                </a:solidFill>
+                <a:latin typeface="카카오 Regular" panose="020B0600000101010101" pitchFamily="50" charset="-127"/>
+                <a:ea typeface="카카오 Regular" panose="020B0600000101010101" pitchFamily="50" charset="-127"/>
+              </a:rPr>
+              <a:t>DB</a:t>
+            </a:r>
+            <a:r>
+              <a:rPr lang="ko-KR" altLang="en-US" dirty="0">
+                <a:solidFill>
+                  <a:schemeClr val="tx1"/>
+                </a:solidFill>
+                <a:latin typeface="카카오 Regular" panose="020B0600000101010101" pitchFamily="50" charset="-127"/>
+                <a:ea typeface="카카오 Regular" panose="020B0600000101010101" pitchFamily="50" charset="-127"/>
+              </a:rPr>
+              <a:t> 설계</a:t>
+            </a:r>
+            <a:endParaRPr lang="en-US" altLang="ko-KR" dirty="0">
+              <a:solidFill>
+                <a:schemeClr val="tx1"/>
+              </a:solidFill>
+              <a:latin typeface="카카오 Regular" panose="020B0600000101010101" pitchFamily="50" charset="-127"/>
+              <a:ea typeface="카카오 Regular" panose="020B0600000101010101" pitchFamily="50" charset="-127"/>
+            </a:endParaRPr>
+          </a:p>
+        </p:txBody>
+      </p:sp>
+      <p:sp>
+        <p:nvSpPr>
+          <p:cNvPr id="19" name="Rectangle 13">
+            <a:extLst>
+              <a:ext uri="{FF2B5EF4-FFF2-40B4-BE49-F238E27FC236}">
+                <a16:creationId xmlns:a16="http://schemas.microsoft.com/office/drawing/2014/main" id="{ED51B9D0-F004-4D82-9E26-A1948BCD6347}"/>
+              </a:ext>
+            </a:extLst>
+          </p:cNvPr>
+          <p:cNvSpPr/>
+          <p:nvPr/>
+        </p:nvSpPr>
+        <p:spPr>
+          <a:xfrm>
+            <a:off x="4884702" y="3853122"/>
+            <a:ext cx="2422596" cy="2089045"/>
+          </a:xfrm>
+          <a:prstGeom prst="rect">
+            <a:avLst/>
+          </a:prstGeom>
+          <a:solidFill>
+            <a:schemeClr val="accent4">
+              <a:lumMod val="20000"/>
+              <a:lumOff val="80000"/>
+            </a:schemeClr>
+          </a:solidFill>
+          <a:ln>
+            <a:solidFill>
+              <a:schemeClr val="accent4"/>
+            </a:solidFill>
+          </a:ln>
+        </p:spPr>
+        <p:style>
+          <a:lnRef idx="2">
+            <a:schemeClr val="accent1">
+              <a:shade val="50000"/>
+            </a:schemeClr>
+          </a:lnRef>
+          <a:fillRef idx="1">
+            <a:schemeClr val="accent1"/>
+          </a:fillRef>
+          <a:effectRef idx="0">
+            <a:schemeClr val="accent1"/>
+          </a:effectRef>
+          <a:fontRef idx="minor">
+            <a:schemeClr val="lt1"/>
+          </a:fontRef>
+        </p:style>
+        <p:txBody>
+          <a:bodyPr rtlCol="0" anchor="ctr"/>
+          <a:lstStyle/>
+          <a:p>
+            <a:pPr algn="ctr"/>
+            <a:r>
+              <a:rPr lang="en-US" altLang="ko-KR" sz="1400" dirty="0">
+                <a:solidFill>
+                  <a:schemeClr val="tx1"/>
+                </a:solidFill>
+                <a:latin typeface="카카오 Regular" panose="020B0600000101010101" pitchFamily="50" charset="-127"/>
+                <a:ea typeface="카카오 Regular" panose="020B0600000101010101" pitchFamily="50" charset="-127"/>
+              </a:rPr>
+              <a:t>17011619</a:t>
+            </a:r>
+          </a:p>
+          <a:p>
+            <a:pPr algn="ctr"/>
+            <a:r>
+              <a:rPr lang="ko-KR" altLang="en-US" sz="2000" dirty="0" err="1">
+                <a:solidFill>
+                  <a:schemeClr val="tx1"/>
+                </a:solidFill>
+                <a:latin typeface="카카오 Regular" panose="020B0600000101010101" pitchFamily="50" charset="-127"/>
+                <a:ea typeface="카카오 Regular" panose="020B0600000101010101" pitchFamily="50" charset="-127"/>
+              </a:rPr>
+              <a:t>최세윤</a:t>
+            </a:r>
+            <a:endParaRPr lang="en-US" altLang="ko-KR" sz="2000" dirty="0">
+              <a:solidFill>
+                <a:schemeClr val="tx1"/>
+              </a:solidFill>
+              <a:latin typeface="카카오 Regular" panose="020B0600000101010101" pitchFamily="50" charset="-127"/>
+              <a:ea typeface="카카오 Regular" panose="020B0600000101010101" pitchFamily="50" charset="-127"/>
+            </a:endParaRPr>
+          </a:p>
+          <a:p>
+            <a:pPr algn="ctr"/>
+            <a:endParaRPr lang="en-US" altLang="ko-KR" sz="2000" dirty="0">
+              <a:solidFill>
+                <a:schemeClr val="tx1"/>
+              </a:solidFill>
+              <a:latin typeface="카카오 Regular" panose="020B0600000101010101" pitchFamily="50" charset="-127"/>
+              <a:ea typeface="카카오 Regular" panose="020B0600000101010101" pitchFamily="50" charset="-127"/>
+            </a:endParaRPr>
+          </a:p>
+          <a:p>
+            <a:pPr algn="ctr"/>
+            <a:r>
+              <a:rPr lang="ko-KR" altLang="en-US" dirty="0">
+                <a:solidFill>
+                  <a:schemeClr val="tx1"/>
+                </a:solidFill>
+                <a:latin typeface="카카오 Regular" panose="020B0600000101010101" pitchFamily="50" charset="-127"/>
+                <a:ea typeface="카카오 Regular" panose="020B0600000101010101" pitchFamily="50" charset="-127"/>
+              </a:rPr>
+              <a:t>서비스 플랫폼 개발</a:t>
+            </a:r>
+            <a:endParaRPr lang="en-US" altLang="ko-KR" dirty="0">
+              <a:solidFill>
+                <a:schemeClr val="tx1"/>
+              </a:solidFill>
+              <a:latin typeface="카카오 Regular" panose="020B0600000101010101" pitchFamily="50" charset="-127"/>
+              <a:ea typeface="카카오 Regular" panose="020B0600000101010101" pitchFamily="50" charset="-127"/>
+            </a:endParaRPr>
+          </a:p>
+        </p:txBody>
+      </p:sp>
+      <p:sp>
+        <p:nvSpPr>
+          <p:cNvPr id="21" name="Rectangle 14">
+            <a:extLst>
+              <a:ext uri="{FF2B5EF4-FFF2-40B4-BE49-F238E27FC236}">
+                <a16:creationId xmlns:a16="http://schemas.microsoft.com/office/drawing/2014/main" id="{EC871946-0943-40CC-A194-4DBFFF30D669}"/>
+              </a:ext>
+            </a:extLst>
+          </p:cNvPr>
+          <p:cNvSpPr/>
+          <p:nvPr/>
+        </p:nvSpPr>
+        <p:spPr>
+          <a:xfrm>
+            <a:off x="7560643" y="3853121"/>
+            <a:ext cx="2422596" cy="2089045"/>
+          </a:xfrm>
+          <a:prstGeom prst="rect">
+            <a:avLst/>
+          </a:prstGeom>
+          <a:solidFill>
+            <a:schemeClr val="bg1">
+              <a:lumMod val="95000"/>
+            </a:schemeClr>
+          </a:solidFill>
+          <a:ln>
+            <a:solidFill>
+              <a:schemeClr val="bg1">
+                <a:lumMod val="65000"/>
+              </a:schemeClr>
+            </a:solidFill>
+          </a:ln>
+        </p:spPr>
+        <p:style>
+          <a:lnRef idx="2">
+            <a:schemeClr val="accent1">
+              <a:shade val="50000"/>
+            </a:schemeClr>
+          </a:lnRef>
+          <a:fillRef idx="1">
+            <a:schemeClr val="accent1"/>
+          </a:fillRef>
+          <a:effectRef idx="0">
+            <a:schemeClr val="accent1"/>
+          </a:effectRef>
+          <a:fontRef idx="minor">
+            <a:schemeClr val="lt1"/>
+          </a:fontRef>
+        </p:style>
+        <p:txBody>
+          <a:bodyPr rtlCol="0" anchor="ctr"/>
+          <a:lstStyle/>
+          <a:p>
+            <a:pPr algn="ctr"/>
+            <a:endParaRPr lang="en-US" altLang="ko-KR" sz="1400" dirty="0">
+              <a:solidFill>
+                <a:schemeClr val="tx1"/>
+              </a:solidFill>
+              <a:latin typeface="카카오 Regular" panose="020B0600000101010101" pitchFamily="50" charset="-127"/>
+              <a:ea typeface="카카오 Regular" panose="020B0600000101010101" pitchFamily="50" charset="-127"/>
+            </a:endParaRPr>
+          </a:p>
+          <a:p>
+            <a:pPr algn="ctr"/>
+            <a:endParaRPr lang="en-US" altLang="ko-KR" sz="1400" dirty="0">
+              <a:solidFill>
+                <a:schemeClr val="tx1"/>
+              </a:solidFill>
+              <a:latin typeface="카카오 Regular" panose="020B0600000101010101" pitchFamily="50" charset="-127"/>
+              <a:ea typeface="카카오 Regular" panose="020B0600000101010101" pitchFamily="50" charset="-127"/>
+            </a:endParaRPr>
+          </a:p>
+          <a:p>
+            <a:pPr algn="ctr"/>
+            <a:endParaRPr lang="en-US" altLang="ko-KR" sz="1400" dirty="0">
+              <a:solidFill>
+                <a:schemeClr val="tx1"/>
+              </a:solidFill>
+              <a:latin typeface="카카오 Regular" panose="020B0600000101010101" pitchFamily="50" charset="-127"/>
+              <a:ea typeface="카카오 Regular" panose="020B0600000101010101" pitchFamily="50" charset="-127"/>
+            </a:endParaRPr>
+          </a:p>
+          <a:p>
+            <a:pPr algn="ctr"/>
+            <a:r>
+              <a:rPr lang="en-US" altLang="ko-KR" sz="1400" dirty="0">
+                <a:solidFill>
+                  <a:schemeClr val="tx1"/>
+                </a:solidFill>
+                <a:latin typeface="카카오 Regular" panose="020B0600000101010101" pitchFamily="50" charset="-127"/>
+                <a:ea typeface="카카오 Regular" panose="020B0600000101010101" pitchFamily="50" charset="-127"/>
+              </a:rPr>
+              <a:t>17011609</a:t>
+            </a:r>
+          </a:p>
+          <a:p>
+            <a:pPr algn="ctr"/>
+            <a:r>
+              <a:rPr lang="ko-KR" altLang="en-US" sz="2000" dirty="0">
+                <a:solidFill>
+                  <a:schemeClr val="tx1"/>
+                </a:solidFill>
+                <a:latin typeface="카카오 Regular" panose="020B0600000101010101" pitchFamily="50" charset="-127"/>
+                <a:ea typeface="카카오 Regular" panose="020B0600000101010101" pitchFamily="50" charset="-127"/>
+              </a:rPr>
+              <a:t>유재현</a:t>
+            </a:r>
+            <a:endParaRPr lang="en-US" altLang="ko-KR" sz="2000" dirty="0">
+              <a:solidFill>
+                <a:schemeClr val="tx1"/>
+              </a:solidFill>
+              <a:latin typeface="카카오 Regular" panose="020B0600000101010101" pitchFamily="50" charset="-127"/>
+              <a:ea typeface="카카오 Regular" panose="020B0600000101010101" pitchFamily="50" charset="-127"/>
+            </a:endParaRPr>
+          </a:p>
+          <a:p>
+            <a:pPr algn="ctr"/>
+            <a:endParaRPr lang="en-US" altLang="ko-KR" sz="2000" dirty="0">
+              <a:solidFill>
+                <a:schemeClr val="tx1"/>
+              </a:solidFill>
+              <a:latin typeface="카카오 Regular" panose="020B0600000101010101" pitchFamily="50" charset="-127"/>
+              <a:ea typeface="카카오 Regular" panose="020B0600000101010101" pitchFamily="50" charset="-127"/>
+            </a:endParaRPr>
+          </a:p>
+          <a:p>
+            <a:pPr algn="ctr"/>
+            <a:r>
+              <a:rPr lang="ko-KR" altLang="en-US" dirty="0">
+                <a:solidFill>
+                  <a:schemeClr val="tx1"/>
+                </a:solidFill>
+                <a:latin typeface="카카오 Regular" panose="020B0600000101010101" pitchFamily="50" charset="-127"/>
+                <a:ea typeface="카카오 Regular" panose="020B0600000101010101" pitchFamily="50" charset="-127"/>
+              </a:rPr>
+              <a:t>디바이스 설계</a:t>
+            </a:r>
+            <a:r>
+              <a:rPr lang="en-US" altLang="ko-KR" dirty="0">
+                <a:solidFill>
+                  <a:schemeClr val="tx1"/>
+                </a:solidFill>
+                <a:latin typeface="카카오 Regular" panose="020B0600000101010101" pitchFamily="50" charset="-127"/>
+                <a:ea typeface="카카오 Regular" panose="020B0600000101010101" pitchFamily="50" charset="-127"/>
+              </a:rPr>
+              <a:t>,</a:t>
+            </a:r>
+            <a:r>
+              <a:rPr lang="ko-KR" altLang="en-US" dirty="0">
+                <a:solidFill>
+                  <a:schemeClr val="tx1"/>
+                </a:solidFill>
+                <a:latin typeface="카카오 Regular" panose="020B0600000101010101" pitchFamily="50" charset="-127"/>
+                <a:ea typeface="카카오 Regular" panose="020B0600000101010101" pitchFamily="50" charset="-127"/>
+              </a:rPr>
+              <a:t> </a:t>
+            </a:r>
+            <a:br>
+              <a:rPr lang="en-US" altLang="ko-KR" dirty="0">
+                <a:solidFill>
+                  <a:schemeClr val="tx1"/>
+                </a:solidFill>
+                <a:latin typeface="카카오 Regular" panose="020B0600000101010101" pitchFamily="50" charset="-127"/>
+                <a:ea typeface="카카오 Regular" panose="020B0600000101010101" pitchFamily="50" charset="-127"/>
+              </a:rPr>
+            </a:br>
+            <a:r>
+              <a:rPr lang="ko-KR" altLang="en-US" dirty="0">
+                <a:solidFill>
+                  <a:schemeClr val="tx1"/>
+                </a:solidFill>
+                <a:latin typeface="카카오 Regular" panose="020B0600000101010101" pitchFamily="50" charset="-127"/>
+                <a:ea typeface="카카오 Regular" panose="020B0600000101010101" pitchFamily="50" charset="-127"/>
+              </a:rPr>
+              <a:t>제작</a:t>
+            </a:r>
+            <a:r>
+              <a:rPr lang="en-US" altLang="ko-KR" dirty="0">
+                <a:solidFill>
+                  <a:schemeClr val="tx1"/>
+                </a:solidFill>
+                <a:latin typeface="카카오 Regular" panose="020B0600000101010101" pitchFamily="50" charset="-127"/>
+                <a:ea typeface="카카오 Regular" panose="020B0600000101010101" pitchFamily="50" charset="-127"/>
+              </a:rPr>
+              <a:t>, DB</a:t>
+            </a:r>
+            <a:r>
+              <a:rPr lang="ko-KR" altLang="en-US" dirty="0">
+                <a:solidFill>
+                  <a:schemeClr val="tx1"/>
+                </a:solidFill>
+                <a:latin typeface="카카오 Regular" panose="020B0600000101010101" pitchFamily="50" charset="-127"/>
+                <a:ea typeface="카카오 Regular" panose="020B0600000101010101" pitchFamily="50" charset="-127"/>
+              </a:rPr>
+              <a:t> 설계</a:t>
+            </a:r>
+            <a:endParaRPr lang="en-US" altLang="ko-KR" dirty="0">
+              <a:solidFill>
+                <a:schemeClr val="tx1"/>
+              </a:solidFill>
+              <a:latin typeface="카카오 Regular" panose="020B0600000101010101" pitchFamily="50" charset="-127"/>
+              <a:ea typeface="카카오 Regular" panose="020B0600000101010101" pitchFamily="50" charset="-127"/>
+            </a:endParaRPr>
+          </a:p>
+          <a:p>
+            <a:pPr algn="ctr"/>
+            <a:endParaRPr lang="en-US" altLang="ko-KR" sz="2000" dirty="0">
+              <a:solidFill>
+                <a:schemeClr val="tx1"/>
+              </a:solidFill>
+              <a:latin typeface="카카오 Regular" panose="020B0600000101010101" pitchFamily="50" charset="-127"/>
+              <a:ea typeface="카카오 Regular" panose="020B0600000101010101" pitchFamily="50" charset="-127"/>
+            </a:endParaRPr>
+          </a:p>
+          <a:p>
+            <a:pPr algn="ctr"/>
+            <a:endParaRPr lang="en-US" altLang="ko-KR" sz="2000" dirty="0">
+              <a:solidFill>
+                <a:schemeClr val="tx1"/>
+              </a:solidFill>
+              <a:latin typeface="카카오 Regular" panose="020B0600000101010101" pitchFamily="50" charset="-127"/>
+              <a:ea typeface="카카오 Regular" panose="020B0600000101010101" pitchFamily="50" charset="-127"/>
+            </a:endParaRPr>
+          </a:p>
+        </p:txBody>
+      </p:sp>
+      <p:sp>
+        <p:nvSpPr>
+          <p:cNvPr id="23" name="Rectangle 15">
+            <a:extLst>
+              <a:ext uri="{FF2B5EF4-FFF2-40B4-BE49-F238E27FC236}">
+                <a16:creationId xmlns:a16="http://schemas.microsoft.com/office/drawing/2014/main" id="{A660303B-FCE8-4CBE-83C8-AC04488A778A}"/>
+              </a:ext>
+            </a:extLst>
+          </p:cNvPr>
+          <p:cNvSpPr/>
+          <p:nvPr/>
+        </p:nvSpPr>
+        <p:spPr>
+          <a:xfrm>
+            <a:off x="4884702" y="1493870"/>
+            <a:ext cx="2422596" cy="2089045"/>
+          </a:xfrm>
+          <a:prstGeom prst="rect">
+            <a:avLst/>
+          </a:prstGeom>
+          <a:solidFill>
+            <a:schemeClr val="bg1">
+              <a:lumMod val="95000"/>
+            </a:schemeClr>
+          </a:solidFill>
+          <a:ln w="3175">
+            <a:solidFill>
+              <a:schemeClr val="bg1">
+                <a:lumMod val="65000"/>
+              </a:schemeClr>
+            </a:solidFill>
+          </a:ln>
+        </p:spPr>
+        <p:style>
+          <a:lnRef idx="2">
+            <a:schemeClr val="accent1">
+              <a:shade val="50000"/>
+            </a:schemeClr>
+          </a:lnRef>
+          <a:fillRef idx="1">
+            <a:schemeClr val="accent1"/>
+          </a:fillRef>
+          <a:effectRef idx="0">
+            <a:schemeClr val="accent1"/>
+          </a:effectRef>
+          <a:fontRef idx="minor">
+            <a:schemeClr val="lt1"/>
+          </a:fontRef>
+        </p:style>
+        <p:txBody>
+          <a:bodyPr rtlCol="0" anchor="ctr"/>
+          <a:lstStyle/>
+          <a:p>
+            <a:pPr algn="ctr"/>
+            <a:r>
+              <a:rPr lang="en-US" altLang="ko-KR" sz="1400" dirty="0">
+                <a:solidFill>
+                  <a:schemeClr val="tx1"/>
+                </a:solidFill>
+                <a:latin typeface="카카오 Regular" panose="020B0600000101010101" pitchFamily="50" charset="-127"/>
+                <a:ea typeface="카카오 Regular" panose="020B0600000101010101" pitchFamily="50" charset="-127"/>
+              </a:rPr>
+              <a:t>17011621</a:t>
+            </a:r>
+          </a:p>
+          <a:p>
+            <a:pPr algn="ctr"/>
+            <a:r>
+              <a:rPr lang="ko-KR" altLang="en-US" sz="2000" dirty="0" err="1">
+                <a:solidFill>
+                  <a:schemeClr val="tx1"/>
+                </a:solidFill>
+                <a:latin typeface="카카오 Regular" panose="020B0600000101010101" pitchFamily="50" charset="-127"/>
+                <a:ea typeface="카카오 Regular" panose="020B0600000101010101" pitchFamily="50" charset="-127"/>
+              </a:rPr>
+              <a:t>윤승구</a:t>
+            </a:r>
+            <a:endParaRPr lang="en-US" altLang="ko-KR" sz="2000" dirty="0">
+              <a:solidFill>
+                <a:schemeClr val="tx1"/>
+              </a:solidFill>
+              <a:latin typeface="카카오 Regular" panose="020B0600000101010101" pitchFamily="50" charset="-127"/>
+              <a:ea typeface="카카오 Regular" panose="020B0600000101010101" pitchFamily="50" charset="-127"/>
+            </a:endParaRPr>
+          </a:p>
+          <a:p>
+            <a:pPr algn="ctr"/>
+            <a:endParaRPr lang="en-US" altLang="ko-KR" sz="2000" dirty="0">
+              <a:solidFill>
+                <a:schemeClr val="tx1"/>
+              </a:solidFill>
+              <a:latin typeface="카카오 Regular" panose="020B0600000101010101" pitchFamily="50" charset="-127"/>
+              <a:ea typeface="카카오 Regular" panose="020B0600000101010101" pitchFamily="50" charset="-127"/>
+            </a:endParaRPr>
+          </a:p>
+          <a:p>
+            <a:pPr algn="ctr"/>
+            <a:r>
+              <a:rPr lang="ko-KR" altLang="en-US" dirty="0">
+                <a:solidFill>
+                  <a:schemeClr val="tx1"/>
+                </a:solidFill>
+                <a:latin typeface="카카오 Regular" panose="020B0600000101010101" pitchFamily="50" charset="-127"/>
+                <a:ea typeface="카카오 Regular" panose="020B0600000101010101" pitchFamily="50" charset="-127"/>
+              </a:rPr>
+              <a:t>서비스 플랫폼 개발</a:t>
+            </a:r>
+            <a:endParaRPr lang="en-US" altLang="ko-KR" dirty="0">
+              <a:solidFill>
+                <a:schemeClr val="tx1"/>
+              </a:solidFill>
+              <a:latin typeface="카카오 Regular" panose="020B0600000101010101" pitchFamily="50" charset="-127"/>
+              <a:ea typeface="카카오 Regular" panose="020B0600000101010101" pitchFamily="50" charset="-127"/>
+            </a:endParaRPr>
+          </a:p>
+        </p:txBody>
+      </p:sp>
+      <p:sp>
+        <p:nvSpPr>
+          <p:cNvPr id="25" name="Rectangle 16">
+            <a:extLst>
+              <a:ext uri="{FF2B5EF4-FFF2-40B4-BE49-F238E27FC236}">
+                <a16:creationId xmlns:a16="http://schemas.microsoft.com/office/drawing/2014/main" id="{C8633110-3662-4108-88AC-4F24F60FCD8E}"/>
+              </a:ext>
+            </a:extLst>
+          </p:cNvPr>
+          <p:cNvSpPr/>
+          <p:nvPr/>
+        </p:nvSpPr>
+        <p:spPr>
+          <a:xfrm>
+            <a:off x="7560643" y="1493870"/>
+            <a:ext cx="2422596" cy="2089045"/>
+          </a:xfrm>
+          <a:prstGeom prst="rect">
+            <a:avLst/>
+          </a:prstGeom>
+          <a:solidFill>
+            <a:schemeClr val="accent4">
+              <a:lumMod val="20000"/>
+              <a:lumOff val="80000"/>
+            </a:schemeClr>
+          </a:solidFill>
+          <a:ln>
+            <a:solidFill>
+              <a:schemeClr val="accent4"/>
+            </a:solidFill>
+          </a:ln>
+        </p:spPr>
+        <p:style>
+          <a:lnRef idx="2">
+            <a:schemeClr val="accent1">
+              <a:shade val="50000"/>
+            </a:schemeClr>
+          </a:lnRef>
+          <a:fillRef idx="1">
+            <a:schemeClr val="accent1"/>
+          </a:fillRef>
+          <a:effectRef idx="0">
+            <a:schemeClr val="accent1"/>
+          </a:effectRef>
+          <a:fontRef idx="minor">
+            <a:schemeClr val="lt1"/>
+          </a:fontRef>
+        </p:style>
+        <p:txBody>
+          <a:bodyPr rtlCol="0" anchor="ctr"/>
+          <a:lstStyle/>
+          <a:p>
+            <a:pPr algn="ctr"/>
+            <a:r>
+              <a:rPr lang="en-US" altLang="ko-KR" sz="1400" dirty="0">
+                <a:solidFill>
+                  <a:schemeClr val="tx1"/>
+                </a:solidFill>
+                <a:latin typeface="카카오 Regular" panose="020B0600000101010101" pitchFamily="50" charset="-127"/>
+                <a:ea typeface="카카오 Regular" panose="020B0600000101010101" pitchFamily="50" charset="-127"/>
+              </a:rPr>
+              <a:t>18011615</a:t>
+            </a:r>
+          </a:p>
+          <a:p>
+            <a:pPr algn="ctr"/>
+            <a:r>
+              <a:rPr lang="ko-KR" altLang="en-US" sz="2000" dirty="0">
+                <a:solidFill>
+                  <a:schemeClr val="tx1"/>
+                </a:solidFill>
+                <a:latin typeface="카카오 Regular" panose="020B0600000101010101" pitchFamily="50" charset="-127"/>
+                <a:ea typeface="카카오 Regular" panose="020B0600000101010101" pitchFamily="50" charset="-127"/>
+              </a:rPr>
+              <a:t>최재천</a:t>
+            </a:r>
+            <a:endParaRPr lang="en-US" altLang="ko-KR" sz="2000" dirty="0">
+              <a:solidFill>
+                <a:schemeClr val="tx1"/>
+              </a:solidFill>
+              <a:latin typeface="카카오 Regular" panose="020B0600000101010101" pitchFamily="50" charset="-127"/>
+              <a:ea typeface="카카오 Regular" panose="020B0600000101010101" pitchFamily="50" charset="-127"/>
+            </a:endParaRPr>
+          </a:p>
+          <a:p>
+            <a:pPr algn="ctr"/>
+            <a:endParaRPr lang="en-US" altLang="ko-KR" sz="2000" dirty="0">
+              <a:solidFill>
+                <a:schemeClr val="tx1"/>
+              </a:solidFill>
+              <a:latin typeface="카카오 Regular" panose="020B0600000101010101" pitchFamily="50" charset="-127"/>
+              <a:ea typeface="카카오 Regular" panose="020B0600000101010101" pitchFamily="50" charset="-127"/>
+            </a:endParaRPr>
+          </a:p>
+          <a:p>
+            <a:pPr algn="ctr"/>
+            <a:r>
+              <a:rPr lang="ko-KR" altLang="en-US" dirty="0">
+                <a:solidFill>
+                  <a:schemeClr val="tx1"/>
+                </a:solidFill>
+                <a:latin typeface="카카오 Regular" panose="020B0600000101010101" pitchFamily="50" charset="-127"/>
+                <a:ea typeface="카카오 Regular" panose="020B0600000101010101" pitchFamily="50" charset="-127"/>
+              </a:rPr>
+              <a:t>서비스 플랫폼 개발</a:t>
+            </a:r>
+            <a:endParaRPr lang="en-US" altLang="ko-KR" dirty="0">
+              <a:solidFill>
+                <a:schemeClr val="tx1"/>
+              </a:solidFill>
+              <a:latin typeface="카카오 Regular" panose="020B0600000101010101" pitchFamily="50" charset="-127"/>
+              <a:ea typeface="카카오 Regular" panose="020B0600000101010101" pitchFamily="50" charset="-127"/>
+            </a:endParaRPr>
+          </a:p>
+        </p:txBody>
+      </p:sp>
+    </p:spTree>
+    <p:extLst>
+      <p:ext uri="{BB962C8B-B14F-4D97-AF65-F5344CB8AC3E}">
+        <p14:creationId xmlns:p14="http://schemas.microsoft.com/office/powerpoint/2010/main" val="2207887906"/>
+      </p:ext>
+    </p:extLst>
+  </p:cSld>
+  <p:clrMapOvr>
+    <a:masterClrMapping/>
+  </p:clrMapOvr>
+  <mc:AlternateContent xmlns:mc="http://schemas.openxmlformats.org/markup-compatibility/2006">
+    <mc:Choice xmlns:p159="http://schemas.microsoft.com/office/powerpoint/2015/09/main" Requires="p159">
+      <p:transition xmlns:p14="http://schemas.microsoft.com/office/powerpoint/2010/main" spd="slow" p14:dur="2000">
+        <p159:morph option="byObject"/>
+      </p:transition>
+    </mc:Choice>
+    <mc:Fallback>
+      <p:transition spd="slow">
+        <p:fade/>
+      </p:transition>
+    </mc:Fallback>
+  </mc:AlternateContent>
+</p:sld>
+</file>
+
+<file path=ppt/slides/slide2.xml><?xml version="1.0" encoding="utf-8"?>
+<p:sld xmlns:a="http://schemas.openxmlformats.org/drawingml/2006/main" xmlns:r="http://schemas.openxmlformats.org/officeDocument/2006/relationships" xmlns:p="http://schemas.openxmlformats.org/presentationml/2006/main">
+  <p:cSld>
+    <p:spTree>
+      <p:nvGrpSpPr>
+        <p:cNvPr id="1" name=""/>
+        <p:cNvGrpSpPr/>
+        <p:nvPr/>
+      </p:nvGrpSpPr>
+      <p:grpSpPr>
+        <a:xfrm>
+          <a:off x="0" y="0"/>
+          <a:ext cx="0" cy="0"/>
+          <a:chOff x="0" y="0"/>
+          <a:chExt cx="0" cy="0"/>
+        </a:xfrm>
+      </p:grpSpPr>
+      <p:sp>
+        <p:nvSpPr>
+          <p:cNvPr id="36" name="평행 사변형 35">
+            <a:extLst>
+              <a:ext uri="{FF2B5EF4-FFF2-40B4-BE49-F238E27FC236}">
+                <a16:creationId xmlns:a16="http://schemas.microsoft.com/office/drawing/2014/main" id="{3759C22E-FE49-456A-9080-67D87E30FA65}"/>
+              </a:ext>
+            </a:extLst>
+          </p:cNvPr>
+          <p:cNvSpPr/>
+          <p:nvPr/>
+        </p:nvSpPr>
+        <p:spPr>
           <a:xfrm rot="21268823">
-            <a:off x="6831859" y="3959447"/>
+            <a:off x="6831860" y="5229295"/>
             <a:ext cx="1772210" cy="348842"/>
           </a:xfrm>
           <a:prstGeom prst="parallelogram">
@@ -5248,10 +7494,10 @@
       </p:sp>
       <p:sp>
         <p:nvSpPr>
-          <p:cNvPr id="32" name="평행 사변형 31">
-            <a:extLst>
-              <a:ext uri="{FF2B5EF4-FFF2-40B4-BE49-F238E27FC236}">
-                <a16:creationId xmlns:a16="http://schemas.microsoft.com/office/drawing/2014/main" id="{13A11176-6EB4-4EE0-8ED4-32686CB11F85}"/>
+          <p:cNvPr id="31" name="평행 사변형 30">
+            <a:extLst>
+              <a:ext uri="{FF2B5EF4-FFF2-40B4-BE49-F238E27FC236}">
+                <a16:creationId xmlns:a16="http://schemas.microsoft.com/office/drawing/2014/main" id="{A1A707E6-0D34-4952-86A6-21A3988C3135}"/>
               </a:ext>
             </a:extLst>
           </p:cNvPr>
@@ -5260,7 +7506,7 @@
         </p:nvSpPr>
         <p:spPr>
           <a:xfrm rot="21268823">
-            <a:off x="6831859" y="2696517"/>
+            <a:off x="6831859" y="3959447"/>
             <a:ext cx="1772210" cy="348842"/>
           </a:xfrm>
           <a:prstGeom prst="parallelogram">
@@ -5303,10 +7549,10 @@
       </p:sp>
       <p:sp>
         <p:nvSpPr>
-          <p:cNvPr id="33" name="평행 사변형 32">
-            <a:extLst>
-              <a:ext uri="{FF2B5EF4-FFF2-40B4-BE49-F238E27FC236}">
-                <a16:creationId xmlns:a16="http://schemas.microsoft.com/office/drawing/2014/main" id="{9DE591FC-343F-4A8B-8F3A-D357AD24DB64}"/>
+          <p:cNvPr id="32" name="평행 사변형 31">
+            <a:extLst>
+              <a:ext uri="{FF2B5EF4-FFF2-40B4-BE49-F238E27FC236}">
+                <a16:creationId xmlns:a16="http://schemas.microsoft.com/office/drawing/2014/main" id="{13A11176-6EB4-4EE0-8ED4-32686CB11F85}"/>
               </a:ext>
             </a:extLst>
           </p:cNvPr>
@@ -5315,7 +7561,7 @@
         </p:nvSpPr>
         <p:spPr>
           <a:xfrm rot="21268823">
-            <a:off x="3569223" y="2696517"/>
+            <a:off x="6831859" y="2696517"/>
             <a:ext cx="1772210" cy="348842"/>
           </a:xfrm>
           <a:prstGeom prst="parallelogram">
@@ -5358,10 +7604,10 @@
       </p:sp>
       <p:sp>
         <p:nvSpPr>
-          <p:cNvPr id="34" name="평행 사변형 33">
-            <a:extLst>
-              <a:ext uri="{FF2B5EF4-FFF2-40B4-BE49-F238E27FC236}">
-                <a16:creationId xmlns:a16="http://schemas.microsoft.com/office/drawing/2014/main" id="{DCAFB29F-8C57-4D38-92D3-B1B9170D825D}"/>
+          <p:cNvPr id="33" name="평행 사변형 32">
+            <a:extLst>
+              <a:ext uri="{FF2B5EF4-FFF2-40B4-BE49-F238E27FC236}">
+                <a16:creationId xmlns:a16="http://schemas.microsoft.com/office/drawing/2014/main" id="{9DE591FC-343F-4A8B-8F3A-D357AD24DB64}"/>
               </a:ext>
             </a:extLst>
           </p:cNvPr>
@@ -5370,7 +7616,7 @@
         </p:nvSpPr>
         <p:spPr>
           <a:xfrm rot="21268823">
-            <a:off x="3569223" y="3965799"/>
+            <a:off x="3569223" y="2696517"/>
             <a:ext cx="1772210" cy="348842"/>
           </a:xfrm>
           <a:prstGeom prst="parallelogram">
@@ -5413,10 +7659,10 @@
       </p:sp>
       <p:sp>
         <p:nvSpPr>
-          <p:cNvPr id="35" name="평행 사변형 34">
-            <a:extLst>
-              <a:ext uri="{FF2B5EF4-FFF2-40B4-BE49-F238E27FC236}">
-                <a16:creationId xmlns:a16="http://schemas.microsoft.com/office/drawing/2014/main" id="{E469DE95-A062-4B19-8385-31C7A979571C}"/>
+          <p:cNvPr id="34" name="평행 사변형 33">
+            <a:extLst>
+              <a:ext uri="{FF2B5EF4-FFF2-40B4-BE49-F238E27FC236}">
+                <a16:creationId xmlns:a16="http://schemas.microsoft.com/office/drawing/2014/main" id="{DCAFB29F-8C57-4D38-92D3-B1B9170D825D}"/>
               </a:ext>
             </a:extLst>
           </p:cNvPr>
@@ -5425,7 +7671,7 @@
         </p:nvSpPr>
         <p:spPr>
           <a:xfrm rot="21268823">
-            <a:off x="3569223" y="5229295"/>
+            <a:off x="3569223" y="3965799"/>
             <a:ext cx="1772210" cy="348842"/>
           </a:xfrm>
           <a:prstGeom prst="parallelogram">
@@ -5468,6 +7714,61 @@
       </p:sp>
       <p:sp>
         <p:nvSpPr>
+          <p:cNvPr id="35" name="평행 사변형 34">
+            <a:extLst>
+              <a:ext uri="{FF2B5EF4-FFF2-40B4-BE49-F238E27FC236}">
+                <a16:creationId xmlns:a16="http://schemas.microsoft.com/office/drawing/2014/main" id="{E469DE95-A062-4B19-8385-31C7A979571C}"/>
+              </a:ext>
+            </a:extLst>
+          </p:cNvPr>
+          <p:cNvSpPr/>
+          <p:nvPr/>
+        </p:nvSpPr>
+        <p:spPr>
+          <a:xfrm rot="21268823">
+            <a:off x="3569223" y="5229295"/>
+            <a:ext cx="1772210" cy="348842"/>
+          </a:xfrm>
+          <a:prstGeom prst="parallelogram">
+            <a:avLst/>
+          </a:prstGeom>
+          <a:solidFill>
+            <a:schemeClr val="accent4">
+              <a:lumMod val="40000"/>
+              <a:lumOff val="60000"/>
+            </a:schemeClr>
+          </a:solidFill>
+          <a:ln>
+            <a:noFill/>
+          </a:ln>
+        </p:spPr>
+        <p:style>
+          <a:lnRef idx="2">
+            <a:schemeClr val="accent1">
+              <a:shade val="50000"/>
+            </a:schemeClr>
+          </a:lnRef>
+          <a:fillRef idx="1">
+            <a:schemeClr val="accent1"/>
+          </a:fillRef>
+          <a:effectRef idx="0">
+            <a:schemeClr val="accent1"/>
+          </a:effectRef>
+          <a:fontRef idx="minor">
+            <a:schemeClr val="lt1"/>
+          </a:fontRef>
+        </p:style>
+        <p:txBody>
+          <a:bodyPr rtlCol="0" anchor="ctr"/>
+          <a:lstStyle/>
+          <a:p>
+            <a:pPr algn="ctr"/>
+            <a:endParaRPr lang="ko-KR" altLang="en-US"/>
+          </a:p>
+        </p:txBody>
+      </p:sp>
+      <p:sp>
+        <p:nvSpPr>
           <p:cNvPr id="9" name="TextBox 8">
             <a:extLst>
               <a:ext uri="{FF2B5EF4-FFF2-40B4-BE49-F238E27FC236}">
@@ -6107,8 +8408,8 @@
         </p:nvSpPr>
         <p:spPr>
           <a:xfrm>
-            <a:off x="3478141" y="2684732"/>
-            <a:ext cx="1954382" cy="369332"/>
+            <a:off x="3787523" y="2684732"/>
+            <a:ext cx="1335623" cy="369332"/>
           </a:xfrm>
           <a:prstGeom prst="rect">
             <a:avLst/>
@@ -6127,7 +8428,7 @@
                 <a:latin typeface="카카오 Regular" panose="020B0600000101010101" pitchFamily="50" charset="-127"/>
                 <a:ea typeface="카카오 Regular" panose="020B0600000101010101" pitchFamily="50" charset="-127"/>
               </a:rPr>
-              <a:t>Project Overview</a:t>
+              <a:t>Motivation</a:t>
             </a:r>
             <a:endParaRPr lang="ko-KR" altLang="en-US" dirty="0">
               <a:latin typeface="카카오 Regular" panose="020B0600000101010101" pitchFamily="50" charset="-127"/>
@@ -6150,8 +8451,8 @@
         </p:nvSpPr>
         <p:spPr>
           <a:xfrm>
-            <a:off x="7068862" y="2684732"/>
-            <a:ext cx="1335623" cy="369332"/>
+            <a:off x="6759485" y="2684732"/>
+            <a:ext cx="1954382" cy="369332"/>
           </a:xfrm>
           <a:prstGeom prst="rect">
             <a:avLst/>
@@ -6170,7 +8471,7 @@
                 <a:latin typeface="카카오 Regular" panose="020B0600000101010101" pitchFamily="50" charset="-127"/>
                 <a:ea typeface="카카오 Regular" panose="020B0600000101010101" pitchFamily="50" charset="-127"/>
               </a:rPr>
-              <a:t>Motivation</a:t>
+              <a:t>Project Overview</a:t>
             </a:r>
             <a:endParaRPr lang="ko-KR" altLang="en-US" dirty="0">
               <a:latin typeface="카카오 Regular" panose="020B0600000101010101" pitchFamily="50" charset="-127"/>
@@ -6361,6 +8662,18 @@
   <p:clrMapOvr>
     <a:masterClrMapping/>
   </p:clrMapOvr>
+  <mc:AlternateContent xmlns:mc="http://schemas.openxmlformats.org/markup-compatibility/2006">
+    <mc:Choice xmlns:p14="http://schemas.microsoft.com/office/powerpoint/2010/main" Requires="p14">
+      <p:transition spd="med" p14:dur="700">
+        <p:fade/>
+      </p:transition>
+    </mc:Choice>
+    <mc:Fallback>
+      <p:transition spd="med">
+        <p:fade/>
+      </p:transition>
+    </mc:Fallback>
+  </mc:AlternateContent>
 </p:sld>
 </file>
 
@@ -6750,7 +9063,7 @@
                   <a:latin typeface="카카오 Regular" panose="020B0600000101010101" pitchFamily="50" charset="-127"/>
                   <a:ea typeface="카카오 Regular" panose="020B0600000101010101" pitchFamily="50" charset="-127"/>
                 </a:rPr>
-                <a:t>02</a:t>
+                <a:t>01</a:t>
               </a:r>
               <a:endParaRPr lang="ko-KR" altLang="en-US" sz="4000" b="1" dirty="0">
                 <a:solidFill>
@@ -6946,6 +9259,18 @@
   <p:clrMapOvr>
     <a:masterClrMapping/>
   </p:clrMapOvr>
+  <mc:AlternateContent xmlns:mc="http://schemas.openxmlformats.org/markup-compatibility/2006">
+    <mc:Choice xmlns:p159="http://schemas.microsoft.com/office/powerpoint/2015/09/main" Requires="p159">
+      <p:transition xmlns:p14="http://schemas.microsoft.com/office/powerpoint/2010/main" spd="slow" p14:dur="2000">
+        <p159:morph option="byObject"/>
+      </p:transition>
+    </mc:Choice>
+    <mc:Fallback>
+      <p:transition spd="slow">
+        <p:fade/>
+      </p:transition>
+    </mc:Fallback>
+  </mc:AlternateContent>
 </p:sld>
 </file>
 
@@ -7522,7 +9847,7 @@
                   <a:latin typeface="카카오 Regular" panose="020B0600000101010101" pitchFamily="50" charset="-127"/>
                   <a:ea typeface="카카오 Regular" panose="020B0600000101010101" pitchFamily="50" charset="-127"/>
                 </a:rPr>
-                <a:t>02</a:t>
+                <a:t>01</a:t>
               </a:r>
               <a:endParaRPr lang="ko-KR" altLang="en-US" sz="4000" b="1" dirty="0">
                 <a:solidFill>
@@ -7547,6 +9872,18 @@
   <p:clrMapOvr>
     <a:masterClrMapping/>
   </p:clrMapOvr>
+  <mc:AlternateContent xmlns:mc="http://schemas.openxmlformats.org/markup-compatibility/2006">
+    <mc:Choice xmlns:p159="http://schemas.microsoft.com/office/powerpoint/2015/09/main" Requires="p159">
+      <p:transition xmlns:p14="http://schemas.microsoft.com/office/powerpoint/2010/main" spd="slow" p14:dur="2000">
+        <p159:morph option="byObject"/>
+      </p:transition>
+    </mc:Choice>
+    <mc:Fallback>
+      <p:transition spd="slow">
+        <p:fade/>
+      </p:transition>
+    </mc:Fallback>
+  </mc:AlternateContent>
 </p:sld>
 </file>
 
@@ -7761,7 +10098,7 @@
         </p:nvSpPr>
         <p:spPr>
           <a:xfrm>
-            <a:off x="6386687" y="2020922"/>
+            <a:off x="6386687" y="2158574"/>
             <a:ext cx="3892411" cy="2816156"/>
           </a:xfrm>
           <a:prstGeom prst="rect">
@@ -7972,7 +10309,7 @@
         </p:blipFill>
         <p:spPr>
           <a:xfrm>
-            <a:off x="1176734" y="1876836"/>
+            <a:off x="1176734" y="2014488"/>
             <a:ext cx="4568557" cy="3104328"/>
           </a:xfrm>
           <a:prstGeom prst="rect">
@@ -8175,7 +10512,7 @@
                   <a:latin typeface="카카오 Regular" panose="020B0600000101010101" pitchFamily="50" charset="-127"/>
                   <a:ea typeface="카카오 Regular" panose="020B0600000101010101" pitchFamily="50" charset="-127"/>
                 </a:rPr>
-                <a:t>02</a:t>
+                <a:t>01</a:t>
               </a:r>
               <a:endParaRPr lang="ko-KR" altLang="en-US" sz="4000" b="1" dirty="0">
                 <a:solidFill>
@@ -8200,6 +10537,18 @@
   <p:clrMapOvr>
     <a:masterClrMapping/>
   </p:clrMapOvr>
+  <mc:AlternateContent xmlns:mc="http://schemas.openxmlformats.org/markup-compatibility/2006">
+    <mc:Choice xmlns:p159="http://schemas.microsoft.com/office/powerpoint/2015/09/main" Requires="p159">
+      <p:transition xmlns:p14="http://schemas.microsoft.com/office/powerpoint/2010/main" spd="slow" p14:dur="2000">
+        <p159:morph option="byObject"/>
+      </p:transition>
+    </mc:Choice>
+    <mc:Fallback>
+      <p:transition spd="slow">
+        <p:fade/>
+      </p:transition>
+    </mc:Fallback>
+  </mc:AlternateContent>
 </p:sld>
 </file>
 
@@ -9422,7 +11771,7 @@
                   <a:latin typeface="카카오 Regular" panose="020B0600000101010101" pitchFamily="50" charset="-127"/>
                   <a:ea typeface="카카오 Regular" panose="020B0600000101010101" pitchFamily="50" charset="-127"/>
                 </a:rPr>
-                <a:t>02</a:t>
+                <a:t>01</a:t>
               </a:r>
               <a:endParaRPr lang="ko-KR" altLang="en-US" sz="4000" b="1" dirty="0">
                 <a:solidFill>
@@ -9447,6 +11796,18 @@
   <p:clrMapOvr>
     <a:masterClrMapping/>
   </p:clrMapOvr>
+  <mc:AlternateContent xmlns:mc="http://schemas.openxmlformats.org/markup-compatibility/2006">
+    <mc:Choice xmlns:p159="http://schemas.microsoft.com/office/powerpoint/2015/09/main" Requires="p159">
+      <p:transition xmlns:p14="http://schemas.microsoft.com/office/powerpoint/2010/main" spd="slow" p14:dur="2000">
+        <p159:morph option="byObject"/>
+      </p:transition>
+    </mc:Choice>
+    <mc:Fallback>
+      <p:transition spd="slow">
+        <p:fade/>
+      </p:transition>
+    </mc:Fallback>
+  </mc:AlternateContent>
 </p:sld>
 </file>
 
@@ -10001,7 +12362,7 @@
                   <a:latin typeface="카카오 Regular" panose="020B0600000101010101" pitchFamily="50" charset="-127"/>
                   <a:ea typeface="카카오 Regular" panose="020B0600000101010101" pitchFamily="50" charset="-127"/>
                 </a:rPr>
-                <a:t>02</a:t>
+                <a:t>01</a:t>
               </a:r>
               <a:endParaRPr lang="ko-KR" altLang="en-US" sz="4000" b="1" dirty="0">
                 <a:solidFill>
@@ -10119,6 +12480,1693 @@
   <p:clrMapOvr>
     <a:masterClrMapping/>
   </p:clrMapOvr>
+  <mc:AlternateContent xmlns:mc="http://schemas.openxmlformats.org/markup-compatibility/2006">
+    <mc:Choice xmlns:p159="http://schemas.microsoft.com/office/powerpoint/2015/09/main" Requires="p159">
+      <p:transition xmlns:p14="http://schemas.microsoft.com/office/powerpoint/2010/main" spd="slow" p14:dur="2000">
+        <p159:morph option="byObject"/>
+      </p:transition>
+    </mc:Choice>
+    <mc:Fallback>
+      <p:transition spd="slow">
+        <p:fade/>
+      </p:transition>
+    </mc:Fallback>
+  </mc:AlternateContent>
+</p:sld>
+</file>
+
+<file path=ppt/slides/slide8.xml><?xml version="1.0" encoding="utf-8"?>
+<p:sld xmlns:a="http://schemas.openxmlformats.org/drawingml/2006/main" xmlns:r="http://schemas.openxmlformats.org/officeDocument/2006/relationships" xmlns:p="http://schemas.openxmlformats.org/presentationml/2006/main">
+  <p:cSld>
+    <p:spTree>
+      <p:nvGrpSpPr>
+        <p:cNvPr id="1" name=""/>
+        <p:cNvGrpSpPr/>
+        <p:nvPr/>
+      </p:nvGrpSpPr>
+      <p:grpSpPr>
+        <a:xfrm>
+          <a:off x="0" y="0"/>
+          <a:ext cx="0" cy="0"/>
+          <a:chOff x="0" y="0"/>
+          <a:chExt cx="0" cy="0"/>
+        </a:xfrm>
+      </p:grpSpPr>
+      <p:sp>
+        <p:nvSpPr>
+          <p:cNvPr id="5" name="TextBox 4">
+            <a:extLst>
+              <a:ext uri="{FF2B5EF4-FFF2-40B4-BE49-F238E27FC236}">
+                <a16:creationId xmlns:a16="http://schemas.microsoft.com/office/drawing/2014/main" id="{6E086EDC-E3E0-4259-82E3-0F0A4B099474}"/>
+              </a:ext>
+            </a:extLst>
+          </p:cNvPr>
+          <p:cNvSpPr txBox="1"/>
+          <p:nvPr/>
+        </p:nvSpPr>
+        <p:spPr>
+          <a:xfrm>
+            <a:off x="11625296" y="6453051"/>
+            <a:ext cx="479618" cy="307777"/>
+          </a:xfrm>
+          <a:prstGeom prst="rect">
+            <a:avLst/>
+          </a:prstGeom>
+          <a:noFill/>
+        </p:spPr>
+        <p:txBody>
+          <a:bodyPr wrap="none" rtlCol="0">
+            <a:spAutoFit/>
+          </a:bodyPr>
+          <a:lstStyle/>
+          <a:p>
+            <a:pPr algn="r"/>
+            <a:r>
+              <a:rPr lang="en-US" altLang="ko-KR" sz="1400" dirty="0">
+                <a:solidFill>
+                  <a:schemeClr val="tx1">
+                    <a:lumMod val="50000"/>
+                    <a:lumOff val="50000"/>
+                  </a:schemeClr>
+                </a:solidFill>
+                <a:latin typeface="카카오 Regular" panose="020B0600000101010101" pitchFamily="50" charset="-127"/>
+                <a:ea typeface="카카오 Regular" panose="020B0600000101010101" pitchFamily="50" charset="-127"/>
+              </a:rPr>
+              <a:t>p. 8</a:t>
+            </a:r>
+            <a:endParaRPr lang="ko-KR" altLang="en-US" sz="1400" dirty="0">
+              <a:solidFill>
+                <a:schemeClr val="tx1">
+                  <a:lumMod val="50000"/>
+                  <a:lumOff val="50000"/>
+                </a:schemeClr>
+              </a:solidFill>
+              <a:latin typeface="카카오 Regular" panose="020B0600000101010101" pitchFamily="50" charset="-127"/>
+              <a:ea typeface="카카오 Regular" panose="020B0600000101010101" pitchFamily="50" charset="-127"/>
+            </a:endParaRPr>
+          </a:p>
+        </p:txBody>
+      </p:sp>
+      <p:sp>
+        <p:nvSpPr>
+          <p:cNvPr id="7" name="TextBox 6">
+            <a:extLst>
+              <a:ext uri="{FF2B5EF4-FFF2-40B4-BE49-F238E27FC236}">
+                <a16:creationId xmlns:a16="http://schemas.microsoft.com/office/drawing/2014/main" id="{03419796-EE88-447D-8A4C-28CDD4F9B15F}"/>
+              </a:ext>
+            </a:extLst>
+          </p:cNvPr>
+          <p:cNvSpPr txBox="1"/>
+          <p:nvPr/>
+        </p:nvSpPr>
+        <p:spPr>
+          <a:xfrm>
+            <a:off x="87086" y="6453051"/>
+            <a:ext cx="1356462" cy="307777"/>
+          </a:xfrm>
+          <a:prstGeom prst="rect">
+            <a:avLst/>
+          </a:prstGeom>
+          <a:noFill/>
+        </p:spPr>
+        <p:txBody>
+          <a:bodyPr wrap="none" rtlCol="0">
+            <a:spAutoFit/>
+          </a:bodyPr>
+          <a:lstStyle/>
+          <a:p>
+            <a:r>
+              <a:rPr lang="ko-KR" altLang="en-US" sz="1400" dirty="0">
+                <a:solidFill>
+                  <a:schemeClr val="tx1">
+                    <a:lumMod val="50000"/>
+                    <a:lumOff val="50000"/>
+                  </a:schemeClr>
+                </a:solidFill>
+                <a:latin typeface="카카오 Regular" panose="020B0600000101010101" pitchFamily="50" charset="-127"/>
+                <a:ea typeface="카카오 Regular" panose="020B0600000101010101" pitchFamily="50" charset="-127"/>
+              </a:rPr>
+              <a:t>오픈소스</a:t>
+            </a:r>
+            <a:r>
+              <a:rPr lang="en-US" altLang="ko-KR" sz="1400" dirty="0">
+                <a:solidFill>
+                  <a:schemeClr val="tx1">
+                    <a:lumMod val="50000"/>
+                    <a:lumOff val="50000"/>
+                  </a:schemeClr>
+                </a:solidFill>
+                <a:latin typeface="카카오 Regular" panose="020B0600000101010101" pitchFamily="50" charset="-127"/>
+                <a:ea typeface="카카오 Regular" panose="020B0600000101010101" pitchFamily="50" charset="-127"/>
+              </a:rPr>
+              <a:t>SW</a:t>
+            </a:r>
+            <a:r>
+              <a:rPr lang="ko-KR" altLang="en-US" sz="1400" dirty="0">
+                <a:solidFill>
+                  <a:schemeClr val="tx1">
+                    <a:lumMod val="50000"/>
+                    <a:lumOff val="50000"/>
+                  </a:schemeClr>
+                </a:solidFill>
+                <a:latin typeface="카카오 Regular" panose="020B0600000101010101" pitchFamily="50" charset="-127"/>
+                <a:ea typeface="카카오 Regular" panose="020B0600000101010101" pitchFamily="50" charset="-127"/>
+              </a:rPr>
+              <a:t>설계</a:t>
+            </a:r>
+          </a:p>
+        </p:txBody>
+      </p:sp>
+      <p:sp>
+        <p:nvSpPr>
+          <p:cNvPr id="9" name="TextBox 8">
+            <a:extLst>
+              <a:ext uri="{FF2B5EF4-FFF2-40B4-BE49-F238E27FC236}">
+                <a16:creationId xmlns:a16="http://schemas.microsoft.com/office/drawing/2014/main" id="{09FCA254-1991-4472-9673-BEDA28FDF855}"/>
+              </a:ext>
+            </a:extLst>
+          </p:cNvPr>
+          <p:cNvSpPr txBox="1"/>
+          <p:nvPr/>
+        </p:nvSpPr>
+        <p:spPr>
+          <a:xfrm>
+            <a:off x="5508339" y="6453051"/>
+            <a:ext cx="1175322" cy="307777"/>
+          </a:xfrm>
+          <a:prstGeom prst="rect">
+            <a:avLst/>
+          </a:prstGeom>
+          <a:noFill/>
+        </p:spPr>
+        <p:txBody>
+          <a:bodyPr wrap="none" rtlCol="0">
+            <a:spAutoFit/>
+          </a:bodyPr>
+          <a:lstStyle/>
+          <a:p>
+            <a:pPr algn="ctr"/>
+            <a:r>
+              <a:rPr lang="en-US" altLang="ko-KR" sz="1400" dirty="0">
+                <a:solidFill>
+                  <a:schemeClr val="tx1">
+                    <a:lumMod val="50000"/>
+                    <a:lumOff val="50000"/>
+                  </a:schemeClr>
+                </a:solidFill>
+                <a:latin typeface="카카오 Regular" panose="020B0600000101010101" pitchFamily="50" charset="-127"/>
+                <a:ea typeface="카카오 Regular" panose="020B0600000101010101" pitchFamily="50" charset="-127"/>
+              </a:rPr>
+              <a:t>2020.10.30.</a:t>
+            </a:r>
+            <a:endParaRPr lang="ko-KR" altLang="en-US" sz="1400" dirty="0">
+              <a:solidFill>
+                <a:schemeClr val="tx1">
+                  <a:lumMod val="50000"/>
+                  <a:lumOff val="50000"/>
+                </a:schemeClr>
+              </a:solidFill>
+              <a:latin typeface="카카오 Regular" panose="020B0600000101010101" pitchFamily="50" charset="-127"/>
+              <a:ea typeface="카카오 Regular" panose="020B0600000101010101" pitchFamily="50" charset="-127"/>
+            </a:endParaRPr>
+          </a:p>
+        </p:txBody>
+      </p:sp>
+      <p:sp>
+        <p:nvSpPr>
+          <p:cNvPr id="11" name="평행 사변형 10">
+            <a:extLst>
+              <a:ext uri="{FF2B5EF4-FFF2-40B4-BE49-F238E27FC236}">
+                <a16:creationId xmlns:a16="http://schemas.microsoft.com/office/drawing/2014/main" id="{EF333660-1E3A-49A7-B8EE-42609C41BC44}"/>
+              </a:ext>
+            </a:extLst>
+          </p:cNvPr>
+          <p:cNvSpPr/>
+          <p:nvPr/>
+        </p:nvSpPr>
+        <p:spPr>
+          <a:xfrm rot="21268823">
+            <a:off x="1315661" y="316342"/>
+            <a:ext cx="3873282" cy="584961"/>
+          </a:xfrm>
+          <a:prstGeom prst="parallelogram">
+            <a:avLst/>
+          </a:prstGeom>
+          <a:solidFill>
+            <a:schemeClr val="accent4">
+              <a:lumMod val="40000"/>
+              <a:lumOff val="60000"/>
+            </a:schemeClr>
+          </a:solidFill>
+          <a:ln>
+            <a:noFill/>
+          </a:ln>
+        </p:spPr>
+        <p:style>
+          <a:lnRef idx="2">
+            <a:schemeClr val="accent1">
+              <a:shade val="50000"/>
+            </a:schemeClr>
+          </a:lnRef>
+          <a:fillRef idx="1">
+            <a:schemeClr val="accent1"/>
+          </a:fillRef>
+          <a:effectRef idx="0">
+            <a:schemeClr val="accent1"/>
+          </a:effectRef>
+          <a:fontRef idx="minor">
+            <a:schemeClr val="lt1"/>
+          </a:fontRef>
+        </p:style>
+        <p:txBody>
+          <a:bodyPr rtlCol="0" anchor="ctr"/>
+          <a:lstStyle/>
+          <a:p>
+            <a:pPr algn="ctr"/>
+            <a:endParaRPr lang="ko-KR" altLang="en-US"/>
+          </a:p>
+        </p:txBody>
+      </p:sp>
+      <p:sp>
+        <p:nvSpPr>
+          <p:cNvPr id="13" name="제목 1">
+            <a:extLst>
+              <a:ext uri="{FF2B5EF4-FFF2-40B4-BE49-F238E27FC236}">
+                <a16:creationId xmlns:a16="http://schemas.microsoft.com/office/drawing/2014/main" id="{FB20B2FE-F735-4C26-A431-AE72D06C229E}"/>
+              </a:ext>
+            </a:extLst>
+          </p:cNvPr>
+          <p:cNvSpPr txBox="1">
+            <a:spLocks/>
+          </p:cNvSpPr>
+          <p:nvPr/>
+        </p:nvSpPr>
+        <p:spPr>
+          <a:xfrm>
+            <a:off x="1296507" y="216796"/>
+            <a:ext cx="4012912" cy="832711"/>
+          </a:xfrm>
+          <a:prstGeom prst="rect">
+            <a:avLst/>
+          </a:prstGeom>
+          <a:noFill/>
+        </p:spPr>
+        <p:txBody>
+          <a:bodyPr vert="horz" lIns="91440" tIns="45720" rIns="91440" bIns="45720" rtlCol="0" anchor="ctr">
+            <a:normAutofit fontScale="85000" lnSpcReduction="10000"/>
+          </a:bodyPr>
+          <a:lstStyle>
+            <a:lvl1pPr algn="l" defTabSz="914400" rtl="0" eaLnBrk="1" latinLnBrk="1" hangingPunct="1">
+              <a:lnSpc>
+                <a:spcPct val="90000"/>
+              </a:lnSpc>
+              <a:spcBef>
+                <a:spcPct val="0"/>
+              </a:spcBef>
+              <a:buNone/>
+              <a:defRPr sz="4400" kern="1200">
+                <a:solidFill>
+                  <a:schemeClr val="tx1"/>
+                </a:solidFill>
+                <a:latin typeface="+mj-lt"/>
+                <a:ea typeface="+mj-ea"/>
+                <a:cs typeface="+mj-cs"/>
+              </a:defRPr>
+            </a:lvl1pPr>
+          </a:lstStyle>
+          <a:p>
+            <a:pPr algn="dist"/>
+            <a:r>
+              <a:rPr lang="en-US" altLang="ko-KR" dirty="0">
+                <a:solidFill>
+                  <a:schemeClr val="tx1">
+                    <a:lumMod val="85000"/>
+                    <a:lumOff val="15000"/>
+                  </a:schemeClr>
+                </a:solidFill>
+                <a:latin typeface="카카오 Regular" panose="020B0600000101010101" pitchFamily="50" charset="-127"/>
+                <a:ea typeface="카카오 Regular" panose="020B0600000101010101" pitchFamily="50" charset="-127"/>
+              </a:rPr>
+              <a:t>Project</a:t>
+            </a:r>
+            <a:r>
+              <a:rPr lang="ko-KR" altLang="en-US" dirty="0">
+                <a:solidFill>
+                  <a:schemeClr val="tx1">
+                    <a:lumMod val="85000"/>
+                    <a:lumOff val="15000"/>
+                  </a:schemeClr>
+                </a:solidFill>
+                <a:latin typeface="카카오 Regular" panose="020B0600000101010101" pitchFamily="50" charset="-127"/>
+                <a:ea typeface="카카오 Regular" panose="020B0600000101010101" pitchFamily="50" charset="-127"/>
+              </a:rPr>
+              <a:t> </a:t>
+            </a:r>
+            <a:r>
+              <a:rPr lang="en-US" altLang="ko-KR" dirty="0">
+                <a:solidFill>
+                  <a:schemeClr val="tx1">
+                    <a:lumMod val="85000"/>
+                    <a:lumOff val="15000"/>
+                  </a:schemeClr>
+                </a:solidFill>
+                <a:latin typeface="카카오 Regular" panose="020B0600000101010101" pitchFamily="50" charset="-127"/>
+                <a:ea typeface="카카오 Regular" panose="020B0600000101010101" pitchFamily="50" charset="-127"/>
+              </a:rPr>
+              <a:t>Overview</a:t>
+            </a:r>
+            <a:endParaRPr lang="ko-KR" altLang="en-US" dirty="0">
+              <a:solidFill>
+                <a:schemeClr val="tx1">
+                  <a:lumMod val="85000"/>
+                  <a:lumOff val="15000"/>
+                </a:schemeClr>
+              </a:solidFill>
+              <a:latin typeface="카카오 Regular" panose="020B0600000101010101" pitchFamily="50" charset="-127"/>
+              <a:ea typeface="카카오 Regular" panose="020B0600000101010101" pitchFamily="50" charset="-127"/>
+            </a:endParaRPr>
+          </a:p>
+        </p:txBody>
+      </p:sp>
+      <p:sp>
+        <p:nvSpPr>
+          <p:cNvPr id="15" name="TextBox 14">
+            <a:extLst>
+              <a:ext uri="{FF2B5EF4-FFF2-40B4-BE49-F238E27FC236}">
+                <a16:creationId xmlns:a16="http://schemas.microsoft.com/office/drawing/2014/main" id="{54835B22-73C2-4342-ABDB-6AEBFA076FF8}"/>
+              </a:ext>
+            </a:extLst>
+          </p:cNvPr>
+          <p:cNvSpPr txBox="1"/>
+          <p:nvPr/>
+        </p:nvSpPr>
+        <p:spPr>
+          <a:xfrm>
+            <a:off x="271174" y="279208"/>
+            <a:ext cx="879564" cy="707886"/>
+          </a:xfrm>
+          <a:prstGeom prst="rect">
+            <a:avLst/>
+          </a:prstGeom>
+          <a:noFill/>
+        </p:spPr>
+        <p:txBody>
+          <a:bodyPr wrap="square" rtlCol="0">
+            <a:spAutoFit/>
+          </a:bodyPr>
+          <a:lstStyle/>
+          <a:p>
+            <a:pPr algn="dist"/>
+            <a:r>
+              <a:rPr lang="en-US" altLang="ko-KR" sz="4000" b="1" dirty="0">
+                <a:solidFill>
+                  <a:schemeClr val="bg1">
+                    <a:lumMod val="50000"/>
+                  </a:schemeClr>
+                </a:solidFill>
+                <a:latin typeface="카카오 Regular" panose="020B0600000101010101" pitchFamily="50" charset="-127"/>
+                <a:ea typeface="카카오 Regular" panose="020B0600000101010101" pitchFamily="50" charset="-127"/>
+              </a:rPr>
+              <a:t>02</a:t>
+            </a:r>
+            <a:endParaRPr lang="ko-KR" altLang="en-US" sz="4000" b="1" dirty="0">
+              <a:solidFill>
+                <a:schemeClr val="bg1">
+                  <a:lumMod val="50000"/>
+                </a:schemeClr>
+              </a:solidFill>
+              <a:latin typeface="카카오 Regular" panose="020B0600000101010101" pitchFamily="50" charset="-127"/>
+              <a:ea typeface="카카오 Regular" panose="020B0600000101010101" pitchFamily="50" charset="-127"/>
+            </a:endParaRPr>
+          </a:p>
+        </p:txBody>
+      </p:sp>
+      <p:pic>
+        <p:nvPicPr>
+          <p:cNvPr id="1026" name="Picture 2" descr="Hand Sanitizer Gel - Free image on Pixabay">
+            <a:extLst>
+              <a:ext uri="{FF2B5EF4-FFF2-40B4-BE49-F238E27FC236}">
+                <a16:creationId xmlns:a16="http://schemas.microsoft.com/office/drawing/2014/main" id="{6EAD667D-B37A-466E-8B80-6F0C52DCEF5F}"/>
+              </a:ext>
+            </a:extLst>
+          </p:cNvPr>
+          <p:cNvPicPr>
+            <a:picLocks noChangeAspect="1" noChangeArrowheads="1"/>
+          </p:cNvPicPr>
+          <p:nvPr/>
+        </p:nvPicPr>
+        <p:blipFill>
+          <a:blip r:embed="rId3">
+            <a:extLst>
+              <a:ext uri="{28A0092B-C50C-407E-A947-70E740481C1C}">
+                <a14:useLocalDpi xmlns:a14="http://schemas.microsoft.com/office/drawing/2010/main" val="0"/>
+              </a:ext>
+            </a:extLst>
+          </a:blip>
+          <a:srcRect/>
+          <a:stretch>
+            <a:fillRect/>
+          </a:stretch>
+        </p:blipFill>
+        <p:spPr bwMode="auto">
+          <a:xfrm>
+            <a:off x="1024788" y="1828799"/>
+            <a:ext cx="3429000" cy="3429000"/>
+          </a:xfrm>
+          <a:prstGeom prst="rect">
+            <a:avLst/>
+          </a:prstGeom>
+          <a:noFill/>
+          <a:extLst>
+            <a:ext uri="{909E8E84-426E-40DD-AFC4-6F175D3DCCD1}">
+              <a14:hiddenFill xmlns:a14="http://schemas.microsoft.com/office/drawing/2010/main">
+                <a:solidFill>
+                  <a:srgbClr val="FFFFFF"/>
+                </a:solidFill>
+              </a14:hiddenFill>
+            </a:ext>
+          </a:extLst>
+        </p:spPr>
+      </p:pic>
+      <p:sp>
+        <p:nvSpPr>
+          <p:cNvPr id="30" name="TextBox 29">
+            <a:extLst>
+              <a:ext uri="{FF2B5EF4-FFF2-40B4-BE49-F238E27FC236}">
+                <a16:creationId xmlns:a16="http://schemas.microsoft.com/office/drawing/2014/main" id="{E32D17D3-CE6E-47EA-A0A3-DF5A315A99F8}"/>
+              </a:ext>
+            </a:extLst>
+          </p:cNvPr>
+          <p:cNvSpPr txBox="1"/>
+          <p:nvPr/>
+        </p:nvSpPr>
+        <p:spPr>
+          <a:xfrm>
+            <a:off x="5309419" y="2178657"/>
+            <a:ext cx="5729454" cy="2500685"/>
+          </a:xfrm>
+          <a:prstGeom prst="rect">
+            <a:avLst/>
+          </a:prstGeom>
+          <a:noFill/>
+        </p:spPr>
+        <p:txBody>
+          <a:bodyPr wrap="none" rtlCol="0">
+            <a:spAutoFit/>
+          </a:bodyPr>
+          <a:lstStyle/>
+          <a:p>
+            <a:pPr algn="ctr">
+              <a:lnSpc>
+                <a:spcPct val="150000"/>
+              </a:lnSpc>
+            </a:pPr>
+            <a:r>
+              <a:rPr lang="ko-KR" altLang="en-US" sz="3200" dirty="0">
+                <a:solidFill>
+                  <a:schemeClr val="accent4"/>
+                </a:solidFill>
+                <a:latin typeface="카카오 Regular" panose="020B0600000101010101" pitchFamily="50" charset="-127"/>
+                <a:ea typeface="카카오 Regular" panose="020B0600000101010101" pitchFamily="50" charset="-127"/>
+              </a:rPr>
+              <a:t>손소독제 관리 시스템</a:t>
+            </a:r>
+            <a:br>
+              <a:rPr lang="en-US" altLang="ko-KR" sz="3200" dirty="0">
+                <a:solidFill>
+                  <a:schemeClr val="tx1">
+                    <a:lumMod val="75000"/>
+                    <a:lumOff val="25000"/>
+                  </a:schemeClr>
+                </a:solidFill>
+                <a:latin typeface="카카오 Regular" panose="020B0600000101010101" pitchFamily="50" charset="-127"/>
+                <a:ea typeface="카카오 Regular" panose="020B0600000101010101" pitchFamily="50" charset="-127"/>
+              </a:rPr>
+            </a:br>
+            <a:r>
+              <a:rPr lang="en-US" altLang="ko-KR" sz="1400" dirty="0">
+                <a:solidFill>
+                  <a:schemeClr val="tx1">
+                    <a:lumMod val="75000"/>
+                    <a:lumOff val="25000"/>
+                  </a:schemeClr>
+                </a:solidFill>
+                <a:latin typeface="카카오 Regular" panose="020B0600000101010101" pitchFamily="50" charset="-127"/>
+                <a:ea typeface="카카오 Regular" panose="020B0600000101010101" pitchFamily="50" charset="-127"/>
+              </a:rPr>
+              <a:t> </a:t>
+            </a:r>
+            <a:endParaRPr lang="en-US" altLang="ko-KR" sz="2400" dirty="0">
+              <a:solidFill>
+                <a:schemeClr val="tx1">
+                  <a:lumMod val="75000"/>
+                  <a:lumOff val="25000"/>
+                </a:schemeClr>
+              </a:solidFill>
+              <a:latin typeface="카카오 Regular" panose="020B0600000101010101" pitchFamily="50" charset="-127"/>
+              <a:ea typeface="카카오 Regular" panose="020B0600000101010101" pitchFamily="50" charset="-127"/>
+            </a:endParaRPr>
+          </a:p>
+          <a:p>
+            <a:pPr marL="514350" indent="-514350">
+              <a:lnSpc>
+                <a:spcPct val="150000"/>
+              </a:lnSpc>
+              <a:buAutoNum type="arabicPeriod"/>
+            </a:pPr>
+            <a:r>
+              <a:rPr lang="en-US" altLang="ko-KR" sz="2000" dirty="0">
+                <a:solidFill>
+                  <a:schemeClr val="tx1">
+                    <a:lumMod val="75000"/>
+                    <a:lumOff val="25000"/>
+                  </a:schemeClr>
+                </a:solidFill>
+                <a:latin typeface="카카오 Regular" panose="020B0600000101010101" pitchFamily="50" charset="-127"/>
+                <a:ea typeface="카카오 Regular" panose="020B0600000101010101" pitchFamily="50" charset="-127"/>
+              </a:rPr>
+              <a:t>IoT </a:t>
+            </a:r>
+            <a:r>
+              <a:rPr lang="ko-KR" altLang="en-US" sz="2000" dirty="0">
+                <a:solidFill>
+                  <a:schemeClr val="tx1">
+                    <a:lumMod val="75000"/>
+                    <a:lumOff val="25000"/>
+                  </a:schemeClr>
+                </a:solidFill>
+                <a:latin typeface="카카오 Regular" panose="020B0600000101010101" pitchFamily="50" charset="-127"/>
+                <a:ea typeface="카카오 Regular" panose="020B0600000101010101" pitchFamily="50" charset="-127"/>
+              </a:rPr>
+              <a:t>센서를 통해 손소독제 잔량 데이터를 서버로 전송</a:t>
+            </a:r>
+            <a:endParaRPr lang="en-US" altLang="ko-KR" sz="2000" dirty="0">
+              <a:solidFill>
+                <a:schemeClr val="tx1">
+                  <a:lumMod val="75000"/>
+                  <a:lumOff val="25000"/>
+                </a:schemeClr>
+              </a:solidFill>
+              <a:latin typeface="카카오 Regular" panose="020B0600000101010101" pitchFamily="50" charset="-127"/>
+              <a:ea typeface="카카오 Regular" panose="020B0600000101010101" pitchFamily="50" charset="-127"/>
+            </a:endParaRPr>
+          </a:p>
+          <a:p>
+            <a:pPr marL="514350" indent="-514350">
+              <a:lnSpc>
+                <a:spcPct val="150000"/>
+              </a:lnSpc>
+              <a:buAutoNum type="arabicPeriod"/>
+            </a:pPr>
+            <a:r>
+              <a:rPr lang="en-US" altLang="ko-KR" sz="2000" dirty="0">
+                <a:solidFill>
+                  <a:schemeClr val="tx1">
+                    <a:lumMod val="75000"/>
+                    <a:lumOff val="25000"/>
+                  </a:schemeClr>
+                </a:solidFill>
+                <a:latin typeface="카카오 Regular" panose="020B0600000101010101" pitchFamily="50" charset="-127"/>
+                <a:ea typeface="카카오 Regular" panose="020B0600000101010101" pitchFamily="50" charset="-127"/>
+              </a:rPr>
+              <a:t>App</a:t>
+            </a:r>
+            <a:r>
+              <a:rPr lang="ko-KR" altLang="en-US" sz="2000" dirty="0">
+                <a:solidFill>
+                  <a:schemeClr val="tx1">
+                    <a:lumMod val="75000"/>
+                    <a:lumOff val="25000"/>
+                  </a:schemeClr>
+                </a:solidFill>
+                <a:latin typeface="카카오 Regular" panose="020B0600000101010101" pitchFamily="50" charset="-127"/>
+                <a:ea typeface="카카오 Regular" panose="020B0600000101010101" pitchFamily="50" charset="-127"/>
+              </a:rPr>
+              <a:t>으로 손소독제 잔량 확인</a:t>
+            </a:r>
+            <a:endParaRPr lang="en-US" altLang="ko-KR" sz="2000" dirty="0">
+              <a:solidFill>
+                <a:schemeClr val="tx1">
+                  <a:lumMod val="75000"/>
+                  <a:lumOff val="25000"/>
+                </a:schemeClr>
+              </a:solidFill>
+              <a:latin typeface="카카오 Regular" panose="020B0600000101010101" pitchFamily="50" charset="-127"/>
+              <a:ea typeface="카카오 Regular" panose="020B0600000101010101" pitchFamily="50" charset="-127"/>
+            </a:endParaRPr>
+          </a:p>
+          <a:p>
+            <a:pPr marL="514350" indent="-514350">
+              <a:lnSpc>
+                <a:spcPct val="150000"/>
+              </a:lnSpc>
+              <a:buAutoNum type="arabicPeriod"/>
+            </a:pPr>
+            <a:r>
+              <a:rPr lang="ko-KR" altLang="en-US" sz="2000" dirty="0">
+                <a:solidFill>
+                  <a:schemeClr val="tx1">
+                    <a:lumMod val="75000"/>
+                    <a:lumOff val="25000"/>
+                  </a:schemeClr>
+                </a:solidFill>
+                <a:latin typeface="카카오 Regular" panose="020B0600000101010101" pitchFamily="50" charset="-127"/>
+                <a:ea typeface="카카오 Regular" panose="020B0600000101010101" pitchFamily="50" charset="-127"/>
+              </a:rPr>
+              <a:t>손소독제가 고갈된 경우 </a:t>
+            </a:r>
+            <a:r>
+              <a:rPr lang="en-US" altLang="ko-KR" sz="2000" dirty="0">
+                <a:solidFill>
+                  <a:schemeClr val="tx1">
+                    <a:lumMod val="75000"/>
+                    <a:lumOff val="25000"/>
+                  </a:schemeClr>
+                </a:solidFill>
+                <a:latin typeface="카카오 Regular" panose="020B0600000101010101" pitchFamily="50" charset="-127"/>
+                <a:ea typeface="카카오 Regular" panose="020B0600000101010101" pitchFamily="50" charset="-127"/>
+              </a:rPr>
+              <a:t>App</a:t>
+            </a:r>
+            <a:r>
+              <a:rPr lang="ko-KR" altLang="en-US" sz="2000" dirty="0">
+                <a:solidFill>
+                  <a:schemeClr val="tx1">
+                    <a:lumMod val="75000"/>
+                    <a:lumOff val="25000"/>
+                  </a:schemeClr>
+                </a:solidFill>
+                <a:latin typeface="카카오 Regular" panose="020B0600000101010101" pitchFamily="50" charset="-127"/>
+                <a:ea typeface="카카오 Regular" panose="020B0600000101010101" pitchFamily="50" charset="-127"/>
+              </a:rPr>
+              <a:t>으로 관리자에게 알림</a:t>
+            </a:r>
+          </a:p>
+        </p:txBody>
+      </p:sp>
+    </p:spTree>
+    <p:extLst>
+      <p:ext uri="{BB962C8B-B14F-4D97-AF65-F5344CB8AC3E}">
+        <p14:creationId xmlns:p14="http://schemas.microsoft.com/office/powerpoint/2010/main" val="2267069442"/>
+      </p:ext>
+    </p:extLst>
+  </p:cSld>
+  <p:clrMapOvr>
+    <a:masterClrMapping/>
+  </p:clrMapOvr>
+  <mc:AlternateContent xmlns:mc="http://schemas.openxmlformats.org/markup-compatibility/2006">
+    <mc:Choice xmlns:p159="http://schemas.microsoft.com/office/powerpoint/2015/09/main" Requires="p159">
+      <p:transition xmlns:p14="http://schemas.microsoft.com/office/powerpoint/2010/main" spd="slow" p14:dur="2000">
+        <p159:morph option="byObject"/>
+      </p:transition>
+    </mc:Choice>
+    <mc:Fallback>
+      <p:transition spd="slow">
+        <p:fade/>
+      </p:transition>
+    </mc:Fallback>
+  </mc:AlternateContent>
+</p:sld>
+</file>
+
+<file path=ppt/slides/slide9.xml><?xml version="1.0" encoding="utf-8"?>
+<p:sld xmlns:a="http://schemas.openxmlformats.org/drawingml/2006/main" xmlns:r="http://schemas.openxmlformats.org/officeDocument/2006/relationships" xmlns:p="http://schemas.openxmlformats.org/presentationml/2006/main">
+  <p:cSld>
+    <p:spTree>
+      <p:nvGrpSpPr>
+        <p:cNvPr id="1" name=""/>
+        <p:cNvGrpSpPr/>
+        <p:nvPr/>
+      </p:nvGrpSpPr>
+      <p:grpSpPr>
+        <a:xfrm>
+          <a:off x="0" y="0"/>
+          <a:ext cx="0" cy="0"/>
+          <a:chOff x="0" y="0"/>
+          <a:chExt cx="0" cy="0"/>
+        </a:xfrm>
+      </p:grpSpPr>
+      <p:sp>
+        <p:nvSpPr>
+          <p:cNvPr id="7" name="TextBox 6">
+            <a:extLst>
+              <a:ext uri="{FF2B5EF4-FFF2-40B4-BE49-F238E27FC236}">
+                <a16:creationId xmlns:a16="http://schemas.microsoft.com/office/drawing/2014/main" id="{2E2EB44F-5589-4248-8F1C-4AA28150A0E8}"/>
+              </a:ext>
+            </a:extLst>
+          </p:cNvPr>
+          <p:cNvSpPr txBox="1"/>
+          <p:nvPr/>
+        </p:nvSpPr>
+        <p:spPr>
+          <a:xfrm>
+            <a:off x="11628502" y="6453051"/>
+            <a:ext cx="476412" cy="307777"/>
+          </a:xfrm>
+          <a:prstGeom prst="rect">
+            <a:avLst/>
+          </a:prstGeom>
+          <a:noFill/>
+        </p:spPr>
+        <p:txBody>
+          <a:bodyPr wrap="none" rtlCol="0">
+            <a:spAutoFit/>
+          </a:bodyPr>
+          <a:lstStyle/>
+          <a:p>
+            <a:pPr algn="r"/>
+            <a:r>
+              <a:rPr lang="en-US" altLang="ko-KR" sz="1400" dirty="0">
+                <a:solidFill>
+                  <a:schemeClr val="tx1">
+                    <a:lumMod val="50000"/>
+                    <a:lumOff val="50000"/>
+                  </a:schemeClr>
+                </a:solidFill>
+                <a:latin typeface="카카오 Regular" panose="020B0600000101010101" pitchFamily="50" charset="-127"/>
+                <a:ea typeface="카카오 Regular" panose="020B0600000101010101" pitchFamily="50" charset="-127"/>
+              </a:rPr>
+              <a:t>p. 9</a:t>
+            </a:r>
+            <a:endParaRPr lang="ko-KR" altLang="en-US" sz="1400" dirty="0">
+              <a:solidFill>
+                <a:schemeClr val="tx1">
+                  <a:lumMod val="50000"/>
+                  <a:lumOff val="50000"/>
+                </a:schemeClr>
+              </a:solidFill>
+              <a:latin typeface="카카오 Regular" panose="020B0600000101010101" pitchFamily="50" charset="-127"/>
+              <a:ea typeface="카카오 Regular" panose="020B0600000101010101" pitchFamily="50" charset="-127"/>
+            </a:endParaRPr>
+          </a:p>
+        </p:txBody>
+      </p:sp>
+      <p:sp>
+        <p:nvSpPr>
+          <p:cNvPr id="9" name="TextBox 8">
+            <a:extLst>
+              <a:ext uri="{FF2B5EF4-FFF2-40B4-BE49-F238E27FC236}">
+                <a16:creationId xmlns:a16="http://schemas.microsoft.com/office/drawing/2014/main" id="{469B4030-1D49-43C5-A5A4-2397F7AE41AA}"/>
+              </a:ext>
+            </a:extLst>
+          </p:cNvPr>
+          <p:cNvSpPr txBox="1"/>
+          <p:nvPr/>
+        </p:nvSpPr>
+        <p:spPr>
+          <a:xfrm>
+            <a:off x="87086" y="6453051"/>
+            <a:ext cx="1356462" cy="307777"/>
+          </a:xfrm>
+          <a:prstGeom prst="rect">
+            <a:avLst/>
+          </a:prstGeom>
+          <a:noFill/>
+        </p:spPr>
+        <p:txBody>
+          <a:bodyPr wrap="none" rtlCol="0">
+            <a:spAutoFit/>
+          </a:bodyPr>
+          <a:lstStyle/>
+          <a:p>
+            <a:r>
+              <a:rPr lang="ko-KR" altLang="en-US" sz="1400" dirty="0">
+                <a:solidFill>
+                  <a:schemeClr val="tx1">
+                    <a:lumMod val="50000"/>
+                    <a:lumOff val="50000"/>
+                  </a:schemeClr>
+                </a:solidFill>
+                <a:latin typeface="카카오 Regular" panose="020B0600000101010101" pitchFamily="50" charset="-127"/>
+                <a:ea typeface="카카오 Regular" panose="020B0600000101010101" pitchFamily="50" charset="-127"/>
+              </a:rPr>
+              <a:t>오픈소스</a:t>
+            </a:r>
+            <a:r>
+              <a:rPr lang="en-US" altLang="ko-KR" sz="1400" dirty="0">
+                <a:solidFill>
+                  <a:schemeClr val="tx1">
+                    <a:lumMod val="50000"/>
+                    <a:lumOff val="50000"/>
+                  </a:schemeClr>
+                </a:solidFill>
+                <a:latin typeface="카카오 Regular" panose="020B0600000101010101" pitchFamily="50" charset="-127"/>
+                <a:ea typeface="카카오 Regular" panose="020B0600000101010101" pitchFamily="50" charset="-127"/>
+              </a:rPr>
+              <a:t>SW</a:t>
+            </a:r>
+            <a:r>
+              <a:rPr lang="ko-KR" altLang="en-US" sz="1400" dirty="0">
+                <a:solidFill>
+                  <a:schemeClr val="tx1">
+                    <a:lumMod val="50000"/>
+                    <a:lumOff val="50000"/>
+                  </a:schemeClr>
+                </a:solidFill>
+                <a:latin typeface="카카오 Regular" panose="020B0600000101010101" pitchFamily="50" charset="-127"/>
+                <a:ea typeface="카카오 Regular" panose="020B0600000101010101" pitchFamily="50" charset="-127"/>
+              </a:rPr>
+              <a:t>설계</a:t>
+            </a:r>
+          </a:p>
+        </p:txBody>
+      </p:sp>
+      <p:sp>
+        <p:nvSpPr>
+          <p:cNvPr id="11" name="TextBox 10">
+            <a:extLst>
+              <a:ext uri="{FF2B5EF4-FFF2-40B4-BE49-F238E27FC236}">
+                <a16:creationId xmlns:a16="http://schemas.microsoft.com/office/drawing/2014/main" id="{F6295FDD-DF53-4598-ABFA-A1C06388BDE9}"/>
+              </a:ext>
+            </a:extLst>
+          </p:cNvPr>
+          <p:cNvSpPr txBox="1"/>
+          <p:nvPr/>
+        </p:nvSpPr>
+        <p:spPr>
+          <a:xfrm>
+            <a:off x="5508339" y="6453051"/>
+            <a:ext cx="1175322" cy="307777"/>
+          </a:xfrm>
+          <a:prstGeom prst="rect">
+            <a:avLst/>
+          </a:prstGeom>
+          <a:noFill/>
+        </p:spPr>
+        <p:txBody>
+          <a:bodyPr wrap="none" rtlCol="0">
+            <a:spAutoFit/>
+          </a:bodyPr>
+          <a:lstStyle/>
+          <a:p>
+            <a:pPr algn="ctr"/>
+            <a:r>
+              <a:rPr lang="en-US" altLang="ko-KR" sz="1400" dirty="0">
+                <a:solidFill>
+                  <a:schemeClr val="tx1">
+                    <a:lumMod val="50000"/>
+                    <a:lumOff val="50000"/>
+                  </a:schemeClr>
+                </a:solidFill>
+                <a:latin typeface="카카오 Regular" panose="020B0600000101010101" pitchFamily="50" charset="-127"/>
+                <a:ea typeface="카카오 Regular" panose="020B0600000101010101" pitchFamily="50" charset="-127"/>
+              </a:rPr>
+              <a:t>2020.10.30.</a:t>
+            </a:r>
+            <a:endParaRPr lang="ko-KR" altLang="en-US" sz="1400" dirty="0">
+              <a:solidFill>
+                <a:schemeClr val="tx1">
+                  <a:lumMod val="50000"/>
+                  <a:lumOff val="50000"/>
+                </a:schemeClr>
+              </a:solidFill>
+              <a:latin typeface="카카오 Regular" panose="020B0600000101010101" pitchFamily="50" charset="-127"/>
+              <a:ea typeface="카카오 Regular" panose="020B0600000101010101" pitchFamily="50" charset="-127"/>
+            </a:endParaRPr>
+          </a:p>
+        </p:txBody>
+      </p:sp>
+      <p:sp>
+        <p:nvSpPr>
+          <p:cNvPr id="13" name="평행 사변형 12">
+            <a:extLst>
+              <a:ext uri="{FF2B5EF4-FFF2-40B4-BE49-F238E27FC236}">
+                <a16:creationId xmlns:a16="http://schemas.microsoft.com/office/drawing/2014/main" id="{2C164E17-2DE0-4CAC-9C61-B3AC7DF7F0EA}"/>
+              </a:ext>
+            </a:extLst>
+          </p:cNvPr>
+          <p:cNvSpPr/>
+          <p:nvPr/>
+        </p:nvSpPr>
+        <p:spPr>
+          <a:xfrm rot="21268823">
+            <a:off x="1315661" y="316342"/>
+            <a:ext cx="3873282" cy="584961"/>
+          </a:xfrm>
+          <a:prstGeom prst="parallelogram">
+            <a:avLst/>
+          </a:prstGeom>
+          <a:solidFill>
+            <a:schemeClr val="accent4">
+              <a:lumMod val="40000"/>
+              <a:lumOff val="60000"/>
+            </a:schemeClr>
+          </a:solidFill>
+          <a:ln>
+            <a:noFill/>
+          </a:ln>
+        </p:spPr>
+        <p:style>
+          <a:lnRef idx="2">
+            <a:schemeClr val="accent1">
+              <a:shade val="50000"/>
+            </a:schemeClr>
+          </a:lnRef>
+          <a:fillRef idx="1">
+            <a:schemeClr val="accent1"/>
+          </a:fillRef>
+          <a:effectRef idx="0">
+            <a:schemeClr val="accent1"/>
+          </a:effectRef>
+          <a:fontRef idx="minor">
+            <a:schemeClr val="lt1"/>
+          </a:fontRef>
+        </p:style>
+        <p:txBody>
+          <a:bodyPr rtlCol="0" anchor="ctr"/>
+          <a:lstStyle/>
+          <a:p>
+            <a:pPr algn="ctr"/>
+            <a:endParaRPr lang="ko-KR" altLang="en-US"/>
+          </a:p>
+        </p:txBody>
+      </p:sp>
+      <p:sp>
+        <p:nvSpPr>
+          <p:cNvPr id="15" name="제목 1">
+            <a:extLst>
+              <a:ext uri="{FF2B5EF4-FFF2-40B4-BE49-F238E27FC236}">
+                <a16:creationId xmlns:a16="http://schemas.microsoft.com/office/drawing/2014/main" id="{26D80D0B-755A-41B0-8217-3ACCB0A4EDEA}"/>
+              </a:ext>
+            </a:extLst>
+          </p:cNvPr>
+          <p:cNvSpPr txBox="1">
+            <a:spLocks/>
+          </p:cNvSpPr>
+          <p:nvPr/>
+        </p:nvSpPr>
+        <p:spPr>
+          <a:xfrm>
+            <a:off x="1296507" y="216796"/>
+            <a:ext cx="4012912" cy="832711"/>
+          </a:xfrm>
+          <a:prstGeom prst="rect">
+            <a:avLst/>
+          </a:prstGeom>
+          <a:noFill/>
+        </p:spPr>
+        <p:txBody>
+          <a:bodyPr vert="horz" lIns="91440" tIns="45720" rIns="91440" bIns="45720" rtlCol="0" anchor="ctr">
+            <a:normAutofit fontScale="85000" lnSpcReduction="10000"/>
+          </a:bodyPr>
+          <a:lstStyle>
+            <a:lvl1pPr algn="l" defTabSz="914400" rtl="0" eaLnBrk="1" latinLnBrk="1" hangingPunct="1">
+              <a:lnSpc>
+                <a:spcPct val="90000"/>
+              </a:lnSpc>
+              <a:spcBef>
+                <a:spcPct val="0"/>
+              </a:spcBef>
+              <a:buNone/>
+              <a:defRPr sz="4400" kern="1200">
+                <a:solidFill>
+                  <a:schemeClr val="tx1"/>
+                </a:solidFill>
+                <a:latin typeface="+mj-lt"/>
+                <a:ea typeface="+mj-ea"/>
+                <a:cs typeface="+mj-cs"/>
+              </a:defRPr>
+            </a:lvl1pPr>
+          </a:lstStyle>
+          <a:p>
+            <a:pPr algn="dist"/>
+            <a:r>
+              <a:rPr lang="en-US" altLang="ko-KR" dirty="0">
+                <a:solidFill>
+                  <a:schemeClr val="tx1">
+                    <a:lumMod val="85000"/>
+                    <a:lumOff val="15000"/>
+                  </a:schemeClr>
+                </a:solidFill>
+                <a:latin typeface="카카오 Regular" panose="020B0600000101010101" pitchFamily="50" charset="-127"/>
+                <a:ea typeface="카카오 Regular" panose="020B0600000101010101" pitchFamily="50" charset="-127"/>
+              </a:rPr>
+              <a:t>Project</a:t>
+            </a:r>
+            <a:r>
+              <a:rPr lang="ko-KR" altLang="en-US" dirty="0">
+                <a:solidFill>
+                  <a:schemeClr val="tx1">
+                    <a:lumMod val="85000"/>
+                    <a:lumOff val="15000"/>
+                  </a:schemeClr>
+                </a:solidFill>
+                <a:latin typeface="카카오 Regular" panose="020B0600000101010101" pitchFamily="50" charset="-127"/>
+                <a:ea typeface="카카오 Regular" panose="020B0600000101010101" pitchFamily="50" charset="-127"/>
+              </a:rPr>
+              <a:t> </a:t>
+            </a:r>
+            <a:r>
+              <a:rPr lang="en-US" altLang="ko-KR" dirty="0">
+                <a:solidFill>
+                  <a:schemeClr val="tx1">
+                    <a:lumMod val="85000"/>
+                    <a:lumOff val="15000"/>
+                  </a:schemeClr>
+                </a:solidFill>
+                <a:latin typeface="카카오 Regular" panose="020B0600000101010101" pitchFamily="50" charset="-127"/>
+                <a:ea typeface="카카오 Regular" panose="020B0600000101010101" pitchFamily="50" charset="-127"/>
+              </a:rPr>
+              <a:t>Overview</a:t>
+            </a:r>
+            <a:endParaRPr lang="ko-KR" altLang="en-US" dirty="0">
+              <a:solidFill>
+                <a:schemeClr val="tx1">
+                  <a:lumMod val="85000"/>
+                  <a:lumOff val="15000"/>
+                </a:schemeClr>
+              </a:solidFill>
+              <a:latin typeface="카카오 Regular" panose="020B0600000101010101" pitchFamily="50" charset="-127"/>
+              <a:ea typeface="카카오 Regular" panose="020B0600000101010101" pitchFamily="50" charset="-127"/>
+            </a:endParaRPr>
+          </a:p>
+        </p:txBody>
+      </p:sp>
+      <p:sp>
+        <p:nvSpPr>
+          <p:cNvPr id="17" name="TextBox 16">
+            <a:extLst>
+              <a:ext uri="{FF2B5EF4-FFF2-40B4-BE49-F238E27FC236}">
+                <a16:creationId xmlns:a16="http://schemas.microsoft.com/office/drawing/2014/main" id="{E091E903-ED99-4CC8-BA5D-28C4BF9CD314}"/>
+              </a:ext>
+            </a:extLst>
+          </p:cNvPr>
+          <p:cNvSpPr txBox="1"/>
+          <p:nvPr/>
+        </p:nvSpPr>
+        <p:spPr>
+          <a:xfrm>
+            <a:off x="271174" y="279208"/>
+            <a:ext cx="879564" cy="707886"/>
+          </a:xfrm>
+          <a:prstGeom prst="rect">
+            <a:avLst/>
+          </a:prstGeom>
+          <a:noFill/>
+        </p:spPr>
+        <p:txBody>
+          <a:bodyPr wrap="square" rtlCol="0">
+            <a:spAutoFit/>
+          </a:bodyPr>
+          <a:lstStyle/>
+          <a:p>
+            <a:pPr algn="dist"/>
+            <a:r>
+              <a:rPr lang="en-US" altLang="ko-KR" sz="4000" b="1" dirty="0">
+                <a:solidFill>
+                  <a:schemeClr val="bg1">
+                    <a:lumMod val="50000"/>
+                  </a:schemeClr>
+                </a:solidFill>
+                <a:latin typeface="카카오 Regular" panose="020B0600000101010101" pitchFamily="50" charset="-127"/>
+                <a:ea typeface="카카오 Regular" panose="020B0600000101010101" pitchFamily="50" charset="-127"/>
+              </a:rPr>
+              <a:t>02</a:t>
+            </a:r>
+            <a:endParaRPr lang="ko-KR" altLang="en-US" sz="4000" b="1" dirty="0">
+              <a:solidFill>
+                <a:schemeClr val="bg1">
+                  <a:lumMod val="50000"/>
+                </a:schemeClr>
+              </a:solidFill>
+              <a:latin typeface="카카오 Regular" panose="020B0600000101010101" pitchFamily="50" charset="-127"/>
+              <a:ea typeface="카카오 Regular" panose="020B0600000101010101" pitchFamily="50" charset="-127"/>
+            </a:endParaRPr>
+          </a:p>
+        </p:txBody>
+      </p:sp>
+      <p:grpSp>
+        <p:nvGrpSpPr>
+          <p:cNvPr id="28" name="그룹 27">
+            <a:extLst>
+              <a:ext uri="{FF2B5EF4-FFF2-40B4-BE49-F238E27FC236}">
+                <a16:creationId xmlns:a16="http://schemas.microsoft.com/office/drawing/2014/main" id="{F23D641F-D9DD-4431-9CD9-8C76E0A805C2}"/>
+              </a:ext>
+            </a:extLst>
+          </p:cNvPr>
+          <p:cNvGrpSpPr/>
+          <p:nvPr/>
+        </p:nvGrpSpPr>
+        <p:grpSpPr>
+          <a:xfrm>
+            <a:off x="299749" y="2337996"/>
+            <a:ext cx="5508339" cy="2323876"/>
+            <a:chOff x="3486457" y="1509646"/>
+            <a:chExt cx="5508339" cy="2323876"/>
+          </a:xfrm>
+        </p:grpSpPr>
+        <p:sp>
+          <p:nvSpPr>
+            <p:cNvPr id="27" name="직사각형 26">
+              <a:extLst>
+                <a:ext uri="{FF2B5EF4-FFF2-40B4-BE49-F238E27FC236}">
+                  <a16:creationId xmlns:a16="http://schemas.microsoft.com/office/drawing/2014/main" id="{4F266901-3FE8-4E4A-B869-51B30A88EECE}"/>
+                </a:ext>
+              </a:extLst>
+            </p:cNvPr>
+            <p:cNvSpPr/>
+            <p:nvPr/>
+          </p:nvSpPr>
+          <p:spPr>
+            <a:xfrm>
+              <a:off x="3486457" y="1509646"/>
+              <a:ext cx="5508339" cy="2323876"/>
+            </a:xfrm>
+            <a:prstGeom prst="rect">
+              <a:avLst/>
+            </a:prstGeom>
+            <a:solidFill>
+              <a:schemeClr val="bg1">
+                <a:lumMod val="95000"/>
+              </a:schemeClr>
+            </a:solidFill>
+            <a:ln>
+              <a:noFill/>
+            </a:ln>
+          </p:spPr>
+          <p:style>
+            <a:lnRef idx="2">
+              <a:schemeClr val="accent1">
+                <a:shade val="50000"/>
+              </a:schemeClr>
+            </a:lnRef>
+            <a:fillRef idx="1">
+              <a:schemeClr val="accent1"/>
+            </a:fillRef>
+            <a:effectRef idx="0">
+              <a:schemeClr val="accent1"/>
+            </a:effectRef>
+            <a:fontRef idx="minor">
+              <a:schemeClr val="lt1"/>
+            </a:fontRef>
+          </p:style>
+          <p:txBody>
+            <a:bodyPr rtlCol="0" anchor="ctr"/>
+            <a:lstStyle/>
+            <a:p>
+              <a:pPr algn="ctr"/>
+              <a:endParaRPr lang="ko-KR" altLang="en-US"/>
+            </a:p>
+          </p:txBody>
+        </p:sp>
+        <p:sp>
+          <p:nvSpPr>
+            <p:cNvPr id="21" name="TextBox 20">
+              <a:extLst>
+                <a:ext uri="{FF2B5EF4-FFF2-40B4-BE49-F238E27FC236}">
+                  <a16:creationId xmlns:a16="http://schemas.microsoft.com/office/drawing/2014/main" id="{04ED07A7-1DDC-4C9A-803D-BD86937EFF2A}"/>
+                </a:ext>
+              </a:extLst>
+            </p:cNvPr>
+            <p:cNvSpPr txBox="1"/>
+            <p:nvPr/>
+          </p:nvSpPr>
+          <p:spPr>
+            <a:xfrm>
+              <a:off x="3784505" y="1669086"/>
+              <a:ext cx="4912242" cy="1900520"/>
+            </a:xfrm>
+            <a:prstGeom prst="rect">
+              <a:avLst/>
+            </a:prstGeom>
+            <a:noFill/>
+          </p:spPr>
+          <p:txBody>
+            <a:bodyPr wrap="none" rtlCol="0">
+              <a:spAutoFit/>
+            </a:bodyPr>
+            <a:lstStyle/>
+            <a:p>
+              <a:pPr>
+                <a:lnSpc>
+                  <a:spcPct val="150000"/>
+                </a:lnSpc>
+              </a:pPr>
+              <a:r>
+                <a:rPr lang="ko-KR" altLang="en-US" sz="2000" dirty="0">
+                  <a:solidFill>
+                    <a:schemeClr val="tx1">
+                      <a:lumMod val="75000"/>
+                      <a:lumOff val="25000"/>
+                    </a:schemeClr>
+                  </a:solidFill>
+                  <a:latin typeface="카카오 Regular" panose="020B0600000101010101" pitchFamily="50" charset="-127"/>
+                  <a:ea typeface="카카오 Regular" panose="020B0600000101010101" pitchFamily="50" charset="-127"/>
+                </a:rPr>
+                <a:t>프로젝트 목적</a:t>
+              </a:r>
+              <a:endParaRPr lang="en-US" altLang="ko-KR" sz="2000" dirty="0">
+                <a:solidFill>
+                  <a:schemeClr val="tx1">
+                    <a:lumMod val="75000"/>
+                    <a:lumOff val="25000"/>
+                  </a:schemeClr>
+                </a:solidFill>
+                <a:latin typeface="카카오 Regular" panose="020B0600000101010101" pitchFamily="50" charset="-127"/>
+                <a:ea typeface="카카오 Regular" panose="020B0600000101010101" pitchFamily="50" charset="-127"/>
+              </a:endParaRPr>
+            </a:p>
+            <a:p>
+              <a:pPr marL="811213" indent="-457200">
+                <a:lnSpc>
+                  <a:spcPct val="150000"/>
+                </a:lnSpc>
+                <a:buAutoNum type="arabicPeriod"/>
+              </a:pPr>
+              <a:r>
+                <a:rPr lang="ko-KR" altLang="en-US" sz="2000" dirty="0">
+                  <a:solidFill>
+                    <a:schemeClr val="tx1">
+                      <a:lumMod val="75000"/>
+                      <a:lumOff val="25000"/>
+                    </a:schemeClr>
+                  </a:solidFill>
+                  <a:latin typeface="카카오 Regular" panose="020B0600000101010101" pitchFamily="50" charset="-127"/>
+                  <a:ea typeface="카카오 Regular" panose="020B0600000101010101" pitchFamily="50" charset="-127"/>
+                </a:rPr>
+                <a:t>불필요한 </a:t>
+              </a:r>
+              <a:r>
+                <a:rPr lang="ko-KR" altLang="en-US" sz="2000" dirty="0">
+                  <a:solidFill>
+                    <a:schemeClr val="accent4"/>
+                  </a:solidFill>
+                  <a:latin typeface="카카오 Regular" panose="020B0600000101010101" pitchFamily="50" charset="-127"/>
+                  <a:ea typeface="카카오 Regular" panose="020B0600000101010101" pitchFamily="50" charset="-127"/>
+                </a:rPr>
+                <a:t>인력낭비 방지</a:t>
+              </a:r>
+              <a:endParaRPr lang="en-US" altLang="ko-KR" sz="2000" dirty="0">
+                <a:solidFill>
+                  <a:schemeClr val="accent4"/>
+                </a:solidFill>
+                <a:latin typeface="카카오 Regular" panose="020B0600000101010101" pitchFamily="50" charset="-127"/>
+                <a:ea typeface="카카오 Regular" panose="020B0600000101010101" pitchFamily="50" charset="-127"/>
+              </a:endParaRPr>
+            </a:p>
+            <a:p>
+              <a:pPr marL="811213" indent="-457200">
+                <a:lnSpc>
+                  <a:spcPct val="150000"/>
+                </a:lnSpc>
+                <a:buAutoNum type="arabicPeriod"/>
+              </a:pPr>
+              <a:r>
+                <a:rPr lang="ko-KR" altLang="en-US" sz="2000" dirty="0">
+                  <a:solidFill>
+                    <a:schemeClr val="tx1">
+                      <a:lumMod val="75000"/>
+                      <a:lumOff val="25000"/>
+                    </a:schemeClr>
+                  </a:solidFill>
+                  <a:latin typeface="카카오 Regular" panose="020B0600000101010101" pitchFamily="50" charset="-127"/>
+                  <a:ea typeface="카카오 Regular" panose="020B0600000101010101" pitchFamily="50" charset="-127"/>
+                </a:rPr>
+                <a:t>적절한 </a:t>
+              </a:r>
+              <a:r>
+                <a:rPr lang="ko-KR" altLang="en-US" sz="2000" dirty="0">
+                  <a:solidFill>
+                    <a:schemeClr val="accent4"/>
+                  </a:solidFill>
+                  <a:latin typeface="카카오 Regular" panose="020B0600000101010101" pitchFamily="50" charset="-127"/>
+                  <a:ea typeface="카카오 Regular" panose="020B0600000101010101" pitchFamily="50" charset="-127"/>
+                </a:rPr>
+                <a:t>양 조절</a:t>
+              </a:r>
+              <a:r>
+                <a:rPr lang="ko-KR" altLang="en-US" sz="2000" dirty="0">
+                  <a:solidFill>
+                    <a:schemeClr val="tx1">
+                      <a:lumMod val="75000"/>
+                      <a:lumOff val="25000"/>
+                    </a:schemeClr>
+                  </a:solidFill>
+                  <a:latin typeface="카카오 Regular" panose="020B0600000101010101" pitchFamily="50" charset="-127"/>
+                  <a:ea typeface="카카오 Regular" panose="020B0600000101010101" pitchFamily="50" charset="-127"/>
+                </a:rPr>
+                <a:t>을 통한 효율적인 관리</a:t>
+              </a:r>
+              <a:endParaRPr lang="en-US" altLang="ko-KR" sz="2000" dirty="0">
+                <a:solidFill>
+                  <a:schemeClr val="tx1">
+                    <a:lumMod val="75000"/>
+                    <a:lumOff val="25000"/>
+                  </a:schemeClr>
+                </a:solidFill>
+                <a:latin typeface="카카오 Regular" panose="020B0600000101010101" pitchFamily="50" charset="-127"/>
+                <a:ea typeface="카카오 Regular" panose="020B0600000101010101" pitchFamily="50" charset="-127"/>
+              </a:endParaRPr>
+            </a:p>
+            <a:p>
+              <a:pPr marL="811213" indent="-457200">
+                <a:lnSpc>
+                  <a:spcPct val="150000"/>
+                </a:lnSpc>
+                <a:buAutoNum type="arabicPeriod"/>
+              </a:pPr>
+              <a:r>
+                <a:rPr lang="ko-KR" altLang="en-US" sz="2000" dirty="0">
+                  <a:solidFill>
+                    <a:schemeClr val="tx1">
+                      <a:lumMod val="75000"/>
+                      <a:lumOff val="25000"/>
+                    </a:schemeClr>
+                  </a:solidFill>
+                  <a:latin typeface="카카오 Regular" panose="020B0600000101010101" pitchFamily="50" charset="-127"/>
+                  <a:ea typeface="카카오 Regular" panose="020B0600000101010101" pitchFamily="50" charset="-127"/>
+                </a:rPr>
+                <a:t>손소독제 사용량을 통한 </a:t>
+              </a:r>
+              <a:r>
+                <a:rPr lang="ko-KR" altLang="en-US" sz="2000" dirty="0">
+                  <a:solidFill>
+                    <a:schemeClr val="accent4"/>
+                  </a:solidFill>
+                  <a:latin typeface="카카오 Regular" panose="020B0600000101010101" pitchFamily="50" charset="-127"/>
+                  <a:ea typeface="카카오 Regular" panose="020B0600000101010101" pitchFamily="50" charset="-127"/>
+                </a:rPr>
+                <a:t>밀집도 간접 분석</a:t>
+              </a:r>
+              <a:endParaRPr lang="en-US" altLang="ko-KR" sz="2000" dirty="0">
+                <a:solidFill>
+                  <a:schemeClr val="accent4"/>
+                </a:solidFill>
+                <a:latin typeface="카카오 Regular" panose="020B0600000101010101" pitchFamily="50" charset="-127"/>
+                <a:ea typeface="카카오 Regular" panose="020B0600000101010101" pitchFamily="50" charset="-127"/>
+              </a:endParaRPr>
+            </a:p>
+          </p:txBody>
+        </p:sp>
+      </p:grpSp>
+      <p:grpSp>
+        <p:nvGrpSpPr>
+          <p:cNvPr id="29" name="그룹 28">
+            <a:extLst>
+              <a:ext uri="{FF2B5EF4-FFF2-40B4-BE49-F238E27FC236}">
+                <a16:creationId xmlns:a16="http://schemas.microsoft.com/office/drawing/2014/main" id="{B57AD1DA-9327-4D7A-81F5-2ECD2E1C8DE2}"/>
+              </a:ext>
+            </a:extLst>
+          </p:cNvPr>
+          <p:cNvGrpSpPr/>
+          <p:nvPr/>
+        </p:nvGrpSpPr>
+        <p:grpSpPr>
+          <a:xfrm>
+            <a:off x="6158946" y="1332280"/>
+            <a:ext cx="5733304" cy="4293012"/>
+            <a:chOff x="6184489" y="337674"/>
+            <a:chExt cx="5733304" cy="4293012"/>
+          </a:xfrm>
+        </p:grpSpPr>
+        <p:sp>
+          <p:nvSpPr>
+            <p:cNvPr id="25" name="TextBox 24">
+              <a:extLst>
+                <a:ext uri="{FF2B5EF4-FFF2-40B4-BE49-F238E27FC236}">
+                  <a16:creationId xmlns:a16="http://schemas.microsoft.com/office/drawing/2014/main" id="{46F2EB9E-B905-4BF9-9192-9D71ADD5C756}"/>
+                </a:ext>
+              </a:extLst>
+            </p:cNvPr>
+            <p:cNvSpPr txBox="1"/>
+            <p:nvPr/>
+          </p:nvSpPr>
+          <p:spPr>
+            <a:xfrm>
+              <a:off x="6828375" y="337674"/>
+              <a:ext cx="4445531" cy="515526"/>
+            </a:xfrm>
+            <a:prstGeom prst="rect">
+              <a:avLst/>
+            </a:prstGeom>
+            <a:noFill/>
+          </p:spPr>
+          <p:txBody>
+            <a:bodyPr wrap="square">
+              <a:spAutoFit/>
+            </a:bodyPr>
+            <a:lstStyle/>
+            <a:p>
+              <a:pPr algn="ctr">
+                <a:lnSpc>
+                  <a:spcPct val="150000"/>
+                </a:lnSpc>
+              </a:pPr>
+              <a:r>
+                <a:rPr lang="ko-KR" altLang="en-US" sz="2000" dirty="0">
+                  <a:solidFill>
+                    <a:schemeClr val="tx1">
+                      <a:lumMod val="75000"/>
+                      <a:lumOff val="25000"/>
+                    </a:schemeClr>
+                  </a:solidFill>
+                  <a:latin typeface="카카오 Regular" panose="020B0600000101010101" pitchFamily="50" charset="-127"/>
+                  <a:ea typeface="카카오 Regular" panose="020B0600000101010101" pitchFamily="50" charset="-127"/>
+                </a:rPr>
+                <a:t>프로젝트 대상</a:t>
+              </a:r>
+              <a:r>
+                <a:rPr lang="en-US" altLang="ko-KR" sz="2000" dirty="0">
+                  <a:solidFill>
+                    <a:schemeClr val="tx1">
+                      <a:lumMod val="75000"/>
+                      <a:lumOff val="25000"/>
+                    </a:schemeClr>
+                  </a:solidFill>
+                  <a:latin typeface="카카오 Regular" panose="020B0600000101010101" pitchFamily="50" charset="-127"/>
+                  <a:ea typeface="카카오 Regular" panose="020B0600000101010101" pitchFamily="50" charset="-127"/>
+                </a:rPr>
+                <a:t>: </a:t>
+              </a:r>
+              <a:r>
+                <a:rPr lang="ko-KR" altLang="en-US" sz="2000" dirty="0">
+                  <a:solidFill>
+                    <a:schemeClr val="tx1">
+                      <a:lumMod val="75000"/>
+                      <a:lumOff val="25000"/>
+                    </a:schemeClr>
+                  </a:solidFill>
+                  <a:latin typeface="카카오 Regular" panose="020B0600000101010101" pitchFamily="50" charset="-127"/>
+                  <a:ea typeface="카카오 Regular" panose="020B0600000101010101" pitchFamily="50" charset="-127"/>
+                </a:rPr>
+                <a:t>공공기관 및 개인 건물 </a:t>
+              </a:r>
+              <a:r>
+                <a:rPr lang="ko-KR" altLang="en-US" sz="2000" dirty="0">
+                  <a:solidFill>
+                    <a:schemeClr val="accent4"/>
+                  </a:solidFill>
+                  <a:latin typeface="카카오 Regular" panose="020B0600000101010101" pitchFamily="50" charset="-127"/>
+                  <a:ea typeface="카카오 Regular" panose="020B0600000101010101" pitchFamily="50" charset="-127"/>
+                </a:rPr>
+                <a:t>관리자</a:t>
+              </a:r>
+              <a:endParaRPr lang="en-US" altLang="ko-KR" sz="2000" dirty="0">
+                <a:solidFill>
+                  <a:schemeClr val="accent4"/>
+                </a:solidFill>
+                <a:latin typeface="카카오 Regular" panose="020B0600000101010101" pitchFamily="50" charset="-127"/>
+                <a:ea typeface="카카오 Regular" panose="020B0600000101010101" pitchFamily="50" charset="-127"/>
+              </a:endParaRPr>
+            </a:p>
+          </p:txBody>
+        </p:sp>
+        <p:pic>
+          <p:nvPicPr>
+            <p:cNvPr id="2050" name="Picture 2" descr="Download free photo of City, city night, skyscraper, building, city scape -  from needpix.com">
+              <a:extLst>
+                <a:ext uri="{FF2B5EF4-FFF2-40B4-BE49-F238E27FC236}">
+                  <a16:creationId xmlns:a16="http://schemas.microsoft.com/office/drawing/2014/main" id="{8CE0C86F-A380-4C6B-B8D9-94ABA3A6F50A}"/>
+                </a:ext>
+              </a:extLst>
+            </p:cNvPr>
+            <p:cNvPicPr>
+              <a:picLocks noChangeAspect="1" noChangeArrowheads="1"/>
+            </p:cNvPicPr>
+            <p:nvPr/>
+          </p:nvPicPr>
+          <p:blipFill>
+            <a:blip r:embed="rId3">
+              <a:extLst>
+                <a:ext uri="{28A0092B-C50C-407E-A947-70E740481C1C}">
+                  <a14:useLocalDpi xmlns:a14="http://schemas.microsoft.com/office/drawing/2010/main" val="0"/>
+                </a:ext>
+              </a:extLst>
+            </a:blip>
+            <a:srcRect/>
+            <a:stretch>
+              <a:fillRect/>
+            </a:stretch>
+          </p:blipFill>
+          <p:spPr bwMode="auto">
+            <a:xfrm>
+              <a:off x="6184489" y="3449278"/>
+              <a:ext cx="5733304" cy="1181408"/>
+            </a:xfrm>
+            <a:prstGeom prst="rect">
+              <a:avLst/>
+            </a:prstGeom>
+            <a:noFill/>
+            <a:extLst>
+              <a:ext uri="{909E8E84-426E-40DD-AFC4-6F175D3DCCD1}">
+                <a14:hiddenFill xmlns:a14="http://schemas.microsoft.com/office/drawing/2010/main">
+                  <a:solidFill>
+                    <a:srgbClr val="FFFFFF"/>
+                  </a:solidFill>
+                </a14:hiddenFill>
+              </a:ext>
+            </a:extLst>
+          </p:spPr>
+        </p:pic>
+      </p:grpSp>
+      <p:pic>
+        <p:nvPicPr>
+          <p:cNvPr id="2052" name="Picture 4" descr="900+ Free Charts &amp; Graph Illustrations - Pixabay">
+            <a:extLst>
+              <a:ext uri="{FF2B5EF4-FFF2-40B4-BE49-F238E27FC236}">
+                <a16:creationId xmlns:a16="http://schemas.microsoft.com/office/drawing/2014/main" id="{A30ED722-964D-40D3-B75A-5A8D061679FB}"/>
+              </a:ext>
+            </a:extLst>
+          </p:cNvPr>
+          <p:cNvPicPr>
+            <a:picLocks noChangeAspect="1" noChangeArrowheads="1"/>
+          </p:cNvPicPr>
+          <p:nvPr/>
+        </p:nvPicPr>
+        <p:blipFill rotWithShape="1">
+          <a:blip r:embed="rId4">
+            <a:extLst>
+              <a:ext uri="{28A0092B-C50C-407E-A947-70E740481C1C}">
+                <a14:useLocalDpi xmlns:a14="http://schemas.microsoft.com/office/drawing/2010/main" val="0"/>
+              </a:ext>
+            </a:extLst>
+          </a:blip>
+          <a:srcRect l="14187" t="19954" r="13953" b="19999"/>
+          <a:stretch/>
+        </p:blipFill>
+        <p:spPr bwMode="auto">
+          <a:xfrm>
+            <a:off x="7516345" y="2230058"/>
+            <a:ext cx="3018503" cy="1944644"/>
+          </a:xfrm>
+          <a:prstGeom prst="rect">
+            <a:avLst/>
+          </a:prstGeom>
+          <a:noFill/>
+          <a:ln>
+            <a:solidFill>
+              <a:schemeClr val="tx1"/>
+            </a:solidFill>
+          </a:ln>
+          <a:extLst>
+            <a:ext uri="{909E8E84-426E-40DD-AFC4-6F175D3DCCD1}">
+              <a14:hiddenFill xmlns:a14="http://schemas.microsoft.com/office/drawing/2010/main">
+                <a:solidFill>
+                  <a:srgbClr val="FFFFFF"/>
+                </a:solidFill>
+              </a14:hiddenFill>
+            </a:ext>
+          </a:extLst>
+        </p:spPr>
+      </p:pic>
+      <p:cxnSp>
+        <p:nvCxnSpPr>
+          <p:cNvPr id="32" name="직선 연결선 31">
+            <a:extLst>
+              <a:ext uri="{FF2B5EF4-FFF2-40B4-BE49-F238E27FC236}">
+                <a16:creationId xmlns:a16="http://schemas.microsoft.com/office/drawing/2014/main" id="{DACF6E58-44E2-4278-8E28-B07D98209745}"/>
+              </a:ext>
+            </a:extLst>
+          </p:cNvPr>
+          <p:cNvCxnSpPr>
+            <a:cxnSpLocks/>
+          </p:cNvCxnSpPr>
+          <p:nvPr/>
+        </p:nvCxnSpPr>
+        <p:spPr>
+          <a:xfrm>
+            <a:off x="7516345" y="4174702"/>
+            <a:ext cx="2630545" cy="859886"/>
+          </a:xfrm>
+          <a:prstGeom prst="line">
+            <a:avLst/>
+          </a:prstGeom>
+        </p:spPr>
+        <p:style>
+          <a:lnRef idx="1">
+            <a:schemeClr val="accent4"/>
+          </a:lnRef>
+          <a:fillRef idx="0">
+            <a:schemeClr val="accent4"/>
+          </a:fillRef>
+          <a:effectRef idx="0">
+            <a:schemeClr val="accent4"/>
+          </a:effectRef>
+          <a:fontRef idx="minor">
+            <a:schemeClr val="tx1"/>
+          </a:fontRef>
+        </p:style>
+      </p:cxnSp>
+      <p:cxnSp>
+        <p:nvCxnSpPr>
+          <p:cNvPr id="34" name="직선 연결선 33">
+            <a:extLst>
+              <a:ext uri="{FF2B5EF4-FFF2-40B4-BE49-F238E27FC236}">
+                <a16:creationId xmlns:a16="http://schemas.microsoft.com/office/drawing/2014/main" id="{0EA4B3FC-5227-4209-97DA-EE56A069A943}"/>
+              </a:ext>
+            </a:extLst>
+          </p:cNvPr>
+          <p:cNvCxnSpPr>
+            <a:cxnSpLocks/>
+          </p:cNvCxnSpPr>
+          <p:nvPr/>
+        </p:nvCxnSpPr>
+        <p:spPr>
+          <a:xfrm flipV="1">
+            <a:off x="10225548" y="4174703"/>
+            <a:ext cx="309300" cy="780755"/>
+          </a:xfrm>
+          <a:prstGeom prst="line">
+            <a:avLst/>
+          </a:prstGeom>
+        </p:spPr>
+        <p:style>
+          <a:lnRef idx="1">
+            <a:schemeClr val="accent4"/>
+          </a:lnRef>
+          <a:fillRef idx="0">
+            <a:schemeClr val="accent4"/>
+          </a:fillRef>
+          <a:effectRef idx="0">
+            <a:schemeClr val="accent4"/>
+          </a:effectRef>
+          <a:fontRef idx="minor">
+            <a:schemeClr val="tx1"/>
+          </a:fontRef>
+        </p:style>
+      </p:cxnSp>
+    </p:spTree>
+    <p:extLst>
+      <p:ext uri="{BB962C8B-B14F-4D97-AF65-F5344CB8AC3E}">
+        <p14:creationId xmlns:p14="http://schemas.microsoft.com/office/powerpoint/2010/main" val="2276349480"/>
+      </p:ext>
+    </p:extLst>
+  </p:cSld>
+  <p:clrMapOvr>
+    <a:masterClrMapping/>
+  </p:clrMapOvr>
+  <mc:AlternateContent xmlns:mc="http://schemas.openxmlformats.org/markup-compatibility/2006">
+    <mc:Choice xmlns:p159="http://schemas.microsoft.com/office/powerpoint/2015/09/main" Requires="p159">
+      <p:transition xmlns:p14="http://schemas.microsoft.com/office/powerpoint/2010/main" spd="slow" p14:dur="2000">
+        <p159:morph option="byObject"/>
+      </p:transition>
+    </mc:Choice>
+    <mc:Fallback>
+      <p:transition spd="slow">
+        <p:fade/>
+      </p:transition>
+    </mc:Fallback>
+  </mc:AlternateContent>
 </p:sld>
 </file>
 

--- a/3_Interim Project Presentation/Interim Project Presentation - 두리번두리번.pptx
+++ b/3_Interim Project Presentation/Interim Project Presentation - 두리번두리번.pptx
@@ -5,7 +5,7 @@
     <p:sldMasterId id="2147483648" r:id="rId1"/>
   </p:sldMasterIdLst>
   <p:notesMasterIdLst>
-    <p:notesMasterId r:id="rId12"/>
+    <p:notesMasterId r:id="rId16"/>
   </p:notesMasterIdLst>
   <p:sldIdLst>
     <p:sldId id="256" r:id="rId2"/>
@@ -18,6 +18,10 @@
     <p:sldId id="265" r:id="rId9"/>
     <p:sldId id="266" r:id="rId10"/>
     <p:sldId id="264" r:id="rId11"/>
+    <p:sldId id="267" r:id="rId12"/>
+    <p:sldId id="268" r:id="rId13"/>
+    <p:sldId id="269" r:id="rId14"/>
+    <p:sldId id="270" r:id="rId15"/>
   </p:sldIdLst>
   <p:sldSz cx="12192000" cy="6858000"/>
   <p:notesSz cx="6858000" cy="9144000"/>
@@ -764,6 +768,2476 @@
     <p:extLst>
       <p:ext uri="{BB962C8B-B14F-4D97-AF65-F5344CB8AC3E}">
         <p14:creationId xmlns:p14="http://schemas.microsoft.com/office/powerpoint/2010/main" val="527176301"/>
+      </p:ext>
+    </p:extLst>
+  </p:cSld>
+  <p:clrMapOvr>
+    <a:masterClrMapping/>
+  </p:clrMapOvr>
+</p:notes>
+</file>
+
+<file path=ppt/notesSlides/notesSlide11.xml><?xml version="1.0" encoding="utf-8"?>
+<p:notes xmlns:a="http://schemas.openxmlformats.org/drawingml/2006/main" xmlns:r="http://schemas.openxmlformats.org/officeDocument/2006/relationships" xmlns:p="http://schemas.openxmlformats.org/presentationml/2006/main">
+  <p:cSld>
+    <p:spTree>
+      <p:nvGrpSpPr>
+        <p:cNvPr id="1" name=""/>
+        <p:cNvGrpSpPr/>
+        <p:nvPr/>
+      </p:nvGrpSpPr>
+      <p:grpSpPr>
+        <a:xfrm>
+          <a:off x="0" y="0"/>
+          <a:ext cx="0" cy="0"/>
+          <a:chOff x="0" y="0"/>
+          <a:chExt cx="0" cy="0"/>
+        </a:xfrm>
+      </p:grpSpPr>
+      <p:sp>
+        <p:nvSpPr>
+          <p:cNvPr id="2" name="슬라이드 이미지 개체 틀 1"/>
+          <p:cNvSpPr>
+            <a:spLocks noGrp="1" noRot="1" noChangeAspect="1"/>
+          </p:cNvSpPr>
+          <p:nvPr>
+            <p:ph type="sldImg"/>
+          </p:nvPr>
+        </p:nvSpPr>
+        <p:spPr/>
+      </p:sp>
+      <p:sp>
+        <p:nvSpPr>
+          <p:cNvPr id="3" name="슬라이드 노트 개체 틀 2"/>
+          <p:cNvSpPr>
+            <a:spLocks noGrp="1"/>
+          </p:cNvSpPr>
+          <p:nvPr>
+            <p:ph type="body" idx="1"/>
+          </p:nvPr>
+        </p:nvSpPr>
+        <p:spPr/>
+        <p:txBody>
+          <a:bodyPr/>
+          <a:lstStyle/>
+          <a:p>
+            <a:pPr marL="0" marR="0" lvl="0" indent="0" algn="l" defTabSz="914400" rtl="0" eaLnBrk="1" fontAlgn="auto" latinLnBrk="1" hangingPunct="1">
+              <a:lnSpc>
+                <a:spcPct val="100000"/>
+              </a:lnSpc>
+              <a:spcBef>
+                <a:spcPts val="0"/>
+              </a:spcBef>
+              <a:spcAft>
+                <a:spcPts val="0"/>
+              </a:spcAft>
+              <a:buClrTx/>
+              <a:buSzTx/>
+              <a:buFontTx/>
+              <a:buNone/>
+              <a:tabLst/>
+              <a:defRPr/>
+            </a:pPr>
+            <a:endParaRPr lang="ko-KR" altLang="en-US" dirty="0"/>
+          </a:p>
+        </p:txBody>
+      </p:sp>
+      <p:sp>
+        <p:nvSpPr>
+          <p:cNvPr id="4" name="슬라이드 번호 개체 틀 3"/>
+          <p:cNvSpPr>
+            <a:spLocks noGrp="1"/>
+          </p:cNvSpPr>
+          <p:nvPr>
+            <p:ph type="sldNum" sz="quarter" idx="5"/>
+          </p:nvPr>
+        </p:nvSpPr>
+        <p:spPr/>
+        <p:txBody>
+          <a:bodyPr/>
+          <a:lstStyle/>
+          <a:p>
+            <a:fld id="{CFEC5C64-9846-41DF-88A9-FAC22ECF479C}" type="slidenum">
+              <a:rPr lang="ko-KR" altLang="en-US" smtClean="0"/>
+              <a:t>11</a:t>
+            </a:fld>
+            <a:endParaRPr lang="ko-KR" altLang="en-US"/>
+          </a:p>
+        </p:txBody>
+      </p:sp>
+    </p:spTree>
+    <p:extLst>
+      <p:ext uri="{BB962C8B-B14F-4D97-AF65-F5344CB8AC3E}">
+        <p14:creationId xmlns:p14="http://schemas.microsoft.com/office/powerpoint/2010/main" val="2198112476"/>
+      </p:ext>
+    </p:extLst>
+  </p:cSld>
+  <p:clrMapOvr>
+    <a:masterClrMapping/>
+  </p:clrMapOvr>
+</p:notes>
+</file>
+
+<file path=ppt/notesSlides/notesSlide12.xml><?xml version="1.0" encoding="utf-8"?>
+<p:notes xmlns:a="http://schemas.openxmlformats.org/drawingml/2006/main" xmlns:r="http://schemas.openxmlformats.org/officeDocument/2006/relationships" xmlns:p="http://schemas.openxmlformats.org/presentationml/2006/main">
+  <p:cSld>
+    <p:spTree>
+      <p:nvGrpSpPr>
+        <p:cNvPr id="1" name=""/>
+        <p:cNvGrpSpPr/>
+        <p:nvPr/>
+      </p:nvGrpSpPr>
+      <p:grpSpPr>
+        <a:xfrm>
+          <a:off x="0" y="0"/>
+          <a:ext cx="0" cy="0"/>
+          <a:chOff x="0" y="0"/>
+          <a:chExt cx="0" cy="0"/>
+        </a:xfrm>
+      </p:grpSpPr>
+      <p:sp>
+        <p:nvSpPr>
+          <p:cNvPr id="2" name="슬라이드 이미지 개체 틀 1"/>
+          <p:cNvSpPr>
+            <a:spLocks noGrp="1" noRot="1" noChangeAspect="1"/>
+          </p:cNvSpPr>
+          <p:nvPr>
+            <p:ph type="sldImg"/>
+          </p:nvPr>
+        </p:nvSpPr>
+        <p:spPr/>
+      </p:sp>
+      <p:sp>
+        <p:nvSpPr>
+          <p:cNvPr id="3" name="슬라이드 노트 개체 틀 2"/>
+          <p:cNvSpPr>
+            <a:spLocks noGrp="1"/>
+          </p:cNvSpPr>
+          <p:nvPr>
+            <p:ph type="body" idx="1"/>
+          </p:nvPr>
+        </p:nvSpPr>
+        <p:spPr/>
+        <p:txBody>
+          <a:bodyPr/>
+          <a:lstStyle/>
+          <a:p>
+            <a:pPr algn="just" latinLnBrk="1">
+              <a:lnSpc>
+                <a:spcPct val="107000"/>
+              </a:lnSpc>
+              <a:spcAft>
+                <a:spcPts val="800"/>
+              </a:spcAft>
+            </a:pPr>
+            <a:r>
+              <a:rPr lang="ko-KR" altLang="en-US" sz="1800" kern="100" dirty="0">
+                <a:effectLst/>
+                <a:latin typeface="맑은 고딕" panose="020B0503020000020004" pitchFamily="50" charset="-127"/>
+                <a:ea typeface="맑은 고딕" panose="020B0503020000020004" pitchFamily="50" charset="-127"/>
+                <a:cs typeface="Times New Roman" panose="02020603050405020304" pitchFamily="18" charset="0"/>
+              </a:rPr>
+              <a:t>이제 이 서비스의 </a:t>
+            </a:r>
+            <a:r>
+              <a:rPr lang="ko-KR" altLang="ko-KR" sz="1800" kern="100" dirty="0">
+                <a:effectLst/>
+                <a:latin typeface="맑은 고딕" panose="020B0503020000020004" pitchFamily="50" charset="-127"/>
+                <a:ea typeface="맑은 고딕" panose="020B0503020000020004" pitchFamily="50" charset="-127"/>
+                <a:cs typeface="Times New Roman" panose="02020603050405020304" pitchFamily="18" charset="0"/>
+              </a:rPr>
+              <a:t>시스템 구성도</a:t>
+            </a:r>
+            <a:r>
+              <a:rPr lang="ko-KR" altLang="en-US" sz="1800" kern="100" dirty="0">
+                <a:effectLst/>
+                <a:latin typeface="맑은 고딕" panose="020B0503020000020004" pitchFamily="50" charset="-127"/>
+                <a:ea typeface="맑은 고딕" panose="020B0503020000020004" pitchFamily="50" charset="-127"/>
+                <a:cs typeface="Times New Roman" panose="02020603050405020304" pitchFamily="18" charset="0"/>
+              </a:rPr>
+              <a:t>에</a:t>
+            </a:r>
+            <a:r>
+              <a:rPr lang="ko-KR" altLang="ko-KR" sz="1800" kern="100" dirty="0">
+                <a:effectLst/>
+                <a:latin typeface="맑은 고딕" panose="020B0503020000020004" pitchFamily="50" charset="-127"/>
+                <a:ea typeface="맑은 고딕" panose="020B0503020000020004" pitchFamily="50" charset="-127"/>
+                <a:cs typeface="Times New Roman" panose="02020603050405020304" pitchFamily="18" charset="0"/>
+              </a:rPr>
+              <a:t> 대해 말씀드리도록 하겠습니다</a:t>
+            </a:r>
+            <a:r>
+              <a:rPr lang="en-US" altLang="ko-KR" sz="1800" kern="100" dirty="0">
+                <a:effectLst/>
+                <a:latin typeface="맑은 고딕" panose="020B0503020000020004" pitchFamily="50" charset="-127"/>
+                <a:ea typeface="맑은 고딕" panose="020B0503020000020004" pitchFamily="50" charset="-127"/>
+                <a:cs typeface="Times New Roman" panose="02020603050405020304" pitchFamily="18" charset="0"/>
+              </a:rPr>
+              <a:t>.</a:t>
+            </a:r>
+          </a:p>
+          <a:p>
+            <a:pPr algn="just" latinLnBrk="1">
+              <a:lnSpc>
+                <a:spcPct val="107000"/>
+              </a:lnSpc>
+              <a:spcAft>
+                <a:spcPts val="800"/>
+              </a:spcAft>
+            </a:pPr>
+            <a:r>
+              <a:rPr lang="ko-KR" altLang="en-US" sz="1800" kern="100" dirty="0">
+                <a:effectLst/>
+                <a:latin typeface="맑은 고딕" panose="020B0503020000020004" pitchFamily="50" charset="-127"/>
+                <a:ea typeface="맑은 고딕" panose="020B0503020000020004" pitchFamily="50" charset="-127"/>
+                <a:cs typeface="Times New Roman" panose="02020603050405020304" pitchFamily="18" charset="0"/>
+              </a:rPr>
+              <a:t>저</a:t>
+            </a:r>
+            <a:r>
+              <a:rPr lang="ko-KR" altLang="ko-KR" sz="1800" kern="100" dirty="0">
+                <a:effectLst/>
+                <a:latin typeface="맑은 고딕" panose="020B0503020000020004" pitchFamily="50" charset="-127"/>
+                <a:ea typeface="맑은 고딕" panose="020B0503020000020004" pitchFamily="50" charset="-127"/>
+                <a:cs typeface="Times New Roman" panose="02020603050405020304" pitchFamily="18" charset="0"/>
+              </a:rPr>
+              <a:t>희</a:t>
+            </a:r>
+            <a:r>
+              <a:rPr lang="en-US" altLang="ko-KR" sz="1800" kern="100" dirty="0">
+                <a:effectLst/>
+                <a:latin typeface="맑은 고딕" panose="020B0503020000020004" pitchFamily="50" charset="-127"/>
+                <a:ea typeface="맑은 고딕" panose="020B0503020000020004" pitchFamily="50" charset="-127"/>
+                <a:cs typeface="Times New Roman" panose="02020603050405020304" pitchFamily="18" charset="0"/>
+              </a:rPr>
+              <a:t> </a:t>
+            </a:r>
+            <a:r>
+              <a:rPr lang="ko-KR" altLang="ko-KR" sz="1800" kern="100" dirty="0">
+                <a:effectLst/>
+                <a:latin typeface="맑은 고딕" panose="020B0503020000020004" pitchFamily="50" charset="-127"/>
+                <a:ea typeface="맑은 고딕" panose="020B0503020000020004" pitchFamily="50" charset="-127"/>
+                <a:cs typeface="Times New Roman" panose="02020603050405020304" pitchFamily="18" charset="0"/>
+              </a:rPr>
+              <a:t>앱은 </a:t>
+            </a:r>
+            <a:r>
+              <a:rPr lang="ko-KR" altLang="ko-KR" sz="1800" kern="100" dirty="0" err="1">
+                <a:effectLst/>
+                <a:latin typeface="맑은 고딕" panose="020B0503020000020004" pitchFamily="50" charset="-127"/>
+                <a:ea typeface="맑은 고딕" panose="020B0503020000020004" pitchFamily="50" charset="-127"/>
+                <a:cs typeface="Times New Roman" panose="02020603050405020304" pitchFamily="18" charset="0"/>
+              </a:rPr>
+              <a:t>웹앱</a:t>
+            </a:r>
+            <a:r>
+              <a:rPr lang="ko-KR" altLang="ko-KR" sz="1800" kern="100" dirty="0">
+                <a:effectLst/>
+                <a:latin typeface="맑은 고딕" panose="020B0503020000020004" pitchFamily="50" charset="-127"/>
+                <a:ea typeface="맑은 고딕" panose="020B0503020000020004" pitchFamily="50" charset="-127"/>
+                <a:cs typeface="Times New Roman" panose="02020603050405020304" pitchFamily="18" charset="0"/>
+              </a:rPr>
+              <a:t> 구조로써</a:t>
+            </a:r>
+            <a:r>
+              <a:rPr lang="en-US" altLang="ko-KR" sz="1800" kern="100" dirty="0">
+                <a:effectLst/>
+                <a:latin typeface="맑은 고딕" panose="020B0503020000020004" pitchFamily="50" charset="-127"/>
+                <a:ea typeface="맑은 고딕" panose="020B0503020000020004" pitchFamily="50" charset="-127"/>
+                <a:cs typeface="Times New Roman" panose="02020603050405020304" pitchFamily="18" charset="0"/>
+              </a:rPr>
+              <a:t>, APP</a:t>
+            </a:r>
+            <a:r>
+              <a:rPr lang="ko-KR" altLang="ko-KR" sz="1800" kern="100" dirty="0">
+                <a:effectLst/>
+                <a:latin typeface="맑은 고딕" panose="020B0503020000020004" pitchFamily="50" charset="-127"/>
+                <a:ea typeface="맑은 고딕" panose="020B0503020000020004" pitchFamily="50" charset="-127"/>
+                <a:cs typeface="Times New Roman" panose="02020603050405020304" pitchFamily="18" charset="0"/>
+              </a:rPr>
+              <a:t>에서 </a:t>
+            </a:r>
+            <a:r>
+              <a:rPr lang="en-US" altLang="ko-KR" sz="1800" kern="100" dirty="0">
+                <a:effectLst/>
+                <a:latin typeface="맑은 고딕" panose="020B0503020000020004" pitchFamily="50" charset="-127"/>
+                <a:ea typeface="맑은 고딕" panose="020B0503020000020004" pitchFamily="50" charset="-127"/>
+                <a:cs typeface="Times New Roman" panose="02020603050405020304" pitchFamily="18" charset="0"/>
+              </a:rPr>
+              <a:t>WebView</a:t>
+            </a:r>
+            <a:r>
+              <a:rPr lang="ko-KR" altLang="ko-KR" sz="1800" kern="100" dirty="0">
+                <a:effectLst/>
+                <a:latin typeface="맑은 고딕" panose="020B0503020000020004" pitchFamily="50" charset="-127"/>
+                <a:ea typeface="맑은 고딕" panose="020B0503020000020004" pitchFamily="50" charset="-127"/>
+                <a:cs typeface="Times New Roman" panose="02020603050405020304" pitchFamily="18" charset="0"/>
+              </a:rPr>
+              <a:t>액티비티를 통해 </a:t>
+            </a:r>
+            <a:endParaRPr lang="en-US" altLang="ko-KR" sz="1800" kern="100" dirty="0">
+              <a:effectLst/>
+              <a:latin typeface="맑은 고딕" panose="020B0503020000020004" pitchFamily="50" charset="-127"/>
+              <a:ea typeface="맑은 고딕" panose="020B0503020000020004" pitchFamily="50" charset="-127"/>
+              <a:cs typeface="Times New Roman" panose="02020603050405020304" pitchFamily="18" charset="0"/>
+            </a:endParaRPr>
+          </a:p>
+          <a:p>
+            <a:pPr algn="just" latinLnBrk="1">
+              <a:lnSpc>
+                <a:spcPct val="107000"/>
+              </a:lnSpc>
+              <a:spcAft>
+                <a:spcPts val="800"/>
+              </a:spcAft>
+            </a:pPr>
+            <a:r>
+              <a:rPr lang="en-US" altLang="ko-KR" sz="1800" kern="100" dirty="0">
+                <a:effectLst/>
+                <a:latin typeface="맑은 고딕" panose="020B0503020000020004" pitchFamily="50" charset="-127"/>
+                <a:ea typeface="맑은 고딕" panose="020B0503020000020004" pitchFamily="50" charset="-127"/>
+                <a:cs typeface="Times New Roman" panose="02020603050405020304" pitchFamily="18" charset="0"/>
+              </a:rPr>
+              <a:t>GCP</a:t>
+            </a:r>
+            <a:r>
+              <a:rPr lang="ko-KR" altLang="ko-KR" sz="1800" kern="100" dirty="0">
+                <a:effectLst/>
+                <a:latin typeface="맑은 고딕" panose="020B0503020000020004" pitchFamily="50" charset="-127"/>
+                <a:ea typeface="맑은 고딕" panose="020B0503020000020004" pitchFamily="50" charset="-127"/>
+                <a:cs typeface="Times New Roman" panose="02020603050405020304" pitchFamily="18" charset="0"/>
+              </a:rPr>
+              <a:t>서버</a:t>
+            </a:r>
+            <a:r>
+              <a:rPr lang="en-US" altLang="ko-KR" sz="1800" kern="100" dirty="0">
+                <a:effectLst/>
+                <a:latin typeface="맑은 고딕" panose="020B0503020000020004" pitchFamily="50" charset="-127"/>
+                <a:ea typeface="맑은 고딕" panose="020B0503020000020004" pitchFamily="50" charset="-127"/>
+                <a:cs typeface="Times New Roman" panose="02020603050405020304" pitchFamily="18" charset="0"/>
+              </a:rPr>
+              <a:t> </a:t>
+            </a:r>
+            <a:r>
+              <a:rPr lang="ko-KR" altLang="ko-KR" sz="1800" kern="100" dirty="0">
+                <a:effectLst/>
+                <a:latin typeface="맑은 고딕" panose="020B0503020000020004" pitchFamily="50" charset="-127"/>
+                <a:ea typeface="맑은 고딕" panose="020B0503020000020004" pitchFamily="50" charset="-127"/>
+                <a:cs typeface="Times New Roman" panose="02020603050405020304" pitchFamily="18" charset="0"/>
+              </a:rPr>
+              <a:t>상에 있는 </a:t>
+            </a:r>
+            <a:r>
+              <a:rPr lang="en-US" altLang="ko-KR" sz="1800" kern="100" dirty="0">
+                <a:effectLst/>
+                <a:latin typeface="맑은 고딕" panose="020B0503020000020004" pitchFamily="50" charset="-127"/>
+                <a:ea typeface="맑은 고딕" panose="020B0503020000020004" pitchFamily="50" charset="-127"/>
+                <a:cs typeface="Times New Roman" panose="02020603050405020304" pitchFamily="18" charset="0"/>
+              </a:rPr>
+              <a:t>responsive-</a:t>
+            </a:r>
+            <a:r>
+              <a:rPr lang="ko-KR" altLang="ko-KR" sz="1800" kern="100" dirty="0">
+                <a:effectLst/>
+                <a:latin typeface="맑은 고딕" panose="020B0503020000020004" pitchFamily="50" charset="-127"/>
+                <a:ea typeface="맑은 고딕" panose="020B0503020000020004" pitchFamily="50" charset="-127"/>
+                <a:cs typeface="Times New Roman" panose="02020603050405020304" pitchFamily="18" charset="0"/>
+              </a:rPr>
+              <a:t>웹페이지를 불러와 서비스를 제공할 예정입니다</a:t>
+            </a:r>
+            <a:r>
+              <a:rPr lang="en-US" altLang="ko-KR" sz="1800" kern="100" dirty="0">
+                <a:effectLst/>
+                <a:latin typeface="맑은 고딕" panose="020B0503020000020004" pitchFamily="50" charset="-127"/>
+                <a:ea typeface="맑은 고딕" panose="020B0503020000020004" pitchFamily="50" charset="-127"/>
+                <a:cs typeface="Times New Roman" panose="02020603050405020304" pitchFamily="18" charset="0"/>
+              </a:rPr>
+              <a:t>.</a:t>
+            </a:r>
+            <a:endParaRPr lang="ko-KR" altLang="ko-KR" sz="1800" kern="100" dirty="0">
+              <a:effectLst/>
+              <a:latin typeface="맑은 고딕" panose="020B0503020000020004" pitchFamily="50" charset="-127"/>
+              <a:ea typeface="맑은 고딕" panose="020B0503020000020004" pitchFamily="50" charset="-127"/>
+              <a:cs typeface="Times New Roman" panose="02020603050405020304" pitchFamily="18" charset="0"/>
+            </a:endParaRPr>
+          </a:p>
+          <a:p>
+            <a:pPr algn="just" latinLnBrk="1">
+              <a:lnSpc>
+                <a:spcPct val="107000"/>
+              </a:lnSpc>
+              <a:spcAft>
+                <a:spcPts val="800"/>
+              </a:spcAft>
+            </a:pPr>
+            <a:r>
+              <a:rPr lang="ko-KR" altLang="en-US" sz="1800" kern="100" dirty="0">
+                <a:effectLst/>
+                <a:latin typeface="맑은 고딕" panose="020B0503020000020004" pitchFamily="50" charset="-127"/>
+                <a:ea typeface="맑은 고딕" panose="020B0503020000020004" pitchFamily="50" charset="-127"/>
+                <a:cs typeface="Times New Roman" panose="02020603050405020304" pitchFamily="18" charset="0"/>
+              </a:rPr>
+              <a:t>디바이스의 경우</a:t>
+            </a:r>
+            <a:r>
+              <a:rPr lang="en-US" altLang="ko-KR" sz="1800" kern="100" dirty="0">
+                <a:effectLst/>
+                <a:latin typeface="맑은 고딕" panose="020B0503020000020004" pitchFamily="50" charset="-127"/>
+                <a:ea typeface="맑은 고딕" panose="020B0503020000020004" pitchFamily="50" charset="-127"/>
+                <a:cs typeface="Times New Roman" panose="02020603050405020304" pitchFamily="18" charset="0"/>
+              </a:rPr>
+              <a:t>, </a:t>
+            </a:r>
+            <a:r>
+              <a:rPr lang="ko-KR" altLang="ko-KR" sz="1800" kern="100" dirty="0" err="1">
+                <a:effectLst/>
+                <a:latin typeface="맑은 고딕" panose="020B0503020000020004" pitchFamily="50" charset="-127"/>
+                <a:ea typeface="맑은 고딕" panose="020B0503020000020004" pitchFamily="50" charset="-127"/>
+                <a:cs typeface="Times New Roman" panose="02020603050405020304" pitchFamily="18" charset="0"/>
+              </a:rPr>
+              <a:t>아두이노와</a:t>
+            </a:r>
+            <a:r>
+              <a:rPr lang="ko-KR" altLang="ko-KR" sz="1800" kern="100" dirty="0">
+                <a:effectLst/>
+                <a:latin typeface="맑은 고딕" panose="020B0503020000020004" pitchFamily="50" charset="-127"/>
+                <a:ea typeface="맑은 고딕" panose="020B0503020000020004" pitchFamily="50" charset="-127"/>
+                <a:cs typeface="Times New Roman" panose="02020603050405020304" pitchFamily="18" charset="0"/>
+              </a:rPr>
+              <a:t> </a:t>
+            </a:r>
+            <a:r>
+              <a:rPr lang="ko-KR" altLang="ko-KR" sz="1800" kern="100" dirty="0" err="1">
+                <a:effectLst/>
+                <a:latin typeface="맑은 고딕" panose="020B0503020000020004" pitchFamily="50" charset="-127"/>
+                <a:ea typeface="맑은 고딕" panose="020B0503020000020004" pitchFamily="50" charset="-127"/>
+                <a:cs typeface="Times New Roman" panose="02020603050405020304" pitchFamily="18" charset="0"/>
+              </a:rPr>
+              <a:t>로드셀을</a:t>
+            </a:r>
+            <a:r>
+              <a:rPr lang="ko-KR" altLang="ko-KR" sz="1800" kern="100" dirty="0">
+                <a:effectLst/>
+                <a:latin typeface="맑은 고딕" panose="020B0503020000020004" pitchFamily="50" charset="-127"/>
+                <a:ea typeface="맑은 고딕" panose="020B0503020000020004" pitchFamily="50" charset="-127"/>
+                <a:cs typeface="Times New Roman" panose="02020603050405020304" pitchFamily="18" charset="0"/>
+              </a:rPr>
+              <a:t> </a:t>
+            </a:r>
+            <a:r>
+              <a:rPr lang="en-US" altLang="ko-KR" sz="1800" kern="100" dirty="0">
+                <a:effectLst/>
+                <a:latin typeface="맑은 고딕" panose="020B0503020000020004" pitchFamily="50" charset="-127"/>
+                <a:ea typeface="맑은 고딕" panose="020B0503020000020004" pitchFamily="50" charset="-127"/>
+                <a:cs typeface="Times New Roman" panose="02020603050405020304" pitchFamily="18" charset="0"/>
+              </a:rPr>
+              <a:t>hx711</a:t>
+            </a:r>
+            <a:r>
+              <a:rPr lang="ko-KR" altLang="ko-KR" sz="1800" kern="100" dirty="0">
+                <a:effectLst/>
+                <a:latin typeface="맑은 고딕" panose="020B0503020000020004" pitchFamily="50" charset="-127"/>
+                <a:ea typeface="맑은 고딕" panose="020B0503020000020004" pitchFamily="50" charset="-127"/>
+                <a:cs typeface="Times New Roman" panose="02020603050405020304" pitchFamily="18" charset="0"/>
+              </a:rPr>
+              <a:t>을 이용하여 연결한</a:t>
+            </a:r>
+            <a:r>
+              <a:rPr lang="en-US" altLang="ko-KR" sz="1800" kern="100" dirty="0">
+                <a:effectLst/>
+                <a:latin typeface="맑은 고딕" panose="020B0503020000020004" pitchFamily="50" charset="-127"/>
+                <a:ea typeface="맑은 고딕" panose="020B0503020000020004" pitchFamily="50" charset="-127"/>
+                <a:cs typeface="Times New Roman" panose="02020603050405020304" pitchFamily="18" charset="0"/>
+              </a:rPr>
+              <a:t> </a:t>
+            </a:r>
+            <a:r>
+              <a:rPr lang="ko-KR" altLang="ko-KR" sz="1800" kern="100" dirty="0">
+                <a:effectLst/>
+                <a:latin typeface="맑은 고딕" panose="020B0503020000020004" pitchFamily="50" charset="-127"/>
+                <a:ea typeface="맑은 고딕" panose="020B0503020000020004" pitchFamily="50" charset="-127"/>
+                <a:cs typeface="Times New Roman" panose="02020603050405020304" pitchFamily="18" charset="0"/>
+              </a:rPr>
+              <a:t>뒤</a:t>
+            </a:r>
+            <a:r>
+              <a:rPr lang="en-US" altLang="ko-KR" sz="1800" kern="100" dirty="0">
+                <a:effectLst/>
+                <a:latin typeface="맑은 고딕" panose="020B0503020000020004" pitchFamily="50" charset="-127"/>
+                <a:ea typeface="맑은 고딕" panose="020B0503020000020004" pitchFamily="50" charset="-127"/>
+                <a:cs typeface="Times New Roman" panose="02020603050405020304" pitchFamily="18" charset="0"/>
+              </a:rPr>
+              <a:t>, </a:t>
+            </a:r>
+            <a:r>
+              <a:rPr lang="ko-KR" altLang="ko-KR" sz="1800" kern="100" dirty="0">
+                <a:effectLst/>
+                <a:latin typeface="맑은 고딕" panose="020B0503020000020004" pitchFamily="50" charset="-127"/>
+                <a:ea typeface="맑은 고딕" panose="020B0503020000020004" pitchFamily="50" charset="-127"/>
+                <a:cs typeface="Times New Roman" panose="02020603050405020304" pitchFamily="18" charset="0"/>
+              </a:rPr>
+              <a:t>손세정제의 무게를 받아올 것입니다</a:t>
+            </a:r>
+            <a:r>
+              <a:rPr lang="en-US" altLang="ko-KR" sz="1800" kern="100" dirty="0">
+                <a:effectLst/>
+                <a:latin typeface="맑은 고딕" panose="020B0503020000020004" pitchFamily="50" charset="-127"/>
+                <a:ea typeface="맑은 고딕" panose="020B0503020000020004" pitchFamily="50" charset="-127"/>
+                <a:cs typeface="Times New Roman" panose="02020603050405020304" pitchFamily="18" charset="0"/>
+              </a:rPr>
+              <a:t>.</a:t>
+            </a:r>
+            <a:endParaRPr lang="ko-KR" altLang="ko-KR" sz="1800" kern="100" dirty="0">
+              <a:effectLst/>
+              <a:latin typeface="맑은 고딕" panose="020B0503020000020004" pitchFamily="50" charset="-127"/>
+              <a:ea typeface="맑은 고딕" panose="020B0503020000020004" pitchFamily="50" charset="-127"/>
+              <a:cs typeface="Times New Roman" panose="02020603050405020304" pitchFamily="18" charset="0"/>
+            </a:endParaRPr>
+          </a:p>
+          <a:p>
+            <a:pPr algn="just" latinLnBrk="1">
+              <a:lnSpc>
+                <a:spcPct val="107000"/>
+              </a:lnSpc>
+              <a:spcAft>
+                <a:spcPts val="800"/>
+              </a:spcAft>
+            </a:pPr>
+            <a:r>
+              <a:rPr lang="ko-KR" altLang="ko-KR" sz="1800" kern="100" dirty="0">
+                <a:effectLst/>
+                <a:latin typeface="맑은 고딕" panose="020B0503020000020004" pitchFamily="50" charset="-127"/>
+                <a:ea typeface="맑은 고딕" panose="020B0503020000020004" pitchFamily="50" charset="-127"/>
+                <a:cs typeface="Times New Roman" panose="02020603050405020304" pitchFamily="18" charset="0"/>
+              </a:rPr>
+              <a:t>그리고 받아온 무게</a:t>
+            </a:r>
+            <a:r>
+              <a:rPr lang="ko-KR" altLang="en-US" sz="1800" kern="100" dirty="0">
+                <a:effectLst/>
+                <a:latin typeface="맑은 고딕" panose="020B0503020000020004" pitchFamily="50" charset="-127"/>
+                <a:ea typeface="맑은 고딕" panose="020B0503020000020004" pitchFamily="50" charset="-127"/>
+                <a:cs typeface="Times New Roman" panose="02020603050405020304" pitchFamily="18" charset="0"/>
+              </a:rPr>
+              <a:t>는</a:t>
+            </a:r>
+            <a:r>
+              <a:rPr lang="ko-KR" altLang="ko-KR" sz="1800" kern="100" dirty="0">
+                <a:effectLst/>
+                <a:latin typeface="맑은 고딕" panose="020B0503020000020004" pitchFamily="50" charset="-127"/>
+                <a:ea typeface="맑은 고딕" panose="020B0503020000020004" pitchFamily="50" charset="-127"/>
+                <a:cs typeface="Times New Roman" panose="02020603050405020304" pitchFamily="18" charset="0"/>
+              </a:rPr>
+              <a:t> </a:t>
+            </a:r>
+            <a:r>
+              <a:rPr lang="en-US" altLang="ko-KR" sz="1800" kern="100" dirty="0" err="1">
+                <a:effectLst/>
+                <a:latin typeface="맑은 고딕" panose="020B0503020000020004" pitchFamily="50" charset="-127"/>
+                <a:ea typeface="맑은 고딕" panose="020B0503020000020004" pitchFamily="50" charset="-127"/>
+                <a:cs typeface="Times New Roman" panose="02020603050405020304" pitchFamily="18" charset="0"/>
+              </a:rPr>
+              <a:t>esp</a:t>
+            </a:r>
+            <a:r>
+              <a:rPr lang="ko-KR" altLang="ko-KR" sz="1800" kern="100" dirty="0">
+                <a:effectLst/>
+                <a:latin typeface="맑은 고딕" panose="020B0503020000020004" pitchFamily="50" charset="-127"/>
+                <a:ea typeface="맑은 고딕" panose="020B0503020000020004" pitchFamily="50" charset="-127"/>
+                <a:cs typeface="Times New Roman" panose="02020603050405020304" pitchFamily="18" charset="0"/>
+              </a:rPr>
+              <a:t>모듈을 이용하여 와이파이</a:t>
+            </a:r>
+            <a:r>
+              <a:rPr lang="ko-KR" altLang="en-US" sz="1800" kern="100" dirty="0">
+                <a:effectLst/>
+                <a:latin typeface="맑은 고딕" panose="020B0503020000020004" pitchFamily="50" charset="-127"/>
+                <a:ea typeface="맑은 고딕" panose="020B0503020000020004" pitchFamily="50" charset="-127"/>
+                <a:cs typeface="Times New Roman" panose="02020603050405020304" pitchFamily="18" charset="0"/>
+              </a:rPr>
+              <a:t>에 연결하고</a:t>
+            </a:r>
+            <a:r>
+              <a:rPr lang="en-US" altLang="ko-KR" sz="1800" kern="100" dirty="0">
+                <a:effectLst/>
+                <a:latin typeface="맑은 고딕" panose="020B0503020000020004" pitchFamily="50" charset="-127"/>
+                <a:ea typeface="맑은 고딕" panose="020B0503020000020004" pitchFamily="50" charset="-127"/>
+                <a:cs typeface="Times New Roman" panose="02020603050405020304" pitchFamily="18" charset="0"/>
+              </a:rPr>
+              <a:t>, &amp;cube</a:t>
+            </a:r>
+            <a:r>
+              <a:rPr lang="ko-KR" altLang="ko-KR" sz="1800" kern="100" dirty="0">
+                <a:effectLst/>
+                <a:latin typeface="맑은 고딕" panose="020B0503020000020004" pitchFamily="50" charset="-127"/>
+                <a:ea typeface="맑은 고딕" panose="020B0503020000020004" pitchFamily="50" charset="-127"/>
+                <a:cs typeface="Times New Roman" panose="02020603050405020304" pitchFamily="18" charset="0"/>
+              </a:rPr>
+              <a:t>를 이용하여 </a:t>
+            </a:r>
+            <a:r>
+              <a:rPr lang="ko-KR" altLang="ko-KR" sz="1800" kern="100" dirty="0" err="1">
+                <a:effectLst/>
+                <a:latin typeface="맑은 고딕" panose="020B0503020000020004" pitchFamily="50" charset="-127"/>
+                <a:ea typeface="맑은 고딕" panose="020B0503020000020004" pitchFamily="50" charset="-127"/>
+                <a:cs typeface="Times New Roman" panose="02020603050405020304" pitchFamily="18" charset="0"/>
+              </a:rPr>
+              <a:t>모비우스</a:t>
+            </a:r>
+            <a:r>
+              <a:rPr lang="en-US" altLang="ko-KR" sz="1800" kern="100" dirty="0">
+                <a:effectLst/>
+                <a:latin typeface="맑은 고딕" panose="020B0503020000020004" pitchFamily="50" charset="-127"/>
+                <a:ea typeface="맑은 고딕" panose="020B0503020000020004" pitchFamily="50" charset="-127"/>
+                <a:cs typeface="Times New Roman" panose="02020603050405020304" pitchFamily="18" charset="0"/>
+              </a:rPr>
+              <a:t> </a:t>
+            </a:r>
+            <a:r>
+              <a:rPr lang="ko-KR" altLang="ko-KR" sz="1800" kern="100" dirty="0">
+                <a:effectLst/>
+                <a:latin typeface="맑은 고딕" panose="020B0503020000020004" pitchFamily="50" charset="-127"/>
+                <a:ea typeface="맑은 고딕" panose="020B0503020000020004" pitchFamily="50" charset="-127"/>
+                <a:cs typeface="Times New Roman" panose="02020603050405020304" pitchFamily="18" charset="0"/>
+              </a:rPr>
+              <a:t>서버로 무게데이터를 전송합니다</a:t>
+            </a:r>
+            <a:r>
+              <a:rPr lang="en-US" altLang="ko-KR" sz="1800" kern="100" dirty="0">
+                <a:effectLst/>
+                <a:latin typeface="맑은 고딕" panose="020B0503020000020004" pitchFamily="50" charset="-127"/>
+                <a:ea typeface="맑은 고딕" panose="020B0503020000020004" pitchFamily="50" charset="-127"/>
+                <a:cs typeface="Times New Roman" panose="02020603050405020304" pitchFamily="18" charset="0"/>
+              </a:rPr>
+              <a:t>.</a:t>
+            </a:r>
+            <a:endParaRPr lang="ko-KR" altLang="ko-KR" sz="1800" kern="100" dirty="0">
+              <a:effectLst/>
+              <a:latin typeface="맑은 고딕" panose="020B0503020000020004" pitchFamily="50" charset="-127"/>
+              <a:ea typeface="맑은 고딕" panose="020B0503020000020004" pitchFamily="50" charset="-127"/>
+              <a:cs typeface="Times New Roman" panose="02020603050405020304" pitchFamily="18" charset="0"/>
+            </a:endParaRPr>
+          </a:p>
+          <a:p>
+            <a:pPr algn="just" latinLnBrk="1">
+              <a:lnSpc>
+                <a:spcPct val="107000"/>
+              </a:lnSpc>
+              <a:spcAft>
+                <a:spcPts val="800"/>
+              </a:spcAft>
+            </a:pPr>
+            <a:r>
+              <a:rPr lang="ko-KR" altLang="ko-KR" sz="1800" kern="100" dirty="0" err="1">
+                <a:effectLst/>
+                <a:latin typeface="맑은 고딕" panose="020B0503020000020004" pitchFamily="50" charset="-127"/>
+                <a:ea typeface="맑은 고딕" panose="020B0503020000020004" pitchFamily="50" charset="-127"/>
+                <a:cs typeface="Times New Roman" panose="02020603050405020304" pitchFamily="18" charset="0"/>
+              </a:rPr>
+              <a:t>모비우스에</a:t>
+            </a:r>
+            <a:r>
+              <a:rPr lang="ko-KR" altLang="ko-KR" sz="1800" kern="100" dirty="0">
+                <a:effectLst/>
+                <a:latin typeface="맑은 고딕" panose="020B0503020000020004" pitchFamily="50" charset="-127"/>
+                <a:ea typeface="맑은 고딕" panose="020B0503020000020004" pitchFamily="50" charset="-127"/>
+                <a:cs typeface="Times New Roman" panose="02020603050405020304" pitchFamily="18" charset="0"/>
+              </a:rPr>
+              <a:t> 존재하는 손세정제 무게데이터</a:t>
+            </a:r>
+            <a:r>
+              <a:rPr lang="ko-KR" altLang="en-US" sz="1800" kern="100" dirty="0">
+                <a:effectLst/>
+                <a:latin typeface="맑은 고딕" panose="020B0503020000020004" pitchFamily="50" charset="-127"/>
+                <a:ea typeface="맑은 고딕" panose="020B0503020000020004" pitchFamily="50" charset="-127"/>
+                <a:cs typeface="Times New Roman" panose="02020603050405020304" pitchFamily="18" charset="0"/>
+              </a:rPr>
+              <a:t>는 </a:t>
+            </a:r>
+            <a:r>
+              <a:rPr lang="ko-KR" altLang="en-US" sz="1800" kern="100" dirty="0" err="1">
+                <a:effectLst/>
+                <a:latin typeface="맑은 고딕" panose="020B0503020000020004" pitchFamily="50" charset="-127"/>
+                <a:ea typeface="맑은 고딕" panose="020B0503020000020004" pitchFamily="50" charset="-127"/>
+                <a:cs typeface="Times New Roman" panose="02020603050405020304" pitchFamily="18" charset="0"/>
+              </a:rPr>
+              <a:t>포스트맨을</a:t>
+            </a:r>
+            <a:r>
+              <a:rPr lang="ko-KR" altLang="en-US" sz="1800" kern="100" dirty="0">
+                <a:effectLst/>
+                <a:latin typeface="맑은 고딕" panose="020B0503020000020004" pitchFamily="50" charset="-127"/>
+                <a:ea typeface="맑은 고딕" panose="020B0503020000020004" pitchFamily="50" charset="-127"/>
+                <a:cs typeface="Times New Roman" panose="02020603050405020304" pitchFamily="18" charset="0"/>
+              </a:rPr>
+              <a:t> 통하여 데이터베이스에 저장되고</a:t>
+            </a:r>
+            <a:r>
+              <a:rPr lang="en-US" altLang="ko-KR" sz="1800" kern="100" dirty="0">
+                <a:effectLst/>
+                <a:latin typeface="맑은 고딕" panose="020B0503020000020004" pitchFamily="50" charset="-127"/>
+                <a:ea typeface="맑은 고딕" panose="020B0503020000020004" pitchFamily="50" charset="-127"/>
+                <a:cs typeface="Times New Roman" panose="02020603050405020304" pitchFamily="18" charset="0"/>
+              </a:rPr>
+              <a:t>, </a:t>
+            </a:r>
+            <a:endParaRPr lang="ko-KR" altLang="ko-KR" sz="1800" kern="100" dirty="0">
+              <a:effectLst/>
+              <a:latin typeface="맑은 고딕" panose="020B0503020000020004" pitchFamily="50" charset="-127"/>
+              <a:ea typeface="맑은 고딕" panose="020B0503020000020004" pitchFamily="50" charset="-127"/>
+              <a:cs typeface="Times New Roman" panose="02020603050405020304" pitchFamily="18" charset="0"/>
+            </a:endParaRPr>
+          </a:p>
+          <a:p>
+            <a:pPr marL="127000" indent="-127000" algn="just" latinLnBrk="1">
+              <a:lnSpc>
+                <a:spcPct val="107000"/>
+              </a:lnSpc>
+              <a:spcAft>
+                <a:spcPts val="800"/>
+              </a:spcAft>
+            </a:pPr>
+            <a:r>
+              <a:rPr lang="ko-KR" altLang="ko-KR" sz="1800" kern="100" dirty="0">
+                <a:effectLst/>
+                <a:latin typeface="맑은 고딕" panose="020B0503020000020004" pitchFamily="50" charset="-127"/>
+                <a:ea typeface="맑은 고딕" panose="020B0503020000020004" pitchFamily="50" charset="-127"/>
+                <a:cs typeface="Times New Roman" panose="02020603050405020304" pitchFamily="18" charset="0"/>
+              </a:rPr>
+              <a:t>웹페이지</a:t>
+            </a:r>
+            <a:r>
+              <a:rPr lang="ko-KR" altLang="en-US" sz="1800" kern="100" dirty="0">
+                <a:effectLst/>
+                <a:latin typeface="맑은 고딕" panose="020B0503020000020004" pitchFamily="50" charset="-127"/>
+                <a:ea typeface="맑은 고딕" panose="020B0503020000020004" pitchFamily="50" charset="-127"/>
+                <a:cs typeface="Times New Roman" panose="02020603050405020304" pitchFamily="18" charset="0"/>
+              </a:rPr>
+              <a:t>는 이 데이터베이스에 있는 데이터를 통해 </a:t>
+            </a:r>
+            <a:r>
+              <a:rPr lang="ko-KR" altLang="ko-KR" sz="1800" kern="100" dirty="0">
+                <a:effectLst/>
+                <a:latin typeface="맑은 고딕" panose="020B0503020000020004" pitchFamily="50" charset="-127"/>
+                <a:ea typeface="맑은 고딕" panose="020B0503020000020004" pitchFamily="50" charset="-127"/>
+                <a:cs typeface="Times New Roman" panose="02020603050405020304" pitchFamily="18" charset="0"/>
+              </a:rPr>
+              <a:t>손세정제의 잔여 상황을</a:t>
+            </a:r>
+            <a:r>
+              <a:rPr lang="en-US" altLang="ko-KR" sz="1800" kern="100" dirty="0">
+                <a:effectLst/>
+                <a:latin typeface="맑은 고딕" panose="020B0503020000020004" pitchFamily="50" charset="-127"/>
+                <a:ea typeface="맑은 고딕" panose="020B0503020000020004" pitchFamily="50" charset="-127"/>
+                <a:cs typeface="Times New Roman" panose="02020603050405020304" pitchFamily="18" charset="0"/>
+              </a:rPr>
+              <a:t> </a:t>
+            </a:r>
+            <a:r>
+              <a:rPr lang="ko-KR" altLang="ko-KR" sz="1800" kern="100" dirty="0" err="1">
+                <a:effectLst/>
+                <a:latin typeface="맑은 고딕" panose="020B0503020000020004" pitchFamily="50" charset="-127"/>
+                <a:ea typeface="맑은 고딕" panose="020B0503020000020004" pitchFamily="50" charset="-127"/>
+                <a:cs typeface="Times New Roman" panose="02020603050405020304" pitchFamily="18" charset="0"/>
+              </a:rPr>
+              <a:t>시각화하여</a:t>
+            </a:r>
+            <a:r>
+              <a:rPr lang="ko-KR" altLang="ko-KR" sz="1800" kern="100" dirty="0">
+                <a:effectLst/>
+                <a:latin typeface="맑은 고딕" panose="020B0503020000020004" pitchFamily="50" charset="-127"/>
+                <a:ea typeface="맑은 고딕" panose="020B0503020000020004" pitchFamily="50" charset="-127"/>
+                <a:cs typeface="Times New Roman" panose="02020603050405020304" pitchFamily="18" charset="0"/>
+              </a:rPr>
+              <a:t> 표현</a:t>
+            </a:r>
+            <a:r>
+              <a:rPr lang="ko-KR" altLang="en-US" sz="1800" kern="100" dirty="0">
+                <a:effectLst/>
+                <a:latin typeface="맑은 고딕" panose="020B0503020000020004" pitchFamily="50" charset="-127"/>
+                <a:ea typeface="맑은 고딕" panose="020B0503020000020004" pitchFamily="50" charset="-127"/>
+                <a:cs typeface="Times New Roman" panose="02020603050405020304" pitchFamily="18" charset="0"/>
+              </a:rPr>
+              <a:t>합니다</a:t>
+            </a:r>
+            <a:r>
+              <a:rPr lang="en-US" altLang="ko-KR" sz="1800" kern="100" dirty="0">
+                <a:effectLst/>
+                <a:latin typeface="맑은 고딕" panose="020B0503020000020004" pitchFamily="50" charset="-127"/>
+                <a:ea typeface="맑은 고딕" panose="020B0503020000020004" pitchFamily="50" charset="-127"/>
+                <a:cs typeface="Times New Roman" panose="02020603050405020304" pitchFamily="18" charset="0"/>
+              </a:rPr>
+              <a:t>.</a:t>
+            </a:r>
+          </a:p>
+          <a:p>
+            <a:pPr marL="127000" indent="-127000" algn="just" latinLnBrk="1">
+              <a:lnSpc>
+                <a:spcPct val="107000"/>
+              </a:lnSpc>
+              <a:spcAft>
+                <a:spcPts val="800"/>
+              </a:spcAft>
+            </a:pPr>
+            <a:r>
+              <a:rPr lang="ko-KR" altLang="en-US" sz="1800" kern="100" dirty="0">
+                <a:effectLst/>
+                <a:latin typeface="맑은 고딕" panose="020B0503020000020004" pitchFamily="50" charset="-127"/>
+                <a:ea typeface="맑은 고딕" panose="020B0503020000020004" pitchFamily="50" charset="-127"/>
+                <a:cs typeface="Times New Roman" panose="02020603050405020304" pitchFamily="18" charset="0"/>
+              </a:rPr>
+              <a:t>그리고 저희의 핵심 기능인 </a:t>
+            </a:r>
+            <a:r>
+              <a:rPr lang="ko-KR" altLang="ko-KR" sz="1800" kern="100" dirty="0">
+                <a:effectLst/>
+                <a:latin typeface="맑은 고딕" panose="020B0503020000020004" pitchFamily="50" charset="-127"/>
+                <a:ea typeface="맑은 고딕" panose="020B0503020000020004" pitchFamily="50" charset="-127"/>
+                <a:cs typeface="Times New Roman" panose="02020603050405020304" pitchFamily="18" charset="0"/>
+              </a:rPr>
+              <a:t>손세정제 잔여 상황에 따른 이벤트를 구현할 예정입니다</a:t>
+            </a:r>
+            <a:r>
+              <a:rPr lang="en-US" altLang="ko-KR" sz="1800" kern="100" dirty="0">
+                <a:effectLst/>
+                <a:latin typeface="맑은 고딕" panose="020B0503020000020004" pitchFamily="50" charset="-127"/>
+                <a:ea typeface="맑은 고딕" panose="020B0503020000020004" pitchFamily="50" charset="-127"/>
+                <a:cs typeface="Times New Roman" panose="02020603050405020304" pitchFamily="18" charset="0"/>
+              </a:rPr>
+              <a:t>.</a:t>
+            </a:r>
+            <a:endParaRPr lang="ko-KR" altLang="ko-KR" sz="1800" kern="100" dirty="0">
+              <a:effectLst/>
+              <a:latin typeface="맑은 고딕" panose="020B0503020000020004" pitchFamily="50" charset="-127"/>
+              <a:ea typeface="맑은 고딕" panose="020B0503020000020004" pitchFamily="50" charset="-127"/>
+              <a:cs typeface="Times New Roman" panose="02020603050405020304" pitchFamily="18" charset="0"/>
+            </a:endParaRPr>
+          </a:p>
+        </p:txBody>
+      </p:sp>
+      <p:sp>
+        <p:nvSpPr>
+          <p:cNvPr id="4" name="슬라이드 번호 개체 틀 3"/>
+          <p:cNvSpPr>
+            <a:spLocks noGrp="1"/>
+          </p:cNvSpPr>
+          <p:nvPr>
+            <p:ph type="sldNum" sz="quarter" idx="5"/>
+          </p:nvPr>
+        </p:nvSpPr>
+        <p:spPr/>
+        <p:txBody>
+          <a:bodyPr/>
+          <a:lstStyle/>
+          <a:p>
+            <a:fld id="{CFEC5C64-9846-41DF-88A9-FAC22ECF479C}" type="slidenum">
+              <a:rPr lang="ko-KR" altLang="en-US" smtClean="0"/>
+              <a:t>12</a:t>
+            </a:fld>
+            <a:endParaRPr lang="ko-KR" altLang="en-US"/>
+          </a:p>
+        </p:txBody>
+      </p:sp>
+    </p:spTree>
+    <p:extLst>
+      <p:ext uri="{BB962C8B-B14F-4D97-AF65-F5344CB8AC3E}">
+        <p14:creationId xmlns:p14="http://schemas.microsoft.com/office/powerpoint/2010/main" val="503732027"/>
+      </p:ext>
+    </p:extLst>
+  </p:cSld>
+  <p:clrMapOvr>
+    <a:masterClrMapping/>
+  </p:clrMapOvr>
+</p:notes>
+</file>
+
+<file path=ppt/notesSlides/notesSlide13.xml><?xml version="1.0" encoding="utf-8"?>
+<p:notes xmlns:a="http://schemas.openxmlformats.org/drawingml/2006/main" xmlns:r="http://schemas.openxmlformats.org/officeDocument/2006/relationships" xmlns:p="http://schemas.openxmlformats.org/presentationml/2006/main">
+  <p:cSld>
+    <p:spTree>
+      <p:nvGrpSpPr>
+        <p:cNvPr id="1" name=""/>
+        <p:cNvGrpSpPr/>
+        <p:nvPr/>
+      </p:nvGrpSpPr>
+      <p:grpSpPr>
+        <a:xfrm>
+          <a:off x="0" y="0"/>
+          <a:ext cx="0" cy="0"/>
+          <a:chOff x="0" y="0"/>
+          <a:chExt cx="0" cy="0"/>
+        </a:xfrm>
+      </p:grpSpPr>
+      <p:sp>
+        <p:nvSpPr>
+          <p:cNvPr id="2" name="슬라이드 이미지 개체 틀 1"/>
+          <p:cNvSpPr>
+            <a:spLocks noGrp="1" noRot="1" noChangeAspect="1"/>
+          </p:cNvSpPr>
+          <p:nvPr>
+            <p:ph type="sldImg"/>
+          </p:nvPr>
+        </p:nvSpPr>
+        <p:spPr/>
+      </p:sp>
+      <p:sp>
+        <p:nvSpPr>
+          <p:cNvPr id="3" name="슬라이드 노트 개체 틀 2"/>
+          <p:cNvSpPr>
+            <a:spLocks noGrp="1"/>
+          </p:cNvSpPr>
+          <p:nvPr>
+            <p:ph type="body" idx="1"/>
+          </p:nvPr>
+        </p:nvSpPr>
+        <p:spPr/>
+        <p:txBody>
+          <a:bodyPr/>
+          <a:lstStyle/>
+          <a:p>
+            <a:pPr algn="just" latinLnBrk="1">
+              <a:lnSpc>
+                <a:spcPct val="107000"/>
+              </a:lnSpc>
+              <a:spcAft>
+                <a:spcPts val="800"/>
+              </a:spcAft>
+            </a:pPr>
+            <a:r>
+              <a:rPr lang="ko-KR" altLang="en-US" sz="1800" kern="100" dirty="0">
+                <a:effectLst/>
+                <a:latin typeface="맑은 고딕" panose="020B0503020000020004" pitchFamily="50" charset="-127"/>
+                <a:ea typeface="맑은 고딕" panose="020B0503020000020004" pitchFamily="50" charset="-127"/>
+                <a:cs typeface="Times New Roman" panose="02020603050405020304" pitchFamily="18" charset="0"/>
+              </a:rPr>
+              <a:t>리소스 구조는 클래스 다이어그램을 사용하여 나타내 보았습니다</a:t>
+            </a:r>
+            <a:r>
+              <a:rPr lang="en-US" altLang="ko-KR" sz="1800" kern="100" dirty="0">
+                <a:effectLst/>
+                <a:latin typeface="맑은 고딕" panose="020B0503020000020004" pitchFamily="50" charset="-127"/>
+                <a:ea typeface="맑은 고딕" panose="020B0503020000020004" pitchFamily="50" charset="-127"/>
+                <a:cs typeface="Times New Roman" panose="02020603050405020304" pitchFamily="18" charset="0"/>
+              </a:rPr>
+              <a:t>. </a:t>
+            </a:r>
+            <a:endParaRPr lang="ko-KR" altLang="ko-KR" sz="1800" kern="100" dirty="0">
+              <a:effectLst/>
+              <a:latin typeface="맑은 고딕" panose="020B0503020000020004" pitchFamily="50" charset="-127"/>
+              <a:ea typeface="맑은 고딕" panose="020B0503020000020004" pitchFamily="50" charset="-127"/>
+              <a:cs typeface="Times New Roman" panose="02020603050405020304" pitchFamily="18" charset="0"/>
+            </a:endParaRPr>
+          </a:p>
+          <a:p>
+            <a:pPr algn="just" latinLnBrk="1">
+              <a:lnSpc>
+                <a:spcPct val="107000"/>
+              </a:lnSpc>
+              <a:spcAft>
+                <a:spcPts val="800"/>
+              </a:spcAft>
+            </a:pPr>
+            <a:r>
+              <a:rPr lang="ko-KR" altLang="ko-KR" sz="1800" kern="100" dirty="0">
+                <a:effectLst/>
+                <a:latin typeface="맑은 고딕" panose="020B0503020000020004" pitchFamily="50" charset="-127"/>
+                <a:ea typeface="맑은 고딕" panose="020B0503020000020004" pitchFamily="50" charset="-127"/>
+                <a:cs typeface="Times New Roman" panose="02020603050405020304" pitchFamily="18" charset="0"/>
+              </a:rPr>
+              <a:t>클래스는</a:t>
+            </a:r>
+            <a:r>
+              <a:rPr lang="en-US" altLang="ko-KR" sz="1800" kern="100" dirty="0">
+                <a:effectLst/>
+                <a:latin typeface="맑은 고딕" panose="020B0503020000020004" pitchFamily="50" charset="-127"/>
+                <a:ea typeface="맑은 고딕" panose="020B0503020000020004" pitchFamily="50" charset="-127"/>
+                <a:cs typeface="Times New Roman" panose="02020603050405020304" pitchFamily="18" charset="0"/>
+              </a:rPr>
+              <a:t> App, </a:t>
+            </a:r>
+            <a:r>
+              <a:rPr lang="en-US" altLang="ko-KR" sz="1800" kern="100" dirty="0" err="1">
+                <a:effectLst/>
+                <a:latin typeface="맑은 고딕" panose="020B0503020000020004" pitchFamily="50" charset="-127"/>
+                <a:ea typeface="맑은 고딕" panose="020B0503020000020004" pitchFamily="50" charset="-127"/>
+                <a:cs typeface="Times New Roman" panose="02020603050405020304" pitchFamily="18" charset="0"/>
+              </a:rPr>
+              <a:t>HS_status</a:t>
+            </a:r>
+            <a:r>
+              <a:rPr lang="en-US" altLang="ko-KR" sz="1800" kern="100" dirty="0">
+                <a:effectLst/>
+                <a:latin typeface="맑은 고딕" panose="020B0503020000020004" pitchFamily="50" charset="-127"/>
+                <a:ea typeface="맑은 고딕" panose="020B0503020000020004" pitchFamily="50" charset="-127"/>
+                <a:cs typeface="Times New Roman" panose="02020603050405020304" pitchFamily="18" charset="0"/>
+              </a:rPr>
+              <a:t>, Warning, </a:t>
+            </a:r>
+            <a:r>
+              <a:rPr lang="ko-KR" altLang="ko-KR" sz="1800" kern="100" dirty="0">
+                <a:effectLst/>
+                <a:latin typeface="맑은 고딕" panose="020B0503020000020004" pitchFamily="50" charset="-127"/>
+                <a:ea typeface="맑은 고딕" panose="020B0503020000020004" pitchFamily="50" charset="-127"/>
+                <a:cs typeface="Times New Roman" panose="02020603050405020304" pitchFamily="18" charset="0"/>
+              </a:rPr>
+              <a:t>이렇게 </a:t>
+            </a:r>
+            <a:r>
+              <a:rPr lang="en-US" altLang="ko-KR" sz="1800" kern="100" dirty="0">
+                <a:effectLst/>
+                <a:latin typeface="맑은 고딕" panose="020B0503020000020004" pitchFamily="50" charset="-127"/>
+                <a:ea typeface="맑은 고딕" panose="020B0503020000020004" pitchFamily="50" charset="-127"/>
+                <a:cs typeface="Times New Roman" panose="02020603050405020304" pitchFamily="18" charset="0"/>
+              </a:rPr>
+              <a:t>3</a:t>
+            </a:r>
+            <a:r>
+              <a:rPr lang="ko-KR" altLang="ko-KR" sz="1800" kern="100" dirty="0">
+                <a:effectLst/>
+                <a:latin typeface="맑은 고딕" panose="020B0503020000020004" pitchFamily="50" charset="-127"/>
+                <a:ea typeface="맑은 고딕" panose="020B0503020000020004" pitchFamily="50" charset="-127"/>
+                <a:cs typeface="Times New Roman" panose="02020603050405020304" pitchFamily="18" charset="0"/>
+              </a:rPr>
+              <a:t>가지로 구성되어 있습니다</a:t>
+            </a:r>
+            <a:r>
+              <a:rPr lang="en-US" altLang="ko-KR" sz="1800" kern="100" dirty="0">
+                <a:effectLst/>
+                <a:latin typeface="맑은 고딕" panose="020B0503020000020004" pitchFamily="50" charset="-127"/>
+                <a:ea typeface="맑은 고딕" panose="020B0503020000020004" pitchFamily="50" charset="-127"/>
+                <a:cs typeface="Times New Roman" panose="02020603050405020304" pitchFamily="18" charset="0"/>
+              </a:rPr>
+              <a:t>.</a:t>
+            </a:r>
+            <a:endParaRPr lang="ko-KR" altLang="ko-KR" sz="1800" kern="100" dirty="0">
+              <a:effectLst/>
+              <a:latin typeface="맑은 고딕" panose="020B0503020000020004" pitchFamily="50" charset="-127"/>
+              <a:ea typeface="맑은 고딕" panose="020B0503020000020004" pitchFamily="50" charset="-127"/>
+              <a:cs typeface="Times New Roman" panose="02020603050405020304" pitchFamily="18" charset="0"/>
+            </a:endParaRPr>
+          </a:p>
+          <a:p>
+            <a:pPr algn="just" latinLnBrk="1">
+              <a:lnSpc>
+                <a:spcPct val="107000"/>
+              </a:lnSpc>
+              <a:spcAft>
+                <a:spcPts val="800"/>
+              </a:spcAft>
+            </a:pPr>
+            <a:r>
+              <a:rPr lang="en-US" altLang="ko-KR" sz="1800" kern="100" dirty="0">
+                <a:effectLst/>
+                <a:latin typeface="맑은 고딕" panose="020B0503020000020004" pitchFamily="50" charset="-127"/>
+                <a:ea typeface="맑은 고딕" panose="020B0503020000020004" pitchFamily="50" charset="-127"/>
+                <a:cs typeface="Times New Roman" panose="02020603050405020304" pitchFamily="18" charset="0"/>
+              </a:rPr>
+              <a:t>App</a:t>
+            </a:r>
+            <a:r>
+              <a:rPr lang="ko-KR" altLang="ko-KR" sz="1800" kern="100" dirty="0">
+                <a:effectLst/>
+                <a:latin typeface="맑은 고딕" panose="020B0503020000020004" pitchFamily="50" charset="-127"/>
+                <a:ea typeface="맑은 고딕" panose="020B0503020000020004" pitchFamily="50" charset="-127"/>
+                <a:cs typeface="Times New Roman" panose="02020603050405020304" pitchFamily="18" charset="0"/>
+              </a:rPr>
+              <a:t>클래스는 손세정</a:t>
+            </a:r>
+            <a:r>
+              <a:rPr lang="ko-KR" altLang="en-US" sz="1800" kern="100" dirty="0">
+                <a:effectLst/>
+                <a:latin typeface="맑은 고딕" panose="020B0503020000020004" pitchFamily="50" charset="-127"/>
+                <a:ea typeface="맑은 고딕" panose="020B0503020000020004" pitchFamily="50" charset="-127"/>
+                <a:cs typeface="Times New Roman" panose="02020603050405020304" pitchFamily="18" charset="0"/>
+              </a:rPr>
+              <a:t>제</a:t>
+            </a:r>
+            <a:r>
+              <a:rPr lang="ko-KR" altLang="ko-KR" sz="1800" kern="100" dirty="0">
+                <a:effectLst/>
+                <a:latin typeface="맑은 고딕" panose="020B0503020000020004" pitchFamily="50" charset="-127"/>
+                <a:ea typeface="맑은 고딕" panose="020B0503020000020004" pitchFamily="50" charset="-127"/>
+                <a:cs typeface="Times New Roman" panose="02020603050405020304" pitchFamily="18" charset="0"/>
+              </a:rPr>
+              <a:t> </a:t>
+            </a:r>
+            <a:r>
+              <a:rPr lang="ko-KR" altLang="ko-KR" sz="1800" kern="100" dirty="0" err="1">
+                <a:effectLst/>
+                <a:latin typeface="맑은 고딕" panose="020B0503020000020004" pitchFamily="50" charset="-127"/>
+                <a:ea typeface="맑은 고딕" panose="020B0503020000020004" pitchFamily="50" charset="-127"/>
+                <a:cs typeface="Times New Roman" panose="02020603050405020304" pitchFamily="18" charset="0"/>
+              </a:rPr>
+              <a:t>상태클래스인</a:t>
+            </a:r>
+            <a:r>
+              <a:rPr lang="ko-KR" altLang="ko-KR" sz="1800" kern="100" dirty="0">
+                <a:effectLst/>
+                <a:latin typeface="맑은 고딕" panose="020B0503020000020004" pitchFamily="50" charset="-127"/>
+                <a:ea typeface="맑은 고딕" panose="020B0503020000020004" pitchFamily="50" charset="-127"/>
+                <a:cs typeface="Times New Roman" panose="02020603050405020304" pitchFamily="18" charset="0"/>
+              </a:rPr>
+              <a:t> </a:t>
+            </a:r>
+            <a:r>
+              <a:rPr lang="en-US" altLang="ko-KR" sz="1800" kern="100" dirty="0" err="1">
+                <a:effectLst/>
+                <a:latin typeface="맑은 고딕" panose="020B0503020000020004" pitchFamily="50" charset="-127"/>
+                <a:ea typeface="맑은 고딕" panose="020B0503020000020004" pitchFamily="50" charset="-127"/>
+                <a:cs typeface="Times New Roman" panose="02020603050405020304" pitchFamily="18" charset="0"/>
+              </a:rPr>
+              <a:t>HS_stataus</a:t>
+            </a:r>
+            <a:r>
+              <a:rPr lang="ko-KR" altLang="ko-KR" sz="1800" kern="100" dirty="0">
+                <a:effectLst/>
+                <a:latin typeface="맑은 고딕" panose="020B0503020000020004" pitchFamily="50" charset="-127"/>
+                <a:ea typeface="맑은 고딕" panose="020B0503020000020004" pitchFamily="50" charset="-127"/>
+                <a:cs typeface="Times New Roman" panose="02020603050405020304" pitchFamily="18" charset="0"/>
+              </a:rPr>
+              <a:t>를 </a:t>
+            </a:r>
+            <a:r>
+              <a:rPr lang="ko-KR" altLang="ko-KR" sz="1800" kern="100" dirty="0" err="1">
+                <a:effectLst/>
+                <a:latin typeface="맑은 고딕" panose="020B0503020000020004" pitchFamily="50" charset="-127"/>
+                <a:ea typeface="맑은 고딕" panose="020B0503020000020004" pitchFamily="50" charset="-127"/>
+                <a:cs typeface="Times New Roman" panose="02020603050405020304" pitchFamily="18" charset="0"/>
+              </a:rPr>
+              <a:t>로드하는</a:t>
+            </a:r>
+            <a:r>
+              <a:rPr lang="ko-KR" altLang="ko-KR" sz="1800" kern="100" dirty="0">
+                <a:effectLst/>
+                <a:latin typeface="맑은 고딕" panose="020B0503020000020004" pitchFamily="50" charset="-127"/>
+                <a:ea typeface="맑은 고딕" panose="020B0503020000020004" pitchFamily="50" charset="-127"/>
+                <a:cs typeface="Times New Roman" panose="02020603050405020304" pitchFamily="18" charset="0"/>
+              </a:rPr>
+              <a:t> 메소드를 갖고 있고</a:t>
+            </a:r>
+            <a:r>
+              <a:rPr lang="en-US" altLang="ko-KR" sz="1800" kern="100" dirty="0">
+                <a:effectLst/>
+                <a:latin typeface="맑은 고딕" panose="020B0503020000020004" pitchFamily="50" charset="-127"/>
+                <a:ea typeface="맑은 고딕" panose="020B0503020000020004" pitchFamily="50" charset="-127"/>
+                <a:cs typeface="Times New Roman" panose="02020603050405020304" pitchFamily="18" charset="0"/>
+              </a:rPr>
+              <a:t>,    </a:t>
+            </a:r>
+            <a:endParaRPr lang="ko-KR" altLang="ko-KR" sz="1800" kern="100" dirty="0">
+              <a:effectLst/>
+              <a:latin typeface="맑은 고딕" panose="020B0503020000020004" pitchFamily="50" charset="-127"/>
+              <a:ea typeface="맑은 고딕" panose="020B0503020000020004" pitchFamily="50" charset="-127"/>
+              <a:cs typeface="Times New Roman" panose="02020603050405020304" pitchFamily="18" charset="0"/>
+            </a:endParaRPr>
+          </a:p>
+          <a:p>
+            <a:pPr algn="just" latinLnBrk="1">
+              <a:lnSpc>
+                <a:spcPct val="107000"/>
+              </a:lnSpc>
+              <a:spcAft>
+                <a:spcPts val="800"/>
+              </a:spcAft>
+            </a:pPr>
+            <a:r>
+              <a:rPr lang="en-US" altLang="ko-KR" sz="1800" kern="100" dirty="0" err="1">
+                <a:effectLst/>
+                <a:latin typeface="맑은 고딕" panose="020B0503020000020004" pitchFamily="50" charset="-127"/>
+                <a:ea typeface="맑은 고딕" panose="020B0503020000020004" pitchFamily="50" charset="-127"/>
+                <a:cs typeface="Times New Roman" panose="02020603050405020304" pitchFamily="18" charset="0"/>
+              </a:rPr>
+              <a:t>HS_status</a:t>
+            </a:r>
+            <a:r>
+              <a:rPr lang="en-US" altLang="ko-KR" sz="1800" kern="100" dirty="0">
+                <a:effectLst/>
+                <a:latin typeface="맑은 고딕" panose="020B0503020000020004" pitchFamily="50" charset="-127"/>
+                <a:ea typeface="맑은 고딕" panose="020B0503020000020004" pitchFamily="50" charset="-127"/>
+                <a:cs typeface="Times New Roman" panose="02020603050405020304" pitchFamily="18" charset="0"/>
+              </a:rPr>
+              <a:t> </a:t>
+            </a:r>
+            <a:r>
+              <a:rPr lang="ko-KR" altLang="ko-KR" sz="1800" kern="100" dirty="0">
+                <a:effectLst/>
+                <a:latin typeface="맑은 고딕" panose="020B0503020000020004" pitchFamily="50" charset="-127"/>
+                <a:ea typeface="맑은 고딕" panose="020B0503020000020004" pitchFamily="50" charset="-127"/>
+                <a:cs typeface="Times New Roman" panose="02020603050405020304" pitchFamily="18" charset="0"/>
+              </a:rPr>
+              <a:t>클래스는 손세정제 </a:t>
+            </a:r>
+            <a:r>
+              <a:rPr lang="ko-KR" altLang="en-US" sz="1800" kern="100" dirty="0">
+                <a:effectLst/>
+                <a:latin typeface="맑은 고딕" panose="020B0503020000020004" pitchFamily="50" charset="-127"/>
+                <a:ea typeface="맑은 고딕" panose="020B0503020000020004" pitchFamily="50" charset="-127"/>
+                <a:cs typeface="Times New Roman" panose="02020603050405020304" pitchFamily="18" charset="0"/>
+              </a:rPr>
+              <a:t>현재 </a:t>
+            </a:r>
+            <a:r>
+              <a:rPr lang="ko-KR" altLang="ko-KR" sz="1800" kern="100" dirty="0">
+                <a:effectLst/>
+                <a:latin typeface="맑은 고딕" panose="020B0503020000020004" pitchFamily="50" charset="-127"/>
+                <a:ea typeface="맑은 고딕" panose="020B0503020000020004" pitchFamily="50" charset="-127"/>
+                <a:cs typeface="Times New Roman" panose="02020603050405020304" pitchFamily="18" charset="0"/>
+              </a:rPr>
+              <a:t>용량과</a:t>
+            </a:r>
+            <a:r>
+              <a:rPr lang="en-US" altLang="ko-KR" sz="1800" kern="100" dirty="0">
+                <a:effectLst/>
+                <a:latin typeface="맑은 고딕" panose="020B0503020000020004" pitchFamily="50" charset="-127"/>
+                <a:ea typeface="맑은 고딕" panose="020B0503020000020004" pitchFamily="50" charset="-127"/>
+                <a:cs typeface="Times New Roman" panose="02020603050405020304" pitchFamily="18" charset="0"/>
+              </a:rPr>
+              <a:t>,</a:t>
+            </a:r>
+            <a:r>
+              <a:rPr lang="ko-KR" altLang="ko-KR" sz="1800" kern="100" dirty="0">
+                <a:effectLst/>
+                <a:latin typeface="맑은 고딕" panose="020B0503020000020004" pitchFamily="50" charset="-127"/>
+                <a:ea typeface="맑은 고딕" panose="020B0503020000020004" pitchFamily="50" charset="-127"/>
+                <a:cs typeface="Times New Roman" panose="02020603050405020304" pitchFamily="18" charset="0"/>
+              </a:rPr>
+              <a:t> 손세정제가 </a:t>
+            </a:r>
+            <a:r>
+              <a:rPr lang="en-US" altLang="ko-KR" sz="1800" kern="100" dirty="0">
+                <a:effectLst/>
+                <a:latin typeface="맑은 고딕" panose="020B0503020000020004" pitchFamily="50" charset="-127"/>
+                <a:ea typeface="맑은 고딕" panose="020B0503020000020004" pitchFamily="50" charset="-127"/>
+                <a:cs typeface="Times New Roman" panose="02020603050405020304" pitchFamily="18" charset="0"/>
+              </a:rPr>
+              <a:t>full</a:t>
+            </a:r>
+            <a:r>
+              <a:rPr lang="ko-KR" altLang="en-US" sz="1800" kern="100" dirty="0">
+                <a:effectLst/>
+                <a:latin typeface="맑은 고딕" panose="020B0503020000020004" pitchFamily="50" charset="-127"/>
+                <a:ea typeface="맑은 고딕" panose="020B0503020000020004" pitchFamily="50" charset="-127"/>
+                <a:cs typeface="Times New Roman" panose="02020603050405020304" pitchFamily="18" charset="0"/>
+              </a:rPr>
+              <a:t>인 </a:t>
+            </a:r>
+            <a:r>
+              <a:rPr lang="ko-KR" altLang="ko-KR" sz="1800" kern="100" dirty="0">
+                <a:effectLst/>
+                <a:latin typeface="맑은 고딕" panose="020B0503020000020004" pitchFamily="50" charset="-127"/>
+                <a:ea typeface="맑은 고딕" panose="020B0503020000020004" pitchFamily="50" charset="-127"/>
+                <a:cs typeface="Times New Roman" panose="02020603050405020304" pitchFamily="18" charset="0"/>
+              </a:rPr>
+              <a:t>용량에 관한 변수를 </a:t>
+            </a:r>
+            <a:r>
+              <a:rPr lang="en-US" altLang="ko-KR" sz="1800" kern="100" dirty="0">
+                <a:effectLst/>
+                <a:latin typeface="맑은 고딕" panose="020B0503020000020004" pitchFamily="50" charset="-127"/>
+                <a:ea typeface="맑은 고딕" panose="020B0503020000020004" pitchFamily="50" charset="-127"/>
+                <a:cs typeface="Times New Roman" panose="02020603050405020304" pitchFamily="18" charset="0"/>
+              </a:rPr>
+              <a:t>private</a:t>
+            </a:r>
+            <a:r>
+              <a:rPr lang="ko-KR" altLang="ko-KR" sz="1800" kern="100" dirty="0">
+                <a:effectLst/>
+                <a:latin typeface="맑은 고딕" panose="020B0503020000020004" pitchFamily="50" charset="-127"/>
+                <a:ea typeface="맑은 고딕" panose="020B0503020000020004" pitchFamily="50" charset="-127"/>
+                <a:cs typeface="Times New Roman" panose="02020603050405020304" pitchFamily="18" charset="0"/>
+              </a:rPr>
+              <a:t>타입으로 가지고 </a:t>
+            </a:r>
+            <a:r>
+              <a:rPr lang="ko-KR" altLang="en-US" sz="1800" kern="100" dirty="0">
+                <a:effectLst/>
+                <a:latin typeface="맑은 고딕" panose="020B0503020000020004" pitchFamily="50" charset="-127"/>
+                <a:ea typeface="맑은 고딕" panose="020B0503020000020004" pitchFamily="50" charset="-127"/>
+                <a:cs typeface="Times New Roman" panose="02020603050405020304" pitchFamily="18" charset="0"/>
+              </a:rPr>
+              <a:t>있습니다</a:t>
+            </a:r>
+            <a:r>
+              <a:rPr lang="en-US" altLang="ko-KR" sz="1800" kern="100" dirty="0">
+                <a:effectLst/>
+                <a:latin typeface="맑은 고딕" panose="020B0503020000020004" pitchFamily="50" charset="-127"/>
+                <a:ea typeface="맑은 고딕" panose="020B0503020000020004" pitchFamily="50" charset="-127"/>
+                <a:cs typeface="Times New Roman" panose="02020603050405020304" pitchFamily="18" charset="0"/>
+              </a:rPr>
+              <a:t>.</a:t>
+            </a:r>
+            <a:endParaRPr lang="ko-KR" altLang="ko-KR" sz="1800" kern="100" dirty="0">
+              <a:effectLst/>
+              <a:latin typeface="맑은 고딕" panose="020B0503020000020004" pitchFamily="50" charset="-127"/>
+              <a:ea typeface="맑은 고딕" panose="020B0503020000020004" pitchFamily="50" charset="-127"/>
+              <a:cs typeface="Times New Roman" panose="02020603050405020304" pitchFamily="18" charset="0"/>
+            </a:endParaRPr>
+          </a:p>
+          <a:p>
+            <a:pPr algn="just" latinLnBrk="1">
+              <a:lnSpc>
+                <a:spcPct val="107000"/>
+              </a:lnSpc>
+              <a:spcAft>
+                <a:spcPts val="800"/>
+              </a:spcAft>
+            </a:pPr>
+            <a:r>
+              <a:rPr lang="ko-KR" altLang="ko-KR" sz="1800" kern="100" dirty="0">
+                <a:effectLst/>
+                <a:latin typeface="맑은 고딕" panose="020B0503020000020004" pitchFamily="50" charset="-127"/>
+                <a:ea typeface="맑은 고딕" panose="020B0503020000020004" pitchFamily="50" charset="-127"/>
+                <a:cs typeface="Times New Roman" panose="02020603050405020304" pitchFamily="18" charset="0"/>
+              </a:rPr>
+              <a:t>메소드로는 </a:t>
+            </a:r>
+            <a:r>
+              <a:rPr lang="en-US" altLang="ko-KR" sz="1800" kern="100" dirty="0">
+                <a:effectLst/>
+                <a:latin typeface="맑은 고딕" panose="020B0503020000020004" pitchFamily="50" charset="-127"/>
+                <a:ea typeface="맑은 고딕" panose="020B0503020000020004" pitchFamily="50" charset="-127"/>
+                <a:cs typeface="Times New Roman" panose="02020603050405020304" pitchFamily="18" charset="0"/>
+              </a:rPr>
+              <a:t>warning </a:t>
+            </a:r>
+            <a:r>
+              <a:rPr lang="ko-KR" altLang="ko-KR" sz="1800" kern="100" dirty="0">
+                <a:effectLst/>
+                <a:latin typeface="맑은 고딕" panose="020B0503020000020004" pitchFamily="50" charset="-127"/>
+                <a:ea typeface="맑은 고딕" panose="020B0503020000020004" pitchFamily="50" charset="-127"/>
+                <a:cs typeface="Times New Roman" panose="02020603050405020304" pitchFamily="18" charset="0"/>
+              </a:rPr>
+              <a:t>클래스를 </a:t>
+            </a:r>
+            <a:r>
+              <a:rPr lang="ko-KR" altLang="ko-KR" sz="1800" kern="100" dirty="0" err="1">
+                <a:effectLst/>
+                <a:latin typeface="맑은 고딕" panose="020B0503020000020004" pitchFamily="50" charset="-127"/>
+                <a:ea typeface="맑은 고딕" panose="020B0503020000020004" pitchFamily="50" charset="-127"/>
+                <a:cs typeface="Times New Roman" panose="02020603050405020304" pitchFamily="18" charset="0"/>
+              </a:rPr>
+              <a:t>로드하는</a:t>
+            </a:r>
+            <a:r>
+              <a:rPr lang="ko-KR" altLang="ko-KR" sz="1800" kern="100" dirty="0">
+                <a:effectLst/>
+                <a:latin typeface="맑은 고딕" panose="020B0503020000020004" pitchFamily="50" charset="-127"/>
+                <a:ea typeface="맑은 고딕" panose="020B0503020000020004" pitchFamily="50" charset="-127"/>
+                <a:cs typeface="Times New Roman" panose="02020603050405020304" pitchFamily="18" charset="0"/>
+              </a:rPr>
+              <a:t> 메소드와</a:t>
+            </a:r>
+            <a:r>
+              <a:rPr lang="en-US" altLang="ko-KR" sz="1800" kern="100" dirty="0">
+                <a:effectLst/>
+                <a:latin typeface="맑은 고딕" panose="020B0503020000020004" pitchFamily="50" charset="-127"/>
+                <a:ea typeface="맑은 고딕" panose="020B0503020000020004" pitchFamily="50" charset="-127"/>
+                <a:cs typeface="Times New Roman" panose="02020603050405020304" pitchFamily="18" charset="0"/>
+              </a:rPr>
+              <a:t> </a:t>
+            </a:r>
+            <a:r>
+              <a:rPr lang="en-US" altLang="ko-KR" sz="1800" kern="100" dirty="0" err="1">
+                <a:effectLst/>
+                <a:latin typeface="맑은 고딕" panose="020B0503020000020004" pitchFamily="50" charset="-127"/>
+                <a:ea typeface="맑은 고딕" panose="020B0503020000020004" pitchFamily="50" charset="-127"/>
+                <a:cs typeface="Times New Roman" panose="02020603050405020304" pitchFamily="18" charset="0"/>
+              </a:rPr>
+              <a:t>db</a:t>
+            </a:r>
+            <a:r>
+              <a:rPr lang="ko-KR" altLang="ko-KR" sz="1800" kern="100" dirty="0">
+                <a:effectLst/>
+                <a:latin typeface="맑은 고딕" panose="020B0503020000020004" pitchFamily="50" charset="-127"/>
+                <a:ea typeface="맑은 고딕" panose="020B0503020000020004" pitchFamily="50" charset="-127"/>
+                <a:cs typeface="Times New Roman" panose="02020603050405020304" pitchFamily="18" charset="0"/>
+              </a:rPr>
+              <a:t>에 손세정제 데이터를 요청하는 메소드</a:t>
+            </a:r>
+            <a:r>
+              <a:rPr lang="en-US" altLang="ko-KR" sz="1800" kern="100" dirty="0">
+                <a:effectLst/>
+                <a:latin typeface="맑은 고딕" panose="020B0503020000020004" pitchFamily="50" charset="-127"/>
+                <a:ea typeface="맑은 고딕" panose="020B0503020000020004" pitchFamily="50" charset="-127"/>
+                <a:cs typeface="Times New Roman" panose="02020603050405020304" pitchFamily="18" charset="0"/>
+              </a:rPr>
+              <a:t>,</a:t>
+            </a:r>
+            <a:r>
+              <a:rPr lang="ko-KR" altLang="ko-KR" sz="1800" kern="100" dirty="0">
+                <a:effectLst/>
+                <a:latin typeface="맑은 고딕" panose="020B0503020000020004" pitchFamily="50" charset="-127"/>
+                <a:ea typeface="맑은 고딕" panose="020B0503020000020004" pitchFamily="50" charset="-127"/>
+                <a:cs typeface="Times New Roman" panose="02020603050405020304" pitchFamily="18" charset="0"/>
+              </a:rPr>
+              <a:t> 그리고 현재 상태를 나타내는 </a:t>
+            </a:r>
+            <a:r>
+              <a:rPr lang="en-US" altLang="ko-KR" sz="1800" kern="100" dirty="0">
+                <a:effectLst/>
+                <a:latin typeface="맑은 고딕" panose="020B0503020000020004" pitchFamily="50" charset="-127"/>
+                <a:ea typeface="맑은 고딕" panose="020B0503020000020004" pitchFamily="50" charset="-127"/>
+                <a:cs typeface="Times New Roman" panose="02020603050405020304" pitchFamily="18" charset="0"/>
+              </a:rPr>
+              <a:t>show()</a:t>
+            </a:r>
+            <a:r>
+              <a:rPr lang="ko-KR" altLang="ko-KR" sz="1800" kern="100" dirty="0">
+                <a:effectLst/>
+                <a:latin typeface="맑은 고딕" panose="020B0503020000020004" pitchFamily="50" charset="-127"/>
+                <a:ea typeface="맑은 고딕" panose="020B0503020000020004" pitchFamily="50" charset="-127"/>
+                <a:cs typeface="Times New Roman" panose="02020603050405020304" pitchFamily="18" charset="0"/>
+              </a:rPr>
+              <a:t>메소드로 구성되어 있습니다</a:t>
+            </a:r>
+            <a:r>
+              <a:rPr lang="en-US" altLang="ko-KR" sz="1800" kern="100" dirty="0">
+                <a:effectLst/>
+                <a:latin typeface="맑은 고딕" panose="020B0503020000020004" pitchFamily="50" charset="-127"/>
+                <a:ea typeface="맑은 고딕" panose="020B0503020000020004" pitchFamily="50" charset="-127"/>
+                <a:cs typeface="Times New Roman" panose="02020603050405020304" pitchFamily="18" charset="0"/>
+              </a:rPr>
+              <a:t>.</a:t>
+            </a:r>
+            <a:endParaRPr lang="ko-KR" altLang="ko-KR" sz="1800" kern="100" dirty="0">
+              <a:effectLst/>
+              <a:latin typeface="맑은 고딕" panose="020B0503020000020004" pitchFamily="50" charset="-127"/>
+              <a:ea typeface="맑은 고딕" panose="020B0503020000020004" pitchFamily="50" charset="-127"/>
+              <a:cs typeface="Times New Roman" panose="02020603050405020304" pitchFamily="18" charset="0"/>
+            </a:endParaRPr>
+          </a:p>
+          <a:p>
+            <a:pPr algn="just" latinLnBrk="1">
+              <a:lnSpc>
+                <a:spcPct val="107000"/>
+              </a:lnSpc>
+              <a:spcAft>
+                <a:spcPts val="800"/>
+              </a:spcAft>
+            </a:pPr>
+            <a:r>
+              <a:rPr lang="ko-KR" altLang="ko-KR" sz="1800" kern="100" dirty="0">
+                <a:effectLst/>
+                <a:latin typeface="맑은 고딕" panose="020B0503020000020004" pitchFamily="50" charset="-127"/>
+                <a:ea typeface="맑은 고딕" panose="020B0503020000020004" pitchFamily="50" charset="-127"/>
+                <a:cs typeface="Times New Roman" panose="02020603050405020304" pitchFamily="18" charset="0"/>
+              </a:rPr>
+              <a:t>마지막으로 </a:t>
+            </a:r>
+            <a:r>
+              <a:rPr lang="en-US" altLang="ko-KR" sz="1800" kern="100" dirty="0">
+                <a:effectLst/>
+                <a:latin typeface="맑은 고딕" panose="020B0503020000020004" pitchFamily="50" charset="-127"/>
+                <a:ea typeface="맑은 고딕" panose="020B0503020000020004" pitchFamily="50" charset="-127"/>
+                <a:cs typeface="Times New Roman" panose="02020603050405020304" pitchFamily="18" charset="0"/>
+              </a:rPr>
+              <a:t>Warning </a:t>
+            </a:r>
+            <a:r>
+              <a:rPr lang="ko-KR" altLang="ko-KR" sz="1800" kern="100" dirty="0">
+                <a:effectLst/>
+                <a:latin typeface="맑은 고딕" panose="020B0503020000020004" pitchFamily="50" charset="-127"/>
+                <a:ea typeface="맑은 고딕" panose="020B0503020000020004" pitchFamily="50" charset="-127"/>
+                <a:cs typeface="Times New Roman" panose="02020603050405020304" pitchFamily="18" charset="0"/>
+              </a:rPr>
+              <a:t>클래스는 </a:t>
+            </a:r>
+            <a:r>
+              <a:rPr lang="ko-KR" altLang="en-US" sz="1800" kern="100" dirty="0">
+                <a:effectLst/>
+                <a:latin typeface="맑은 고딕" panose="020B0503020000020004" pitchFamily="50" charset="-127"/>
+                <a:ea typeface="맑은 고딕" panose="020B0503020000020004" pitchFamily="50" charset="-127"/>
+                <a:cs typeface="Times New Roman" panose="02020603050405020304" pitchFamily="18" charset="0"/>
+              </a:rPr>
+              <a:t>위험 정도를 </a:t>
+            </a:r>
+            <a:r>
+              <a:rPr lang="ko-KR" altLang="ko-KR" sz="1800" kern="100" dirty="0">
+                <a:effectLst/>
+                <a:latin typeface="맑은 고딕" panose="020B0503020000020004" pitchFamily="50" charset="-127"/>
+                <a:ea typeface="맑은 고딕" panose="020B0503020000020004" pitchFamily="50" charset="-127"/>
+                <a:cs typeface="Times New Roman" panose="02020603050405020304" pitchFamily="18" charset="0"/>
+              </a:rPr>
+              <a:t>표기한 변수와 </a:t>
+            </a:r>
+            <a:endParaRPr lang="en-US" altLang="ko-KR" sz="1800" kern="100" dirty="0">
+              <a:effectLst/>
+              <a:latin typeface="맑은 고딕" panose="020B0503020000020004" pitchFamily="50" charset="-127"/>
+              <a:ea typeface="맑은 고딕" panose="020B0503020000020004" pitchFamily="50" charset="-127"/>
+              <a:cs typeface="Times New Roman" panose="02020603050405020304" pitchFamily="18" charset="0"/>
+            </a:endParaRPr>
+          </a:p>
+          <a:p>
+            <a:pPr algn="just" latinLnBrk="1">
+              <a:lnSpc>
+                <a:spcPct val="107000"/>
+              </a:lnSpc>
+              <a:spcAft>
+                <a:spcPts val="800"/>
+              </a:spcAft>
+            </a:pPr>
+            <a:r>
+              <a:rPr lang="ko-KR" altLang="ko-KR" sz="1800" kern="100" dirty="0">
+                <a:effectLst/>
+                <a:latin typeface="맑은 고딕" panose="020B0503020000020004" pitchFamily="50" charset="-127"/>
+                <a:ea typeface="맑은 고딕" panose="020B0503020000020004" pitchFamily="50" charset="-127"/>
+                <a:cs typeface="Times New Roman" panose="02020603050405020304" pitchFamily="18" charset="0"/>
+              </a:rPr>
+              <a:t>만약 이 위험한 정도가 임계치를 넘어섰을 때</a:t>
+            </a:r>
+            <a:r>
+              <a:rPr lang="en-US" altLang="ko-KR" sz="1800" kern="100" dirty="0">
+                <a:effectLst/>
+                <a:latin typeface="맑은 고딕" panose="020B0503020000020004" pitchFamily="50" charset="-127"/>
+                <a:ea typeface="맑은 고딕" panose="020B0503020000020004" pitchFamily="50" charset="-127"/>
+                <a:cs typeface="Times New Roman" panose="02020603050405020304" pitchFamily="18" charset="0"/>
+              </a:rPr>
+              <a:t>, </a:t>
+            </a:r>
+            <a:r>
+              <a:rPr lang="ko-KR" altLang="ko-KR" sz="1800" kern="100" dirty="0">
+                <a:effectLst/>
+                <a:latin typeface="맑은 고딕" panose="020B0503020000020004" pitchFamily="50" charset="-127"/>
+                <a:ea typeface="맑은 고딕" panose="020B0503020000020004" pitchFamily="50" charset="-127"/>
+                <a:cs typeface="Times New Roman" panose="02020603050405020304" pitchFamily="18" charset="0"/>
+              </a:rPr>
+              <a:t>사용자에게 위험신호를 알리는 </a:t>
+            </a:r>
+            <a:r>
+              <a:rPr lang="en-US" altLang="ko-KR" sz="1800" kern="100" dirty="0">
+                <a:effectLst/>
+                <a:latin typeface="맑은 고딕" panose="020B0503020000020004" pitchFamily="50" charset="-127"/>
+                <a:ea typeface="맑은 고딕" panose="020B0503020000020004" pitchFamily="50" charset="-127"/>
+                <a:cs typeface="Times New Roman" panose="02020603050405020304" pitchFamily="18" charset="0"/>
+              </a:rPr>
+              <a:t>warn</a:t>
+            </a:r>
+            <a:r>
+              <a:rPr lang="ko-KR" altLang="ko-KR" sz="1800" kern="100" dirty="0">
+                <a:effectLst/>
+                <a:latin typeface="맑은 고딕" panose="020B0503020000020004" pitchFamily="50" charset="-127"/>
+                <a:ea typeface="맑은 고딕" panose="020B0503020000020004" pitchFamily="50" charset="-127"/>
+                <a:cs typeface="Times New Roman" panose="02020603050405020304" pitchFamily="18" charset="0"/>
+              </a:rPr>
+              <a:t>메소드로 구성되어 있습니다</a:t>
+            </a:r>
+            <a:r>
+              <a:rPr lang="en-US" altLang="ko-KR" sz="1800" kern="100" dirty="0">
+                <a:effectLst/>
+                <a:latin typeface="맑은 고딕" panose="020B0503020000020004" pitchFamily="50" charset="-127"/>
+                <a:ea typeface="맑은 고딕" panose="020B0503020000020004" pitchFamily="50" charset="-127"/>
+                <a:cs typeface="Times New Roman" panose="02020603050405020304" pitchFamily="18" charset="0"/>
+              </a:rPr>
+              <a:t>. </a:t>
+            </a:r>
+            <a:endParaRPr lang="ko-KR" altLang="ko-KR" sz="1800" kern="100" dirty="0">
+              <a:effectLst/>
+              <a:latin typeface="맑은 고딕" panose="020B0503020000020004" pitchFamily="50" charset="-127"/>
+              <a:ea typeface="맑은 고딕" panose="020B0503020000020004" pitchFamily="50" charset="-127"/>
+              <a:cs typeface="Times New Roman" panose="02020603050405020304" pitchFamily="18" charset="0"/>
+            </a:endParaRPr>
+          </a:p>
+          <a:p>
+            <a:pPr algn="just" latinLnBrk="1">
+              <a:lnSpc>
+                <a:spcPct val="107000"/>
+              </a:lnSpc>
+              <a:spcAft>
+                <a:spcPts val="800"/>
+              </a:spcAft>
+            </a:pPr>
+            <a:r>
+              <a:rPr lang="en-US" altLang="ko-KR" sz="1800" kern="100" dirty="0">
+                <a:effectLst/>
+                <a:latin typeface="맑은 고딕" panose="020B0503020000020004" pitchFamily="50" charset="-127"/>
+                <a:ea typeface="맑은 고딕" panose="020B0503020000020004" pitchFamily="50" charset="-127"/>
+                <a:cs typeface="Times New Roman" panose="02020603050405020304" pitchFamily="18" charset="0"/>
+              </a:rPr>
+              <a:t>warning</a:t>
+            </a:r>
+            <a:r>
+              <a:rPr lang="ko-KR" altLang="ko-KR" sz="1800" kern="100" dirty="0">
+                <a:effectLst/>
+                <a:latin typeface="맑은 고딕" panose="020B0503020000020004" pitchFamily="50" charset="-127"/>
+                <a:ea typeface="맑은 고딕" panose="020B0503020000020004" pitchFamily="50" charset="-127"/>
+                <a:cs typeface="Times New Roman" panose="02020603050405020304" pitchFamily="18" charset="0"/>
+              </a:rPr>
+              <a:t>클래스는 </a:t>
+            </a:r>
+            <a:r>
+              <a:rPr lang="en-US" altLang="ko-KR" sz="1800" kern="100" dirty="0" err="1">
+                <a:effectLst/>
+                <a:latin typeface="맑은 고딕" panose="020B0503020000020004" pitchFamily="50" charset="-127"/>
+                <a:ea typeface="맑은 고딕" panose="020B0503020000020004" pitchFamily="50" charset="-127"/>
+                <a:cs typeface="Times New Roman" panose="02020603050405020304" pitchFamily="18" charset="0"/>
+              </a:rPr>
+              <a:t>hs_status</a:t>
+            </a:r>
+            <a:r>
+              <a:rPr lang="ko-KR" altLang="ko-KR" sz="1800" kern="100" dirty="0">
+                <a:effectLst/>
+                <a:latin typeface="맑은 고딕" panose="020B0503020000020004" pitchFamily="50" charset="-127"/>
+                <a:ea typeface="맑은 고딕" panose="020B0503020000020004" pitchFamily="50" charset="-127"/>
+                <a:cs typeface="Times New Roman" panose="02020603050405020304" pitchFamily="18" charset="0"/>
+              </a:rPr>
+              <a:t>에 따라 사용되고</a:t>
+            </a:r>
+            <a:r>
+              <a:rPr lang="en-US" altLang="ko-KR" sz="1800" kern="100" dirty="0">
+                <a:effectLst/>
+                <a:latin typeface="맑은 고딕" panose="020B0503020000020004" pitchFamily="50" charset="-127"/>
+                <a:ea typeface="맑은 고딕" panose="020B0503020000020004" pitchFamily="50" charset="-127"/>
+                <a:cs typeface="Times New Roman" panose="02020603050405020304" pitchFamily="18" charset="0"/>
+              </a:rPr>
+              <a:t>, </a:t>
+            </a:r>
+            <a:r>
+              <a:rPr lang="ko-KR" altLang="ko-KR" sz="1800" kern="100" dirty="0">
+                <a:effectLst/>
+                <a:latin typeface="맑은 고딕" panose="020B0503020000020004" pitchFamily="50" charset="-127"/>
+                <a:ea typeface="맑은 고딕" panose="020B0503020000020004" pitchFamily="50" charset="-127"/>
+                <a:cs typeface="Times New Roman" panose="02020603050405020304" pitchFamily="18" charset="0"/>
+              </a:rPr>
+              <a:t>라이프 사이클은 종속적이지 않기 때문에 집합관계로 표현하였습니다</a:t>
+            </a:r>
+            <a:r>
+              <a:rPr lang="en-US" altLang="ko-KR" sz="1800" kern="100" dirty="0">
+                <a:effectLst/>
+                <a:latin typeface="맑은 고딕" panose="020B0503020000020004" pitchFamily="50" charset="-127"/>
+                <a:ea typeface="맑은 고딕" panose="020B0503020000020004" pitchFamily="50" charset="-127"/>
+                <a:cs typeface="Times New Roman" panose="02020603050405020304" pitchFamily="18" charset="0"/>
+              </a:rPr>
+              <a:t>.</a:t>
+            </a:r>
+            <a:endParaRPr lang="ko-KR" altLang="ko-KR" sz="1800" kern="100" dirty="0">
+              <a:effectLst/>
+              <a:latin typeface="맑은 고딕" panose="020B0503020000020004" pitchFamily="50" charset="-127"/>
+              <a:ea typeface="맑은 고딕" panose="020B0503020000020004" pitchFamily="50" charset="-127"/>
+              <a:cs typeface="Times New Roman" panose="02020603050405020304" pitchFamily="18" charset="0"/>
+            </a:endParaRPr>
+          </a:p>
+        </p:txBody>
+      </p:sp>
+      <p:sp>
+        <p:nvSpPr>
+          <p:cNvPr id="4" name="슬라이드 번호 개체 틀 3"/>
+          <p:cNvSpPr>
+            <a:spLocks noGrp="1"/>
+          </p:cNvSpPr>
+          <p:nvPr>
+            <p:ph type="sldNum" sz="quarter" idx="5"/>
+          </p:nvPr>
+        </p:nvSpPr>
+        <p:spPr/>
+        <p:txBody>
+          <a:bodyPr/>
+          <a:lstStyle/>
+          <a:p>
+            <a:fld id="{CFEC5C64-9846-41DF-88A9-FAC22ECF479C}" type="slidenum">
+              <a:rPr lang="ko-KR" altLang="en-US" smtClean="0"/>
+              <a:t>13</a:t>
+            </a:fld>
+            <a:endParaRPr lang="ko-KR" altLang="en-US"/>
+          </a:p>
+        </p:txBody>
+      </p:sp>
+    </p:spTree>
+    <p:extLst>
+      <p:ext uri="{BB962C8B-B14F-4D97-AF65-F5344CB8AC3E}">
+        <p14:creationId xmlns:p14="http://schemas.microsoft.com/office/powerpoint/2010/main" val="827815090"/>
+      </p:ext>
+    </p:extLst>
+  </p:cSld>
+  <p:clrMapOvr>
+    <a:masterClrMapping/>
+  </p:clrMapOvr>
+</p:notes>
+</file>
+
+<file path=ppt/notesSlides/notesSlide14.xml><?xml version="1.0" encoding="utf-8"?>
+<p:notes xmlns:a="http://schemas.openxmlformats.org/drawingml/2006/main" xmlns:r="http://schemas.openxmlformats.org/officeDocument/2006/relationships" xmlns:p="http://schemas.openxmlformats.org/presentationml/2006/main">
+  <p:cSld>
+    <p:spTree>
+      <p:nvGrpSpPr>
+        <p:cNvPr id="1" name=""/>
+        <p:cNvGrpSpPr/>
+        <p:nvPr/>
+      </p:nvGrpSpPr>
+      <p:grpSpPr>
+        <a:xfrm>
+          <a:off x="0" y="0"/>
+          <a:ext cx="0" cy="0"/>
+          <a:chOff x="0" y="0"/>
+          <a:chExt cx="0" cy="0"/>
+        </a:xfrm>
+      </p:grpSpPr>
+      <p:sp>
+        <p:nvSpPr>
+          <p:cNvPr id="2" name="슬라이드 이미지 개체 틀 1"/>
+          <p:cNvSpPr>
+            <a:spLocks noGrp="1" noRot="1" noChangeAspect="1"/>
+          </p:cNvSpPr>
+          <p:nvPr>
+            <p:ph type="sldImg"/>
+          </p:nvPr>
+        </p:nvSpPr>
+        <p:spPr/>
+      </p:sp>
+      <p:sp>
+        <p:nvSpPr>
+          <p:cNvPr id="3" name="슬라이드 노트 개체 틀 2"/>
+          <p:cNvSpPr>
+            <a:spLocks noGrp="1"/>
+          </p:cNvSpPr>
+          <p:nvPr>
+            <p:ph type="body" idx="1"/>
+          </p:nvPr>
+        </p:nvSpPr>
+        <p:spPr/>
+        <p:txBody>
+          <a:bodyPr/>
+          <a:lstStyle/>
+          <a:p>
+            <a:pPr algn="just" latinLnBrk="1">
+              <a:lnSpc>
+                <a:spcPct val="107000"/>
+              </a:lnSpc>
+              <a:spcAft>
+                <a:spcPts val="800"/>
+              </a:spcAft>
+            </a:pPr>
+            <a:r>
+              <a:rPr lang="ko-KR" altLang="ko-KR" sz="1800" kern="100" dirty="0">
+                <a:effectLst/>
+                <a:latin typeface="맑은 고딕" panose="020B0503020000020004" pitchFamily="50" charset="-127"/>
+                <a:ea typeface="맑은 고딕" panose="020B0503020000020004" pitchFamily="50" charset="-127"/>
+                <a:cs typeface="Times New Roman" panose="02020603050405020304" pitchFamily="18" charset="0"/>
+              </a:rPr>
+              <a:t>대표 서비스 </a:t>
+            </a:r>
+            <a:r>
+              <a:rPr lang="ko-KR" altLang="ko-KR" sz="1800" kern="100" dirty="0" err="1">
+                <a:effectLst/>
+                <a:latin typeface="맑은 고딕" panose="020B0503020000020004" pitchFamily="50" charset="-127"/>
+                <a:ea typeface="맑은 고딕" panose="020B0503020000020004" pitchFamily="50" charset="-127"/>
+                <a:cs typeface="Times New Roman" panose="02020603050405020304" pitchFamily="18" charset="0"/>
+              </a:rPr>
+              <a:t>프로시져</a:t>
+            </a:r>
+            <a:r>
+              <a:rPr lang="ko-KR" altLang="en-US" sz="1800" kern="100" dirty="0" err="1">
+                <a:effectLst/>
+                <a:latin typeface="맑은 고딕" panose="020B0503020000020004" pitchFamily="50" charset="-127"/>
+                <a:ea typeface="맑은 고딕" panose="020B0503020000020004" pitchFamily="50" charset="-127"/>
+                <a:cs typeface="Times New Roman" panose="02020603050405020304" pitchFamily="18" charset="0"/>
+              </a:rPr>
+              <a:t>는</a:t>
+            </a:r>
+            <a:r>
+              <a:rPr lang="ko-KR" altLang="en-US" sz="1800" kern="100" dirty="0">
+                <a:effectLst/>
+                <a:latin typeface="맑은 고딕" panose="020B0503020000020004" pitchFamily="50" charset="-127"/>
+                <a:ea typeface="맑은 고딕" panose="020B0503020000020004" pitchFamily="50" charset="-127"/>
+                <a:cs typeface="Times New Roman" panose="02020603050405020304" pitchFamily="18" charset="0"/>
+              </a:rPr>
+              <a:t> </a:t>
+            </a:r>
+            <a:r>
+              <a:rPr lang="ko-KR" altLang="ko-KR" sz="1800" kern="100" dirty="0">
+                <a:effectLst/>
+                <a:latin typeface="맑은 고딕" panose="020B0503020000020004" pitchFamily="50" charset="-127"/>
+                <a:ea typeface="맑은 고딕" panose="020B0503020000020004" pitchFamily="50" charset="-127"/>
+                <a:cs typeface="Times New Roman" panose="02020603050405020304" pitchFamily="18" charset="0"/>
+              </a:rPr>
+              <a:t>시퀀스 다이어그램</a:t>
+            </a:r>
+            <a:r>
+              <a:rPr lang="ko-KR" altLang="en-US" sz="1800" kern="100" dirty="0">
+                <a:effectLst/>
+                <a:latin typeface="맑은 고딕" panose="020B0503020000020004" pitchFamily="50" charset="-127"/>
+                <a:ea typeface="맑은 고딕" panose="020B0503020000020004" pitchFamily="50" charset="-127"/>
+                <a:cs typeface="Times New Roman" panose="02020603050405020304" pitchFamily="18" charset="0"/>
+              </a:rPr>
+              <a:t>으로 나타내 보았습니다</a:t>
+            </a:r>
+            <a:r>
+              <a:rPr lang="en-US" altLang="ko-KR" sz="1800" kern="100" dirty="0">
+                <a:effectLst/>
+                <a:latin typeface="맑은 고딕" panose="020B0503020000020004" pitchFamily="50" charset="-127"/>
+                <a:ea typeface="맑은 고딕" panose="020B0503020000020004" pitchFamily="50" charset="-127"/>
+                <a:cs typeface="Times New Roman" panose="02020603050405020304" pitchFamily="18" charset="0"/>
+              </a:rPr>
+              <a:t>.</a:t>
+            </a:r>
+            <a:endParaRPr lang="ko-KR" altLang="ko-KR" sz="1800" kern="100" dirty="0">
+              <a:effectLst/>
+              <a:latin typeface="맑은 고딕" panose="020B0503020000020004" pitchFamily="50" charset="-127"/>
+              <a:ea typeface="맑은 고딕" panose="020B0503020000020004" pitchFamily="50" charset="-127"/>
+              <a:cs typeface="Times New Roman" panose="02020603050405020304" pitchFamily="18" charset="0"/>
+            </a:endParaRPr>
+          </a:p>
+          <a:p>
+            <a:pPr marL="457200" indent="-457200" algn="just" latinLnBrk="1">
+              <a:lnSpc>
+                <a:spcPct val="107000"/>
+              </a:lnSpc>
+              <a:spcAft>
+                <a:spcPts val="800"/>
+              </a:spcAft>
+            </a:pPr>
+            <a:r>
+              <a:rPr lang="ko-KR" altLang="ko-KR" sz="1800" kern="100" dirty="0">
+                <a:effectLst/>
+                <a:latin typeface="맑은 고딕" panose="020B0503020000020004" pitchFamily="50" charset="-127"/>
+                <a:ea typeface="맑은 고딕" panose="020B0503020000020004" pitchFamily="50" charset="-127"/>
+                <a:cs typeface="Times New Roman" panose="02020603050405020304" pitchFamily="18" charset="0"/>
+              </a:rPr>
+              <a:t>먼저 </a:t>
+            </a:r>
+            <a:r>
+              <a:rPr lang="en-US" altLang="ko-KR" sz="1800" kern="100" dirty="0">
+                <a:effectLst/>
+                <a:latin typeface="맑은 고딕" panose="020B0503020000020004" pitchFamily="50" charset="-127"/>
+                <a:ea typeface="맑은 고딕" panose="020B0503020000020004" pitchFamily="50" charset="-127"/>
+                <a:cs typeface="Times New Roman" panose="02020603050405020304" pitchFamily="18" charset="0"/>
+              </a:rPr>
+              <a:t>App</a:t>
+            </a:r>
+            <a:r>
+              <a:rPr lang="ko-KR" altLang="ko-KR" sz="1800" kern="100" dirty="0">
+                <a:effectLst/>
+                <a:latin typeface="맑은 고딕" panose="020B0503020000020004" pitchFamily="50" charset="-127"/>
+                <a:ea typeface="맑은 고딕" panose="020B0503020000020004" pitchFamily="50" charset="-127"/>
+                <a:cs typeface="Times New Roman" panose="02020603050405020304" pitchFamily="18" charset="0"/>
+              </a:rPr>
+              <a:t>에서 </a:t>
+            </a:r>
+            <a:r>
+              <a:rPr lang="en-US" altLang="ko-KR" sz="1800" kern="100" dirty="0" err="1">
+                <a:effectLst/>
+                <a:latin typeface="맑은 고딕" panose="020B0503020000020004" pitchFamily="50" charset="-127"/>
+                <a:ea typeface="맑은 고딕" panose="020B0503020000020004" pitchFamily="50" charset="-127"/>
+                <a:cs typeface="Times New Roman" panose="02020603050405020304" pitchFamily="18" charset="0"/>
+              </a:rPr>
+              <a:t>HS_status</a:t>
+            </a:r>
+            <a:r>
+              <a:rPr lang="ko-KR" altLang="ko-KR" sz="1800" kern="100" dirty="0">
+                <a:effectLst/>
+                <a:latin typeface="맑은 고딕" panose="020B0503020000020004" pitchFamily="50" charset="-127"/>
+                <a:ea typeface="맑은 고딕" panose="020B0503020000020004" pitchFamily="50" charset="-127"/>
+                <a:cs typeface="Times New Roman" panose="02020603050405020304" pitchFamily="18" charset="0"/>
+              </a:rPr>
+              <a:t>를 </a:t>
+            </a:r>
+            <a:r>
+              <a:rPr lang="ko-KR" altLang="ko-KR" sz="1800" kern="100" dirty="0" err="1">
+                <a:effectLst/>
+                <a:latin typeface="맑은 고딕" panose="020B0503020000020004" pitchFamily="50" charset="-127"/>
+                <a:ea typeface="맑은 고딕" panose="020B0503020000020004" pitchFamily="50" charset="-127"/>
+                <a:cs typeface="Times New Roman" panose="02020603050405020304" pitchFamily="18" charset="0"/>
+              </a:rPr>
+              <a:t>로드합니다</a:t>
+            </a:r>
+            <a:r>
+              <a:rPr lang="en-US" altLang="ko-KR" sz="1800" kern="100" dirty="0">
+                <a:effectLst/>
+                <a:latin typeface="맑은 고딕" panose="020B0503020000020004" pitchFamily="50" charset="-127"/>
+                <a:ea typeface="맑은 고딕" panose="020B0503020000020004" pitchFamily="50" charset="-127"/>
+                <a:cs typeface="Times New Roman" panose="02020603050405020304" pitchFamily="18" charset="0"/>
+              </a:rPr>
+              <a:t>. </a:t>
+            </a:r>
+          </a:p>
+          <a:p>
+            <a:pPr marL="457200" indent="-457200" algn="just" latinLnBrk="1">
+              <a:lnSpc>
+                <a:spcPct val="107000"/>
+              </a:lnSpc>
+              <a:spcAft>
+                <a:spcPts val="800"/>
+              </a:spcAft>
+            </a:pPr>
+            <a:r>
+              <a:rPr lang="ko-KR" altLang="ko-KR" sz="1800" kern="100" dirty="0" err="1">
+                <a:effectLst/>
+                <a:latin typeface="맑은 고딕" panose="020B0503020000020004" pitchFamily="50" charset="-127"/>
+                <a:ea typeface="맑은 고딕" panose="020B0503020000020004" pitchFamily="50" charset="-127"/>
+                <a:cs typeface="Times New Roman" panose="02020603050405020304" pitchFamily="18" charset="0"/>
+              </a:rPr>
+              <a:t>로드된</a:t>
+            </a:r>
+            <a:r>
+              <a:rPr lang="ko-KR" altLang="ko-KR" sz="1800" kern="100" dirty="0">
+                <a:effectLst/>
+                <a:latin typeface="맑은 고딕" panose="020B0503020000020004" pitchFamily="50" charset="-127"/>
+                <a:ea typeface="맑은 고딕" panose="020B0503020000020004" pitchFamily="50" charset="-127"/>
+                <a:cs typeface="Times New Roman" panose="02020603050405020304" pitchFamily="18" charset="0"/>
+              </a:rPr>
+              <a:t> </a:t>
+            </a:r>
+            <a:r>
+              <a:rPr lang="en-US" altLang="ko-KR" sz="1800" kern="100" dirty="0" err="1">
+                <a:effectLst/>
+                <a:latin typeface="맑은 고딕" panose="020B0503020000020004" pitchFamily="50" charset="-127"/>
+                <a:ea typeface="맑은 고딕" panose="020B0503020000020004" pitchFamily="50" charset="-127"/>
+                <a:cs typeface="Times New Roman" panose="02020603050405020304" pitchFamily="18" charset="0"/>
+              </a:rPr>
+              <a:t>HS_status</a:t>
+            </a:r>
+            <a:r>
+              <a:rPr lang="ko-KR" altLang="ko-KR" sz="1800" kern="100" dirty="0">
+                <a:effectLst/>
+                <a:latin typeface="맑은 고딕" panose="020B0503020000020004" pitchFamily="50" charset="-127"/>
+                <a:ea typeface="맑은 고딕" panose="020B0503020000020004" pitchFamily="50" charset="-127"/>
+                <a:cs typeface="Times New Roman" panose="02020603050405020304" pitchFamily="18" charset="0"/>
+              </a:rPr>
+              <a:t>는 손세정제 </a:t>
+            </a:r>
+            <a:r>
+              <a:rPr lang="ko-KR" altLang="ko-KR" sz="1800" kern="100" dirty="0" err="1">
+                <a:effectLst/>
+                <a:latin typeface="맑은 고딕" panose="020B0503020000020004" pitchFamily="50" charset="-127"/>
+                <a:ea typeface="맑은 고딕" panose="020B0503020000020004" pitchFamily="50" charset="-127"/>
+                <a:cs typeface="Times New Roman" panose="02020603050405020304" pitchFamily="18" charset="0"/>
+              </a:rPr>
+              <a:t>잔여량</a:t>
+            </a:r>
+            <a:r>
+              <a:rPr lang="ko-KR" altLang="ko-KR" sz="1800" kern="100" dirty="0">
+                <a:effectLst/>
+                <a:latin typeface="맑은 고딕" panose="020B0503020000020004" pitchFamily="50" charset="-127"/>
+                <a:ea typeface="맑은 고딕" panose="020B0503020000020004" pitchFamily="50" charset="-127"/>
+                <a:cs typeface="Times New Roman" panose="02020603050405020304" pitchFamily="18" charset="0"/>
+              </a:rPr>
+              <a:t> 정보를 보여주기 때문에</a:t>
+            </a:r>
+            <a:r>
+              <a:rPr lang="en-US" altLang="ko-KR" sz="1800" kern="100" dirty="0">
+                <a:effectLst/>
+                <a:latin typeface="맑은 고딕" panose="020B0503020000020004" pitchFamily="50" charset="-127"/>
+                <a:ea typeface="맑은 고딕" panose="020B0503020000020004" pitchFamily="50" charset="-127"/>
+                <a:cs typeface="Times New Roman" panose="02020603050405020304" pitchFamily="18" charset="0"/>
+              </a:rPr>
+              <a:t>, </a:t>
+            </a:r>
+            <a:r>
+              <a:rPr lang="ko-KR" altLang="ko-KR" sz="1800" kern="100" dirty="0">
+                <a:effectLst/>
+                <a:latin typeface="맑은 고딕" panose="020B0503020000020004" pitchFamily="50" charset="-127"/>
+                <a:ea typeface="맑은 고딕" panose="020B0503020000020004" pitchFamily="50" charset="-127"/>
+                <a:cs typeface="Times New Roman" panose="02020603050405020304" pitchFamily="18" charset="0"/>
+              </a:rPr>
+              <a:t>손세정제의 </a:t>
+            </a:r>
+            <a:r>
+              <a:rPr lang="ko-KR" altLang="ko-KR" sz="1800" kern="100" dirty="0" err="1">
+                <a:effectLst/>
+                <a:latin typeface="맑은 고딕" panose="020B0503020000020004" pitchFamily="50" charset="-127"/>
+                <a:ea typeface="맑은 고딕" panose="020B0503020000020004" pitchFamily="50" charset="-127"/>
+                <a:cs typeface="Times New Roman" panose="02020603050405020304" pitchFamily="18" charset="0"/>
+              </a:rPr>
+              <a:t>잔여량</a:t>
+            </a:r>
+            <a:r>
+              <a:rPr lang="en-US" altLang="ko-KR" sz="1800" kern="100" dirty="0">
+                <a:effectLst/>
+                <a:latin typeface="맑은 고딕" panose="020B0503020000020004" pitchFamily="50" charset="-127"/>
+                <a:ea typeface="맑은 고딕" panose="020B0503020000020004" pitchFamily="50" charset="-127"/>
+                <a:cs typeface="Times New Roman" panose="02020603050405020304" pitchFamily="18" charset="0"/>
+              </a:rPr>
+              <a:t> </a:t>
+            </a:r>
+            <a:r>
+              <a:rPr lang="ko-KR" altLang="en-US" sz="1800" kern="100" dirty="0">
+                <a:effectLst/>
+                <a:latin typeface="맑은 고딕" panose="020B0503020000020004" pitchFamily="50" charset="-127"/>
+                <a:ea typeface="맑은 고딕" panose="020B0503020000020004" pitchFamily="50" charset="-127"/>
+                <a:cs typeface="Times New Roman" panose="02020603050405020304" pitchFamily="18" charset="0"/>
+              </a:rPr>
+              <a:t>관련 </a:t>
+            </a:r>
+            <a:r>
+              <a:rPr lang="ko-KR" altLang="ko-KR" sz="1800" kern="100" dirty="0">
+                <a:effectLst/>
+                <a:latin typeface="맑은 고딕" panose="020B0503020000020004" pitchFamily="50" charset="-127"/>
+                <a:ea typeface="맑은 고딕" panose="020B0503020000020004" pitchFamily="50" charset="-127"/>
+                <a:cs typeface="Times New Roman" panose="02020603050405020304" pitchFamily="18" charset="0"/>
+              </a:rPr>
+              <a:t>데이터를</a:t>
+            </a:r>
+            <a:r>
+              <a:rPr lang="en-US" altLang="ko-KR" sz="1800" kern="100" dirty="0">
+                <a:effectLst/>
+                <a:latin typeface="맑은 고딕" panose="020B0503020000020004" pitchFamily="50" charset="-127"/>
+                <a:ea typeface="맑은 고딕" panose="020B0503020000020004" pitchFamily="50" charset="-127"/>
+                <a:cs typeface="Times New Roman" panose="02020603050405020304" pitchFamily="18" charset="0"/>
+              </a:rPr>
+              <a:t> DB</a:t>
+            </a:r>
+            <a:r>
+              <a:rPr lang="ko-KR" altLang="ko-KR" sz="1800" kern="100" dirty="0">
+                <a:effectLst/>
+                <a:latin typeface="맑은 고딕" panose="020B0503020000020004" pitchFamily="50" charset="-127"/>
+                <a:ea typeface="맑은 고딕" panose="020B0503020000020004" pitchFamily="50" charset="-127"/>
+                <a:cs typeface="Times New Roman" panose="02020603050405020304" pitchFamily="18" charset="0"/>
+              </a:rPr>
+              <a:t>에 요청하고</a:t>
+            </a:r>
+            <a:r>
+              <a:rPr lang="en-US" altLang="ko-KR" sz="1800" kern="100" dirty="0">
+                <a:effectLst/>
+                <a:latin typeface="맑은 고딕" panose="020B0503020000020004" pitchFamily="50" charset="-127"/>
+                <a:ea typeface="맑은 고딕" panose="020B0503020000020004" pitchFamily="50" charset="-127"/>
+                <a:cs typeface="Times New Roman" panose="02020603050405020304" pitchFamily="18" charset="0"/>
+              </a:rPr>
+              <a:t>, </a:t>
+            </a:r>
+            <a:r>
+              <a:rPr lang="en-US" altLang="ko-KR" sz="1800" kern="100" dirty="0" err="1">
+                <a:effectLst/>
+                <a:latin typeface="맑은 고딕" panose="020B0503020000020004" pitchFamily="50" charset="-127"/>
+                <a:ea typeface="맑은 고딕" panose="020B0503020000020004" pitchFamily="50" charset="-127"/>
+                <a:cs typeface="Times New Roman" panose="02020603050405020304" pitchFamily="18" charset="0"/>
+              </a:rPr>
+              <a:t>db</a:t>
+            </a:r>
+            <a:r>
+              <a:rPr lang="ko-KR" altLang="ko-KR" sz="1800" kern="100" dirty="0">
+                <a:effectLst/>
+                <a:latin typeface="맑은 고딕" panose="020B0503020000020004" pitchFamily="50" charset="-127"/>
+                <a:ea typeface="맑은 고딕" panose="020B0503020000020004" pitchFamily="50" charset="-127"/>
+                <a:cs typeface="Times New Roman" panose="02020603050405020304" pitchFamily="18" charset="0"/>
+              </a:rPr>
+              <a:t>에선 해당 데이터를 </a:t>
+            </a:r>
+            <a:r>
+              <a:rPr lang="ko-KR" altLang="ko-KR" sz="1800" kern="100" dirty="0" err="1">
+                <a:effectLst/>
+                <a:latin typeface="맑은 고딕" panose="020B0503020000020004" pitchFamily="50" charset="-127"/>
+                <a:ea typeface="맑은 고딕" panose="020B0503020000020004" pitchFamily="50" charset="-127"/>
+                <a:cs typeface="Times New Roman" panose="02020603050405020304" pitchFamily="18" charset="0"/>
+              </a:rPr>
+              <a:t>리턴해줍니다</a:t>
+            </a:r>
+            <a:r>
+              <a:rPr lang="en-US" altLang="ko-KR" sz="1800" kern="100" dirty="0">
+                <a:effectLst/>
+                <a:latin typeface="맑은 고딕" panose="020B0503020000020004" pitchFamily="50" charset="-127"/>
+                <a:ea typeface="맑은 고딕" panose="020B0503020000020004" pitchFamily="50" charset="-127"/>
+                <a:cs typeface="Times New Roman" panose="02020603050405020304" pitchFamily="18" charset="0"/>
+              </a:rPr>
+              <a:t>.</a:t>
+            </a:r>
+            <a:endParaRPr lang="ko-KR" altLang="ko-KR" sz="1800" kern="100" dirty="0">
+              <a:effectLst/>
+              <a:latin typeface="맑은 고딕" panose="020B0503020000020004" pitchFamily="50" charset="-127"/>
+              <a:ea typeface="맑은 고딕" panose="020B0503020000020004" pitchFamily="50" charset="-127"/>
+              <a:cs typeface="Times New Roman" panose="02020603050405020304" pitchFamily="18" charset="0"/>
+            </a:endParaRPr>
+          </a:p>
+          <a:p>
+            <a:pPr marL="457200" indent="-457200" algn="just" latinLnBrk="1">
+              <a:lnSpc>
+                <a:spcPct val="107000"/>
+              </a:lnSpc>
+              <a:spcAft>
+                <a:spcPts val="800"/>
+              </a:spcAft>
+            </a:pPr>
+            <a:r>
+              <a:rPr lang="ko-KR" altLang="ko-KR" sz="1800" kern="100" dirty="0" err="1">
+                <a:effectLst/>
+                <a:latin typeface="맑은 고딕" panose="020B0503020000020004" pitchFamily="50" charset="-127"/>
+                <a:ea typeface="맑은 고딕" panose="020B0503020000020004" pitchFamily="50" charset="-127"/>
+                <a:cs typeface="Times New Roman" panose="02020603050405020304" pitchFamily="18" charset="0"/>
+              </a:rPr>
+              <a:t>그다음으론</a:t>
+            </a:r>
+            <a:r>
+              <a:rPr lang="ko-KR" altLang="ko-KR" sz="1800" kern="100" dirty="0">
+                <a:effectLst/>
+                <a:latin typeface="맑은 고딕" panose="020B0503020000020004" pitchFamily="50" charset="-127"/>
+                <a:ea typeface="맑은 고딕" panose="020B0503020000020004" pitchFamily="50" charset="-127"/>
+                <a:cs typeface="Times New Roman" panose="02020603050405020304" pitchFamily="18" charset="0"/>
+              </a:rPr>
+              <a:t> 현재 </a:t>
+            </a:r>
+            <a:r>
+              <a:rPr lang="ko-KR" altLang="ko-KR" sz="1800" kern="100" dirty="0" err="1">
+                <a:effectLst/>
+                <a:latin typeface="맑은 고딕" panose="020B0503020000020004" pitchFamily="50" charset="-127"/>
+                <a:ea typeface="맑은 고딕" panose="020B0503020000020004" pitchFamily="50" charset="-127"/>
+                <a:cs typeface="Times New Roman" panose="02020603050405020304" pitchFamily="18" charset="0"/>
+              </a:rPr>
+              <a:t>잔여량이</a:t>
+            </a:r>
+            <a:r>
+              <a:rPr lang="ko-KR" altLang="ko-KR" sz="1800" kern="100" dirty="0">
+                <a:effectLst/>
+                <a:latin typeface="맑은 고딕" panose="020B0503020000020004" pitchFamily="50" charset="-127"/>
+                <a:ea typeface="맑은 고딕" panose="020B0503020000020004" pitchFamily="50" charset="-127"/>
+                <a:cs typeface="Times New Roman" panose="02020603050405020304" pitchFamily="18" charset="0"/>
+              </a:rPr>
+              <a:t> 부족할</a:t>
+            </a:r>
+            <a:r>
+              <a:rPr lang="en-US" altLang="ko-KR" sz="1800" kern="100" dirty="0">
+                <a:effectLst/>
+                <a:latin typeface="맑은 고딕" panose="020B0503020000020004" pitchFamily="50" charset="-127"/>
+                <a:ea typeface="맑은 고딕" panose="020B0503020000020004" pitchFamily="50" charset="-127"/>
+                <a:cs typeface="Times New Roman" panose="02020603050405020304" pitchFamily="18" charset="0"/>
+              </a:rPr>
+              <a:t> </a:t>
+            </a:r>
+            <a:r>
+              <a:rPr lang="ko-KR" altLang="ko-KR" sz="1800" kern="100" dirty="0">
+                <a:effectLst/>
+                <a:latin typeface="맑은 고딕" panose="020B0503020000020004" pitchFamily="50" charset="-127"/>
+                <a:ea typeface="맑은 고딕" panose="020B0503020000020004" pitchFamily="50" charset="-127"/>
+                <a:cs typeface="Times New Roman" panose="02020603050405020304" pitchFamily="18" charset="0"/>
+              </a:rPr>
+              <a:t>경우와 부족하지 않을 경우로 나뉘어지게 됩니다</a:t>
+            </a:r>
+            <a:r>
+              <a:rPr lang="en-US" altLang="ko-KR" sz="1800" kern="100" dirty="0">
+                <a:effectLst/>
+                <a:latin typeface="맑은 고딕" panose="020B0503020000020004" pitchFamily="50" charset="-127"/>
+                <a:ea typeface="맑은 고딕" panose="020B0503020000020004" pitchFamily="50" charset="-127"/>
+                <a:cs typeface="Times New Roman" panose="02020603050405020304" pitchFamily="18" charset="0"/>
+              </a:rPr>
+              <a:t>.</a:t>
+            </a:r>
+            <a:endParaRPr lang="ko-KR" altLang="ko-KR" sz="1800" kern="100" dirty="0">
+              <a:effectLst/>
+              <a:latin typeface="맑은 고딕" panose="020B0503020000020004" pitchFamily="50" charset="-127"/>
+              <a:ea typeface="맑은 고딕" panose="020B0503020000020004" pitchFamily="50" charset="-127"/>
+              <a:cs typeface="Times New Roman" panose="02020603050405020304" pitchFamily="18" charset="0"/>
+            </a:endParaRPr>
+          </a:p>
+          <a:p>
+            <a:pPr marL="457200" indent="-457200" algn="just" latinLnBrk="1">
+              <a:lnSpc>
+                <a:spcPct val="107000"/>
+              </a:lnSpc>
+              <a:spcAft>
+                <a:spcPts val="800"/>
+              </a:spcAft>
+            </a:pPr>
+            <a:r>
+              <a:rPr lang="ko-KR" altLang="ko-KR" sz="1800" kern="100" dirty="0">
+                <a:effectLst/>
+                <a:latin typeface="맑은 고딕" panose="020B0503020000020004" pitchFamily="50" charset="-127"/>
+                <a:ea typeface="맑은 고딕" panose="020B0503020000020004" pitchFamily="50" charset="-127"/>
+                <a:cs typeface="Times New Roman" panose="02020603050405020304" pitchFamily="18" charset="0"/>
+              </a:rPr>
+              <a:t>현재 </a:t>
+            </a:r>
+            <a:r>
+              <a:rPr lang="ko-KR" altLang="ko-KR" sz="1800" kern="100" dirty="0" err="1">
+                <a:effectLst/>
+                <a:latin typeface="맑은 고딕" panose="020B0503020000020004" pitchFamily="50" charset="-127"/>
+                <a:ea typeface="맑은 고딕" panose="020B0503020000020004" pitchFamily="50" charset="-127"/>
+                <a:cs typeface="Times New Roman" panose="02020603050405020304" pitchFamily="18" charset="0"/>
+              </a:rPr>
+              <a:t>잔여량이</a:t>
+            </a:r>
+            <a:r>
+              <a:rPr lang="ko-KR" altLang="ko-KR" sz="1800" kern="100" dirty="0">
+                <a:effectLst/>
+                <a:latin typeface="맑은 고딕" panose="020B0503020000020004" pitchFamily="50" charset="-127"/>
+                <a:ea typeface="맑은 고딕" panose="020B0503020000020004" pitchFamily="50" charset="-127"/>
+                <a:cs typeface="Times New Roman" panose="02020603050405020304" pitchFamily="18" charset="0"/>
+              </a:rPr>
+              <a:t> 부족할 경우엔 사용자에게 위험신호를 보내주어야</a:t>
+            </a:r>
+            <a:r>
+              <a:rPr lang="en-US" altLang="ko-KR" sz="1800" kern="100" dirty="0">
+                <a:effectLst/>
+                <a:latin typeface="맑은 고딕" panose="020B0503020000020004" pitchFamily="50" charset="-127"/>
+                <a:ea typeface="맑은 고딕" panose="020B0503020000020004" pitchFamily="50" charset="-127"/>
+                <a:cs typeface="Times New Roman" panose="02020603050405020304" pitchFamily="18" charset="0"/>
+              </a:rPr>
+              <a:t> </a:t>
+            </a:r>
+            <a:r>
+              <a:rPr lang="ko-KR" altLang="en-US" sz="1800" kern="100" dirty="0">
+                <a:effectLst/>
+                <a:latin typeface="맑은 고딕" panose="020B0503020000020004" pitchFamily="50" charset="-127"/>
+                <a:ea typeface="맑은 고딕" panose="020B0503020000020004" pitchFamily="50" charset="-127"/>
+                <a:cs typeface="Times New Roman" panose="02020603050405020304" pitchFamily="18" charset="0"/>
+              </a:rPr>
+              <a:t>하기</a:t>
+            </a:r>
+            <a:r>
+              <a:rPr lang="ko-KR" altLang="ko-KR" sz="1800" kern="100" dirty="0">
+                <a:effectLst/>
+                <a:latin typeface="맑은 고딕" panose="020B0503020000020004" pitchFamily="50" charset="-127"/>
+                <a:ea typeface="맑은 고딕" panose="020B0503020000020004" pitchFamily="50" charset="-127"/>
+                <a:cs typeface="Times New Roman" panose="02020603050405020304" pitchFamily="18" charset="0"/>
+              </a:rPr>
+              <a:t> 때문에</a:t>
+            </a:r>
+            <a:r>
+              <a:rPr lang="en-US" altLang="ko-KR" sz="1800" kern="100" dirty="0">
+                <a:effectLst/>
+                <a:latin typeface="맑은 고딕" panose="020B0503020000020004" pitchFamily="50" charset="-127"/>
+                <a:ea typeface="맑은 고딕" panose="020B0503020000020004" pitchFamily="50" charset="-127"/>
+                <a:cs typeface="Times New Roman" panose="02020603050405020304" pitchFamily="18" charset="0"/>
+              </a:rPr>
+              <a:t> </a:t>
+            </a:r>
+          </a:p>
+          <a:p>
+            <a:pPr marL="457200" indent="-457200" algn="just" latinLnBrk="1">
+              <a:lnSpc>
+                <a:spcPct val="107000"/>
+              </a:lnSpc>
+              <a:spcAft>
+                <a:spcPts val="800"/>
+              </a:spcAft>
+            </a:pPr>
+            <a:r>
+              <a:rPr lang="en-US" altLang="ko-KR" sz="1800" kern="100" dirty="0" err="1">
+                <a:effectLst/>
+                <a:latin typeface="맑은 고딕" panose="020B0503020000020004" pitchFamily="50" charset="-127"/>
+                <a:ea typeface="맑은 고딕" panose="020B0503020000020004" pitchFamily="50" charset="-127"/>
+                <a:cs typeface="Times New Roman" panose="02020603050405020304" pitchFamily="18" charset="0"/>
+              </a:rPr>
+              <a:t>HS_Status</a:t>
+            </a:r>
+            <a:r>
+              <a:rPr lang="ko-KR" altLang="ko-KR" sz="1800" kern="100" dirty="0">
+                <a:effectLst/>
+                <a:latin typeface="맑은 고딕" panose="020B0503020000020004" pitchFamily="50" charset="-127"/>
+                <a:ea typeface="맑은 고딕" panose="020B0503020000020004" pitchFamily="50" charset="-127"/>
+                <a:cs typeface="Times New Roman" panose="02020603050405020304" pitchFamily="18" charset="0"/>
+              </a:rPr>
+              <a:t>에서 </a:t>
+            </a:r>
+            <a:r>
+              <a:rPr lang="ko-KR" altLang="en-US" sz="1800" kern="100" dirty="0">
+                <a:effectLst/>
+                <a:latin typeface="맑은 고딕" panose="020B0503020000020004" pitchFamily="50" charset="-127"/>
+                <a:ea typeface="맑은 고딕" panose="020B0503020000020004" pitchFamily="50" charset="-127"/>
+                <a:cs typeface="Times New Roman" panose="02020603050405020304" pitchFamily="18" charset="0"/>
+              </a:rPr>
+              <a:t>위험신호 인스턴스인 </a:t>
+            </a:r>
+            <a:r>
+              <a:rPr lang="en-US" altLang="ko-KR" sz="1800" kern="100" dirty="0">
+                <a:effectLst/>
+                <a:latin typeface="맑은 고딕" panose="020B0503020000020004" pitchFamily="50" charset="-127"/>
+                <a:ea typeface="맑은 고딕" panose="020B0503020000020004" pitchFamily="50" charset="-127"/>
+                <a:cs typeface="Times New Roman" panose="02020603050405020304" pitchFamily="18" charset="0"/>
+              </a:rPr>
+              <a:t>warning</a:t>
+            </a:r>
+            <a:r>
+              <a:rPr lang="ko-KR" altLang="en-US" sz="1800" kern="100" dirty="0">
+                <a:effectLst/>
+                <a:latin typeface="맑은 고딕" panose="020B0503020000020004" pitchFamily="50" charset="-127"/>
+                <a:ea typeface="맑은 고딕" panose="020B0503020000020004" pitchFamily="50" charset="-127"/>
+                <a:cs typeface="Times New Roman" panose="02020603050405020304" pitchFamily="18" charset="0"/>
+              </a:rPr>
+              <a:t>을 요청하면</a:t>
+            </a:r>
+            <a:r>
+              <a:rPr lang="en-US" altLang="ko-KR" sz="1800" kern="100" dirty="0">
+                <a:effectLst/>
+                <a:latin typeface="맑은 고딕" panose="020B0503020000020004" pitchFamily="50" charset="-127"/>
+                <a:ea typeface="맑은 고딕" panose="020B0503020000020004" pitchFamily="50" charset="-127"/>
+                <a:cs typeface="Times New Roman" panose="02020603050405020304" pitchFamily="18" charset="0"/>
+              </a:rPr>
+              <a:t>, app</a:t>
+            </a:r>
+            <a:r>
+              <a:rPr lang="ko-KR" altLang="en-US" sz="1800" kern="100" dirty="0">
+                <a:effectLst/>
+                <a:latin typeface="맑은 고딕" panose="020B0503020000020004" pitchFamily="50" charset="-127"/>
+                <a:ea typeface="맑은 고딕" panose="020B0503020000020004" pitchFamily="50" charset="-127"/>
+                <a:cs typeface="Times New Roman" panose="02020603050405020304" pitchFamily="18" charset="0"/>
+              </a:rPr>
+              <a:t>에 위험신호가 </a:t>
+            </a:r>
+            <a:r>
+              <a:rPr lang="ko-KR" altLang="en-US" sz="1800" kern="100" dirty="0" err="1">
+                <a:effectLst/>
+                <a:latin typeface="맑은 고딕" panose="020B0503020000020004" pitchFamily="50" charset="-127"/>
+                <a:ea typeface="맑은 고딕" panose="020B0503020000020004" pitchFamily="50" charset="-127"/>
+                <a:cs typeface="Times New Roman" panose="02020603050405020304" pitchFamily="18" charset="0"/>
+              </a:rPr>
+              <a:t>리턴됩니다</a:t>
+            </a:r>
+            <a:r>
+              <a:rPr lang="en-US" altLang="ko-KR" sz="1800" kern="100" dirty="0">
+                <a:effectLst/>
+                <a:latin typeface="맑은 고딕" panose="020B0503020000020004" pitchFamily="50" charset="-127"/>
+                <a:ea typeface="맑은 고딕" panose="020B0503020000020004" pitchFamily="50" charset="-127"/>
+                <a:cs typeface="Times New Roman" panose="02020603050405020304" pitchFamily="18" charset="0"/>
+              </a:rPr>
+              <a:t>. </a:t>
+            </a:r>
+            <a:r>
+              <a:rPr lang="ko-KR" altLang="en-US" sz="1800" kern="100" dirty="0">
+                <a:effectLst/>
+                <a:latin typeface="맑은 고딕" panose="020B0503020000020004" pitchFamily="50" charset="-127"/>
+                <a:ea typeface="맑은 고딕" panose="020B0503020000020004" pitchFamily="50" charset="-127"/>
+                <a:cs typeface="Times New Roman" panose="02020603050405020304" pitchFamily="18" charset="0"/>
+              </a:rPr>
+              <a:t>그리고 </a:t>
+            </a:r>
+            <a:r>
+              <a:rPr lang="en-US" altLang="ko-KR" sz="1800" kern="100" dirty="0" err="1">
+                <a:effectLst/>
+                <a:latin typeface="맑은 고딕" panose="020B0503020000020004" pitchFamily="50" charset="-127"/>
+                <a:ea typeface="맑은 고딕" panose="020B0503020000020004" pitchFamily="50" charset="-127"/>
+                <a:cs typeface="Times New Roman" panose="02020603050405020304" pitchFamily="18" charset="0"/>
+              </a:rPr>
+              <a:t>hs_status</a:t>
+            </a:r>
+            <a:r>
+              <a:rPr lang="ko-KR" altLang="en-US" sz="1800" kern="100" dirty="0">
+                <a:effectLst/>
+                <a:latin typeface="맑은 고딕" panose="020B0503020000020004" pitchFamily="50" charset="-127"/>
+                <a:ea typeface="맑은 고딕" panose="020B0503020000020004" pitchFamily="50" charset="-127"/>
+                <a:cs typeface="Times New Roman" panose="02020603050405020304" pitchFamily="18" charset="0"/>
+              </a:rPr>
+              <a:t>에서 현재 </a:t>
+            </a:r>
+            <a:r>
+              <a:rPr lang="ko-KR" altLang="en-US" sz="1800" kern="100" dirty="0" err="1">
+                <a:effectLst/>
+                <a:latin typeface="맑은 고딕" panose="020B0503020000020004" pitchFamily="50" charset="-127"/>
+                <a:ea typeface="맑은 고딕" panose="020B0503020000020004" pitchFamily="50" charset="-127"/>
+                <a:cs typeface="Times New Roman" panose="02020603050405020304" pitchFamily="18" charset="0"/>
+              </a:rPr>
+              <a:t>잔여량을</a:t>
+            </a:r>
+            <a:r>
+              <a:rPr lang="ko-KR" altLang="en-US" sz="1800" kern="100" dirty="0">
+                <a:effectLst/>
+                <a:latin typeface="맑은 고딕" panose="020B0503020000020004" pitchFamily="50" charset="-127"/>
+                <a:ea typeface="맑은 고딕" panose="020B0503020000020004" pitchFamily="50" charset="-127"/>
+                <a:cs typeface="Times New Roman" panose="02020603050405020304" pitchFamily="18" charset="0"/>
+              </a:rPr>
+              <a:t> 보여주고 프로시저가 끝납니다</a:t>
+            </a:r>
+            <a:r>
+              <a:rPr lang="en-US" altLang="ko-KR" sz="1800" kern="100" dirty="0">
+                <a:effectLst/>
+                <a:latin typeface="맑은 고딕" panose="020B0503020000020004" pitchFamily="50" charset="-127"/>
+                <a:ea typeface="맑은 고딕" panose="020B0503020000020004" pitchFamily="50" charset="-127"/>
+                <a:cs typeface="Times New Roman" panose="02020603050405020304" pitchFamily="18" charset="0"/>
+              </a:rPr>
+              <a:t>.</a:t>
+            </a:r>
+            <a:endParaRPr lang="ko-KR" altLang="ko-KR" sz="1800" kern="100" dirty="0">
+              <a:effectLst/>
+              <a:latin typeface="맑은 고딕" panose="020B0503020000020004" pitchFamily="50" charset="-127"/>
+              <a:ea typeface="맑은 고딕" panose="020B0503020000020004" pitchFamily="50" charset="-127"/>
+              <a:cs typeface="Times New Roman" panose="02020603050405020304" pitchFamily="18" charset="0"/>
+            </a:endParaRPr>
+          </a:p>
+          <a:p>
+            <a:pPr marL="457200" indent="-457200" algn="just" latinLnBrk="1">
+              <a:lnSpc>
+                <a:spcPct val="107000"/>
+              </a:lnSpc>
+              <a:spcAft>
+                <a:spcPts val="800"/>
+              </a:spcAft>
+            </a:pPr>
+            <a:r>
+              <a:rPr lang="ko-KR" altLang="ko-KR" sz="1800" kern="100" dirty="0">
+                <a:effectLst/>
+                <a:latin typeface="맑은 고딕" panose="020B0503020000020004" pitchFamily="50" charset="-127"/>
+                <a:ea typeface="맑은 고딕" panose="020B0503020000020004" pitchFamily="50" charset="-127"/>
+                <a:cs typeface="Times New Roman" panose="02020603050405020304" pitchFamily="18" charset="0"/>
+              </a:rPr>
+              <a:t>반대로 현재 </a:t>
+            </a:r>
+            <a:r>
+              <a:rPr lang="ko-KR" altLang="ko-KR" sz="1800" kern="100" dirty="0" err="1">
+                <a:effectLst/>
+                <a:latin typeface="맑은 고딕" panose="020B0503020000020004" pitchFamily="50" charset="-127"/>
+                <a:ea typeface="맑은 고딕" panose="020B0503020000020004" pitchFamily="50" charset="-127"/>
+                <a:cs typeface="Times New Roman" panose="02020603050405020304" pitchFamily="18" charset="0"/>
+              </a:rPr>
+              <a:t>잔여량이</a:t>
+            </a:r>
+            <a:r>
+              <a:rPr lang="ko-KR" altLang="ko-KR" sz="1800" kern="100" dirty="0">
+                <a:effectLst/>
+                <a:latin typeface="맑은 고딕" panose="020B0503020000020004" pitchFamily="50" charset="-127"/>
+                <a:ea typeface="맑은 고딕" panose="020B0503020000020004" pitchFamily="50" charset="-127"/>
+                <a:cs typeface="Times New Roman" panose="02020603050405020304" pitchFamily="18" charset="0"/>
+              </a:rPr>
+              <a:t> 부족하지 않은 경우에는 현재 </a:t>
+            </a:r>
+            <a:r>
+              <a:rPr lang="ko-KR" altLang="ko-KR" sz="1800" kern="100" dirty="0" err="1">
+                <a:effectLst/>
+                <a:latin typeface="맑은 고딕" panose="020B0503020000020004" pitchFamily="50" charset="-127"/>
+                <a:ea typeface="맑은 고딕" panose="020B0503020000020004" pitchFamily="50" charset="-127"/>
+                <a:cs typeface="Times New Roman" panose="02020603050405020304" pitchFamily="18" charset="0"/>
+              </a:rPr>
+              <a:t>잔여량만</a:t>
+            </a:r>
+            <a:r>
+              <a:rPr lang="ko-KR" altLang="ko-KR" sz="1800" kern="100" dirty="0">
+                <a:effectLst/>
+                <a:latin typeface="맑은 고딕" panose="020B0503020000020004" pitchFamily="50" charset="-127"/>
+                <a:ea typeface="맑은 고딕" panose="020B0503020000020004" pitchFamily="50" charset="-127"/>
+                <a:cs typeface="Times New Roman" panose="02020603050405020304" pitchFamily="18" charset="0"/>
+              </a:rPr>
+              <a:t> 보여주고 프로시저는 끝나게 됩니다</a:t>
+            </a:r>
+            <a:r>
+              <a:rPr lang="en-US" altLang="ko-KR" sz="1800" kern="100" dirty="0">
+                <a:effectLst/>
+                <a:latin typeface="맑은 고딕" panose="020B0503020000020004" pitchFamily="50" charset="-127"/>
+                <a:ea typeface="맑은 고딕" panose="020B0503020000020004" pitchFamily="50" charset="-127"/>
+                <a:cs typeface="Times New Roman" panose="02020603050405020304" pitchFamily="18" charset="0"/>
+              </a:rPr>
+              <a:t>.</a:t>
+            </a:r>
+            <a:endParaRPr lang="ko-KR" altLang="ko-KR" sz="1800" kern="100" dirty="0">
+              <a:effectLst/>
+              <a:latin typeface="맑은 고딕" panose="020B0503020000020004" pitchFamily="50" charset="-127"/>
+              <a:ea typeface="맑은 고딕" panose="020B0503020000020004" pitchFamily="50" charset="-127"/>
+              <a:cs typeface="Times New Roman" panose="02020603050405020304" pitchFamily="18" charset="0"/>
+            </a:endParaRPr>
+          </a:p>
+        </p:txBody>
+      </p:sp>
+      <p:sp>
+        <p:nvSpPr>
+          <p:cNvPr id="4" name="슬라이드 번호 개체 틀 3"/>
+          <p:cNvSpPr>
+            <a:spLocks noGrp="1"/>
+          </p:cNvSpPr>
+          <p:nvPr>
+            <p:ph type="sldNum" sz="quarter" idx="5"/>
+          </p:nvPr>
+        </p:nvSpPr>
+        <p:spPr/>
+        <p:txBody>
+          <a:bodyPr/>
+          <a:lstStyle/>
+          <a:p>
+            <a:fld id="{CFEC5C64-9846-41DF-88A9-FAC22ECF479C}" type="slidenum">
+              <a:rPr lang="ko-KR" altLang="en-US" smtClean="0"/>
+              <a:t>14</a:t>
+            </a:fld>
+            <a:endParaRPr lang="ko-KR" altLang="en-US"/>
+          </a:p>
+        </p:txBody>
+      </p:sp>
+    </p:spTree>
+    <p:extLst>
+      <p:ext uri="{BB962C8B-B14F-4D97-AF65-F5344CB8AC3E}">
+        <p14:creationId xmlns:p14="http://schemas.microsoft.com/office/powerpoint/2010/main" val="3105719577"/>
       </p:ext>
     </p:extLst>
   </p:cSld>
@@ -7405,13 +9879,1819 @@
   <p:clrMapOvr>
     <a:masterClrMapping/>
   </p:clrMapOvr>
-  <mc:AlternateContent xmlns:mc="http://schemas.openxmlformats.org/markup-compatibility/2006">
-    <mc:Choice xmlns:p159="http://schemas.microsoft.com/office/powerpoint/2015/09/main" Requires="p159">
+  <mc:AlternateContent xmlns:mc="http://schemas.openxmlformats.org/markup-compatibility/2006" xmlns:p159="http://schemas.microsoft.com/office/powerpoint/2015/09/main">
+    <mc:Choice Requires="p159">
       <p:transition xmlns:p14="http://schemas.microsoft.com/office/powerpoint/2010/main" spd="slow" p14:dur="2000">
         <p159:morph option="byObject"/>
       </p:transition>
     </mc:Choice>
-    <mc:Fallback>
+    <mc:Fallback xmlns="">
+      <p:transition spd="slow">
+        <p:fade/>
+      </p:transition>
+    </mc:Fallback>
+  </mc:AlternateContent>
+</p:sld>
+</file>
+
+<file path=ppt/slides/slide11.xml><?xml version="1.0" encoding="utf-8"?>
+<p:sld xmlns:a="http://schemas.openxmlformats.org/drawingml/2006/main" xmlns:r="http://schemas.openxmlformats.org/officeDocument/2006/relationships" xmlns:p="http://schemas.openxmlformats.org/presentationml/2006/main">
+  <p:cSld>
+    <p:spTree>
+      <p:nvGrpSpPr>
+        <p:cNvPr id="1" name=""/>
+        <p:cNvGrpSpPr/>
+        <p:nvPr/>
+      </p:nvGrpSpPr>
+      <p:grpSpPr>
+        <a:xfrm>
+          <a:off x="0" y="0"/>
+          <a:ext cx="0" cy="0"/>
+          <a:chOff x="0" y="0"/>
+          <a:chExt cx="0" cy="0"/>
+        </a:xfrm>
+      </p:grpSpPr>
+      <p:sp>
+        <p:nvSpPr>
+          <p:cNvPr id="4" name="TextBox 3">
+            <a:extLst>
+              <a:ext uri="{FF2B5EF4-FFF2-40B4-BE49-F238E27FC236}">
+                <a16:creationId xmlns:a16="http://schemas.microsoft.com/office/drawing/2014/main" id="{6AAAD052-7018-4B5E-ACE0-B4B9B5DADAA8}"/>
+              </a:ext>
+            </a:extLst>
+          </p:cNvPr>
+          <p:cNvSpPr txBox="1"/>
+          <p:nvPr/>
+        </p:nvSpPr>
+        <p:spPr>
+          <a:xfrm>
+            <a:off x="11561175" y="6453051"/>
+            <a:ext cx="543739" cy="307777"/>
+          </a:xfrm>
+          <a:prstGeom prst="rect">
+            <a:avLst/>
+          </a:prstGeom>
+          <a:noFill/>
+        </p:spPr>
+        <p:txBody>
+          <a:bodyPr wrap="none" rtlCol="0">
+            <a:spAutoFit/>
+          </a:bodyPr>
+          <a:lstStyle/>
+          <a:p>
+            <a:pPr algn="r"/>
+            <a:r>
+              <a:rPr lang="en-US" altLang="ko-KR" sz="1400" dirty="0">
+                <a:solidFill>
+                  <a:schemeClr val="tx1">
+                    <a:lumMod val="50000"/>
+                    <a:lumOff val="50000"/>
+                  </a:schemeClr>
+                </a:solidFill>
+                <a:latin typeface="카카오 Regular" panose="020B0600000101010101" pitchFamily="50" charset="-127"/>
+                <a:ea typeface="카카오 Regular" panose="020B0600000101010101" pitchFamily="50" charset="-127"/>
+              </a:rPr>
+              <a:t>p. 11</a:t>
+            </a:r>
+            <a:endParaRPr lang="ko-KR" altLang="en-US" sz="1400" dirty="0">
+              <a:solidFill>
+                <a:schemeClr val="tx1">
+                  <a:lumMod val="50000"/>
+                  <a:lumOff val="50000"/>
+                </a:schemeClr>
+              </a:solidFill>
+              <a:latin typeface="카카오 Regular" panose="020B0600000101010101" pitchFamily="50" charset="-127"/>
+              <a:ea typeface="카카오 Regular" panose="020B0600000101010101" pitchFamily="50" charset="-127"/>
+            </a:endParaRPr>
+          </a:p>
+        </p:txBody>
+      </p:sp>
+      <p:sp>
+        <p:nvSpPr>
+          <p:cNvPr id="5" name="TextBox 4">
+            <a:extLst>
+              <a:ext uri="{FF2B5EF4-FFF2-40B4-BE49-F238E27FC236}">
+                <a16:creationId xmlns:a16="http://schemas.microsoft.com/office/drawing/2014/main" id="{4954B042-D712-468F-8BF0-BB42376DFC5E}"/>
+              </a:ext>
+            </a:extLst>
+          </p:cNvPr>
+          <p:cNvSpPr txBox="1"/>
+          <p:nvPr/>
+        </p:nvSpPr>
+        <p:spPr>
+          <a:xfrm>
+            <a:off x="87086" y="6453051"/>
+            <a:ext cx="1356462" cy="307777"/>
+          </a:xfrm>
+          <a:prstGeom prst="rect">
+            <a:avLst/>
+          </a:prstGeom>
+          <a:noFill/>
+        </p:spPr>
+        <p:txBody>
+          <a:bodyPr wrap="none" rtlCol="0">
+            <a:spAutoFit/>
+          </a:bodyPr>
+          <a:lstStyle/>
+          <a:p>
+            <a:r>
+              <a:rPr lang="ko-KR" altLang="en-US" sz="1400" dirty="0">
+                <a:solidFill>
+                  <a:schemeClr val="tx1">
+                    <a:lumMod val="50000"/>
+                    <a:lumOff val="50000"/>
+                  </a:schemeClr>
+                </a:solidFill>
+                <a:latin typeface="카카오 Regular" panose="020B0600000101010101" pitchFamily="50" charset="-127"/>
+                <a:ea typeface="카카오 Regular" panose="020B0600000101010101" pitchFamily="50" charset="-127"/>
+              </a:rPr>
+              <a:t>오픈소스</a:t>
+            </a:r>
+            <a:r>
+              <a:rPr lang="en-US" altLang="ko-KR" sz="1400" dirty="0">
+                <a:solidFill>
+                  <a:schemeClr val="tx1">
+                    <a:lumMod val="50000"/>
+                    <a:lumOff val="50000"/>
+                  </a:schemeClr>
+                </a:solidFill>
+                <a:latin typeface="카카오 Regular" panose="020B0600000101010101" pitchFamily="50" charset="-127"/>
+                <a:ea typeface="카카오 Regular" panose="020B0600000101010101" pitchFamily="50" charset="-127"/>
+              </a:rPr>
+              <a:t>SW</a:t>
+            </a:r>
+            <a:r>
+              <a:rPr lang="ko-KR" altLang="en-US" sz="1400" dirty="0">
+                <a:solidFill>
+                  <a:schemeClr val="tx1">
+                    <a:lumMod val="50000"/>
+                    <a:lumOff val="50000"/>
+                  </a:schemeClr>
+                </a:solidFill>
+                <a:latin typeface="카카오 Regular" panose="020B0600000101010101" pitchFamily="50" charset="-127"/>
+                <a:ea typeface="카카오 Regular" panose="020B0600000101010101" pitchFamily="50" charset="-127"/>
+              </a:rPr>
+              <a:t>설계</a:t>
+            </a:r>
+          </a:p>
+        </p:txBody>
+      </p:sp>
+      <p:sp>
+        <p:nvSpPr>
+          <p:cNvPr id="6" name="TextBox 5">
+            <a:extLst>
+              <a:ext uri="{FF2B5EF4-FFF2-40B4-BE49-F238E27FC236}">
+                <a16:creationId xmlns:a16="http://schemas.microsoft.com/office/drawing/2014/main" id="{B3DB57B7-8AEA-41FC-94CD-E72818DD6FEF}"/>
+              </a:ext>
+            </a:extLst>
+          </p:cNvPr>
+          <p:cNvSpPr txBox="1"/>
+          <p:nvPr/>
+        </p:nvSpPr>
+        <p:spPr>
+          <a:xfrm>
+            <a:off x="5508339" y="6453051"/>
+            <a:ext cx="1175322" cy="307777"/>
+          </a:xfrm>
+          <a:prstGeom prst="rect">
+            <a:avLst/>
+          </a:prstGeom>
+          <a:noFill/>
+        </p:spPr>
+        <p:txBody>
+          <a:bodyPr wrap="none" rtlCol="0">
+            <a:spAutoFit/>
+          </a:bodyPr>
+          <a:lstStyle/>
+          <a:p>
+            <a:pPr algn="ctr"/>
+            <a:r>
+              <a:rPr lang="en-US" altLang="ko-KR" sz="1400" dirty="0">
+                <a:solidFill>
+                  <a:schemeClr val="tx1">
+                    <a:lumMod val="50000"/>
+                    <a:lumOff val="50000"/>
+                  </a:schemeClr>
+                </a:solidFill>
+                <a:latin typeface="카카오 Regular" panose="020B0600000101010101" pitchFamily="50" charset="-127"/>
+                <a:ea typeface="카카오 Regular" panose="020B0600000101010101" pitchFamily="50" charset="-127"/>
+              </a:rPr>
+              <a:t>2020.10.30.</a:t>
+            </a:r>
+            <a:endParaRPr lang="ko-KR" altLang="en-US" sz="1400" dirty="0">
+              <a:solidFill>
+                <a:schemeClr val="tx1">
+                  <a:lumMod val="50000"/>
+                  <a:lumOff val="50000"/>
+                </a:schemeClr>
+              </a:solidFill>
+              <a:latin typeface="카카오 Regular" panose="020B0600000101010101" pitchFamily="50" charset="-127"/>
+              <a:ea typeface="카카오 Regular" panose="020B0600000101010101" pitchFamily="50" charset="-127"/>
+            </a:endParaRPr>
+          </a:p>
+        </p:txBody>
+      </p:sp>
+      <p:sp>
+        <p:nvSpPr>
+          <p:cNvPr id="8" name="평행 사변형 7">
+            <a:extLst>
+              <a:ext uri="{FF2B5EF4-FFF2-40B4-BE49-F238E27FC236}">
+                <a16:creationId xmlns:a16="http://schemas.microsoft.com/office/drawing/2014/main" id="{32A976F4-7794-4D2A-B68C-ADE8375D6943}"/>
+              </a:ext>
+            </a:extLst>
+          </p:cNvPr>
+          <p:cNvSpPr/>
+          <p:nvPr/>
+        </p:nvSpPr>
+        <p:spPr>
+          <a:xfrm rot="21268823">
+            <a:off x="1317685" y="358332"/>
+            <a:ext cx="3000190" cy="584961"/>
+          </a:xfrm>
+          <a:prstGeom prst="parallelogram">
+            <a:avLst/>
+          </a:prstGeom>
+          <a:solidFill>
+            <a:schemeClr val="accent4">
+              <a:lumMod val="40000"/>
+              <a:lumOff val="60000"/>
+            </a:schemeClr>
+          </a:solidFill>
+          <a:ln>
+            <a:noFill/>
+          </a:ln>
+        </p:spPr>
+        <p:style>
+          <a:lnRef idx="2">
+            <a:schemeClr val="accent1">
+              <a:shade val="50000"/>
+            </a:schemeClr>
+          </a:lnRef>
+          <a:fillRef idx="1">
+            <a:schemeClr val="accent1"/>
+          </a:fillRef>
+          <a:effectRef idx="0">
+            <a:schemeClr val="accent1"/>
+          </a:effectRef>
+          <a:fontRef idx="minor">
+            <a:schemeClr val="lt1"/>
+          </a:fontRef>
+        </p:style>
+        <p:txBody>
+          <a:bodyPr rtlCol="0" anchor="ctr"/>
+          <a:lstStyle/>
+          <a:p>
+            <a:pPr algn="ctr"/>
+            <a:endParaRPr lang="ko-KR" altLang="en-US"/>
+          </a:p>
+        </p:txBody>
+      </p:sp>
+      <p:sp>
+        <p:nvSpPr>
+          <p:cNvPr id="9" name="제목 1">
+            <a:extLst>
+              <a:ext uri="{FF2B5EF4-FFF2-40B4-BE49-F238E27FC236}">
+                <a16:creationId xmlns:a16="http://schemas.microsoft.com/office/drawing/2014/main" id="{4E123F9F-CD1D-45C2-8122-E0C123E31B97}"/>
+              </a:ext>
+            </a:extLst>
+          </p:cNvPr>
+          <p:cNvSpPr txBox="1">
+            <a:spLocks/>
+          </p:cNvSpPr>
+          <p:nvPr/>
+        </p:nvSpPr>
+        <p:spPr>
+          <a:xfrm>
+            <a:off x="1296507" y="216796"/>
+            <a:ext cx="3108345" cy="832711"/>
+          </a:xfrm>
+          <a:prstGeom prst="rect">
+            <a:avLst/>
+          </a:prstGeom>
+          <a:noFill/>
+        </p:spPr>
+        <p:txBody>
+          <a:bodyPr vert="horz" lIns="91440" tIns="45720" rIns="91440" bIns="45720" rtlCol="0" anchor="ctr">
+            <a:normAutofit/>
+          </a:bodyPr>
+          <a:lstStyle>
+            <a:lvl1pPr algn="l" defTabSz="914400" rtl="0" eaLnBrk="1" latinLnBrk="1" hangingPunct="1">
+              <a:lnSpc>
+                <a:spcPct val="90000"/>
+              </a:lnSpc>
+              <a:spcBef>
+                <a:spcPct val="0"/>
+              </a:spcBef>
+              <a:buNone/>
+              <a:defRPr sz="4400" kern="1200">
+                <a:solidFill>
+                  <a:schemeClr val="tx1"/>
+                </a:solidFill>
+                <a:latin typeface="+mj-lt"/>
+                <a:ea typeface="+mj-ea"/>
+                <a:cs typeface="+mj-cs"/>
+              </a:defRPr>
+            </a:lvl1pPr>
+          </a:lstStyle>
+          <a:p>
+            <a:pPr algn="dist"/>
+            <a:r>
+              <a:rPr lang="en-US" altLang="ko-KR" dirty="0">
+                <a:solidFill>
+                  <a:schemeClr val="tx1">
+                    <a:lumMod val="85000"/>
+                    <a:lumOff val="15000"/>
+                  </a:schemeClr>
+                </a:solidFill>
+                <a:latin typeface="카카오 Regular" panose="020B0600000101010101" pitchFamily="50" charset="-127"/>
+                <a:ea typeface="카카오 Regular" panose="020B0600000101010101" pitchFamily="50" charset="-127"/>
+              </a:rPr>
+              <a:t>Use</a:t>
+            </a:r>
+            <a:r>
+              <a:rPr lang="ko-KR" altLang="en-US" dirty="0">
+                <a:solidFill>
+                  <a:schemeClr val="tx1">
+                    <a:lumMod val="85000"/>
+                    <a:lumOff val="15000"/>
+                  </a:schemeClr>
+                </a:solidFill>
+                <a:latin typeface="카카오 Regular" panose="020B0600000101010101" pitchFamily="50" charset="-127"/>
+                <a:ea typeface="카카오 Regular" panose="020B0600000101010101" pitchFamily="50" charset="-127"/>
+              </a:rPr>
+              <a:t> </a:t>
+            </a:r>
+            <a:r>
+              <a:rPr lang="en-US" altLang="ko-KR" dirty="0">
+                <a:solidFill>
+                  <a:schemeClr val="tx1">
+                    <a:lumMod val="85000"/>
+                    <a:lumOff val="15000"/>
+                  </a:schemeClr>
+                </a:solidFill>
+                <a:latin typeface="카카오 Regular" panose="020B0600000101010101" pitchFamily="50" charset="-127"/>
+                <a:ea typeface="카카오 Regular" panose="020B0600000101010101" pitchFamily="50" charset="-127"/>
+              </a:rPr>
+              <a:t>Case</a:t>
+            </a:r>
+            <a:endParaRPr lang="ko-KR" altLang="en-US" dirty="0">
+              <a:solidFill>
+                <a:schemeClr val="tx1">
+                  <a:lumMod val="85000"/>
+                  <a:lumOff val="15000"/>
+                </a:schemeClr>
+              </a:solidFill>
+              <a:latin typeface="카카오 Regular" panose="020B0600000101010101" pitchFamily="50" charset="-127"/>
+              <a:ea typeface="카카오 Regular" panose="020B0600000101010101" pitchFamily="50" charset="-127"/>
+            </a:endParaRPr>
+          </a:p>
+        </p:txBody>
+      </p:sp>
+      <p:sp>
+        <p:nvSpPr>
+          <p:cNvPr id="10" name="TextBox 9">
+            <a:extLst>
+              <a:ext uri="{FF2B5EF4-FFF2-40B4-BE49-F238E27FC236}">
+                <a16:creationId xmlns:a16="http://schemas.microsoft.com/office/drawing/2014/main" id="{67751F4E-1FEE-48FC-BD46-E2D190AA6A2B}"/>
+              </a:ext>
+            </a:extLst>
+          </p:cNvPr>
+          <p:cNvSpPr txBox="1"/>
+          <p:nvPr/>
+        </p:nvSpPr>
+        <p:spPr>
+          <a:xfrm>
+            <a:off x="271174" y="279208"/>
+            <a:ext cx="879564" cy="707886"/>
+          </a:xfrm>
+          <a:prstGeom prst="rect">
+            <a:avLst/>
+          </a:prstGeom>
+          <a:noFill/>
+        </p:spPr>
+        <p:txBody>
+          <a:bodyPr wrap="square" rtlCol="0">
+            <a:spAutoFit/>
+          </a:bodyPr>
+          <a:lstStyle/>
+          <a:p>
+            <a:pPr algn="dist"/>
+            <a:r>
+              <a:rPr lang="en-US" altLang="ko-KR" sz="4000" b="1" dirty="0">
+                <a:solidFill>
+                  <a:schemeClr val="bg1">
+                    <a:lumMod val="50000"/>
+                  </a:schemeClr>
+                </a:solidFill>
+                <a:latin typeface="카카오 Regular" panose="020B0600000101010101" pitchFamily="50" charset="-127"/>
+                <a:ea typeface="카카오 Regular" panose="020B0600000101010101" pitchFamily="50" charset="-127"/>
+              </a:rPr>
+              <a:t>03</a:t>
+            </a:r>
+            <a:endParaRPr lang="ko-KR" altLang="en-US" sz="4000" b="1" dirty="0">
+              <a:solidFill>
+                <a:schemeClr val="bg1">
+                  <a:lumMod val="50000"/>
+                </a:schemeClr>
+              </a:solidFill>
+              <a:latin typeface="카카오 Regular" panose="020B0600000101010101" pitchFamily="50" charset="-127"/>
+              <a:ea typeface="카카오 Regular" panose="020B0600000101010101" pitchFamily="50" charset="-127"/>
+            </a:endParaRPr>
+          </a:p>
+        </p:txBody>
+      </p:sp>
+    </p:spTree>
+    <p:extLst>
+      <p:ext uri="{BB962C8B-B14F-4D97-AF65-F5344CB8AC3E}">
+        <p14:creationId xmlns:p14="http://schemas.microsoft.com/office/powerpoint/2010/main" val="1804145729"/>
+      </p:ext>
+    </p:extLst>
+  </p:cSld>
+  <p:clrMapOvr>
+    <a:masterClrMapping/>
+  </p:clrMapOvr>
+  <mc:AlternateContent xmlns:mc="http://schemas.openxmlformats.org/markup-compatibility/2006" xmlns:p159="http://schemas.microsoft.com/office/powerpoint/2015/09/main">
+    <mc:Choice Requires="p159">
+      <p:transition xmlns:p14="http://schemas.microsoft.com/office/powerpoint/2010/main" spd="slow" p14:dur="2000">
+        <p159:morph option="byObject"/>
+      </p:transition>
+    </mc:Choice>
+    <mc:Fallback xmlns="">
+      <p:transition spd="slow">
+        <p:fade/>
+      </p:transition>
+    </mc:Fallback>
+  </mc:AlternateContent>
+</p:sld>
+</file>
+
+<file path=ppt/slides/slide12.xml><?xml version="1.0" encoding="utf-8"?>
+<p:sld xmlns:a="http://schemas.openxmlformats.org/drawingml/2006/main" xmlns:r="http://schemas.openxmlformats.org/officeDocument/2006/relationships" xmlns:p="http://schemas.openxmlformats.org/presentationml/2006/main">
+  <p:cSld>
+    <p:spTree>
+      <p:nvGrpSpPr>
+        <p:cNvPr id="1" name=""/>
+        <p:cNvGrpSpPr/>
+        <p:nvPr/>
+      </p:nvGrpSpPr>
+      <p:grpSpPr>
+        <a:xfrm>
+          <a:off x="0" y="0"/>
+          <a:ext cx="0" cy="0"/>
+          <a:chOff x="0" y="0"/>
+          <a:chExt cx="0" cy="0"/>
+        </a:xfrm>
+      </p:grpSpPr>
+      <p:sp>
+        <p:nvSpPr>
+          <p:cNvPr id="4" name="TextBox 3">
+            <a:extLst>
+              <a:ext uri="{FF2B5EF4-FFF2-40B4-BE49-F238E27FC236}">
+                <a16:creationId xmlns:a16="http://schemas.microsoft.com/office/drawing/2014/main" id="{6AAAD052-7018-4B5E-ACE0-B4B9B5DADAA8}"/>
+              </a:ext>
+            </a:extLst>
+          </p:cNvPr>
+          <p:cNvSpPr txBox="1"/>
+          <p:nvPr/>
+        </p:nvSpPr>
+        <p:spPr>
+          <a:xfrm>
+            <a:off x="11543542" y="6453051"/>
+            <a:ext cx="561372" cy="307777"/>
+          </a:xfrm>
+          <a:prstGeom prst="rect">
+            <a:avLst/>
+          </a:prstGeom>
+          <a:noFill/>
+        </p:spPr>
+        <p:txBody>
+          <a:bodyPr wrap="none" rtlCol="0">
+            <a:spAutoFit/>
+          </a:bodyPr>
+          <a:lstStyle/>
+          <a:p>
+            <a:pPr algn="r"/>
+            <a:r>
+              <a:rPr lang="en-US" altLang="ko-KR" sz="1400" dirty="0">
+                <a:solidFill>
+                  <a:schemeClr val="tx1">
+                    <a:lumMod val="50000"/>
+                    <a:lumOff val="50000"/>
+                  </a:schemeClr>
+                </a:solidFill>
+                <a:latin typeface="카카오 Regular" panose="020B0600000101010101" pitchFamily="50" charset="-127"/>
+                <a:ea typeface="카카오 Regular" panose="020B0600000101010101" pitchFamily="50" charset="-127"/>
+              </a:rPr>
+              <a:t>p. 12</a:t>
+            </a:r>
+            <a:endParaRPr lang="ko-KR" altLang="en-US" sz="1400" dirty="0">
+              <a:solidFill>
+                <a:schemeClr val="tx1">
+                  <a:lumMod val="50000"/>
+                  <a:lumOff val="50000"/>
+                </a:schemeClr>
+              </a:solidFill>
+              <a:latin typeface="카카오 Regular" panose="020B0600000101010101" pitchFamily="50" charset="-127"/>
+              <a:ea typeface="카카오 Regular" panose="020B0600000101010101" pitchFamily="50" charset="-127"/>
+            </a:endParaRPr>
+          </a:p>
+        </p:txBody>
+      </p:sp>
+      <p:sp>
+        <p:nvSpPr>
+          <p:cNvPr id="5" name="TextBox 4">
+            <a:extLst>
+              <a:ext uri="{FF2B5EF4-FFF2-40B4-BE49-F238E27FC236}">
+                <a16:creationId xmlns:a16="http://schemas.microsoft.com/office/drawing/2014/main" id="{4954B042-D712-468F-8BF0-BB42376DFC5E}"/>
+              </a:ext>
+            </a:extLst>
+          </p:cNvPr>
+          <p:cNvSpPr txBox="1"/>
+          <p:nvPr/>
+        </p:nvSpPr>
+        <p:spPr>
+          <a:xfrm>
+            <a:off x="87086" y="6453051"/>
+            <a:ext cx="1356462" cy="307777"/>
+          </a:xfrm>
+          <a:prstGeom prst="rect">
+            <a:avLst/>
+          </a:prstGeom>
+          <a:noFill/>
+        </p:spPr>
+        <p:txBody>
+          <a:bodyPr wrap="none" rtlCol="0">
+            <a:spAutoFit/>
+          </a:bodyPr>
+          <a:lstStyle/>
+          <a:p>
+            <a:r>
+              <a:rPr lang="ko-KR" altLang="en-US" sz="1400" dirty="0">
+                <a:solidFill>
+                  <a:schemeClr val="tx1">
+                    <a:lumMod val="50000"/>
+                    <a:lumOff val="50000"/>
+                  </a:schemeClr>
+                </a:solidFill>
+                <a:latin typeface="카카오 Regular" panose="020B0600000101010101" pitchFamily="50" charset="-127"/>
+                <a:ea typeface="카카오 Regular" panose="020B0600000101010101" pitchFamily="50" charset="-127"/>
+              </a:rPr>
+              <a:t>오픈소스</a:t>
+            </a:r>
+            <a:r>
+              <a:rPr lang="en-US" altLang="ko-KR" sz="1400" dirty="0">
+                <a:solidFill>
+                  <a:schemeClr val="tx1">
+                    <a:lumMod val="50000"/>
+                    <a:lumOff val="50000"/>
+                  </a:schemeClr>
+                </a:solidFill>
+                <a:latin typeface="카카오 Regular" panose="020B0600000101010101" pitchFamily="50" charset="-127"/>
+                <a:ea typeface="카카오 Regular" panose="020B0600000101010101" pitchFamily="50" charset="-127"/>
+              </a:rPr>
+              <a:t>SW</a:t>
+            </a:r>
+            <a:r>
+              <a:rPr lang="ko-KR" altLang="en-US" sz="1400" dirty="0">
+                <a:solidFill>
+                  <a:schemeClr val="tx1">
+                    <a:lumMod val="50000"/>
+                    <a:lumOff val="50000"/>
+                  </a:schemeClr>
+                </a:solidFill>
+                <a:latin typeface="카카오 Regular" panose="020B0600000101010101" pitchFamily="50" charset="-127"/>
+                <a:ea typeface="카카오 Regular" panose="020B0600000101010101" pitchFamily="50" charset="-127"/>
+              </a:rPr>
+              <a:t>설계</a:t>
+            </a:r>
+          </a:p>
+        </p:txBody>
+      </p:sp>
+      <p:sp>
+        <p:nvSpPr>
+          <p:cNvPr id="6" name="TextBox 5">
+            <a:extLst>
+              <a:ext uri="{FF2B5EF4-FFF2-40B4-BE49-F238E27FC236}">
+                <a16:creationId xmlns:a16="http://schemas.microsoft.com/office/drawing/2014/main" id="{B3DB57B7-8AEA-41FC-94CD-E72818DD6FEF}"/>
+              </a:ext>
+            </a:extLst>
+          </p:cNvPr>
+          <p:cNvSpPr txBox="1"/>
+          <p:nvPr/>
+        </p:nvSpPr>
+        <p:spPr>
+          <a:xfrm>
+            <a:off x="5508339" y="6453051"/>
+            <a:ext cx="1175322" cy="307777"/>
+          </a:xfrm>
+          <a:prstGeom prst="rect">
+            <a:avLst/>
+          </a:prstGeom>
+          <a:noFill/>
+        </p:spPr>
+        <p:txBody>
+          <a:bodyPr wrap="none" rtlCol="0">
+            <a:spAutoFit/>
+          </a:bodyPr>
+          <a:lstStyle/>
+          <a:p>
+            <a:pPr algn="ctr"/>
+            <a:r>
+              <a:rPr lang="en-US" altLang="ko-KR" sz="1400" dirty="0">
+                <a:solidFill>
+                  <a:schemeClr val="tx1">
+                    <a:lumMod val="50000"/>
+                    <a:lumOff val="50000"/>
+                  </a:schemeClr>
+                </a:solidFill>
+                <a:latin typeface="카카오 Regular" panose="020B0600000101010101" pitchFamily="50" charset="-127"/>
+                <a:ea typeface="카카오 Regular" panose="020B0600000101010101" pitchFamily="50" charset="-127"/>
+              </a:rPr>
+              <a:t>2020.10.30.</a:t>
+            </a:r>
+            <a:endParaRPr lang="ko-KR" altLang="en-US" sz="1400" dirty="0">
+              <a:solidFill>
+                <a:schemeClr val="tx1">
+                  <a:lumMod val="50000"/>
+                  <a:lumOff val="50000"/>
+                </a:schemeClr>
+              </a:solidFill>
+              <a:latin typeface="카카오 Regular" panose="020B0600000101010101" pitchFamily="50" charset="-127"/>
+              <a:ea typeface="카카오 Regular" panose="020B0600000101010101" pitchFamily="50" charset="-127"/>
+            </a:endParaRPr>
+          </a:p>
+        </p:txBody>
+      </p:sp>
+      <p:sp>
+        <p:nvSpPr>
+          <p:cNvPr id="8" name="평행 사변형 7">
+            <a:extLst>
+              <a:ext uri="{FF2B5EF4-FFF2-40B4-BE49-F238E27FC236}">
+                <a16:creationId xmlns:a16="http://schemas.microsoft.com/office/drawing/2014/main" id="{32A976F4-7794-4D2A-B68C-ADE8375D6943}"/>
+              </a:ext>
+            </a:extLst>
+          </p:cNvPr>
+          <p:cNvSpPr/>
+          <p:nvPr/>
+        </p:nvSpPr>
+        <p:spPr>
+          <a:xfrm rot="21268823">
+            <a:off x="1315022" y="303107"/>
+            <a:ext cx="4148497" cy="584961"/>
+          </a:xfrm>
+          <a:prstGeom prst="parallelogram">
+            <a:avLst/>
+          </a:prstGeom>
+          <a:solidFill>
+            <a:schemeClr val="accent4">
+              <a:lumMod val="40000"/>
+              <a:lumOff val="60000"/>
+            </a:schemeClr>
+          </a:solidFill>
+          <a:ln>
+            <a:noFill/>
+          </a:ln>
+        </p:spPr>
+        <p:style>
+          <a:lnRef idx="2">
+            <a:schemeClr val="accent1">
+              <a:shade val="50000"/>
+            </a:schemeClr>
+          </a:lnRef>
+          <a:fillRef idx="1">
+            <a:schemeClr val="accent1"/>
+          </a:fillRef>
+          <a:effectRef idx="0">
+            <a:schemeClr val="accent1"/>
+          </a:effectRef>
+          <a:fontRef idx="minor">
+            <a:schemeClr val="lt1"/>
+          </a:fontRef>
+        </p:style>
+        <p:txBody>
+          <a:bodyPr rtlCol="0" anchor="ctr"/>
+          <a:lstStyle/>
+          <a:p>
+            <a:pPr algn="ctr"/>
+            <a:endParaRPr lang="ko-KR" altLang="en-US"/>
+          </a:p>
+        </p:txBody>
+      </p:sp>
+      <p:sp>
+        <p:nvSpPr>
+          <p:cNvPr id="9" name="제목 1">
+            <a:extLst>
+              <a:ext uri="{FF2B5EF4-FFF2-40B4-BE49-F238E27FC236}">
+                <a16:creationId xmlns:a16="http://schemas.microsoft.com/office/drawing/2014/main" id="{4E123F9F-CD1D-45C2-8122-E0C123E31B97}"/>
+              </a:ext>
+            </a:extLst>
+          </p:cNvPr>
+          <p:cNvSpPr txBox="1">
+            <a:spLocks/>
+          </p:cNvSpPr>
+          <p:nvPr/>
+        </p:nvSpPr>
+        <p:spPr>
+          <a:xfrm>
+            <a:off x="1296507" y="216796"/>
+            <a:ext cx="4298048" cy="832711"/>
+          </a:xfrm>
+          <a:prstGeom prst="rect">
+            <a:avLst/>
+          </a:prstGeom>
+          <a:noFill/>
+        </p:spPr>
+        <p:txBody>
+          <a:bodyPr vert="horz" lIns="91440" tIns="45720" rIns="91440" bIns="45720" rtlCol="0" anchor="ctr">
+            <a:normAutofit/>
+          </a:bodyPr>
+          <a:lstStyle>
+            <a:lvl1pPr algn="l" defTabSz="914400" rtl="0" eaLnBrk="1" latinLnBrk="1" hangingPunct="1">
+              <a:lnSpc>
+                <a:spcPct val="90000"/>
+              </a:lnSpc>
+              <a:spcBef>
+                <a:spcPct val="0"/>
+              </a:spcBef>
+              <a:buNone/>
+              <a:defRPr sz="4400" kern="1200">
+                <a:solidFill>
+                  <a:schemeClr val="tx1"/>
+                </a:solidFill>
+                <a:latin typeface="+mj-lt"/>
+                <a:ea typeface="+mj-ea"/>
+                <a:cs typeface="+mj-cs"/>
+              </a:defRPr>
+            </a:lvl1pPr>
+          </a:lstStyle>
+          <a:p>
+            <a:pPr algn="dist"/>
+            <a:r>
+              <a:rPr lang="en-US" altLang="ko-KR" dirty="0">
+                <a:solidFill>
+                  <a:schemeClr val="tx1">
+                    <a:lumMod val="85000"/>
+                    <a:lumOff val="15000"/>
+                  </a:schemeClr>
+                </a:solidFill>
+                <a:latin typeface="카카오 Regular" panose="020B0600000101010101" pitchFamily="50" charset="-127"/>
+                <a:ea typeface="카카오 Regular" panose="020B0600000101010101" pitchFamily="50" charset="-127"/>
+              </a:rPr>
+              <a:t>Architecture</a:t>
+            </a:r>
+            <a:endParaRPr lang="ko-KR" altLang="en-US" dirty="0">
+              <a:solidFill>
+                <a:schemeClr val="tx1">
+                  <a:lumMod val="85000"/>
+                  <a:lumOff val="15000"/>
+                </a:schemeClr>
+              </a:solidFill>
+              <a:latin typeface="카카오 Regular" panose="020B0600000101010101" pitchFamily="50" charset="-127"/>
+              <a:ea typeface="카카오 Regular" panose="020B0600000101010101" pitchFamily="50" charset="-127"/>
+            </a:endParaRPr>
+          </a:p>
+        </p:txBody>
+      </p:sp>
+      <p:sp>
+        <p:nvSpPr>
+          <p:cNvPr id="10" name="TextBox 9">
+            <a:extLst>
+              <a:ext uri="{FF2B5EF4-FFF2-40B4-BE49-F238E27FC236}">
+                <a16:creationId xmlns:a16="http://schemas.microsoft.com/office/drawing/2014/main" id="{67751F4E-1FEE-48FC-BD46-E2D190AA6A2B}"/>
+              </a:ext>
+            </a:extLst>
+          </p:cNvPr>
+          <p:cNvSpPr txBox="1"/>
+          <p:nvPr/>
+        </p:nvSpPr>
+        <p:spPr>
+          <a:xfrm>
+            <a:off x="271174" y="279208"/>
+            <a:ext cx="879564" cy="707886"/>
+          </a:xfrm>
+          <a:prstGeom prst="rect">
+            <a:avLst/>
+          </a:prstGeom>
+          <a:noFill/>
+        </p:spPr>
+        <p:txBody>
+          <a:bodyPr wrap="square" rtlCol="0">
+            <a:spAutoFit/>
+          </a:bodyPr>
+          <a:lstStyle/>
+          <a:p>
+            <a:pPr algn="dist"/>
+            <a:r>
+              <a:rPr lang="en-US" altLang="ko-KR" sz="4000" b="1" dirty="0">
+                <a:solidFill>
+                  <a:schemeClr val="bg1">
+                    <a:lumMod val="50000"/>
+                  </a:schemeClr>
+                </a:solidFill>
+                <a:latin typeface="카카오 Regular" panose="020B0600000101010101" pitchFamily="50" charset="-127"/>
+                <a:ea typeface="카카오 Regular" panose="020B0600000101010101" pitchFamily="50" charset="-127"/>
+              </a:rPr>
+              <a:t>04</a:t>
+            </a:r>
+            <a:endParaRPr lang="ko-KR" altLang="en-US" sz="4000" b="1" dirty="0">
+              <a:solidFill>
+                <a:schemeClr val="bg1">
+                  <a:lumMod val="50000"/>
+                </a:schemeClr>
+              </a:solidFill>
+              <a:latin typeface="카카오 Regular" panose="020B0600000101010101" pitchFamily="50" charset="-127"/>
+              <a:ea typeface="카카오 Regular" panose="020B0600000101010101" pitchFamily="50" charset="-127"/>
+            </a:endParaRPr>
+          </a:p>
+        </p:txBody>
+      </p:sp>
+      <p:pic>
+        <p:nvPicPr>
+          <p:cNvPr id="3" name="그림 2">
+            <a:extLst>
+              <a:ext uri="{FF2B5EF4-FFF2-40B4-BE49-F238E27FC236}">
+                <a16:creationId xmlns:a16="http://schemas.microsoft.com/office/drawing/2014/main" id="{2A5C2386-6E02-4402-89C4-60251018DA57}"/>
+              </a:ext>
+            </a:extLst>
+          </p:cNvPr>
+          <p:cNvPicPr>
+            <a:picLocks noChangeAspect="1"/>
+          </p:cNvPicPr>
+          <p:nvPr/>
+        </p:nvPicPr>
+        <p:blipFill>
+          <a:blip r:embed="rId3">
+            <a:extLst>
+              <a:ext uri="{28A0092B-C50C-407E-A947-70E740481C1C}">
+                <a14:useLocalDpi xmlns:a14="http://schemas.microsoft.com/office/drawing/2010/main" val="0"/>
+              </a:ext>
+            </a:extLst>
+          </a:blip>
+          <a:stretch>
+            <a:fillRect/>
+          </a:stretch>
+        </p:blipFill>
+        <p:spPr>
+          <a:xfrm>
+            <a:off x="2339185" y="1203420"/>
+            <a:ext cx="7513630" cy="5132437"/>
+          </a:xfrm>
+          <a:prstGeom prst="rect">
+            <a:avLst/>
+          </a:prstGeom>
+        </p:spPr>
+      </p:pic>
+    </p:spTree>
+    <p:extLst>
+      <p:ext uri="{BB962C8B-B14F-4D97-AF65-F5344CB8AC3E}">
+        <p14:creationId xmlns:p14="http://schemas.microsoft.com/office/powerpoint/2010/main" val="3517264757"/>
+      </p:ext>
+    </p:extLst>
+  </p:cSld>
+  <p:clrMapOvr>
+    <a:masterClrMapping/>
+  </p:clrMapOvr>
+  <mc:AlternateContent xmlns:mc="http://schemas.openxmlformats.org/markup-compatibility/2006" xmlns:p159="http://schemas.microsoft.com/office/powerpoint/2015/09/main">
+    <mc:Choice Requires="p159">
+      <p:transition xmlns:p14="http://schemas.microsoft.com/office/powerpoint/2010/main" spd="slow" p14:dur="2000">
+        <p159:morph option="byObject"/>
+      </p:transition>
+    </mc:Choice>
+    <mc:Fallback xmlns="">
+      <p:transition spd="slow">
+        <p:fade/>
+      </p:transition>
+    </mc:Fallback>
+  </mc:AlternateContent>
+</p:sld>
+</file>
+
+<file path=ppt/slides/slide13.xml><?xml version="1.0" encoding="utf-8"?>
+<p:sld xmlns:a="http://schemas.openxmlformats.org/drawingml/2006/main" xmlns:r="http://schemas.openxmlformats.org/officeDocument/2006/relationships" xmlns:p="http://schemas.openxmlformats.org/presentationml/2006/main">
+  <p:cSld>
+    <p:spTree>
+      <p:nvGrpSpPr>
+        <p:cNvPr id="1" name=""/>
+        <p:cNvGrpSpPr/>
+        <p:nvPr/>
+      </p:nvGrpSpPr>
+      <p:grpSpPr>
+        <a:xfrm>
+          <a:off x="0" y="0"/>
+          <a:ext cx="0" cy="0"/>
+          <a:chOff x="0" y="0"/>
+          <a:chExt cx="0" cy="0"/>
+        </a:xfrm>
+      </p:grpSpPr>
+      <p:sp>
+        <p:nvSpPr>
+          <p:cNvPr id="4" name="TextBox 3">
+            <a:extLst>
+              <a:ext uri="{FF2B5EF4-FFF2-40B4-BE49-F238E27FC236}">
+                <a16:creationId xmlns:a16="http://schemas.microsoft.com/office/drawing/2014/main" id="{6AAAD052-7018-4B5E-ACE0-B4B9B5DADAA8}"/>
+              </a:ext>
+            </a:extLst>
+          </p:cNvPr>
+          <p:cNvSpPr txBox="1"/>
+          <p:nvPr/>
+        </p:nvSpPr>
+        <p:spPr>
+          <a:xfrm>
+            <a:off x="11543542" y="6453051"/>
+            <a:ext cx="561372" cy="307777"/>
+          </a:xfrm>
+          <a:prstGeom prst="rect">
+            <a:avLst/>
+          </a:prstGeom>
+          <a:noFill/>
+        </p:spPr>
+        <p:txBody>
+          <a:bodyPr wrap="none" rtlCol="0">
+            <a:spAutoFit/>
+          </a:bodyPr>
+          <a:lstStyle/>
+          <a:p>
+            <a:pPr algn="r"/>
+            <a:r>
+              <a:rPr lang="en-US" altLang="ko-KR" sz="1400" dirty="0">
+                <a:solidFill>
+                  <a:schemeClr val="tx1">
+                    <a:lumMod val="50000"/>
+                    <a:lumOff val="50000"/>
+                  </a:schemeClr>
+                </a:solidFill>
+                <a:latin typeface="카카오 Regular" panose="020B0600000101010101" pitchFamily="50" charset="-127"/>
+                <a:ea typeface="카카오 Regular" panose="020B0600000101010101" pitchFamily="50" charset="-127"/>
+              </a:rPr>
+              <a:t>p. 13</a:t>
+            </a:r>
+            <a:endParaRPr lang="ko-KR" altLang="en-US" sz="1400" dirty="0">
+              <a:solidFill>
+                <a:schemeClr val="tx1">
+                  <a:lumMod val="50000"/>
+                  <a:lumOff val="50000"/>
+                </a:schemeClr>
+              </a:solidFill>
+              <a:latin typeface="카카오 Regular" panose="020B0600000101010101" pitchFamily="50" charset="-127"/>
+              <a:ea typeface="카카오 Regular" panose="020B0600000101010101" pitchFamily="50" charset="-127"/>
+            </a:endParaRPr>
+          </a:p>
+        </p:txBody>
+      </p:sp>
+      <p:sp>
+        <p:nvSpPr>
+          <p:cNvPr id="5" name="TextBox 4">
+            <a:extLst>
+              <a:ext uri="{FF2B5EF4-FFF2-40B4-BE49-F238E27FC236}">
+                <a16:creationId xmlns:a16="http://schemas.microsoft.com/office/drawing/2014/main" id="{4954B042-D712-468F-8BF0-BB42376DFC5E}"/>
+              </a:ext>
+            </a:extLst>
+          </p:cNvPr>
+          <p:cNvSpPr txBox="1"/>
+          <p:nvPr/>
+        </p:nvSpPr>
+        <p:spPr>
+          <a:xfrm>
+            <a:off x="87086" y="6453051"/>
+            <a:ext cx="1356462" cy="307777"/>
+          </a:xfrm>
+          <a:prstGeom prst="rect">
+            <a:avLst/>
+          </a:prstGeom>
+          <a:noFill/>
+        </p:spPr>
+        <p:txBody>
+          <a:bodyPr wrap="none" rtlCol="0">
+            <a:spAutoFit/>
+          </a:bodyPr>
+          <a:lstStyle/>
+          <a:p>
+            <a:r>
+              <a:rPr lang="ko-KR" altLang="en-US" sz="1400" dirty="0">
+                <a:solidFill>
+                  <a:schemeClr val="tx1">
+                    <a:lumMod val="50000"/>
+                    <a:lumOff val="50000"/>
+                  </a:schemeClr>
+                </a:solidFill>
+                <a:latin typeface="카카오 Regular" panose="020B0600000101010101" pitchFamily="50" charset="-127"/>
+                <a:ea typeface="카카오 Regular" panose="020B0600000101010101" pitchFamily="50" charset="-127"/>
+              </a:rPr>
+              <a:t>오픈소스</a:t>
+            </a:r>
+            <a:r>
+              <a:rPr lang="en-US" altLang="ko-KR" sz="1400" dirty="0">
+                <a:solidFill>
+                  <a:schemeClr val="tx1">
+                    <a:lumMod val="50000"/>
+                    <a:lumOff val="50000"/>
+                  </a:schemeClr>
+                </a:solidFill>
+                <a:latin typeface="카카오 Regular" panose="020B0600000101010101" pitchFamily="50" charset="-127"/>
+                <a:ea typeface="카카오 Regular" panose="020B0600000101010101" pitchFamily="50" charset="-127"/>
+              </a:rPr>
+              <a:t>SW</a:t>
+            </a:r>
+            <a:r>
+              <a:rPr lang="ko-KR" altLang="en-US" sz="1400" dirty="0">
+                <a:solidFill>
+                  <a:schemeClr val="tx1">
+                    <a:lumMod val="50000"/>
+                    <a:lumOff val="50000"/>
+                  </a:schemeClr>
+                </a:solidFill>
+                <a:latin typeface="카카오 Regular" panose="020B0600000101010101" pitchFamily="50" charset="-127"/>
+                <a:ea typeface="카카오 Regular" panose="020B0600000101010101" pitchFamily="50" charset="-127"/>
+              </a:rPr>
+              <a:t>설계</a:t>
+            </a:r>
+          </a:p>
+        </p:txBody>
+      </p:sp>
+      <p:sp>
+        <p:nvSpPr>
+          <p:cNvPr id="6" name="TextBox 5">
+            <a:extLst>
+              <a:ext uri="{FF2B5EF4-FFF2-40B4-BE49-F238E27FC236}">
+                <a16:creationId xmlns:a16="http://schemas.microsoft.com/office/drawing/2014/main" id="{B3DB57B7-8AEA-41FC-94CD-E72818DD6FEF}"/>
+              </a:ext>
+            </a:extLst>
+          </p:cNvPr>
+          <p:cNvSpPr txBox="1"/>
+          <p:nvPr/>
+        </p:nvSpPr>
+        <p:spPr>
+          <a:xfrm>
+            <a:off x="5508339" y="6453051"/>
+            <a:ext cx="1175322" cy="307777"/>
+          </a:xfrm>
+          <a:prstGeom prst="rect">
+            <a:avLst/>
+          </a:prstGeom>
+          <a:noFill/>
+        </p:spPr>
+        <p:txBody>
+          <a:bodyPr wrap="none" rtlCol="0">
+            <a:spAutoFit/>
+          </a:bodyPr>
+          <a:lstStyle/>
+          <a:p>
+            <a:pPr algn="ctr"/>
+            <a:r>
+              <a:rPr lang="en-US" altLang="ko-KR" sz="1400" dirty="0">
+                <a:solidFill>
+                  <a:schemeClr val="tx1">
+                    <a:lumMod val="50000"/>
+                    <a:lumOff val="50000"/>
+                  </a:schemeClr>
+                </a:solidFill>
+                <a:latin typeface="카카오 Regular" panose="020B0600000101010101" pitchFamily="50" charset="-127"/>
+                <a:ea typeface="카카오 Regular" panose="020B0600000101010101" pitchFamily="50" charset="-127"/>
+              </a:rPr>
+              <a:t>2020.10.30.</a:t>
+            </a:r>
+            <a:endParaRPr lang="ko-KR" altLang="en-US" sz="1400" dirty="0">
+              <a:solidFill>
+                <a:schemeClr val="tx1">
+                  <a:lumMod val="50000"/>
+                  <a:lumOff val="50000"/>
+                </a:schemeClr>
+              </a:solidFill>
+              <a:latin typeface="카카오 Regular" panose="020B0600000101010101" pitchFamily="50" charset="-127"/>
+              <a:ea typeface="카카오 Regular" panose="020B0600000101010101" pitchFamily="50" charset="-127"/>
+            </a:endParaRPr>
+          </a:p>
+        </p:txBody>
+      </p:sp>
+      <p:sp>
+        <p:nvSpPr>
+          <p:cNvPr id="8" name="평행 사변형 7">
+            <a:extLst>
+              <a:ext uri="{FF2B5EF4-FFF2-40B4-BE49-F238E27FC236}">
+                <a16:creationId xmlns:a16="http://schemas.microsoft.com/office/drawing/2014/main" id="{32A976F4-7794-4D2A-B68C-ADE8375D6943}"/>
+              </a:ext>
+            </a:extLst>
+          </p:cNvPr>
+          <p:cNvSpPr/>
+          <p:nvPr/>
+        </p:nvSpPr>
+        <p:spPr>
+          <a:xfrm rot="21401711">
+            <a:off x="1311964" y="308491"/>
+            <a:ext cx="5467628" cy="584961"/>
+          </a:xfrm>
+          <a:prstGeom prst="parallelogram">
+            <a:avLst/>
+          </a:prstGeom>
+          <a:solidFill>
+            <a:schemeClr val="accent4">
+              <a:lumMod val="40000"/>
+              <a:lumOff val="60000"/>
+            </a:schemeClr>
+          </a:solidFill>
+          <a:ln>
+            <a:noFill/>
+          </a:ln>
+        </p:spPr>
+        <p:style>
+          <a:lnRef idx="2">
+            <a:schemeClr val="accent1">
+              <a:shade val="50000"/>
+            </a:schemeClr>
+          </a:lnRef>
+          <a:fillRef idx="1">
+            <a:schemeClr val="accent1"/>
+          </a:fillRef>
+          <a:effectRef idx="0">
+            <a:schemeClr val="accent1"/>
+          </a:effectRef>
+          <a:fontRef idx="minor">
+            <a:schemeClr val="lt1"/>
+          </a:fontRef>
+        </p:style>
+        <p:txBody>
+          <a:bodyPr rtlCol="0" anchor="ctr"/>
+          <a:lstStyle/>
+          <a:p>
+            <a:pPr algn="ctr"/>
+            <a:endParaRPr lang="ko-KR" altLang="en-US"/>
+          </a:p>
+        </p:txBody>
+      </p:sp>
+      <p:sp>
+        <p:nvSpPr>
+          <p:cNvPr id="9" name="제목 1">
+            <a:extLst>
+              <a:ext uri="{FF2B5EF4-FFF2-40B4-BE49-F238E27FC236}">
+                <a16:creationId xmlns:a16="http://schemas.microsoft.com/office/drawing/2014/main" id="{4E123F9F-CD1D-45C2-8122-E0C123E31B97}"/>
+              </a:ext>
+            </a:extLst>
+          </p:cNvPr>
+          <p:cNvSpPr txBox="1">
+            <a:spLocks/>
+          </p:cNvSpPr>
+          <p:nvPr/>
+        </p:nvSpPr>
+        <p:spPr>
+          <a:xfrm>
+            <a:off x="1296506" y="216796"/>
+            <a:ext cx="5664733" cy="832711"/>
+          </a:xfrm>
+          <a:prstGeom prst="rect">
+            <a:avLst/>
+          </a:prstGeom>
+          <a:noFill/>
+        </p:spPr>
+        <p:txBody>
+          <a:bodyPr vert="horz" lIns="91440" tIns="45720" rIns="91440" bIns="45720" rtlCol="0" anchor="ctr">
+            <a:normAutofit/>
+          </a:bodyPr>
+          <a:lstStyle>
+            <a:lvl1pPr algn="l" defTabSz="914400" rtl="0" eaLnBrk="1" latinLnBrk="1" hangingPunct="1">
+              <a:lnSpc>
+                <a:spcPct val="90000"/>
+              </a:lnSpc>
+              <a:spcBef>
+                <a:spcPct val="0"/>
+              </a:spcBef>
+              <a:buNone/>
+              <a:defRPr sz="4400" kern="1200">
+                <a:solidFill>
+                  <a:schemeClr val="tx1"/>
+                </a:solidFill>
+                <a:latin typeface="+mj-lt"/>
+                <a:ea typeface="+mj-ea"/>
+                <a:cs typeface="+mj-cs"/>
+              </a:defRPr>
+            </a:lvl1pPr>
+          </a:lstStyle>
+          <a:p>
+            <a:pPr algn="dist"/>
+            <a:r>
+              <a:rPr lang="en-US" altLang="ko-KR" dirty="0">
+                <a:solidFill>
+                  <a:schemeClr val="tx1">
+                    <a:lumMod val="85000"/>
+                    <a:lumOff val="15000"/>
+                  </a:schemeClr>
+                </a:solidFill>
+                <a:latin typeface="카카오 Regular" panose="020B0600000101010101" pitchFamily="50" charset="-127"/>
+                <a:ea typeface="카카오 Regular" panose="020B0600000101010101" pitchFamily="50" charset="-127"/>
+              </a:rPr>
+              <a:t>Resource</a:t>
+            </a:r>
+            <a:r>
+              <a:rPr lang="ko-KR" altLang="en-US" dirty="0">
+                <a:solidFill>
+                  <a:schemeClr val="tx1">
+                    <a:lumMod val="85000"/>
+                    <a:lumOff val="15000"/>
+                  </a:schemeClr>
+                </a:solidFill>
+                <a:latin typeface="카카오 Regular" panose="020B0600000101010101" pitchFamily="50" charset="-127"/>
+                <a:ea typeface="카카오 Regular" panose="020B0600000101010101" pitchFamily="50" charset="-127"/>
+              </a:rPr>
+              <a:t> </a:t>
+            </a:r>
+            <a:r>
+              <a:rPr lang="en-US" altLang="ko-KR" dirty="0">
+                <a:solidFill>
+                  <a:schemeClr val="tx1">
+                    <a:lumMod val="85000"/>
+                    <a:lumOff val="15000"/>
+                  </a:schemeClr>
+                </a:solidFill>
+                <a:latin typeface="카카오 Regular" panose="020B0600000101010101" pitchFamily="50" charset="-127"/>
+                <a:ea typeface="카카오 Regular" panose="020B0600000101010101" pitchFamily="50" charset="-127"/>
+              </a:rPr>
+              <a:t>Structure</a:t>
+            </a:r>
+            <a:endParaRPr lang="ko-KR" altLang="en-US" dirty="0">
+              <a:solidFill>
+                <a:schemeClr val="tx1">
+                  <a:lumMod val="85000"/>
+                  <a:lumOff val="15000"/>
+                </a:schemeClr>
+              </a:solidFill>
+              <a:latin typeface="카카오 Regular" panose="020B0600000101010101" pitchFamily="50" charset="-127"/>
+              <a:ea typeface="카카오 Regular" panose="020B0600000101010101" pitchFamily="50" charset="-127"/>
+            </a:endParaRPr>
+          </a:p>
+        </p:txBody>
+      </p:sp>
+      <p:sp>
+        <p:nvSpPr>
+          <p:cNvPr id="10" name="TextBox 9">
+            <a:extLst>
+              <a:ext uri="{FF2B5EF4-FFF2-40B4-BE49-F238E27FC236}">
+                <a16:creationId xmlns:a16="http://schemas.microsoft.com/office/drawing/2014/main" id="{67751F4E-1FEE-48FC-BD46-E2D190AA6A2B}"/>
+              </a:ext>
+            </a:extLst>
+          </p:cNvPr>
+          <p:cNvSpPr txBox="1"/>
+          <p:nvPr/>
+        </p:nvSpPr>
+        <p:spPr>
+          <a:xfrm>
+            <a:off x="271174" y="279208"/>
+            <a:ext cx="879564" cy="707886"/>
+          </a:xfrm>
+          <a:prstGeom prst="rect">
+            <a:avLst/>
+          </a:prstGeom>
+          <a:noFill/>
+        </p:spPr>
+        <p:txBody>
+          <a:bodyPr wrap="square" rtlCol="0">
+            <a:spAutoFit/>
+          </a:bodyPr>
+          <a:lstStyle/>
+          <a:p>
+            <a:pPr algn="dist"/>
+            <a:r>
+              <a:rPr lang="en-US" altLang="ko-KR" sz="4000" b="1" dirty="0">
+                <a:solidFill>
+                  <a:schemeClr val="bg1">
+                    <a:lumMod val="50000"/>
+                  </a:schemeClr>
+                </a:solidFill>
+                <a:latin typeface="카카오 Regular" panose="020B0600000101010101" pitchFamily="50" charset="-127"/>
+                <a:ea typeface="카카오 Regular" panose="020B0600000101010101" pitchFamily="50" charset="-127"/>
+              </a:rPr>
+              <a:t>05</a:t>
+            </a:r>
+            <a:endParaRPr lang="ko-KR" altLang="en-US" sz="4000" b="1" dirty="0">
+              <a:solidFill>
+                <a:schemeClr val="bg1">
+                  <a:lumMod val="50000"/>
+                </a:schemeClr>
+              </a:solidFill>
+              <a:latin typeface="카카오 Regular" panose="020B0600000101010101" pitchFamily="50" charset="-127"/>
+              <a:ea typeface="카카오 Regular" panose="020B0600000101010101" pitchFamily="50" charset="-127"/>
+            </a:endParaRPr>
+          </a:p>
+        </p:txBody>
+      </p:sp>
+      <p:pic>
+        <p:nvPicPr>
+          <p:cNvPr id="7" name="그림 6" descr="테이블이(가) 표시된 사진&#10;&#10;자동 생성된 설명">
+            <a:extLst>
+              <a:ext uri="{FF2B5EF4-FFF2-40B4-BE49-F238E27FC236}">
+                <a16:creationId xmlns:a16="http://schemas.microsoft.com/office/drawing/2014/main" id="{40254B4C-F6B5-4811-A96E-804CFD9AF8B3}"/>
+              </a:ext>
+            </a:extLst>
+          </p:cNvPr>
+          <p:cNvPicPr>
+            <a:picLocks noChangeAspect="1"/>
+          </p:cNvPicPr>
+          <p:nvPr/>
+        </p:nvPicPr>
+        <p:blipFill>
+          <a:blip r:embed="rId3">
+            <a:extLst>
+              <a:ext uri="{28A0092B-C50C-407E-A947-70E740481C1C}">
+                <a14:useLocalDpi xmlns:a14="http://schemas.microsoft.com/office/drawing/2010/main" val="0"/>
+              </a:ext>
+            </a:extLst>
+          </a:blip>
+          <a:stretch>
+            <a:fillRect/>
+          </a:stretch>
+        </p:blipFill>
+        <p:spPr>
+          <a:xfrm>
+            <a:off x="1331830" y="2672667"/>
+            <a:ext cx="9528339" cy="1751847"/>
+          </a:xfrm>
+          <a:prstGeom prst="rect">
+            <a:avLst/>
+          </a:prstGeom>
+        </p:spPr>
+      </p:pic>
+    </p:spTree>
+    <p:extLst>
+      <p:ext uri="{BB962C8B-B14F-4D97-AF65-F5344CB8AC3E}">
+        <p14:creationId xmlns:p14="http://schemas.microsoft.com/office/powerpoint/2010/main" val="1975328537"/>
+      </p:ext>
+    </p:extLst>
+  </p:cSld>
+  <p:clrMapOvr>
+    <a:masterClrMapping/>
+  </p:clrMapOvr>
+  <mc:AlternateContent xmlns:mc="http://schemas.openxmlformats.org/markup-compatibility/2006" xmlns:p159="http://schemas.microsoft.com/office/powerpoint/2015/09/main">
+    <mc:Choice Requires="p159">
+      <p:transition xmlns:p14="http://schemas.microsoft.com/office/powerpoint/2010/main" spd="slow" p14:dur="2000">
+        <p159:morph option="byObject"/>
+      </p:transition>
+    </mc:Choice>
+    <mc:Fallback xmlns="">
+      <p:transition spd="slow">
+        <p:fade/>
+      </p:transition>
+    </mc:Fallback>
+  </mc:AlternateContent>
+</p:sld>
+</file>
+
+<file path=ppt/slides/slide14.xml><?xml version="1.0" encoding="utf-8"?>
+<p:sld xmlns:a="http://schemas.openxmlformats.org/drawingml/2006/main" xmlns:r="http://schemas.openxmlformats.org/officeDocument/2006/relationships" xmlns:p="http://schemas.openxmlformats.org/presentationml/2006/main">
+  <p:cSld>
+    <p:spTree>
+      <p:nvGrpSpPr>
+        <p:cNvPr id="1" name=""/>
+        <p:cNvGrpSpPr/>
+        <p:nvPr/>
+      </p:nvGrpSpPr>
+      <p:grpSpPr>
+        <a:xfrm>
+          <a:off x="0" y="0"/>
+          <a:ext cx="0" cy="0"/>
+          <a:chOff x="0" y="0"/>
+          <a:chExt cx="0" cy="0"/>
+        </a:xfrm>
+      </p:grpSpPr>
+      <p:sp>
+        <p:nvSpPr>
+          <p:cNvPr id="4" name="TextBox 3">
+            <a:extLst>
+              <a:ext uri="{FF2B5EF4-FFF2-40B4-BE49-F238E27FC236}">
+                <a16:creationId xmlns:a16="http://schemas.microsoft.com/office/drawing/2014/main" id="{6AAAD052-7018-4B5E-ACE0-B4B9B5DADAA8}"/>
+              </a:ext>
+            </a:extLst>
+          </p:cNvPr>
+          <p:cNvSpPr txBox="1"/>
+          <p:nvPr/>
+        </p:nvSpPr>
+        <p:spPr>
+          <a:xfrm>
+            <a:off x="11538733" y="6453051"/>
+            <a:ext cx="566181" cy="307777"/>
+          </a:xfrm>
+          <a:prstGeom prst="rect">
+            <a:avLst/>
+          </a:prstGeom>
+          <a:noFill/>
+        </p:spPr>
+        <p:txBody>
+          <a:bodyPr wrap="none" rtlCol="0">
+            <a:spAutoFit/>
+          </a:bodyPr>
+          <a:lstStyle/>
+          <a:p>
+            <a:pPr algn="r"/>
+            <a:r>
+              <a:rPr lang="en-US" altLang="ko-KR" sz="1400" dirty="0">
+                <a:solidFill>
+                  <a:schemeClr val="tx1">
+                    <a:lumMod val="50000"/>
+                    <a:lumOff val="50000"/>
+                  </a:schemeClr>
+                </a:solidFill>
+                <a:latin typeface="카카오 Regular" panose="020B0600000101010101" pitchFamily="50" charset="-127"/>
+                <a:ea typeface="카카오 Regular" panose="020B0600000101010101" pitchFamily="50" charset="-127"/>
+              </a:rPr>
+              <a:t>p. 14</a:t>
+            </a:r>
+            <a:endParaRPr lang="ko-KR" altLang="en-US" sz="1400" dirty="0">
+              <a:solidFill>
+                <a:schemeClr val="tx1">
+                  <a:lumMod val="50000"/>
+                  <a:lumOff val="50000"/>
+                </a:schemeClr>
+              </a:solidFill>
+              <a:latin typeface="카카오 Regular" panose="020B0600000101010101" pitchFamily="50" charset="-127"/>
+              <a:ea typeface="카카오 Regular" panose="020B0600000101010101" pitchFamily="50" charset="-127"/>
+            </a:endParaRPr>
+          </a:p>
+        </p:txBody>
+      </p:sp>
+      <p:sp>
+        <p:nvSpPr>
+          <p:cNvPr id="5" name="TextBox 4">
+            <a:extLst>
+              <a:ext uri="{FF2B5EF4-FFF2-40B4-BE49-F238E27FC236}">
+                <a16:creationId xmlns:a16="http://schemas.microsoft.com/office/drawing/2014/main" id="{4954B042-D712-468F-8BF0-BB42376DFC5E}"/>
+              </a:ext>
+            </a:extLst>
+          </p:cNvPr>
+          <p:cNvSpPr txBox="1"/>
+          <p:nvPr/>
+        </p:nvSpPr>
+        <p:spPr>
+          <a:xfrm>
+            <a:off x="87086" y="6453051"/>
+            <a:ext cx="1356462" cy="307777"/>
+          </a:xfrm>
+          <a:prstGeom prst="rect">
+            <a:avLst/>
+          </a:prstGeom>
+          <a:noFill/>
+        </p:spPr>
+        <p:txBody>
+          <a:bodyPr wrap="none" rtlCol="0">
+            <a:spAutoFit/>
+          </a:bodyPr>
+          <a:lstStyle/>
+          <a:p>
+            <a:r>
+              <a:rPr lang="ko-KR" altLang="en-US" sz="1400" dirty="0">
+                <a:solidFill>
+                  <a:schemeClr val="tx1">
+                    <a:lumMod val="50000"/>
+                    <a:lumOff val="50000"/>
+                  </a:schemeClr>
+                </a:solidFill>
+                <a:latin typeface="카카오 Regular" panose="020B0600000101010101" pitchFamily="50" charset="-127"/>
+                <a:ea typeface="카카오 Regular" panose="020B0600000101010101" pitchFamily="50" charset="-127"/>
+              </a:rPr>
+              <a:t>오픈소스</a:t>
+            </a:r>
+            <a:r>
+              <a:rPr lang="en-US" altLang="ko-KR" sz="1400" dirty="0">
+                <a:solidFill>
+                  <a:schemeClr val="tx1">
+                    <a:lumMod val="50000"/>
+                    <a:lumOff val="50000"/>
+                  </a:schemeClr>
+                </a:solidFill>
+                <a:latin typeface="카카오 Regular" panose="020B0600000101010101" pitchFamily="50" charset="-127"/>
+                <a:ea typeface="카카오 Regular" panose="020B0600000101010101" pitchFamily="50" charset="-127"/>
+              </a:rPr>
+              <a:t>SW</a:t>
+            </a:r>
+            <a:r>
+              <a:rPr lang="ko-KR" altLang="en-US" sz="1400" dirty="0">
+                <a:solidFill>
+                  <a:schemeClr val="tx1">
+                    <a:lumMod val="50000"/>
+                    <a:lumOff val="50000"/>
+                  </a:schemeClr>
+                </a:solidFill>
+                <a:latin typeface="카카오 Regular" panose="020B0600000101010101" pitchFamily="50" charset="-127"/>
+                <a:ea typeface="카카오 Regular" panose="020B0600000101010101" pitchFamily="50" charset="-127"/>
+              </a:rPr>
+              <a:t>설계</a:t>
+            </a:r>
+          </a:p>
+        </p:txBody>
+      </p:sp>
+      <p:sp>
+        <p:nvSpPr>
+          <p:cNvPr id="6" name="TextBox 5">
+            <a:extLst>
+              <a:ext uri="{FF2B5EF4-FFF2-40B4-BE49-F238E27FC236}">
+                <a16:creationId xmlns:a16="http://schemas.microsoft.com/office/drawing/2014/main" id="{B3DB57B7-8AEA-41FC-94CD-E72818DD6FEF}"/>
+              </a:ext>
+            </a:extLst>
+          </p:cNvPr>
+          <p:cNvSpPr txBox="1"/>
+          <p:nvPr/>
+        </p:nvSpPr>
+        <p:spPr>
+          <a:xfrm>
+            <a:off x="5508339" y="6453051"/>
+            <a:ext cx="1175322" cy="307777"/>
+          </a:xfrm>
+          <a:prstGeom prst="rect">
+            <a:avLst/>
+          </a:prstGeom>
+          <a:noFill/>
+        </p:spPr>
+        <p:txBody>
+          <a:bodyPr wrap="none" rtlCol="0">
+            <a:spAutoFit/>
+          </a:bodyPr>
+          <a:lstStyle/>
+          <a:p>
+            <a:pPr algn="ctr"/>
+            <a:r>
+              <a:rPr lang="en-US" altLang="ko-KR" sz="1400" dirty="0">
+                <a:solidFill>
+                  <a:schemeClr val="tx1">
+                    <a:lumMod val="50000"/>
+                    <a:lumOff val="50000"/>
+                  </a:schemeClr>
+                </a:solidFill>
+                <a:latin typeface="카카오 Regular" panose="020B0600000101010101" pitchFamily="50" charset="-127"/>
+                <a:ea typeface="카카오 Regular" panose="020B0600000101010101" pitchFamily="50" charset="-127"/>
+              </a:rPr>
+              <a:t>2020.10.30.</a:t>
+            </a:r>
+            <a:endParaRPr lang="ko-KR" altLang="en-US" sz="1400" dirty="0">
+              <a:solidFill>
+                <a:schemeClr val="tx1">
+                  <a:lumMod val="50000"/>
+                  <a:lumOff val="50000"/>
+                </a:schemeClr>
+              </a:solidFill>
+              <a:latin typeface="카카오 Regular" panose="020B0600000101010101" pitchFamily="50" charset="-127"/>
+              <a:ea typeface="카카오 Regular" panose="020B0600000101010101" pitchFamily="50" charset="-127"/>
+            </a:endParaRPr>
+          </a:p>
+        </p:txBody>
+      </p:sp>
+      <p:sp>
+        <p:nvSpPr>
+          <p:cNvPr id="8" name="평행 사변형 7">
+            <a:extLst>
+              <a:ext uri="{FF2B5EF4-FFF2-40B4-BE49-F238E27FC236}">
+                <a16:creationId xmlns:a16="http://schemas.microsoft.com/office/drawing/2014/main" id="{32A976F4-7794-4D2A-B68C-ADE8375D6943}"/>
+              </a:ext>
+            </a:extLst>
+          </p:cNvPr>
+          <p:cNvSpPr/>
+          <p:nvPr/>
+        </p:nvSpPr>
+        <p:spPr>
+          <a:xfrm rot="21401711">
+            <a:off x="1311964" y="308491"/>
+            <a:ext cx="5467628" cy="584961"/>
+          </a:xfrm>
+          <a:prstGeom prst="parallelogram">
+            <a:avLst/>
+          </a:prstGeom>
+          <a:solidFill>
+            <a:schemeClr val="accent4">
+              <a:lumMod val="40000"/>
+              <a:lumOff val="60000"/>
+            </a:schemeClr>
+          </a:solidFill>
+          <a:ln>
+            <a:noFill/>
+          </a:ln>
+        </p:spPr>
+        <p:style>
+          <a:lnRef idx="2">
+            <a:schemeClr val="accent1">
+              <a:shade val="50000"/>
+            </a:schemeClr>
+          </a:lnRef>
+          <a:fillRef idx="1">
+            <a:schemeClr val="accent1"/>
+          </a:fillRef>
+          <a:effectRef idx="0">
+            <a:schemeClr val="accent1"/>
+          </a:effectRef>
+          <a:fontRef idx="minor">
+            <a:schemeClr val="lt1"/>
+          </a:fontRef>
+        </p:style>
+        <p:txBody>
+          <a:bodyPr rtlCol="0" anchor="ctr"/>
+          <a:lstStyle/>
+          <a:p>
+            <a:pPr algn="ctr"/>
+            <a:endParaRPr lang="ko-KR" altLang="en-US"/>
+          </a:p>
+        </p:txBody>
+      </p:sp>
+      <p:sp>
+        <p:nvSpPr>
+          <p:cNvPr id="9" name="제목 1">
+            <a:extLst>
+              <a:ext uri="{FF2B5EF4-FFF2-40B4-BE49-F238E27FC236}">
+                <a16:creationId xmlns:a16="http://schemas.microsoft.com/office/drawing/2014/main" id="{4E123F9F-CD1D-45C2-8122-E0C123E31B97}"/>
+              </a:ext>
+            </a:extLst>
+          </p:cNvPr>
+          <p:cNvSpPr txBox="1">
+            <a:spLocks/>
+          </p:cNvSpPr>
+          <p:nvPr/>
+        </p:nvSpPr>
+        <p:spPr>
+          <a:xfrm>
+            <a:off x="1296506" y="216796"/>
+            <a:ext cx="5664733" cy="832711"/>
+          </a:xfrm>
+          <a:prstGeom prst="rect">
+            <a:avLst/>
+          </a:prstGeom>
+          <a:noFill/>
+        </p:spPr>
+        <p:txBody>
+          <a:bodyPr vert="horz" lIns="91440" tIns="45720" rIns="91440" bIns="45720" rtlCol="0" anchor="ctr">
+            <a:normAutofit/>
+          </a:bodyPr>
+          <a:lstStyle>
+            <a:lvl1pPr algn="l" defTabSz="914400" rtl="0" eaLnBrk="1" latinLnBrk="1" hangingPunct="1">
+              <a:lnSpc>
+                <a:spcPct val="90000"/>
+              </a:lnSpc>
+              <a:spcBef>
+                <a:spcPct val="0"/>
+              </a:spcBef>
+              <a:buNone/>
+              <a:defRPr sz="4400" kern="1200">
+                <a:solidFill>
+                  <a:schemeClr val="tx1"/>
+                </a:solidFill>
+                <a:latin typeface="+mj-lt"/>
+                <a:ea typeface="+mj-ea"/>
+                <a:cs typeface="+mj-cs"/>
+              </a:defRPr>
+            </a:lvl1pPr>
+          </a:lstStyle>
+          <a:p>
+            <a:pPr algn="dist"/>
+            <a:r>
+              <a:rPr lang="en-US" altLang="ko-KR" dirty="0">
+                <a:solidFill>
+                  <a:schemeClr val="tx1">
+                    <a:lumMod val="85000"/>
+                    <a:lumOff val="15000"/>
+                  </a:schemeClr>
+                </a:solidFill>
+                <a:latin typeface="카카오 Regular" panose="020B0600000101010101" pitchFamily="50" charset="-127"/>
+                <a:ea typeface="카카오 Regular" panose="020B0600000101010101" pitchFamily="50" charset="-127"/>
+              </a:rPr>
+              <a:t>Service</a:t>
+            </a:r>
+            <a:r>
+              <a:rPr lang="ko-KR" altLang="en-US" dirty="0">
+                <a:solidFill>
+                  <a:schemeClr val="tx1">
+                    <a:lumMod val="85000"/>
+                    <a:lumOff val="15000"/>
+                  </a:schemeClr>
+                </a:solidFill>
+                <a:latin typeface="카카오 Regular" panose="020B0600000101010101" pitchFamily="50" charset="-127"/>
+                <a:ea typeface="카카오 Regular" panose="020B0600000101010101" pitchFamily="50" charset="-127"/>
+              </a:rPr>
+              <a:t> </a:t>
+            </a:r>
+            <a:r>
+              <a:rPr lang="en-US" altLang="ko-KR" dirty="0">
+                <a:solidFill>
+                  <a:schemeClr val="tx1">
+                    <a:lumMod val="85000"/>
+                    <a:lumOff val="15000"/>
+                  </a:schemeClr>
+                </a:solidFill>
+                <a:latin typeface="카카오 Regular" panose="020B0600000101010101" pitchFamily="50" charset="-127"/>
+                <a:ea typeface="카카오 Regular" panose="020B0600000101010101" pitchFamily="50" charset="-127"/>
+              </a:rPr>
+              <a:t>Procedure</a:t>
+            </a:r>
+            <a:endParaRPr lang="ko-KR" altLang="en-US" dirty="0">
+              <a:solidFill>
+                <a:schemeClr val="tx1">
+                  <a:lumMod val="85000"/>
+                  <a:lumOff val="15000"/>
+                </a:schemeClr>
+              </a:solidFill>
+              <a:latin typeface="카카오 Regular" panose="020B0600000101010101" pitchFamily="50" charset="-127"/>
+              <a:ea typeface="카카오 Regular" panose="020B0600000101010101" pitchFamily="50" charset="-127"/>
+            </a:endParaRPr>
+          </a:p>
+        </p:txBody>
+      </p:sp>
+      <p:sp>
+        <p:nvSpPr>
+          <p:cNvPr id="10" name="TextBox 9">
+            <a:extLst>
+              <a:ext uri="{FF2B5EF4-FFF2-40B4-BE49-F238E27FC236}">
+                <a16:creationId xmlns:a16="http://schemas.microsoft.com/office/drawing/2014/main" id="{67751F4E-1FEE-48FC-BD46-E2D190AA6A2B}"/>
+              </a:ext>
+            </a:extLst>
+          </p:cNvPr>
+          <p:cNvSpPr txBox="1"/>
+          <p:nvPr/>
+        </p:nvSpPr>
+        <p:spPr>
+          <a:xfrm>
+            <a:off x="271174" y="279208"/>
+            <a:ext cx="879564" cy="707886"/>
+          </a:xfrm>
+          <a:prstGeom prst="rect">
+            <a:avLst/>
+          </a:prstGeom>
+          <a:noFill/>
+        </p:spPr>
+        <p:txBody>
+          <a:bodyPr wrap="square" rtlCol="0">
+            <a:spAutoFit/>
+          </a:bodyPr>
+          <a:lstStyle/>
+          <a:p>
+            <a:pPr algn="dist"/>
+            <a:r>
+              <a:rPr lang="en-US" altLang="ko-KR" sz="4000" b="1" dirty="0">
+                <a:solidFill>
+                  <a:schemeClr val="bg1">
+                    <a:lumMod val="50000"/>
+                  </a:schemeClr>
+                </a:solidFill>
+                <a:latin typeface="카카오 Regular" panose="020B0600000101010101" pitchFamily="50" charset="-127"/>
+                <a:ea typeface="카카오 Regular" panose="020B0600000101010101" pitchFamily="50" charset="-127"/>
+              </a:rPr>
+              <a:t>06</a:t>
+            </a:r>
+            <a:endParaRPr lang="ko-KR" altLang="en-US" sz="4000" b="1" dirty="0">
+              <a:solidFill>
+                <a:schemeClr val="bg1">
+                  <a:lumMod val="50000"/>
+                </a:schemeClr>
+              </a:solidFill>
+              <a:latin typeface="카카오 Regular" panose="020B0600000101010101" pitchFamily="50" charset="-127"/>
+              <a:ea typeface="카카오 Regular" panose="020B0600000101010101" pitchFamily="50" charset="-127"/>
+            </a:endParaRPr>
+          </a:p>
+        </p:txBody>
+      </p:sp>
+      <p:pic>
+        <p:nvPicPr>
+          <p:cNvPr id="3" name="그림 2">
+            <a:extLst>
+              <a:ext uri="{FF2B5EF4-FFF2-40B4-BE49-F238E27FC236}">
+                <a16:creationId xmlns:a16="http://schemas.microsoft.com/office/drawing/2014/main" id="{1DC40E02-8A30-4B47-8309-C6FC0237DF22}"/>
+              </a:ext>
+            </a:extLst>
+          </p:cNvPr>
+          <p:cNvPicPr>
+            <a:picLocks noChangeAspect="1"/>
+          </p:cNvPicPr>
+          <p:nvPr/>
+        </p:nvPicPr>
+        <p:blipFill>
+          <a:blip r:embed="rId3">
+            <a:extLst>
+              <a:ext uri="{28A0092B-C50C-407E-A947-70E740481C1C}">
+                <a14:useLocalDpi xmlns:a14="http://schemas.microsoft.com/office/drawing/2010/main" val="0"/>
+              </a:ext>
+            </a:extLst>
+          </a:blip>
+          <a:stretch>
+            <a:fillRect/>
+          </a:stretch>
+        </p:blipFill>
+        <p:spPr>
+          <a:xfrm>
+            <a:off x="2747117" y="1291705"/>
+            <a:ext cx="6697765" cy="4919148"/>
+          </a:xfrm>
+          <a:prstGeom prst="rect">
+            <a:avLst/>
+          </a:prstGeom>
+        </p:spPr>
+      </p:pic>
+    </p:spTree>
+    <p:extLst>
+      <p:ext uri="{BB962C8B-B14F-4D97-AF65-F5344CB8AC3E}">
+        <p14:creationId xmlns:p14="http://schemas.microsoft.com/office/powerpoint/2010/main" val="3595093928"/>
+      </p:ext>
+    </p:extLst>
+  </p:cSld>
+  <p:clrMapOvr>
+    <a:masterClrMapping/>
+  </p:clrMapOvr>
+  <mc:AlternateContent xmlns:mc="http://schemas.openxmlformats.org/markup-compatibility/2006" xmlns:p159="http://schemas.microsoft.com/office/powerpoint/2015/09/main">
+    <mc:Choice Requires="p159">
+      <p:transition xmlns:p14="http://schemas.microsoft.com/office/powerpoint/2010/main" spd="slow" p14:dur="2000">
+        <p159:morph option="byObject"/>
+      </p:transition>
+    </mc:Choice>
+    <mc:Fallback xmlns="">
       <p:transition spd="slow">
         <p:fade/>
       </p:transition>
@@ -8662,13 +12942,13 @@
   <p:clrMapOvr>
     <a:masterClrMapping/>
   </p:clrMapOvr>
-  <mc:AlternateContent xmlns:mc="http://schemas.openxmlformats.org/markup-compatibility/2006">
-    <mc:Choice xmlns:p14="http://schemas.microsoft.com/office/powerpoint/2010/main" Requires="p14">
+  <mc:AlternateContent xmlns:mc="http://schemas.openxmlformats.org/markup-compatibility/2006" xmlns:p14="http://schemas.microsoft.com/office/powerpoint/2010/main">
+    <mc:Choice Requires="p14">
       <p:transition spd="med" p14:dur="700">
         <p:fade/>
       </p:transition>
     </mc:Choice>
-    <mc:Fallback>
+    <mc:Fallback xmlns="">
       <p:transition spd="med">
         <p:fade/>
       </p:transition>
@@ -9259,13 +13539,13 @@
   <p:clrMapOvr>
     <a:masterClrMapping/>
   </p:clrMapOvr>
-  <mc:AlternateContent xmlns:mc="http://schemas.openxmlformats.org/markup-compatibility/2006">
-    <mc:Choice xmlns:p159="http://schemas.microsoft.com/office/powerpoint/2015/09/main" Requires="p159">
+  <mc:AlternateContent xmlns:mc="http://schemas.openxmlformats.org/markup-compatibility/2006" xmlns:p159="http://schemas.microsoft.com/office/powerpoint/2015/09/main">
+    <mc:Choice Requires="p159">
       <p:transition xmlns:p14="http://schemas.microsoft.com/office/powerpoint/2010/main" spd="slow" p14:dur="2000">
         <p159:morph option="byObject"/>
       </p:transition>
     </mc:Choice>
-    <mc:Fallback>
+    <mc:Fallback xmlns="">
       <p:transition spd="slow">
         <p:fade/>
       </p:transition>
@@ -9872,13 +14152,13 @@
   <p:clrMapOvr>
     <a:masterClrMapping/>
   </p:clrMapOvr>
-  <mc:AlternateContent xmlns:mc="http://schemas.openxmlformats.org/markup-compatibility/2006">
-    <mc:Choice xmlns:p159="http://schemas.microsoft.com/office/powerpoint/2015/09/main" Requires="p159">
+  <mc:AlternateContent xmlns:mc="http://schemas.openxmlformats.org/markup-compatibility/2006" xmlns:p159="http://schemas.microsoft.com/office/powerpoint/2015/09/main">
+    <mc:Choice Requires="p159">
       <p:transition xmlns:p14="http://schemas.microsoft.com/office/powerpoint/2010/main" spd="slow" p14:dur="2000">
         <p159:morph option="byObject"/>
       </p:transition>
     </mc:Choice>
-    <mc:Fallback>
+    <mc:Fallback xmlns="">
       <p:transition spd="slow">
         <p:fade/>
       </p:transition>
@@ -10537,13 +14817,13 @@
   <p:clrMapOvr>
     <a:masterClrMapping/>
   </p:clrMapOvr>
-  <mc:AlternateContent xmlns:mc="http://schemas.openxmlformats.org/markup-compatibility/2006">
-    <mc:Choice xmlns:p159="http://schemas.microsoft.com/office/powerpoint/2015/09/main" Requires="p159">
+  <mc:AlternateContent xmlns:mc="http://schemas.openxmlformats.org/markup-compatibility/2006" xmlns:p159="http://schemas.microsoft.com/office/powerpoint/2015/09/main">
+    <mc:Choice Requires="p159">
       <p:transition xmlns:p14="http://schemas.microsoft.com/office/powerpoint/2010/main" spd="slow" p14:dur="2000">
         <p159:morph option="byObject"/>
       </p:transition>
     </mc:Choice>
-    <mc:Fallback>
+    <mc:Fallback xmlns="">
       <p:transition spd="slow">
         <p:fade/>
       </p:transition>
@@ -11796,13 +16076,13 @@
   <p:clrMapOvr>
     <a:masterClrMapping/>
   </p:clrMapOvr>
-  <mc:AlternateContent xmlns:mc="http://schemas.openxmlformats.org/markup-compatibility/2006">
-    <mc:Choice xmlns:p159="http://schemas.microsoft.com/office/powerpoint/2015/09/main" Requires="p159">
+  <mc:AlternateContent xmlns:mc="http://schemas.openxmlformats.org/markup-compatibility/2006" xmlns:p159="http://schemas.microsoft.com/office/powerpoint/2015/09/main">
+    <mc:Choice Requires="p159">
       <p:transition xmlns:p14="http://schemas.microsoft.com/office/powerpoint/2010/main" spd="slow" p14:dur="2000">
         <p159:morph option="byObject"/>
       </p:transition>
     </mc:Choice>
-    <mc:Fallback>
+    <mc:Fallback xmlns="">
       <p:transition spd="slow">
         <p:fade/>
       </p:transition>
@@ -12480,13 +16760,13 @@
   <p:clrMapOvr>
     <a:masterClrMapping/>
   </p:clrMapOvr>
-  <mc:AlternateContent xmlns:mc="http://schemas.openxmlformats.org/markup-compatibility/2006">
-    <mc:Choice xmlns:p159="http://schemas.microsoft.com/office/powerpoint/2015/09/main" Requires="p159">
+  <mc:AlternateContent xmlns:mc="http://schemas.openxmlformats.org/markup-compatibility/2006" xmlns:p159="http://schemas.microsoft.com/office/powerpoint/2015/09/main">
+    <mc:Choice Requires="p159">
       <p:transition xmlns:p14="http://schemas.microsoft.com/office/powerpoint/2010/main" spd="slow" p14:dur="2000">
         <p159:morph option="byObject"/>
       </p:transition>
     </mc:Choice>
-    <mc:Fallback>
+    <mc:Fallback xmlns="">
       <p:transition spd="slow">
         <p:fade/>
       </p:transition>
@@ -13174,13 +17454,13 @@
   <p:clrMapOvr>
     <a:masterClrMapping/>
   </p:clrMapOvr>
-  <mc:AlternateContent xmlns:mc="http://schemas.openxmlformats.org/markup-compatibility/2006">
-    <mc:Choice xmlns:p159="http://schemas.microsoft.com/office/powerpoint/2015/09/main" Requires="p159">
+  <mc:AlternateContent xmlns:mc="http://schemas.openxmlformats.org/markup-compatibility/2006" xmlns:p159="http://schemas.microsoft.com/office/powerpoint/2015/09/main">
+    <mc:Choice Requires="p159">
       <p:transition xmlns:p14="http://schemas.microsoft.com/office/powerpoint/2010/main" spd="slow" p14:dur="2000">
         <p159:morph option="byObject"/>
       </p:transition>
     </mc:Choice>
-    <mc:Fallback>
+    <mc:Fallback xmlns="">
       <p:transition spd="slow">
         <p:fade/>
       </p:transition>
@@ -14155,13 +18435,13 @@
   <p:clrMapOvr>
     <a:masterClrMapping/>
   </p:clrMapOvr>
-  <mc:AlternateContent xmlns:mc="http://schemas.openxmlformats.org/markup-compatibility/2006">
-    <mc:Choice xmlns:p159="http://schemas.microsoft.com/office/powerpoint/2015/09/main" Requires="p159">
+  <mc:AlternateContent xmlns:mc="http://schemas.openxmlformats.org/markup-compatibility/2006" xmlns:p159="http://schemas.microsoft.com/office/powerpoint/2015/09/main">
+    <mc:Choice Requires="p159">
       <p:transition xmlns:p14="http://schemas.microsoft.com/office/powerpoint/2010/main" spd="slow" p14:dur="2000">
         <p159:morph option="byObject"/>
       </p:transition>
     </mc:Choice>
-    <mc:Fallback>
+    <mc:Fallback xmlns="">
       <p:transition spd="slow">
         <p:fade/>
       </p:transition>

--- a/3_Interim Project Presentation/Interim Project Presentation - 두리번두리번.pptx
+++ b/3_Interim Project Presentation/Interim Project Presentation - 두리번두리번.pptx
@@ -838,7 +838,253 @@
               <a:tabLst/>
               <a:defRPr/>
             </a:pPr>
-            <a:endParaRPr lang="ko-KR" altLang="en-US" dirty="0"/>
+            <a:r>
+              <a:rPr lang="ko-KR" altLang="ko-KR" sz="1800" dirty="0">
+                <a:effectLst/>
+                <a:latin typeface="맑은 고딕" panose="020B0503020000020004" pitchFamily="50" charset="-127"/>
+                <a:ea typeface="맑은 고딕" panose="020B0503020000020004" pitchFamily="50" charset="-127"/>
+                <a:cs typeface="Times New Roman" panose="02020603050405020304" pitchFamily="18" charset="0"/>
+              </a:rPr>
+              <a:t>손 세정제 관리 시스템에서 주 </a:t>
+            </a:r>
+            <a:r>
+              <a:rPr lang="en-US" altLang="ko-KR" sz="1800" dirty="0">
+                <a:effectLst/>
+                <a:latin typeface="맑은 고딕" panose="020B0503020000020004" pitchFamily="50" charset="-127"/>
+                <a:ea typeface="맑은 고딕" panose="020B0503020000020004" pitchFamily="50" charset="-127"/>
+                <a:cs typeface="Times New Roman" panose="02020603050405020304" pitchFamily="18" charset="0"/>
+              </a:rPr>
+              <a:t>actor</a:t>
+            </a:r>
+            <a:r>
+              <a:rPr lang="ko-KR" altLang="ko-KR" sz="1800" dirty="0">
+                <a:effectLst/>
+                <a:latin typeface="맑은 고딕" panose="020B0503020000020004" pitchFamily="50" charset="-127"/>
+                <a:ea typeface="맑은 고딕" panose="020B0503020000020004" pitchFamily="50" charset="-127"/>
+                <a:cs typeface="Times New Roman" panose="02020603050405020304" pitchFamily="18" charset="0"/>
+              </a:rPr>
+              <a:t>는 당연 손 세정제 관리를 담당하는 사람입니다. </a:t>
+            </a:r>
+            <a:r>
+              <a:rPr lang="ko-KR" altLang="en-US" sz="1800" dirty="0">
+                <a:effectLst/>
+                <a:latin typeface="맑은 고딕" panose="020B0503020000020004" pitchFamily="50" charset="-127"/>
+                <a:ea typeface="맑은 고딕" panose="020B0503020000020004" pitchFamily="50" charset="-127"/>
+                <a:cs typeface="Times New Roman" panose="02020603050405020304" pitchFamily="18" charset="0"/>
+              </a:rPr>
+              <a:t>손세정제 관리자라 표기하겠습니다</a:t>
+            </a:r>
+            <a:r>
+              <a:rPr lang="en-US" altLang="ko-KR" sz="1800" dirty="0">
+                <a:effectLst/>
+                <a:latin typeface="맑은 고딕" panose="020B0503020000020004" pitchFamily="50" charset="-127"/>
+                <a:ea typeface="맑은 고딕" panose="020B0503020000020004" pitchFamily="50" charset="-127"/>
+                <a:cs typeface="Times New Roman" panose="02020603050405020304" pitchFamily="18" charset="0"/>
+              </a:rPr>
+              <a:t>.</a:t>
+            </a:r>
+          </a:p>
+          <a:p>
+            <a:pPr marL="0" marR="0" lvl="0" indent="0" algn="l" defTabSz="914400" rtl="0" eaLnBrk="1" fontAlgn="auto" latinLnBrk="1" hangingPunct="1">
+              <a:lnSpc>
+                <a:spcPct val="100000"/>
+              </a:lnSpc>
+              <a:spcBef>
+                <a:spcPts val="0"/>
+              </a:spcBef>
+              <a:spcAft>
+                <a:spcPts val="0"/>
+              </a:spcAft>
+              <a:buClrTx/>
+              <a:buSzTx/>
+              <a:buFontTx/>
+              <a:buNone/>
+              <a:tabLst/>
+              <a:defRPr/>
+            </a:pPr>
+            <a:r>
+              <a:rPr lang="ko-KR" altLang="ko-KR" sz="1800" dirty="0">
+                <a:effectLst/>
+                <a:latin typeface="맑은 고딕" panose="020B0503020000020004" pitchFamily="50" charset="-127"/>
+                <a:ea typeface="맑은 고딕" panose="020B0503020000020004" pitchFamily="50" charset="-127"/>
+                <a:cs typeface="Times New Roman" panose="02020603050405020304" pitchFamily="18" charset="0"/>
+              </a:rPr>
+              <a:t>일반적으로 관리자는 시스템에 로그인을 하면 담당 손세정제들의 잔량을 수시로 확인할 수 있습니다. </a:t>
+            </a:r>
+            <a:endParaRPr lang="en-US" altLang="ko-KR" sz="1800" dirty="0">
+              <a:effectLst/>
+              <a:latin typeface="맑은 고딕" panose="020B0503020000020004" pitchFamily="50" charset="-127"/>
+              <a:ea typeface="맑은 고딕" panose="020B0503020000020004" pitchFamily="50" charset="-127"/>
+              <a:cs typeface="Times New Roman" panose="02020603050405020304" pitchFamily="18" charset="0"/>
+            </a:endParaRPr>
+          </a:p>
+          <a:p>
+            <a:pPr marL="0" marR="0" lvl="0" indent="0" algn="l" defTabSz="914400" rtl="0" eaLnBrk="1" fontAlgn="auto" latinLnBrk="1" hangingPunct="1">
+              <a:lnSpc>
+                <a:spcPct val="100000"/>
+              </a:lnSpc>
+              <a:spcBef>
+                <a:spcPts val="0"/>
+              </a:spcBef>
+              <a:spcAft>
+                <a:spcPts val="0"/>
+              </a:spcAft>
+              <a:buClrTx/>
+              <a:buSzTx/>
+              <a:buFontTx/>
+              <a:buNone/>
+              <a:tabLst/>
+              <a:defRPr/>
+            </a:pPr>
+            <a:r>
+              <a:rPr lang="ko-KR" altLang="ko-KR" sz="1800" dirty="0">
+                <a:effectLst/>
+                <a:latin typeface="맑은 고딕" panose="020B0503020000020004" pitchFamily="50" charset="-127"/>
+                <a:ea typeface="맑은 고딕" panose="020B0503020000020004" pitchFamily="50" charset="-127"/>
+                <a:cs typeface="Times New Roman" panose="02020603050405020304" pitchFamily="18" charset="0"/>
+              </a:rPr>
+              <a:t>그리고 </a:t>
+            </a:r>
+            <a:r>
+              <a:rPr lang="ko-KR" altLang="en-US" sz="1800" dirty="0">
+                <a:effectLst/>
+                <a:latin typeface="맑은 고딕" panose="020B0503020000020004" pitchFamily="50" charset="-127"/>
+                <a:ea typeface="맑은 고딕" panose="020B0503020000020004" pitchFamily="50" charset="-127"/>
+                <a:cs typeface="Times New Roman" panose="02020603050405020304" pitchFamily="18" charset="0"/>
+              </a:rPr>
+              <a:t>특정</a:t>
+            </a:r>
+            <a:r>
+              <a:rPr lang="ko-KR" altLang="ko-KR" sz="1800" dirty="0">
+                <a:effectLst/>
+                <a:latin typeface="맑은 고딕" panose="020B0503020000020004" pitchFamily="50" charset="-127"/>
+                <a:ea typeface="맑은 고딕" panose="020B0503020000020004" pitchFamily="50" charset="-127"/>
+                <a:cs typeface="Times New Roman" panose="02020603050405020304" pitchFamily="18" charset="0"/>
+              </a:rPr>
+              <a:t> 손 세정제</a:t>
+            </a:r>
+            <a:r>
+              <a:rPr lang="ko-KR" altLang="en-US" sz="1800" dirty="0">
+                <a:effectLst/>
+                <a:latin typeface="맑은 고딕" panose="020B0503020000020004" pitchFamily="50" charset="-127"/>
+                <a:ea typeface="맑은 고딕" panose="020B0503020000020004" pitchFamily="50" charset="-127"/>
+                <a:cs typeface="Times New Roman" panose="02020603050405020304" pitchFamily="18" charset="0"/>
+              </a:rPr>
+              <a:t>의</a:t>
+            </a:r>
+            <a:r>
+              <a:rPr lang="ko-KR" altLang="ko-KR" sz="1800" dirty="0">
+                <a:effectLst/>
+                <a:latin typeface="맑은 고딕" panose="020B0503020000020004" pitchFamily="50" charset="-127"/>
+                <a:ea typeface="맑은 고딕" panose="020B0503020000020004" pitchFamily="50" charset="-127"/>
+                <a:cs typeface="Times New Roman" panose="02020603050405020304" pitchFamily="18" charset="0"/>
+              </a:rPr>
+              <a:t> 잔량이 기준선</a:t>
+            </a:r>
+            <a:r>
+              <a:rPr lang="en-US" altLang="ko-KR" sz="1800" dirty="0">
+                <a:effectLst/>
+                <a:latin typeface="맑은 고딕" panose="020B0503020000020004" pitchFamily="50" charset="-127"/>
+                <a:ea typeface="맑은 고딕" panose="020B0503020000020004" pitchFamily="50" charset="-127"/>
+                <a:cs typeface="Times New Roman" panose="02020603050405020304" pitchFamily="18" charset="0"/>
+              </a:rPr>
+              <a:t> </a:t>
+            </a:r>
+            <a:r>
+              <a:rPr lang="ko-KR" altLang="ko-KR" sz="1800" dirty="0">
+                <a:effectLst/>
+                <a:latin typeface="맑은 고딕" panose="020B0503020000020004" pitchFamily="50" charset="-127"/>
+                <a:ea typeface="맑은 고딕" panose="020B0503020000020004" pitchFamily="50" charset="-127"/>
+                <a:cs typeface="Times New Roman" panose="02020603050405020304" pitchFamily="18" charset="0"/>
+              </a:rPr>
+              <a:t>이하로 떨어지면</a:t>
+            </a:r>
+            <a:r>
+              <a:rPr lang="en-US" altLang="ko-KR" sz="1800" dirty="0">
+                <a:effectLst/>
+                <a:latin typeface="맑은 고딕" panose="020B0503020000020004" pitchFamily="50" charset="-127"/>
+                <a:ea typeface="맑은 고딕" panose="020B0503020000020004" pitchFamily="50" charset="-127"/>
+                <a:cs typeface="Times New Roman" panose="02020603050405020304" pitchFamily="18" charset="0"/>
+              </a:rPr>
+              <a:t>,</a:t>
+            </a:r>
+            <a:r>
+              <a:rPr lang="ko-KR" altLang="ko-KR" sz="1800" dirty="0">
+                <a:effectLst/>
+                <a:latin typeface="맑은 고딕" panose="020B0503020000020004" pitchFamily="50" charset="-127"/>
+                <a:ea typeface="맑은 고딕" panose="020B0503020000020004" pitchFamily="50" charset="-127"/>
+                <a:cs typeface="Times New Roman" panose="02020603050405020304" pitchFamily="18" charset="0"/>
+              </a:rPr>
+              <a:t> 관리자에게 자동으로 알림이 가고</a:t>
+            </a:r>
+            <a:endParaRPr lang="en-US" altLang="ko-KR" sz="1800" dirty="0">
+              <a:effectLst/>
+              <a:latin typeface="맑은 고딕" panose="020B0503020000020004" pitchFamily="50" charset="-127"/>
+              <a:ea typeface="맑은 고딕" panose="020B0503020000020004" pitchFamily="50" charset="-127"/>
+              <a:cs typeface="Times New Roman" panose="02020603050405020304" pitchFamily="18" charset="0"/>
+            </a:endParaRPr>
+          </a:p>
+          <a:p>
+            <a:pPr marL="0" marR="0" lvl="0" indent="0" algn="l" defTabSz="914400" rtl="0" eaLnBrk="1" fontAlgn="auto" latinLnBrk="1" hangingPunct="1">
+              <a:lnSpc>
+                <a:spcPct val="100000"/>
+              </a:lnSpc>
+              <a:spcBef>
+                <a:spcPts val="0"/>
+              </a:spcBef>
+              <a:spcAft>
+                <a:spcPts val="0"/>
+              </a:spcAft>
+              <a:buClrTx/>
+              <a:buSzTx/>
+              <a:buFontTx/>
+              <a:buNone/>
+              <a:tabLst/>
+              <a:defRPr/>
+            </a:pPr>
+            <a:r>
+              <a:rPr lang="ko-KR" altLang="ko-KR" sz="1800" dirty="0">
+                <a:effectLst/>
+                <a:latin typeface="맑은 고딕" panose="020B0503020000020004" pitchFamily="50" charset="-127"/>
+                <a:ea typeface="맑은 고딕" panose="020B0503020000020004" pitchFamily="50" charset="-127"/>
+                <a:cs typeface="Times New Roman" panose="02020603050405020304" pitchFamily="18" charset="0"/>
+              </a:rPr>
+              <a:t>관리자는 알림을 통해 손 세정제의 남은 잔량을 다시 확인할 수 있습니다. </a:t>
+            </a:r>
+            <a:endParaRPr lang="en-US" altLang="ko-KR" sz="1800" dirty="0">
+              <a:effectLst/>
+              <a:latin typeface="맑은 고딕" panose="020B0503020000020004" pitchFamily="50" charset="-127"/>
+              <a:ea typeface="맑은 고딕" panose="020B0503020000020004" pitchFamily="50" charset="-127"/>
+              <a:cs typeface="Times New Roman" panose="02020603050405020304" pitchFamily="18" charset="0"/>
+            </a:endParaRPr>
+          </a:p>
+          <a:p>
+            <a:pPr marL="0" marR="0" lvl="0" indent="0" algn="l" defTabSz="914400" rtl="0" eaLnBrk="1" fontAlgn="auto" latinLnBrk="1" hangingPunct="1">
+              <a:lnSpc>
+                <a:spcPct val="100000"/>
+              </a:lnSpc>
+              <a:spcBef>
+                <a:spcPts val="0"/>
+              </a:spcBef>
+              <a:spcAft>
+                <a:spcPts val="0"/>
+              </a:spcAft>
+              <a:buClrTx/>
+              <a:buSzTx/>
+              <a:buFontTx/>
+              <a:buNone/>
+              <a:tabLst/>
+              <a:defRPr/>
+            </a:pPr>
+            <a:r>
+              <a:rPr lang="ko-KR" altLang="ko-KR" sz="1800" dirty="0">
+                <a:effectLst/>
+                <a:latin typeface="맑은 고딕" panose="020B0503020000020004" pitchFamily="50" charset="-127"/>
+                <a:ea typeface="맑은 고딕" panose="020B0503020000020004" pitchFamily="50" charset="-127"/>
+                <a:cs typeface="Times New Roman" panose="02020603050405020304" pitchFamily="18" charset="0"/>
+              </a:rPr>
+              <a:t>잔량이 부족한 손 세정제를 확인한 후에, 관리자가 용량을 채워 넣었다면 세정제의 용량을 업데이트 시킬 수 있습니다.</a:t>
+            </a:r>
           </a:p>
         </p:txBody>
       </p:sp>
@@ -10300,6 +10546,42 @@
           </a:p>
         </p:txBody>
       </p:sp>
+      <p:pic>
+        <p:nvPicPr>
+          <p:cNvPr id="3" name="그림 2">
+            <a:extLst>
+              <a:ext uri="{FF2B5EF4-FFF2-40B4-BE49-F238E27FC236}">
+                <a16:creationId xmlns:a16="http://schemas.microsoft.com/office/drawing/2014/main" id="{501A1F60-28C7-47A4-BFEB-9FDF0BC75E1A}"/>
+              </a:ext>
+            </a:extLst>
+          </p:cNvPr>
+          <p:cNvPicPr>
+            <a:picLocks noChangeAspect="1"/>
+          </p:cNvPicPr>
+          <p:nvPr/>
+        </p:nvPicPr>
+        <p:blipFill>
+          <a:blip r:embed="rId3">
+            <a:extLst>
+              <a:ext uri="{28A0092B-C50C-407E-A947-70E740481C1C}">
+                <a14:useLocalDpi xmlns:a14="http://schemas.microsoft.com/office/drawing/2010/main" val="0"/>
+              </a:ext>
+            </a:extLst>
+          </a:blip>
+          <a:stretch>
+            <a:fillRect/>
+          </a:stretch>
+        </p:blipFill>
+        <p:spPr>
+          <a:xfrm>
+            <a:off x="3037588" y="1225029"/>
+            <a:ext cx="6116823" cy="4939798"/>
+          </a:xfrm>
+          <a:prstGeom prst="rect">
+            <a:avLst/>
+          </a:prstGeom>
+        </p:spPr>
+      </p:pic>
     </p:spTree>
     <p:extLst>
       <p:ext uri="{BB962C8B-B14F-4D97-AF65-F5344CB8AC3E}">
@@ -10310,14 +10592,14 @@
   <p:clrMapOvr>
     <a:masterClrMapping/>
   </p:clrMapOvr>
-  <mc:AlternateContent xmlns:mc="http://schemas.openxmlformats.org/markup-compatibility/2006" xmlns:p159="http://schemas.microsoft.com/office/powerpoint/2015/09/main">
-    <mc:Choice Requires="p159">
-      <p:transition xmlns:p14="http://schemas.microsoft.com/office/powerpoint/2010/main" spd="slow" p14:dur="2000">
-        <p159:morph option="byObject"/>
+  <mc:AlternateContent xmlns:mc="http://schemas.openxmlformats.org/markup-compatibility/2006">
+    <mc:Choice xmlns:p14="http://schemas.microsoft.com/office/powerpoint/2010/main" Requires="p14">
+      <p:transition spd="med" p14:dur="700">
+        <p:fade/>
       </p:transition>
     </mc:Choice>
-    <mc:Fallback xmlns="">
-      <p:transition spd="slow">
+    <mc:Fallback>
+      <p:transition spd="med">
         <p:fade/>
       </p:transition>
     </mc:Fallback>
@@ -10751,14 +11033,14 @@
   <p:clrMapOvr>
     <a:masterClrMapping/>
   </p:clrMapOvr>
-  <mc:AlternateContent xmlns:mc="http://schemas.openxmlformats.org/markup-compatibility/2006" xmlns:p159="http://schemas.microsoft.com/office/powerpoint/2015/09/main">
-    <mc:Choice Requires="p159">
-      <p:transition xmlns:p14="http://schemas.microsoft.com/office/powerpoint/2010/main" spd="slow" p14:dur="2000">
-        <p159:morph option="byObject"/>
+  <mc:AlternateContent xmlns:mc="http://schemas.openxmlformats.org/markup-compatibility/2006">
+    <mc:Choice xmlns:p14="http://schemas.microsoft.com/office/powerpoint/2010/main" Requires="p14">
+      <p:transition spd="med" p14:dur="700">
+        <p:fade/>
       </p:transition>
     </mc:Choice>
-    <mc:Fallback xmlns="">
-      <p:transition spd="slow">
+    <mc:Fallback>
+      <p:transition spd="med">
         <p:fade/>
       </p:transition>
     </mc:Fallback>
@@ -11218,14 +11500,14 @@
   <p:clrMapOvr>
     <a:masterClrMapping/>
   </p:clrMapOvr>
-  <mc:AlternateContent xmlns:mc="http://schemas.openxmlformats.org/markup-compatibility/2006" xmlns:p159="http://schemas.microsoft.com/office/powerpoint/2015/09/main">
-    <mc:Choice Requires="p159">
-      <p:transition xmlns:p14="http://schemas.microsoft.com/office/powerpoint/2010/main" spd="slow" p14:dur="2000">
-        <p159:morph option="byObject"/>
+  <mc:AlternateContent xmlns:mc="http://schemas.openxmlformats.org/markup-compatibility/2006">
+    <mc:Choice xmlns:p14="http://schemas.microsoft.com/office/powerpoint/2010/main" Requires="p14">
+      <p:transition spd="med" p14:dur="700">
+        <p:fade/>
       </p:transition>
     </mc:Choice>
-    <mc:Fallback xmlns="">
-      <p:transition spd="slow">
+    <mc:Fallback>
+      <p:transition spd="med">
         <p:fade/>
       </p:transition>
     </mc:Fallback>
@@ -11685,14 +11967,14 @@
   <p:clrMapOvr>
     <a:masterClrMapping/>
   </p:clrMapOvr>
-  <mc:AlternateContent xmlns:mc="http://schemas.openxmlformats.org/markup-compatibility/2006" xmlns:p159="http://schemas.microsoft.com/office/powerpoint/2015/09/main">
-    <mc:Choice Requires="p159">
-      <p:transition xmlns:p14="http://schemas.microsoft.com/office/powerpoint/2010/main" spd="slow" p14:dur="2000">
-        <p159:morph option="byObject"/>
+  <mc:AlternateContent xmlns:mc="http://schemas.openxmlformats.org/markup-compatibility/2006">
+    <mc:Choice xmlns:p14="http://schemas.microsoft.com/office/powerpoint/2010/main" Requires="p14">
+      <p:transition spd="med" p14:dur="700">
+        <p:fade/>
       </p:transition>
     </mc:Choice>
-    <mc:Fallback xmlns="">
-      <p:transition spd="slow">
+    <mc:Fallback>
+      <p:transition spd="med">
         <p:fade/>
       </p:transition>
     </mc:Fallback>

--- a/3_Interim Project Presentation/Interim Project Presentation - 두리번두리번.pptx
+++ b/3_Interim Project Presentation/Interim Project Presentation - 두리번두리번.pptx
@@ -5,7 +5,7 @@
     <p:sldMasterId id="2147483648" r:id="rId1"/>
   </p:sldMasterIdLst>
   <p:notesMasterIdLst>
-    <p:notesMasterId r:id="rId16"/>
+    <p:notesMasterId r:id="rId19"/>
   </p:notesMasterIdLst>
   <p:sldIdLst>
     <p:sldId id="256" r:id="rId2"/>
@@ -22,6 +22,9 @@
     <p:sldId id="268" r:id="rId13"/>
     <p:sldId id="269" r:id="rId14"/>
     <p:sldId id="270" r:id="rId15"/>
+    <p:sldId id="275" r:id="rId16"/>
+    <p:sldId id="272" r:id="rId17"/>
+    <p:sldId id="273" r:id="rId18"/>
   </p:sldIdLst>
   <p:sldSz cx="12192000" cy="6858000"/>
   <p:notesSz cx="6858000" cy="9144000"/>
@@ -210,7 +213,7 @@
           <a:p>
             <a:fld id="{CAE244D8-87F9-4A82-9A7F-A988436C03F2}" type="datetimeFigureOut">
               <a:rPr lang="ko-KR" altLang="en-US" smtClean="0"/>
-              <a:t>2020-10-26</a:t>
+              <a:t>2020-10-27</a:t>
             </a:fld>
             <a:endParaRPr lang="ko-KR" altLang="en-US"/>
           </a:p>
@@ -839,6 +842,79 @@
               <a:defRPr/>
             </a:pPr>
             <a:r>
+              <a:rPr lang="ko-KR" altLang="en-US" sz="1800" dirty="0">
+                <a:effectLst/>
+                <a:latin typeface="맑은 고딕" panose="020B0503020000020004" pitchFamily="50" charset="-127"/>
+                <a:ea typeface="맑은 고딕" panose="020B0503020000020004" pitchFamily="50" charset="-127"/>
+                <a:cs typeface="Times New Roman" panose="02020603050405020304" pitchFamily="18" charset="0"/>
+              </a:rPr>
+              <a:t>지금부터는 저희 서비스를 개발하기 위해 수립한 정책과 관련한 설명을 드리겠습니다</a:t>
+            </a:r>
+            <a:r>
+              <a:rPr lang="en-US" altLang="ko-KR" sz="1800" dirty="0">
+                <a:effectLst/>
+                <a:latin typeface="맑은 고딕" panose="020B0503020000020004" pitchFamily="50" charset="-127"/>
+                <a:ea typeface="맑은 고딕" panose="020B0503020000020004" pitchFamily="50" charset="-127"/>
+                <a:cs typeface="Times New Roman" panose="02020603050405020304" pitchFamily="18" charset="0"/>
+              </a:rPr>
+              <a:t>. </a:t>
+            </a:r>
+            <a:r>
+              <a:rPr lang="ko-KR" altLang="en-US" sz="1800" dirty="0">
+                <a:effectLst/>
+                <a:latin typeface="맑은 고딕" panose="020B0503020000020004" pitchFamily="50" charset="-127"/>
+                <a:ea typeface="맑은 고딕" panose="020B0503020000020004" pitchFamily="50" charset="-127"/>
+                <a:cs typeface="Times New Roman" panose="02020603050405020304" pitchFamily="18" charset="0"/>
+              </a:rPr>
+              <a:t>첫번째로는 </a:t>
+            </a:r>
+            <a:r>
+              <a:rPr lang="en-US" altLang="ko-KR" sz="1800" dirty="0">
+                <a:effectLst/>
+                <a:latin typeface="맑은 고딕" panose="020B0503020000020004" pitchFamily="50" charset="-127"/>
+                <a:ea typeface="맑은 고딕" panose="020B0503020000020004" pitchFamily="50" charset="-127"/>
+                <a:cs typeface="Times New Roman" panose="02020603050405020304" pitchFamily="18" charset="0"/>
+              </a:rPr>
+              <a:t>Use case</a:t>
+            </a:r>
+            <a:r>
+              <a:rPr lang="ko-KR" altLang="en-US" sz="1800" dirty="0">
+                <a:effectLst/>
+                <a:latin typeface="맑은 고딕" panose="020B0503020000020004" pitchFamily="50" charset="-127"/>
+                <a:ea typeface="맑은 고딕" panose="020B0503020000020004" pitchFamily="50" charset="-127"/>
+                <a:cs typeface="Times New Roman" panose="02020603050405020304" pitchFamily="18" charset="0"/>
+              </a:rPr>
+              <a:t>입니다</a:t>
+            </a:r>
+            <a:r>
+              <a:rPr lang="en-US" altLang="ko-KR" sz="1800" dirty="0">
+                <a:effectLst/>
+                <a:latin typeface="맑은 고딕" panose="020B0503020000020004" pitchFamily="50" charset="-127"/>
+                <a:ea typeface="맑은 고딕" panose="020B0503020000020004" pitchFamily="50" charset="-127"/>
+                <a:cs typeface="Times New Roman" panose="02020603050405020304" pitchFamily="18" charset="0"/>
+              </a:rPr>
+              <a:t>.</a:t>
+            </a:r>
+          </a:p>
+          <a:p>
+            <a:pPr marL="0" marR="0" lvl="0" indent="0" algn="l" defTabSz="914400" rtl="0" eaLnBrk="1" fontAlgn="auto" latinLnBrk="1" hangingPunct="1">
+              <a:lnSpc>
+                <a:spcPct val="100000"/>
+              </a:lnSpc>
+              <a:spcBef>
+                <a:spcPts val="0"/>
+              </a:spcBef>
+              <a:spcAft>
+                <a:spcPts val="0"/>
+              </a:spcAft>
+              <a:buClrTx/>
+              <a:buSzTx/>
+              <a:buFontTx/>
+              <a:buNone/>
+              <a:tabLst/>
+              <a:defRPr/>
+            </a:pPr>
+            <a:r>
               <a:rPr lang="ko-KR" altLang="ko-KR" sz="1800" dirty="0">
                 <a:effectLst/>
                 <a:latin typeface="맑은 고딕" panose="020B0503020000020004" pitchFamily="50" charset="-127"/>
@@ -863,7 +939,25 @@
                 <a:ea typeface="맑은 고딕" panose="020B0503020000020004" pitchFamily="50" charset="-127"/>
                 <a:cs typeface="Times New Roman" panose="02020603050405020304" pitchFamily="18" charset="0"/>
               </a:rPr>
-              <a:t>는 당연 손 세정제 관리를 담당하는 사람입니다. </a:t>
+              <a:t>는 당연 손 세정제 관리를 담당하는 사람</a:t>
+            </a:r>
+            <a:r>
+              <a:rPr lang="ko-KR" altLang="en-US" sz="1800" dirty="0">
+                <a:effectLst/>
+                <a:latin typeface="맑은 고딕" panose="020B0503020000020004" pitchFamily="50" charset="-127"/>
+                <a:ea typeface="맑은 고딕" panose="020B0503020000020004" pitchFamily="50" charset="-127"/>
+                <a:cs typeface="Times New Roman" panose="02020603050405020304" pitchFamily="18" charset="0"/>
+              </a:rPr>
+              <a:t>일 것입니다</a:t>
+            </a:r>
+            <a:r>
+              <a:rPr lang="ko-KR" altLang="ko-KR" sz="1800" dirty="0">
+                <a:effectLst/>
+                <a:latin typeface="맑은 고딕" panose="020B0503020000020004" pitchFamily="50" charset="-127"/>
+                <a:ea typeface="맑은 고딕" panose="020B0503020000020004" pitchFamily="50" charset="-127"/>
+                <a:cs typeface="Times New Roman" panose="02020603050405020304" pitchFamily="18" charset="0"/>
+              </a:rPr>
+              <a:t>. </a:t>
             </a:r>
             <a:r>
               <a:rPr lang="ko-KR" altLang="en-US" sz="1800" dirty="0">
@@ -3484,6 +3578,443 @@
     <p:extLst>
       <p:ext uri="{BB962C8B-B14F-4D97-AF65-F5344CB8AC3E}">
         <p14:creationId xmlns:p14="http://schemas.microsoft.com/office/powerpoint/2010/main" val="3105719577"/>
+      </p:ext>
+    </p:extLst>
+  </p:cSld>
+  <p:clrMapOvr>
+    <a:masterClrMapping/>
+  </p:clrMapOvr>
+</p:notes>
+</file>
+
+<file path=ppt/notesSlides/notesSlide15.xml><?xml version="1.0" encoding="utf-8"?>
+<p:notes xmlns:a="http://schemas.openxmlformats.org/drawingml/2006/main" xmlns:r="http://schemas.openxmlformats.org/officeDocument/2006/relationships" xmlns:p="http://schemas.openxmlformats.org/presentationml/2006/main">
+  <p:cSld>
+    <p:spTree>
+      <p:nvGrpSpPr>
+        <p:cNvPr id="1" name=""/>
+        <p:cNvGrpSpPr/>
+        <p:nvPr/>
+      </p:nvGrpSpPr>
+      <p:grpSpPr>
+        <a:xfrm>
+          <a:off x="0" y="0"/>
+          <a:ext cx="0" cy="0"/>
+          <a:chOff x="0" y="0"/>
+          <a:chExt cx="0" cy="0"/>
+        </a:xfrm>
+      </p:grpSpPr>
+      <p:sp>
+        <p:nvSpPr>
+          <p:cNvPr id="2" name="슬라이드 이미지 개체 틀 1"/>
+          <p:cNvSpPr>
+            <a:spLocks noGrp="1" noRot="1" noChangeAspect="1"/>
+          </p:cNvSpPr>
+          <p:nvPr>
+            <p:ph type="sldImg"/>
+          </p:nvPr>
+        </p:nvSpPr>
+        <p:spPr/>
+      </p:sp>
+      <p:sp>
+        <p:nvSpPr>
+          <p:cNvPr id="3" name="슬라이드 노트 개체 틀 2"/>
+          <p:cNvSpPr>
+            <a:spLocks noGrp="1"/>
+          </p:cNvSpPr>
+          <p:nvPr>
+            <p:ph type="body" idx="1"/>
+          </p:nvPr>
+        </p:nvSpPr>
+        <p:spPr/>
+        <p:txBody>
+          <a:bodyPr/>
+          <a:lstStyle/>
+          <a:p>
+            <a:pPr algn="just" latinLnBrk="1">
+              <a:lnSpc>
+                <a:spcPct val="107000"/>
+              </a:lnSpc>
+              <a:spcAft>
+                <a:spcPts val="800"/>
+              </a:spcAft>
+            </a:pPr>
+            <a:r>
+              <a:rPr lang="ko-KR" altLang="en-US" sz="1800" kern="100" dirty="0">
+                <a:effectLst/>
+                <a:latin typeface="맑은 고딕" panose="020B0503020000020004" pitchFamily="50" charset="-127"/>
+                <a:ea typeface="맑은 고딕" panose="020B0503020000020004" pitchFamily="50" charset="-127"/>
+                <a:cs typeface="Times New Roman" panose="02020603050405020304" pitchFamily="18" charset="0"/>
+              </a:rPr>
+              <a:t>지금까지의 과정을 한 다이어그램을 표현하면</a:t>
+            </a:r>
+            <a:r>
+              <a:rPr lang="en-US" altLang="ko-KR" sz="1800" kern="100" dirty="0">
+                <a:effectLst/>
+                <a:latin typeface="맑은 고딕" panose="020B0503020000020004" pitchFamily="50" charset="-127"/>
+                <a:ea typeface="맑은 고딕" panose="020B0503020000020004" pitchFamily="50" charset="-127"/>
+                <a:cs typeface="Times New Roman" panose="02020603050405020304" pitchFamily="18" charset="0"/>
+              </a:rPr>
+              <a:t> </a:t>
+            </a:r>
+            <a:r>
+              <a:rPr lang="ko-KR" altLang="en-US" sz="1800" kern="100" dirty="0">
+                <a:effectLst/>
+                <a:latin typeface="맑은 고딕" panose="020B0503020000020004" pitchFamily="50" charset="-127"/>
+                <a:ea typeface="맑은 고딕" panose="020B0503020000020004" pitchFamily="50" charset="-127"/>
+                <a:cs typeface="Times New Roman" panose="02020603050405020304" pitchFamily="18" charset="0"/>
+              </a:rPr>
+              <a:t>이와 같은 </a:t>
+            </a:r>
+            <a:r>
+              <a:rPr lang="en-US" altLang="ko-KR" sz="1800" kern="100" dirty="0">
+                <a:effectLst/>
+                <a:latin typeface="맑은 고딕" panose="020B0503020000020004" pitchFamily="50" charset="-127"/>
+                <a:ea typeface="맑은 고딕" panose="020B0503020000020004" pitchFamily="50" charset="-127"/>
+                <a:cs typeface="Times New Roman" panose="02020603050405020304" pitchFamily="18" charset="0"/>
+              </a:rPr>
+              <a:t>flow</a:t>
+            </a:r>
+            <a:r>
+              <a:rPr lang="ko-KR" altLang="en-US" sz="1800" kern="100" dirty="0">
+                <a:effectLst/>
+                <a:latin typeface="맑은 고딕" panose="020B0503020000020004" pitchFamily="50" charset="-127"/>
+                <a:ea typeface="맑은 고딕" panose="020B0503020000020004" pitchFamily="50" charset="-127"/>
+                <a:cs typeface="Times New Roman" panose="02020603050405020304" pitchFamily="18" charset="0"/>
+              </a:rPr>
+              <a:t>를 갖게 됩니다</a:t>
+            </a:r>
+            <a:r>
+              <a:rPr lang="en-US" altLang="ko-KR" sz="1800" kern="100" dirty="0">
+                <a:effectLst/>
+                <a:latin typeface="맑은 고딕" panose="020B0503020000020004" pitchFamily="50" charset="-127"/>
+                <a:ea typeface="맑은 고딕" panose="020B0503020000020004" pitchFamily="50" charset="-127"/>
+                <a:cs typeface="Times New Roman" panose="02020603050405020304" pitchFamily="18" charset="0"/>
+              </a:rPr>
+              <a:t>.</a:t>
+            </a:r>
+          </a:p>
+        </p:txBody>
+      </p:sp>
+      <p:sp>
+        <p:nvSpPr>
+          <p:cNvPr id="4" name="슬라이드 번호 개체 틀 3"/>
+          <p:cNvSpPr>
+            <a:spLocks noGrp="1"/>
+          </p:cNvSpPr>
+          <p:nvPr>
+            <p:ph type="sldNum" sz="quarter" idx="5"/>
+          </p:nvPr>
+        </p:nvSpPr>
+        <p:spPr/>
+        <p:txBody>
+          <a:bodyPr/>
+          <a:lstStyle/>
+          <a:p>
+            <a:fld id="{CFEC5C64-9846-41DF-88A9-FAC22ECF479C}" type="slidenum">
+              <a:rPr lang="ko-KR" altLang="en-US" smtClean="0"/>
+              <a:t>15</a:t>
+            </a:fld>
+            <a:endParaRPr lang="ko-KR" altLang="en-US"/>
+          </a:p>
+        </p:txBody>
+      </p:sp>
+    </p:spTree>
+    <p:extLst>
+      <p:ext uri="{BB962C8B-B14F-4D97-AF65-F5344CB8AC3E}">
+        <p14:creationId xmlns:p14="http://schemas.microsoft.com/office/powerpoint/2010/main" val="2099295813"/>
+      </p:ext>
+    </p:extLst>
+  </p:cSld>
+  <p:clrMapOvr>
+    <a:masterClrMapping/>
+  </p:clrMapOvr>
+</p:notes>
+</file>
+
+<file path=ppt/notesSlides/notesSlide16.xml><?xml version="1.0" encoding="utf-8"?>
+<p:notes xmlns:a="http://schemas.openxmlformats.org/drawingml/2006/main" xmlns:r="http://schemas.openxmlformats.org/officeDocument/2006/relationships" xmlns:p="http://schemas.openxmlformats.org/presentationml/2006/main">
+  <p:cSld>
+    <p:spTree>
+      <p:nvGrpSpPr>
+        <p:cNvPr id="1" name=""/>
+        <p:cNvGrpSpPr/>
+        <p:nvPr/>
+      </p:nvGrpSpPr>
+      <p:grpSpPr>
+        <a:xfrm>
+          <a:off x="0" y="0"/>
+          <a:ext cx="0" cy="0"/>
+          <a:chOff x="0" y="0"/>
+          <a:chExt cx="0" cy="0"/>
+        </a:xfrm>
+      </p:grpSpPr>
+      <p:sp>
+        <p:nvSpPr>
+          <p:cNvPr id="2" name="슬라이드 이미지 개체 틀 1"/>
+          <p:cNvSpPr>
+            <a:spLocks noGrp="1" noRot="1" noChangeAspect="1"/>
+          </p:cNvSpPr>
+          <p:nvPr>
+            <p:ph type="sldImg"/>
+          </p:nvPr>
+        </p:nvSpPr>
+        <p:spPr/>
+      </p:sp>
+      <p:sp>
+        <p:nvSpPr>
+          <p:cNvPr id="3" name="슬라이드 노트 개체 틀 2"/>
+          <p:cNvSpPr>
+            <a:spLocks noGrp="1"/>
+          </p:cNvSpPr>
+          <p:nvPr>
+            <p:ph type="body" idx="1"/>
+          </p:nvPr>
+        </p:nvSpPr>
+        <p:spPr/>
+        <p:txBody>
+          <a:bodyPr/>
+          <a:lstStyle/>
+          <a:p>
+            <a:pPr algn="just" latinLnBrk="1">
+              <a:lnSpc>
+                <a:spcPct val="107000"/>
+              </a:lnSpc>
+              <a:spcAft>
+                <a:spcPts val="800"/>
+              </a:spcAft>
+            </a:pPr>
+            <a:r>
+              <a:rPr lang="ko-KR" altLang="en-US" sz="1800" kern="100" dirty="0">
+                <a:effectLst/>
+                <a:latin typeface="맑은 고딕" panose="020B0503020000020004" pitchFamily="50" charset="-127"/>
+                <a:ea typeface="맑은 고딕" panose="020B0503020000020004" pitchFamily="50" charset="-127"/>
+                <a:cs typeface="Times New Roman" panose="02020603050405020304" pitchFamily="18" charset="0"/>
+              </a:rPr>
+              <a:t>마지막으로 저희 프로젝트의 현재 진행 과정은 이와 같습니다</a:t>
+            </a:r>
+            <a:r>
+              <a:rPr lang="en-US" altLang="ko-KR" sz="1800" kern="100" dirty="0">
+                <a:effectLst/>
+                <a:latin typeface="맑은 고딕" panose="020B0503020000020004" pitchFamily="50" charset="-127"/>
+                <a:ea typeface="맑은 고딕" panose="020B0503020000020004" pitchFamily="50" charset="-127"/>
+                <a:cs typeface="Times New Roman" panose="02020603050405020304" pitchFamily="18" charset="0"/>
+              </a:rPr>
+              <a:t>.</a:t>
+            </a:r>
+          </a:p>
+          <a:p>
+            <a:pPr algn="just" latinLnBrk="1">
+              <a:lnSpc>
+                <a:spcPct val="107000"/>
+              </a:lnSpc>
+              <a:spcAft>
+                <a:spcPts val="800"/>
+              </a:spcAft>
+            </a:pPr>
+            <a:r>
+              <a:rPr lang="ko-KR" altLang="en-US" sz="1800" kern="100" dirty="0">
+                <a:effectLst/>
+                <a:latin typeface="맑은 고딕" panose="020B0503020000020004" pitchFamily="50" charset="-127"/>
+                <a:ea typeface="맑은 고딕" panose="020B0503020000020004" pitchFamily="50" charset="-127"/>
+                <a:cs typeface="Times New Roman" panose="02020603050405020304" pitchFamily="18" charset="0"/>
+              </a:rPr>
+              <a:t>앞으로 데이터베이스와 서비스 플랫폼을 설계하여 이들을 원활하게 연결함으로써 저희가 목표했던 서비스를 최종 개발하는 것이 앞으로의 계획입니다</a:t>
+            </a:r>
+            <a:r>
+              <a:rPr lang="en-US" altLang="ko-KR" sz="1800" kern="100" dirty="0">
+                <a:effectLst/>
+                <a:latin typeface="맑은 고딕" panose="020B0503020000020004" pitchFamily="50" charset="-127"/>
+                <a:ea typeface="맑은 고딕" panose="020B0503020000020004" pitchFamily="50" charset="-127"/>
+                <a:cs typeface="Times New Roman" panose="02020603050405020304" pitchFamily="18" charset="0"/>
+              </a:rPr>
+              <a:t>.</a:t>
+            </a:r>
+          </a:p>
+        </p:txBody>
+      </p:sp>
+      <p:sp>
+        <p:nvSpPr>
+          <p:cNvPr id="4" name="슬라이드 번호 개체 틀 3"/>
+          <p:cNvSpPr>
+            <a:spLocks noGrp="1"/>
+          </p:cNvSpPr>
+          <p:nvPr>
+            <p:ph type="sldNum" sz="quarter" idx="5"/>
+          </p:nvPr>
+        </p:nvSpPr>
+        <p:spPr/>
+        <p:txBody>
+          <a:bodyPr/>
+          <a:lstStyle/>
+          <a:p>
+            <a:fld id="{CFEC5C64-9846-41DF-88A9-FAC22ECF479C}" type="slidenum">
+              <a:rPr lang="ko-KR" altLang="en-US" smtClean="0"/>
+              <a:t>16</a:t>
+            </a:fld>
+            <a:endParaRPr lang="ko-KR" altLang="en-US"/>
+          </a:p>
+        </p:txBody>
+      </p:sp>
+    </p:spTree>
+    <p:extLst>
+      <p:ext uri="{BB962C8B-B14F-4D97-AF65-F5344CB8AC3E}">
+        <p14:creationId xmlns:p14="http://schemas.microsoft.com/office/powerpoint/2010/main" val="4093523170"/>
+      </p:ext>
+    </p:extLst>
+  </p:cSld>
+  <p:clrMapOvr>
+    <a:masterClrMapping/>
+  </p:clrMapOvr>
+</p:notes>
+</file>
+
+<file path=ppt/notesSlides/notesSlide17.xml><?xml version="1.0" encoding="utf-8"?>
+<p:notes xmlns:a="http://schemas.openxmlformats.org/drawingml/2006/main" xmlns:r="http://schemas.openxmlformats.org/officeDocument/2006/relationships" xmlns:p="http://schemas.openxmlformats.org/presentationml/2006/main">
+  <p:cSld>
+    <p:spTree>
+      <p:nvGrpSpPr>
+        <p:cNvPr id="1" name=""/>
+        <p:cNvGrpSpPr/>
+        <p:nvPr/>
+      </p:nvGrpSpPr>
+      <p:grpSpPr>
+        <a:xfrm>
+          <a:off x="0" y="0"/>
+          <a:ext cx="0" cy="0"/>
+          <a:chOff x="0" y="0"/>
+          <a:chExt cx="0" cy="0"/>
+        </a:xfrm>
+      </p:grpSpPr>
+      <p:sp>
+        <p:nvSpPr>
+          <p:cNvPr id="2" name="슬라이드 이미지 개체 틀 1"/>
+          <p:cNvSpPr>
+            <a:spLocks noGrp="1" noRot="1" noChangeAspect="1"/>
+          </p:cNvSpPr>
+          <p:nvPr>
+            <p:ph type="sldImg"/>
+          </p:nvPr>
+        </p:nvSpPr>
+        <p:spPr/>
+      </p:sp>
+      <p:sp>
+        <p:nvSpPr>
+          <p:cNvPr id="3" name="슬라이드 노트 개체 틀 2"/>
+          <p:cNvSpPr>
+            <a:spLocks noGrp="1"/>
+          </p:cNvSpPr>
+          <p:nvPr>
+            <p:ph type="body" idx="1"/>
+          </p:nvPr>
+        </p:nvSpPr>
+        <p:spPr/>
+        <p:txBody>
+          <a:bodyPr/>
+          <a:lstStyle/>
+          <a:p>
+            <a:pPr algn="just" latinLnBrk="1">
+              <a:lnSpc>
+                <a:spcPct val="107000"/>
+              </a:lnSpc>
+              <a:spcAft>
+                <a:spcPts val="800"/>
+              </a:spcAft>
+            </a:pPr>
+            <a:r>
+              <a:rPr lang="ko-KR" altLang="en-US" sz="1800" kern="100" dirty="0">
+                <a:effectLst/>
+                <a:latin typeface="맑은 고딕" panose="020B0503020000020004" pitchFamily="50" charset="-127"/>
+                <a:ea typeface="맑은 고딕" panose="020B0503020000020004" pitchFamily="50" charset="-127"/>
+                <a:cs typeface="Times New Roman" panose="02020603050405020304" pitchFamily="18" charset="0"/>
+              </a:rPr>
+              <a:t>지금까지 </a:t>
+            </a:r>
+            <a:r>
+              <a:rPr lang="en-US" altLang="ko-KR" sz="1800" kern="100" dirty="0">
+                <a:effectLst/>
+                <a:latin typeface="맑은 고딕" panose="020B0503020000020004" pitchFamily="50" charset="-127"/>
+                <a:ea typeface="맑은 고딕" panose="020B0503020000020004" pitchFamily="50" charset="-127"/>
+                <a:cs typeface="Times New Roman" panose="02020603050405020304" pitchFamily="18" charset="0"/>
+              </a:rPr>
+              <a:t>Team 1</a:t>
+            </a:r>
+            <a:r>
+              <a:rPr lang="ko-KR" altLang="en-US" sz="1800" kern="100" dirty="0">
+                <a:effectLst/>
+                <a:latin typeface="맑은 고딕" panose="020B0503020000020004" pitchFamily="50" charset="-127"/>
+                <a:ea typeface="맑은 고딕" panose="020B0503020000020004" pitchFamily="50" charset="-127"/>
+                <a:cs typeface="Times New Roman" panose="02020603050405020304" pitchFamily="18" charset="0"/>
+              </a:rPr>
+              <a:t>의 중간 발표 마치겠습니다</a:t>
+            </a:r>
+            <a:r>
+              <a:rPr lang="en-US" altLang="ko-KR" sz="1800" kern="100" dirty="0">
+                <a:effectLst/>
+                <a:latin typeface="맑은 고딕" panose="020B0503020000020004" pitchFamily="50" charset="-127"/>
+                <a:ea typeface="맑은 고딕" panose="020B0503020000020004" pitchFamily="50" charset="-127"/>
+                <a:cs typeface="Times New Roman" panose="02020603050405020304" pitchFamily="18" charset="0"/>
+              </a:rPr>
+              <a:t>.</a:t>
+            </a:r>
+          </a:p>
+          <a:p>
+            <a:pPr algn="just" latinLnBrk="1">
+              <a:lnSpc>
+                <a:spcPct val="107000"/>
+              </a:lnSpc>
+              <a:spcAft>
+                <a:spcPts val="800"/>
+              </a:spcAft>
+            </a:pPr>
+            <a:r>
+              <a:rPr lang="ko-KR" altLang="en-US" sz="1800" kern="100" dirty="0">
+                <a:effectLst/>
+                <a:latin typeface="맑은 고딕" panose="020B0503020000020004" pitchFamily="50" charset="-127"/>
+                <a:ea typeface="맑은 고딕" panose="020B0503020000020004" pitchFamily="50" charset="-127"/>
+                <a:cs typeface="Times New Roman" panose="02020603050405020304" pitchFamily="18" charset="0"/>
+              </a:rPr>
+              <a:t>감사합니다</a:t>
+            </a:r>
+            <a:r>
+              <a:rPr lang="en-US" altLang="ko-KR" sz="1800" kern="100" dirty="0">
+                <a:effectLst/>
+                <a:latin typeface="맑은 고딕" panose="020B0503020000020004" pitchFamily="50" charset="-127"/>
+                <a:ea typeface="맑은 고딕" panose="020B0503020000020004" pitchFamily="50" charset="-127"/>
+                <a:cs typeface="Times New Roman" panose="02020603050405020304" pitchFamily="18" charset="0"/>
+              </a:rPr>
+              <a:t>.</a:t>
+            </a:r>
+          </a:p>
+        </p:txBody>
+      </p:sp>
+      <p:sp>
+        <p:nvSpPr>
+          <p:cNvPr id="4" name="슬라이드 번호 개체 틀 3"/>
+          <p:cNvSpPr>
+            <a:spLocks noGrp="1"/>
+          </p:cNvSpPr>
+          <p:nvPr>
+            <p:ph type="sldNum" sz="quarter" idx="5"/>
+          </p:nvPr>
+        </p:nvSpPr>
+        <p:spPr/>
+        <p:txBody>
+          <a:bodyPr/>
+          <a:lstStyle/>
+          <a:p>
+            <a:fld id="{CFEC5C64-9846-41DF-88A9-FAC22ECF479C}" type="slidenum">
+              <a:rPr lang="ko-KR" altLang="en-US" smtClean="0"/>
+              <a:t>17</a:t>
+            </a:fld>
+            <a:endParaRPr lang="ko-KR" altLang="en-US"/>
+          </a:p>
+        </p:txBody>
+      </p:sp>
+    </p:spTree>
+    <p:extLst>
+      <p:ext uri="{BB962C8B-B14F-4D97-AF65-F5344CB8AC3E}">
+        <p14:creationId xmlns:p14="http://schemas.microsoft.com/office/powerpoint/2010/main" val="2900098115"/>
       </p:ext>
     </p:extLst>
   </p:cSld>
@@ -4930,7 +5461,7 @@
           <a:p>
             <a:fld id="{7197A083-76BA-49CA-BB32-BD7943E08EBB}" type="datetime1">
               <a:rPr lang="ko-KR" altLang="en-US" smtClean="0"/>
-              <a:t>2020-10-26</a:t>
+              <a:t>2020-10-27</a:t>
             </a:fld>
             <a:endParaRPr lang="ko-KR" altLang="en-US"/>
           </a:p>
@@ -5170,7 +5701,7 @@
           <a:p>
             <a:fld id="{51BD7EAD-C81D-4805-8039-C3D3B9DD6EC1}" type="datetime1">
               <a:rPr lang="ko-KR" altLang="en-US" smtClean="0"/>
-              <a:t>2020-10-26</a:t>
+              <a:t>2020-10-27</a:t>
             </a:fld>
             <a:endParaRPr lang="ko-KR" altLang="en-US"/>
           </a:p>
@@ -5413,7 +5944,7 @@
           <a:p>
             <a:fld id="{6ED4B718-156F-4F1B-AF1E-F81FDBE32FE9}" type="datetime1">
               <a:rPr lang="ko-KR" altLang="en-US" smtClean="0"/>
-              <a:t>2020-10-26</a:t>
+              <a:t>2020-10-27</a:t>
             </a:fld>
             <a:endParaRPr lang="ko-KR" altLang="en-US"/>
           </a:p>
@@ -5646,7 +6177,7 @@
           <a:p>
             <a:fld id="{1170B75A-FA6C-4151-ADE2-F942388B6A78}" type="datetime1">
               <a:rPr lang="ko-KR" altLang="en-US" smtClean="0"/>
-              <a:t>2020-10-26</a:t>
+              <a:t>2020-10-27</a:t>
             </a:fld>
             <a:endParaRPr lang="ko-KR" altLang="en-US"/>
           </a:p>
@@ -5956,7 +6487,7 @@
           <a:p>
             <a:fld id="{3BD28081-0DFE-4CC6-9E7F-2F9EF6B0B7B7}" type="datetime1">
               <a:rPr lang="ko-KR" altLang="en-US" smtClean="0"/>
-              <a:t>2020-10-26</a:t>
+              <a:t>2020-10-27</a:t>
             </a:fld>
             <a:endParaRPr lang="ko-KR" altLang="en-US"/>
           </a:p>
@@ -6256,7 +6787,7 @@
           <a:p>
             <a:fld id="{AF44C2A0-723E-4DFD-B5A2-B62A0B8CF913}" type="datetime1">
               <a:rPr lang="ko-KR" altLang="en-US" smtClean="0"/>
-              <a:t>2020-10-26</a:t>
+              <a:t>2020-10-27</a:t>
             </a:fld>
             <a:endParaRPr lang="ko-KR" altLang="en-US"/>
           </a:p>
@@ -6703,7 +7234,7 @@
           <a:p>
             <a:fld id="{3D7A3139-C291-4F6D-B506-80349A2CE843}" type="datetime1">
               <a:rPr lang="ko-KR" altLang="en-US" smtClean="0"/>
-              <a:t>2020-10-26</a:t>
+              <a:t>2020-10-27</a:t>
             </a:fld>
             <a:endParaRPr lang="ko-KR" altLang="en-US"/>
           </a:p>
@@ -6879,7 +7410,7 @@
           <a:p>
             <a:fld id="{AC3A54A4-1D9A-4EA4-83C9-032C7558E97A}" type="datetime1">
               <a:rPr lang="ko-KR" altLang="en-US" smtClean="0"/>
-              <a:t>2020-10-26</a:t>
+              <a:t>2020-10-27</a:t>
             </a:fld>
             <a:endParaRPr lang="ko-KR" altLang="en-US"/>
           </a:p>
@@ -7027,7 +7558,7 @@
           <a:p>
             <a:fld id="{29F12B2F-7FA6-450F-99FE-04774F19F559}" type="datetime1">
               <a:rPr lang="ko-KR" altLang="en-US" smtClean="0"/>
-              <a:t>2020-10-26</a:t>
+              <a:t>2020-10-27</a:t>
             </a:fld>
             <a:endParaRPr lang="ko-KR" altLang="en-US"/>
           </a:p>
@@ -7373,7 +7904,7 @@
           <a:p>
             <a:fld id="{F5789761-A2A5-4DD2-A541-0B2333F1A735}" type="datetime1">
               <a:rPr lang="ko-KR" altLang="en-US" smtClean="0"/>
-              <a:t>2020-10-26</a:t>
+              <a:t>2020-10-27</a:t>
             </a:fld>
             <a:endParaRPr lang="ko-KR" altLang="en-US"/>
           </a:p>
@@ -7696,7 +8227,7 @@
           <a:p>
             <a:fld id="{66B08EFB-003F-47D8-BBB5-74494BE53C42}" type="datetime1">
               <a:rPr lang="ko-KR" altLang="en-US" smtClean="0"/>
-              <a:t>2020-10-26</a:t>
+              <a:t>2020-10-27</a:t>
             </a:fld>
             <a:endParaRPr lang="ko-KR" altLang="en-US"/>
           </a:p>
@@ -7964,7 +8495,7 @@
           <a:p>
             <a:fld id="{1D56028A-F832-41DB-8E61-55343315335C}" type="datetime1">
               <a:rPr lang="ko-KR" altLang="en-US" smtClean="0"/>
-              <a:t>2020-10-26</a:t>
+              <a:t>2020-10-27</a:t>
             </a:fld>
             <a:endParaRPr lang="ko-KR" altLang="en-US"/>
           </a:p>
@@ -10592,13 +11123,13 @@
   <p:clrMapOvr>
     <a:masterClrMapping/>
   </p:clrMapOvr>
-  <mc:AlternateContent xmlns:mc="http://schemas.openxmlformats.org/markup-compatibility/2006">
-    <mc:Choice xmlns:p14="http://schemas.microsoft.com/office/powerpoint/2010/main" Requires="p14">
+  <mc:AlternateContent xmlns:mc="http://schemas.openxmlformats.org/markup-compatibility/2006" xmlns:p14="http://schemas.microsoft.com/office/powerpoint/2010/main">
+    <mc:Choice Requires="p14">
       <p:transition spd="med" p14:dur="700">
         <p:fade/>
       </p:transition>
     </mc:Choice>
-    <mc:Fallback>
+    <mc:Fallback xmlns="">
       <p:transition spd="med">
         <p:fade/>
       </p:transition>
@@ -11033,13 +11564,13 @@
   <p:clrMapOvr>
     <a:masterClrMapping/>
   </p:clrMapOvr>
-  <mc:AlternateContent xmlns:mc="http://schemas.openxmlformats.org/markup-compatibility/2006">
-    <mc:Choice xmlns:p14="http://schemas.microsoft.com/office/powerpoint/2010/main" Requires="p14">
+  <mc:AlternateContent xmlns:mc="http://schemas.openxmlformats.org/markup-compatibility/2006" xmlns:p14="http://schemas.microsoft.com/office/powerpoint/2010/main">
+    <mc:Choice Requires="p14">
       <p:transition spd="med" p14:dur="700">
         <p:fade/>
       </p:transition>
     </mc:Choice>
-    <mc:Fallback>
+    <mc:Fallback xmlns="">
       <p:transition spd="med">
         <p:fade/>
       </p:transition>
@@ -11500,13 +12031,13 @@
   <p:clrMapOvr>
     <a:masterClrMapping/>
   </p:clrMapOvr>
-  <mc:AlternateContent xmlns:mc="http://schemas.openxmlformats.org/markup-compatibility/2006">
-    <mc:Choice xmlns:p14="http://schemas.microsoft.com/office/powerpoint/2010/main" Requires="p14">
+  <mc:AlternateContent xmlns:mc="http://schemas.openxmlformats.org/markup-compatibility/2006" xmlns:p14="http://schemas.microsoft.com/office/powerpoint/2010/main">
+    <mc:Choice Requires="p14">
       <p:transition spd="med" p14:dur="700">
         <p:fade/>
       </p:transition>
     </mc:Choice>
-    <mc:Fallback>
+    <mc:Fallback xmlns="">
       <p:transition spd="med">
         <p:fade/>
       </p:transition>
@@ -11967,13 +12498,1277 @@
   <p:clrMapOvr>
     <a:masterClrMapping/>
   </p:clrMapOvr>
-  <mc:AlternateContent xmlns:mc="http://schemas.openxmlformats.org/markup-compatibility/2006">
-    <mc:Choice xmlns:p14="http://schemas.microsoft.com/office/powerpoint/2010/main" Requires="p14">
+  <mc:AlternateContent xmlns:mc="http://schemas.openxmlformats.org/markup-compatibility/2006" xmlns:p14="http://schemas.microsoft.com/office/powerpoint/2010/main">
+    <mc:Choice Requires="p14">
       <p:transition spd="med" p14:dur="700">
         <p:fade/>
       </p:transition>
     </mc:Choice>
-    <mc:Fallback>
+    <mc:Fallback xmlns="">
+      <p:transition spd="med">
+        <p:fade/>
+      </p:transition>
+    </mc:Fallback>
+  </mc:AlternateContent>
+</p:sld>
+</file>
+
+<file path=ppt/slides/slide15.xml><?xml version="1.0" encoding="utf-8"?>
+<p:sld xmlns:a="http://schemas.openxmlformats.org/drawingml/2006/main" xmlns:r="http://schemas.openxmlformats.org/officeDocument/2006/relationships" xmlns:p="http://schemas.openxmlformats.org/presentationml/2006/main">
+  <p:cSld>
+    <p:spTree>
+      <p:nvGrpSpPr>
+        <p:cNvPr id="1" name=""/>
+        <p:cNvGrpSpPr/>
+        <p:nvPr/>
+      </p:nvGrpSpPr>
+      <p:grpSpPr>
+        <a:xfrm>
+          <a:off x="0" y="0"/>
+          <a:ext cx="0" cy="0"/>
+          <a:chOff x="0" y="0"/>
+          <a:chExt cx="0" cy="0"/>
+        </a:xfrm>
+      </p:grpSpPr>
+      <p:sp>
+        <p:nvSpPr>
+          <p:cNvPr id="4" name="TextBox 3">
+            <a:extLst>
+              <a:ext uri="{FF2B5EF4-FFF2-40B4-BE49-F238E27FC236}">
+                <a16:creationId xmlns:a16="http://schemas.microsoft.com/office/drawing/2014/main" id="{6AAAD052-7018-4B5E-ACE0-B4B9B5DADAA8}"/>
+              </a:ext>
+            </a:extLst>
+          </p:cNvPr>
+          <p:cNvSpPr txBox="1"/>
+          <p:nvPr/>
+        </p:nvSpPr>
+        <p:spPr>
+          <a:xfrm>
+            <a:off x="11545145" y="6453051"/>
+            <a:ext cx="559769" cy="307777"/>
+          </a:xfrm>
+          <a:prstGeom prst="rect">
+            <a:avLst/>
+          </a:prstGeom>
+          <a:noFill/>
+        </p:spPr>
+        <p:txBody>
+          <a:bodyPr wrap="none" rtlCol="0">
+            <a:spAutoFit/>
+          </a:bodyPr>
+          <a:lstStyle/>
+          <a:p>
+            <a:pPr algn="r"/>
+            <a:r>
+              <a:rPr lang="en-US" altLang="ko-KR" sz="1400" dirty="0">
+                <a:solidFill>
+                  <a:schemeClr val="tx1">
+                    <a:lumMod val="50000"/>
+                    <a:lumOff val="50000"/>
+                  </a:schemeClr>
+                </a:solidFill>
+                <a:latin typeface="카카오 Regular" panose="020B0600000101010101" pitchFamily="50" charset="-127"/>
+                <a:ea typeface="카카오 Regular" panose="020B0600000101010101" pitchFamily="50" charset="-127"/>
+              </a:rPr>
+              <a:t>p. 15</a:t>
+            </a:r>
+            <a:endParaRPr lang="ko-KR" altLang="en-US" sz="1400" dirty="0">
+              <a:solidFill>
+                <a:schemeClr val="tx1">
+                  <a:lumMod val="50000"/>
+                  <a:lumOff val="50000"/>
+                </a:schemeClr>
+              </a:solidFill>
+              <a:latin typeface="카카오 Regular" panose="020B0600000101010101" pitchFamily="50" charset="-127"/>
+              <a:ea typeface="카카오 Regular" panose="020B0600000101010101" pitchFamily="50" charset="-127"/>
+            </a:endParaRPr>
+          </a:p>
+        </p:txBody>
+      </p:sp>
+      <p:sp>
+        <p:nvSpPr>
+          <p:cNvPr id="5" name="TextBox 4">
+            <a:extLst>
+              <a:ext uri="{FF2B5EF4-FFF2-40B4-BE49-F238E27FC236}">
+                <a16:creationId xmlns:a16="http://schemas.microsoft.com/office/drawing/2014/main" id="{4954B042-D712-468F-8BF0-BB42376DFC5E}"/>
+              </a:ext>
+            </a:extLst>
+          </p:cNvPr>
+          <p:cNvSpPr txBox="1"/>
+          <p:nvPr/>
+        </p:nvSpPr>
+        <p:spPr>
+          <a:xfrm>
+            <a:off x="87086" y="6453051"/>
+            <a:ext cx="1356462" cy="307777"/>
+          </a:xfrm>
+          <a:prstGeom prst="rect">
+            <a:avLst/>
+          </a:prstGeom>
+          <a:noFill/>
+        </p:spPr>
+        <p:txBody>
+          <a:bodyPr wrap="none" rtlCol="0">
+            <a:spAutoFit/>
+          </a:bodyPr>
+          <a:lstStyle/>
+          <a:p>
+            <a:r>
+              <a:rPr lang="ko-KR" altLang="en-US" sz="1400" dirty="0">
+                <a:solidFill>
+                  <a:schemeClr val="tx1">
+                    <a:lumMod val="50000"/>
+                    <a:lumOff val="50000"/>
+                  </a:schemeClr>
+                </a:solidFill>
+                <a:latin typeface="카카오 Regular" panose="020B0600000101010101" pitchFamily="50" charset="-127"/>
+                <a:ea typeface="카카오 Regular" panose="020B0600000101010101" pitchFamily="50" charset="-127"/>
+              </a:rPr>
+              <a:t>오픈소스</a:t>
+            </a:r>
+            <a:r>
+              <a:rPr lang="en-US" altLang="ko-KR" sz="1400" dirty="0">
+                <a:solidFill>
+                  <a:schemeClr val="tx1">
+                    <a:lumMod val="50000"/>
+                    <a:lumOff val="50000"/>
+                  </a:schemeClr>
+                </a:solidFill>
+                <a:latin typeface="카카오 Regular" panose="020B0600000101010101" pitchFamily="50" charset="-127"/>
+                <a:ea typeface="카카오 Regular" panose="020B0600000101010101" pitchFamily="50" charset="-127"/>
+              </a:rPr>
+              <a:t>SW</a:t>
+            </a:r>
+            <a:r>
+              <a:rPr lang="ko-KR" altLang="en-US" sz="1400" dirty="0">
+                <a:solidFill>
+                  <a:schemeClr val="tx1">
+                    <a:lumMod val="50000"/>
+                    <a:lumOff val="50000"/>
+                  </a:schemeClr>
+                </a:solidFill>
+                <a:latin typeface="카카오 Regular" panose="020B0600000101010101" pitchFamily="50" charset="-127"/>
+                <a:ea typeface="카카오 Regular" panose="020B0600000101010101" pitchFamily="50" charset="-127"/>
+              </a:rPr>
+              <a:t>설계</a:t>
+            </a:r>
+          </a:p>
+        </p:txBody>
+      </p:sp>
+      <p:sp>
+        <p:nvSpPr>
+          <p:cNvPr id="6" name="TextBox 5">
+            <a:extLst>
+              <a:ext uri="{FF2B5EF4-FFF2-40B4-BE49-F238E27FC236}">
+                <a16:creationId xmlns:a16="http://schemas.microsoft.com/office/drawing/2014/main" id="{B3DB57B7-8AEA-41FC-94CD-E72818DD6FEF}"/>
+              </a:ext>
+            </a:extLst>
+          </p:cNvPr>
+          <p:cNvSpPr txBox="1"/>
+          <p:nvPr/>
+        </p:nvSpPr>
+        <p:spPr>
+          <a:xfrm>
+            <a:off x="5508339" y="6453051"/>
+            <a:ext cx="1175322" cy="307777"/>
+          </a:xfrm>
+          <a:prstGeom prst="rect">
+            <a:avLst/>
+          </a:prstGeom>
+          <a:noFill/>
+        </p:spPr>
+        <p:txBody>
+          <a:bodyPr wrap="none" rtlCol="0">
+            <a:spAutoFit/>
+          </a:bodyPr>
+          <a:lstStyle/>
+          <a:p>
+            <a:pPr algn="ctr"/>
+            <a:r>
+              <a:rPr lang="en-US" altLang="ko-KR" sz="1400" dirty="0">
+                <a:solidFill>
+                  <a:schemeClr val="tx1">
+                    <a:lumMod val="50000"/>
+                    <a:lumOff val="50000"/>
+                  </a:schemeClr>
+                </a:solidFill>
+                <a:latin typeface="카카오 Regular" panose="020B0600000101010101" pitchFamily="50" charset="-127"/>
+                <a:ea typeface="카카오 Regular" panose="020B0600000101010101" pitchFamily="50" charset="-127"/>
+              </a:rPr>
+              <a:t>2020.10.30.</a:t>
+            </a:r>
+            <a:endParaRPr lang="ko-KR" altLang="en-US" sz="1400" dirty="0">
+              <a:solidFill>
+                <a:schemeClr val="tx1">
+                  <a:lumMod val="50000"/>
+                  <a:lumOff val="50000"/>
+                </a:schemeClr>
+              </a:solidFill>
+              <a:latin typeface="카카오 Regular" panose="020B0600000101010101" pitchFamily="50" charset="-127"/>
+              <a:ea typeface="카카오 Regular" panose="020B0600000101010101" pitchFamily="50" charset="-127"/>
+            </a:endParaRPr>
+          </a:p>
+        </p:txBody>
+      </p:sp>
+      <p:sp>
+        <p:nvSpPr>
+          <p:cNvPr id="8" name="평행 사변형 7">
+            <a:extLst>
+              <a:ext uri="{FF2B5EF4-FFF2-40B4-BE49-F238E27FC236}">
+                <a16:creationId xmlns:a16="http://schemas.microsoft.com/office/drawing/2014/main" id="{32A976F4-7794-4D2A-B68C-ADE8375D6943}"/>
+              </a:ext>
+            </a:extLst>
+          </p:cNvPr>
+          <p:cNvSpPr/>
+          <p:nvPr/>
+        </p:nvSpPr>
+        <p:spPr>
+          <a:xfrm rot="21401711">
+            <a:off x="1311964" y="308491"/>
+            <a:ext cx="5467628" cy="584961"/>
+          </a:xfrm>
+          <a:prstGeom prst="parallelogram">
+            <a:avLst/>
+          </a:prstGeom>
+          <a:solidFill>
+            <a:schemeClr val="accent4">
+              <a:lumMod val="40000"/>
+              <a:lumOff val="60000"/>
+            </a:schemeClr>
+          </a:solidFill>
+          <a:ln>
+            <a:noFill/>
+          </a:ln>
+        </p:spPr>
+        <p:style>
+          <a:lnRef idx="2">
+            <a:schemeClr val="accent1">
+              <a:shade val="50000"/>
+            </a:schemeClr>
+          </a:lnRef>
+          <a:fillRef idx="1">
+            <a:schemeClr val="accent1"/>
+          </a:fillRef>
+          <a:effectRef idx="0">
+            <a:schemeClr val="accent1"/>
+          </a:effectRef>
+          <a:fontRef idx="minor">
+            <a:schemeClr val="lt1"/>
+          </a:fontRef>
+        </p:style>
+        <p:txBody>
+          <a:bodyPr rtlCol="0" anchor="ctr"/>
+          <a:lstStyle/>
+          <a:p>
+            <a:pPr algn="ctr"/>
+            <a:endParaRPr lang="ko-KR" altLang="en-US"/>
+          </a:p>
+        </p:txBody>
+      </p:sp>
+      <p:sp>
+        <p:nvSpPr>
+          <p:cNvPr id="9" name="제목 1">
+            <a:extLst>
+              <a:ext uri="{FF2B5EF4-FFF2-40B4-BE49-F238E27FC236}">
+                <a16:creationId xmlns:a16="http://schemas.microsoft.com/office/drawing/2014/main" id="{4E123F9F-CD1D-45C2-8122-E0C123E31B97}"/>
+              </a:ext>
+            </a:extLst>
+          </p:cNvPr>
+          <p:cNvSpPr txBox="1">
+            <a:spLocks/>
+          </p:cNvSpPr>
+          <p:nvPr/>
+        </p:nvSpPr>
+        <p:spPr>
+          <a:xfrm>
+            <a:off x="1296506" y="216796"/>
+            <a:ext cx="5664733" cy="832711"/>
+          </a:xfrm>
+          <a:prstGeom prst="rect">
+            <a:avLst/>
+          </a:prstGeom>
+          <a:noFill/>
+        </p:spPr>
+        <p:txBody>
+          <a:bodyPr vert="horz" lIns="91440" tIns="45720" rIns="91440" bIns="45720" rtlCol="0" anchor="ctr">
+            <a:normAutofit/>
+          </a:bodyPr>
+          <a:lstStyle>
+            <a:lvl1pPr algn="l" defTabSz="914400" rtl="0" eaLnBrk="1" latinLnBrk="1" hangingPunct="1">
+              <a:lnSpc>
+                <a:spcPct val="90000"/>
+              </a:lnSpc>
+              <a:spcBef>
+                <a:spcPct val="0"/>
+              </a:spcBef>
+              <a:buNone/>
+              <a:defRPr sz="4400" kern="1200">
+                <a:solidFill>
+                  <a:schemeClr val="tx1"/>
+                </a:solidFill>
+                <a:latin typeface="+mj-lt"/>
+                <a:ea typeface="+mj-ea"/>
+                <a:cs typeface="+mj-cs"/>
+              </a:defRPr>
+            </a:lvl1pPr>
+          </a:lstStyle>
+          <a:p>
+            <a:pPr algn="dist"/>
+            <a:r>
+              <a:rPr lang="en-US" altLang="ko-KR" dirty="0">
+                <a:solidFill>
+                  <a:schemeClr val="tx1">
+                    <a:lumMod val="85000"/>
+                    <a:lumOff val="15000"/>
+                  </a:schemeClr>
+                </a:solidFill>
+                <a:latin typeface="카카오 Regular" panose="020B0600000101010101" pitchFamily="50" charset="-127"/>
+                <a:ea typeface="카카오 Regular" panose="020B0600000101010101" pitchFamily="50" charset="-127"/>
+              </a:rPr>
+              <a:t>Service</a:t>
+            </a:r>
+            <a:r>
+              <a:rPr lang="ko-KR" altLang="en-US" dirty="0">
+                <a:solidFill>
+                  <a:schemeClr val="tx1">
+                    <a:lumMod val="85000"/>
+                    <a:lumOff val="15000"/>
+                  </a:schemeClr>
+                </a:solidFill>
+                <a:latin typeface="카카오 Regular" panose="020B0600000101010101" pitchFamily="50" charset="-127"/>
+                <a:ea typeface="카카오 Regular" panose="020B0600000101010101" pitchFamily="50" charset="-127"/>
+              </a:rPr>
+              <a:t> </a:t>
+            </a:r>
+            <a:r>
+              <a:rPr lang="en-US" altLang="ko-KR" dirty="0">
+                <a:solidFill>
+                  <a:schemeClr val="tx1">
+                    <a:lumMod val="85000"/>
+                    <a:lumOff val="15000"/>
+                  </a:schemeClr>
+                </a:solidFill>
+                <a:latin typeface="카카오 Regular" panose="020B0600000101010101" pitchFamily="50" charset="-127"/>
+                <a:ea typeface="카카오 Regular" panose="020B0600000101010101" pitchFamily="50" charset="-127"/>
+              </a:rPr>
+              <a:t>Procedure</a:t>
+            </a:r>
+            <a:endParaRPr lang="ko-KR" altLang="en-US" dirty="0">
+              <a:solidFill>
+                <a:schemeClr val="tx1">
+                  <a:lumMod val="85000"/>
+                  <a:lumOff val="15000"/>
+                </a:schemeClr>
+              </a:solidFill>
+              <a:latin typeface="카카오 Regular" panose="020B0600000101010101" pitchFamily="50" charset="-127"/>
+              <a:ea typeface="카카오 Regular" panose="020B0600000101010101" pitchFamily="50" charset="-127"/>
+            </a:endParaRPr>
+          </a:p>
+        </p:txBody>
+      </p:sp>
+      <p:sp>
+        <p:nvSpPr>
+          <p:cNvPr id="10" name="TextBox 9">
+            <a:extLst>
+              <a:ext uri="{FF2B5EF4-FFF2-40B4-BE49-F238E27FC236}">
+                <a16:creationId xmlns:a16="http://schemas.microsoft.com/office/drawing/2014/main" id="{67751F4E-1FEE-48FC-BD46-E2D190AA6A2B}"/>
+              </a:ext>
+            </a:extLst>
+          </p:cNvPr>
+          <p:cNvSpPr txBox="1"/>
+          <p:nvPr/>
+        </p:nvSpPr>
+        <p:spPr>
+          <a:xfrm>
+            <a:off x="271174" y="279208"/>
+            <a:ext cx="879564" cy="707886"/>
+          </a:xfrm>
+          <a:prstGeom prst="rect">
+            <a:avLst/>
+          </a:prstGeom>
+          <a:noFill/>
+        </p:spPr>
+        <p:txBody>
+          <a:bodyPr wrap="square" rtlCol="0">
+            <a:spAutoFit/>
+          </a:bodyPr>
+          <a:lstStyle/>
+          <a:p>
+            <a:pPr algn="dist"/>
+            <a:r>
+              <a:rPr lang="en-US" altLang="ko-KR" sz="4000" b="1" dirty="0">
+                <a:solidFill>
+                  <a:schemeClr val="bg1">
+                    <a:lumMod val="50000"/>
+                  </a:schemeClr>
+                </a:solidFill>
+                <a:latin typeface="카카오 Regular" panose="020B0600000101010101" pitchFamily="50" charset="-127"/>
+                <a:ea typeface="카카오 Regular" panose="020B0600000101010101" pitchFamily="50" charset="-127"/>
+              </a:rPr>
+              <a:t>06</a:t>
+            </a:r>
+            <a:endParaRPr lang="ko-KR" altLang="en-US" sz="4000" b="1" dirty="0">
+              <a:solidFill>
+                <a:schemeClr val="bg1">
+                  <a:lumMod val="50000"/>
+                </a:schemeClr>
+              </a:solidFill>
+              <a:latin typeface="카카오 Regular" panose="020B0600000101010101" pitchFamily="50" charset="-127"/>
+              <a:ea typeface="카카오 Regular" panose="020B0600000101010101" pitchFamily="50" charset="-127"/>
+            </a:endParaRPr>
+          </a:p>
+        </p:txBody>
+      </p:sp>
+      <p:pic>
+        <p:nvPicPr>
+          <p:cNvPr id="7" name="그림 6">
+            <a:extLst>
+              <a:ext uri="{FF2B5EF4-FFF2-40B4-BE49-F238E27FC236}">
+                <a16:creationId xmlns:a16="http://schemas.microsoft.com/office/drawing/2014/main" id="{E77BBC39-E7D2-4075-B181-F4DA8B685694}"/>
+              </a:ext>
+            </a:extLst>
+          </p:cNvPr>
+          <p:cNvPicPr>
+            <a:picLocks noChangeAspect="1"/>
+          </p:cNvPicPr>
+          <p:nvPr/>
+        </p:nvPicPr>
+        <p:blipFill>
+          <a:blip r:embed="rId3"/>
+          <a:stretch>
+            <a:fillRect/>
+          </a:stretch>
+        </p:blipFill>
+        <p:spPr>
+          <a:xfrm>
+            <a:off x="1932348" y="1396080"/>
+            <a:ext cx="8327303" cy="4705847"/>
+          </a:xfrm>
+          <a:prstGeom prst="rect">
+            <a:avLst/>
+          </a:prstGeom>
+        </p:spPr>
+      </p:pic>
+    </p:spTree>
+    <p:extLst>
+      <p:ext uri="{BB962C8B-B14F-4D97-AF65-F5344CB8AC3E}">
+        <p14:creationId xmlns:p14="http://schemas.microsoft.com/office/powerpoint/2010/main" val="2781598530"/>
+      </p:ext>
+    </p:extLst>
+  </p:cSld>
+  <p:clrMapOvr>
+    <a:masterClrMapping/>
+  </p:clrMapOvr>
+  <mc:AlternateContent xmlns:mc="http://schemas.openxmlformats.org/markup-compatibility/2006" xmlns:p14="http://schemas.microsoft.com/office/powerpoint/2010/main">
+    <mc:Choice Requires="p14">
+      <p:transition spd="med" p14:dur="700">
+        <p:fade/>
+      </p:transition>
+    </mc:Choice>
+    <mc:Fallback xmlns="">
+      <p:transition spd="med">
+        <p:fade/>
+      </p:transition>
+    </mc:Fallback>
+  </mc:AlternateContent>
+</p:sld>
+</file>
+
+<file path=ppt/slides/slide16.xml><?xml version="1.0" encoding="utf-8"?>
+<p:sld xmlns:a="http://schemas.openxmlformats.org/drawingml/2006/main" xmlns:r="http://schemas.openxmlformats.org/officeDocument/2006/relationships" xmlns:p="http://schemas.openxmlformats.org/presentationml/2006/main">
+  <p:cSld>
+    <p:spTree>
+      <p:nvGrpSpPr>
+        <p:cNvPr id="1" name=""/>
+        <p:cNvGrpSpPr/>
+        <p:nvPr/>
+      </p:nvGrpSpPr>
+      <p:grpSpPr>
+        <a:xfrm>
+          <a:off x="0" y="0"/>
+          <a:ext cx="0" cy="0"/>
+          <a:chOff x="0" y="0"/>
+          <a:chExt cx="0" cy="0"/>
+        </a:xfrm>
+      </p:grpSpPr>
+      <p:sp>
+        <p:nvSpPr>
+          <p:cNvPr id="4" name="TextBox 3">
+            <a:extLst>
+              <a:ext uri="{FF2B5EF4-FFF2-40B4-BE49-F238E27FC236}">
+                <a16:creationId xmlns:a16="http://schemas.microsoft.com/office/drawing/2014/main" id="{6AAAD052-7018-4B5E-ACE0-B4B9B5DADAA8}"/>
+              </a:ext>
+            </a:extLst>
+          </p:cNvPr>
+          <p:cNvSpPr txBox="1"/>
+          <p:nvPr/>
+        </p:nvSpPr>
+        <p:spPr>
+          <a:xfrm>
+            <a:off x="11541939" y="6453051"/>
+            <a:ext cx="562975" cy="307777"/>
+          </a:xfrm>
+          <a:prstGeom prst="rect">
+            <a:avLst/>
+          </a:prstGeom>
+          <a:noFill/>
+        </p:spPr>
+        <p:txBody>
+          <a:bodyPr wrap="none" rtlCol="0">
+            <a:spAutoFit/>
+          </a:bodyPr>
+          <a:lstStyle/>
+          <a:p>
+            <a:pPr algn="r"/>
+            <a:r>
+              <a:rPr lang="en-US" altLang="ko-KR" sz="1400" dirty="0">
+                <a:solidFill>
+                  <a:schemeClr val="tx1">
+                    <a:lumMod val="50000"/>
+                    <a:lumOff val="50000"/>
+                  </a:schemeClr>
+                </a:solidFill>
+                <a:latin typeface="카카오 Regular" panose="020B0600000101010101" pitchFamily="50" charset="-127"/>
+                <a:ea typeface="카카오 Regular" panose="020B0600000101010101" pitchFamily="50" charset="-127"/>
+              </a:rPr>
+              <a:t>p. 16</a:t>
+            </a:r>
+            <a:endParaRPr lang="ko-KR" altLang="en-US" sz="1400" dirty="0">
+              <a:solidFill>
+                <a:schemeClr val="tx1">
+                  <a:lumMod val="50000"/>
+                  <a:lumOff val="50000"/>
+                </a:schemeClr>
+              </a:solidFill>
+              <a:latin typeface="카카오 Regular" panose="020B0600000101010101" pitchFamily="50" charset="-127"/>
+              <a:ea typeface="카카오 Regular" panose="020B0600000101010101" pitchFamily="50" charset="-127"/>
+            </a:endParaRPr>
+          </a:p>
+        </p:txBody>
+      </p:sp>
+      <p:sp>
+        <p:nvSpPr>
+          <p:cNvPr id="5" name="TextBox 4">
+            <a:extLst>
+              <a:ext uri="{FF2B5EF4-FFF2-40B4-BE49-F238E27FC236}">
+                <a16:creationId xmlns:a16="http://schemas.microsoft.com/office/drawing/2014/main" id="{4954B042-D712-468F-8BF0-BB42376DFC5E}"/>
+              </a:ext>
+            </a:extLst>
+          </p:cNvPr>
+          <p:cNvSpPr txBox="1"/>
+          <p:nvPr/>
+        </p:nvSpPr>
+        <p:spPr>
+          <a:xfrm>
+            <a:off x="87086" y="6453051"/>
+            <a:ext cx="1356462" cy="307777"/>
+          </a:xfrm>
+          <a:prstGeom prst="rect">
+            <a:avLst/>
+          </a:prstGeom>
+          <a:noFill/>
+        </p:spPr>
+        <p:txBody>
+          <a:bodyPr wrap="none" rtlCol="0">
+            <a:spAutoFit/>
+          </a:bodyPr>
+          <a:lstStyle/>
+          <a:p>
+            <a:r>
+              <a:rPr lang="ko-KR" altLang="en-US" sz="1400" dirty="0">
+                <a:solidFill>
+                  <a:schemeClr val="tx1">
+                    <a:lumMod val="50000"/>
+                    <a:lumOff val="50000"/>
+                  </a:schemeClr>
+                </a:solidFill>
+                <a:latin typeface="카카오 Regular" panose="020B0600000101010101" pitchFamily="50" charset="-127"/>
+                <a:ea typeface="카카오 Regular" panose="020B0600000101010101" pitchFamily="50" charset="-127"/>
+              </a:rPr>
+              <a:t>오픈소스</a:t>
+            </a:r>
+            <a:r>
+              <a:rPr lang="en-US" altLang="ko-KR" sz="1400" dirty="0">
+                <a:solidFill>
+                  <a:schemeClr val="tx1">
+                    <a:lumMod val="50000"/>
+                    <a:lumOff val="50000"/>
+                  </a:schemeClr>
+                </a:solidFill>
+                <a:latin typeface="카카오 Regular" panose="020B0600000101010101" pitchFamily="50" charset="-127"/>
+                <a:ea typeface="카카오 Regular" panose="020B0600000101010101" pitchFamily="50" charset="-127"/>
+              </a:rPr>
+              <a:t>SW</a:t>
+            </a:r>
+            <a:r>
+              <a:rPr lang="ko-KR" altLang="en-US" sz="1400" dirty="0">
+                <a:solidFill>
+                  <a:schemeClr val="tx1">
+                    <a:lumMod val="50000"/>
+                    <a:lumOff val="50000"/>
+                  </a:schemeClr>
+                </a:solidFill>
+                <a:latin typeface="카카오 Regular" panose="020B0600000101010101" pitchFamily="50" charset="-127"/>
+                <a:ea typeface="카카오 Regular" panose="020B0600000101010101" pitchFamily="50" charset="-127"/>
+              </a:rPr>
+              <a:t>설계</a:t>
+            </a:r>
+          </a:p>
+        </p:txBody>
+      </p:sp>
+      <p:sp>
+        <p:nvSpPr>
+          <p:cNvPr id="6" name="TextBox 5">
+            <a:extLst>
+              <a:ext uri="{FF2B5EF4-FFF2-40B4-BE49-F238E27FC236}">
+                <a16:creationId xmlns:a16="http://schemas.microsoft.com/office/drawing/2014/main" id="{B3DB57B7-8AEA-41FC-94CD-E72818DD6FEF}"/>
+              </a:ext>
+            </a:extLst>
+          </p:cNvPr>
+          <p:cNvSpPr txBox="1"/>
+          <p:nvPr/>
+        </p:nvSpPr>
+        <p:spPr>
+          <a:xfrm>
+            <a:off x="5508339" y="6453051"/>
+            <a:ext cx="1175322" cy="307777"/>
+          </a:xfrm>
+          <a:prstGeom prst="rect">
+            <a:avLst/>
+          </a:prstGeom>
+          <a:noFill/>
+        </p:spPr>
+        <p:txBody>
+          <a:bodyPr wrap="none" rtlCol="0">
+            <a:spAutoFit/>
+          </a:bodyPr>
+          <a:lstStyle/>
+          <a:p>
+            <a:pPr algn="ctr"/>
+            <a:r>
+              <a:rPr lang="en-US" altLang="ko-KR" sz="1400" dirty="0">
+                <a:solidFill>
+                  <a:schemeClr val="tx1">
+                    <a:lumMod val="50000"/>
+                    <a:lumOff val="50000"/>
+                  </a:schemeClr>
+                </a:solidFill>
+                <a:latin typeface="카카오 Regular" panose="020B0600000101010101" pitchFamily="50" charset="-127"/>
+                <a:ea typeface="카카오 Regular" panose="020B0600000101010101" pitchFamily="50" charset="-127"/>
+              </a:rPr>
+              <a:t>2020.10.30.</a:t>
+            </a:r>
+            <a:endParaRPr lang="ko-KR" altLang="en-US" sz="1400" dirty="0">
+              <a:solidFill>
+                <a:schemeClr val="tx1">
+                  <a:lumMod val="50000"/>
+                  <a:lumOff val="50000"/>
+                </a:schemeClr>
+              </a:solidFill>
+              <a:latin typeface="카카오 Regular" panose="020B0600000101010101" pitchFamily="50" charset="-127"/>
+              <a:ea typeface="카카오 Regular" panose="020B0600000101010101" pitchFamily="50" charset="-127"/>
+            </a:endParaRPr>
+          </a:p>
+        </p:txBody>
+      </p:sp>
+      <p:sp>
+        <p:nvSpPr>
+          <p:cNvPr id="8" name="평행 사변형 7">
+            <a:extLst>
+              <a:ext uri="{FF2B5EF4-FFF2-40B4-BE49-F238E27FC236}">
+                <a16:creationId xmlns:a16="http://schemas.microsoft.com/office/drawing/2014/main" id="{32A976F4-7794-4D2A-B68C-ADE8375D6943}"/>
+              </a:ext>
+            </a:extLst>
+          </p:cNvPr>
+          <p:cNvSpPr/>
+          <p:nvPr/>
+        </p:nvSpPr>
+        <p:spPr>
+          <a:xfrm rot="21401711">
+            <a:off x="1313193" y="351064"/>
+            <a:ext cx="3990616" cy="584961"/>
+          </a:xfrm>
+          <a:prstGeom prst="parallelogram">
+            <a:avLst/>
+          </a:prstGeom>
+          <a:solidFill>
+            <a:schemeClr val="accent4">
+              <a:lumMod val="40000"/>
+              <a:lumOff val="60000"/>
+            </a:schemeClr>
+          </a:solidFill>
+          <a:ln>
+            <a:noFill/>
+          </a:ln>
+        </p:spPr>
+        <p:style>
+          <a:lnRef idx="2">
+            <a:schemeClr val="accent1">
+              <a:shade val="50000"/>
+            </a:schemeClr>
+          </a:lnRef>
+          <a:fillRef idx="1">
+            <a:schemeClr val="accent1"/>
+          </a:fillRef>
+          <a:effectRef idx="0">
+            <a:schemeClr val="accent1"/>
+          </a:effectRef>
+          <a:fontRef idx="minor">
+            <a:schemeClr val="lt1"/>
+          </a:fontRef>
+        </p:style>
+        <p:txBody>
+          <a:bodyPr rtlCol="0" anchor="ctr"/>
+          <a:lstStyle/>
+          <a:p>
+            <a:pPr algn="ctr"/>
+            <a:endParaRPr lang="ko-KR" altLang="en-US"/>
+          </a:p>
+        </p:txBody>
+      </p:sp>
+      <p:sp>
+        <p:nvSpPr>
+          <p:cNvPr id="9" name="제목 1">
+            <a:extLst>
+              <a:ext uri="{FF2B5EF4-FFF2-40B4-BE49-F238E27FC236}">
+                <a16:creationId xmlns:a16="http://schemas.microsoft.com/office/drawing/2014/main" id="{4E123F9F-CD1D-45C2-8122-E0C123E31B97}"/>
+              </a:ext>
+            </a:extLst>
+          </p:cNvPr>
+          <p:cNvSpPr txBox="1">
+            <a:spLocks/>
+          </p:cNvSpPr>
+          <p:nvPr/>
+        </p:nvSpPr>
+        <p:spPr>
+          <a:xfrm>
+            <a:off x="1296507" y="216796"/>
+            <a:ext cx="4134476" cy="832711"/>
+          </a:xfrm>
+          <a:prstGeom prst="rect">
+            <a:avLst/>
+          </a:prstGeom>
+          <a:noFill/>
+        </p:spPr>
+        <p:txBody>
+          <a:bodyPr vert="horz" lIns="91440" tIns="45720" rIns="91440" bIns="45720" rtlCol="0" anchor="ctr">
+            <a:normAutofit/>
+          </a:bodyPr>
+          <a:lstStyle>
+            <a:lvl1pPr algn="l" defTabSz="914400" rtl="0" eaLnBrk="1" latinLnBrk="1" hangingPunct="1">
+              <a:lnSpc>
+                <a:spcPct val="90000"/>
+              </a:lnSpc>
+              <a:spcBef>
+                <a:spcPct val="0"/>
+              </a:spcBef>
+              <a:buNone/>
+              <a:defRPr sz="4400" kern="1200">
+                <a:solidFill>
+                  <a:schemeClr val="tx1"/>
+                </a:solidFill>
+                <a:latin typeface="+mj-lt"/>
+                <a:ea typeface="+mj-ea"/>
+                <a:cs typeface="+mj-cs"/>
+              </a:defRPr>
+            </a:lvl1pPr>
+          </a:lstStyle>
+          <a:p>
+            <a:pPr algn="dist"/>
+            <a:r>
+              <a:rPr lang="en-US" altLang="ko-KR" dirty="0">
+                <a:solidFill>
+                  <a:schemeClr val="tx1">
+                    <a:lumMod val="85000"/>
+                    <a:lumOff val="15000"/>
+                  </a:schemeClr>
+                </a:solidFill>
+                <a:latin typeface="카카오 Regular" panose="020B0600000101010101" pitchFamily="50" charset="-127"/>
+                <a:ea typeface="카카오 Regular" panose="020B0600000101010101" pitchFamily="50" charset="-127"/>
+              </a:rPr>
+              <a:t>Upcoming Plan</a:t>
+            </a:r>
+            <a:endParaRPr lang="ko-KR" altLang="en-US" dirty="0">
+              <a:solidFill>
+                <a:schemeClr val="tx1">
+                  <a:lumMod val="85000"/>
+                  <a:lumOff val="15000"/>
+                </a:schemeClr>
+              </a:solidFill>
+              <a:latin typeface="카카오 Regular" panose="020B0600000101010101" pitchFamily="50" charset="-127"/>
+              <a:ea typeface="카카오 Regular" panose="020B0600000101010101" pitchFamily="50" charset="-127"/>
+            </a:endParaRPr>
+          </a:p>
+        </p:txBody>
+      </p:sp>
+      <p:sp>
+        <p:nvSpPr>
+          <p:cNvPr id="10" name="TextBox 9">
+            <a:extLst>
+              <a:ext uri="{FF2B5EF4-FFF2-40B4-BE49-F238E27FC236}">
+                <a16:creationId xmlns:a16="http://schemas.microsoft.com/office/drawing/2014/main" id="{67751F4E-1FEE-48FC-BD46-E2D190AA6A2B}"/>
+              </a:ext>
+            </a:extLst>
+          </p:cNvPr>
+          <p:cNvSpPr txBox="1"/>
+          <p:nvPr/>
+        </p:nvSpPr>
+        <p:spPr>
+          <a:xfrm>
+            <a:off x="271174" y="279208"/>
+            <a:ext cx="879564" cy="707886"/>
+          </a:xfrm>
+          <a:prstGeom prst="rect">
+            <a:avLst/>
+          </a:prstGeom>
+          <a:noFill/>
+        </p:spPr>
+        <p:txBody>
+          <a:bodyPr wrap="square" rtlCol="0">
+            <a:spAutoFit/>
+          </a:bodyPr>
+          <a:lstStyle/>
+          <a:p>
+            <a:pPr algn="dist"/>
+            <a:r>
+              <a:rPr lang="en-US" altLang="ko-KR" sz="4000" b="1" dirty="0">
+                <a:solidFill>
+                  <a:schemeClr val="bg1">
+                    <a:lumMod val="50000"/>
+                  </a:schemeClr>
+                </a:solidFill>
+                <a:latin typeface="카카오 Regular" panose="020B0600000101010101" pitchFamily="50" charset="-127"/>
+                <a:ea typeface="카카오 Regular" panose="020B0600000101010101" pitchFamily="50" charset="-127"/>
+              </a:rPr>
+              <a:t>07</a:t>
+            </a:r>
+            <a:endParaRPr lang="ko-KR" altLang="en-US" sz="4000" b="1" dirty="0">
+              <a:solidFill>
+                <a:schemeClr val="bg1">
+                  <a:lumMod val="50000"/>
+                </a:schemeClr>
+              </a:solidFill>
+              <a:latin typeface="카카오 Regular" panose="020B0600000101010101" pitchFamily="50" charset="-127"/>
+              <a:ea typeface="카카오 Regular" panose="020B0600000101010101" pitchFamily="50" charset="-127"/>
+            </a:endParaRPr>
+          </a:p>
+        </p:txBody>
+      </p:sp>
+      <p:pic>
+        <p:nvPicPr>
+          <p:cNvPr id="13" name="그림 12">
+            <a:extLst>
+              <a:ext uri="{FF2B5EF4-FFF2-40B4-BE49-F238E27FC236}">
+                <a16:creationId xmlns:a16="http://schemas.microsoft.com/office/drawing/2014/main" id="{C598EAF4-0CAF-4FC6-85D5-C80A51A54AAC}"/>
+              </a:ext>
+            </a:extLst>
+          </p:cNvPr>
+          <p:cNvPicPr>
+            <a:picLocks noChangeAspect="1"/>
+          </p:cNvPicPr>
+          <p:nvPr/>
+        </p:nvPicPr>
+        <p:blipFill>
+          <a:blip r:embed="rId3"/>
+          <a:stretch>
+            <a:fillRect/>
+          </a:stretch>
+        </p:blipFill>
+        <p:spPr>
+          <a:xfrm>
+            <a:off x="102922" y="1654915"/>
+            <a:ext cx="11986156" cy="4130314"/>
+          </a:xfrm>
+          <a:prstGeom prst="rect">
+            <a:avLst/>
+          </a:prstGeom>
+        </p:spPr>
+      </p:pic>
+    </p:spTree>
+    <p:extLst>
+      <p:ext uri="{BB962C8B-B14F-4D97-AF65-F5344CB8AC3E}">
+        <p14:creationId xmlns:p14="http://schemas.microsoft.com/office/powerpoint/2010/main" val="4241773470"/>
+      </p:ext>
+    </p:extLst>
+  </p:cSld>
+  <p:clrMapOvr>
+    <a:masterClrMapping/>
+  </p:clrMapOvr>
+  <mc:AlternateContent xmlns:mc="http://schemas.openxmlformats.org/markup-compatibility/2006" xmlns:p14="http://schemas.microsoft.com/office/powerpoint/2010/main">
+    <mc:Choice Requires="p14">
+      <p:transition spd="med" p14:dur="700">
+        <p:fade/>
+      </p:transition>
+    </mc:Choice>
+    <mc:Fallback xmlns="">
+      <p:transition spd="med">
+        <p:fade/>
+      </p:transition>
+    </mc:Fallback>
+  </mc:AlternateContent>
+</p:sld>
+</file>
+
+<file path=ppt/slides/slide17.xml><?xml version="1.0" encoding="utf-8"?>
+<p:sld xmlns:a="http://schemas.openxmlformats.org/drawingml/2006/main" xmlns:r="http://schemas.openxmlformats.org/officeDocument/2006/relationships" xmlns:p="http://schemas.openxmlformats.org/presentationml/2006/main">
+  <p:cSld>
+    <p:spTree>
+      <p:nvGrpSpPr>
+        <p:cNvPr id="1" name=""/>
+        <p:cNvGrpSpPr/>
+        <p:nvPr/>
+      </p:nvGrpSpPr>
+      <p:grpSpPr>
+        <a:xfrm>
+          <a:off x="0" y="0"/>
+          <a:ext cx="0" cy="0"/>
+          <a:chOff x="0" y="0"/>
+          <a:chExt cx="0" cy="0"/>
+        </a:xfrm>
+      </p:grpSpPr>
+      <p:grpSp>
+        <p:nvGrpSpPr>
+          <p:cNvPr id="14" name="그룹 13">
+            <a:extLst>
+              <a:ext uri="{FF2B5EF4-FFF2-40B4-BE49-F238E27FC236}">
+                <a16:creationId xmlns:a16="http://schemas.microsoft.com/office/drawing/2014/main" id="{B91C2795-A13D-41C5-9297-D1321EBCDC8C}"/>
+              </a:ext>
+            </a:extLst>
+          </p:cNvPr>
+          <p:cNvGrpSpPr/>
+          <p:nvPr/>
+        </p:nvGrpSpPr>
+        <p:grpSpPr>
+          <a:xfrm>
+            <a:off x="3613594" y="1975252"/>
+            <a:ext cx="4964812" cy="2907496"/>
+            <a:chOff x="3613594" y="1887506"/>
+            <a:chExt cx="4964812" cy="2907496"/>
+          </a:xfrm>
+        </p:grpSpPr>
+        <p:grpSp>
+          <p:nvGrpSpPr>
+            <p:cNvPr id="2" name="그룹 1">
+              <a:extLst>
+                <a:ext uri="{FF2B5EF4-FFF2-40B4-BE49-F238E27FC236}">
+                  <a16:creationId xmlns:a16="http://schemas.microsoft.com/office/drawing/2014/main" id="{4C5023B3-CBC1-4630-919D-97A70213631B}"/>
+                </a:ext>
+              </a:extLst>
+            </p:cNvPr>
+            <p:cNvGrpSpPr/>
+            <p:nvPr/>
+          </p:nvGrpSpPr>
+          <p:grpSpPr>
+            <a:xfrm>
+              <a:off x="4028762" y="3962291"/>
+              <a:ext cx="4134476" cy="832711"/>
+              <a:chOff x="3827272" y="2839923"/>
+              <a:chExt cx="4134476" cy="832711"/>
+            </a:xfrm>
+          </p:grpSpPr>
+          <p:sp>
+            <p:nvSpPr>
+              <p:cNvPr id="8" name="평행 사변형 7">
+                <a:extLst>
+                  <a:ext uri="{FF2B5EF4-FFF2-40B4-BE49-F238E27FC236}">
+                    <a16:creationId xmlns:a16="http://schemas.microsoft.com/office/drawing/2014/main" id="{32A976F4-7794-4D2A-B68C-ADE8375D6943}"/>
+                  </a:ext>
+                </a:extLst>
+              </p:cNvPr>
+              <p:cNvSpPr/>
+              <p:nvPr/>
+            </p:nvSpPr>
+            <p:spPr>
+              <a:xfrm rot="21401711">
+                <a:off x="3843958" y="2974191"/>
+                <a:ext cx="3990616" cy="584961"/>
+              </a:xfrm>
+              <a:prstGeom prst="parallelogram">
+                <a:avLst/>
+              </a:prstGeom>
+              <a:solidFill>
+                <a:schemeClr val="accent4">
+                  <a:lumMod val="40000"/>
+                  <a:lumOff val="60000"/>
+                </a:schemeClr>
+              </a:solidFill>
+              <a:ln>
+                <a:noFill/>
+              </a:ln>
+            </p:spPr>
+            <p:style>
+              <a:lnRef idx="2">
+                <a:schemeClr val="accent1">
+                  <a:shade val="50000"/>
+                </a:schemeClr>
+              </a:lnRef>
+              <a:fillRef idx="1">
+                <a:schemeClr val="accent1"/>
+              </a:fillRef>
+              <a:effectRef idx="0">
+                <a:schemeClr val="accent1"/>
+              </a:effectRef>
+              <a:fontRef idx="minor">
+                <a:schemeClr val="lt1"/>
+              </a:fontRef>
+            </p:style>
+            <p:txBody>
+              <a:bodyPr rtlCol="0" anchor="ctr"/>
+              <a:lstStyle/>
+              <a:p>
+                <a:pPr algn="ctr"/>
+                <a:endParaRPr lang="ko-KR" altLang="en-US"/>
+              </a:p>
+            </p:txBody>
+          </p:sp>
+          <p:sp>
+            <p:nvSpPr>
+              <p:cNvPr id="9" name="제목 1">
+                <a:extLst>
+                  <a:ext uri="{FF2B5EF4-FFF2-40B4-BE49-F238E27FC236}">
+                    <a16:creationId xmlns:a16="http://schemas.microsoft.com/office/drawing/2014/main" id="{4E123F9F-CD1D-45C2-8122-E0C123E31B97}"/>
+                  </a:ext>
+                </a:extLst>
+              </p:cNvPr>
+              <p:cNvSpPr txBox="1">
+                <a:spLocks/>
+              </p:cNvSpPr>
+              <p:nvPr/>
+            </p:nvSpPr>
+            <p:spPr>
+              <a:xfrm>
+                <a:off x="3827272" y="2839923"/>
+                <a:ext cx="4134476" cy="832711"/>
+              </a:xfrm>
+              <a:prstGeom prst="rect">
+                <a:avLst/>
+              </a:prstGeom>
+              <a:noFill/>
+            </p:spPr>
+            <p:txBody>
+              <a:bodyPr vert="horz" lIns="91440" tIns="45720" rIns="91440" bIns="45720" rtlCol="0" anchor="ctr">
+                <a:normAutofit/>
+              </a:bodyPr>
+              <a:lstStyle>
+                <a:lvl1pPr algn="l" defTabSz="914400" rtl="0" eaLnBrk="1" latinLnBrk="1" hangingPunct="1">
+                  <a:lnSpc>
+                    <a:spcPct val="90000"/>
+                  </a:lnSpc>
+                  <a:spcBef>
+                    <a:spcPct val="0"/>
+                  </a:spcBef>
+                  <a:buNone/>
+                  <a:defRPr sz="4400" kern="1200">
+                    <a:solidFill>
+                      <a:schemeClr val="tx1"/>
+                    </a:solidFill>
+                    <a:latin typeface="+mj-lt"/>
+                    <a:ea typeface="+mj-ea"/>
+                    <a:cs typeface="+mj-cs"/>
+                  </a:defRPr>
+                </a:lvl1pPr>
+              </a:lstStyle>
+              <a:p>
+                <a:pPr algn="dist"/>
+                <a:r>
+                  <a:rPr lang="ko-KR" altLang="en-US" dirty="0">
+                    <a:solidFill>
+                      <a:schemeClr val="tx1">
+                        <a:lumMod val="85000"/>
+                        <a:lumOff val="15000"/>
+                      </a:schemeClr>
+                    </a:solidFill>
+                    <a:latin typeface="카카오 Regular" panose="020B0600000101010101" pitchFamily="50" charset="-127"/>
+                    <a:ea typeface="카카오 Regular" panose="020B0600000101010101" pitchFamily="50" charset="-127"/>
+                  </a:rPr>
+                  <a:t>감사합니다</a:t>
+                </a:r>
+              </a:p>
+            </p:txBody>
+          </p:sp>
+        </p:grpSp>
+        <p:grpSp>
+          <p:nvGrpSpPr>
+            <p:cNvPr id="3" name="그룹 2">
+              <a:extLst>
+                <a:ext uri="{FF2B5EF4-FFF2-40B4-BE49-F238E27FC236}">
+                  <a16:creationId xmlns:a16="http://schemas.microsoft.com/office/drawing/2014/main" id="{EF6BC996-8F2F-4E37-9FB9-791F1E4369D9}"/>
+                </a:ext>
+              </a:extLst>
+            </p:cNvPr>
+            <p:cNvGrpSpPr/>
+            <p:nvPr/>
+          </p:nvGrpSpPr>
+          <p:grpSpPr>
+            <a:xfrm>
+              <a:off x="3613594" y="1887506"/>
+              <a:ext cx="4964812" cy="1826659"/>
+              <a:chOff x="3167742" y="1784758"/>
+              <a:chExt cx="5856514" cy="2154735"/>
+            </a:xfrm>
+          </p:grpSpPr>
+          <p:sp>
+            <p:nvSpPr>
+              <p:cNvPr id="11" name="직사각형 10">
+                <a:extLst>
+                  <a:ext uri="{FF2B5EF4-FFF2-40B4-BE49-F238E27FC236}">
+                    <a16:creationId xmlns:a16="http://schemas.microsoft.com/office/drawing/2014/main" id="{5592D153-0D67-4B62-B14D-846CCB92C3EB}"/>
+                  </a:ext>
+                </a:extLst>
+              </p:cNvPr>
+              <p:cNvSpPr/>
+              <p:nvPr/>
+            </p:nvSpPr>
+            <p:spPr>
+              <a:xfrm>
+                <a:off x="7343502" y="1784758"/>
+                <a:ext cx="1680754" cy="1680754"/>
+              </a:xfrm>
+              <a:prstGeom prst="rect">
+                <a:avLst/>
+              </a:prstGeom>
+              <a:noFill/>
+              <a:ln w="57150">
+                <a:solidFill>
+                  <a:schemeClr val="accent4"/>
+                </a:solidFill>
+              </a:ln>
+            </p:spPr>
+            <p:style>
+              <a:lnRef idx="2">
+                <a:schemeClr val="accent1">
+                  <a:shade val="50000"/>
+                </a:schemeClr>
+              </a:lnRef>
+              <a:fillRef idx="1">
+                <a:schemeClr val="accent1"/>
+              </a:fillRef>
+              <a:effectRef idx="0">
+                <a:schemeClr val="accent1"/>
+              </a:effectRef>
+              <a:fontRef idx="minor">
+                <a:schemeClr val="lt1"/>
+              </a:fontRef>
+            </p:style>
+            <p:txBody>
+              <a:bodyPr rtlCol="0" anchor="ctr"/>
+              <a:lstStyle/>
+              <a:p>
+                <a:pPr algn="ctr"/>
+                <a:endParaRPr lang="ko-KR" altLang="en-US"/>
+              </a:p>
+            </p:txBody>
+          </p:sp>
+          <p:sp>
+            <p:nvSpPr>
+              <p:cNvPr id="12" name="제목 1">
+                <a:extLst>
+                  <a:ext uri="{FF2B5EF4-FFF2-40B4-BE49-F238E27FC236}">
+                    <a16:creationId xmlns:a16="http://schemas.microsoft.com/office/drawing/2014/main" id="{4B153EED-3715-4069-B6E8-794B1D396523}"/>
+                  </a:ext>
+                </a:extLst>
+              </p:cNvPr>
+              <p:cNvSpPr txBox="1">
+                <a:spLocks/>
+              </p:cNvSpPr>
+              <p:nvPr/>
+            </p:nvSpPr>
+            <p:spPr>
+              <a:xfrm>
+                <a:off x="3167742" y="2258737"/>
+                <a:ext cx="5366780" cy="1680756"/>
+              </a:xfrm>
+              <a:prstGeom prst="rect">
+                <a:avLst/>
+              </a:prstGeom>
+              <a:solidFill>
+                <a:schemeClr val="bg1"/>
+              </a:solidFill>
+            </p:spPr>
+            <p:txBody>
+              <a:bodyPr vert="horz" lIns="91440" tIns="45720" rIns="91440" bIns="45720" rtlCol="0" anchor="ctr">
+                <a:normAutofit fontScale="77500" lnSpcReduction="20000"/>
+              </a:bodyPr>
+              <a:lstStyle>
+                <a:lvl1pPr algn="l" defTabSz="914400" rtl="0" eaLnBrk="1" latinLnBrk="1" hangingPunct="1">
+                  <a:lnSpc>
+                    <a:spcPct val="90000"/>
+                  </a:lnSpc>
+                  <a:spcBef>
+                    <a:spcPct val="0"/>
+                  </a:spcBef>
+                  <a:buNone/>
+                  <a:defRPr sz="4400" kern="1200">
+                    <a:solidFill>
+                      <a:schemeClr val="tx1"/>
+                    </a:solidFill>
+                    <a:latin typeface="+mj-lt"/>
+                    <a:ea typeface="+mj-ea"/>
+                    <a:cs typeface="+mj-cs"/>
+                  </a:defRPr>
+                </a:lvl1pPr>
+              </a:lstStyle>
+              <a:p>
+                <a:pPr algn="dist">
+                  <a:lnSpc>
+                    <a:spcPct val="120000"/>
+                  </a:lnSpc>
+                </a:pPr>
+                <a:r>
+                  <a:rPr lang="en-US" altLang="ko-KR" sz="5400" dirty="0">
+                    <a:solidFill>
+                      <a:schemeClr val="tx1">
+                        <a:lumMod val="85000"/>
+                        <a:lumOff val="15000"/>
+                      </a:schemeClr>
+                    </a:solidFill>
+                    <a:latin typeface="카카오 Regular" panose="020B0600000101010101" pitchFamily="50" charset="-127"/>
+                    <a:ea typeface="카카오 Regular" panose="020B0600000101010101" pitchFamily="50" charset="-127"/>
+                  </a:rPr>
+                  <a:t>Team 1</a:t>
+                </a:r>
+              </a:p>
+              <a:p>
+                <a:pPr algn="dist">
+                  <a:lnSpc>
+                    <a:spcPct val="120000"/>
+                  </a:lnSpc>
+                </a:pPr>
+                <a:r>
+                  <a:rPr lang="ko-KR" altLang="en-US" sz="5400" dirty="0">
+                    <a:solidFill>
+                      <a:schemeClr val="tx1">
+                        <a:lumMod val="85000"/>
+                        <a:lumOff val="15000"/>
+                      </a:schemeClr>
+                    </a:solidFill>
+                    <a:latin typeface="카카오 Regular" panose="020B0600000101010101" pitchFamily="50" charset="-127"/>
+                    <a:ea typeface="카카오 Regular" panose="020B0600000101010101" pitchFamily="50" charset="-127"/>
+                  </a:rPr>
+                  <a:t>두리번두리번</a:t>
+                </a:r>
+              </a:p>
+            </p:txBody>
+          </p:sp>
+        </p:grpSp>
+      </p:grpSp>
+    </p:spTree>
+    <p:extLst>
+      <p:ext uri="{BB962C8B-B14F-4D97-AF65-F5344CB8AC3E}">
+        <p14:creationId xmlns:p14="http://schemas.microsoft.com/office/powerpoint/2010/main" val="2565081278"/>
+      </p:ext>
+    </p:extLst>
+  </p:cSld>
+  <p:clrMapOvr>
+    <a:masterClrMapping/>
+  </p:clrMapOvr>
+  <mc:AlternateContent xmlns:mc="http://schemas.openxmlformats.org/markup-compatibility/2006" xmlns:p14="http://schemas.microsoft.com/office/powerpoint/2010/main">
+    <mc:Choice Requires="p14">
+      <p:transition spd="med" p14:dur="700">
+        <p:fade/>
+      </p:transition>
+    </mc:Choice>
+    <mc:Fallback xmlns="">
       <p:transition spd="med">
         <p:fade/>
       </p:transition>

--- a/3_Interim Project Presentation/Interim Project Presentation - 두리번두리번.pptx
+++ b/3_Interim Project Presentation/Interim Project Presentation - 두리번두리번.pptx
@@ -213,7 +213,7 @@
           <a:p>
             <a:fld id="{CAE244D8-87F9-4A82-9A7F-A988436C03F2}" type="datetimeFigureOut">
               <a:rPr lang="ko-KR" altLang="en-US" smtClean="0"/>
-              <a:t>2020-10-27</a:t>
+              <a:t>2020-10-29</a:t>
             </a:fld>
             <a:endParaRPr lang="ko-KR" altLang="en-US"/>
           </a:p>
@@ -525,27 +525,147 @@
           <a:lstStyle/>
           <a:p>
             <a:r>
-              <a:rPr lang="ko-KR" altLang="en-US" dirty="0"/>
+              <a:rPr lang="ko-KR" altLang="ko-KR" sz="1800" dirty="0">
+                <a:effectLst/>
+                <a:ea typeface="맑은 고딕" panose="020B0503020000020004" pitchFamily="50" charset="-127"/>
+                <a:cs typeface="Times New Roman" panose="02020603050405020304" pitchFamily="18" charset="0"/>
+              </a:rPr>
               <a:t>안녕하세요</a:t>
             </a:r>
             <a:r>
-              <a:rPr lang="en-US" altLang="ko-KR" dirty="0"/>
+              <a:rPr lang="en-US" altLang="ko-KR" sz="1800" dirty="0">
+                <a:effectLst/>
+                <a:ea typeface="맑은 고딕" panose="020B0503020000020004" pitchFamily="50" charset="-127"/>
+                <a:cs typeface="Times New Roman" panose="02020603050405020304" pitchFamily="18" charset="0"/>
+              </a:rPr>
               <a:t>. Team 1 </a:t>
             </a:r>
             <a:r>
-              <a:rPr lang="ko-KR" altLang="en-US" dirty="0" err="1"/>
+              <a:rPr lang="ko-KR" altLang="ko-KR" sz="1800" dirty="0" err="1">
+                <a:effectLst/>
+                <a:ea typeface="맑은 고딕" panose="020B0503020000020004" pitchFamily="50" charset="-127"/>
+                <a:cs typeface="Times New Roman" panose="02020603050405020304" pitchFamily="18" charset="0"/>
+              </a:rPr>
               <a:t>두리번두리번입니다</a:t>
             </a:r>
             <a:r>
-              <a:rPr lang="en-US" altLang="ko-KR" dirty="0"/>
+              <a:rPr lang="en-US" altLang="ko-KR" sz="1800" dirty="0">
+                <a:effectLst/>
+                <a:ea typeface="맑은 고딕" panose="020B0503020000020004" pitchFamily="50" charset="-127"/>
+                <a:cs typeface="Times New Roman" panose="02020603050405020304" pitchFamily="18" charset="0"/>
+              </a:rPr>
               <a:t>. </a:t>
             </a:r>
             <a:r>
-              <a:rPr lang="ko-KR" altLang="en-US" dirty="0"/>
-              <a:t>프로젝트 중간 발표 시작하겠습니다</a:t>
-            </a:r>
-            <a:r>
-              <a:rPr lang="en-US" altLang="ko-KR" dirty="0"/>
+              <a:rPr lang="ko-KR" altLang="ko-KR" sz="1800" dirty="0">
+                <a:effectLst/>
+                <a:ea typeface="맑은 고딕" panose="020B0503020000020004" pitchFamily="50" charset="-127"/>
+                <a:cs typeface="Times New Roman" panose="02020603050405020304" pitchFamily="18" charset="0"/>
+              </a:rPr>
+              <a:t>저희 팀은 구세화</a:t>
+            </a:r>
+            <a:r>
+              <a:rPr lang="en-US" altLang="ko-KR" sz="1800" dirty="0">
+                <a:effectLst/>
+                <a:ea typeface="맑은 고딕" panose="020B0503020000020004" pitchFamily="50" charset="-127"/>
+                <a:cs typeface="Times New Roman" panose="02020603050405020304" pitchFamily="18" charset="0"/>
+              </a:rPr>
+              <a:t>, </a:t>
+            </a:r>
+            <a:r>
+              <a:rPr lang="ko-KR" altLang="ko-KR" sz="1800" dirty="0">
+                <a:effectLst/>
+                <a:ea typeface="맑은 고딕" panose="020B0503020000020004" pitchFamily="50" charset="-127"/>
+                <a:cs typeface="Times New Roman" panose="02020603050405020304" pitchFamily="18" charset="0"/>
+              </a:rPr>
+              <a:t>유재현</a:t>
+            </a:r>
+            <a:r>
+              <a:rPr lang="en-US" altLang="ko-KR" sz="1800" dirty="0">
+                <a:effectLst/>
+                <a:ea typeface="맑은 고딕" panose="020B0503020000020004" pitchFamily="50" charset="-127"/>
+                <a:cs typeface="Times New Roman" panose="02020603050405020304" pitchFamily="18" charset="0"/>
+              </a:rPr>
+              <a:t>, </a:t>
+            </a:r>
+            <a:r>
+              <a:rPr lang="ko-KR" altLang="ko-KR" sz="1800" dirty="0" err="1">
+                <a:effectLst/>
+                <a:ea typeface="맑은 고딕" panose="020B0503020000020004" pitchFamily="50" charset="-127"/>
+                <a:cs typeface="Times New Roman" panose="02020603050405020304" pitchFamily="18" charset="0"/>
+              </a:rPr>
+              <a:t>최세윤</a:t>
+            </a:r>
+            <a:r>
+              <a:rPr lang="en-US" altLang="ko-KR" sz="1800" dirty="0">
+                <a:effectLst/>
+                <a:ea typeface="맑은 고딕" panose="020B0503020000020004" pitchFamily="50" charset="-127"/>
+                <a:cs typeface="Times New Roman" panose="02020603050405020304" pitchFamily="18" charset="0"/>
+              </a:rPr>
+              <a:t>, </a:t>
+            </a:r>
+            <a:r>
+              <a:rPr lang="ko-KR" altLang="ko-KR" sz="1800" dirty="0" err="1">
+                <a:effectLst/>
+                <a:ea typeface="맑은 고딕" panose="020B0503020000020004" pitchFamily="50" charset="-127"/>
+                <a:cs typeface="Times New Roman" panose="02020603050405020304" pitchFamily="18" charset="0"/>
+              </a:rPr>
+              <a:t>윤승구</a:t>
+            </a:r>
+            <a:r>
+              <a:rPr lang="en-US" altLang="ko-KR" sz="1800" dirty="0">
+                <a:effectLst/>
+                <a:ea typeface="맑은 고딕" panose="020B0503020000020004" pitchFamily="50" charset="-127"/>
+                <a:cs typeface="Times New Roman" panose="02020603050405020304" pitchFamily="18" charset="0"/>
+              </a:rPr>
+              <a:t>, </a:t>
+            </a:r>
+            <a:r>
+              <a:rPr lang="ko-KR" altLang="ko-KR" sz="1800" dirty="0">
+                <a:effectLst/>
+                <a:ea typeface="맑은 고딕" panose="020B0503020000020004" pitchFamily="50" charset="-127"/>
+                <a:cs typeface="Times New Roman" panose="02020603050405020304" pitchFamily="18" charset="0"/>
+              </a:rPr>
+              <a:t>최민지</a:t>
+            </a:r>
+            <a:r>
+              <a:rPr lang="en-US" altLang="ko-KR" sz="1800" dirty="0">
+                <a:effectLst/>
+                <a:ea typeface="맑은 고딕" panose="020B0503020000020004" pitchFamily="50" charset="-127"/>
+                <a:cs typeface="Times New Roman" panose="02020603050405020304" pitchFamily="18" charset="0"/>
+              </a:rPr>
+              <a:t>, </a:t>
+            </a:r>
+            <a:r>
+              <a:rPr lang="ko-KR" altLang="ko-KR" sz="1800" dirty="0">
+                <a:effectLst/>
+                <a:ea typeface="맑은 고딕" panose="020B0503020000020004" pitchFamily="50" charset="-127"/>
+                <a:cs typeface="Times New Roman" panose="02020603050405020304" pitchFamily="18" charset="0"/>
+              </a:rPr>
+              <a:t>최재천 학생으로 구성되어 있습니다</a:t>
+            </a:r>
+            <a:r>
+              <a:rPr lang="en-US" altLang="ko-KR" sz="1800" dirty="0">
+                <a:effectLst/>
+                <a:ea typeface="맑은 고딕" panose="020B0503020000020004" pitchFamily="50" charset="-127"/>
+                <a:cs typeface="Times New Roman" panose="02020603050405020304" pitchFamily="18" charset="0"/>
+              </a:rPr>
+              <a:t>. </a:t>
+            </a:r>
+            <a:r>
+              <a:rPr lang="ko-KR" altLang="ko-KR" sz="1800" dirty="0">
+                <a:effectLst/>
+                <a:ea typeface="맑은 고딕" panose="020B0503020000020004" pitchFamily="50" charset="-127"/>
+                <a:cs typeface="Times New Roman" panose="02020603050405020304" pitchFamily="18" charset="0"/>
+              </a:rPr>
+              <a:t>지금부터 프로젝트 중간 발표 시작하도록 하겠습니다</a:t>
+            </a:r>
+            <a:r>
+              <a:rPr lang="en-US" altLang="ko-KR" sz="1800" dirty="0">
+                <a:effectLst/>
+                <a:ea typeface="맑은 고딕" panose="020B0503020000020004" pitchFamily="50" charset="-127"/>
+                <a:cs typeface="Times New Roman" panose="02020603050405020304" pitchFamily="18" charset="0"/>
+              </a:rPr>
               <a:t>.</a:t>
             </a:r>
             <a:endParaRPr lang="ko-KR" altLang="en-US" dirty="0"/>
@@ -650,94 +770,193 @@
               <a:defRPr/>
             </a:pPr>
             <a:r>
-              <a:rPr lang="ko-KR" altLang="en-US" dirty="0"/>
+              <a:rPr lang="ko-KR" altLang="ko-KR" sz="1800" dirty="0">
+                <a:effectLst/>
+                <a:ea typeface="맑은 고딕" panose="020B0503020000020004" pitchFamily="50" charset="-127"/>
+                <a:cs typeface="Times New Roman" panose="02020603050405020304" pitchFamily="18" charset="0"/>
+              </a:rPr>
               <a:t>이 서비스를 개발하기 위해 보시는 바와 같이</a:t>
             </a:r>
             <a:r>
-              <a:rPr lang="en-US" altLang="ko-KR" dirty="0"/>
+              <a:rPr lang="en-US" altLang="ko-KR" sz="1800" dirty="0">
+                <a:effectLst/>
+                <a:ea typeface="맑은 고딕" panose="020B0503020000020004" pitchFamily="50" charset="-127"/>
+                <a:cs typeface="Times New Roman" panose="02020603050405020304" pitchFamily="18" charset="0"/>
+              </a:rPr>
               <a:t>, </a:t>
             </a:r>
-          </a:p>
-          <a:p>
-            <a:pPr marL="0" marR="0" lvl="0" indent="0" algn="l" defTabSz="914400" rtl="0" eaLnBrk="1" fontAlgn="auto" latinLnBrk="1" hangingPunct="1">
-              <a:lnSpc>
-                <a:spcPct val="100000"/>
-              </a:lnSpc>
-              <a:spcBef>
-                <a:spcPts val="0"/>
-              </a:spcBef>
-              <a:spcAft>
-                <a:spcPts val="0"/>
-              </a:spcAft>
-              <a:buClrTx/>
-              <a:buSzTx/>
-              <a:buFontTx/>
-              <a:buNone/>
-              <a:tabLst/>
-              <a:defRPr/>
-            </a:pPr>
-            <a:r>
-              <a:rPr lang="ko-KR" altLang="en-US" dirty="0"/>
+            <a:br>
+              <a:rPr lang="en-US" altLang="ko-KR" sz="1800" dirty="0">
+                <a:effectLst/>
+                <a:ea typeface="맑은 고딕" panose="020B0503020000020004" pitchFamily="50" charset="-127"/>
+                <a:cs typeface="Times New Roman" panose="02020603050405020304" pitchFamily="18" charset="0"/>
+              </a:rPr>
+            </a:br>
+            <a:r>
+              <a:rPr lang="ko-KR" altLang="ko-KR" sz="1800" dirty="0">
+                <a:effectLst/>
+                <a:ea typeface="맑은 고딕" panose="020B0503020000020004" pitchFamily="50" charset="-127"/>
+                <a:cs typeface="Times New Roman" panose="02020603050405020304" pitchFamily="18" charset="0"/>
+              </a:rPr>
               <a:t>디바이스와 서버</a:t>
             </a:r>
             <a:r>
-              <a:rPr lang="en-US" altLang="ko-KR" dirty="0"/>
+              <a:rPr lang="en-US" altLang="ko-KR" sz="1800" dirty="0">
+                <a:effectLst/>
+                <a:ea typeface="맑은 고딕" panose="020B0503020000020004" pitchFamily="50" charset="-127"/>
+                <a:cs typeface="Times New Roman" panose="02020603050405020304" pitchFamily="18" charset="0"/>
+              </a:rPr>
               <a:t>, </a:t>
             </a:r>
             <a:r>
-              <a:rPr lang="ko-KR" altLang="en-US" dirty="0"/>
-              <a:t>그리고 </a:t>
-            </a:r>
-            <a:r>
-              <a:rPr lang="en-US" altLang="ko-KR" dirty="0"/>
-              <a:t>DB</a:t>
-            </a:r>
-            <a:r>
-              <a:rPr lang="ko-KR" altLang="en-US" dirty="0"/>
-              <a:t>를 담당하는 사람 </a:t>
-            </a:r>
-            <a:r>
-              <a:rPr lang="en-US" altLang="ko-KR" dirty="0"/>
-              <a:t>3</a:t>
-            </a:r>
-            <a:r>
-              <a:rPr lang="ko-KR" altLang="en-US" dirty="0"/>
-              <a:t>명과</a:t>
-            </a:r>
-            <a:endParaRPr lang="en-US" altLang="ko-KR" dirty="0"/>
-          </a:p>
-          <a:p>
-            <a:pPr marL="0" marR="0" lvl="0" indent="0" algn="l" defTabSz="914400" rtl="0" eaLnBrk="1" fontAlgn="auto" latinLnBrk="1" hangingPunct="1">
-              <a:lnSpc>
-                <a:spcPct val="100000"/>
-              </a:lnSpc>
-              <a:spcBef>
-                <a:spcPts val="0"/>
-              </a:spcBef>
-              <a:spcAft>
-                <a:spcPts val="0"/>
-              </a:spcAft>
-              <a:buClrTx/>
-              <a:buSzTx/>
-              <a:buFontTx/>
-              <a:buNone/>
-              <a:tabLst/>
-              <a:defRPr/>
-            </a:pPr>
-            <a:r>
-              <a:rPr lang="ko-KR" altLang="en-US" dirty="0"/>
-              <a:t>서비스 플랫폼을 제작하는 사람 </a:t>
-            </a:r>
-            <a:r>
-              <a:rPr lang="en-US" altLang="ko-KR" dirty="0"/>
-              <a:t>3</a:t>
-            </a:r>
-            <a:r>
-              <a:rPr lang="ko-KR" altLang="en-US" dirty="0"/>
-              <a:t>명으로 역할 분담을 하였습니다</a:t>
-            </a:r>
-            <a:r>
-              <a:rPr lang="en-US" altLang="ko-KR" dirty="0"/>
+              <a:rPr lang="ko-KR" altLang="ko-KR" sz="1800" dirty="0">
+                <a:effectLst/>
+                <a:ea typeface="맑은 고딕" panose="020B0503020000020004" pitchFamily="50" charset="-127"/>
+                <a:cs typeface="Times New Roman" panose="02020603050405020304" pitchFamily="18" charset="0"/>
+              </a:rPr>
+              <a:t>그리고</a:t>
+            </a:r>
+            <a:r>
+              <a:rPr lang="en-US" altLang="ko-KR" sz="1800" dirty="0">
+                <a:effectLst/>
+                <a:ea typeface="맑은 고딕" panose="020B0503020000020004" pitchFamily="50" charset="-127"/>
+                <a:cs typeface="Times New Roman" panose="02020603050405020304" pitchFamily="18" charset="0"/>
+              </a:rPr>
+              <a:t> DB</a:t>
+            </a:r>
+            <a:r>
+              <a:rPr lang="ko-KR" altLang="ko-KR" sz="1800" dirty="0">
+                <a:effectLst/>
+                <a:ea typeface="맑은 고딕" panose="020B0503020000020004" pitchFamily="50" charset="-127"/>
+                <a:cs typeface="Times New Roman" panose="02020603050405020304" pitchFamily="18" charset="0"/>
+              </a:rPr>
+              <a:t>를 담당하는 사람</a:t>
+            </a:r>
+            <a:r>
+              <a:rPr lang="en-US" altLang="ko-KR" sz="1800" dirty="0">
+                <a:effectLst/>
+                <a:ea typeface="맑은 고딕" panose="020B0503020000020004" pitchFamily="50" charset="-127"/>
+                <a:cs typeface="Times New Roman" panose="02020603050405020304" pitchFamily="18" charset="0"/>
+              </a:rPr>
+              <a:t> 3</a:t>
+            </a:r>
+            <a:r>
+              <a:rPr lang="ko-KR" altLang="ko-KR" sz="1800" dirty="0">
+                <a:effectLst/>
+                <a:ea typeface="맑은 고딕" panose="020B0503020000020004" pitchFamily="50" charset="-127"/>
+                <a:cs typeface="Times New Roman" panose="02020603050405020304" pitchFamily="18" charset="0"/>
+              </a:rPr>
+              <a:t>명인 최민지</a:t>
+            </a:r>
+            <a:r>
+              <a:rPr lang="en-US" altLang="ko-KR" sz="1800" dirty="0">
+                <a:effectLst/>
+                <a:ea typeface="맑은 고딕" panose="020B0503020000020004" pitchFamily="50" charset="-127"/>
+                <a:cs typeface="Times New Roman" panose="02020603050405020304" pitchFamily="18" charset="0"/>
+              </a:rPr>
+              <a:t>, </a:t>
+            </a:r>
+            <a:r>
+              <a:rPr lang="ko-KR" altLang="ko-KR" sz="1800" dirty="0">
+                <a:effectLst/>
+                <a:ea typeface="맑은 고딕" panose="020B0503020000020004" pitchFamily="50" charset="-127"/>
+                <a:cs typeface="Times New Roman" panose="02020603050405020304" pitchFamily="18" charset="0"/>
+              </a:rPr>
+              <a:t>구세화</a:t>
+            </a:r>
+            <a:r>
+              <a:rPr lang="en-US" altLang="ko-KR" sz="1800" dirty="0">
+                <a:effectLst/>
+                <a:ea typeface="맑은 고딕" panose="020B0503020000020004" pitchFamily="50" charset="-127"/>
+                <a:cs typeface="Times New Roman" panose="02020603050405020304" pitchFamily="18" charset="0"/>
+              </a:rPr>
+              <a:t>, </a:t>
+            </a:r>
+            <a:r>
+              <a:rPr lang="ko-KR" altLang="ko-KR" sz="1800" dirty="0">
+                <a:effectLst/>
+                <a:ea typeface="맑은 고딕" panose="020B0503020000020004" pitchFamily="50" charset="-127"/>
+                <a:cs typeface="Times New Roman" panose="02020603050405020304" pitchFamily="18" charset="0"/>
+              </a:rPr>
+              <a:t>유재현 학생과</a:t>
+            </a:r>
+            <a:br>
+              <a:rPr lang="en-US" altLang="ko-KR" sz="1800" dirty="0">
+                <a:effectLst/>
+                <a:ea typeface="맑은 고딕" panose="020B0503020000020004" pitchFamily="50" charset="-127"/>
+                <a:cs typeface="Times New Roman" panose="02020603050405020304" pitchFamily="18" charset="0"/>
+              </a:rPr>
+            </a:br>
+            <a:r>
+              <a:rPr lang="ko-KR" altLang="ko-KR" sz="1800" dirty="0">
+                <a:effectLst/>
+                <a:ea typeface="맑은 고딕" panose="020B0503020000020004" pitchFamily="50" charset="-127"/>
+                <a:cs typeface="Times New Roman" panose="02020603050405020304" pitchFamily="18" charset="0"/>
+              </a:rPr>
+              <a:t>서비스 플랫폼을 제작하는 사람</a:t>
+            </a:r>
+            <a:r>
+              <a:rPr lang="en-US" altLang="ko-KR" sz="1800" dirty="0">
+                <a:effectLst/>
+                <a:ea typeface="맑은 고딕" panose="020B0503020000020004" pitchFamily="50" charset="-127"/>
+                <a:cs typeface="Times New Roman" panose="02020603050405020304" pitchFamily="18" charset="0"/>
+              </a:rPr>
+              <a:t> 3</a:t>
+            </a:r>
+            <a:r>
+              <a:rPr lang="ko-KR" altLang="ko-KR" sz="1800" dirty="0">
+                <a:effectLst/>
+                <a:ea typeface="맑은 고딕" panose="020B0503020000020004" pitchFamily="50" charset="-127"/>
+                <a:cs typeface="Times New Roman" panose="02020603050405020304" pitchFamily="18" charset="0"/>
+              </a:rPr>
+              <a:t>명인 </a:t>
+            </a:r>
+            <a:r>
+              <a:rPr lang="ko-KR" altLang="ko-KR" sz="1800" dirty="0" err="1">
+                <a:effectLst/>
+                <a:ea typeface="맑은 고딕" panose="020B0503020000020004" pitchFamily="50" charset="-127"/>
+                <a:cs typeface="Times New Roman" panose="02020603050405020304" pitchFamily="18" charset="0"/>
+              </a:rPr>
+              <a:t>최세윤</a:t>
+            </a:r>
+            <a:r>
+              <a:rPr lang="en-US" altLang="ko-KR" sz="1800" dirty="0">
+                <a:effectLst/>
+                <a:ea typeface="맑은 고딕" panose="020B0503020000020004" pitchFamily="50" charset="-127"/>
+                <a:cs typeface="Times New Roman" panose="02020603050405020304" pitchFamily="18" charset="0"/>
+              </a:rPr>
+              <a:t>, </a:t>
+            </a:r>
+            <a:r>
+              <a:rPr lang="ko-KR" altLang="ko-KR" sz="1800" dirty="0" err="1">
+                <a:effectLst/>
+                <a:ea typeface="맑은 고딕" panose="020B0503020000020004" pitchFamily="50" charset="-127"/>
+                <a:cs typeface="Times New Roman" panose="02020603050405020304" pitchFamily="18" charset="0"/>
+              </a:rPr>
+              <a:t>윤승구</a:t>
+            </a:r>
+            <a:r>
+              <a:rPr lang="en-US" altLang="ko-KR" sz="1800" dirty="0">
+                <a:effectLst/>
+                <a:ea typeface="맑은 고딕" panose="020B0503020000020004" pitchFamily="50" charset="-127"/>
+                <a:cs typeface="Times New Roman" panose="02020603050405020304" pitchFamily="18" charset="0"/>
+              </a:rPr>
+              <a:t>, </a:t>
+            </a:r>
+            <a:r>
+              <a:rPr lang="ko-KR" altLang="ko-KR" sz="1800" dirty="0">
+                <a:effectLst/>
+                <a:ea typeface="맑은 고딕" panose="020B0503020000020004" pitchFamily="50" charset="-127"/>
+                <a:cs typeface="Times New Roman" panose="02020603050405020304" pitchFamily="18" charset="0"/>
+              </a:rPr>
+              <a:t>최재천 학생으로 역할 분담을 하였습니다</a:t>
+            </a:r>
+            <a:r>
+              <a:rPr lang="en-US" altLang="ko-KR" sz="1800" dirty="0">
+                <a:effectLst/>
+                <a:ea typeface="맑은 고딕" panose="020B0503020000020004" pitchFamily="50" charset="-127"/>
+                <a:cs typeface="Times New Roman" panose="02020603050405020304" pitchFamily="18" charset="0"/>
+              </a:rPr>
               <a:t>.</a:t>
             </a:r>
             <a:endParaRPr lang="ko-KR" altLang="en-US" dirty="0"/>
@@ -842,9 +1061,8 @@
               <a:defRPr/>
             </a:pPr>
             <a:r>
-              <a:rPr lang="ko-KR" altLang="en-US" sz="1800" dirty="0">
-                <a:effectLst/>
-                <a:latin typeface="맑은 고딕" panose="020B0503020000020004" pitchFamily="50" charset="-127"/>
+              <a:rPr lang="ko-KR" altLang="ko-KR" sz="1800" dirty="0">
+                <a:effectLst/>
                 <a:ea typeface="맑은 고딕" panose="020B0503020000020004" pitchFamily="50" charset="-127"/>
                 <a:cs typeface="Times New Roman" panose="02020603050405020304" pitchFamily="18" charset="0"/>
               </a:rPr>
@@ -853,116 +1071,99 @@
             <a:r>
               <a:rPr lang="en-US" altLang="ko-KR" sz="1800" dirty="0">
                 <a:effectLst/>
-                <a:latin typeface="맑은 고딕" panose="020B0503020000020004" pitchFamily="50" charset="-127"/>
                 <a:ea typeface="맑은 고딕" panose="020B0503020000020004" pitchFamily="50" charset="-127"/>
                 <a:cs typeface="Times New Roman" panose="02020603050405020304" pitchFamily="18" charset="0"/>
               </a:rPr>
               <a:t>. </a:t>
             </a:r>
-            <a:r>
-              <a:rPr lang="ko-KR" altLang="en-US" sz="1800" dirty="0">
-                <a:effectLst/>
-                <a:latin typeface="맑은 고딕" panose="020B0503020000020004" pitchFamily="50" charset="-127"/>
-                <a:ea typeface="맑은 고딕" panose="020B0503020000020004" pitchFamily="50" charset="-127"/>
-                <a:cs typeface="Times New Roman" panose="02020603050405020304" pitchFamily="18" charset="0"/>
-              </a:rPr>
-              <a:t>첫번째로는 </a:t>
-            </a:r>
-            <a:r>
-              <a:rPr lang="en-US" altLang="ko-KR" sz="1800" dirty="0">
-                <a:effectLst/>
-                <a:latin typeface="맑은 고딕" panose="020B0503020000020004" pitchFamily="50" charset="-127"/>
+            <a:br>
+              <a:rPr lang="en-US" altLang="ko-KR" sz="1800" dirty="0">
+                <a:effectLst/>
+                <a:ea typeface="맑은 고딕" panose="020B0503020000020004" pitchFamily="50" charset="-127"/>
+                <a:cs typeface="Times New Roman" panose="02020603050405020304" pitchFamily="18" charset="0"/>
+              </a:rPr>
+            </a:br>
+            <a:r>
+              <a:rPr lang="ko-KR" altLang="ko-KR" sz="1800" dirty="0">
+                <a:effectLst/>
+                <a:ea typeface="맑은 고딕" panose="020B0503020000020004" pitchFamily="50" charset="-127"/>
+                <a:cs typeface="Times New Roman" panose="02020603050405020304" pitchFamily="18" charset="0"/>
+              </a:rPr>
+              <a:t>첫번째로는 저희 서비스의 대표적인 기능의 </a:t>
+            </a:r>
+            <a:r>
+              <a:rPr lang="en-US" altLang="ko-KR" sz="1800" dirty="0">
+                <a:effectLst/>
                 <a:ea typeface="맑은 고딕" panose="020B0503020000020004" pitchFamily="50" charset="-127"/>
                 <a:cs typeface="Times New Roman" panose="02020603050405020304" pitchFamily="18" charset="0"/>
               </a:rPr>
               <a:t>Use case</a:t>
             </a:r>
             <a:r>
-              <a:rPr lang="ko-KR" altLang="en-US" sz="1800" dirty="0">
-                <a:effectLst/>
-                <a:latin typeface="맑은 고딕" panose="020B0503020000020004" pitchFamily="50" charset="-127"/>
-                <a:ea typeface="맑은 고딕" panose="020B0503020000020004" pitchFamily="50" charset="-127"/>
-                <a:cs typeface="Times New Roman" panose="02020603050405020304" pitchFamily="18" charset="0"/>
-              </a:rPr>
-              <a:t>입니다</a:t>
-            </a:r>
-            <a:r>
-              <a:rPr lang="en-US" altLang="ko-KR" sz="1800" dirty="0">
-                <a:effectLst/>
-                <a:latin typeface="맑은 고딕" panose="020B0503020000020004" pitchFamily="50" charset="-127"/>
+              <a:rPr lang="ko-KR" altLang="ko-KR" sz="1800" dirty="0">
+                <a:effectLst/>
+                <a:ea typeface="맑은 고딕" panose="020B0503020000020004" pitchFamily="50" charset="-127"/>
+                <a:cs typeface="Times New Roman" panose="02020603050405020304" pitchFamily="18" charset="0"/>
+              </a:rPr>
+              <a:t>에 대해 말씀드리겠습니다</a:t>
+            </a:r>
+            <a:r>
+              <a:rPr lang="en-US" altLang="ko-KR" sz="1800" dirty="0">
+                <a:effectLst/>
                 <a:ea typeface="맑은 고딕" panose="020B0503020000020004" pitchFamily="50" charset="-127"/>
                 <a:cs typeface="Times New Roman" panose="02020603050405020304" pitchFamily="18" charset="0"/>
               </a:rPr>
               <a:t>.</a:t>
             </a:r>
-          </a:p>
-          <a:p>
-            <a:pPr marL="0" marR="0" lvl="0" indent="0" algn="l" defTabSz="914400" rtl="0" eaLnBrk="1" fontAlgn="auto" latinLnBrk="1" hangingPunct="1">
-              <a:lnSpc>
-                <a:spcPct val="100000"/>
-              </a:lnSpc>
-              <a:spcBef>
-                <a:spcPts val="0"/>
-              </a:spcBef>
-              <a:spcAft>
-                <a:spcPts val="0"/>
-              </a:spcAft>
-              <a:buClrTx/>
-              <a:buSzTx/>
-              <a:buFontTx/>
-              <a:buNone/>
-              <a:tabLst/>
-              <a:defRPr/>
-            </a:pPr>
-            <a:r>
-              <a:rPr lang="ko-KR" altLang="ko-KR" sz="1800" dirty="0">
-                <a:effectLst/>
-                <a:latin typeface="맑은 고딕" panose="020B0503020000020004" pitchFamily="50" charset="-127"/>
-                <a:ea typeface="맑은 고딕" panose="020B0503020000020004" pitchFamily="50" charset="-127"/>
-                <a:cs typeface="Times New Roman" panose="02020603050405020304" pitchFamily="18" charset="0"/>
-              </a:rPr>
-              <a:t>손 세정제 관리 시스템에서 주 </a:t>
-            </a:r>
-            <a:r>
-              <a:rPr lang="en-US" altLang="ko-KR" sz="1800" dirty="0">
-                <a:effectLst/>
-                <a:latin typeface="맑은 고딕" panose="020B0503020000020004" pitchFamily="50" charset="-127"/>
-                <a:ea typeface="맑은 고딕" panose="020B0503020000020004" pitchFamily="50" charset="-127"/>
-                <a:cs typeface="Times New Roman" panose="02020603050405020304" pitchFamily="18" charset="0"/>
-              </a:rPr>
-              <a:t>actor</a:t>
-            </a:r>
-            <a:r>
-              <a:rPr lang="ko-KR" altLang="ko-KR" sz="1800" dirty="0">
-                <a:effectLst/>
-                <a:latin typeface="맑은 고딕" panose="020B0503020000020004" pitchFamily="50" charset="-127"/>
-                <a:ea typeface="맑은 고딕" panose="020B0503020000020004" pitchFamily="50" charset="-127"/>
-                <a:cs typeface="Times New Roman" panose="02020603050405020304" pitchFamily="18" charset="0"/>
-              </a:rPr>
-              <a:t>는 당연 손 세정제 관리를 담당하는 사람</a:t>
-            </a:r>
-            <a:r>
-              <a:rPr lang="ko-KR" altLang="en-US" sz="1800" dirty="0">
-                <a:effectLst/>
-                <a:latin typeface="맑은 고딕" panose="020B0503020000020004" pitchFamily="50" charset="-127"/>
-                <a:ea typeface="맑은 고딕" panose="020B0503020000020004" pitchFamily="50" charset="-127"/>
-                <a:cs typeface="Times New Roman" panose="02020603050405020304" pitchFamily="18" charset="0"/>
-              </a:rPr>
-              <a:t>일 것입니다</a:t>
-            </a:r>
-            <a:r>
-              <a:rPr lang="ko-KR" altLang="ko-KR" sz="1800" dirty="0">
-                <a:effectLst/>
-                <a:latin typeface="맑은 고딕" panose="020B0503020000020004" pitchFamily="50" charset="-127"/>
+            <a:br>
+              <a:rPr lang="en-US" altLang="ko-KR" sz="1800" dirty="0">
+                <a:effectLst/>
+                <a:ea typeface="맑은 고딕" panose="020B0503020000020004" pitchFamily="50" charset="-127"/>
+                <a:cs typeface="Times New Roman" panose="02020603050405020304" pitchFamily="18" charset="0"/>
+              </a:rPr>
+            </a:br>
+            <a:r>
+              <a:rPr lang="ko-KR" altLang="ko-KR" sz="1800" dirty="0">
+                <a:effectLst/>
+                <a:ea typeface="맑은 고딕" panose="020B0503020000020004" pitchFamily="50" charset="-127"/>
+                <a:cs typeface="Times New Roman" panose="02020603050405020304" pitchFamily="18" charset="0"/>
+              </a:rPr>
+              <a:t>손 세정제 관리 시스템에서 주</a:t>
+            </a:r>
+            <a:r>
+              <a:rPr lang="en-US" altLang="ko-KR" sz="1800" dirty="0">
+                <a:effectLst/>
+                <a:ea typeface="맑은 고딕" panose="020B0503020000020004" pitchFamily="50" charset="-127"/>
+                <a:cs typeface="Times New Roman" panose="02020603050405020304" pitchFamily="18" charset="0"/>
+              </a:rPr>
+              <a:t> actor</a:t>
+            </a:r>
+            <a:r>
+              <a:rPr lang="ko-KR" altLang="ko-KR" sz="1800" dirty="0">
+                <a:effectLst/>
+                <a:ea typeface="맑은 고딕" panose="020B0503020000020004" pitchFamily="50" charset="-127"/>
+                <a:cs typeface="Times New Roman" panose="02020603050405020304" pitchFamily="18" charset="0"/>
+              </a:rPr>
+              <a:t>는 당연 손 세정제 관리를 담당하는 사람일 것입니다</a:t>
+            </a:r>
+            <a:r>
+              <a:rPr lang="en-US" altLang="ko-KR" sz="1800" dirty="0">
+                <a:effectLst/>
                 <a:ea typeface="맑은 고딕" panose="020B0503020000020004" pitchFamily="50" charset="-127"/>
                 <a:cs typeface="Times New Roman" panose="02020603050405020304" pitchFamily="18" charset="0"/>
               </a:rPr>
               <a:t>. </a:t>
             </a:r>
-            <a:r>
-              <a:rPr lang="ko-KR" altLang="en-US" sz="1800" dirty="0">
-                <a:effectLst/>
-                <a:latin typeface="맑은 고딕" panose="020B0503020000020004" pitchFamily="50" charset="-127"/>
+            <a:br>
+              <a:rPr lang="en-US" altLang="ko-KR" sz="1800" dirty="0">
+                <a:effectLst/>
+                <a:ea typeface="맑은 고딕" panose="020B0503020000020004" pitchFamily="50" charset="-127"/>
+                <a:cs typeface="Times New Roman" panose="02020603050405020304" pitchFamily="18" charset="0"/>
+              </a:rPr>
+            </a:br>
+            <a:r>
+              <a:rPr lang="ko-KR" altLang="ko-KR" sz="1800" dirty="0">
+                <a:effectLst/>
                 <a:ea typeface="맑은 고딕" panose="020B0503020000020004" pitchFamily="50" charset="-127"/>
                 <a:cs typeface="Times New Roman" panose="02020603050405020304" pitchFamily="18" charset="0"/>
               </a:rPr>
@@ -971,214 +1172,218 @@
             <a:r>
               <a:rPr lang="en-US" altLang="ko-KR" sz="1800" dirty="0">
                 <a:effectLst/>
-                <a:latin typeface="맑은 고딕" panose="020B0503020000020004" pitchFamily="50" charset="-127"/>
                 <a:ea typeface="맑은 고딕" panose="020B0503020000020004" pitchFamily="50" charset="-127"/>
                 <a:cs typeface="Times New Roman" panose="02020603050405020304" pitchFamily="18" charset="0"/>
               </a:rPr>
               <a:t>.</a:t>
             </a:r>
-          </a:p>
-          <a:p>
-            <a:pPr marL="0" marR="0" lvl="0" indent="0" algn="l" defTabSz="914400" rtl="0" eaLnBrk="1" fontAlgn="auto" latinLnBrk="1" hangingPunct="1">
-              <a:lnSpc>
-                <a:spcPct val="100000"/>
-              </a:lnSpc>
-              <a:spcBef>
-                <a:spcPts val="0"/>
-              </a:spcBef>
-              <a:spcAft>
-                <a:spcPts val="0"/>
-              </a:spcAft>
-              <a:buClrTx/>
-              <a:buSzTx/>
-              <a:buFontTx/>
-              <a:buNone/>
-              <a:tabLst/>
-              <a:defRPr/>
-            </a:pPr>
-            <a:r>
-              <a:rPr lang="ko-KR" altLang="ko-KR" sz="1800" dirty="0">
-                <a:effectLst/>
-                <a:latin typeface="맑은 고딕" panose="020B0503020000020004" pitchFamily="50" charset="-127"/>
-                <a:ea typeface="맑은 고딕" panose="020B0503020000020004" pitchFamily="50" charset="-127"/>
-                <a:cs typeface="Times New Roman" panose="02020603050405020304" pitchFamily="18" charset="0"/>
-              </a:rPr>
-              <a:t>일반적으로 관리자는 시스템에 로그인을 하면 담당 손세정제들의 잔량을 수시로 확인할 수 있습니다. </a:t>
-            </a:r>
-            <a:endParaRPr lang="en-US" altLang="ko-KR" sz="1800" dirty="0">
+            <a:br>
+              <a:rPr lang="en-US" altLang="ko-KR" sz="1800" dirty="0">
+                <a:effectLst/>
+                <a:ea typeface="맑은 고딕" panose="020B0503020000020004" pitchFamily="50" charset="-127"/>
+                <a:cs typeface="Times New Roman" panose="02020603050405020304" pitchFamily="18" charset="0"/>
+              </a:rPr>
+            </a:br>
+            <a:r>
+              <a:rPr lang="ko-KR" altLang="ko-KR" sz="1800" dirty="0">
+                <a:effectLst/>
+                <a:ea typeface="맑은 고딕" panose="020B0503020000020004" pitchFamily="50" charset="-127"/>
+                <a:cs typeface="Times New Roman" panose="02020603050405020304" pitchFamily="18" charset="0"/>
+              </a:rPr>
+              <a:t>일반적으로 관리자는 시스템에 로그인을 하면 담당 손세정제들의 잔량을 </a:t>
+            </a:r>
+            <a:br>
+              <a:rPr lang="en-US" altLang="ko-KR" sz="1800" dirty="0">
+                <a:effectLst/>
+                <a:ea typeface="맑은 고딕" panose="020B0503020000020004" pitchFamily="50" charset="-127"/>
+                <a:cs typeface="Times New Roman" panose="02020603050405020304" pitchFamily="18" charset="0"/>
+              </a:rPr>
+            </a:br>
+            <a:r>
+              <a:rPr lang="ko-KR" altLang="ko-KR" sz="1800" dirty="0">
+                <a:effectLst/>
+                <a:ea typeface="맑은 고딕" panose="020B0503020000020004" pitchFamily="50" charset="-127"/>
+                <a:cs typeface="Times New Roman" panose="02020603050405020304" pitchFamily="18" charset="0"/>
+              </a:rPr>
+              <a:t>수시로 확인할 수 있습니다</a:t>
+            </a:r>
+            <a:r>
+              <a:rPr lang="en-US" altLang="ko-KR" sz="1800" dirty="0">
+                <a:effectLst/>
+                <a:ea typeface="맑은 고딕" panose="020B0503020000020004" pitchFamily="50" charset="-127"/>
+                <a:cs typeface="Times New Roman" panose="02020603050405020304" pitchFamily="18" charset="0"/>
+              </a:rPr>
+              <a:t>. </a:t>
+            </a:r>
+            <a:br>
+              <a:rPr lang="en-US" altLang="ko-KR" sz="1800" dirty="0">
+                <a:effectLst/>
+                <a:ea typeface="맑은 고딕" panose="020B0503020000020004" pitchFamily="50" charset="-127"/>
+                <a:cs typeface="Times New Roman" panose="02020603050405020304" pitchFamily="18" charset="0"/>
+              </a:rPr>
+            </a:br>
+            <a:r>
+              <a:rPr lang="ko-KR" altLang="ko-KR" sz="1800" dirty="0">
+                <a:effectLst/>
+                <a:ea typeface="맑은 고딕" panose="020B0503020000020004" pitchFamily="50" charset="-127"/>
+                <a:cs typeface="Times New Roman" panose="02020603050405020304" pitchFamily="18" charset="0"/>
+              </a:rPr>
+              <a:t>그리고 특정 손 세정제의 잔량이 기준선 이하로 떨어지면</a:t>
+            </a:r>
+            <a:r>
+              <a:rPr lang="en-US" altLang="ko-KR" sz="1800" dirty="0">
+                <a:effectLst/>
+                <a:ea typeface="맑은 고딕" panose="020B0503020000020004" pitchFamily="50" charset="-127"/>
+                <a:cs typeface="Times New Roman" panose="02020603050405020304" pitchFamily="18" charset="0"/>
+              </a:rPr>
+              <a:t>, </a:t>
+            </a:r>
+            <a:r>
+              <a:rPr lang="ko-KR" altLang="ko-KR" sz="1800" dirty="0">
+                <a:effectLst/>
+                <a:ea typeface="맑은 고딕" panose="020B0503020000020004" pitchFamily="50" charset="-127"/>
+                <a:cs typeface="Times New Roman" panose="02020603050405020304" pitchFamily="18" charset="0"/>
+              </a:rPr>
+              <a:t>관리자에게 자동으로 알림이 가고</a:t>
+            </a:r>
+            <a:br>
+              <a:rPr lang="en-US" altLang="ko-KR" sz="1800" dirty="0">
+                <a:effectLst/>
+                <a:ea typeface="맑은 고딕" panose="020B0503020000020004" pitchFamily="50" charset="-127"/>
+                <a:cs typeface="Times New Roman" panose="02020603050405020304" pitchFamily="18" charset="0"/>
+              </a:rPr>
+            </a:br>
+            <a:r>
+              <a:rPr lang="ko-KR" altLang="ko-KR" sz="1800" dirty="0">
+                <a:effectLst/>
+                <a:ea typeface="맑은 고딕" panose="020B0503020000020004" pitchFamily="50" charset="-127"/>
+                <a:cs typeface="Times New Roman" panose="02020603050405020304" pitchFamily="18" charset="0"/>
+              </a:rPr>
+              <a:t>관리자는 알림을 통해 손 세정제의 남은 잔량을 다시 확인할 수 있습니다</a:t>
+            </a:r>
+            <a:r>
+              <a:rPr lang="en-US" altLang="ko-KR" sz="1800" dirty="0">
+                <a:effectLst/>
+                <a:ea typeface="맑은 고딕" panose="020B0503020000020004" pitchFamily="50" charset="-127"/>
+                <a:cs typeface="Times New Roman" panose="02020603050405020304" pitchFamily="18" charset="0"/>
+              </a:rPr>
+              <a:t>. </a:t>
+            </a:r>
+            <a:br>
+              <a:rPr lang="en-US" altLang="ko-KR" sz="1800" dirty="0">
+                <a:effectLst/>
+                <a:ea typeface="맑은 고딕" panose="020B0503020000020004" pitchFamily="50" charset="-127"/>
+                <a:cs typeface="Times New Roman" panose="02020603050405020304" pitchFamily="18" charset="0"/>
+              </a:rPr>
+            </a:br>
+            <a:r>
+              <a:rPr lang="ko-KR" altLang="ko-KR" sz="1800" dirty="0">
+                <a:effectLst/>
+                <a:ea typeface="맑은 고딕" panose="020B0503020000020004" pitchFamily="50" charset="-127"/>
+                <a:cs typeface="Times New Roman" panose="02020603050405020304" pitchFamily="18" charset="0"/>
+              </a:rPr>
+              <a:t>참고로 여기서 기준선이란 손세정제가 전체의 </a:t>
+            </a:r>
+            <a:r>
+              <a:rPr lang="en-US" altLang="ko-KR" sz="1800" dirty="0">
+                <a:effectLst/>
+                <a:ea typeface="맑은 고딕" panose="020B0503020000020004" pitchFamily="50" charset="-127"/>
+                <a:cs typeface="Times New Roman" panose="02020603050405020304" pitchFamily="18" charset="0"/>
+              </a:rPr>
+              <a:t>10% </a:t>
+            </a:r>
+            <a:r>
+              <a:rPr lang="ko-KR" altLang="ko-KR" sz="1800" dirty="0">
+                <a:effectLst/>
+                <a:ea typeface="맑은 고딕" panose="020B0503020000020004" pitchFamily="50" charset="-127"/>
+                <a:cs typeface="Times New Roman" panose="02020603050405020304" pitchFamily="18" charset="0"/>
+              </a:rPr>
+              <a:t>이하가 될 경우를 의미합니다</a:t>
+            </a:r>
+            <a:r>
+              <a:rPr lang="en-US" altLang="ko-KR" sz="1800" dirty="0">
+                <a:effectLst/>
+                <a:ea typeface="맑은 고딕" panose="020B0503020000020004" pitchFamily="50" charset="-127"/>
+                <a:cs typeface="Times New Roman" panose="02020603050405020304" pitchFamily="18" charset="0"/>
+              </a:rPr>
+              <a:t>.</a:t>
+            </a:r>
+            <a:br>
+              <a:rPr lang="en-US" altLang="ko-KR" sz="1800" dirty="0">
+                <a:effectLst/>
+                <a:ea typeface="맑은 고딕" panose="020B0503020000020004" pitchFamily="50" charset="-127"/>
+                <a:cs typeface="Times New Roman" panose="02020603050405020304" pitchFamily="18" charset="0"/>
+              </a:rPr>
+            </a:br>
+            <a:r>
+              <a:rPr lang="ko-KR" altLang="ko-KR" sz="1800" dirty="0">
+                <a:effectLst/>
+                <a:ea typeface="맑은 고딕" panose="020B0503020000020004" pitchFamily="50" charset="-127"/>
+                <a:cs typeface="Times New Roman" panose="02020603050405020304" pitchFamily="18" charset="0"/>
+              </a:rPr>
+              <a:t>잔량이 부족한 손 세정제를 확인한 후에</a:t>
+            </a:r>
+            <a:r>
+              <a:rPr lang="en-US" altLang="ko-KR" sz="1800" dirty="0">
+                <a:effectLst/>
+                <a:ea typeface="맑은 고딕" panose="020B0503020000020004" pitchFamily="50" charset="-127"/>
+                <a:cs typeface="Times New Roman" panose="02020603050405020304" pitchFamily="18" charset="0"/>
+              </a:rPr>
+              <a:t>, </a:t>
+            </a:r>
+            <a:r>
+              <a:rPr lang="ko-KR" altLang="ko-KR" sz="1800" dirty="0">
+                <a:effectLst/>
+                <a:ea typeface="맑은 고딕" panose="020B0503020000020004" pitchFamily="50" charset="-127"/>
+                <a:cs typeface="Times New Roman" panose="02020603050405020304" pitchFamily="18" charset="0"/>
+              </a:rPr>
+              <a:t>관리자가 용량을 채워 넣었다면 </a:t>
+            </a:r>
+            <a:br>
+              <a:rPr lang="en-US" altLang="ko-KR" sz="1800" dirty="0">
+                <a:effectLst/>
+                <a:ea typeface="맑은 고딕" panose="020B0503020000020004" pitchFamily="50" charset="-127"/>
+                <a:cs typeface="Times New Roman" panose="02020603050405020304" pitchFamily="18" charset="0"/>
+              </a:rPr>
+            </a:br>
+            <a:r>
+              <a:rPr lang="ko-KR" altLang="ko-KR" sz="1800" dirty="0">
+                <a:effectLst/>
+                <a:ea typeface="맑은 고딕" panose="020B0503020000020004" pitchFamily="50" charset="-127"/>
+                <a:cs typeface="Times New Roman" panose="02020603050405020304" pitchFamily="18" charset="0"/>
+              </a:rPr>
+              <a:t>세정제의 용량이 업데이트되고</a:t>
+            </a:r>
+            <a:r>
+              <a:rPr lang="en-US" altLang="ko-KR" sz="1800" dirty="0">
+                <a:effectLst/>
+                <a:ea typeface="맑은 고딕" panose="020B0503020000020004" pitchFamily="50" charset="-127"/>
+                <a:cs typeface="Times New Roman" panose="02020603050405020304" pitchFamily="18" charset="0"/>
+              </a:rPr>
+              <a:t>, </a:t>
+            </a:r>
+            <a:r>
+              <a:rPr lang="ko-KR" altLang="ko-KR" sz="1800" dirty="0">
+                <a:effectLst/>
+                <a:ea typeface="맑은 고딕" panose="020B0503020000020004" pitchFamily="50" charset="-127"/>
+                <a:cs typeface="Times New Roman" panose="02020603050405020304" pitchFamily="18" charset="0"/>
+              </a:rPr>
+              <a:t>다시 서비스를 사용할 수 있는 환경이 만들어지게 됩니다</a:t>
+            </a:r>
+            <a:r>
+              <a:rPr lang="en-US" altLang="ko-KR" sz="1800" dirty="0">
+                <a:effectLst/>
+                <a:ea typeface="맑은 고딕" panose="020B0503020000020004" pitchFamily="50" charset="-127"/>
+                <a:cs typeface="Times New Roman" panose="02020603050405020304" pitchFamily="18" charset="0"/>
+              </a:rPr>
+              <a:t>.</a:t>
+            </a:r>
+            <a:endParaRPr lang="ko-KR" altLang="ko-KR" sz="1800" dirty="0">
               <a:effectLst/>
               <a:latin typeface="맑은 고딕" panose="020B0503020000020004" pitchFamily="50" charset="-127"/>
               <a:ea typeface="맑은 고딕" panose="020B0503020000020004" pitchFamily="50" charset="-127"/>
               <a:cs typeface="Times New Roman" panose="02020603050405020304" pitchFamily="18" charset="0"/>
             </a:endParaRPr>
-          </a:p>
-          <a:p>
-            <a:pPr marL="0" marR="0" lvl="0" indent="0" algn="l" defTabSz="914400" rtl="0" eaLnBrk="1" fontAlgn="auto" latinLnBrk="1" hangingPunct="1">
-              <a:lnSpc>
-                <a:spcPct val="100000"/>
-              </a:lnSpc>
-              <a:spcBef>
-                <a:spcPts val="0"/>
-              </a:spcBef>
-              <a:spcAft>
-                <a:spcPts val="0"/>
-              </a:spcAft>
-              <a:buClrTx/>
-              <a:buSzTx/>
-              <a:buFontTx/>
-              <a:buNone/>
-              <a:tabLst/>
-              <a:defRPr/>
-            </a:pPr>
-            <a:r>
-              <a:rPr lang="ko-KR" altLang="ko-KR" sz="1800" dirty="0">
-                <a:effectLst/>
-                <a:latin typeface="맑은 고딕" panose="020B0503020000020004" pitchFamily="50" charset="-127"/>
-                <a:ea typeface="맑은 고딕" panose="020B0503020000020004" pitchFamily="50" charset="-127"/>
-                <a:cs typeface="Times New Roman" panose="02020603050405020304" pitchFamily="18" charset="0"/>
-              </a:rPr>
-              <a:t>그리고 </a:t>
-            </a:r>
-            <a:r>
-              <a:rPr lang="ko-KR" altLang="en-US" sz="1800" dirty="0">
-                <a:effectLst/>
-                <a:latin typeface="맑은 고딕" panose="020B0503020000020004" pitchFamily="50" charset="-127"/>
-                <a:ea typeface="맑은 고딕" panose="020B0503020000020004" pitchFamily="50" charset="-127"/>
-                <a:cs typeface="Times New Roman" panose="02020603050405020304" pitchFamily="18" charset="0"/>
-              </a:rPr>
-              <a:t>특정</a:t>
-            </a:r>
-            <a:r>
-              <a:rPr lang="ko-KR" altLang="ko-KR" sz="1800" dirty="0">
-                <a:effectLst/>
-                <a:latin typeface="맑은 고딕" panose="020B0503020000020004" pitchFamily="50" charset="-127"/>
-                <a:ea typeface="맑은 고딕" panose="020B0503020000020004" pitchFamily="50" charset="-127"/>
-                <a:cs typeface="Times New Roman" panose="02020603050405020304" pitchFamily="18" charset="0"/>
-              </a:rPr>
-              <a:t> 손 세정제</a:t>
-            </a:r>
-            <a:r>
-              <a:rPr lang="ko-KR" altLang="en-US" sz="1800" dirty="0">
-                <a:effectLst/>
-                <a:latin typeface="맑은 고딕" panose="020B0503020000020004" pitchFamily="50" charset="-127"/>
-                <a:ea typeface="맑은 고딕" panose="020B0503020000020004" pitchFamily="50" charset="-127"/>
-                <a:cs typeface="Times New Roman" panose="02020603050405020304" pitchFamily="18" charset="0"/>
-              </a:rPr>
-              <a:t>의</a:t>
-            </a:r>
-            <a:r>
-              <a:rPr lang="ko-KR" altLang="ko-KR" sz="1800" dirty="0">
-                <a:effectLst/>
-                <a:latin typeface="맑은 고딕" panose="020B0503020000020004" pitchFamily="50" charset="-127"/>
-                <a:ea typeface="맑은 고딕" panose="020B0503020000020004" pitchFamily="50" charset="-127"/>
-                <a:cs typeface="Times New Roman" panose="02020603050405020304" pitchFamily="18" charset="0"/>
-              </a:rPr>
-              <a:t> 잔량이 기준선</a:t>
-            </a:r>
-            <a:r>
-              <a:rPr lang="en-US" altLang="ko-KR" sz="1800" dirty="0">
-                <a:effectLst/>
-                <a:latin typeface="맑은 고딕" panose="020B0503020000020004" pitchFamily="50" charset="-127"/>
-                <a:ea typeface="맑은 고딕" panose="020B0503020000020004" pitchFamily="50" charset="-127"/>
-                <a:cs typeface="Times New Roman" panose="02020603050405020304" pitchFamily="18" charset="0"/>
-              </a:rPr>
-              <a:t> </a:t>
-            </a:r>
-            <a:r>
-              <a:rPr lang="ko-KR" altLang="ko-KR" sz="1800" dirty="0">
-                <a:effectLst/>
-                <a:latin typeface="맑은 고딕" panose="020B0503020000020004" pitchFamily="50" charset="-127"/>
-                <a:ea typeface="맑은 고딕" panose="020B0503020000020004" pitchFamily="50" charset="-127"/>
-                <a:cs typeface="Times New Roman" panose="02020603050405020304" pitchFamily="18" charset="0"/>
-              </a:rPr>
-              <a:t>이하로 떨어지면</a:t>
-            </a:r>
-            <a:r>
-              <a:rPr lang="en-US" altLang="ko-KR" sz="1800" dirty="0">
-                <a:effectLst/>
-                <a:latin typeface="맑은 고딕" panose="020B0503020000020004" pitchFamily="50" charset="-127"/>
-                <a:ea typeface="맑은 고딕" panose="020B0503020000020004" pitchFamily="50" charset="-127"/>
-                <a:cs typeface="Times New Roman" panose="02020603050405020304" pitchFamily="18" charset="0"/>
-              </a:rPr>
-              <a:t>,</a:t>
-            </a:r>
-            <a:r>
-              <a:rPr lang="ko-KR" altLang="ko-KR" sz="1800" dirty="0">
-                <a:effectLst/>
-                <a:latin typeface="맑은 고딕" panose="020B0503020000020004" pitchFamily="50" charset="-127"/>
-                <a:ea typeface="맑은 고딕" panose="020B0503020000020004" pitchFamily="50" charset="-127"/>
-                <a:cs typeface="Times New Roman" panose="02020603050405020304" pitchFamily="18" charset="0"/>
-              </a:rPr>
-              <a:t> 관리자에게 자동으로 알림이 가고</a:t>
-            </a:r>
-            <a:endParaRPr lang="en-US" altLang="ko-KR" sz="1800" dirty="0">
-              <a:effectLst/>
-              <a:latin typeface="맑은 고딕" panose="020B0503020000020004" pitchFamily="50" charset="-127"/>
-              <a:ea typeface="맑은 고딕" panose="020B0503020000020004" pitchFamily="50" charset="-127"/>
-              <a:cs typeface="Times New Roman" panose="02020603050405020304" pitchFamily="18" charset="0"/>
-            </a:endParaRPr>
-          </a:p>
-          <a:p>
-            <a:pPr marL="0" marR="0" lvl="0" indent="0" algn="l" defTabSz="914400" rtl="0" eaLnBrk="1" fontAlgn="auto" latinLnBrk="1" hangingPunct="1">
-              <a:lnSpc>
-                <a:spcPct val="100000"/>
-              </a:lnSpc>
-              <a:spcBef>
-                <a:spcPts val="0"/>
-              </a:spcBef>
-              <a:spcAft>
-                <a:spcPts val="0"/>
-              </a:spcAft>
-              <a:buClrTx/>
-              <a:buSzTx/>
-              <a:buFontTx/>
-              <a:buNone/>
-              <a:tabLst/>
-              <a:defRPr/>
-            </a:pPr>
-            <a:r>
-              <a:rPr lang="ko-KR" altLang="ko-KR" sz="1800" dirty="0">
-                <a:effectLst/>
-                <a:latin typeface="맑은 고딕" panose="020B0503020000020004" pitchFamily="50" charset="-127"/>
-                <a:ea typeface="맑은 고딕" panose="020B0503020000020004" pitchFamily="50" charset="-127"/>
-                <a:cs typeface="Times New Roman" panose="02020603050405020304" pitchFamily="18" charset="0"/>
-              </a:rPr>
-              <a:t>관리자는 알림을 통해 손 세정제의 남은 잔량을 다시 확인할 수 있습니다. </a:t>
-            </a:r>
-            <a:endParaRPr lang="en-US" altLang="ko-KR" sz="1800" dirty="0">
-              <a:effectLst/>
-              <a:latin typeface="맑은 고딕" panose="020B0503020000020004" pitchFamily="50" charset="-127"/>
-              <a:ea typeface="맑은 고딕" panose="020B0503020000020004" pitchFamily="50" charset="-127"/>
-              <a:cs typeface="Times New Roman" panose="02020603050405020304" pitchFamily="18" charset="0"/>
-            </a:endParaRPr>
-          </a:p>
-          <a:p>
-            <a:pPr marL="0" marR="0" lvl="0" indent="0" algn="l" defTabSz="914400" rtl="0" eaLnBrk="1" fontAlgn="auto" latinLnBrk="1" hangingPunct="1">
-              <a:lnSpc>
-                <a:spcPct val="100000"/>
-              </a:lnSpc>
-              <a:spcBef>
-                <a:spcPts val="0"/>
-              </a:spcBef>
-              <a:spcAft>
-                <a:spcPts val="0"/>
-              </a:spcAft>
-              <a:buClrTx/>
-              <a:buSzTx/>
-              <a:buFontTx/>
-              <a:buNone/>
-              <a:tabLst/>
-              <a:defRPr/>
-            </a:pPr>
-            <a:r>
-              <a:rPr lang="ko-KR" altLang="ko-KR" sz="1800" dirty="0">
-                <a:effectLst/>
-                <a:latin typeface="맑은 고딕" panose="020B0503020000020004" pitchFamily="50" charset="-127"/>
-                <a:ea typeface="맑은 고딕" panose="020B0503020000020004" pitchFamily="50" charset="-127"/>
-                <a:cs typeface="Times New Roman" panose="02020603050405020304" pitchFamily="18" charset="0"/>
-              </a:rPr>
-              <a:t>잔량이 부족한 손 세정제를 확인한 후에, 관리자가 용량을 채워 넣었다면 세정제의 용량을 업데이트 시킬 수 있습니다.</a:t>
-            </a:r>
           </a:p>
         </p:txBody>
       </p:sp>
@@ -1262,7 +1467,7 @@
           <a:bodyPr/>
           <a:lstStyle/>
           <a:p>
-            <a:pPr algn="just" latinLnBrk="1">
+            <a:pPr algn="l" latinLnBrk="1">
               <a:lnSpc>
                 <a:spcPct val="107000"/>
               </a:lnSpc>
@@ -1271,676 +1476,830 @@
               </a:spcAft>
             </a:pPr>
             <a:r>
-              <a:rPr lang="ko-KR" altLang="en-US" sz="1800" kern="100" dirty="0">
-                <a:effectLst/>
-                <a:latin typeface="맑은 고딕" panose="020B0503020000020004" pitchFamily="50" charset="-127"/>
-                <a:ea typeface="맑은 고딕" panose="020B0503020000020004" pitchFamily="50" charset="-127"/>
-                <a:cs typeface="Times New Roman" panose="02020603050405020304" pitchFamily="18" charset="0"/>
-              </a:rPr>
-              <a:t>이제 이 서비스의 </a:t>
-            </a:r>
-            <a:r>
-              <a:rPr lang="ko-KR" altLang="ko-KR" sz="1800" kern="100" dirty="0">
-                <a:effectLst/>
-                <a:latin typeface="맑은 고딕" panose="020B0503020000020004" pitchFamily="50" charset="-127"/>
-                <a:ea typeface="맑은 고딕" panose="020B0503020000020004" pitchFamily="50" charset="-127"/>
-                <a:cs typeface="Times New Roman" panose="02020603050405020304" pitchFamily="18" charset="0"/>
-              </a:rPr>
-              <a:t>시스템 구성도</a:t>
-            </a:r>
-            <a:r>
-              <a:rPr lang="ko-KR" altLang="en-US" sz="1800" kern="100" dirty="0">
-                <a:effectLst/>
-                <a:latin typeface="맑은 고딕" panose="020B0503020000020004" pitchFamily="50" charset="-127"/>
-                <a:ea typeface="맑은 고딕" panose="020B0503020000020004" pitchFamily="50" charset="-127"/>
-                <a:cs typeface="Times New Roman" panose="02020603050405020304" pitchFamily="18" charset="0"/>
-              </a:rPr>
-              <a:t>에</a:t>
-            </a:r>
-            <a:r>
-              <a:rPr lang="ko-KR" altLang="ko-KR" sz="1800" kern="100" dirty="0">
-                <a:effectLst/>
-                <a:latin typeface="맑은 고딕" panose="020B0503020000020004" pitchFamily="50" charset="-127"/>
-                <a:ea typeface="맑은 고딕" panose="020B0503020000020004" pitchFamily="50" charset="-127"/>
-                <a:cs typeface="Times New Roman" panose="02020603050405020304" pitchFamily="18" charset="0"/>
-              </a:rPr>
-              <a:t> 대해 말씀드리도록 하겠습니다</a:t>
-            </a:r>
-            <a:r>
-              <a:rPr lang="en-US" altLang="ko-KR" sz="1800" kern="100" dirty="0">
-                <a:effectLst/>
-                <a:latin typeface="맑은 고딕" panose="020B0503020000020004" pitchFamily="50" charset="-127"/>
+              <a:rPr lang="ko-KR" altLang="ko-KR" sz="1800" dirty="0">
+                <a:effectLst/>
+                <a:ea typeface="맑은 고딕" panose="020B0503020000020004" pitchFamily="50" charset="-127"/>
+                <a:cs typeface="Times New Roman" panose="02020603050405020304" pitchFamily="18" charset="0"/>
+              </a:rPr>
+              <a:t>이제 이 서비스의 시스템 구성도에 대해 말씀드리도록 하겠습니다</a:t>
+            </a:r>
+            <a:r>
+              <a:rPr lang="en-US" altLang="ko-KR" sz="1800" dirty="0">
+                <a:effectLst/>
                 <a:ea typeface="맑은 고딕" panose="020B0503020000020004" pitchFamily="50" charset="-127"/>
                 <a:cs typeface="Times New Roman" panose="02020603050405020304" pitchFamily="18" charset="0"/>
               </a:rPr>
               <a:t>.</a:t>
             </a:r>
-          </a:p>
-          <a:p>
-            <a:pPr algn="just" latinLnBrk="1">
-              <a:lnSpc>
-                <a:spcPct val="107000"/>
-              </a:lnSpc>
-              <a:spcAft>
-                <a:spcPts val="800"/>
-              </a:spcAft>
-            </a:pPr>
-            <a:r>
-              <a:rPr lang="ko-KR" altLang="en-US" sz="1800" kern="100" dirty="0">
-                <a:effectLst/>
-                <a:latin typeface="맑은 고딕" panose="020B0503020000020004" pitchFamily="50" charset="-127"/>
-                <a:ea typeface="맑은 고딕" panose="020B0503020000020004" pitchFamily="50" charset="-127"/>
-                <a:cs typeface="Times New Roman" panose="02020603050405020304" pitchFamily="18" charset="0"/>
-              </a:rPr>
-              <a:t>저</a:t>
-            </a:r>
-            <a:r>
-              <a:rPr lang="ko-KR" altLang="ko-KR" sz="1800" kern="100" dirty="0">
-                <a:effectLst/>
-                <a:latin typeface="맑은 고딕" panose="020B0503020000020004" pitchFamily="50" charset="-127"/>
-                <a:ea typeface="맑은 고딕" panose="020B0503020000020004" pitchFamily="50" charset="-127"/>
-                <a:cs typeface="Times New Roman" panose="02020603050405020304" pitchFamily="18" charset="0"/>
-              </a:rPr>
-              <a:t>희</a:t>
-            </a:r>
-            <a:r>
-              <a:rPr lang="en-US" altLang="ko-KR" sz="1800" kern="100" dirty="0">
-                <a:effectLst/>
-                <a:latin typeface="맑은 고딕" panose="020B0503020000020004" pitchFamily="50" charset="-127"/>
+            <a:br>
+              <a:rPr lang="en-US" altLang="ko-KR" sz="1800" dirty="0">
+                <a:effectLst/>
+                <a:ea typeface="맑은 고딕" panose="020B0503020000020004" pitchFamily="50" charset="-127"/>
+                <a:cs typeface="Times New Roman" panose="02020603050405020304" pitchFamily="18" charset="0"/>
+              </a:rPr>
+            </a:br>
+            <a:r>
+              <a:rPr lang="ko-KR" altLang="ko-KR" sz="1800" dirty="0">
+                <a:effectLst/>
+                <a:ea typeface="맑은 고딕" panose="020B0503020000020004" pitchFamily="50" charset="-127"/>
+                <a:cs typeface="Times New Roman" panose="02020603050405020304" pitchFamily="18" charset="0"/>
+              </a:rPr>
+              <a:t>저희 앱은 </a:t>
+            </a:r>
+            <a:r>
+              <a:rPr lang="ko-KR" altLang="ko-KR" sz="1800" dirty="0" err="1">
+                <a:effectLst/>
+                <a:ea typeface="맑은 고딕" panose="020B0503020000020004" pitchFamily="50" charset="-127"/>
+                <a:cs typeface="Times New Roman" panose="02020603050405020304" pitchFamily="18" charset="0"/>
+              </a:rPr>
+              <a:t>웹앱</a:t>
+            </a:r>
+            <a:r>
+              <a:rPr lang="ko-KR" altLang="ko-KR" sz="1800" dirty="0">
+                <a:effectLst/>
+                <a:ea typeface="맑은 고딕" panose="020B0503020000020004" pitchFamily="50" charset="-127"/>
+                <a:cs typeface="Times New Roman" panose="02020603050405020304" pitchFamily="18" charset="0"/>
+              </a:rPr>
+              <a:t> 구조로써</a:t>
+            </a:r>
+            <a:r>
+              <a:rPr lang="en-US" altLang="ko-KR" sz="1800" dirty="0">
+                <a:effectLst/>
+                <a:ea typeface="맑은 고딕" panose="020B0503020000020004" pitchFamily="50" charset="-127"/>
+                <a:cs typeface="Times New Roman" panose="02020603050405020304" pitchFamily="18" charset="0"/>
+              </a:rPr>
+              <a:t>, APP</a:t>
+            </a:r>
+            <a:r>
+              <a:rPr lang="ko-KR" altLang="ko-KR" sz="1800" dirty="0">
+                <a:effectLst/>
+                <a:ea typeface="맑은 고딕" panose="020B0503020000020004" pitchFamily="50" charset="-127"/>
+                <a:cs typeface="Times New Roman" panose="02020603050405020304" pitchFamily="18" charset="0"/>
+              </a:rPr>
+              <a:t>에서</a:t>
+            </a:r>
+            <a:r>
+              <a:rPr lang="en-US" altLang="ko-KR" sz="1800" dirty="0">
+                <a:effectLst/>
+                <a:ea typeface="맑은 고딕" panose="020B0503020000020004" pitchFamily="50" charset="-127"/>
+                <a:cs typeface="Times New Roman" panose="02020603050405020304" pitchFamily="18" charset="0"/>
+              </a:rPr>
+              <a:t> WebView</a:t>
+            </a:r>
+            <a:r>
+              <a:rPr lang="ko-KR" altLang="ko-KR" sz="1800" dirty="0">
+                <a:effectLst/>
+                <a:ea typeface="맑은 고딕" panose="020B0503020000020004" pitchFamily="50" charset="-127"/>
+                <a:cs typeface="Times New Roman" panose="02020603050405020304" pitchFamily="18" charset="0"/>
+              </a:rPr>
+              <a:t>액티비티를 통해 </a:t>
+            </a:r>
+            <a:br>
+              <a:rPr lang="en-US" altLang="ko-KR" sz="1800" dirty="0">
+                <a:effectLst/>
+                <a:ea typeface="맑은 고딕" panose="020B0503020000020004" pitchFamily="50" charset="-127"/>
+                <a:cs typeface="Times New Roman" panose="02020603050405020304" pitchFamily="18" charset="0"/>
+              </a:rPr>
+            </a:br>
+            <a:r>
+              <a:rPr lang="en-US" altLang="ko-KR" sz="1800" dirty="0">
+                <a:effectLst/>
+                <a:ea typeface="맑은 고딕" panose="020B0503020000020004" pitchFamily="50" charset="-127"/>
+                <a:cs typeface="Times New Roman" panose="02020603050405020304" pitchFamily="18" charset="0"/>
+              </a:rPr>
+              <a:t>GCP</a:t>
+            </a:r>
+            <a:r>
+              <a:rPr lang="ko-KR" altLang="ko-KR" sz="1800" dirty="0">
+                <a:effectLst/>
+                <a:ea typeface="맑은 고딕" panose="020B0503020000020004" pitchFamily="50" charset="-127"/>
+                <a:cs typeface="Times New Roman" panose="02020603050405020304" pitchFamily="18" charset="0"/>
+              </a:rPr>
+              <a:t>서버 상에 있는</a:t>
+            </a:r>
+            <a:r>
+              <a:rPr lang="en-US" altLang="ko-KR" sz="1800" dirty="0">
+                <a:effectLst/>
+                <a:ea typeface="맑은 고딕" panose="020B0503020000020004" pitchFamily="50" charset="-127"/>
+                <a:cs typeface="Times New Roman" panose="02020603050405020304" pitchFamily="18" charset="0"/>
+              </a:rPr>
+              <a:t> responsive-</a:t>
+            </a:r>
+            <a:r>
+              <a:rPr lang="ko-KR" altLang="ko-KR" sz="1800" dirty="0">
+                <a:effectLst/>
+                <a:ea typeface="맑은 고딕" panose="020B0503020000020004" pitchFamily="50" charset="-127"/>
+                <a:cs typeface="Times New Roman" panose="02020603050405020304" pitchFamily="18" charset="0"/>
+              </a:rPr>
+              <a:t>웹페이지를 불러와 서비스를 제공할 예정입니다</a:t>
+            </a:r>
+            <a:r>
+              <a:rPr lang="en-US" altLang="ko-KR" sz="1800" dirty="0">
+                <a:effectLst/>
+                <a:ea typeface="맑은 고딕" panose="020B0503020000020004" pitchFamily="50" charset="-127"/>
+                <a:cs typeface="Times New Roman" panose="02020603050405020304" pitchFamily="18" charset="0"/>
+              </a:rPr>
+              <a:t>.</a:t>
+            </a:r>
+            <a:br>
+              <a:rPr lang="en-US" altLang="ko-KR" sz="1800" dirty="0">
+                <a:effectLst/>
+                <a:ea typeface="맑은 고딕" panose="020B0503020000020004" pitchFamily="50" charset="-127"/>
+                <a:cs typeface="Times New Roman" panose="02020603050405020304" pitchFamily="18" charset="0"/>
+              </a:rPr>
+            </a:br>
+            <a:r>
+              <a:rPr lang="ko-KR" altLang="ko-KR" sz="1800" dirty="0">
+                <a:effectLst/>
+                <a:ea typeface="맑은 고딕" panose="020B0503020000020004" pitchFamily="50" charset="-127"/>
+                <a:cs typeface="Times New Roman" panose="02020603050405020304" pitchFamily="18" charset="0"/>
+              </a:rPr>
+              <a:t>이렇게 개발하고자 한 이유는</a:t>
+            </a:r>
+            <a:r>
+              <a:rPr lang="en-US" altLang="ko-KR" sz="1800" dirty="0">
+                <a:effectLst/>
+                <a:ea typeface="맑은 고딕" panose="020B0503020000020004" pitchFamily="50" charset="-127"/>
+                <a:cs typeface="Times New Roman" panose="02020603050405020304" pitchFamily="18" charset="0"/>
+              </a:rPr>
+              <a:t>,</a:t>
+            </a:r>
+            <a:br>
+              <a:rPr lang="en-US" altLang="ko-KR" sz="1800" dirty="0">
+                <a:effectLst/>
+                <a:ea typeface="맑은 고딕" panose="020B0503020000020004" pitchFamily="50" charset="-127"/>
+                <a:cs typeface="Times New Roman" panose="02020603050405020304" pitchFamily="18" charset="0"/>
+              </a:rPr>
+            </a:br>
+            <a:r>
+              <a:rPr lang="ko-KR" altLang="ko-KR" sz="1800" dirty="0">
+                <a:effectLst/>
+                <a:ea typeface="맑은 고딕" panose="020B0503020000020004" pitchFamily="50" charset="-127"/>
+                <a:cs typeface="Times New Roman" panose="02020603050405020304" pitchFamily="18" charset="0"/>
+              </a:rPr>
+              <a:t>앱으로만 개발할 경우에는 </a:t>
+            </a:r>
+            <a:r>
+              <a:rPr lang="en-US" altLang="ko-KR" sz="1800" dirty="0">
+                <a:effectLst/>
+                <a:ea typeface="맑은 고딕" panose="020B0503020000020004" pitchFamily="50" charset="-127"/>
+                <a:cs typeface="Times New Roman" panose="02020603050405020304" pitchFamily="18" charset="0"/>
+              </a:rPr>
+              <a:t>xml </a:t>
+            </a:r>
+            <a:r>
+              <a:rPr lang="ko-KR" altLang="ko-KR" sz="1800" dirty="0">
+                <a:effectLst/>
+                <a:ea typeface="맑은 고딕" panose="020B0503020000020004" pitchFamily="50" charset="-127"/>
+                <a:cs typeface="Times New Roman" panose="02020603050405020304" pitchFamily="18" charset="0"/>
+              </a:rPr>
+              <a:t>단과 </a:t>
+            </a:r>
+            <a:r>
+              <a:rPr lang="en-US" altLang="ko-KR" sz="1800" dirty="0">
+                <a:effectLst/>
+                <a:ea typeface="맑은 고딕" panose="020B0503020000020004" pitchFamily="50" charset="-127"/>
+                <a:cs typeface="Times New Roman" panose="02020603050405020304" pitchFamily="18" charset="0"/>
+              </a:rPr>
+              <a:t>activity </a:t>
+            </a:r>
+            <a:r>
+              <a:rPr lang="ko-KR" altLang="ko-KR" sz="1800" dirty="0">
+                <a:effectLst/>
+                <a:ea typeface="맑은 고딕" panose="020B0503020000020004" pitchFamily="50" charset="-127"/>
+                <a:cs typeface="Times New Roman" panose="02020603050405020304" pitchFamily="18" charset="0"/>
+              </a:rPr>
+              <a:t>단에서의 연동도 필요하고</a:t>
+            </a:r>
+            <a:r>
+              <a:rPr lang="en-US" altLang="ko-KR" sz="1800" dirty="0">
+                <a:effectLst/>
+                <a:ea typeface="맑은 고딕" panose="020B0503020000020004" pitchFamily="50" charset="-127"/>
+                <a:cs typeface="Times New Roman" panose="02020603050405020304" pitchFamily="18" charset="0"/>
+              </a:rPr>
+              <a:t>,</a:t>
+            </a:r>
+            <a:br>
+              <a:rPr lang="en-US" altLang="ko-KR" sz="1800" dirty="0">
+                <a:effectLst/>
+                <a:ea typeface="맑은 고딕" panose="020B0503020000020004" pitchFamily="50" charset="-127"/>
+                <a:cs typeface="Times New Roman" panose="02020603050405020304" pitchFamily="18" charset="0"/>
+              </a:rPr>
+            </a:br>
+            <a:r>
+              <a:rPr lang="ko-KR" altLang="ko-KR" sz="1800" dirty="0">
+                <a:effectLst/>
+                <a:ea typeface="맑은 고딕" panose="020B0503020000020004" pitchFamily="50" charset="-127"/>
+                <a:cs typeface="Times New Roman" panose="02020603050405020304" pitchFamily="18" charset="0"/>
+              </a:rPr>
+              <a:t>서버로 데이터를 보내고 받아와야 하는 코드까지 </a:t>
+            </a:r>
+            <a:r>
+              <a:rPr lang="ko-KR" altLang="ko-KR" sz="1800" dirty="0" err="1">
+                <a:effectLst/>
+                <a:ea typeface="맑은 고딕" panose="020B0503020000020004" pitchFamily="50" charset="-127"/>
+                <a:cs typeface="Times New Roman" panose="02020603050405020304" pitchFamily="18" charset="0"/>
+              </a:rPr>
+              <a:t>신경써야</a:t>
+            </a:r>
+            <a:r>
+              <a:rPr lang="ko-KR" altLang="ko-KR" sz="1800" dirty="0">
+                <a:effectLst/>
+                <a:ea typeface="맑은 고딕" panose="020B0503020000020004" pitchFamily="50" charset="-127"/>
+                <a:cs typeface="Times New Roman" panose="02020603050405020304" pitchFamily="18" charset="0"/>
+              </a:rPr>
+              <a:t> 한다는 불편함이 있는 데에 반해</a:t>
+            </a:r>
+            <a:r>
+              <a:rPr lang="en-US" altLang="ko-KR" sz="1800" dirty="0">
+                <a:effectLst/>
+                <a:ea typeface="맑은 고딕" panose="020B0503020000020004" pitchFamily="50" charset="-127"/>
+                <a:cs typeface="Times New Roman" panose="02020603050405020304" pitchFamily="18" charset="0"/>
+              </a:rPr>
+              <a:t>,</a:t>
+            </a:r>
+            <a:br>
+              <a:rPr lang="en-US" altLang="ko-KR" sz="1800" dirty="0">
+                <a:effectLst/>
+                <a:ea typeface="맑은 고딕" panose="020B0503020000020004" pitchFamily="50" charset="-127"/>
+                <a:cs typeface="Times New Roman" panose="02020603050405020304" pitchFamily="18" charset="0"/>
+              </a:rPr>
+            </a:br>
+            <a:r>
+              <a:rPr lang="ko-KR" altLang="ko-KR" sz="1800" dirty="0" err="1">
+                <a:effectLst/>
+                <a:ea typeface="맑은 고딕" panose="020B0503020000020004" pitchFamily="50" charset="-127"/>
+                <a:cs typeface="Times New Roman" panose="02020603050405020304" pitchFamily="18" charset="0"/>
+              </a:rPr>
+              <a:t>웹앱으로</a:t>
+            </a:r>
+            <a:r>
+              <a:rPr lang="ko-KR" altLang="ko-KR" sz="1800" dirty="0">
+                <a:effectLst/>
+                <a:ea typeface="맑은 고딕" panose="020B0503020000020004" pitchFamily="50" charset="-127"/>
+                <a:cs typeface="Times New Roman" panose="02020603050405020304" pitchFamily="18" charset="0"/>
+              </a:rPr>
+              <a:t> 개발할 경우</a:t>
+            </a:r>
+            <a:r>
+              <a:rPr lang="en-US" altLang="ko-KR" sz="1800" dirty="0">
+                <a:effectLst/>
+                <a:ea typeface="맑은 고딕" panose="020B0503020000020004" pitchFamily="50" charset="-127"/>
+                <a:cs typeface="Times New Roman" panose="02020603050405020304" pitchFamily="18" charset="0"/>
+              </a:rPr>
+              <a:t>, </a:t>
+            </a:r>
+            <a:r>
+              <a:rPr lang="ko-KR" altLang="ko-KR" sz="1800" dirty="0">
+                <a:effectLst/>
+                <a:ea typeface="맑은 고딕" panose="020B0503020000020004" pitchFamily="50" charset="-127"/>
+                <a:cs typeface="Times New Roman" panose="02020603050405020304" pitchFamily="18" charset="0"/>
+              </a:rPr>
+              <a:t>간단하게 </a:t>
+            </a:r>
+            <a:r>
+              <a:rPr lang="en-US" altLang="ko-KR" sz="1800" dirty="0">
+                <a:effectLst/>
+                <a:ea typeface="맑은 고딕" panose="020B0503020000020004" pitchFamily="50" charset="-127"/>
+                <a:cs typeface="Times New Roman" panose="02020603050405020304" pitchFamily="18" charset="0"/>
+              </a:rPr>
+              <a:t>form</a:t>
+            </a:r>
+            <a:r>
+              <a:rPr lang="ko-KR" altLang="ko-KR" sz="1800" dirty="0">
+                <a:effectLst/>
+                <a:ea typeface="맑은 고딕" panose="020B0503020000020004" pitchFamily="50" charset="-127"/>
+                <a:cs typeface="Times New Roman" panose="02020603050405020304" pitchFamily="18" charset="0"/>
+              </a:rPr>
+              <a:t>에서 </a:t>
+            </a:r>
+            <a:r>
+              <a:rPr lang="en-US" altLang="ko-KR" sz="1800" dirty="0">
+                <a:effectLst/>
+                <a:ea typeface="맑은 고딕" panose="020B0503020000020004" pitchFamily="50" charset="-127"/>
+                <a:cs typeface="Times New Roman" panose="02020603050405020304" pitchFamily="18" charset="0"/>
+              </a:rPr>
+              <a:t>value</a:t>
+            </a:r>
+            <a:r>
+              <a:rPr lang="ko-KR" altLang="ko-KR" sz="1800" dirty="0">
+                <a:effectLst/>
+                <a:ea typeface="맑은 고딕" panose="020B0503020000020004" pitchFamily="50" charset="-127"/>
+                <a:cs typeface="Times New Roman" panose="02020603050405020304" pitchFamily="18" charset="0"/>
+              </a:rPr>
+              <a:t>값만 </a:t>
+            </a:r>
+            <a:r>
+              <a:rPr lang="ko-KR" altLang="ko-KR" sz="1800" dirty="0" err="1">
+                <a:effectLst/>
+                <a:ea typeface="맑은 고딕" panose="020B0503020000020004" pitchFamily="50" charset="-127"/>
+                <a:cs typeface="Times New Roman" panose="02020603050405020304" pitchFamily="18" charset="0"/>
+              </a:rPr>
+              <a:t>신경쓰면</a:t>
+            </a:r>
+            <a:r>
+              <a:rPr lang="ko-KR" altLang="ko-KR" sz="1800" dirty="0">
+                <a:effectLst/>
+                <a:ea typeface="맑은 고딕" panose="020B0503020000020004" pitchFamily="50" charset="-127"/>
+                <a:cs typeface="Times New Roman" panose="02020603050405020304" pitchFamily="18" charset="0"/>
+              </a:rPr>
+              <a:t> 되고</a:t>
+            </a:r>
+            <a:r>
+              <a:rPr lang="en-US" altLang="ko-KR" sz="1800" dirty="0">
+                <a:effectLst/>
+                <a:ea typeface="맑은 고딕" panose="020B0503020000020004" pitchFamily="50" charset="-127"/>
+                <a:cs typeface="Times New Roman" panose="02020603050405020304" pitchFamily="18" charset="0"/>
+              </a:rPr>
+              <a:t>,</a:t>
+            </a:r>
+            <a:br>
+              <a:rPr lang="en-US" altLang="ko-KR" sz="1800" dirty="0">
+                <a:effectLst/>
+                <a:ea typeface="맑은 고딕" panose="020B0503020000020004" pitchFamily="50" charset="-127"/>
+                <a:cs typeface="Times New Roman" panose="02020603050405020304" pitchFamily="18" charset="0"/>
+              </a:rPr>
+            </a:br>
+            <a:r>
+              <a:rPr lang="ko-KR" altLang="ko-KR" sz="1800" dirty="0">
+                <a:effectLst/>
+                <a:ea typeface="맑은 고딕" panose="020B0503020000020004" pitchFamily="50" charset="-127"/>
+                <a:cs typeface="Times New Roman" panose="02020603050405020304" pitchFamily="18" charset="0"/>
+              </a:rPr>
+              <a:t>웹 위치 또한 서버 단에 존재하기 때문에</a:t>
+            </a:r>
+            <a:r>
+              <a:rPr lang="en-US" altLang="ko-KR" sz="1800" dirty="0">
+                <a:effectLst/>
+                <a:ea typeface="맑은 고딕" panose="020B0503020000020004" pitchFamily="50" charset="-127"/>
+                <a:cs typeface="Times New Roman" panose="02020603050405020304" pitchFamily="18" charset="0"/>
+              </a:rPr>
+              <a:t>, </a:t>
+            </a:r>
+            <a:r>
+              <a:rPr lang="ko-KR" altLang="ko-KR" sz="1800" dirty="0">
+                <a:effectLst/>
+                <a:ea typeface="맑은 고딕" panose="020B0503020000020004" pitchFamily="50" charset="-127"/>
+                <a:cs typeface="Times New Roman" panose="02020603050405020304" pitchFamily="18" charset="0"/>
+              </a:rPr>
+              <a:t>데이터 송수신 및 가공도 보다 간편하기 때문입니다</a:t>
+            </a:r>
+            <a:r>
+              <a:rPr lang="en-US" altLang="ko-KR" sz="1800" dirty="0">
+                <a:effectLst/>
+                <a:ea typeface="맑은 고딕" panose="020B0503020000020004" pitchFamily="50" charset="-127"/>
+                <a:cs typeface="Times New Roman" panose="02020603050405020304" pitchFamily="18" charset="0"/>
+              </a:rPr>
+              <a:t>.</a:t>
+            </a:r>
+            <a:br>
+              <a:rPr lang="en-US" altLang="ko-KR" sz="1800" dirty="0">
+                <a:effectLst/>
+                <a:ea typeface="맑은 고딕" panose="020B0503020000020004" pitchFamily="50" charset="-127"/>
+                <a:cs typeface="Times New Roman" panose="02020603050405020304" pitchFamily="18" charset="0"/>
+              </a:rPr>
+            </a:br>
+            <a:r>
+              <a:rPr lang="ko-KR" altLang="ko-KR" sz="1800" dirty="0">
+                <a:effectLst/>
+                <a:ea typeface="맑은 고딕" panose="020B0503020000020004" pitchFamily="50" charset="-127"/>
+                <a:cs typeface="Times New Roman" panose="02020603050405020304" pitchFamily="18" charset="0"/>
+              </a:rPr>
+              <a:t>디바이스의 경우</a:t>
+            </a:r>
+            <a:r>
+              <a:rPr lang="en-US" altLang="ko-KR" sz="1800" dirty="0">
+                <a:effectLst/>
+                <a:ea typeface="맑은 고딕" panose="020B0503020000020004" pitchFamily="50" charset="-127"/>
+                <a:cs typeface="Times New Roman" panose="02020603050405020304" pitchFamily="18" charset="0"/>
+              </a:rPr>
+              <a:t>, </a:t>
+            </a:r>
+            <a:r>
+              <a:rPr lang="ko-KR" altLang="ko-KR" sz="1800" dirty="0">
+                <a:effectLst/>
+                <a:ea typeface="맑은 고딕" panose="020B0503020000020004" pitchFamily="50" charset="-127"/>
+                <a:cs typeface="Times New Roman" panose="02020603050405020304" pitchFamily="18" charset="0"/>
+              </a:rPr>
+              <a:t>저희 서비스의 주요 기능이 손소독제의 상태 파악이기 때문에 </a:t>
+            </a:r>
+            <a:br>
+              <a:rPr lang="en-US" altLang="ko-KR" sz="1800" dirty="0">
+                <a:effectLst/>
+                <a:ea typeface="맑은 고딕" panose="020B0503020000020004" pitchFamily="50" charset="-127"/>
+                <a:cs typeface="Times New Roman" panose="02020603050405020304" pitchFamily="18" charset="0"/>
+              </a:rPr>
+            </a:br>
+            <a:r>
+              <a:rPr lang="ko-KR" altLang="ko-KR" sz="1800" dirty="0">
+                <a:effectLst/>
+                <a:ea typeface="맑은 고딕" panose="020B0503020000020004" pitchFamily="50" charset="-127"/>
+                <a:cs typeface="Times New Roman" panose="02020603050405020304" pitchFamily="18" charset="0"/>
+              </a:rPr>
+              <a:t>이를 파악하기 위해 </a:t>
+            </a:r>
+            <a:r>
+              <a:rPr lang="ko-KR" altLang="ko-KR" sz="1800" dirty="0" err="1">
+                <a:effectLst/>
+                <a:ea typeface="맑은 고딕" panose="020B0503020000020004" pitchFamily="50" charset="-127"/>
+                <a:cs typeface="Times New Roman" panose="02020603050405020304" pitchFamily="18" charset="0"/>
+              </a:rPr>
+              <a:t>아두이노와</a:t>
+            </a:r>
+            <a:r>
+              <a:rPr lang="ko-KR" altLang="ko-KR" sz="1800" dirty="0">
+                <a:effectLst/>
                 <a:ea typeface="맑은 고딕" panose="020B0503020000020004" pitchFamily="50" charset="-127"/>
                 <a:cs typeface="Times New Roman" panose="02020603050405020304" pitchFamily="18" charset="0"/>
               </a:rPr>
               <a:t> </a:t>
             </a:r>
             <a:r>
-              <a:rPr lang="ko-KR" altLang="ko-KR" sz="1800" kern="100" dirty="0">
-                <a:effectLst/>
-                <a:latin typeface="맑은 고딕" panose="020B0503020000020004" pitchFamily="50" charset="-127"/>
-                <a:ea typeface="맑은 고딕" panose="020B0503020000020004" pitchFamily="50" charset="-127"/>
-                <a:cs typeface="Times New Roman" panose="02020603050405020304" pitchFamily="18" charset="0"/>
-              </a:rPr>
-              <a:t>앱은 </a:t>
-            </a:r>
-            <a:r>
-              <a:rPr lang="ko-KR" altLang="ko-KR" sz="1800" kern="100" dirty="0" err="1">
-                <a:effectLst/>
-                <a:latin typeface="맑은 고딕" panose="020B0503020000020004" pitchFamily="50" charset="-127"/>
-                <a:ea typeface="맑은 고딕" panose="020B0503020000020004" pitchFamily="50" charset="-127"/>
-                <a:cs typeface="Times New Roman" panose="02020603050405020304" pitchFamily="18" charset="0"/>
-              </a:rPr>
-              <a:t>웹앱</a:t>
-            </a:r>
-            <a:r>
-              <a:rPr lang="ko-KR" altLang="ko-KR" sz="1800" kern="100" dirty="0">
-                <a:effectLst/>
-                <a:latin typeface="맑은 고딕" panose="020B0503020000020004" pitchFamily="50" charset="-127"/>
-                <a:ea typeface="맑은 고딕" panose="020B0503020000020004" pitchFamily="50" charset="-127"/>
-                <a:cs typeface="Times New Roman" panose="02020603050405020304" pitchFamily="18" charset="0"/>
-              </a:rPr>
-              <a:t> 구조로써</a:t>
-            </a:r>
-            <a:r>
-              <a:rPr lang="en-US" altLang="ko-KR" sz="1800" kern="100" dirty="0">
-                <a:effectLst/>
-                <a:latin typeface="맑은 고딕" panose="020B0503020000020004" pitchFamily="50" charset="-127"/>
-                <a:ea typeface="맑은 고딕" panose="020B0503020000020004" pitchFamily="50" charset="-127"/>
-                <a:cs typeface="Times New Roman" panose="02020603050405020304" pitchFamily="18" charset="0"/>
-              </a:rPr>
-              <a:t>, APP</a:t>
-            </a:r>
-            <a:r>
-              <a:rPr lang="ko-KR" altLang="ko-KR" sz="1800" kern="100" dirty="0">
-                <a:effectLst/>
-                <a:latin typeface="맑은 고딕" panose="020B0503020000020004" pitchFamily="50" charset="-127"/>
-                <a:ea typeface="맑은 고딕" panose="020B0503020000020004" pitchFamily="50" charset="-127"/>
-                <a:cs typeface="Times New Roman" panose="02020603050405020304" pitchFamily="18" charset="0"/>
-              </a:rPr>
-              <a:t>에서 </a:t>
-            </a:r>
-            <a:r>
-              <a:rPr lang="en-US" altLang="ko-KR" sz="1800" kern="100" dirty="0">
-                <a:effectLst/>
-                <a:latin typeface="맑은 고딕" panose="020B0503020000020004" pitchFamily="50" charset="-127"/>
-                <a:ea typeface="맑은 고딕" panose="020B0503020000020004" pitchFamily="50" charset="-127"/>
-                <a:cs typeface="Times New Roman" panose="02020603050405020304" pitchFamily="18" charset="0"/>
-              </a:rPr>
-              <a:t>WebView</a:t>
-            </a:r>
-            <a:r>
-              <a:rPr lang="ko-KR" altLang="ko-KR" sz="1800" kern="100" dirty="0">
-                <a:effectLst/>
-                <a:latin typeface="맑은 고딕" panose="020B0503020000020004" pitchFamily="50" charset="-127"/>
-                <a:ea typeface="맑은 고딕" panose="020B0503020000020004" pitchFamily="50" charset="-127"/>
-                <a:cs typeface="Times New Roman" panose="02020603050405020304" pitchFamily="18" charset="0"/>
-              </a:rPr>
-              <a:t>액티비티를 통해 </a:t>
-            </a:r>
-            <a:endParaRPr lang="en-US" altLang="ko-KR" sz="1800" kern="100" dirty="0">
-              <a:effectLst/>
-              <a:latin typeface="맑은 고딕" panose="020B0503020000020004" pitchFamily="50" charset="-127"/>
-              <a:ea typeface="맑은 고딕" panose="020B0503020000020004" pitchFamily="50" charset="-127"/>
-              <a:cs typeface="Times New Roman" panose="02020603050405020304" pitchFamily="18" charset="0"/>
-            </a:endParaRPr>
-          </a:p>
-          <a:p>
-            <a:pPr algn="just" latinLnBrk="1">
-              <a:lnSpc>
-                <a:spcPct val="107000"/>
-              </a:lnSpc>
-              <a:spcAft>
-                <a:spcPts val="800"/>
-              </a:spcAft>
-            </a:pPr>
-            <a:r>
-              <a:rPr lang="en-US" altLang="ko-KR" sz="1800" kern="100" dirty="0">
-                <a:effectLst/>
-                <a:latin typeface="맑은 고딕" panose="020B0503020000020004" pitchFamily="50" charset="-127"/>
-                <a:ea typeface="맑은 고딕" panose="020B0503020000020004" pitchFamily="50" charset="-127"/>
-                <a:cs typeface="Times New Roman" panose="02020603050405020304" pitchFamily="18" charset="0"/>
-              </a:rPr>
-              <a:t>GCP</a:t>
-            </a:r>
-            <a:r>
-              <a:rPr lang="ko-KR" altLang="ko-KR" sz="1800" kern="100" dirty="0">
-                <a:effectLst/>
-                <a:latin typeface="맑은 고딕" panose="020B0503020000020004" pitchFamily="50" charset="-127"/>
-                <a:ea typeface="맑은 고딕" panose="020B0503020000020004" pitchFamily="50" charset="-127"/>
-                <a:cs typeface="Times New Roman" panose="02020603050405020304" pitchFamily="18" charset="0"/>
-              </a:rPr>
-              <a:t>서버</a:t>
-            </a:r>
-            <a:r>
-              <a:rPr lang="en-US" altLang="ko-KR" sz="1800" kern="100" dirty="0">
-                <a:effectLst/>
-                <a:latin typeface="맑은 고딕" panose="020B0503020000020004" pitchFamily="50" charset="-127"/>
-                <a:ea typeface="맑은 고딕" panose="020B0503020000020004" pitchFamily="50" charset="-127"/>
-                <a:cs typeface="Times New Roman" panose="02020603050405020304" pitchFamily="18" charset="0"/>
-              </a:rPr>
-              <a:t> </a:t>
-            </a:r>
-            <a:r>
-              <a:rPr lang="ko-KR" altLang="ko-KR" sz="1800" kern="100" dirty="0">
-                <a:effectLst/>
-                <a:latin typeface="맑은 고딕" panose="020B0503020000020004" pitchFamily="50" charset="-127"/>
-                <a:ea typeface="맑은 고딕" panose="020B0503020000020004" pitchFamily="50" charset="-127"/>
-                <a:cs typeface="Times New Roman" panose="02020603050405020304" pitchFamily="18" charset="0"/>
-              </a:rPr>
-              <a:t>상에 있는 </a:t>
-            </a:r>
-            <a:r>
-              <a:rPr lang="en-US" altLang="ko-KR" sz="1800" kern="100" dirty="0">
-                <a:effectLst/>
-                <a:latin typeface="맑은 고딕" panose="020B0503020000020004" pitchFamily="50" charset="-127"/>
-                <a:ea typeface="맑은 고딕" panose="020B0503020000020004" pitchFamily="50" charset="-127"/>
-                <a:cs typeface="Times New Roman" panose="02020603050405020304" pitchFamily="18" charset="0"/>
-              </a:rPr>
-              <a:t>responsive-</a:t>
-            </a:r>
-            <a:r>
-              <a:rPr lang="ko-KR" altLang="ko-KR" sz="1800" kern="100" dirty="0">
-                <a:effectLst/>
-                <a:latin typeface="맑은 고딕" panose="020B0503020000020004" pitchFamily="50" charset="-127"/>
-                <a:ea typeface="맑은 고딕" panose="020B0503020000020004" pitchFamily="50" charset="-127"/>
-                <a:cs typeface="Times New Roman" panose="02020603050405020304" pitchFamily="18" charset="0"/>
-              </a:rPr>
-              <a:t>웹페이지를 불러와 서비스를 제공할 예정입니다</a:t>
-            </a:r>
-            <a:r>
-              <a:rPr lang="en-US" altLang="ko-KR" sz="1800" kern="100" dirty="0">
-                <a:effectLst/>
-                <a:latin typeface="맑은 고딕" panose="020B0503020000020004" pitchFamily="50" charset="-127"/>
+              <a:rPr lang="ko-KR" altLang="ko-KR" sz="1800" dirty="0" err="1">
+                <a:effectLst/>
+                <a:ea typeface="맑은 고딕" panose="020B0503020000020004" pitchFamily="50" charset="-127"/>
+                <a:cs typeface="Times New Roman" panose="02020603050405020304" pitchFamily="18" charset="0"/>
+              </a:rPr>
+              <a:t>로드셀을</a:t>
+            </a:r>
+            <a:r>
+              <a:rPr lang="en-US" altLang="ko-KR" sz="1800" dirty="0">
+                <a:effectLst/>
+                <a:ea typeface="맑은 고딕" panose="020B0503020000020004" pitchFamily="50" charset="-127"/>
+                <a:cs typeface="Times New Roman" panose="02020603050405020304" pitchFamily="18" charset="0"/>
+              </a:rPr>
+              <a:t> hx711</a:t>
+            </a:r>
+            <a:r>
+              <a:rPr lang="ko-KR" altLang="ko-KR" sz="1800" dirty="0">
+                <a:effectLst/>
+                <a:ea typeface="맑은 고딕" panose="020B0503020000020004" pitchFamily="50" charset="-127"/>
+                <a:cs typeface="Times New Roman" panose="02020603050405020304" pitchFamily="18" charset="0"/>
+              </a:rPr>
+              <a:t>을 이용하여 연결한 뒤</a:t>
+            </a:r>
+            <a:r>
+              <a:rPr lang="en-US" altLang="ko-KR" sz="1800" dirty="0">
+                <a:effectLst/>
+                <a:ea typeface="맑은 고딕" panose="020B0503020000020004" pitchFamily="50" charset="-127"/>
+                <a:cs typeface="Times New Roman" panose="02020603050405020304" pitchFamily="18" charset="0"/>
+              </a:rPr>
+              <a:t>, </a:t>
+            </a:r>
+            <a:br>
+              <a:rPr lang="en-US" altLang="ko-KR" sz="1800" dirty="0">
+                <a:effectLst/>
+                <a:ea typeface="맑은 고딕" panose="020B0503020000020004" pitchFamily="50" charset="-127"/>
+                <a:cs typeface="Times New Roman" panose="02020603050405020304" pitchFamily="18" charset="0"/>
+              </a:rPr>
+            </a:br>
+            <a:r>
+              <a:rPr lang="ko-KR" altLang="ko-KR" sz="1800" dirty="0">
+                <a:effectLst/>
+                <a:ea typeface="맑은 고딕" panose="020B0503020000020004" pitchFamily="50" charset="-127"/>
+                <a:cs typeface="Times New Roman" panose="02020603050405020304" pitchFamily="18" charset="0"/>
+              </a:rPr>
+              <a:t>손세정제의 무게를 받아올 것입니다</a:t>
+            </a:r>
+            <a:r>
+              <a:rPr lang="en-US" altLang="ko-KR" sz="1800" dirty="0">
+                <a:effectLst/>
                 <a:ea typeface="맑은 고딕" panose="020B0503020000020004" pitchFamily="50" charset="-127"/>
                 <a:cs typeface="Times New Roman" panose="02020603050405020304" pitchFamily="18" charset="0"/>
               </a:rPr>
               <a:t>.</a:t>
             </a:r>
-            <a:endParaRPr lang="ko-KR" altLang="ko-KR" sz="1800" kern="100" dirty="0">
-              <a:effectLst/>
-              <a:latin typeface="맑은 고딕" panose="020B0503020000020004" pitchFamily="50" charset="-127"/>
-              <a:ea typeface="맑은 고딕" panose="020B0503020000020004" pitchFamily="50" charset="-127"/>
-              <a:cs typeface="Times New Roman" panose="02020603050405020304" pitchFamily="18" charset="0"/>
-            </a:endParaRPr>
-          </a:p>
-          <a:p>
-            <a:pPr algn="just" latinLnBrk="1">
-              <a:lnSpc>
-                <a:spcPct val="107000"/>
-              </a:lnSpc>
-              <a:spcAft>
-                <a:spcPts val="800"/>
-              </a:spcAft>
-            </a:pPr>
-            <a:r>
-              <a:rPr lang="ko-KR" altLang="en-US" sz="1800" kern="100" dirty="0">
-                <a:effectLst/>
-                <a:latin typeface="맑은 고딕" panose="020B0503020000020004" pitchFamily="50" charset="-127"/>
-                <a:ea typeface="맑은 고딕" panose="020B0503020000020004" pitchFamily="50" charset="-127"/>
-                <a:cs typeface="Times New Roman" panose="02020603050405020304" pitchFamily="18" charset="0"/>
-              </a:rPr>
-              <a:t>디바이스의 경우</a:t>
-            </a:r>
-            <a:r>
-              <a:rPr lang="en-US" altLang="ko-KR" sz="1800" kern="100" dirty="0">
-                <a:effectLst/>
-                <a:latin typeface="맑은 고딕" panose="020B0503020000020004" pitchFamily="50" charset="-127"/>
+            <a:br>
+              <a:rPr lang="en-US" altLang="ko-KR" sz="1800" dirty="0">
+                <a:effectLst/>
+                <a:ea typeface="맑은 고딕" panose="020B0503020000020004" pitchFamily="50" charset="-127"/>
+                <a:cs typeface="Times New Roman" panose="02020603050405020304" pitchFamily="18" charset="0"/>
+              </a:rPr>
+            </a:br>
+            <a:r>
+              <a:rPr lang="ko-KR" altLang="ko-KR" sz="1800" dirty="0">
+                <a:effectLst/>
+                <a:ea typeface="맑은 고딕" panose="020B0503020000020004" pitchFamily="50" charset="-127"/>
+                <a:cs typeface="Times New Roman" panose="02020603050405020304" pitchFamily="18" charset="0"/>
+              </a:rPr>
+              <a:t>그리고 받아온 무게는 당연히 서버 상에서 관리가 되어야 하기 때문에</a:t>
+            </a:r>
+            <a:r>
+              <a:rPr lang="en-US" altLang="ko-KR" sz="1800" dirty="0">
+                <a:effectLst/>
                 <a:ea typeface="맑은 고딕" panose="020B0503020000020004" pitchFamily="50" charset="-127"/>
                 <a:cs typeface="Times New Roman" panose="02020603050405020304" pitchFamily="18" charset="0"/>
               </a:rPr>
               <a:t>, </a:t>
             </a:r>
             <a:r>
-              <a:rPr lang="ko-KR" altLang="ko-KR" sz="1800" kern="100" dirty="0" err="1">
-                <a:effectLst/>
-                <a:latin typeface="맑은 고딕" panose="020B0503020000020004" pitchFamily="50" charset="-127"/>
-                <a:ea typeface="맑은 고딕" panose="020B0503020000020004" pitchFamily="50" charset="-127"/>
-                <a:cs typeface="Times New Roman" panose="02020603050405020304" pitchFamily="18" charset="0"/>
-              </a:rPr>
-              <a:t>아두이노와</a:t>
-            </a:r>
-            <a:r>
-              <a:rPr lang="ko-KR" altLang="ko-KR" sz="1800" kern="100" dirty="0">
-                <a:effectLst/>
-                <a:latin typeface="맑은 고딕" panose="020B0503020000020004" pitchFamily="50" charset="-127"/>
-                <a:ea typeface="맑은 고딕" panose="020B0503020000020004" pitchFamily="50" charset="-127"/>
-                <a:cs typeface="Times New Roman" panose="02020603050405020304" pitchFamily="18" charset="0"/>
-              </a:rPr>
-              <a:t> </a:t>
-            </a:r>
-            <a:r>
-              <a:rPr lang="ko-KR" altLang="ko-KR" sz="1800" kern="100" dirty="0" err="1">
-                <a:effectLst/>
-                <a:latin typeface="맑은 고딕" panose="020B0503020000020004" pitchFamily="50" charset="-127"/>
-                <a:ea typeface="맑은 고딕" panose="020B0503020000020004" pitchFamily="50" charset="-127"/>
-                <a:cs typeface="Times New Roman" panose="02020603050405020304" pitchFamily="18" charset="0"/>
-              </a:rPr>
-              <a:t>로드셀을</a:t>
-            </a:r>
-            <a:r>
-              <a:rPr lang="ko-KR" altLang="ko-KR" sz="1800" kern="100" dirty="0">
-                <a:effectLst/>
-                <a:latin typeface="맑은 고딕" panose="020B0503020000020004" pitchFamily="50" charset="-127"/>
-                <a:ea typeface="맑은 고딕" panose="020B0503020000020004" pitchFamily="50" charset="-127"/>
-                <a:cs typeface="Times New Roman" panose="02020603050405020304" pitchFamily="18" charset="0"/>
-              </a:rPr>
-              <a:t> </a:t>
-            </a:r>
-            <a:r>
-              <a:rPr lang="en-US" altLang="ko-KR" sz="1800" kern="100" dirty="0">
-                <a:effectLst/>
-                <a:latin typeface="맑은 고딕" panose="020B0503020000020004" pitchFamily="50" charset="-127"/>
-                <a:ea typeface="맑은 고딕" panose="020B0503020000020004" pitchFamily="50" charset="-127"/>
-                <a:cs typeface="Times New Roman" panose="02020603050405020304" pitchFamily="18" charset="0"/>
-              </a:rPr>
-              <a:t>hx711</a:t>
-            </a:r>
-            <a:r>
-              <a:rPr lang="ko-KR" altLang="ko-KR" sz="1800" kern="100" dirty="0">
-                <a:effectLst/>
-                <a:latin typeface="맑은 고딕" panose="020B0503020000020004" pitchFamily="50" charset="-127"/>
-                <a:ea typeface="맑은 고딕" panose="020B0503020000020004" pitchFamily="50" charset="-127"/>
-                <a:cs typeface="Times New Roman" panose="02020603050405020304" pitchFamily="18" charset="0"/>
-              </a:rPr>
-              <a:t>을 이용하여 연결한</a:t>
-            </a:r>
-            <a:r>
-              <a:rPr lang="en-US" altLang="ko-KR" sz="1800" kern="100" dirty="0">
-                <a:effectLst/>
-                <a:latin typeface="맑은 고딕" panose="020B0503020000020004" pitchFamily="50" charset="-127"/>
-                <a:ea typeface="맑은 고딕" panose="020B0503020000020004" pitchFamily="50" charset="-127"/>
-                <a:cs typeface="Times New Roman" panose="02020603050405020304" pitchFamily="18" charset="0"/>
-              </a:rPr>
-              <a:t> </a:t>
-            </a:r>
-            <a:r>
-              <a:rPr lang="ko-KR" altLang="ko-KR" sz="1800" kern="100" dirty="0">
-                <a:effectLst/>
-                <a:latin typeface="맑은 고딕" panose="020B0503020000020004" pitchFamily="50" charset="-127"/>
-                <a:ea typeface="맑은 고딕" panose="020B0503020000020004" pitchFamily="50" charset="-127"/>
-                <a:cs typeface="Times New Roman" panose="02020603050405020304" pitchFamily="18" charset="0"/>
-              </a:rPr>
-              <a:t>뒤</a:t>
-            </a:r>
-            <a:r>
-              <a:rPr lang="en-US" altLang="ko-KR" sz="1800" kern="100" dirty="0">
-                <a:effectLst/>
-                <a:latin typeface="맑은 고딕" panose="020B0503020000020004" pitchFamily="50" charset="-127"/>
+              <a:rPr lang="en-US" altLang="ko-KR" sz="1800" dirty="0" err="1">
+                <a:effectLst/>
+                <a:ea typeface="맑은 고딕" panose="020B0503020000020004" pitchFamily="50" charset="-127"/>
+                <a:cs typeface="Times New Roman" panose="02020603050405020304" pitchFamily="18" charset="0"/>
+              </a:rPr>
+              <a:t>esp</a:t>
+            </a:r>
+            <a:r>
+              <a:rPr lang="ko-KR" altLang="ko-KR" sz="1800" dirty="0">
+                <a:effectLst/>
+                <a:ea typeface="맑은 고딕" panose="020B0503020000020004" pitchFamily="50" charset="-127"/>
+                <a:cs typeface="Times New Roman" panose="02020603050405020304" pitchFamily="18" charset="0"/>
+              </a:rPr>
+              <a:t>모듈을 이용하여 와이파이에 연결하고</a:t>
+            </a:r>
+            <a:r>
+              <a:rPr lang="en-US" altLang="ko-KR" sz="1800" dirty="0">
+                <a:effectLst/>
+                <a:ea typeface="맑은 고딕" panose="020B0503020000020004" pitchFamily="50" charset="-127"/>
+                <a:cs typeface="Times New Roman" panose="02020603050405020304" pitchFamily="18" charset="0"/>
+              </a:rPr>
+              <a:t>, &amp;cube</a:t>
+            </a:r>
+            <a:r>
+              <a:rPr lang="ko-KR" altLang="ko-KR" sz="1800" dirty="0">
+                <a:effectLst/>
+                <a:ea typeface="맑은 고딕" panose="020B0503020000020004" pitchFamily="50" charset="-127"/>
+                <a:cs typeface="Times New Roman" panose="02020603050405020304" pitchFamily="18" charset="0"/>
+              </a:rPr>
+              <a:t>를 이용하여 </a:t>
+            </a:r>
+            <a:r>
+              <a:rPr lang="ko-KR" altLang="ko-KR" sz="1800" dirty="0" err="1">
+                <a:effectLst/>
+                <a:ea typeface="맑은 고딕" panose="020B0503020000020004" pitchFamily="50" charset="-127"/>
+                <a:cs typeface="Times New Roman" panose="02020603050405020304" pitchFamily="18" charset="0"/>
+              </a:rPr>
+              <a:t>모비우스</a:t>
+            </a:r>
+            <a:r>
+              <a:rPr lang="ko-KR" altLang="ko-KR" sz="1800" dirty="0">
+                <a:effectLst/>
+                <a:ea typeface="맑은 고딕" panose="020B0503020000020004" pitchFamily="50" charset="-127"/>
+                <a:cs typeface="Times New Roman" panose="02020603050405020304" pitchFamily="18" charset="0"/>
+              </a:rPr>
+              <a:t> 서버로 무게 데이터를 전송합니다</a:t>
+            </a:r>
+            <a:r>
+              <a:rPr lang="en-US" altLang="ko-KR" sz="1800" dirty="0">
+                <a:effectLst/>
+                <a:ea typeface="맑은 고딕" panose="020B0503020000020004" pitchFamily="50" charset="-127"/>
+                <a:cs typeface="Times New Roman" panose="02020603050405020304" pitchFamily="18" charset="0"/>
+              </a:rPr>
+              <a:t>.</a:t>
+            </a:r>
+            <a:br>
+              <a:rPr lang="en-US" altLang="ko-KR" sz="1800" dirty="0">
+                <a:effectLst/>
+                <a:ea typeface="맑은 고딕" panose="020B0503020000020004" pitchFamily="50" charset="-127"/>
+                <a:cs typeface="Times New Roman" panose="02020603050405020304" pitchFamily="18" charset="0"/>
+              </a:rPr>
+            </a:br>
+            <a:r>
+              <a:rPr lang="ko-KR" altLang="ko-KR" sz="1800" dirty="0">
+                <a:effectLst/>
+                <a:ea typeface="맑은 고딕" panose="020B0503020000020004" pitchFamily="50" charset="-127"/>
+                <a:cs typeface="Times New Roman" panose="02020603050405020304" pitchFamily="18" charset="0"/>
+              </a:rPr>
+              <a:t>이렇게 서버에 올라가게 된 무게 데이터는</a:t>
+            </a:r>
+            <a:r>
+              <a:rPr lang="en-US" altLang="ko-KR" sz="1800" dirty="0">
+                <a:effectLst/>
                 <a:ea typeface="맑은 고딕" panose="020B0503020000020004" pitchFamily="50" charset="-127"/>
                 <a:cs typeface="Times New Roman" panose="02020603050405020304" pitchFamily="18" charset="0"/>
               </a:rPr>
               <a:t>, </a:t>
             </a:r>
             <a:r>
-              <a:rPr lang="ko-KR" altLang="ko-KR" sz="1800" kern="100" dirty="0">
-                <a:effectLst/>
-                <a:latin typeface="맑은 고딕" panose="020B0503020000020004" pitchFamily="50" charset="-127"/>
-                <a:ea typeface="맑은 고딕" panose="020B0503020000020004" pitchFamily="50" charset="-127"/>
-                <a:cs typeface="Times New Roman" panose="02020603050405020304" pitchFamily="18" charset="0"/>
-              </a:rPr>
-              <a:t>손세정제의 무게를 받아올 것입니다</a:t>
-            </a:r>
-            <a:r>
-              <a:rPr lang="en-US" altLang="ko-KR" sz="1800" kern="100" dirty="0">
-                <a:effectLst/>
-                <a:latin typeface="맑은 고딕" panose="020B0503020000020004" pitchFamily="50" charset="-127"/>
+              <a:rPr lang="ko-KR" altLang="ko-KR" sz="1800" dirty="0">
+                <a:effectLst/>
+                <a:ea typeface="맑은 고딕" panose="020B0503020000020004" pitchFamily="50" charset="-127"/>
+                <a:cs typeface="Times New Roman" panose="02020603050405020304" pitchFamily="18" charset="0"/>
+              </a:rPr>
+              <a:t>당연히 그 자체만으로는 사용될 수 없기 때문에</a:t>
+            </a:r>
+            <a:r>
+              <a:rPr lang="en-US" altLang="ko-KR" sz="1800" dirty="0">
+                <a:effectLst/>
+                <a:ea typeface="맑은 고딕" panose="020B0503020000020004" pitchFamily="50" charset="-127"/>
+                <a:cs typeface="Times New Roman" panose="02020603050405020304" pitchFamily="18" charset="0"/>
+              </a:rPr>
+              <a:t>, </a:t>
+            </a:r>
+            <a:br>
+              <a:rPr lang="en-US" altLang="ko-KR" sz="1800" dirty="0">
+                <a:effectLst/>
+                <a:ea typeface="맑은 고딕" panose="020B0503020000020004" pitchFamily="50" charset="-127"/>
+                <a:cs typeface="Times New Roman" panose="02020603050405020304" pitchFamily="18" charset="0"/>
+              </a:rPr>
+            </a:br>
+            <a:r>
+              <a:rPr lang="ko-KR" altLang="ko-KR" sz="1800" dirty="0" err="1">
+                <a:effectLst/>
+                <a:ea typeface="맑은 고딕" panose="020B0503020000020004" pitchFamily="50" charset="-127"/>
+                <a:cs typeface="Times New Roman" panose="02020603050405020304" pitchFamily="18" charset="0"/>
+              </a:rPr>
+              <a:t>모비우스에</a:t>
+            </a:r>
+            <a:r>
+              <a:rPr lang="ko-KR" altLang="ko-KR" sz="1800" dirty="0">
+                <a:effectLst/>
+                <a:ea typeface="맑은 고딕" panose="020B0503020000020004" pitchFamily="50" charset="-127"/>
+                <a:cs typeface="Times New Roman" panose="02020603050405020304" pitchFamily="18" charset="0"/>
+              </a:rPr>
+              <a:t> 존재하는 손세정제 무게 데이터는 </a:t>
+            </a:r>
+            <a:r>
+              <a:rPr lang="ko-KR" altLang="ko-KR" sz="1800" dirty="0" err="1">
+                <a:effectLst/>
+                <a:ea typeface="맑은 고딕" panose="020B0503020000020004" pitchFamily="50" charset="-127"/>
+                <a:cs typeface="Times New Roman" panose="02020603050405020304" pitchFamily="18" charset="0"/>
+              </a:rPr>
+              <a:t>포스트맨을</a:t>
+            </a:r>
+            <a:r>
+              <a:rPr lang="ko-KR" altLang="ko-KR" sz="1800" dirty="0">
+                <a:effectLst/>
+                <a:ea typeface="맑은 고딕" panose="020B0503020000020004" pitchFamily="50" charset="-127"/>
+                <a:cs typeface="Times New Roman" panose="02020603050405020304" pitchFamily="18" charset="0"/>
+              </a:rPr>
+              <a:t> 통하여 데이터베이스에 저장이 되는데</a:t>
+            </a:r>
+            <a:r>
+              <a:rPr lang="en-US" altLang="ko-KR" sz="1800" dirty="0">
+                <a:effectLst/>
+                <a:ea typeface="맑은 고딕" panose="020B0503020000020004" pitchFamily="50" charset="-127"/>
+                <a:cs typeface="Times New Roman" panose="02020603050405020304" pitchFamily="18" charset="0"/>
+              </a:rPr>
+              <a:t>, </a:t>
+            </a:r>
+            <a:br>
+              <a:rPr lang="en-US" altLang="ko-KR" sz="1800" dirty="0">
+                <a:effectLst/>
+                <a:ea typeface="맑은 고딕" panose="020B0503020000020004" pitchFamily="50" charset="-127"/>
+                <a:cs typeface="Times New Roman" panose="02020603050405020304" pitchFamily="18" charset="0"/>
+              </a:rPr>
+            </a:br>
+            <a:r>
+              <a:rPr lang="ko-KR" altLang="ko-KR" sz="1800" dirty="0">
+                <a:effectLst/>
+                <a:ea typeface="맑은 고딕" panose="020B0503020000020004" pitchFamily="50" charset="-127"/>
+                <a:cs typeface="Times New Roman" panose="02020603050405020304" pitchFamily="18" charset="0"/>
+              </a:rPr>
+              <a:t>이때 바로 데이터 가공을 진행할 예정입니다</a:t>
+            </a:r>
+            <a:r>
+              <a:rPr lang="en-US" altLang="ko-KR" sz="1800" dirty="0">
+                <a:effectLst/>
                 <a:ea typeface="맑은 고딕" panose="020B0503020000020004" pitchFamily="50" charset="-127"/>
                 <a:cs typeface="Times New Roman" panose="02020603050405020304" pitchFamily="18" charset="0"/>
               </a:rPr>
               <a:t>.</a:t>
             </a:r>
-            <a:endParaRPr lang="ko-KR" altLang="ko-KR" sz="1800" kern="100" dirty="0">
-              <a:effectLst/>
-              <a:latin typeface="맑은 고딕" panose="020B0503020000020004" pitchFamily="50" charset="-127"/>
-              <a:ea typeface="맑은 고딕" panose="020B0503020000020004" pitchFamily="50" charset="-127"/>
-              <a:cs typeface="Times New Roman" panose="02020603050405020304" pitchFamily="18" charset="0"/>
-            </a:endParaRPr>
-          </a:p>
-          <a:p>
-            <a:pPr algn="just" latinLnBrk="1">
-              <a:lnSpc>
-                <a:spcPct val="107000"/>
-              </a:lnSpc>
-              <a:spcAft>
-                <a:spcPts val="800"/>
-              </a:spcAft>
-            </a:pPr>
-            <a:r>
-              <a:rPr lang="ko-KR" altLang="ko-KR" sz="1800" kern="100" dirty="0">
-                <a:effectLst/>
-                <a:latin typeface="맑은 고딕" panose="020B0503020000020004" pitchFamily="50" charset="-127"/>
-                <a:ea typeface="맑은 고딕" panose="020B0503020000020004" pitchFamily="50" charset="-127"/>
-                <a:cs typeface="Times New Roman" panose="02020603050405020304" pitchFamily="18" charset="0"/>
-              </a:rPr>
-              <a:t>그리고 받아온 무게</a:t>
-            </a:r>
-            <a:r>
-              <a:rPr lang="ko-KR" altLang="en-US" sz="1800" kern="100" dirty="0">
-                <a:effectLst/>
-                <a:latin typeface="맑은 고딕" panose="020B0503020000020004" pitchFamily="50" charset="-127"/>
-                <a:ea typeface="맑은 고딕" panose="020B0503020000020004" pitchFamily="50" charset="-127"/>
-                <a:cs typeface="Times New Roman" panose="02020603050405020304" pitchFamily="18" charset="0"/>
-              </a:rPr>
-              <a:t>는</a:t>
-            </a:r>
-            <a:r>
-              <a:rPr lang="ko-KR" altLang="ko-KR" sz="1800" kern="100" dirty="0">
-                <a:effectLst/>
-                <a:latin typeface="맑은 고딕" panose="020B0503020000020004" pitchFamily="50" charset="-127"/>
-                <a:ea typeface="맑은 고딕" panose="020B0503020000020004" pitchFamily="50" charset="-127"/>
-                <a:cs typeface="Times New Roman" panose="02020603050405020304" pitchFamily="18" charset="0"/>
-              </a:rPr>
-              <a:t> </a:t>
-            </a:r>
-            <a:r>
-              <a:rPr lang="en-US" altLang="ko-KR" sz="1800" kern="100" dirty="0" err="1">
-                <a:effectLst/>
-                <a:latin typeface="맑은 고딕" panose="020B0503020000020004" pitchFamily="50" charset="-127"/>
-                <a:ea typeface="맑은 고딕" panose="020B0503020000020004" pitchFamily="50" charset="-127"/>
-                <a:cs typeface="Times New Roman" panose="02020603050405020304" pitchFamily="18" charset="0"/>
-              </a:rPr>
-              <a:t>esp</a:t>
-            </a:r>
-            <a:r>
-              <a:rPr lang="ko-KR" altLang="ko-KR" sz="1800" kern="100" dirty="0">
-                <a:effectLst/>
-                <a:latin typeface="맑은 고딕" panose="020B0503020000020004" pitchFamily="50" charset="-127"/>
-                <a:ea typeface="맑은 고딕" panose="020B0503020000020004" pitchFamily="50" charset="-127"/>
-                <a:cs typeface="Times New Roman" panose="02020603050405020304" pitchFamily="18" charset="0"/>
-              </a:rPr>
-              <a:t>모듈을 이용하여 와이파이</a:t>
-            </a:r>
-            <a:r>
-              <a:rPr lang="ko-KR" altLang="en-US" sz="1800" kern="100" dirty="0">
-                <a:effectLst/>
-                <a:latin typeface="맑은 고딕" panose="020B0503020000020004" pitchFamily="50" charset="-127"/>
-                <a:ea typeface="맑은 고딕" panose="020B0503020000020004" pitchFamily="50" charset="-127"/>
-                <a:cs typeface="Times New Roman" panose="02020603050405020304" pitchFamily="18" charset="0"/>
-              </a:rPr>
-              <a:t>에 연결하고</a:t>
-            </a:r>
-            <a:r>
-              <a:rPr lang="en-US" altLang="ko-KR" sz="1800" kern="100" dirty="0">
-                <a:effectLst/>
-                <a:latin typeface="맑은 고딕" panose="020B0503020000020004" pitchFamily="50" charset="-127"/>
-                <a:ea typeface="맑은 고딕" panose="020B0503020000020004" pitchFamily="50" charset="-127"/>
-                <a:cs typeface="Times New Roman" panose="02020603050405020304" pitchFamily="18" charset="0"/>
-              </a:rPr>
-              <a:t>, &amp;cube</a:t>
-            </a:r>
-            <a:r>
-              <a:rPr lang="ko-KR" altLang="ko-KR" sz="1800" kern="100" dirty="0">
-                <a:effectLst/>
-                <a:latin typeface="맑은 고딕" panose="020B0503020000020004" pitchFamily="50" charset="-127"/>
-                <a:ea typeface="맑은 고딕" panose="020B0503020000020004" pitchFamily="50" charset="-127"/>
-                <a:cs typeface="Times New Roman" panose="02020603050405020304" pitchFamily="18" charset="0"/>
-              </a:rPr>
-              <a:t>를 이용하여 </a:t>
-            </a:r>
-            <a:r>
-              <a:rPr lang="ko-KR" altLang="ko-KR" sz="1800" kern="100" dirty="0" err="1">
-                <a:effectLst/>
-                <a:latin typeface="맑은 고딕" panose="020B0503020000020004" pitchFamily="50" charset="-127"/>
-                <a:ea typeface="맑은 고딕" panose="020B0503020000020004" pitchFamily="50" charset="-127"/>
-                <a:cs typeface="Times New Roman" panose="02020603050405020304" pitchFamily="18" charset="0"/>
-              </a:rPr>
-              <a:t>모비우스</a:t>
-            </a:r>
-            <a:r>
-              <a:rPr lang="en-US" altLang="ko-KR" sz="1800" kern="100" dirty="0">
-                <a:effectLst/>
-                <a:latin typeface="맑은 고딕" panose="020B0503020000020004" pitchFamily="50" charset="-127"/>
-                <a:ea typeface="맑은 고딕" panose="020B0503020000020004" pitchFamily="50" charset="-127"/>
-                <a:cs typeface="Times New Roman" panose="02020603050405020304" pitchFamily="18" charset="0"/>
-              </a:rPr>
-              <a:t> </a:t>
-            </a:r>
-            <a:r>
-              <a:rPr lang="ko-KR" altLang="ko-KR" sz="1800" kern="100" dirty="0">
-                <a:effectLst/>
-                <a:latin typeface="맑은 고딕" panose="020B0503020000020004" pitchFamily="50" charset="-127"/>
-                <a:ea typeface="맑은 고딕" panose="020B0503020000020004" pitchFamily="50" charset="-127"/>
-                <a:cs typeface="Times New Roman" panose="02020603050405020304" pitchFamily="18" charset="0"/>
-              </a:rPr>
-              <a:t>서버로 무게데이터를 전송합니다</a:t>
-            </a:r>
-            <a:r>
-              <a:rPr lang="en-US" altLang="ko-KR" sz="1800" kern="100" dirty="0">
-                <a:effectLst/>
-                <a:latin typeface="맑은 고딕" panose="020B0503020000020004" pitchFamily="50" charset="-127"/>
+            <a:br>
+              <a:rPr lang="en-US" altLang="ko-KR" sz="1800" dirty="0">
+                <a:effectLst/>
+                <a:ea typeface="맑은 고딕" panose="020B0503020000020004" pitchFamily="50" charset="-127"/>
+                <a:cs typeface="Times New Roman" panose="02020603050405020304" pitchFamily="18" charset="0"/>
+              </a:rPr>
+            </a:br>
+            <a:r>
+              <a:rPr lang="ko-KR" altLang="ko-KR" sz="1800" dirty="0">
+                <a:effectLst/>
+                <a:ea typeface="맑은 고딕" panose="020B0503020000020004" pitchFamily="50" charset="-127"/>
+                <a:cs typeface="Times New Roman" panose="02020603050405020304" pitchFamily="18" charset="0"/>
+              </a:rPr>
+              <a:t>그리고 이 서비스의 사용 대상자인 관리자분들이 손쉽게 서비스를 이용할 수 있게 해야 하기 때문에</a:t>
+            </a:r>
+            <a:r>
+              <a:rPr lang="en-US" altLang="ko-KR" sz="1800" dirty="0">
+                <a:effectLst/>
+                <a:ea typeface="맑은 고딕" panose="020B0503020000020004" pitchFamily="50" charset="-127"/>
+                <a:cs typeface="Times New Roman" panose="02020603050405020304" pitchFamily="18" charset="0"/>
+              </a:rPr>
+              <a:t>, </a:t>
+            </a:r>
+            <a:r>
+              <a:rPr lang="ko-KR" altLang="ko-KR" sz="1800" dirty="0">
+                <a:effectLst/>
+                <a:ea typeface="맑은 고딕" panose="020B0503020000020004" pitchFamily="50" charset="-127"/>
+                <a:cs typeface="Times New Roman" panose="02020603050405020304" pitchFamily="18" charset="0"/>
+              </a:rPr>
+              <a:t>손소독제의 상태를 보여줄 웹페이지는 이 데이터베이스에 있는 데이터를 통해 손세정제의 잔여 상황을 </a:t>
+            </a:r>
+            <a:r>
+              <a:rPr lang="ko-KR" altLang="ko-KR" sz="1800" dirty="0" err="1">
+                <a:effectLst/>
+                <a:ea typeface="맑은 고딕" panose="020B0503020000020004" pitchFamily="50" charset="-127"/>
+                <a:cs typeface="Times New Roman" panose="02020603050405020304" pitchFamily="18" charset="0"/>
+              </a:rPr>
+              <a:t>시각화하여</a:t>
+            </a:r>
+            <a:r>
+              <a:rPr lang="ko-KR" altLang="ko-KR" sz="1800" dirty="0">
+                <a:effectLst/>
+                <a:ea typeface="맑은 고딕" panose="020B0503020000020004" pitchFamily="50" charset="-127"/>
+                <a:cs typeface="Times New Roman" panose="02020603050405020304" pitchFamily="18" charset="0"/>
+              </a:rPr>
+              <a:t> 표현합니다</a:t>
+            </a:r>
+            <a:r>
+              <a:rPr lang="en-US" altLang="ko-KR" sz="1800" dirty="0">
+                <a:effectLst/>
                 <a:ea typeface="맑은 고딕" panose="020B0503020000020004" pitchFamily="50" charset="-127"/>
                 <a:cs typeface="Times New Roman" panose="02020603050405020304" pitchFamily="18" charset="0"/>
               </a:rPr>
               <a:t>.</a:t>
             </a:r>
-            <a:endParaRPr lang="ko-KR" altLang="ko-KR" sz="1800" kern="100" dirty="0">
-              <a:effectLst/>
-              <a:latin typeface="맑은 고딕" panose="020B0503020000020004" pitchFamily="50" charset="-127"/>
-              <a:ea typeface="맑은 고딕" panose="020B0503020000020004" pitchFamily="50" charset="-127"/>
-              <a:cs typeface="Times New Roman" panose="02020603050405020304" pitchFamily="18" charset="0"/>
-            </a:endParaRPr>
-          </a:p>
-          <a:p>
-            <a:pPr algn="just" latinLnBrk="1">
-              <a:lnSpc>
-                <a:spcPct val="107000"/>
-              </a:lnSpc>
-              <a:spcAft>
-                <a:spcPts val="800"/>
-              </a:spcAft>
-            </a:pPr>
-            <a:r>
-              <a:rPr lang="ko-KR" altLang="ko-KR" sz="1800" kern="100" dirty="0" err="1">
-                <a:effectLst/>
-                <a:latin typeface="맑은 고딕" panose="020B0503020000020004" pitchFamily="50" charset="-127"/>
-                <a:ea typeface="맑은 고딕" panose="020B0503020000020004" pitchFamily="50" charset="-127"/>
-                <a:cs typeface="Times New Roman" panose="02020603050405020304" pitchFamily="18" charset="0"/>
-              </a:rPr>
-              <a:t>모비우스에</a:t>
-            </a:r>
-            <a:r>
-              <a:rPr lang="ko-KR" altLang="ko-KR" sz="1800" kern="100" dirty="0">
-                <a:effectLst/>
-                <a:latin typeface="맑은 고딕" panose="020B0503020000020004" pitchFamily="50" charset="-127"/>
-                <a:ea typeface="맑은 고딕" panose="020B0503020000020004" pitchFamily="50" charset="-127"/>
-                <a:cs typeface="Times New Roman" panose="02020603050405020304" pitchFamily="18" charset="0"/>
-              </a:rPr>
-              <a:t> 존재하는 손세정제 무게데이터</a:t>
-            </a:r>
-            <a:r>
-              <a:rPr lang="ko-KR" altLang="en-US" sz="1800" kern="100" dirty="0">
-                <a:effectLst/>
-                <a:latin typeface="맑은 고딕" panose="020B0503020000020004" pitchFamily="50" charset="-127"/>
-                <a:ea typeface="맑은 고딕" panose="020B0503020000020004" pitchFamily="50" charset="-127"/>
-                <a:cs typeface="Times New Roman" panose="02020603050405020304" pitchFamily="18" charset="0"/>
-              </a:rPr>
-              <a:t>는 </a:t>
-            </a:r>
-            <a:r>
-              <a:rPr lang="ko-KR" altLang="en-US" sz="1800" kern="100" dirty="0" err="1">
-                <a:effectLst/>
-                <a:latin typeface="맑은 고딕" panose="020B0503020000020004" pitchFamily="50" charset="-127"/>
-                <a:ea typeface="맑은 고딕" panose="020B0503020000020004" pitchFamily="50" charset="-127"/>
-                <a:cs typeface="Times New Roman" panose="02020603050405020304" pitchFamily="18" charset="0"/>
-              </a:rPr>
-              <a:t>포스트맨을</a:t>
-            </a:r>
-            <a:r>
-              <a:rPr lang="ko-KR" altLang="en-US" sz="1800" kern="100" dirty="0">
-                <a:effectLst/>
-                <a:latin typeface="맑은 고딕" panose="020B0503020000020004" pitchFamily="50" charset="-127"/>
-                <a:ea typeface="맑은 고딕" panose="020B0503020000020004" pitchFamily="50" charset="-127"/>
-                <a:cs typeface="Times New Roman" panose="02020603050405020304" pitchFamily="18" charset="0"/>
-              </a:rPr>
-              <a:t> 통하여 데이터베이스에 저장되고</a:t>
-            </a:r>
-            <a:r>
-              <a:rPr lang="en-US" altLang="ko-KR" sz="1800" kern="100" dirty="0">
-                <a:effectLst/>
-                <a:latin typeface="맑은 고딕" panose="020B0503020000020004" pitchFamily="50" charset="-127"/>
+            <a:br>
+              <a:rPr lang="en-US" altLang="ko-KR" sz="1800" dirty="0">
+                <a:effectLst/>
+                <a:ea typeface="맑은 고딕" panose="020B0503020000020004" pitchFamily="50" charset="-127"/>
+                <a:cs typeface="Times New Roman" panose="02020603050405020304" pitchFamily="18" charset="0"/>
+              </a:rPr>
+            </a:br>
+            <a:r>
+              <a:rPr lang="ko-KR" altLang="ko-KR" sz="1800" dirty="0">
+                <a:effectLst/>
+                <a:ea typeface="맑은 고딕" panose="020B0503020000020004" pitchFamily="50" charset="-127"/>
+                <a:cs typeface="Times New Roman" panose="02020603050405020304" pitchFamily="18" charset="0"/>
+              </a:rPr>
+              <a:t>그리고 저희의 핵심 기능인 손세정제 잔여 상황에 따른 이벤트를 구현할 예정입니다</a:t>
+            </a:r>
+            <a:r>
+              <a:rPr lang="en-US" altLang="ko-KR" sz="1800" dirty="0">
+                <a:effectLst/>
+                <a:ea typeface="맑은 고딕" panose="020B0503020000020004" pitchFamily="50" charset="-127"/>
+                <a:cs typeface="Times New Roman" panose="02020603050405020304" pitchFamily="18" charset="0"/>
+              </a:rPr>
+              <a:t>.</a:t>
+            </a:r>
+            <a:br>
+              <a:rPr lang="en-US" altLang="ko-KR" sz="1800" dirty="0">
+                <a:effectLst/>
+                <a:ea typeface="맑은 고딕" panose="020B0503020000020004" pitchFamily="50" charset="-127"/>
+                <a:cs typeface="Times New Roman" panose="02020603050405020304" pitchFamily="18" charset="0"/>
+              </a:rPr>
+            </a:br>
+            <a:r>
+              <a:rPr lang="ko-KR" altLang="ko-KR" sz="1800" dirty="0">
+                <a:effectLst/>
+                <a:ea typeface="맑은 고딕" panose="020B0503020000020004" pitchFamily="50" charset="-127"/>
+                <a:cs typeface="Times New Roman" panose="02020603050405020304" pitchFamily="18" charset="0"/>
+              </a:rPr>
+              <a:t>이와 같이 시스템을 구성하게 되면 저희가 구현하고자 했던 기능은 모두 구현이 될 수 있는</a:t>
+            </a:r>
+            <a:br>
+              <a:rPr lang="en-US" altLang="ko-KR" sz="1800" dirty="0">
+                <a:effectLst/>
+                <a:ea typeface="맑은 고딕" panose="020B0503020000020004" pitchFamily="50" charset="-127"/>
+                <a:cs typeface="Times New Roman" panose="02020603050405020304" pitchFamily="18" charset="0"/>
+              </a:rPr>
+            </a:br>
+            <a:r>
+              <a:rPr lang="ko-KR" altLang="ko-KR" sz="1800" dirty="0">
+                <a:effectLst/>
+                <a:ea typeface="맑은 고딕" panose="020B0503020000020004" pitchFamily="50" charset="-127"/>
+                <a:cs typeface="Times New Roman" panose="02020603050405020304" pitchFamily="18" charset="0"/>
+              </a:rPr>
+              <a:t>기반을 다지게 되기 때문에</a:t>
+            </a:r>
+            <a:r>
+              <a:rPr lang="en-US" altLang="ko-KR" sz="1800" dirty="0">
+                <a:effectLst/>
                 <a:ea typeface="맑은 고딕" panose="020B0503020000020004" pitchFamily="50" charset="-127"/>
                 <a:cs typeface="Times New Roman" panose="02020603050405020304" pitchFamily="18" charset="0"/>
               </a:rPr>
               <a:t>, </a:t>
             </a:r>
-            <a:endParaRPr lang="ko-KR" altLang="ko-KR" sz="1800" kern="100" dirty="0">
-              <a:effectLst/>
-              <a:latin typeface="맑은 고딕" panose="020B0503020000020004" pitchFamily="50" charset="-127"/>
-              <a:ea typeface="맑은 고딕" panose="020B0503020000020004" pitchFamily="50" charset="-127"/>
-              <a:cs typeface="Times New Roman" panose="02020603050405020304" pitchFamily="18" charset="0"/>
-            </a:endParaRPr>
-          </a:p>
-          <a:p>
-            <a:pPr marL="127000" indent="-127000" algn="just" latinLnBrk="1">
-              <a:lnSpc>
-                <a:spcPct val="107000"/>
-              </a:lnSpc>
-              <a:spcAft>
-                <a:spcPts val="800"/>
-              </a:spcAft>
-            </a:pPr>
-            <a:r>
-              <a:rPr lang="ko-KR" altLang="ko-KR" sz="1800" kern="100" dirty="0">
-                <a:effectLst/>
-                <a:latin typeface="맑은 고딕" panose="020B0503020000020004" pitchFamily="50" charset="-127"/>
-                <a:ea typeface="맑은 고딕" panose="020B0503020000020004" pitchFamily="50" charset="-127"/>
-                <a:cs typeface="Times New Roman" panose="02020603050405020304" pitchFamily="18" charset="0"/>
-              </a:rPr>
-              <a:t>웹페이지</a:t>
-            </a:r>
-            <a:r>
-              <a:rPr lang="ko-KR" altLang="en-US" sz="1800" kern="100" dirty="0">
-                <a:effectLst/>
-                <a:latin typeface="맑은 고딕" panose="020B0503020000020004" pitchFamily="50" charset="-127"/>
-                <a:ea typeface="맑은 고딕" panose="020B0503020000020004" pitchFamily="50" charset="-127"/>
-                <a:cs typeface="Times New Roman" panose="02020603050405020304" pitchFamily="18" charset="0"/>
-              </a:rPr>
-              <a:t>는 이 데이터베이스에 있는 데이터를 통해 </a:t>
-            </a:r>
-            <a:r>
-              <a:rPr lang="ko-KR" altLang="ko-KR" sz="1800" kern="100" dirty="0">
-                <a:effectLst/>
-                <a:latin typeface="맑은 고딕" panose="020B0503020000020004" pitchFamily="50" charset="-127"/>
-                <a:ea typeface="맑은 고딕" panose="020B0503020000020004" pitchFamily="50" charset="-127"/>
-                <a:cs typeface="Times New Roman" panose="02020603050405020304" pitchFamily="18" charset="0"/>
-              </a:rPr>
-              <a:t>손세정제의 잔여 상황을</a:t>
-            </a:r>
-            <a:r>
-              <a:rPr lang="en-US" altLang="ko-KR" sz="1800" kern="100" dirty="0">
-                <a:effectLst/>
-                <a:latin typeface="맑은 고딕" panose="020B0503020000020004" pitchFamily="50" charset="-127"/>
-                <a:ea typeface="맑은 고딕" panose="020B0503020000020004" pitchFamily="50" charset="-127"/>
-                <a:cs typeface="Times New Roman" panose="02020603050405020304" pitchFamily="18" charset="0"/>
-              </a:rPr>
-              <a:t> </a:t>
-            </a:r>
-            <a:r>
-              <a:rPr lang="ko-KR" altLang="ko-KR" sz="1800" kern="100" dirty="0" err="1">
-                <a:effectLst/>
-                <a:latin typeface="맑은 고딕" panose="020B0503020000020004" pitchFamily="50" charset="-127"/>
-                <a:ea typeface="맑은 고딕" panose="020B0503020000020004" pitchFamily="50" charset="-127"/>
-                <a:cs typeface="Times New Roman" panose="02020603050405020304" pitchFamily="18" charset="0"/>
-              </a:rPr>
-              <a:t>시각화하여</a:t>
-            </a:r>
-            <a:r>
-              <a:rPr lang="ko-KR" altLang="ko-KR" sz="1800" kern="100" dirty="0">
-                <a:effectLst/>
-                <a:latin typeface="맑은 고딕" panose="020B0503020000020004" pitchFamily="50" charset="-127"/>
-                <a:ea typeface="맑은 고딕" panose="020B0503020000020004" pitchFamily="50" charset="-127"/>
-                <a:cs typeface="Times New Roman" panose="02020603050405020304" pitchFamily="18" charset="0"/>
-              </a:rPr>
-              <a:t> 표현</a:t>
-            </a:r>
-            <a:r>
-              <a:rPr lang="ko-KR" altLang="en-US" sz="1800" kern="100" dirty="0">
-                <a:effectLst/>
-                <a:latin typeface="맑은 고딕" panose="020B0503020000020004" pitchFamily="50" charset="-127"/>
-                <a:ea typeface="맑은 고딕" panose="020B0503020000020004" pitchFamily="50" charset="-127"/>
-                <a:cs typeface="Times New Roman" panose="02020603050405020304" pitchFamily="18" charset="0"/>
-              </a:rPr>
-              <a:t>합니다</a:t>
-            </a:r>
-            <a:r>
-              <a:rPr lang="en-US" altLang="ko-KR" sz="1800" kern="100" dirty="0">
-                <a:effectLst/>
-                <a:latin typeface="맑은 고딕" panose="020B0503020000020004" pitchFamily="50" charset="-127"/>
-                <a:ea typeface="맑은 고딕" panose="020B0503020000020004" pitchFamily="50" charset="-127"/>
-                <a:cs typeface="Times New Roman" panose="02020603050405020304" pitchFamily="18" charset="0"/>
-              </a:rPr>
-              <a:t>.</a:t>
-            </a:r>
-          </a:p>
-          <a:p>
-            <a:pPr marL="127000" indent="-127000" algn="just" latinLnBrk="1">
-              <a:lnSpc>
-                <a:spcPct val="107000"/>
-              </a:lnSpc>
-              <a:spcAft>
-                <a:spcPts val="800"/>
-              </a:spcAft>
-            </a:pPr>
-            <a:r>
-              <a:rPr lang="ko-KR" altLang="en-US" sz="1800" kern="100" dirty="0">
-                <a:effectLst/>
-                <a:latin typeface="맑은 고딕" panose="020B0503020000020004" pitchFamily="50" charset="-127"/>
-                <a:ea typeface="맑은 고딕" panose="020B0503020000020004" pitchFamily="50" charset="-127"/>
-                <a:cs typeface="Times New Roman" panose="02020603050405020304" pitchFamily="18" charset="0"/>
-              </a:rPr>
-              <a:t>그리고 저희의 핵심 기능인 </a:t>
-            </a:r>
-            <a:r>
-              <a:rPr lang="ko-KR" altLang="ko-KR" sz="1800" kern="100" dirty="0">
-                <a:effectLst/>
-                <a:latin typeface="맑은 고딕" panose="020B0503020000020004" pitchFamily="50" charset="-127"/>
-                <a:ea typeface="맑은 고딕" panose="020B0503020000020004" pitchFamily="50" charset="-127"/>
-                <a:cs typeface="Times New Roman" panose="02020603050405020304" pitchFamily="18" charset="0"/>
-              </a:rPr>
-              <a:t>손세정제 잔여 상황에 따른 이벤트를 구현할 예정입니다</a:t>
-            </a:r>
-            <a:r>
-              <a:rPr lang="en-US" altLang="ko-KR" sz="1800" kern="100" dirty="0">
-                <a:effectLst/>
-                <a:latin typeface="맑은 고딕" panose="020B0503020000020004" pitchFamily="50" charset="-127"/>
+            <a:r>
+              <a:rPr lang="ko-KR" altLang="ko-KR" sz="1800" dirty="0">
+                <a:effectLst/>
+                <a:ea typeface="맑은 고딕" panose="020B0503020000020004" pitchFamily="50" charset="-127"/>
+                <a:cs typeface="Times New Roman" panose="02020603050405020304" pitchFamily="18" charset="0"/>
+              </a:rPr>
+              <a:t>현재 보고 계시는 이 구조와 같이 표현하였고</a:t>
+            </a:r>
+            <a:r>
+              <a:rPr lang="en-US" altLang="ko-KR" sz="1800" dirty="0">
+                <a:effectLst/>
+                <a:ea typeface="맑은 고딕" panose="020B0503020000020004" pitchFamily="50" charset="-127"/>
+                <a:cs typeface="Times New Roman" panose="02020603050405020304" pitchFamily="18" charset="0"/>
+              </a:rPr>
+              <a:t>, </a:t>
+            </a:r>
+            <a:r>
+              <a:rPr lang="ko-KR" altLang="ko-KR" sz="1800" dirty="0">
+                <a:effectLst/>
+                <a:ea typeface="맑은 고딕" panose="020B0503020000020004" pitchFamily="50" charset="-127"/>
+                <a:cs typeface="Times New Roman" panose="02020603050405020304" pitchFamily="18" charset="0"/>
+              </a:rPr>
+              <a:t>이와 같이 개발할 예정입니다</a:t>
+            </a:r>
+            <a:r>
+              <a:rPr lang="en-US" altLang="ko-KR" sz="1800" dirty="0">
+                <a:effectLst/>
                 <a:ea typeface="맑은 고딕" panose="020B0503020000020004" pitchFamily="50" charset="-127"/>
                 <a:cs typeface="Times New Roman" panose="02020603050405020304" pitchFamily="18" charset="0"/>
               </a:rPr>
@@ -2035,7 +2394,7 @@
           <a:bodyPr/>
           <a:lstStyle/>
           <a:p>
-            <a:pPr algn="just" latinLnBrk="1">
+            <a:pPr algn="l" latinLnBrk="1">
               <a:lnSpc>
                 <a:spcPct val="107000"/>
               </a:lnSpc>
@@ -2044,706 +2403,862 @@
               </a:spcAft>
             </a:pPr>
             <a:r>
-              <a:rPr lang="ko-KR" altLang="en-US" sz="1800" kern="100" dirty="0">
-                <a:effectLst/>
-                <a:latin typeface="맑은 고딕" panose="020B0503020000020004" pitchFamily="50" charset="-127"/>
+              <a:rPr lang="ko-KR" altLang="ko-KR" sz="1800" dirty="0">
+                <a:effectLst/>
                 <a:ea typeface="맑은 고딕" panose="020B0503020000020004" pitchFamily="50" charset="-127"/>
                 <a:cs typeface="Times New Roman" panose="02020603050405020304" pitchFamily="18" charset="0"/>
               </a:rPr>
               <a:t>리소스 구조는 클래스 다이어그램을 사용하여 나타내 보았습니다</a:t>
             </a:r>
             <a:r>
-              <a:rPr lang="en-US" altLang="ko-KR" sz="1800" kern="100" dirty="0">
-                <a:effectLst/>
-                <a:latin typeface="맑은 고딕" panose="020B0503020000020004" pitchFamily="50" charset="-127"/>
+              <a:rPr lang="en-US" altLang="ko-KR" sz="1800" dirty="0">
+                <a:effectLst/>
                 <a:ea typeface="맑은 고딕" panose="020B0503020000020004" pitchFamily="50" charset="-127"/>
                 <a:cs typeface="Times New Roman" panose="02020603050405020304" pitchFamily="18" charset="0"/>
               </a:rPr>
               <a:t>. </a:t>
             </a:r>
-            <a:endParaRPr lang="ko-KR" altLang="ko-KR" sz="1800" kern="100" dirty="0">
-              <a:effectLst/>
-              <a:latin typeface="맑은 고딕" panose="020B0503020000020004" pitchFamily="50" charset="-127"/>
-              <a:ea typeface="맑은 고딕" panose="020B0503020000020004" pitchFamily="50" charset="-127"/>
-              <a:cs typeface="Times New Roman" panose="02020603050405020304" pitchFamily="18" charset="0"/>
-            </a:endParaRPr>
-          </a:p>
-          <a:p>
-            <a:pPr algn="just" latinLnBrk="1">
-              <a:lnSpc>
-                <a:spcPct val="107000"/>
-              </a:lnSpc>
-              <a:spcAft>
-                <a:spcPts val="800"/>
-              </a:spcAft>
-            </a:pPr>
-            <a:r>
-              <a:rPr lang="ko-KR" altLang="ko-KR" sz="1800" kern="100" dirty="0">
-                <a:effectLst/>
-                <a:latin typeface="맑은 고딕" panose="020B0503020000020004" pitchFamily="50" charset="-127"/>
+            <a:br>
+              <a:rPr lang="en-US" altLang="ko-KR" sz="1800" dirty="0">
+                <a:effectLst/>
+                <a:ea typeface="맑은 고딕" panose="020B0503020000020004" pitchFamily="50" charset="-127"/>
+                <a:cs typeface="Times New Roman" panose="02020603050405020304" pitchFamily="18" charset="0"/>
+              </a:rPr>
+            </a:br>
+            <a:r>
+              <a:rPr lang="ko-KR" altLang="ko-KR" sz="1800" dirty="0">
+                <a:effectLst/>
                 <a:ea typeface="맑은 고딕" panose="020B0503020000020004" pitchFamily="50" charset="-127"/>
                 <a:cs typeface="Times New Roman" panose="02020603050405020304" pitchFamily="18" charset="0"/>
               </a:rPr>
               <a:t>클래스는</a:t>
             </a:r>
             <a:r>
-              <a:rPr lang="en-US" altLang="ko-KR" sz="1800" kern="100" dirty="0">
-                <a:effectLst/>
-                <a:latin typeface="맑은 고딕" panose="020B0503020000020004" pitchFamily="50" charset="-127"/>
+              <a:rPr lang="en-US" altLang="ko-KR" sz="1800" dirty="0">
+                <a:effectLst/>
                 <a:ea typeface="맑은 고딕" panose="020B0503020000020004" pitchFamily="50" charset="-127"/>
                 <a:cs typeface="Times New Roman" panose="02020603050405020304" pitchFamily="18" charset="0"/>
               </a:rPr>
               <a:t> App, </a:t>
             </a:r>
             <a:r>
-              <a:rPr lang="en-US" altLang="ko-KR" sz="1800" kern="100" dirty="0" err="1">
-                <a:effectLst/>
-                <a:latin typeface="맑은 고딕" panose="020B0503020000020004" pitchFamily="50" charset="-127"/>
+              <a:rPr lang="en-US" altLang="ko-KR" sz="1800" dirty="0" err="1">
+                <a:effectLst/>
                 <a:ea typeface="맑은 고딕" panose="020B0503020000020004" pitchFamily="50" charset="-127"/>
                 <a:cs typeface="Times New Roman" panose="02020603050405020304" pitchFamily="18" charset="0"/>
               </a:rPr>
               <a:t>HS_status</a:t>
             </a:r>
             <a:r>
-              <a:rPr lang="en-US" altLang="ko-KR" sz="1800" kern="100" dirty="0">
-                <a:effectLst/>
-                <a:latin typeface="맑은 고딕" panose="020B0503020000020004" pitchFamily="50" charset="-127"/>
+              <a:rPr lang="en-US" altLang="ko-KR" sz="1800" dirty="0">
+                <a:effectLst/>
                 <a:ea typeface="맑은 고딕" panose="020B0503020000020004" pitchFamily="50" charset="-127"/>
                 <a:cs typeface="Times New Roman" panose="02020603050405020304" pitchFamily="18" charset="0"/>
               </a:rPr>
               <a:t>, Warning, </a:t>
             </a:r>
             <a:r>
-              <a:rPr lang="ko-KR" altLang="ko-KR" sz="1800" kern="100" dirty="0">
-                <a:effectLst/>
-                <a:latin typeface="맑은 고딕" panose="020B0503020000020004" pitchFamily="50" charset="-127"/>
-                <a:ea typeface="맑은 고딕" panose="020B0503020000020004" pitchFamily="50" charset="-127"/>
-                <a:cs typeface="Times New Roman" panose="02020603050405020304" pitchFamily="18" charset="0"/>
-              </a:rPr>
-              <a:t>이렇게 </a:t>
-            </a:r>
-            <a:r>
-              <a:rPr lang="en-US" altLang="ko-KR" sz="1800" kern="100" dirty="0">
-                <a:effectLst/>
-                <a:latin typeface="맑은 고딕" panose="020B0503020000020004" pitchFamily="50" charset="-127"/>
-                <a:ea typeface="맑은 고딕" panose="020B0503020000020004" pitchFamily="50" charset="-127"/>
-                <a:cs typeface="Times New Roman" panose="02020603050405020304" pitchFamily="18" charset="0"/>
-              </a:rPr>
-              <a:t>3</a:t>
-            </a:r>
-            <a:r>
-              <a:rPr lang="ko-KR" altLang="ko-KR" sz="1800" kern="100" dirty="0">
-                <a:effectLst/>
-                <a:latin typeface="맑은 고딕" panose="020B0503020000020004" pitchFamily="50" charset="-127"/>
+              <a:rPr lang="ko-KR" altLang="ko-KR" sz="1800" dirty="0">
+                <a:effectLst/>
+                <a:ea typeface="맑은 고딕" panose="020B0503020000020004" pitchFamily="50" charset="-127"/>
+                <a:cs typeface="Times New Roman" panose="02020603050405020304" pitchFamily="18" charset="0"/>
+              </a:rPr>
+              <a:t>이렇게</a:t>
+            </a:r>
+            <a:r>
+              <a:rPr lang="en-US" altLang="ko-KR" sz="1800" dirty="0">
+                <a:effectLst/>
+                <a:ea typeface="맑은 고딕" panose="020B0503020000020004" pitchFamily="50" charset="-127"/>
+                <a:cs typeface="Times New Roman" panose="02020603050405020304" pitchFamily="18" charset="0"/>
+              </a:rPr>
+              <a:t> 3</a:t>
+            </a:r>
+            <a:r>
+              <a:rPr lang="ko-KR" altLang="ko-KR" sz="1800" dirty="0">
+                <a:effectLst/>
                 <a:ea typeface="맑은 고딕" panose="020B0503020000020004" pitchFamily="50" charset="-127"/>
                 <a:cs typeface="Times New Roman" panose="02020603050405020304" pitchFamily="18" charset="0"/>
               </a:rPr>
               <a:t>가지로 구성되어 있습니다</a:t>
             </a:r>
             <a:r>
-              <a:rPr lang="en-US" altLang="ko-KR" sz="1800" kern="100" dirty="0">
-                <a:effectLst/>
-                <a:latin typeface="맑은 고딕" panose="020B0503020000020004" pitchFamily="50" charset="-127"/>
+              <a:rPr lang="en-US" altLang="ko-KR" sz="1800" dirty="0">
+                <a:effectLst/>
                 <a:ea typeface="맑은 고딕" panose="020B0503020000020004" pitchFamily="50" charset="-127"/>
                 <a:cs typeface="Times New Roman" panose="02020603050405020304" pitchFamily="18" charset="0"/>
               </a:rPr>
               <a:t>.</a:t>
             </a:r>
-            <a:endParaRPr lang="ko-KR" altLang="ko-KR" sz="1800" kern="100" dirty="0">
-              <a:effectLst/>
-              <a:latin typeface="맑은 고딕" panose="020B0503020000020004" pitchFamily="50" charset="-127"/>
-              <a:ea typeface="맑은 고딕" panose="020B0503020000020004" pitchFamily="50" charset="-127"/>
-              <a:cs typeface="Times New Roman" panose="02020603050405020304" pitchFamily="18" charset="0"/>
-            </a:endParaRPr>
-          </a:p>
-          <a:p>
-            <a:pPr algn="just" latinLnBrk="1">
-              <a:lnSpc>
-                <a:spcPct val="107000"/>
-              </a:lnSpc>
-              <a:spcAft>
-                <a:spcPts val="800"/>
-              </a:spcAft>
-            </a:pPr>
-            <a:r>
-              <a:rPr lang="en-US" altLang="ko-KR" sz="1800" kern="100" dirty="0">
-                <a:effectLst/>
-                <a:latin typeface="맑은 고딕" panose="020B0503020000020004" pitchFamily="50" charset="-127"/>
+            <a:br>
+              <a:rPr lang="en-US" altLang="ko-KR" sz="1800" dirty="0">
+                <a:effectLst/>
+                <a:ea typeface="맑은 고딕" panose="020B0503020000020004" pitchFamily="50" charset="-127"/>
+                <a:cs typeface="Times New Roman" panose="02020603050405020304" pitchFamily="18" charset="0"/>
+              </a:rPr>
+            </a:br>
+            <a:r>
+              <a:rPr lang="en-US" altLang="ko-KR" sz="1800" dirty="0">
+                <a:effectLst/>
                 <a:ea typeface="맑은 고딕" panose="020B0503020000020004" pitchFamily="50" charset="-127"/>
                 <a:cs typeface="Times New Roman" panose="02020603050405020304" pitchFamily="18" charset="0"/>
               </a:rPr>
               <a:t>App</a:t>
             </a:r>
             <a:r>
-              <a:rPr lang="ko-KR" altLang="ko-KR" sz="1800" kern="100" dirty="0">
-                <a:effectLst/>
-                <a:latin typeface="맑은 고딕" panose="020B0503020000020004" pitchFamily="50" charset="-127"/>
-                <a:ea typeface="맑은 고딕" panose="020B0503020000020004" pitchFamily="50" charset="-127"/>
-                <a:cs typeface="Times New Roman" panose="02020603050405020304" pitchFamily="18" charset="0"/>
-              </a:rPr>
-              <a:t>클래스는 손세정</a:t>
-            </a:r>
-            <a:r>
-              <a:rPr lang="ko-KR" altLang="en-US" sz="1800" kern="100" dirty="0">
-                <a:effectLst/>
-                <a:latin typeface="맑은 고딕" panose="020B0503020000020004" pitchFamily="50" charset="-127"/>
-                <a:ea typeface="맑은 고딕" panose="020B0503020000020004" pitchFamily="50" charset="-127"/>
-                <a:cs typeface="Times New Roman" panose="02020603050405020304" pitchFamily="18" charset="0"/>
-              </a:rPr>
-              <a:t>제</a:t>
-            </a:r>
-            <a:r>
-              <a:rPr lang="ko-KR" altLang="ko-KR" sz="1800" kern="100" dirty="0">
-                <a:effectLst/>
-                <a:latin typeface="맑은 고딕" panose="020B0503020000020004" pitchFamily="50" charset="-127"/>
+              <a:rPr lang="ko-KR" altLang="ko-KR" sz="1800" dirty="0">
+                <a:effectLst/>
+                <a:ea typeface="맑은 고딕" panose="020B0503020000020004" pitchFamily="50" charset="-127"/>
+                <a:cs typeface="Times New Roman" panose="02020603050405020304" pitchFamily="18" charset="0"/>
+              </a:rPr>
+              <a:t>클래스는 손세정제 상태 클래스인</a:t>
+            </a:r>
+            <a:r>
+              <a:rPr lang="en-US" altLang="ko-KR" sz="1800" dirty="0">
+                <a:effectLst/>
                 <a:ea typeface="맑은 고딕" panose="020B0503020000020004" pitchFamily="50" charset="-127"/>
                 <a:cs typeface="Times New Roman" panose="02020603050405020304" pitchFamily="18" charset="0"/>
               </a:rPr>
               <a:t> </a:t>
             </a:r>
             <a:r>
-              <a:rPr lang="ko-KR" altLang="ko-KR" sz="1800" kern="100" dirty="0" err="1">
-                <a:effectLst/>
-                <a:latin typeface="맑은 고딕" panose="020B0503020000020004" pitchFamily="50" charset="-127"/>
-                <a:ea typeface="맑은 고딕" panose="020B0503020000020004" pitchFamily="50" charset="-127"/>
-                <a:cs typeface="Times New Roman" panose="02020603050405020304" pitchFamily="18" charset="0"/>
-              </a:rPr>
-              <a:t>상태클래스인</a:t>
-            </a:r>
-            <a:r>
-              <a:rPr lang="ko-KR" altLang="ko-KR" sz="1800" kern="100" dirty="0">
-                <a:effectLst/>
-                <a:latin typeface="맑은 고딕" panose="020B0503020000020004" pitchFamily="50" charset="-127"/>
+              <a:rPr lang="en-US" altLang="ko-KR" sz="1800" dirty="0" err="1">
+                <a:effectLst/>
+                <a:ea typeface="맑은 고딕" panose="020B0503020000020004" pitchFamily="50" charset="-127"/>
+                <a:cs typeface="Times New Roman" panose="02020603050405020304" pitchFamily="18" charset="0"/>
+              </a:rPr>
+              <a:t>HS_status</a:t>
+            </a:r>
+            <a:r>
+              <a:rPr lang="ko-KR" altLang="ko-KR" sz="1800" dirty="0">
+                <a:effectLst/>
+                <a:ea typeface="맑은 고딕" panose="020B0503020000020004" pitchFamily="50" charset="-127"/>
+                <a:cs typeface="Times New Roman" panose="02020603050405020304" pitchFamily="18" charset="0"/>
+              </a:rPr>
+              <a:t>를 </a:t>
+            </a:r>
+            <a:r>
+              <a:rPr lang="ko-KR" altLang="ko-KR" sz="1800" dirty="0" err="1">
+                <a:effectLst/>
+                <a:ea typeface="맑은 고딕" panose="020B0503020000020004" pitchFamily="50" charset="-127"/>
+                <a:cs typeface="Times New Roman" panose="02020603050405020304" pitchFamily="18" charset="0"/>
+              </a:rPr>
+              <a:t>로드하는</a:t>
+            </a:r>
+            <a:r>
+              <a:rPr lang="ko-KR" altLang="ko-KR" sz="1800" dirty="0">
+                <a:effectLst/>
+                <a:ea typeface="맑은 고딕" panose="020B0503020000020004" pitchFamily="50" charset="-127"/>
+                <a:cs typeface="Times New Roman" panose="02020603050405020304" pitchFamily="18" charset="0"/>
+              </a:rPr>
+              <a:t> 메소드를 갖고 있고</a:t>
+            </a:r>
+            <a:r>
+              <a:rPr lang="en-US" altLang="ko-KR" sz="1800" dirty="0">
+                <a:effectLst/>
+                <a:ea typeface="맑은 고딕" panose="020B0503020000020004" pitchFamily="50" charset="-127"/>
+                <a:cs typeface="Times New Roman" panose="02020603050405020304" pitchFamily="18" charset="0"/>
+              </a:rPr>
+              <a:t>,</a:t>
+            </a:r>
+            <a:br>
+              <a:rPr lang="en-US" altLang="ko-KR" sz="1800" dirty="0">
+                <a:effectLst/>
+                <a:ea typeface="맑은 고딕" panose="020B0503020000020004" pitchFamily="50" charset="-127"/>
+                <a:cs typeface="Times New Roman" panose="02020603050405020304" pitchFamily="18" charset="0"/>
+              </a:rPr>
+            </a:br>
+            <a:r>
+              <a:rPr lang="en-US" altLang="ko-KR" sz="1800" dirty="0" err="1">
+                <a:effectLst/>
+                <a:ea typeface="맑은 고딕" panose="020B0503020000020004" pitchFamily="50" charset="-127"/>
+                <a:cs typeface="Times New Roman" panose="02020603050405020304" pitchFamily="18" charset="0"/>
+              </a:rPr>
+              <a:t>HS_status</a:t>
+            </a:r>
+            <a:r>
+              <a:rPr lang="en-US" altLang="ko-KR" sz="1800" dirty="0">
+                <a:effectLst/>
                 <a:ea typeface="맑은 고딕" panose="020B0503020000020004" pitchFamily="50" charset="-127"/>
                 <a:cs typeface="Times New Roman" panose="02020603050405020304" pitchFamily="18" charset="0"/>
               </a:rPr>
               <a:t> </a:t>
             </a:r>
             <a:r>
-              <a:rPr lang="en-US" altLang="ko-KR" sz="1800" kern="100" dirty="0" err="1">
-                <a:effectLst/>
-                <a:latin typeface="맑은 고딕" panose="020B0503020000020004" pitchFamily="50" charset="-127"/>
-                <a:ea typeface="맑은 고딕" panose="020B0503020000020004" pitchFamily="50" charset="-127"/>
-                <a:cs typeface="Times New Roman" panose="02020603050405020304" pitchFamily="18" charset="0"/>
-              </a:rPr>
-              <a:t>HS_stataus</a:t>
-            </a:r>
-            <a:r>
-              <a:rPr lang="ko-KR" altLang="ko-KR" sz="1800" kern="100" dirty="0">
-                <a:effectLst/>
-                <a:latin typeface="맑은 고딕" panose="020B0503020000020004" pitchFamily="50" charset="-127"/>
-                <a:ea typeface="맑은 고딕" panose="020B0503020000020004" pitchFamily="50" charset="-127"/>
-                <a:cs typeface="Times New Roman" panose="02020603050405020304" pitchFamily="18" charset="0"/>
-              </a:rPr>
-              <a:t>를 </a:t>
-            </a:r>
-            <a:r>
-              <a:rPr lang="ko-KR" altLang="ko-KR" sz="1800" kern="100" dirty="0" err="1">
-                <a:effectLst/>
-                <a:latin typeface="맑은 고딕" panose="020B0503020000020004" pitchFamily="50" charset="-127"/>
+              <a:rPr lang="ko-KR" altLang="ko-KR" sz="1800" dirty="0">
+                <a:effectLst/>
+                <a:ea typeface="맑은 고딕" panose="020B0503020000020004" pitchFamily="50" charset="-127"/>
+                <a:cs typeface="Times New Roman" panose="02020603050405020304" pitchFamily="18" charset="0"/>
+              </a:rPr>
+              <a:t>클래스는 손세정제 현재 용량과</a:t>
+            </a:r>
+            <a:r>
+              <a:rPr lang="en-US" altLang="ko-KR" sz="1800" dirty="0">
+                <a:effectLst/>
+                <a:ea typeface="맑은 고딕" panose="020B0503020000020004" pitchFamily="50" charset="-127"/>
+                <a:cs typeface="Times New Roman" panose="02020603050405020304" pitchFamily="18" charset="0"/>
+              </a:rPr>
+              <a:t>, </a:t>
+            </a:r>
+            <a:r>
+              <a:rPr lang="ko-KR" altLang="ko-KR" sz="1800" dirty="0">
+                <a:effectLst/>
+                <a:ea typeface="맑은 고딕" panose="020B0503020000020004" pitchFamily="50" charset="-127"/>
+                <a:cs typeface="Times New Roman" panose="02020603050405020304" pitchFamily="18" charset="0"/>
+              </a:rPr>
+              <a:t>손세정제가</a:t>
+            </a:r>
+            <a:r>
+              <a:rPr lang="en-US" altLang="ko-KR" sz="1800" dirty="0">
+                <a:effectLst/>
+                <a:ea typeface="맑은 고딕" panose="020B0503020000020004" pitchFamily="50" charset="-127"/>
+                <a:cs typeface="Times New Roman" panose="02020603050405020304" pitchFamily="18" charset="0"/>
+              </a:rPr>
+              <a:t> full</a:t>
+            </a:r>
+            <a:r>
+              <a:rPr lang="ko-KR" altLang="ko-KR" sz="1800" dirty="0">
+                <a:effectLst/>
+                <a:ea typeface="맑은 고딕" panose="020B0503020000020004" pitchFamily="50" charset="-127"/>
+                <a:cs typeface="Times New Roman" panose="02020603050405020304" pitchFamily="18" charset="0"/>
+              </a:rPr>
+              <a:t>인 용량에 관한 변수를 </a:t>
+            </a:r>
+            <a:br>
+              <a:rPr lang="en-US" altLang="ko-KR" sz="1800" dirty="0">
+                <a:effectLst/>
+                <a:ea typeface="맑은 고딕" panose="020B0503020000020004" pitchFamily="50" charset="-127"/>
+                <a:cs typeface="Times New Roman" panose="02020603050405020304" pitchFamily="18" charset="0"/>
+              </a:rPr>
+            </a:br>
+            <a:r>
+              <a:rPr lang="en-US" altLang="ko-KR" sz="1800" dirty="0">
+                <a:effectLst/>
+                <a:ea typeface="맑은 고딕" panose="020B0503020000020004" pitchFamily="50" charset="-127"/>
+                <a:cs typeface="Times New Roman" panose="02020603050405020304" pitchFamily="18" charset="0"/>
+              </a:rPr>
+              <a:t>private</a:t>
+            </a:r>
+            <a:r>
+              <a:rPr lang="ko-KR" altLang="ko-KR" sz="1800" dirty="0">
+                <a:effectLst/>
+                <a:ea typeface="맑은 고딕" panose="020B0503020000020004" pitchFamily="50" charset="-127"/>
+                <a:cs typeface="Times New Roman" panose="02020603050405020304" pitchFamily="18" charset="0"/>
+              </a:rPr>
+              <a:t>타입으로 가지고 있습니다</a:t>
+            </a:r>
+            <a:r>
+              <a:rPr lang="en-US" altLang="ko-KR" sz="1800" dirty="0">
+                <a:effectLst/>
+                <a:ea typeface="맑은 고딕" panose="020B0503020000020004" pitchFamily="50" charset="-127"/>
+                <a:cs typeface="Times New Roman" panose="02020603050405020304" pitchFamily="18" charset="0"/>
+              </a:rPr>
+              <a:t>.</a:t>
+            </a:r>
+            <a:br>
+              <a:rPr lang="en-US" altLang="ko-KR" sz="1800" dirty="0">
+                <a:effectLst/>
+                <a:ea typeface="맑은 고딕" panose="020B0503020000020004" pitchFamily="50" charset="-127"/>
+                <a:cs typeface="Times New Roman" panose="02020603050405020304" pitchFamily="18" charset="0"/>
+              </a:rPr>
+            </a:br>
+            <a:r>
+              <a:rPr lang="ko-KR" altLang="ko-KR" sz="1800" dirty="0">
+                <a:effectLst/>
+                <a:ea typeface="맑은 고딕" panose="020B0503020000020004" pitchFamily="50" charset="-127"/>
+                <a:cs typeface="Times New Roman" panose="02020603050405020304" pitchFamily="18" charset="0"/>
+              </a:rPr>
+              <a:t>이때 </a:t>
+            </a:r>
+            <a:r>
+              <a:rPr lang="en-US" altLang="ko-KR" sz="1800" dirty="0">
+                <a:effectLst/>
+                <a:ea typeface="맑은 고딕" panose="020B0503020000020004" pitchFamily="50" charset="-127"/>
+                <a:cs typeface="Times New Roman" panose="02020603050405020304" pitchFamily="18" charset="0"/>
+              </a:rPr>
+              <a:t>App </a:t>
+            </a:r>
+            <a:r>
+              <a:rPr lang="ko-KR" altLang="ko-KR" sz="1800" dirty="0">
+                <a:effectLst/>
+                <a:ea typeface="맑은 고딕" panose="020B0503020000020004" pitchFamily="50" charset="-127"/>
+                <a:cs typeface="Times New Roman" panose="02020603050405020304" pitchFamily="18" charset="0"/>
+              </a:rPr>
+              <a:t>클래스와 </a:t>
+            </a:r>
+            <a:r>
+              <a:rPr lang="en-US" altLang="ko-KR" sz="1800" dirty="0" err="1">
+                <a:effectLst/>
+                <a:ea typeface="맑은 고딕" panose="020B0503020000020004" pitchFamily="50" charset="-127"/>
+                <a:cs typeface="Times New Roman" panose="02020603050405020304" pitchFamily="18" charset="0"/>
+              </a:rPr>
+              <a:t>HS_Status</a:t>
+            </a:r>
+            <a:r>
+              <a:rPr lang="en-US" altLang="ko-KR" sz="1800" dirty="0">
+                <a:effectLst/>
+                <a:ea typeface="맑은 고딕" panose="020B0503020000020004" pitchFamily="50" charset="-127"/>
+                <a:cs typeface="Times New Roman" panose="02020603050405020304" pitchFamily="18" charset="0"/>
+              </a:rPr>
+              <a:t> </a:t>
+            </a:r>
+            <a:r>
+              <a:rPr lang="ko-KR" altLang="ko-KR" sz="1800" dirty="0">
+                <a:effectLst/>
+                <a:ea typeface="맑은 고딕" panose="020B0503020000020004" pitchFamily="50" charset="-127"/>
+                <a:cs typeface="Times New Roman" panose="02020603050405020304" pitchFamily="18" charset="0"/>
+              </a:rPr>
+              <a:t>클래스는 저희가 개발하는 서비스가</a:t>
+            </a:r>
+            <a:br>
+              <a:rPr lang="en-US" altLang="ko-KR" sz="1800" dirty="0">
+                <a:effectLst/>
+                <a:ea typeface="맑은 고딕" panose="020B0503020000020004" pitchFamily="50" charset="-127"/>
+                <a:cs typeface="Times New Roman" panose="02020603050405020304" pitchFamily="18" charset="0"/>
+              </a:rPr>
+            </a:br>
+            <a:r>
+              <a:rPr lang="ko-KR" altLang="ko-KR" sz="1800" dirty="0">
+                <a:effectLst/>
+                <a:ea typeface="맑은 고딕" panose="020B0503020000020004" pitchFamily="50" charset="-127"/>
+                <a:cs typeface="Times New Roman" panose="02020603050405020304" pitchFamily="18" charset="0"/>
+              </a:rPr>
+              <a:t>당연히 상용화가 된다면</a:t>
+            </a:r>
+            <a:r>
+              <a:rPr lang="en-US" altLang="ko-KR" sz="1800" dirty="0">
+                <a:effectLst/>
+                <a:ea typeface="맑은 고딕" panose="020B0503020000020004" pitchFamily="50" charset="-127"/>
+                <a:cs typeface="Times New Roman" panose="02020603050405020304" pitchFamily="18" charset="0"/>
+              </a:rPr>
+              <a:t>, 1</a:t>
+            </a:r>
+            <a:r>
+              <a:rPr lang="ko-KR" altLang="ko-KR" sz="1800" dirty="0">
+                <a:effectLst/>
+                <a:ea typeface="맑은 고딕" panose="020B0503020000020004" pitchFamily="50" charset="-127"/>
+                <a:cs typeface="Times New Roman" panose="02020603050405020304" pitchFamily="18" charset="0"/>
+              </a:rPr>
+              <a:t>대多 관계를 갖게 되겠지만</a:t>
+            </a:r>
+            <a:r>
+              <a:rPr lang="en-US" altLang="ko-KR" sz="1800" dirty="0">
+                <a:effectLst/>
+                <a:ea typeface="맑은 고딕" panose="020B0503020000020004" pitchFamily="50" charset="-127"/>
+                <a:cs typeface="Times New Roman" panose="02020603050405020304" pitchFamily="18" charset="0"/>
+              </a:rPr>
+              <a:t>,</a:t>
+            </a:r>
+            <a:br>
+              <a:rPr lang="en-US" altLang="ko-KR" sz="1800" dirty="0">
+                <a:effectLst/>
+                <a:ea typeface="맑은 고딕" panose="020B0503020000020004" pitchFamily="50" charset="-127"/>
+                <a:cs typeface="Times New Roman" panose="02020603050405020304" pitchFamily="18" charset="0"/>
+              </a:rPr>
+            </a:br>
+            <a:r>
+              <a:rPr lang="ko-KR" altLang="ko-KR" sz="1800" dirty="0">
+                <a:effectLst/>
+                <a:ea typeface="맑은 고딕" panose="020B0503020000020004" pitchFamily="50" charset="-127"/>
+                <a:cs typeface="Times New Roman" panose="02020603050405020304" pitchFamily="18" charset="0"/>
+              </a:rPr>
+              <a:t>저희는 프로토타입이기 때문에 </a:t>
+            </a:r>
+            <a:r>
+              <a:rPr lang="en-US" altLang="ko-KR" sz="1800" dirty="0">
+                <a:effectLst/>
+                <a:ea typeface="맑은 고딕" panose="020B0503020000020004" pitchFamily="50" charset="-127"/>
+                <a:cs typeface="Times New Roman" panose="02020603050405020304" pitchFamily="18" charset="0"/>
+              </a:rPr>
+              <a:t>1</a:t>
+            </a:r>
+            <a:r>
+              <a:rPr lang="ko-KR" altLang="ko-KR" sz="1800" dirty="0">
+                <a:effectLst/>
+                <a:ea typeface="맑은 고딕" panose="020B0503020000020004" pitchFamily="50" charset="-127"/>
+                <a:cs typeface="Times New Roman" panose="02020603050405020304" pitchFamily="18" charset="0"/>
+              </a:rPr>
+              <a:t>대</a:t>
+            </a:r>
+            <a:r>
+              <a:rPr lang="en-US" altLang="ko-KR" sz="1800" dirty="0">
+                <a:effectLst/>
+                <a:ea typeface="맑은 고딕" panose="020B0503020000020004" pitchFamily="50" charset="-127"/>
+                <a:cs typeface="Times New Roman" panose="02020603050405020304" pitchFamily="18" charset="0"/>
+              </a:rPr>
+              <a:t>1 </a:t>
+            </a:r>
+            <a:r>
+              <a:rPr lang="ko-KR" altLang="ko-KR" sz="1800" dirty="0">
+                <a:effectLst/>
+                <a:ea typeface="맑은 고딕" panose="020B0503020000020004" pitchFamily="50" charset="-127"/>
+                <a:cs typeface="Times New Roman" panose="02020603050405020304" pitchFamily="18" charset="0"/>
+              </a:rPr>
+              <a:t>관계로 구성하여 표현하였다는 것을 말씀드립니다</a:t>
+            </a:r>
+            <a:r>
+              <a:rPr lang="en-US" altLang="ko-KR" sz="1800" dirty="0">
+                <a:effectLst/>
+                <a:ea typeface="맑은 고딕" panose="020B0503020000020004" pitchFamily="50" charset="-127"/>
+                <a:cs typeface="Times New Roman" panose="02020603050405020304" pitchFamily="18" charset="0"/>
+              </a:rPr>
+              <a:t>. </a:t>
+            </a:r>
+            <a:br>
+              <a:rPr lang="en-US" altLang="ko-KR" sz="1800" dirty="0">
+                <a:effectLst/>
+                <a:ea typeface="맑은 고딕" panose="020B0503020000020004" pitchFamily="50" charset="-127"/>
+                <a:cs typeface="Times New Roman" panose="02020603050405020304" pitchFamily="18" charset="0"/>
+              </a:rPr>
+            </a:br>
+            <a:r>
+              <a:rPr lang="ko-KR" altLang="ko-KR" sz="1800" dirty="0">
+                <a:effectLst/>
+                <a:ea typeface="맑은 고딕" panose="020B0503020000020004" pitchFamily="50" charset="-127"/>
+                <a:cs typeface="Times New Roman" panose="02020603050405020304" pitchFamily="18" charset="0"/>
+              </a:rPr>
+              <a:t>이 서비스가 실제로 사용되게 된다면</a:t>
+            </a:r>
+            <a:r>
+              <a:rPr lang="en-US" altLang="ko-KR" sz="1800" dirty="0">
+                <a:effectLst/>
+                <a:ea typeface="맑은 고딕" panose="020B0503020000020004" pitchFamily="50" charset="-127"/>
+                <a:cs typeface="Times New Roman" panose="02020603050405020304" pitchFamily="18" charset="0"/>
+              </a:rPr>
+              <a:t>, </a:t>
+            </a:r>
+            <a:r>
+              <a:rPr lang="ko-KR" altLang="ko-KR" sz="1800" dirty="0">
+                <a:effectLst/>
+                <a:ea typeface="맑은 고딕" panose="020B0503020000020004" pitchFamily="50" charset="-127"/>
+                <a:cs typeface="Times New Roman" panose="02020603050405020304" pitchFamily="18" charset="0"/>
+              </a:rPr>
+              <a:t>각 앱마다 관리자 로그인이 있을 것이고</a:t>
+            </a:r>
+            <a:r>
+              <a:rPr lang="en-US" altLang="ko-KR" sz="1800" dirty="0">
+                <a:effectLst/>
+                <a:ea typeface="맑은 고딕" panose="020B0503020000020004" pitchFamily="50" charset="-127"/>
+                <a:cs typeface="Times New Roman" panose="02020603050405020304" pitchFamily="18" charset="0"/>
+              </a:rPr>
+              <a:t>,</a:t>
+            </a:r>
+            <a:br>
+              <a:rPr lang="en-US" altLang="ko-KR" sz="1800" dirty="0">
+                <a:effectLst/>
+                <a:ea typeface="맑은 고딕" panose="020B0503020000020004" pitchFamily="50" charset="-127"/>
+                <a:cs typeface="Times New Roman" panose="02020603050405020304" pitchFamily="18" charset="0"/>
+              </a:rPr>
+            </a:br>
+            <a:r>
+              <a:rPr lang="ko-KR" altLang="ko-KR" sz="1800" dirty="0">
+                <a:effectLst/>
+                <a:ea typeface="맑은 고딕" panose="020B0503020000020004" pitchFamily="50" charset="-127"/>
+                <a:cs typeface="Times New Roman" panose="02020603050405020304" pitchFamily="18" charset="0"/>
+              </a:rPr>
+              <a:t>관리자마다 각각이 관리하는 손소독제 상태들이 필요하기 때문에</a:t>
+            </a:r>
+            <a:br>
+              <a:rPr lang="en-US" altLang="ko-KR" sz="1800" dirty="0">
+                <a:effectLst/>
+                <a:ea typeface="맑은 고딕" panose="020B0503020000020004" pitchFamily="50" charset="-127"/>
+                <a:cs typeface="Times New Roman" panose="02020603050405020304" pitchFamily="18" charset="0"/>
+              </a:rPr>
+            </a:br>
+            <a:r>
+              <a:rPr lang="en-US" altLang="ko-KR" sz="1800" dirty="0">
+                <a:effectLst/>
+                <a:ea typeface="맑은 고딕" panose="020B0503020000020004" pitchFamily="50" charset="-127"/>
+                <a:cs typeface="Times New Roman" panose="02020603050405020304" pitchFamily="18" charset="0"/>
+              </a:rPr>
+              <a:t>App </a:t>
+            </a:r>
+            <a:r>
+              <a:rPr lang="ko-KR" altLang="ko-KR" sz="1800" dirty="0">
+                <a:effectLst/>
+                <a:ea typeface="맑은 고딕" panose="020B0503020000020004" pitchFamily="50" charset="-127"/>
+                <a:cs typeface="Times New Roman" panose="02020603050405020304" pitchFamily="18" charset="0"/>
+              </a:rPr>
+              <a:t>클래스와 </a:t>
+            </a:r>
+            <a:r>
+              <a:rPr lang="en-US" altLang="ko-KR" sz="1800" dirty="0" err="1">
+                <a:effectLst/>
+                <a:ea typeface="맑은 고딕" panose="020B0503020000020004" pitchFamily="50" charset="-127"/>
+                <a:cs typeface="Times New Roman" panose="02020603050405020304" pitchFamily="18" charset="0"/>
+              </a:rPr>
+              <a:t>HS_Status</a:t>
+            </a:r>
+            <a:r>
+              <a:rPr lang="en-US" altLang="ko-KR" sz="1800" dirty="0">
+                <a:effectLst/>
+                <a:ea typeface="맑은 고딕" panose="020B0503020000020004" pitchFamily="50" charset="-127"/>
+                <a:cs typeface="Times New Roman" panose="02020603050405020304" pitchFamily="18" charset="0"/>
+              </a:rPr>
+              <a:t> </a:t>
+            </a:r>
+            <a:r>
+              <a:rPr lang="ko-KR" altLang="ko-KR" sz="1800" dirty="0">
+                <a:effectLst/>
+                <a:ea typeface="맑은 고딕" panose="020B0503020000020004" pitchFamily="50" charset="-127"/>
+                <a:cs typeface="Times New Roman" panose="02020603050405020304" pitchFamily="18" charset="0"/>
+              </a:rPr>
+              <a:t>클래스는 </a:t>
+            </a:r>
+            <a:r>
+              <a:rPr lang="en-US" altLang="ko-KR" sz="1800" dirty="0">
+                <a:effectLst/>
+                <a:ea typeface="맑은 고딕" panose="020B0503020000020004" pitchFamily="50" charset="-127"/>
+                <a:cs typeface="Times New Roman" panose="02020603050405020304" pitchFamily="18" charset="0"/>
+              </a:rPr>
+              <a:t>1</a:t>
+            </a:r>
+            <a:r>
+              <a:rPr lang="ko-KR" altLang="ko-KR" sz="1800" dirty="0">
+                <a:effectLst/>
+                <a:ea typeface="맑은 고딕" panose="020B0503020000020004" pitchFamily="50" charset="-127"/>
+                <a:cs typeface="Times New Roman" panose="02020603050405020304" pitchFamily="18" charset="0"/>
+              </a:rPr>
+              <a:t>대多 관계가 되겠지요</a:t>
+            </a:r>
+            <a:r>
+              <a:rPr lang="en-US" altLang="ko-KR" sz="1800" dirty="0">
+                <a:effectLst/>
+                <a:ea typeface="맑은 고딕" panose="020B0503020000020004" pitchFamily="50" charset="-127"/>
+                <a:cs typeface="Times New Roman" panose="02020603050405020304" pitchFamily="18" charset="0"/>
+              </a:rPr>
+              <a:t>.</a:t>
+            </a:r>
+            <a:br>
+              <a:rPr lang="en-US" altLang="ko-KR" sz="1800" dirty="0">
+                <a:effectLst/>
+                <a:ea typeface="맑은 고딕" panose="020B0503020000020004" pitchFamily="50" charset="-127"/>
+                <a:cs typeface="Times New Roman" panose="02020603050405020304" pitchFamily="18" charset="0"/>
+              </a:rPr>
+            </a:br>
+            <a:r>
+              <a:rPr lang="ko-KR" altLang="ko-KR" sz="1800" dirty="0">
+                <a:effectLst/>
+                <a:ea typeface="맑은 고딕" panose="020B0503020000020004" pitchFamily="50" charset="-127"/>
+                <a:cs typeface="Times New Roman" panose="02020603050405020304" pitchFamily="18" charset="0"/>
+              </a:rPr>
+              <a:t>어쨌든 다시 다이어그램 설명으로 돌아와서</a:t>
+            </a:r>
+            <a:r>
+              <a:rPr lang="en-US" altLang="ko-KR" sz="1800" dirty="0">
+                <a:effectLst/>
+                <a:ea typeface="맑은 고딕" panose="020B0503020000020004" pitchFamily="50" charset="-127"/>
+                <a:cs typeface="Times New Roman" panose="02020603050405020304" pitchFamily="18" charset="0"/>
+              </a:rPr>
+              <a:t>,</a:t>
+            </a:r>
+            <a:br>
+              <a:rPr lang="en-US" altLang="ko-KR" sz="1800" dirty="0">
+                <a:effectLst/>
+                <a:ea typeface="맑은 고딕" panose="020B0503020000020004" pitchFamily="50" charset="-127"/>
+                <a:cs typeface="Times New Roman" panose="02020603050405020304" pitchFamily="18" charset="0"/>
+              </a:rPr>
+            </a:br>
+            <a:r>
+              <a:rPr lang="ko-KR" altLang="ko-KR" sz="1800" dirty="0">
+                <a:effectLst/>
+                <a:ea typeface="맑은 고딕" panose="020B0503020000020004" pitchFamily="50" charset="-127"/>
+                <a:cs typeface="Times New Roman" panose="02020603050405020304" pitchFamily="18" charset="0"/>
+              </a:rPr>
+              <a:t>메소드로는</a:t>
+            </a:r>
+            <a:r>
+              <a:rPr lang="en-US" altLang="ko-KR" sz="1800" dirty="0">
+                <a:effectLst/>
+                <a:ea typeface="맑은 고딕" panose="020B0503020000020004" pitchFamily="50" charset="-127"/>
+                <a:cs typeface="Times New Roman" panose="02020603050405020304" pitchFamily="18" charset="0"/>
+              </a:rPr>
+              <a:t> warning </a:t>
+            </a:r>
+            <a:r>
+              <a:rPr lang="ko-KR" altLang="ko-KR" sz="1800" dirty="0">
+                <a:effectLst/>
+                <a:ea typeface="맑은 고딕" panose="020B0503020000020004" pitchFamily="50" charset="-127"/>
+                <a:cs typeface="Times New Roman" panose="02020603050405020304" pitchFamily="18" charset="0"/>
+              </a:rPr>
+              <a:t>클래스를 </a:t>
+            </a:r>
+            <a:r>
+              <a:rPr lang="ko-KR" altLang="ko-KR" sz="1800" dirty="0" err="1">
+                <a:effectLst/>
                 <a:ea typeface="맑은 고딕" panose="020B0503020000020004" pitchFamily="50" charset="-127"/>
                 <a:cs typeface="Times New Roman" panose="02020603050405020304" pitchFamily="18" charset="0"/>
               </a:rPr>
               <a:t>로드하는</a:t>
             </a:r>
             <a:r>
-              <a:rPr lang="ko-KR" altLang="ko-KR" sz="1800" kern="100" dirty="0">
-                <a:effectLst/>
-                <a:latin typeface="맑은 고딕" panose="020B0503020000020004" pitchFamily="50" charset="-127"/>
-                <a:ea typeface="맑은 고딕" panose="020B0503020000020004" pitchFamily="50" charset="-127"/>
-                <a:cs typeface="Times New Roman" panose="02020603050405020304" pitchFamily="18" charset="0"/>
-              </a:rPr>
-              <a:t> 메소드를 갖고 있고</a:t>
-            </a:r>
-            <a:r>
-              <a:rPr lang="en-US" altLang="ko-KR" sz="1800" kern="100" dirty="0">
-                <a:effectLst/>
-                <a:latin typeface="맑은 고딕" panose="020B0503020000020004" pitchFamily="50" charset="-127"/>
-                <a:ea typeface="맑은 고딕" panose="020B0503020000020004" pitchFamily="50" charset="-127"/>
-                <a:cs typeface="Times New Roman" panose="02020603050405020304" pitchFamily="18" charset="0"/>
-              </a:rPr>
-              <a:t>,    </a:t>
-            </a:r>
-            <a:endParaRPr lang="ko-KR" altLang="ko-KR" sz="1800" kern="100" dirty="0">
-              <a:effectLst/>
-              <a:latin typeface="맑은 고딕" panose="020B0503020000020004" pitchFamily="50" charset="-127"/>
-              <a:ea typeface="맑은 고딕" panose="020B0503020000020004" pitchFamily="50" charset="-127"/>
-              <a:cs typeface="Times New Roman" panose="02020603050405020304" pitchFamily="18" charset="0"/>
-            </a:endParaRPr>
-          </a:p>
-          <a:p>
-            <a:pPr algn="just" latinLnBrk="1">
-              <a:lnSpc>
-                <a:spcPct val="107000"/>
-              </a:lnSpc>
-              <a:spcAft>
-                <a:spcPts val="800"/>
-              </a:spcAft>
-            </a:pPr>
-            <a:r>
-              <a:rPr lang="en-US" altLang="ko-KR" sz="1800" kern="100" dirty="0" err="1">
-                <a:effectLst/>
-                <a:latin typeface="맑은 고딕" panose="020B0503020000020004" pitchFamily="50" charset="-127"/>
-                <a:ea typeface="맑은 고딕" panose="020B0503020000020004" pitchFamily="50" charset="-127"/>
-                <a:cs typeface="Times New Roman" panose="02020603050405020304" pitchFamily="18" charset="0"/>
-              </a:rPr>
-              <a:t>HS_status</a:t>
-            </a:r>
-            <a:r>
-              <a:rPr lang="en-US" altLang="ko-KR" sz="1800" kern="100" dirty="0">
-                <a:effectLst/>
-                <a:latin typeface="맑은 고딕" panose="020B0503020000020004" pitchFamily="50" charset="-127"/>
+              <a:rPr lang="ko-KR" altLang="ko-KR" sz="1800" dirty="0">
+                <a:effectLst/>
+                <a:ea typeface="맑은 고딕" panose="020B0503020000020004" pitchFamily="50" charset="-127"/>
+                <a:cs typeface="Times New Roman" panose="02020603050405020304" pitchFamily="18" charset="0"/>
+              </a:rPr>
+              <a:t> 메소드와</a:t>
+            </a:r>
+            <a:r>
+              <a:rPr lang="en-US" altLang="ko-KR" sz="1800" dirty="0">
+                <a:effectLst/>
                 <a:ea typeface="맑은 고딕" panose="020B0503020000020004" pitchFamily="50" charset="-127"/>
                 <a:cs typeface="Times New Roman" panose="02020603050405020304" pitchFamily="18" charset="0"/>
               </a:rPr>
               <a:t> </a:t>
             </a:r>
             <a:r>
-              <a:rPr lang="ko-KR" altLang="ko-KR" sz="1800" kern="100" dirty="0">
-                <a:effectLst/>
-                <a:latin typeface="맑은 고딕" panose="020B0503020000020004" pitchFamily="50" charset="-127"/>
-                <a:ea typeface="맑은 고딕" panose="020B0503020000020004" pitchFamily="50" charset="-127"/>
-                <a:cs typeface="Times New Roman" panose="02020603050405020304" pitchFamily="18" charset="0"/>
-              </a:rPr>
-              <a:t>클래스는 손세정제 </a:t>
-            </a:r>
-            <a:r>
-              <a:rPr lang="ko-KR" altLang="en-US" sz="1800" kern="100" dirty="0">
-                <a:effectLst/>
-                <a:latin typeface="맑은 고딕" panose="020B0503020000020004" pitchFamily="50" charset="-127"/>
-                <a:ea typeface="맑은 고딕" panose="020B0503020000020004" pitchFamily="50" charset="-127"/>
-                <a:cs typeface="Times New Roman" panose="02020603050405020304" pitchFamily="18" charset="0"/>
-              </a:rPr>
-              <a:t>현재 </a:t>
-            </a:r>
-            <a:r>
-              <a:rPr lang="ko-KR" altLang="ko-KR" sz="1800" kern="100" dirty="0">
-                <a:effectLst/>
-                <a:latin typeface="맑은 고딕" panose="020B0503020000020004" pitchFamily="50" charset="-127"/>
-                <a:ea typeface="맑은 고딕" panose="020B0503020000020004" pitchFamily="50" charset="-127"/>
-                <a:cs typeface="Times New Roman" panose="02020603050405020304" pitchFamily="18" charset="0"/>
-              </a:rPr>
-              <a:t>용량과</a:t>
-            </a:r>
-            <a:r>
-              <a:rPr lang="en-US" altLang="ko-KR" sz="1800" kern="100" dirty="0">
-                <a:effectLst/>
-                <a:latin typeface="맑은 고딕" panose="020B0503020000020004" pitchFamily="50" charset="-127"/>
-                <a:ea typeface="맑은 고딕" panose="020B0503020000020004" pitchFamily="50" charset="-127"/>
-                <a:cs typeface="Times New Roman" panose="02020603050405020304" pitchFamily="18" charset="0"/>
-              </a:rPr>
-              <a:t>,</a:t>
-            </a:r>
-            <a:r>
-              <a:rPr lang="ko-KR" altLang="ko-KR" sz="1800" kern="100" dirty="0">
-                <a:effectLst/>
-                <a:latin typeface="맑은 고딕" panose="020B0503020000020004" pitchFamily="50" charset="-127"/>
-                <a:ea typeface="맑은 고딕" panose="020B0503020000020004" pitchFamily="50" charset="-127"/>
-                <a:cs typeface="Times New Roman" panose="02020603050405020304" pitchFamily="18" charset="0"/>
-              </a:rPr>
-              <a:t> 손세정제가 </a:t>
-            </a:r>
-            <a:r>
-              <a:rPr lang="en-US" altLang="ko-KR" sz="1800" kern="100" dirty="0">
-                <a:effectLst/>
-                <a:latin typeface="맑은 고딕" panose="020B0503020000020004" pitchFamily="50" charset="-127"/>
-                <a:ea typeface="맑은 고딕" panose="020B0503020000020004" pitchFamily="50" charset="-127"/>
-                <a:cs typeface="Times New Roman" panose="02020603050405020304" pitchFamily="18" charset="0"/>
-              </a:rPr>
-              <a:t>full</a:t>
-            </a:r>
-            <a:r>
-              <a:rPr lang="ko-KR" altLang="en-US" sz="1800" kern="100" dirty="0">
-                <a:effectLst/>
-                <a:latin typeface="맑은 고딕" panose="020B0503020000020004" pitchFamily="50" charset="-127"/>
-                <a:ea typeface="맑은 고딕" panose="020B0503020000020004" pitchFamily="50" charset="-127"/>
-                <a:cs typeface="Times New Roman" panose="02020603050405020304" pitchFamily="18" charset="0"/>
-              </a:rPr>
-              <a:t>인 </a:t>
-            </a:r>
-            <a:r>
-              <a:rPr lang="ko-KR" altLang="ko-KR" sz="1800" kern="100" dirty="0">
-                <a:effectLst/>
-                <a:latin typeface="맑은 고딕" panose="020B0503020000020004" pitchFamily="50" charset="-127"/>
-                <a:ea typeface="맑은 고딕" panose="020B0503020000020004" pitchFamily="50" charset="-127"/>
-                <a:cs typeface="Times New Roman" panose="02020603050405020304" pitchFamily="18" charset="0"/>
-              </a:rPr>
-              <a:t>용량에 관한 변수를 </a:t>
-            </a:r>
-            <a:r>
-              <a:rPr lang="en-US" altLang="ko-KR" sz="1800" kern="100" dirty="0">
-                <a:effectLst/>
-                <a:latin typeface="맑은 고딕" panose="020B0503020000020004" pitchFamily="50" charset="-127"/>
-                <a:ea typeface="맑은 고딕" panose="020B0503020000020004" pitchFamily="50" charset="-127"/>
-                <a:cs typeface="Times New Roman" panose="02020603050405020304" pitchFamily="18" charset="0"/>
-              </a:rPr>
-              <a:t>private</a:t>
-            </a:r>
-            <a:r>
-              <a:rPr lang="ko-KR" altLang="ko-KR" sz="1800" kern="100" dirty="0">
-                <a:effectLst/>
-                <a:latin typeface="맑은 고딕" panose="020B0503020000020004" pitchFamily="50" charset="-127"/>
-                <a:ea typeface="맑은 고딕" panose="020B0503020000020004" pitchFamily="50" charset="-127"/>
-                <a:cs typeface="Times New Roman" panose="02020603050405020304" pitchFamily="18" charset="0"/>
-              </a:rPr>
-              <a:t>타입으로 가지고 </a:t>
-            </a:r>
-            <a:r>
-              <a:rPr lang="ko-KR" altLang="en-US" sz="1800" kern="100" dirty="0">
-                <a:effectLst/>
-                <a:latin typeface="맑은 고딕" panose="020B0503020000020004" pitchFamily="50" charset="-127"/>
-                <a:ea typeface="맑은 고딕" panose="020B0503020000020004" pitchFamily="50" charset="-127"/>
-                <a:cs typeface="Times New Roman" panose="02020603050405020304" pitchFamily="18" charset="0"/>
-              </a:rPr>
-              <a:t>있습니다</a:t>
-            </a:r>
-            <a:r>
-              <a:rPr lang="en-US" altLang="ko-KR" sz="1800" kern="100" dirty="0">
-                <a:effectLst/>
-                <a:latin typeface="맑은 고딕" panose="020B0503020000020004" pitchFamily="50" charset="-127"/>
+              <a:rPr lang="en-US" altLang="ko-KR" sz="1800" dirty="0" err="1">
+                <a:effectLst/>
+                <a:ea typeface="맑은 고딕" panose="020B0503020000020004" pitchFamily="50" charset="-127"/>
+                <a:cs typeface="Times New Roman" panose="02020603050405020304" pitchFamily="18" charset="0"/>
+              </a:rPr>
+              <a:t>db</a:t>
+            </a:r>
+            <a:r>
+              <a:rPr lang="ko-KR" altLang="ko-KR" sz="1800" dirty="0">
+                <a:effectLst/>
+                <a:ea typeface="맑은 고딕" panose="020B0503020000020004" pitchFamily="50" charset="-127"/>
+                <a:cs typeface="Times New Roman" panose="02020603050405020304" pitchFamily="18" charset="0"/>
+              </a:rPr>
+              <a:t>에 손세정제 데이터를 요청하는 메소드</a:t>
+            </a:r>
+            <a:r>
+              <a:rPr lang="en-US" altLang="ko-KR" sz="1800" dirty="0">
+                <a:effectLst/>
+                <a:ea typeface="맑은 고딕" panose="020B0503020000020004" pitchFamily="50" charset="-127"/>
+                <a:cs typeface="Times New Roman" panose="02020603050405020304" pitchFamily="18" charset="0"/>
+              </a:rPr>
+              <a:t>, </a:t>
+            </a:r>
+            <a:br>
+              <a:rPr lang="en-US" altLang="ko-KR" sz="1800" dirty="0">
+                <a:effectLst/>
+                <a:ea typeface="맑은 고딕" panose="020B0503020000020004" pitchFamily="50" charset="-127"/>
+                <a:cs typeface="Times New Roman" panose="02020603050405020304" pitchFamily="18" charset="0"/>
+              </a:rPr>
+            </a:br>
+            <a:r>
+              <a:rPr lang="ko-KR" altLang="ko-KR" sz="1800" dirty="0">
+                <a:effectLst/>
+                <a:ea typeface="맑은 고딕" panose="020B0503020000020004" pitchFamily="50" charset="-127"/>
+                <a:cs typeface="Times New Roman" panose="02020603050405020304" pitchFamily="18" charset="0"/>
+              </a:rPr>
+              <a:t>그리고 현재 상태를 나타내는</a:t>
+            </a:r>
+            <a:r>
+              <a:rPr lang="en-US" altLang="ko-KR" sz="1800" dirty="0">
+                <a:effectLst/>
+                <a:ea typeface="맑은 고딕" panose="020B0503020000020004" pitchFamily="50" charset="-127"/>
+                <a:cs typeface="Times New Roman" panose="02020603050405020304" pitchFamily="18" charset="0"/>
+              </a:rPr>
+              <a:t> show()</a:t>
+            </a:r>
+            <a:r>
+              <a:rPr lang="ko-KR" altLang="ko-KR" sz="1800" dirty="0">
+                <a:effectLst/>
+                <a:ea typeface="맑은 고딕" panose="020B0503020000020004" pitchFamily="50" charset="-127"/>
+                <a:cs typeface="Times New Roman" panose="02020603050405020304" pitchFamily="18" charset="0"/>
+              </a:rPr>
+              <a:t>메소드로 구성되어 있습니다</a:t>
+            </a:r>
+            <a:r>
+              <a:rPr lang="en-US" altLang="ko-KR" sz="1800" dirty="0">
+                <a:effectLst/>
                 <a:ea typeface="맑은 고딕" panose="020B0503020000020004" pitchFamily="50" charset="-127"/>
                 <a:cs typeface="Times New Roman" panose="02020603050405020304" pitchFamily="18" charset="0"/>
               </a:rPr>
               <a:t>.</a:t>
             </a:r>
-            <a:endParaRPr lang="ko-KR" altLang="ko-KR" sz="1800" kern="100" dirty="0">
-              <a:effectLst/>
-              <a:latin typeface="맑은 고딕" panose="020B0503020000020004" pitchFamily="50" charset="-127"/>
-              <a:ea typeface="맑은 고딕" panose="020B0503020000020004" pitchFamily="50" charset="-127"/>
-              <a:cs typeface="Times New Roman" panose="02020603050405020304" pitchFamily="18" charset="0"/>
-            </a:endParaRPr>
-          </a:p>
-          <a:p>
-            <a:pPr algn="just" latinLnBrk="1">
-              <a:lnSpc>
-                <a:spcPct val="107000"/>
-              </a:lnSpc>
-              <a:spcAft>
-                <a:spcPts val="800"/>
-              </a:spcAft>
-            </a:pPr>
-            <a:r>
-              <a:rPr lang="ko-KR" altLang="ko-KR" sz="1800" kern="100" dirty="0">
-                <a:effectLst/>
-                <a:latin typeface="맑은 고딕" panose="020B0503020000020004" pitchFamily="50" charset="-127"/>
-                <a:ea typeface="맑은 고딕" panose="020B0503020000020004" pitchFamily="50" charset="-127"/>
-                <a:cs typeface="Times New Roman" panose="02020603050405020304" pitchFamily="18" charset="0"/>
-              </a:rPr>
-              <a:t>메소드로는 </a:t>
-            </a:r>
-            <a:r>
-              <a:rPr lang="en-US" altLang="ko-KR" sz="1800" kern="100" dirty="0">
-                <a:effectLst/>
-                <a:latin typeface="맑은 고딕" panose="020B0503020000020004" pitchFamily="50" charset="-127"/>
-                <a:ea typeface="맑은 고딕" panose="020B0503020000020004" pitchFamily="50" charset="-127"/>
-                <a:cs typeface="Times New Roman" panose="02020603050405020304" pitchFamily="18" charset="0"/>
-              </a:rPr>
-              <a:t>warning </a:t>
-            </a:r>
-            <a:r>
-              <a:rPr lang="ko-KR" altLang="ko-KR" sz="1800" kern="100" dirty="0">
-                <a:effectLst/>
-                <a:latin typeface="맑은 고딕" panose="020B0503020000020004" pitchFamily="50" charset="-127"/>
-                <a:ea typeface="맑은 고딕" panose="020B0503020000020004" pitchFamily="50" charset="-127"/>
-                <a:cs typeface="Times New Roman" panose="02020603050405020304" pitchFamily="18" charset="0"/>
-              </a:rPr>
-              <a:t>클래스를 </a:t>
-            </a:r>
-            <a:r>
-              <a:rPr lang="ko-KR" altLang="ko-KR" sz="1800" kern="100" dirty="0" err="1">
-                <a:effectLst/>
-                <a:latin typeface="맑은 고딕" panose="020B0503020000020004" pitchFamily="50" charset="-127"/>
-                <a:ea typeface="맑은 고딕" panose="020B0503020000020004" pitchFamily="50" charset="-127"/>
-                <a:cs typeface="Times New Roman" panose="02020603050405020304" pitchFamily="18" charset="0"/>
-              </a:rPr>
-              <a:t>로드하는</a:t>
-            </a:r>
-            <a:r>
-              <a:rPr lang="ko-KR" altLang="ko-KR" sz="1800" kern="100" dirty="0">
-                <a:effectLst/>
-                <a:latin typeface="맑은 고딕" panose="020B0503020000020004" pitchFamily="50" charset="-127"/>
-                <a:ea typeface="맑은 고딕" panose="020B0503020000020004" pitchFamily="50" charset="-127"/>
-                <a:cs typeface="Times New Roman" panose="02020603050405020304" pitchFamily="18" charset="0"/>
-              </a:rPr>
-              <a:t> 메소드와</a:t>
-            </a:r>
-            <a:r>
-              <a:rPr lang="en-US" altLang="ko-KR" sz="1800" kern="100" dirty="0">
-                <a:effectLst/>
-                <a:latin typeface="맑은 고딕" panose="020B0503020000020004" pitchFamily="50" charset="-127"/>
+            <a:br>
+              <a:rPr lang="en-US" altLang="ko-KR" sz="1800" dirty="0">
+                <a:effectLst/>
+                <a:ea typeface="맑은 고딕" panose="020B0503020000020004" pitchFamily="50" charset="-127"/>
+                <a:cs typeface="Times New Roman" panose="02020603050405020304" pitchFamily="18" charset="0"/>
+              </a:rPr>
+            </a:br>
+            <a:r>
+              <a:rPr lang="ko-KR" altLang="ko-KR" sz="1800" dirty="0">
+                <a:effectLst/>
+                <a:ea typeface="맑은 고딕" panose="020B0503020000020004" pitchFamily="50" charset="-127"/>
+                <a:cs typeface="Times New Roman" panose="02020603050405020304" pitchFamily="18" charset="0"/>
+              </a:rPr>
+              <a:t>마지막으로</a:t>
+            </a:r>
+            <a:r>
+              <a:rPr lang="en-US" altLang="ko-KR" sz="1800" dirty="0">
+                <a:effectLst/>
+                <a:ea typeface="맑은 고딕" panose="020B0503020000020004" pitchFamily="50" charset="-127"/>
+                <a:cs typeface="Times New Roman" panose="02020603050405020304" pitchFamily="18" charset="0"/>
+              </a:rPr>
+              <a:t> Warning </a:t>
+            </a:r>
+            <a:r>
+              <a:rPr lang="ko-KR" altLang="ko-KR" sz="1800" dirty="0">
+                <a:effectLst/>
+                <a:ea typeface="맑은 고딕" panose="020B0503020000020004" pitchFamily="50" charset="-127"/>
+                <a:cs typeface="Times New Roman" panose="02020603050405020304" pitchFamily="18" charset="0"/>
+              </a:rPr>
+              <a:t>클래스는 위험 정도를 표기한 변수와 </a:t>
+            </a:r>
+            <a:br>
+              <a:rPr lang="en-US" altLang="ko-KR" sz="1800" dirty="0">
+                <a:effectLst/>
+                <a:ea typeface="맑은 고딕" panose="020B0503020000020004" pitchFamily="50" charset="-127"/>
+                <a:cs typeface="Times New Roman" panose="02020603050405020304" pitchFamily="18" charset="0"/>
+              </a:rPr>
+            </a:br>
+            <a:r>
+              <a:rPr lang="ko-KR" altLang="ko-KR" sz="1800" dirty="0">
+                <a:effectLst/>
+                <a:ea typeface="맑은 고딕" panose="020B0503020000020004" pitchFamily="50" charset="-127"/>
+                <a:cs typeface="Times New Roman" panose="02020603050405020304" pitchFamily="18" charset="0"/>
+              </a:rPr>
+              <a:t>만약 이 위험한 정도가 손소독제 전체의 </a:t>
+            </a:r>
+            <a:r>
+              <a:rPr lang="en-US" altLang="ko-KR" sz="1800" dirty="0">
+                <a:effectLst/>
+                <a:ea typeface="맑은 고딕" panose="020B0503020000020004" pitchFamily="50" charset="-127"/>
+                <a:cs typeface="Times New Roman" panose="02020603050405020304" pitchFamily="18" charset="0"/>
+              </a:rPr>
+              <a:t>10%</a:t>
+            </a:r>
+            <a:r>
+              <a:rPr lang="ko-KR" altLang="ko-KR" sz="1800" dirty="0">
+                <a:effectLst/>
+                <a:ea typeface="맑은 고딕" panose="020B0503020000020004" pitchFamily="50" charset="-127"/>
+                <a:cs typeface="Times New Roman" panose="02020603050405020304" pitchFamily="18" charset="0"/>
+              </a:rPr>
+              <a:t>에 해당되는 임계치를 넘어섰을 때</a:t>
+            </a:r>
+            <a:r>
+              <a:rPr lang="en-US" altLang="ko-KR" sz="1800" dirty="0">
+                <a:effectLst/>
+                <a:ea typeface="맑은 고딕" panose="020B0503020000020004" pitchFamily="50" charset="-127"/>
+                <a:cs typeface="Times New Roman" panose="02020603050405020304" pitchFamily="18" charset="0"/>
+              </a:rPr>
+              <a:t>, </a:t>
+            </a:r>
+            <a:br>
+              <a:rPr lang="en-US" altLang="ko-KR" sz="1800" dirty="0">
+                <a:effectLst/>
+                <a:ea typeface="맑은 고딕" panose="020B0503020000020004" pitchFamily="50" charset="-127"/>
+                <a:cs typeface="Times New Roman" panose="02020603050405020304" pitchFamily="18" charset="0"/>
+              </a:rPr>
+            </a:br>
+            <a:r>
+              <a:rPr lang="ko-KR" altLang="ko-KR" sz="1800" dirty="0">
+                <a:effectLst/>
+                <a:ea typeface="맑은 고딕" panose="020B0503020000020004" pitchFamily="50" charset="-127"/>
+                <a:cs typeface="Times New Roman" panose="02020603050405020304" pitchFamily="18" charset="0"/>
+              </a:rPr>
+              <a:t>사용자에게 위험신호를 알리는 </a:t>
+            </a:r>
+            <a:r>
+              <a:rPr lang="en-US" altLang="ko-KR" sz="1800" dirty="0">
+                <a:effectLst/>
+                <a:ea typeface="맑은 고딕" panose="020B0503020000020004" pitchFamily="50" charset="-127"/>
+                <a:cs typeface="Times New Roman" panose="02020603050405020304" pitchFamily="18" charset="0"/>
+              </a:rPr>
+              <a:t>warn </a:t>
+            </a:r>
+            <a:r>
+              <a:rPr lang="ko-KR" altLang="ko-KR" sz="1800" dirty="0">
+                <a:effectLst/>
+                <a:ea typeface="맑은 고딕" panose="020B0503020000020004" pitchFamily="50" charset="-127"/>
+                <a:cs typeface="Times New Roman" panose="02020603050405020304" pitchFamily="18" charset="0"/>
+              </a:rPr>
+              <a:t>메소드로 구성되어 있습니다</a:t>
+            </a:r>
+            <a:r>
+              <a:rPr lang="en-US" altLang="ko-KR" sz="1800" dirty="0">
+                <a:effectLst/>
+                <a:ea typeface="맑은 고딕" panose="020B0503020000020004" pitchFamily="50" charset="-127"/>
+                <a:cs typeface="Times New Roman" panose="02020603050405020304" pitchFamily="18" charset="0"/>
+              </a:rPr>
+              <a:t>. </a:t>
+            </a:r>
+            <a:br>
+              <a:rPr lang="en-US" altLang="ko-KR" sz="1800" dirty="0">
+                <a:effectLst/>
+                <a:ea typeface="맑은 고딕" panose="020B0503020000020004" pitchFamily="50" charset="-127"/>
+                <a:cs typeface="Times New Roman" panose="02020603050405020304" pitchFamily="18" charset="0"/>
+              </a:rPr>
+            </a:br>
+            <a:r>
+              <a:rPr lang="en-US" altLang="ko-KR" sz="1800" dirty="0">
+                <a:effectLst/>
+                <a:ea typeface="맑은 고딕" panose="020B0503020000020004" pitchFamily="50" charset="-127"/>
+                <a:cs typeface="Times New Roman" panose="02020603050405020304" pitchFamily="18" charset="0"/>
+              </a:rPr>
+              <a:t>warning</a:t>
+            </a:r>
+            <a:r>
+              <a:rPr lang="ko-KR" altLang="ko-KR" sz="1800" dirty="0">
+                <a:effectLst/>
+                <a:ea typeface="맑은 고딕" panose="020B0503020000020004" pitchFamily="50" charset="-127"/>
+                <a:cs typeface="Times New Roman" panose="02020603050405020304" pitchFamily="18" charset="0"/>
+              </a:rPr>
+              <a:t>클래스는</a:t>
+            </a:r>
+            <a:r>
+              <a:rPr lang="en-US" altLang="ko-KR" sz="1800" dirty="0">
+                <a:effectLst/>
                 <a:ea typeface="맑은 고딕" panose="020B0503020000020004" pitchFamily="50" charset="-127"/>
                 <a:cs typeface="Times New Roman" panose="02020603050405020304" pitchFamily="18" charset="0"/>
               </a:rPr>
               <a:t> </a:t>
             </a:r>
             <a:r>
-              <a:rPr lang="en-US" altLang="ko-KR" sz="1800" kern="100" dirty="0" err="1">
-                <a:effectLst/>
-                <a:latin typeface="맑은 고딕" panose="020B0503020000020004" pitchFamily="50" charset="-127"/>
-                <a:ea typeface="맑은 고딕" panose="020B0503020000020004" pitchFamily="50" charset="-127"/>
-                <a:cs typeface="Times New Roman" panose="02020603050405020304" pitchFamily="18" charset="0"/>
-              </a:rPr>
-              <a:t>db</a:t>
-            </a:r>
-            <a:r>
-              <a:rPr lang="ko-KR" altLang="ko-KR" sz="1800" kern="100" dirty="0">
-                <a:effectLst/>
-                <a:latin typeface="맑은 고딕" panose="020B0503020000020004" pitchFamily="50" charset="-127"/>
-                <a:ea typeface="맑은 고딕" panose="020B0503020000020004" pitchFamily="50" charset="-127"/>
-                <a:cs typeface="Times New Roman" panose="02020603050405020304" pitchFamily="18" charset="0"/>
-              </a:rPr>
-              <a:t>에 손세정제 데이터를 요청하는 메소드</a:t>
-            </a:r>
-            <a:r>
-              <a:rPr lang="en-US" altLang="ko-KR" sz="1800" kern="100" dirty="0">
-                <a:effectLst/>
-                <a:latin typeface="맑은 고딕" panose="020B0503020000020004" pitchFamily="50" charset="-127"/>
-                <a:ea typeface="맑은 고딕" panose="020B0503020000020004" pitchFamily="50" charset="-127"/>
-                <a:cs typeface="Times New Roman" panose="02020603050405020304" pitchFamily="18" charset="0"/>
-              </a:rPr>
-              <a:t>,</a:t>
-            </a:r>
-            <a:r>
-              <a:rPr lang="ko-KR" altLang="ko-KR" sz="1800" kern="100" dirty="0">
-                <a:effectLst/>
-                <a:latin typeface="맑은 고딕" panose="020B0503020000020004" pitchFamily="50" charset="-127"/>
-                <a:ea typeface="맑은 고딕" panose="020B0503020000020004" pitchFamily="50" charset="-127"/>
-                <a:cs typeface="Times New Roman" panose="02020603050405020304" pitchFamily="18" charset="0"/>
-              </a:rPr>
-              <a:t> 그리고 현재 상태를 나타내는 </a:t>
-            </a:r>
-            <a:r>
-              <a:rPr lang="en-US" altLang="ko-KR" sz="1800" kern="100" dirty="0">
-                <a:effectLst/>
-                <a:latin typeface="맑은 고딕" panose="020B0503020000020004" pitchFamily="50" charset="-127"/>
-                <a:ea typeface="맑은 고딕" panose="020B0503020000020004" pitchFamily="50" charset="-127"/>
-                <a:cs typeface="Times New Roman" panose="02020603050405020304" pitchFamily="18" charset="0"/>
-              </a:rPr>
-              <a:t>show()</a:t>
-            </a:r>
-            <a:r>
-              <a:rPr lang="ko-KR" altLang="ko-KR" sz="1800" kern="100" dirty="0">
-                <a:effectLst/>
-                <a:latin typeface="맑은 고딕" panose="020B0503020000020004" pitchFamily="50" charset="-127"/>
-                <a:ea typeface="맑은 고딕" panose="020B0503020000020004" pitchFamily="50" charset="-127"/>
-                <a:cs typeface="Times New Roman" panose="02020603050405020304" pitchFamily="18" charset="0"/>
-              </a:rPr>
-              <a:t>메소드로 구성되어 있습니다</a:t>
-            </a:r>
-            <a:r>
-              <a:rPr lang="en-US" altLang="ko-KR" sz="1800" kern="100" dirty="0">
-                <a:effectLst/>
-                <a:latin typeface="맑은 고딕" panose="020B0503020000020004" pitchFamily="50" charset="-127"/>
-                <a:ea typeface="맑은 고딕" panose="020B0503020000020004" pitchFamily="50" charset="-127"/>
-                <a:cs typeface="Times New Roman" panose="02020603050405020304" pitchFamily="18" charset="0"/>
-              </a:rPr>
-              <a:t>.</a:t>
-            </a:r>
-            <a:endParaRPr lang="ko-KR" altLang="ko-KR" sz="1800" kern="100" dirty="0">
-              <a:effectLst/>
-              <a:latin typeface="맑은 고딕" panose="020B0503020000020004" pitchFamily="50" charset="-127"/>
-              <a:ea typeface="맑은 고딕" panose="020B0503020000020004" pitchFamily="50" charset="-127"/>
-              <a:cs typeface="Times New Roman" panose="02020603050405020304" pitchFamily="18" charset="0"/>
-            </a:endParaRPr>
-          </a:p>
-          <a:p>
-            <a:pPr algn="just" latinLnBrk="1">
-              <a:lnSpc>
-                <a:spcPct val="107000"/>
-              </a:lnSpc>
-              <a:spcAft>
-                <a:spcPts val="800"/>
-              </a:spcAft>
-            </a:pPr>
-            <a:r>
-              <a:rPr lang="ko-KR" altLang="ko-KR" sz="1800" kern="100" dirty="0">
-                <a:effectLst/>
-                <a:latin typeface="맑은 고딕" panose="020B0503020000020004" pitchFamily="50" charset="-127"/>
-                <a:ea typeface="맑은 고딕" panose="020B0503020000020004" pitchFamily="50" charset="-127"/>
-                <a:cs typeface="Times New Roman" panose="02020603050405020304" pitchFamily="18" charset="0"/>
-              </a:rPr>
-              <a:t>마지막으로 </a:t>
-            </a:r>
-            <a:r>
-              <a:rPr lang="en-US" altLang="ko-KR" sz="1800" kern="100" dirty="0">
-                <a:effectLst/>
-                <a:latin typeface="맑은 고딕" panose="020B0503020000020004" pitchFamily="50" charset="-127"/>
-                <a:ea typeface="맑은 고딕" panose="020B0503020000020004" pitchFamily="50" charset="-127"/>
-                <a:cs typeface="Times New Roman" panose="02020603050405020304" pitchFamily="18" charset="0"/>
-              </a:rPr>
-              <a:t>Warning </a:t>
-            </a:r>
-            <a:r>
-              <a:rPr lang="ko-KR" altLang="ko-KR" sz="1800" kern="100" dirty="0">
-                <a:effectLst/>
-                <a:latin typeface="맑은 고딕" panose="020B0503020000020004" pitchFamily="50" charset="-127"/>
-                <a:ea typeface="맑은 고딕" panose="020B0503020000020004" pitchFamily="50" charset="-127"/>
-                <a:cs typeface="Times New Roman" panose="02020603050405020304" pitchFamily="18" charset="0"/>
-              </a:rPr>
-              <a:t>클래스는 </a:t>
-            </a:r>
-            <a:r>
-              <a:rPr lang="ko-KR" altLang="en-US" sz="1800" kern="100" dirty="0">
-                <a:effectLst/>
-                <a:latin typeface="맑은 고딕" panose="020B0503020000020004" pitchFamily="50" charset="-127"/>
-                <a:ea typeface="맑은 고딕" panose="020B0503020000020004" pitchFamily="50" charset="-127"/>
-                <a:cs typeface="Times New Roman" panose="02020603050405020304" pitchFamily="18" charset="0"/>
-              </a:rPr>
-              <a:t>위험 정도를 </a:t>
-            </a:r>
-            <a:r>
-              <a:rPr lang="ko-KR" altLang="ko-KR" sz="1800" kern="100" dirty="0">
-                <a:effectLst/>
-                <a:latin typeface="맑은 고딕" panose="020B0503020000020004" pitchFamily="50" charset="-127"/>
-                <a:ea typeface="맑은 고딕" panose="020B0503020000020004" pitchFamily="50" charset="-127"/>
-                <a:cs typeface="Times New Roman" panose="02020603050405020304" pitchFamily="18" charset="0"/>
-              </a:rPr>
-              <a:t>표기한 변수와 </a:t>
-            </a:r>
-            <a:endParaRPr lang="en-US" altLang="ko-KR" sz="1800" kern="100" dirty="0">
-              <a:effectLst/>
-              <a:latin typeface="맑은 고딕" panose="020B0503020000020004" pitchFamily="50" charset="-127"/>
-              <a:ea typeface="맑은 고딕" panose="020B0503020000020004" pitchFamily="50" charset="-127"/>
-              <a:cs typeface="Times New Roman" panose="02020603050405020304" pitchFamily="18" charset="0"/>
-            </a:endParaRPr>
-          </a:p>
-          <a:p>
-            <a:pPr algn="just" latinLnBrk="1">
-              <a:lnSpc>
-                <a:spcPct val="107000"/>
-              </a:lnSpc>
-              <a:spcAft>
-                <a:spcPts val="800"/>
-              </a:spcAft>
-            </a:pPr>
-            <a:r>
-              <a:rPr lang="ko-KR" altLang="ko-KR" sz="1800" kern="100" dirty="0">
-                <a:effectLst/>
-                <a:latin typeface="맑은 고딕" panose="020B0503020000020004" pitchFamily="50" charset="-127"/>
-                <a:ea typeface="맑은 고딕" panose="020B0503020000020004" pitchFamily="50" charset="-127"/>
-                <a:cs typeface="Times New Roman" panose="02020603050405020304" pitchFamily="18" charset="0"/>
-              </a:rPr>
-              <a:t>만약 이 위험한 정도가 임계치를 넘어섰을 때</a:t>
-            </a:r>
-            <a:r>
-              <a:rPr lang="en-US" altLang="ko-KR" sz="1800" kern="100" dirty="0">
-                <a:effectLst/>
-                <a:latin typeface="맑은 고딕" panose="020B0503020000020004" pitchFamily="50" charset="-127"/>
+              <a:rPr lang="en-US" altLang="ko-KR" sz="1800" dirty="0" err="1">
+                <a:effectLst/>
+                <a:ea typeface="맑은 고딕" panose="020B0503020000020004" pitchFamily="50" charset="-127"/>
+                <a:cs typeface="Times New Roman" panose="02020603050405020304" pitchFamily="18" charset="0"/>
+              </a:rPr>
+              <a:t>hs_status</a:t>
+            </a:r>
+            <a:r>
+              <a:rPr lang="ko-KR" altLang="ko-KR" sz="1800" dirty="0">
+                <a:effectLst/>
+                <a:ea typeface="맑은 고딕" panose="020B0503020000020004" pitchFamily="50" charset="-127"/>
+                <a:cs typeface="Times New Roman" panose="02020603050405020304" pitchFamily="18" charset="0"/>
+              </a:rPr>
+              <a:t>에 따라 사용되고</a:t>
+            </a:r>
+            <a:r>
+              <a:rPr lang="en-US" altLang="ko-KR" sz="1800" dirty="0">
+                <a:effectLst/>
                 <a:ea typeface="맑은 고딕" panose="020B0503020000020004" pitchFamily="50" charset="-127"/>
                 <a:cs typeface="Times New Roman" panose="02020603050405020304" pitchFamily="18" charset="0"/>
               </a:rPr>
               <a:t>, </a:t>
             </a:r>
             <a:r>
-              <a:rPr lang="ko-KR" altLang="ko-KR" sz="1800" kern="100" dirty="0">
-                <a:effectLst/>
-                <a:latin typeface="맑은 고딕" panose="020B0503020000020004" pitchFamily="50" charset="-127"/>
-                <a:ea typeface="맑은 고딕" panose="020B0503020000020004" pitchFamily="50" charset="-127"/>
-                <a:cs typeface="Times New Roman" panose="02020603050405020304" pitchFamily="18" charset="0"/>
-              </a:rPr>
-              <a:t>사용자에게 위험신호를 알리는 </a:t>
-            </a:r>
-            <a:r>
-              <a:rPr lang="en-US" altLang="ko-KR" sz="1800" kern="100" dirty="0">
-                <a:effectLst/>
-                <a:latin typeface="맑은 고딕" panose="020B0503020000020004" pitchFamily="50" charset="-127"/>
-                <a:ea typeface="맑은 고딕" panose="020B0503020000020004" pitchFamily="50" charset="-127"/>
-                <a:cs typeface="Times New Roman" panose="02020603050405020304" pitchFamily="18" charset="0"/>
-              </a:rPr>
-              <a:t>warn</a:t>
-            </a:r>
-            <a:r>
-              <a:rPr lang="ko-KR" altLang="ko-KR" sz="1800" kern="100" dirty="0">
-                <a:effectLst/>
-                <a:latin typeface="맑은 고딕" panose="020B0503020000020004" pitchFamily="50" charset="-127"/>
-                <a:ea typeface="맑은 고딕" panose="020B0503020000020004" pitchFamily="50" charset="-127"/>
-                <a:cs typeface="Times New Roman" panose="02020603050405020304" pitchFamily="18" charset="0"/>
-              </a:rPr>
-              <a:t>메소드로 구성되어 있습니다</a:t>
-            </a:r>
-            <a:r>
-              <a:rPr lang="en-US" altLang="ko-KR" sz="1800" kern="100" dirty="0">
-                <a:effectLst/>
-                <a:latin typeface="맑은 고딕" panose="020B0503020000020004" pitchFamily="50" charset="-127"/>
-                <a:ea typeface="맑은 고딕" panose="020B0503020000020004" pitchFamily="50" charset="-127"/>
-                <a:cs typeface="Times New Roman" panose="02020603050405020304" pitchFamily="18" charset="0"/>
-              </a:rPr>
-              <a:t>. </a:t>
-            </a:r>
-            <a:endParaRPr lang="ko-KR" altLang="ko-KR" sz="1800" kern="100" dirty="0">
-              <a:effectLst/>
-              <a:latin typeface="맑은 고딕" panose="020B0503020000020004" pitchFamily="50" charset="-127"/>
-              <a:ea typeface="맑은 고딕" panose="020B0503020000020004" pitchFamily="50" charset="-127"/>
-              <a:cs typeface="Times New Roman" panose="02020603050405020304" pitchFamily="18" charset="0"/>
-            </a:endParaRPr>
-          </a:p>
-          <a:p>
-            <a:pPr algn="just" latinLnBrk="1">
-              <a:lnSpc>
-                <a:spcPct val="107000"/>
-              </a:lnSpc>
-              <a:spcAft>
-                <a:spcPts val="800"/>
-              </a:spcAft>
-            </a:pPr>
-            <a:r>
-              <a:rPr lang="en-US" altLang="ko-KR" sz="1800" kern="100" dirty="0">
-                <a:effectLst/>
-                <a:latin typeface="맑은 고딕" panose="020B0503020000020004" pitchFamily="50" charset="-127"/>
-                <a:ea typeface="맑은 고딕" panose="020B0503020000020004" pitchFamily="50" charset="-127"/>
-                <a:cs typeface="Times New Roman" panose="02020603050405020304" pitchFamily="18" charset="0"/>
-              </a:rPr>
-              <a:t>warning</a:t>
-            </a:r>
-            <a:r>
-              <a:rPr lang="ko-KR" altLang="ko-KR" sz="1800" kern="100" dirty="0">
-                <a:effectLst/>
-                <a:latin typeface="맑은 고딕" panose="020B0503020000020004" pitchFamily="50" charset="-127"/>
-                <a:ea typeface="맑은 고딕" panose="020B0503020000020004" pitchFamily="50" charset="-127"/>
-                <a:cs typeface="Times New Roman" panose="02020603050405020304" pitchFamily="18" charset="0"/>
-              </a:rPr>
-              <a:t>클래스는 </a:t>
-            </a:r>
-            <a:r>
-              <a:rPr lang="en-US" altLang="ko-KR" sz="1800" kern="100" dirty="0" err="1">
-                <a:effectLst/>
-                <a:latin typeface="맑은 고딕" panose="020B0503020000020004" pitchFamily="50" charset="-127"/>
-                <a:ea typeface="맑은 고딕" panose="020B0503020000020004" pitchFamily="50" charset="-127"/>
-                <a:cs typeface="Times New Roman" panose="02020603050405020304" pitchFamily="18" charset="0"/>
-              </a:rPr>
-              <a:t>hs_status</a:t>
-            </a:r>
-            <a:r>
-              <a:rPr lang="ko-KR" altLang="ko-KR" sz="1800" kern="100" dirty="0">
-                <a:effectLst/>
-                <a:latin typeface="맑은 고딕" panose="020B0503020000020004" pitchFamily="50" charset="-127"/>
-                <a:ea typeface="맑은 고딕" panose="020B0503020000020004" pitchFamily="50" charset="-127"/>
-                <a:cs typeface="Times New Roman" panose="02020603050405020304" pitchFamily="18" charset="0"/>
-              </a:rPr>
-              <a:t>에 따라 사용되고</a:t>
-            </a:r>
-            <a:r>
-              <a:rPr lang="en-US" altLang="ko-KR" sz="1800" kern="100" dirty="0">
-                <a:effectLst/>
-                <a:latin typeface="맑은 고딕" panose="020B0503020000020004" pitchFamily="50" charset="-127"/>
-                <a:ea typeface="맑은 고딕" panose="020B0503020000020004" pitchFamily="50" charset="-127"/>
-                <a:cs typeface="Times New Roman" panose="02020603050405020304" pitchFamily="18" charset="0"/>
-              </a:rPr>
-              <a:t>, </a:t>
-            </a:r>
-            <a:r>
-              <a:rPr lang="ko-KR" altLang="ko-KR" sz="1800" kern="100" dirty="0">
-                <a:effectLst/>
-                <a:latin typeface="맑은 고딕" panose="020B0503020000020004" pitchFamily="50" charset="-127"/>
-                <a:ea typeface="맑은 고딕" panose="020B0503020000020004" pitchFamily="50" charset="-127"/>
-                <a:cs typeface="Times New Roman" panose="02020603050405020304" pitchFamily="18" charset="0"/>
-              </a:rPr>
-              <a:t>라이프 사이클은 종속적이지 않기 때문에 집합관계로 표현하였습니다</a:t>
-            </a:r>
-            <a:r>
-              <a:rPr lang="en-US" altLang="ko-KR" sz="1800" kern="100" dirty="0">
-                <a:effectLst/>
-                <a:latin typeface="맑은 고딕" panose="020B0503020000020004" pitchFamily="50" charset="-127"/>
+              <a:rPr lang="ko-KR" altLang="ko-KR" sz="1800" dirty="0">
+                <a:effectLst/>
+                <a:ea typeface="맑은 고딕" panose="020B0503020000020004" pitchFamily="50" charset="-127"/>
+                <a:cs typeface="Times New Roman" panose="02020603050405020304" pitchFamily="18" charset="0"/>
+              </a:rPr>
+              <a:t>라이프 사이클은 종속적이지 않기 때문에 </a:t>
+            </a:r>
+            <a:br>
+              <a:rPr lang="en-US" altLang="ko-KR" sz="1800" dirty="0">
+                <a:effectLst/>
+                <a:ea typeface="맑은 고딕" panose="020B0503020000020004" pitchFamily="50" charset="-127"/>
+                <a:cs typeface="Times New Roman" panose="02020603050405020304" pitchFamily="18" charset="0"/>
+              </a:rPr>
+            </a:br>
+            <a:r>
+              <a:rPr lang="ko-KR" altLang="ko-KR" sz="1800" dirty="0">
+                <a:effectLst/>
+                <a:ea typeface="맑은 고딕" panose="020B0503020000020004" pitchFamily="50" charset="-127"/>
+                <a:cs typeface="Times New Roman" panose="02020603050405020304" pitchFamily="18" charset="0"/>
+              </a:rPr>
+              <a:t>집합관계로 표현하였습니다</a:t>
+            </a:r>
+            <a:r>
+              <a:rPr lang="en-US" altLang="ko-KR" sz="1800" dirty="0">
+                <a:effectLst/>
                 <a:ea typeface="맑은 고딕" panose="020B0503020000020004" pitchFamily="50" charset="-127"/>
                 <a:cs typeface="Times New Roman" panose="02020603050405020304" pitchFamily="18" charset="0"/>
               </a:rPr>
@@ -2838,7 +3353,7 @@
           <a:bodyPr/>
           <a:lstStyle/>
           <a:p>
-            <a:pPr algn="just" latinLnBrk="1">
+            <a:pPr algn="l" latinLnBrk="1">
               <a:lnSpc>
                 <a:spcPct val="107000"/>
               </a:lnSpc>
@@ -2847,696 +3362,705 @@
               </a:spcAft>
             </a:pPr>
             <a:r>
-              <a:rPr lang="ko-KR" altLang="ko-KR" sz="1800" kern="100" dirty="0">
-                <a:effectLst/>
-                <a:latin typeface="맑은 고딕" panose="020B0503020000020004" pitchFamily="50" charset="-127"/>
+              <a:rPr lang="ko-KR" altLang="ko-KR" sz="1800" dirty="0">
+                <a:effectLst/>
+                <a:ea typeface="맑은 고딕" panose="020B0503020000020004" pitchFamily="50" charset="-127"/>
+                <a:cs typeface="Times New Roman" panose="02020603050405020304" pitchFamily="18" charset="0"/>
+              </a:rPr>
+              <a:t>해당 페이지에서는 앞서 설명 드린 클래스 다이어그램을 기반으로 하여</a:t>
+            </a:r>
+            <a:br>
+              <a:rPr lang="en-US" altLang="ko-KR" sz="1800" dirty="0">
+                <a:effectLst/>
+                <a:ea typeface="맑은 고딕" panose="020B0503020000020004" pitchFamily="50" charset="-127"/>
+                <a:cs typeface="Times New Roman" panose="02020603050405020304" pitchFamily="18" charset="0"/>
+              </a:rPr>
+            </a:br>
+            <a:r>
+              <a:rPr lang="ko-KR" altLang="ko-KR" sz="1800" dirty="0">
+                <a:effectLst/>
                 <a:ea typeface="맑은 고딕" panose="020B0503020000020004" pitchFamily="50" charset="-127"/>
                 <a:cs typeface="Times New Roman" panose="02020603050405020304" pitchFamily="18" charset="0"/>
               </a:rPr>
               <a:t>대표 서비스 </a:t>
             </a:r>
             <a:r>
-              <a:rPr lang="ko-KR" altLang="ko-KR" sz="1800" kern="100" dirty="0" err="1">
-                <a:effectLst/>
-                <a:latin typeface="맑은 고딕" panose="020B0503020000020004" pitchFamily="50" charset="-127"/>
-                <a:ea typeface="맑은 고딕" panose="020B0503020000020004" pitchFamily="50" charset="-127"/>
-                <a:cs typeface="Times New Roman" panose="02020603050405020304" pitchFamily="18" charset="0"/>
-              </a:rPr>
-              <a:t>프로시져</a:t>
-            </a:r>
-            <a:r>
-              <a:rPr lang="ko-KR" altLang="en-US" sz="1800" kern="100" dirty="0" err="1">
-                <a:effectLst/>
-                <a:latin typeface="맑은 고딕" panose="020B0503020000020004" pitchFamily="50" charset="-127"/>
-                <a:ea typeface="맑은 고딕" panose="020B0503020000020004" pitchFamily="50" charset="-127"/>
-                <a:cs typeface="Times New Roman" panose="02020603050405020304" pitchFamily="18" charset="0"/>
-              </a:rPr>
-              <a:t>는</a:t>
-            </a:r>
-            <a:r>
-              <a:rPr lang="ko-KR" altLang="en-US" sz="1800" kern="100" dirty="0">
-                <a:effectLst/>
-                <a:latin typeface="맑은 고딕" panose="020B0503020000020004" pitchFamily="50" charset="-127"/>
+              <a:rPr lang="ko-KR" altLang="ko-KR" sz="1800" dirty="0" err="1">
+                <a:effectLst/>
+                <a:ea typeface="맑은 고딕" panose="020B0503020000020004" pitchFamily="50" charset="-127"/>
+                <a:cs typeface="Times New Roman" panose="02020603050405020304" pitchFamily="18" charset="0"/>
+              </a:rPr>
+              <a:t>프로시져를</a:t>
+            </a:r>
+            <a:r>
+              <a:rPr lang="ko-KR" altLang="ko-KR" sz="1800" dirty="0">
+                <a:effectLst/>
+                <a:ea typeface="맑은 고딕" panose="020B0503020000020004" pitchFamily="50" charset="-127"/>
+                <a:cs typeface="Times New Roman" panose="02020603050405020304" pitchFamily="18" charset="0"/>
+              </a:rPr>
+              <a:t> 시퀀스 다이어그램으로 나타내 보았습니다</a:t>
+            </a:r>
+            <a:r>
+              <a:rPr lang="en-US" altLang="ko-KR" sz="1800" dirty="0">
+                <a:effectLst/>
+                <a:ea typeface="맑은 고딕" panose="020B0503020000020004" pitchFamily="50" charset="-127"/>
+                <a:cs typeface="Times New Roman" panose="02020603050405020304" pitchFamily="18" charset="0"/>
+              </a:rPr>
+              <a:t>.</a:t>
+            </a:r>
+            <a:br>
+              <a:rPr lang="en-US" altLang="ko-KR" sz="1800" dirty="0">
+                <a:effectLst/>
+                <a:ea typeface="맑은 고딕" panose="020B0503020000020004" pitchFamily="50" charset="-127"/>
+                <a:cs typeface="Times New Roman" panose="02020603050405020304" pitchFamily="18" charset="0"/>
+              </a:rPr>
+            </a:br>
+            <a:r>
+              <a:rPr lang="ko-KR" altLang="ko-KR" sz="1800" dirty="0">
+                <a:effectLst/>
+                <a:ea typeface="맑은 고딕" panose="020B0503020000020004" pitchFamily="50" charset="-127"/>
+                <a:cs typeface="Times New Roman" panose="02020603050405020304" pitchFamily="18" charset="0"/>
+              </a:rPr>
+              <a:t>먼저</a:t>
+            </a:r>
+            <a:r>
+              <a:rPr lang="en-US" altLang="ko-KR" sz="1800" dirty="0">
+                <a:effectLst/>
+                <a:ea typeface="맑은 고딕" panose="020B0503020000020004" pitchFamily="50" charset="-127"/>
+                <a:cs typeface="Times New Roman" panose="02020603050405020304" pitchFamily="18" charset="0"/>
+              </a:rPr>
+              <a:t> App</a:t>
+            </a:r>
+            <a:r>
+              <a:rPr lang="ko-KR" altLang="ko-KR" sz="1800" dirty="0">
+                <a:effectLst/>
+                <a:ea typeface="맑은 고딕" panose="020B0503020000020004" pitchFamily="50" charset="-127"/>
+                <a:cs typeface="Times New Roman" panose="02020603050405020304" pitchFamily="18" charset="0"/>
+              </a:rPr>
+              <a:t>에서</a:t>
+            </a:r>
+            <a:r>
+              <a:rPr lang="en-US" altLang="ko-KR" sz="1800" dirty="0">
+                <a:effectLst/>
                 <a:ea typeface="맑은 고딕" panose="020B0503020000020004" pitchFamily="50" charset="-127"/>
                 <a:cs typeface="Times New Roman" panose="02020603050405020304" pitchFamily="18" charset="0"/>
               </a:rPr>
               <a:t> </a:t>
             </a:r>
             <a:r>
-              <a:rPr lang="ko-KR" altLang="ko-KR" sz="1800" kern="100" dirty="0">
-                <a:effectLst/>
-                <a:latin typeface="맑은 고딕" panose="020B0503020000020004" pitchFamily="50" charset="-127"/>
-                <a:ea typeface="맑은 고딕" panose="020B0503020000020004" pitchFamily="50" charset="-127"/>
-                <a:cs typeface="Times New Roman" panose="02020603050405020304" pitchFamily="18" charset="0"/>
-              </a:rPr>
-              <a:t>시퀀스 다이어그램</a:t>
-            </a:r>
-            <a:r>
-              <a:rPr lang="ko-KR" altLang="en-US" sz="1800" kern="100" dirty="0">
-                <a:effectLst/>
-                <a:latin typeface="맑은 고딕" panose="020B0503020000020004" pitchFamily="50" charset="-127"/>
-                <a:ea typeface="맑은 고딕" panose="020B0503020000020004" pitchFamily="50" charset="-127"/>
-                <a:cs typeface="Times New Roman" panose="02020603050405020304" pitchFamily="18" charset="0"/>
-              </a:rPr>
-              <a:t>으로 나타내 보았습니다</a:t>
-            </a:r>
-            <a:r>
-              <a:rPr lang="en-US" altLang="ko-KR" sz="1800" kern="100" dirty="0">
-                <a:effectLst/>
-                <a:latin typeface="맑은 고딕" panose="020B0503020000020004" pitchFamily="50" charset="-127"/>
+              <a:rPr lang="en-US" altLang="ko-KR" sz="1800" dirty="0" err="1">
+                <a:effectLst/>
+                <a:ea typeface="맑은 고딕" panose="020B0503020000020004" pitchFamily="50" charset="-127"/>
+                <a:cs typeface="Times New Roman" panose="02020603050405020304" pitchFamily="18" charset="0"/>
+              </a:rPr>
+              <a:t>HS_status</a:t>
+            </a:r>
+            <a:r>
+              <a:rPr lang="ko-KR" altLang="ko-KR" sz="1800" dirty="0">
+                <a:effectLst/>
+                <a:ea typeface="맑은 고딕" panose="020B0503020000020004" pitchFamily="50" charset="-127"/>
+                <a:cs typeface="Times New Roman" panose="02020603050405020304" pitchFamily="18" charset="0"/>
+              </a:rPr>
+              <a:t>를 </a:t>
+            </a:r>
+            <a:r>
+              <a:rPr lang="ko-KR" altLang="ko-KR" sz="1800" dirty="0" err="1">
+                <a:effectLst/>
+                <a:ea typeface="맑은 고딕" panose="020B0503020000020004" pitchFamily="50" charset="-127"/>
+                <a:cs typeface="Times New Roman" panose="02020603050405020304" pitchFamily="18" charset="0"/>
+              </a:rPr>
+              <a:t>로드합니다</a:t>
+            </a:r>
+            <a:r>
+              <a:rPr lang="en-US" altLang="ko-KR" sz="1800" dirty="0">
+                <a:effectLst/>
+                <a:ea typeface="맑은 고딕" panose="020B0503020000020004" pitchFamily="50" charset="-127"/>
+                <a:cs typeface="Times New Roman" panose="02020603050405020304" pitchFamily="18" charset="0"/>
+              </a:rPr>
+              <a:t>. </a:t>
+            </a:r>
+            <a:br>
+              <a:rPr lang="en-US" altLang="ko-KR" sz="1800" dirty="0">
+                <a:effectLst/>
+                <a:ea typeface="맑은 고딕" panose="020B0503020000020004" pitchFamily="50" charset="-127"/>
+                <a:cs typeface="Times New Roman" panose="02020603050405020304" pitchFamily="18" charset="0"/>
+              </a:rPr>
+            </a:br>
+            <a:r>
+              <a:rPr lang="ko-KR" altLang="ko-KR" sz="1800" dirty="0" err="1">
+                <a:effectLst/>
+                <a:ea typeface="맑은 고딕" panose="020B0503020000020004" pitchFamily="50" charset="-127"/>
+                <a:cs typeface="Times New Roman" panose="02020603050405020304" pitchFamily="18" charset="0"/>
+              </a:rPr>
+              <a:t>로드된</a:t>
+            </a:r>
+            <a:r>
+              <a:rPr lang="en-US" altLang="ko-KR" sz="1800" dirty="0">
+                <a:effectLst/>
+                <a:ea typeface="맑은 고딕" panose="020B0503020000020004" pitchFamily="50" charset="-127"/>
+                <a:cs typeface="Times New Roman" panose="02020603050405020304" pitchFamily="18" charset="0"/>
+              </a:rPr>
+              <a:t> </a:t>
+            </a:r>
+            <a:r>
+              <a:rPr lang="en-US" altLang="ko-KR" sz="1800" dirty="0" err="1">
+                <a:effectLst/>
+                <a:ea typeface="맑은 고딕" panose="020B0503020000020004" pitchFamily="50" charset="-127"/>
+                <a:cs typeface="Times New Roman" panose="02020603050405020304" pitchFamily="18" charset="0"/>
+              </a:rPr>
+              <a:t>HS_status</a:t>
+            </a:r>
+            <a:r>
+              <a:rPr lang="ko-KR" altLang="ko-KR" sz="1800" dirty="0">
+                <a:effectLst/>
+                <a:ea typeface="맑은 고딕" panose="020B0503020000020004" pitchFamily="50" charset="-127"/>
+                <a:cs typeface="Times New Roman" panose="02020603050405020304" pitchFamily="18" charset="0"/>
+              </a:rPr>
+              <a:t>는 손세정제 </a:t>
+            </a:r>
+            <a:r>
+              <a:rPr lang="ko-KR" altLang="ko-KR" sz="1800" dirty="0" err="1">
+                <a:effectLst/>
+                <a:ea typeface="맑은 고딕" panose="020B0503020000020004" pitchFamily="50" charset="-127"/>
+                <a:cs typeface="Times New Roman" panose="02020603050405020304" pitchFamily="18" charset="0"/>
+              </a:rPr>
+              <a:t>잔여량</a:t>
+            </a:r>
+            <a:r>
+              <a:rPr lang="ko-KR" altLang="ko-KR" sz="1800" dirty="0">
+                <a:effectLst/>
+                <a:ea typeface="맑은 고딕" panose="020B0503020000020004" pitchFamily="50" charset="-127"/>
+                <a:cs typeface="Times New Roman" panose="02020603050405020304" pitchFamily="18" charset="0"/>
+              </a:rPr>
+              <a:t> 정보를 보여주기 때문에</a:t>
+            </a:r>
+            <a:r>
+              <a:rPr lang="en-US" altLang="ko-KR" sz="1800" dirty="0">
+                <a:effectLst/>
+                <a:ea typeface="맑은 고딕" panose="020B0503020000020004" pitchFamily="50" charset="-127"/>
+                <a:cs typeface="Times New Roman" panose="02020603050405020304" pitchFamily="18" charset="0"/>
+              </a:rPr>
+              <a:t>, </a:t>
+            </a:r>
+            <a:br>
+              <a:rPr lang="en-US" altLang="ko-KR" sz="1800" dirty="0">
+                <a:effectLst/>
+                <a:ea typeface="맑은 고딕" panose="020B0503020000020004" pitchFamily="50" charset="-127"/>
+                <a:cs typeface="Times New Roman" panose="02020603050405020304" pitchFamily="18" charset="0"/>
+              </a:rPr>
+            </a:br>
+            <a:r>
+              <a:rPr lang="ko-KR" altLang="ko-KR" sz="1800" dirty="0">
+                <a:effectLst/>
+                <a:ea typeface="맑은 고딕" panose="020B0503020000020004" pitchFamily="50" charset="-127"/>
+                <a:cs typeface="Times New Roman" panose="02020603050405020304" pitchFamily="18" charset="0"/>
+              </a:rPr>
+              <a:t>손세정제의 </a:t>
+            </a:r>
+            <a:r>
+              <a:rPr lang="ko-KR" altLang="ko-KR" sz="1800" dirty="0" err="1">
+                <a:effectLst/>
+                <a:ea typeface="맑은 고딕" panose="020B0503020000020004" pitchFamily="50" charset="-127"/>
+                <a:cs typeface="Times New Roman" panose="02020603050405020304" pitchFamily="18" charset="0"/>
+              </a:rPr>
+              <a:t>잔여량</a:t>
+            </a:r>
+            <a:r>
+              <a:rPr lang="ko-KR" altLang="ko-KR" sz="1800" dirty="0">
+                <a:effectLst/>
+                <a:ea typeface="맑은 고딕" panose="020B0503020000020004" pitchFamily="50" charset="-127"/>
+                <a:cs typeface="Times New Roman" panose="02020603050405020304" pitchFamily="18" charset="0"/>
+              </a:rPr>
+              <a:t> 관련 데이터를</a:t>
+            </a:r>
+            <a:r>
+              <a:rPr lang="en-US" altLang="ko-KR" sz="1800" dirty="0">
+                <a:effectLst/>
+                <a:ea typeface="맑은 고딕" panose="020B0503020000020004" pitchFamily="50" charset="-127"/>
+                <a:cs typeface="Times New Roman" panose="02020603050405020304" pitchFamily="18" charset="0"/>
+              </a:rPr>
+              <a:t> DB</a:t>
+            </a:r>
+            <a:r>
+              <a:rPr lang="ko-KR" altLang="ko-KR" sz="1800" dirty="0">
+                <a:effectLst/>
+                <a:ea typeface="맑은 고딕" panose="020B0503020000020004" pitchFamily="50" charset="-127"/>
+                <a:cs typeface="Times New Roman" panose="02020603050405020304" pitchFamily="18" charset="0"/>
+              </a:rPr>
+              <a:t>에 요청하고</a:t>
+            </a:r>
+            <a:r>
+              <a:rPr lang="en-US" altLang="ko-KR" sz="1800" dirty="0">
+                <a:effectLst/>
+                <a:ea typeface="맑은 고딕" panose="020B0503020000020004" pitchFamily="50" charset="-127"/>
+                <a:cs typeface="Times New Roman" panose="02020603050405020304" pitchFamily="18" charset="0"/>
+              </a:rPr>
+              <a:t>, </a:t>
+            </a:r>
+            <a:r>
+              <a:rPr lang="en-US" altLang="ko-KR" sz="1800" dirty="0" err="1">
+                <a:effectLst/>
+                <a:ea typeface="맑은 고딕" panose="020B0503020000020004" pitchFamily="50" charset="-127"/>
+                <a:cs typeface="Times New Roman" panose="02020603050405020304" pitchFamily="18" charset="0"/>
+              </a:rPr>
+              <a:t>db</a:t>
+            </a:r>
+            <a:r>
+              <a:rPr lang="ko-KR" altLang="ko-KR" sz="1800" dirty="0">
+                <a:effectLst/>
+                <a:ea typeface="맑은 고딕" panose="020B0503020000020004" pitchFamily="50" charset="-127"/>
+                <a:cs typeface="Times New Roman" panose="02020603050405020304" pitchFamily="18" charset="0"/>
+              </a:rPr>
+              <a:t>에선 해당 데이터를 </a:t>
+            </a:r>
+            <a:r>
+              <a:rPr lang="ko-KR" altLang="ko-KR" sz="1800" dirty="0" err="1">
+                <a:effectLst/>
+                <a:ea typeface="맑은 고딕" panose="020B0503020000020004" pitchFamily="50" charset="-127"/>
+                <a:cs typeface="Times New Roman" panose="02020603050405020304" pitchFamily="18" charset="0"/>
+              </a:rPr>
+              <a:t>리턴해줍니다</a:t>
+            </a:r>
+            <a:r>
+              <a:rPr lang="en-US" altLang="ko-KR" sz="1800" dirty="0">
+                <a:effectLst/>
                 <a:ea typeface="맑은 고딕" panose="020B0503020000020004" pitchFamily="50" charset="-127"/>
                 <a:cs typeface="Times New Roman" panose="02020603050405020304" pitchFamily="18" charset="0"/>
               </a:rPr>
               <a:t>.</a:t>
             </a:r>
-            <a:endParaRPr lang="ko-KR" altLang="ko-KR" sz="1800" kern="100" dirty="0">
-              <a:effectLst/>
-              <a:latin typeface="맑은 고딕" panose="020B0503020000020004" pitchFamily="50" charset="-127"/>
-              <a:ea typeface="맑은 고딕" panose="020B0503020000020004" pitchFamily="50" charset="-127"/>
-              <a:cs typeface="Times New Roman" panose="02020603050405020304" pitchFamily="18" charset="0"/>
-            </a:endParaRPr>
-          </a:p>
-          <a:p>
-            <a:pPr marL="457200" indent="-457200" algn="just" latinLnBrk="1">
-              <a:lnSpc>
-                <a:spcPct val="107000"/>
-              </a:lnSpc>
-              <a:spcAft>
-                <a:spcPts val="800"/>
-              </a:spcAft>
-            </a:pPr>
-            <a:r>
-              <a:rPr lang="ko-KR" altLang="ko-KR" sz="1800" kern="100" dirty="0">
-                <a:effectLst/>
-                <a:latin typeface="맑은 고딕" panose="020B0503020000020004" pitchFamily="50" charset="-127"/>
-                <a:ea typeface="맑은 고딕" panose="020B0503020000020004" pitchFamily="50" charset="-127"/>
-                <a:cs typeface="Times New Roman" panose="02020603050405020304" pitchFamily="18" charset="0"/>
-              </a:rPr>
-              <a:t>먼저 </a:t>
-            </a:r>
-            <a:r>
-              <a:rPr lang="en-US" altLang="ko-KR" sz="1800" kern="100" dirty="0">
-                <a:effectLst/>
-                <a:latin typeface="맑은 고딕" panose="020B0503020000020004" pitchFamily="50" charset="-127"/>
-                <a:ea typeface="맑은 고딕" panose="020B0503020000020004" pitchFamily="50" charset="-127"/>
-                <a:cs typeface="Times New Roman" panose="02020603050405020304" pitchFamily="18" charset="0"/>
-              </a:rPr>
-              <a:t>App</a:t>
-            </a:r>
-            <a:r>
-              <a:rPr lang="ko-KR" altLang="ko-KR" sz="1800" kern="100" dirty="0">
-                <a:effectLst/>
-                <a:latin typeface="맑은 고딕" panose="020B0503020000020004" pitchFamily="50" charset="-127"/>
-                <a:ea typeface="맑은 고딕" panose="020B0503020000020004" pitchFamily="50" charset="-127"/>
-                <a:cs typeface="Times New Roman" panose="02020603050405020304" pitchFamily="18" charset="0"/>
-              </a:rPr>
-              <a:t>에서 </a:t>
-            </a:r>
-            <a:r>
-              <a:rPr lang="en-US" altLang="ko-KR" sz="1800" kern="100" dirty="0" err="1">
-                <a:effectLst/>
-                <a:latin typeface="맑은 고딕" panose="020B0503020000020004" pitchFamily="50" charset="-127"/>
-                <a:ea typeface="맑은 고딕" panose="020B0503020000020004" pitchFamily="50" charset="-127"/>
-                <a:cs typeface="Times New Roman" panose="02020603050405020304" pitchFamily="18" charset="0"/>
-              </a:rPr>
-              <a:t>HS_status</a:t>
-            </a:r>
-            <a:r>
-              <a:rPr lang="ko-KR" altLang="ko-KR" sz="1800" kern="100" dirty="0">
-                <a:effectLst/>
-                <a:latin typeface="맑은 고딕" panose="020B0503020000020004" pitchFamily="50" charset="-127"/>
-                <a:ea typeface="맑은 고딕" panose="020B0503020000020004" pitchFamily="50" charset="-127"/>
-                <a:cs typeface="Times New Roman" panose="02020603050405020304" pitchFamily="18" charset="0"/>
-              </a:rPr>
-              <a:t>를 </a:t>
-            </a:r>
-            <a:r>
-              <a:rPr lang="ko-KR" altLang="ko-KR" sz="1800" kern="100" dirty="0" err="1">
-                <a:effectLst/>
-                <a:latin typeface="맑은 고딕" panose="020B0503020000020004" pitchFamily="50" charset="-127"/>
-                <a:ea typeface="맑은 고딕" panose="020B0503020000020004" pitchFamily="50" charset="-127"/>
-                <a:cs typeface="Times New Roman" panose="02020603050405020304" pitchFamily="18" charset="0"/>
-              </a:rPr>
-              <a:t>로드합니다</a:t>
-            </a:r>
-            <a:r>
-              <a:rPr lang="en-US" altLang="ko-KR" sz="1800" kern="100" dirty="0">
-                <a:effectLst/>
-                <a:latin typeface="맑은 고딕" panose="020B0503020000020004" pitchFamily="50" charset="-127"/>
-                <a:ea typeface="맑은 고딕" panose="020B0503020000020004" pitchFamily="50" charset="-127"/>
-                <a:cs typeface="Times New Roman" panose="02020603050405020304" pitchFamily="18" charset="0"/>
-              </a:rPr>
-              <a:t>. </a:t>
-            </a:r>
-          </a:p>
-          <a:p>
-            <a:pPr marL="457200" indent="-457200" algn="just" latinLnBrk="1">
-              <a:lnSpc>
-                <a:spcPct val="107000"/>
-              </a:lnSpc>
-              <a:spcAft>
-                <a:spcPts val="800"/>
-              </a:spcAft>
-            </a:pPr>
-            <a:r>
-              <a:rPr lang="ko-KR" altLang="ko-KR" sz="1800" kern="100" dirty="0" err="1">
-                <a:effectLst/>
-                <a:latin typeface="맑은 고딕" panose="020B0503020000020004" pitchFamily="50" charset="-127"/>
-                <a:ea typeface="맑은 고딕" panose="020B0503020000020004" pitchFamily="50" charset="-127"/>
-                <a:cs typeface="Times New Roman" panose="02020603050405020304" pitchFamily="18" charset="0"/>
-              </a:rPr>
-              <a:t>로드된</a:t>
-            </a:r>
-            <a:r>
-              <a:rPr lang="ko-KR" altLang="ko-KR" sz="1800" kern="100" dirty="0">
-                <a:effectLst/>
-                <a:latin typeface="맑은 고딕" panose="020B0503020000020004" pitchFamily="50" charset="-127"/>
+            <a:br>
+              <a:rPr lang="en-US" altLang="ko-KR" sz="1800" dirty="0">
+                <a:effectLst/>
+                <a:ea typeface="맑은 고딕" panose="020B0503020000020004" pitchFamily="50" charset="-127"/>
+                <a:cs typeface="Times New Roman" panose="02020603050405020304" pitchFamily="18" charset="0"/>
+              </a:rPr>
+            </a:br>
+            <a:r>
+              <a:rPr lang="ko-KR" altLang="ko-KR" sz="1800" dirty="0">
+                <a:effectLst/>
+                <a:ea typeface="맑은 고딕" panose="020B0503020000020004" pitchFamily="50" charset="-127"/>
+                <a:cs typeface="Times New Roman" panose="02020603050405020304" pitchFamily="18" charset="0"/>
+              </a:rPr>
+              <a:t>이렇게 받은 데이터를 기반으로 현재 </a:t>
+            </a:r>
+            <a:r>
+              <a:rPr lang="ko-KR" altLang="ko-KR" sz="1800" dirty="0" err="1">
+                <a:effectLst/>
+                <a:ea typeface="맑은 고딕" panose="020B0503020000020004" pitchFamily="50" charset="-127"/>
+                <a:cs typeface="Times New Roman" panose="02020603050405020304" pitchFamily="18" charset="0"/>
+              </a:rPr>
+              <a:t>잔여량이</a:t>
+            </a:r>
+            <a:r>
+              <a:rPr lang="ko-KR" altLang="ko-KR" sz="1800" dirty="0">
+                <a:effectLst/>
+                <a:ea typeface="맑은 고딕" panose="020B0503020000020004" pitchFamily="50" charset="-127"/>
+                <a:cs typeface="Times New Roman" panose="02020603050405020304" pitchFamily="18" charset="0"/>
+              </a:rPr>
+              <a:t> 부족한 경우와</a:t>
+            </a:r>
+            <a:r>
+              <a:rPr lang="en-US" altLang="ko-KR" sz="1800" dirty="0">
+                <a:effectLst/>
+                <a:ea typeface="맑은 고딕" panose="020B0503020000020004" pitchFamily="50" charset="-127"/>
+                <a:cs typeface="Times New Roman" panose="02020603050405020304" pitchFamily="18" charset="0"/>
+              </a:rPr>
+              <a:t>, </a:t>
+            </a:r>
+            <a:r>
+              <a:rPr lang="ko-KR" altLang="ko-KR" sz="1800" dirty="0">
+                <a:effectLst/>
+                <a:ea typeface="맑은 고딕" panose="020B0503020000020004" pitchFamily="50" charset="-127"/>
+                <a:cs typeface="Times New Roman" panose="02020603050405020304" pitchFamily="18" charset="0"/>
+              </a:rPr>
+              <a:t>부족하지 않은 경우로 나뉩니다</a:t>
+            </a:r>
+            <a:r>
+              <a:rPr lang="en-US" altLang="ko-KR" sz="1800" dirty="0">
+                <a:effectLst/>
+                <a:ea typeface="맑은 고딕" panose="020B0503020000020004" pitchFamily="50" charset="-127"/>
+                <a:cs typeface="Times New Roman" panose="02020603050405020304" pitchFamily="18" charset="0"/>
+              </a:rPr>
+              <a:t>.</a:t>
+            </a:r>
+            <a:br>
+              <a:rPr lang="en-US" altLang="ko-KR" sz="1800" dirty="0">
+                <a:effectLst/>
+                <a:ea typeface="맑은 고딕" panose="020B0503020000020004" pitchFamily="50" charset="-127"/>
+                <a:cs typeface="Times New Roman" panose="02020603050405020304" pitchFamily="18" charset="0"/>
+              </a:rPr>
+            </a:br>
+            <a:r>
+              <a:rPr lang="ko-KR" altLang="ko-KR" sz="1800" dirty="0">
+                <a:effectLst/>
+                <a:ea typeface="맑은 고딕" panose="020B0503020000020004" pitchFamily="50" charset="-127"/>
+                <a:cs typeface="Times New Roman" panose="02020603050405020304" pitchFamily="18" charset="0"/>
+              </a:rPr>
+              <a:t>현재 </a:t>
+            </a:r>
+            <a:r>
+              <a:rPr lang="ko-KR" altLang="ko-KR" sz="1800" dirty="0" err="1">
+                <a:effectLst/>
+                <a:ea typeface="맑은 고딕" panose="020B0503020000020004" pitchFamily="50" charset="-127"/>
+                <a:cs typeface="Times New Roman" panose="02020603050405020304" pitchFamily="18" charset="0"/>
+              </a:rPr>
+              <a:t>잔여량이</a:t>
+            </a:r>
+            <a:r>
+              <a:rPr lang="ko-KR" altLang="ko-KR" sz="1800" dirty="0">
+                <a:effectLst/>
+                <a:ea typeface="맑은 고딕" panose="020B0503020000020004" pitchFamily="50" charset="-127"/>
+                <a:cs typeface="Times New Roman" panose="02020603050405020304" pitchFamily="18" charset="0"/>
+              </a:rPr>
+              <a:t> 부족할 경우엔 사용자에게 위험신호를 보내주어야 하기 때문에 </a:t>
+            </a:r>
+            <a:br>
+              <a:rPr lang="en-US" altLang="ko-KR" sz="1800" dirty="0">
+                <a:effectLst/>
+                <a:ea typeface="맑은 고딕" panose="020B0503020000020004" pitchFamily="50" charset="-127"/>
+                <a:cs typeface="Times New Roman" panose="02020603050405020304" pitchFamily="18" charset="0"/>
+              </a:rPr>
+            </a:br>
+            <a:r>
+              <a:rPr lang="ko-KR" altLang="ko-KR" sz="1800" dirty="0">
+                <a:effectLst/>
+                <a:ea typeface="맑은 고딕" panose="020B0503020000020004" pitchFamily="50" charset="-127"/>
+                <a:cs typeface="Times New Roman" panose="02020603050405020304" pitchFamily="18" charset="0"/>
+              </a:rPr>
+              <a:t>굵은 네모 박스 안의 시퀀스가 추가로 필요하게 됩니다</a:t>
+            </a:r>
+            <a:r>
+              <a:rPr lang="en-US" altLang="ko-KR" sz="1800" dirty="0">
+                <a:effectLst/>
+                <a:ea typeface="맑은 고딕" panose="020B0503020000020004" pitchFamily="50" charset="-127"/>
+                <a:cs typeface="Times New Roman" panose="02020603050405020304" pitchFamily="18" charset="0"/>
+              </a:rPr>
+              <a:t>.</a:t>
+            </a:r>
+            <a:br>
+              <a:rPr lang="en-US" altLang="ko-KR" sz="1800" dirty="0">
+                <a:effectLst/>
+                <a:ea typeface="맑은 고딕" panose="020B0503020000020004" pitchFamily="50" charset="-127"/>
+                <a:cs typeface="Times New Roman" panose="02020603050405020304" pitchFamily="18" charset="0"/>
+              </a:rPr>
+            </a:br>
+            <a:r>
+              <a:rPr lang="en-US" altLang="ko-KR" sz="1800" dirty="0" err="1">
+                <a:effectLst/>
+                <a:ea typeface="맑은 고딕" panose="020B0503020000020004" pitchFamily="50" charset="-127"/>
+                <a:cs typeface="Times New Roman" panose="02020603050405020304" pitchFamily="18" charset="0"/>
+              </a:rPr>
+              <a:t>HS_Status</a:t>
+            </a:r>
+            <a:r>
+              <a:rPr lang="ko-KR" altLang="ko-KR" sz="1800" dirty="0">
+                <a:effectLst/>
+                <a:ea typeface="맑은 고딕" panose="020B0503020000020004" pitchFamily="50" charset="-127"/>
+                <a:cs typeface="Times New Roman" panose="02020603050405020304" pitchFamily="18" charset="0"/>
+              </a:rPr>
+              <a:t>에서 위험신호 인스턴스인</a:t>
+            </a:r>
+            <a:r>
+              <a:rPr lang="en-US" altLang="ko-KR" sz="1800" dirty="0">
+                <a:effectLst/>
+                <a:ea typeface="맑은 고딕" panose="020B0503020000020004" pitchFamily="50" charset="-127"/>
+                <a:cs typeface="Times New Roman" panose="02020603050405020304" pitchFamily="18" charset="0"/>
+              </a:rPr>
+              <a:t> warning</a:t>
+            </a:r>
+            <a:r>
+              <a:rPr lang="ko-KR" altLang="ko-KR" sz="1800" dirty="0">
+                <a:effectLst/>
+                <a:ea typeface="맑은 고딕" panose="020B0503020000020004" pitchFamily="50" charset="-127"/>
+                <a:cs typeface="Times New Roman" panose="02020603050405020304" pitchFamily="18" charset="0"/>
+              </a:rPr>
+              <a:t>을 요청하면</a:t>
+            </a:r>
+            <a:r>
+              <a:rPr lang="en-US" altLang="ko-KR" sz="1800" dirty="0">
+                <a:effectLst/>
+                <a:ea typeface="맑은 고딕" panose="020B0503020000020004" pitchFamily="50" charset="-127"/>
+                <a:cs typeface="Times New Roman" panose="02020603050405020304" pitchFamily="18" charset="0"/>
+              </a:rPr>
+              <a:t>, app</a:t>
+            </a:r>
+            <a:r>
+              <a:rPr lang="ko-KR" altLang="ko-KR" sz="1800" dirty="0">
+                <a:effectLst/>
+                <a:ea typeface="맑은 고딕" panose="020B0503020000020004" pitchFamily="50" charset="-127"/>
+                <a:cs typeface="Times New Roman" panose="02020603050405020304" pitchFamily="18" charset="0"/>
+              </a:rPr>
+              <a:t>에 위험신호가 </a:t>
+            </a:r>
+            <a:r>
+              <a:rPr lang="ko-KR" altLang="ko-KR" sz="1800" dirty="0" err="1">
+                <a:effectLst/>
+                <a:ea typeface="맑은 고딕" panose="020B0503020000020004" pitchFamily="50" charset="-127"/>
+                <a:cs typeface="Times New Roman" panose="02020603050405020304" pitchFamily="18" charset="0"/>
+              </a:rPr>
+              <a:t>리턴됩니다</a:t>
+            </a:r>
+            <a:r>
+              <a:rPr lang="en-US" altLang="ko-KR" sz="1800" dirty="0">
+                <a:effectLst/>
+                <a:ea typeface="맑은 고딕" panose="020B0503020000020004" pitchFamily="50" charset="-127"/>
+                <a:cs typeface="Times New Roman" panose="02020603050405020304" pitchFamily="18" charset="0"/>
+              </a:rPr>
+              <a:t>. </a:t>
+            </a:r>
+            <a:br>
+              <a:rPr lang="en-US" altLang="ko-KR" sz="1800" dirty="0">
+                <a:effectLst/>
+                <a:ea typeface="맑은 고딕" panose="020B0503020000020004" pitchFamily="50" charset="-127"/>
+                <a:cs typeface="Times New Roman" panose="02020603050405020304" pitchFamily="18" charset="0"/>
+              </a:rPr>
+            </a:br>
+            <a:r>
+              <a:rPr lang="ko-KR" altLang="ko-KR" sz="1800" dirty="0">
+                <a:effectLst/>
+                <a:ea typeface="맑은 고딕" panose="020B0503020000020004" pitchFamily="50" charset="-127"/>
+                <a:cs typeface="Times New Roman" panose="02020603050405020304" pitchFamily="18" charset="0"/>
+              </a:rPr>
+              <a:t>그리고</a:t>
+            </a:r>
+            <a:r>
+              <a:rPr lang="en-US" altLang="ko-KR" sz="1800" dirty="0">
+                <a:effectLst/>
                 <a:ea typeface="맑은 고딕" panose="020B0503020000020004" pitchFamily="50" charset="-127"/>
                 <a:cs typeface="Times New Roman" panose="02020603050405020304" pitchFamily="18" charset="0"/>
               </a:rPr>
               <a:t> </a:t>
             </a:r>
             <a:r>
-              <a:rPr lang="en-US" altLang="ko-KR" sz="1800" kern="100" dirty="0" err="1">
-                <a:effectLst/>
-                <a:latin typeface="맑은 고딕" panose="020B0503020000020004" pitchFamily="50" charset="-127"/>
-                <a:ea typeface="맑은 고딕" panose="020B0503020000020004" pitchFamily="50" charset="-127"/>
-                <a:cs typeface="Times New Roman" panose="02020603050405020304" pitchFamily="18" charset="0"/>
-              </a:rPr>
-              <a:t>HS_status</a:t>
-            </a:r>
-            <a:r>
-              <a:rPr lang="ko-KR" altLang="ko-KR" sz="1800" kern="100" dirty="0">
-                <a:effectLst/>
-                <a:latin typeface="맑은 고딕" panose="020B0503020000020004" pitchFamily="50" charset="-127"/>
-                <a:ea typeface="맑은 고딕" panose="020B0503020000020004" pitchFamily="50" charset="-127"/>
-                <a:cs typeface="Times New Roman" panose="02020603050405020304" pitchFamily="18" charset="0"/>
-              </a:rPr>
-              <a:t>는 손세정제 </a:t>
-            </a:r>
-            <a:r>
-              <a:rPr lang="ko-KR" altLang="ko-KR" sz="1800" kern="100" dirty="0" err="1">
-                <a:effectLst/>
-                <a:latin typeface="맑은 고딕" panose="020B0503020000020004" pitchFamily="50" charset="-127"/>
-                <a:ea typeface="맑은 고딕" panose="020B0503020000020004" pitchFamily="50" charset="-127"/>
-                <a:cs typeface="Times New Roman" panose="02020603050405020304" pitchFamily="18" charset="0"/>
-              </a:rPr>
-              <a:t>잔여량</a:t>
-            </a:r>
-            <a:r>
-              <a:rPr lang="ko-KR" altLang="ko-KR" sz="1800" kern="100" dirty="0">
-                <a:effectLst/>
-                <a:latin typeface="맑은 고딕" panose="020B0503020000020004" pitchFamily="50" charset="-127"/>
-                <a:ea typeface="맑은 고딕" panose="020B0503020000020004" pitchFamily="50" charset="-127"/>
-                <a:cs typeface="Times New Roman" panose="02020603050405020304" pitchFamily="18" charset="0"/>
-              </a:rPr>
-              <a:t> 정보를 보여주기 때문에</a:t>
-            </a:r>
-            <a:r>
-              <a:rPr lang="en-US" altLang="ko-KR" sz="1800" kern="100" dirty="0">
-                <a:effectLst/>
-                <a:latin typeface="맑은 고딕" panose="020B0503020000020004" pitchFamily="50" charset="-127"/>
+              <a:rPr lang="en-US" altLang="ko-KR" sz="1800" dirty="0" err="1">
+                <a:effectLst/>
+                <a:ea typeface="맑은 고딕" panose="020B0503020000020004" pitchFamily="50" charset="-127"/>
+                <a:cs typeface="Times New Roman" panose="02020603050405020304" pitchFamily="18" charset="0"/>
+              </a:rPr>
+              <a:t>hs_status</a:t>
+            </a:r>
+            <a:r>
+              <a:rPr lang="ko-KR" altLang="ko-KR" sz="1800" dirty="0">
+                <a:effectLst/>
+                <a:ea typeface="맑은 고딕" panose="020B0503020000020004" pitchFamily="50" charset="-127"/>
+                <a:cs typeface="Times New Roman" panose="02020603050405020304" pitchFamily="18" charset="0"/>
+              </a:rPr>
+              <a:t>에서 현재 </a:t>
+            </a:r>
+            <a:r>
+              <a:rPr lang="ko-KR" altLang="ko-KR" sz="1800" dirty="0" err="1">
+                <a:effectLst/>
+                <a:ea typeface="맑은 고딕" panose="020B0503020000020004" pitchFamily="50" charset="-127"/>
+                <a:cs typeface="Times New Roman" panose="02020603050405020304" pitchFamily="18" charset="0"/>
+              </a:rPr>
+              <a:t>잔여량을</a:t>
+            </a:r>
+            <a:r>
+              <a:rPr lang="ko-KR" altLang="ko-KR" sz="1800" dirty="0">
+                <a:effectLst/>
+                <a:ea typeface="맑은 고딕" panose="020B0503020000020004" pitchFamily="50" charset="-127"/>
+                <a:cs typeface="Times New Roman" panose="02020603050405020304" pitchFamily="18" charset="0"/>
+              </a:rPr>
+              <a:t> 보여주고 프로시저가 끝납니다</a:t>
+            </a:r>
+            <a:r>
+              <a:rPr lang="en-US" altLang="ko-KR" sz="1800" dirty="0">
+                <a:effectLst/>
+                <a:ea typeface="맑은 고딕" panose="020B0503020000020004" pitchFamily="50" charset="-127"/>
+                <a:cs typeface="Times New Roman" panose="02020603050405020304" pitchFamily="18" charset="0"/>
+              </a:rPr>
+              <a:t>.</a:t>
+            </a:r>
+            <a:br>
+              <a:rPr lang="en-US" altLang="ko-KR" sz="1800" dirty="0">
+                <a:effectLst/>
+                <a:ea typeface="맑은 고딕" panose="020B0503020000020004" pitchFamily="50" charset="-127"/>
+                <a:cs typeface="Times New Roman" panose="02020603050405020304" pitchFamily="18" charset="0"/>
+              </a:rPr>
+            </a:br>
+            <a:r>
+              <a:rPr lang="ko-KR" altLang="ko-KR" sz="1800" dirty="0">
+                <a:effectLst/>
+                <a:ea typeface="맑은 고딕" panose="020B0503020000020004" pitchFamily="50" charset="-127"/>
+                <a:cs typeface="Times New Roman" panose="02020603050405020304" pitchFamily="18" charset="0"/>
+              </a:rPr>
+              <a:t>반대로 현재 </a:t>
+            </a:r>
+            <a:r>
+              <a:rPr lang="ko-KR" altLang="ko-KR" sz="1800" dirty="0" err="1">
+                <a:effectLst/>
+                <a:ea typeface="맑은 고딕" panose="020B0503020000020004" pitchFamily="50" charset="-127"/>
+                <a:cs typeface="Times New Roman" panose="02020603050405020304" pitchFamily="18" charset="0"/>
+              </a:rPr>
+              <a:t>잔여량이</a:t>
+            </a:r>
+            <a:r>
+              <a:rPr lang="ko-KR" altLang="ko-KR" sz="1800" dirty="0">
+                <a:effectLst/>
+                <a:ea typeface="맑은 고딕" panose="020B0503020000020004" pitchFamily="50" charset="-127"/>
+                <a:cs typeface="Times New Roman" panose="02020603050405020304" pitchFamily="18" charset="0"/>
+              </a:rPr>
+              <a:t> 부족하지 않은 경우에는</a:t>
+            </a:r>
+            <a:r>
+              <a:rPr lang="en-US" altLang="ko-KR" sz="1800" dirty="0">
+                <a:effectLst/>
                 <a:ea typeface="맑은 고딕" panose="020B0503020000020004" pitchFamily="50" charset="-127"/>
                 <a:cs typeface="Times New Roman" panose="02020603050405020304" pitchFamily="18" charset="0"/>
               </a:rPr>
               <a:t>, </a:t>
             </a:r>
             <a:r>
-              <a:rPr lang="ko-KR" altLang="ko-KR" sz="1800" kern="100" dirty="0">
-                <a:effectLst/>
-                <a:latin typeface="맑은 고딕" panose="020B0503020000020004" pitchFamily="50" charset="-127"/>
-                <a:ea typeface="맑은 고딕" panose="020B0503020000020004" pitchFamily="50" charset="-127"/>
-                <a:cs typeface="Times New Roman" panose="02020603050405020304" pitchFamily="18" charset="0"/>
-              </a:rPr>
-              <a:t>손세정제의 </a:t>
-            </a:r>
-            <a:r>
-              <a:rPr lang="ko-KR" altLang="ko-KR" sz="1800" kern="100" dirty="0" err="1">
-                <a:effectLst/>
-                <a:latin typeface="맑은 고딕" panose="020B0503020000020004" pitchFamily="50" charset="-127"/>
-                <a:ea typeface="맑은 고딕" panose="020B0503020000020004" pitchFamily="50" charset="-127"/>
-                <a:cs typeface="Times New Roman" panose="02020603050405020304" pitchFamily="18" charset="0"/>
-              </a:rPr>
-              <a:t>잔여량</a:t>
-            </a:r>
-            <a:r>
-              <a:rPr lang="en-US" altLang="ko-KR" sz="1800" kern="100" dirty="0">
-                <a:effectLst/>
-                <a:latin typeface="맑은 고딕" panose="020B0503020000020004" pitchFamily="50" charset="-127"/>
-                <a:ea typeface="맑은 고딕" panose="020B0503020000020004" pitchFamily="50" charset="-127"/>
-                <a:cs typeface="Times New Roman" panose="02020603050405020304" pitchFamily="18" charset="0"/>
-              </a:rPr>
-              <a:t> </a:t>
-            </a:r>
-            <a:r>
-              <a:rPr lang="ko-KR" altLang="en-US" sz="1800" kern="100" dirty="0">
-                <a:effectLst/>
-                <a:latin typeface="맑은 고딕" panose="020B0503020000020004" pitchFamily="50" charset="-127"/>
-                <a:ea typeface="맑은 고딕" panose="020B0503020000020004" pitchFamily="50" charset="-127"/>
-                <a:cs typeface="Times New Roman" panose="02020603050405020304" pitchFamily="18" charset="0"/>
-              </a:rPr>
-              <a:t>관련 </a:t>
-            </a:r>
-            <a:r>
-              <a:rPr lang="ko-KR" altLang="ko-KR" sz="1800" kern="100" dirty="0">
-                <a:effectLst/>
-                <a:latin typeface="맑은 고딕" panose="020B0503020000020004" pitchFamily="50" charset="-127"/>
-                <a:ea typeface="맑은 고딕" panose="020B0503020000020004" pitchFamily="50" charset="-127"/>
-                <a:cs typeface="Times New Roman" panose="02020603050405020304" pitchFamily="18" charset="0"/>
-              </a:rPr>
-              <a:t>데이터를</a:t>
-            </a:r>
-            <a:r>
-              <a:rPr lang="en-US" altLang="ko-KR" sz="1800" kern="100" dirty="0">
-                <a:effectLst/>
-                <a:latin typeface="맑은 고딕" panose="020B0503020000020004" pitchFamily="50" charset="-127"/>
-                <a:ea typeface="맑은 고딕" panose="020B0503020000020004" pitchFamily="50" charset="-127"/>
-                <a:cs typeface="Times New Roman" panose="02020603050405020304" pitchFamily="18" charset="0"/>
-              </a:rPr>
-              <a:t> DB</a:t>
-            </a:r>
-            <a:r>
-              <a:rPr lang="ko-KR" altLang="ko-KR" sz="1800" kern="100" dirty="0">
-                <a:effectLst/>
-                <a:latin typeface="맑은 고딕" panose="020B0503020000020004" pitchFamily="50" charset="-127"/>
-                <a:ea typeface="맑은 고딕" panose="020B0503020000020004" pitchFamily="50" charset="-127"/>
-                <a:cs typeface="Times New Roman" panose="02020603050405020304" pitchFamily="18" charset="0"/>
-              </a:rPr>
-              <a:t>에 요청하고</a:t>
-            </a:r>
-            <a:r>
-              <a:rPr lang="en-US" altLang="ko-KR" sz="1800" kern="100" dirty="0">
-                <a:effectLst/>
-                <a:latin typeface="맑은 고딕" panose="020B0503020000020004" pitchFamily="50" charset="-127"/>
+              <a:rPr lang="ko-KR" altLang="ko-KR" sz="1800" dirty="0">
+                <a:effectLst/>
+                <a:ea typeface="맑은 고딕" panose="020B0503020000020004" pitchFamily="50" charset="-127"/>
+                <a:cs typeface="Times New Roman" panose="02020603050405020304" pitchFamily="18" charset="0"/>
+              </a:rPr>
+              <a:t>위험신호를 </a:t>
+            </a:r>
+            <a:r>
+              <a:rPr lang="ko-KR" altLang="ko-KR" sz="1800" dirty="0" err="1">
+                <a:effectLst/>
+                <a:ea typeface="맑은 고딕" panose="020B0503020000020004" pitchFamily="50" charset="-127"/>
+                <a:cs typeface="Times New Roman" panose="02020603050405020304" pitchFamily="18" charset="0"/>
+              </a:rPr>
+              <a:t>리턴해주는</a:t>
+            </a:r>
+            <a:r>
+              <a:rPr lang="ko-KR" altLang="ko-KR" sz="1800" dirty="0">
+                <a:effectLst/>
+                <a:ea typeface="맑은 고딕" panose="020B0503020000020004" pitchFamily="50" charset="-127"/>
+                <a:cs typeface="Times New Roman" panose="02020603050405020304" pitchFamily="18" charset="0"/>
+              </a:rPr>
+              <a:t> 해당 과정이 진행되지 않기 때문에</a:t>
+            </a:r>
+            <a:r>
+              <a:rPr lang="en-US" altLang="ko-KR" sz="1800" dirty="0">
+                <a:effectLst/>
                 <a:ea typeface="맑은 고딕" panose="020B0503020000020004" pitchFamily="50" charset="-127"/>
                 <a:cs typeface="Times New Roman" panose="02020603050405020304" pitchFamily="18" charset="0"/>
               </a:rPr>
               <a:t>, </a:t>
             </a:r>
             <a:r>
-              <a:rPr lang="en-US" altLang="ko-KR" sz="1800" kern="100" dirty="0" err="1">
-                <a:effectLst/>
-                <a:latin typeface="맑은 고딕" panose="020B0503020000020004" pitchFamily="50" charset="-127"/>
-                <a:ea typeface="맑은 고딕" panose="020B0503020000020004" pitchFamily="50" charset="-127"/>
-                <a:cs typeface="Times New Roman" panose="02020603050405020304" pitchFamily="18" charset="0"/>
-              </a:rPr>
-              <a:t>db</a:t>
-            </a:r>
-            <a:r>
-              <a:rPr lang="ko-KR" altLang="ko-KR" sz="1800" kern="100" dirty="0">
-                <a:effectLst/>
-                <a:latin typeface="맑은 고딕" panose="020B0503020000020004" pitchFamily="50" charset="-127"/>
-                <a:ea typeface="맑은 고딕" panose="020B0503020000020004" pitchFamily="50" charset="-127"/>
-                <a:cs typeface="Times New Roman" panose="02020603050405020304" pitchFamily="18" charset="0"/>
-              </a:rPr>
-              <a:t>에선 해당 데이터를 </a:t>
-            </a:r>
-            <a:r>
-              <a:rPr lang="ko-KR" altLang="ko-KR" sz="1800" kern="100" dirty="0" err="1">
-                <a:effectLst/>
-                <a:latin typeface="맑은 고딕" panose="020B0503020000020004" pitchFamily="50" charset="-127"/>
-                <a:ea typeface="맑은 고딕" panose="020B0503020000020004" pitchFamily="50" charset="-127"/>
-                <a:cs typeface="Times New Roman" panose="02020603050405020304" pitchFamily="18" charset="0"/>
-              </a:rPr>
-              <a:t>리턴해줍니다</a:t>
-            </a:r>
-            <a:r>
-              <a:rPr lang="en-US" altLang="ko-KR" sz="1800" kern="100" dirty="0">
-                <a:effectLst/>
-                <a:latin typeface="맑은 고딕" panose="020B0503020000020004" pitchFamily="50" charset="-127"/>
+              <a:rPr lang="ko-KR" altLang="ko-KR" sz="1800" dirty="0">
+                <a:effectLst/>
+                <a:ea typeface="맑은 고딕" panose="020B0503020000020004" pitchFamily="50" charset="-127"/>
+                <a:cs typeface="Times New Roman" panose="02020603050405020304" pitchFamily="18" charset="0"/>
+              </a:rPr>
+              <a:t>현재 </a:t>
+            </a:r>
+            <a:r>
+              <a:rPr lang="ko-KR" altLang="ko-KR" sz="1800" dirty="0" err="1">
+                <a:effectLst/>
+                <a:ea typeface="맑은 고딕" panose="020B0503020000020004" pitchFamily="50" charset="-127"/>
+                <a:cs typeface="Times New Roman" panose="02020603050405020304" pitchFamily="18" charset="0"/>
+              </a:rPr>
+              <a:t>잔여량만</a:t>
+            </a:r>
+            <a:r>
+              <a:rPr lang="ko-KR" altLang="ko-KR" sz="1800" dirty="0">
+                <a:effectLst/>
+                <a:ea typeface="맑은 고딕" panose="020B0503020000020004" pitchFamily="50" charset="-127"/>
+                <a:cs typeface="Times New Roman" panose="02020603050405020304" pitchFamily="18" charset="0"/>
+              </a:rPr>
+              <a:t> 보여주고 프로시저는 끝나게 됩니다</a:t>
+            </a:r>
+            <a:r>
+              <a:rPr lang="en-US" altLang="ko-KR" sz="1800" dirty="0">
+                <a:effectLst/>
                 <a:ea typeface="맑은 고딕" panose="020B0503020000020004" pitchFamily="50" charset="-127"/>
                 <a:cs typeface="Times New Roman" panose="02020603050405020304" pitchFamily="18" charset="0"/>
               </a:rPr>
               <a:t>.</a:t>
             </a:r>
-            <a:endParaRPr lang="ko-KR" altLang="ko-KR" sz="1800" kern="100" dirty="0">
-              <a:effectLst/>
-              <a:latin typeface="맑은 고딕" panose="020B0503020000020004" pitchFamily="50" charset="-127"/>
-              <a:ea typeface="맑은 고딕" panose="020B0503020000020004" pitchFamily="50" charset="-127"/>
-              <a:cs typeface="Times New Roman" panose="02020603050405020304" pitchFamily="18" charset="0"/>
-            </a:endParaRPr>
-          </a:p>
-          <a:p>
-            <a:pPr marL="457200" indent="-457200" algn="just" latinLnBrk="1">
-              <a:lnSpc>
-                <a:spcPct val="107000"/>
-              </a:lnSpc>
-              <a:spcAft>
-                <a:spcPts val="800"/>
-              </a:spcAft>
-            </a:pPr>
-            <a:r>
-              <a:rPr lang="ko-KR" altLang="ko-KR" sz="1800" kern="100" dirty="0" err="1">
-                <a:effectLst/>
-                <a:latin typeface="맑은 고딕" panose="020B0503020000020004" pitchFamily="50" charset="-127"/>
-                <a:ea typeface="맑은 고딕" panose="020B0503020000020004" pitchFamily="50" charset="-127"/>
-                <a:cs typeface="Times New Roman" panose="02020603050405020304" pitchFamily="18" charset="0"/>
-              </a:rPr>
-              <a:t>그다음으론</a:t>
-            </a:r>
-            <a:r>
-              <a:rPr lang="ko-KR" altLang="ko-KR" sz="1800" kern="100" dirty="0">
-                <a:effectLst/>
-                <a:latin typeface="맑은 고딕" panose="020B0503020000020004" pitchFamily="50" charset="-127"/>
-                <a:ea typeface="맑은 고딕" panose="020B0503020000020004" pitchFamily="50" charset="-127"/>
-                <a:cs typeface="Times New Roman" panose="02020603050405020304" pitchFamily="18" charset="0"/>
-              </a:rPr>
-              <a:t> 현재 </a:t>
-            </a:r>
-            <a:r>
-              <a:rPr lang="ko-KR" altLang="ko-KR" sz="1800" kern="100" dirty="0" err="1">
-                <a:effectLst/>
-                <a:latin typeface="맑은 고딕" panose="020B0503020000020004" pitchFamily="50" charset="-127"/>
-                <a:ea typeface="맑은 고딕" panose="020B0503020000020004" pitchFamily="50" charset="-127"/>
-                <a:cs typeface="Times New Roman" panose="02020603050405020304" pitchFamily="18" charset="0"/>
-              </a:rPr>
-              <a:t>잔여량이</a:t>
-            </a:r>
-            <a:r>
-              <a:rPr lang="ko-KR" altLang="ko-KR" sz="1800" kern="100" dirty="0">
-                <a:effectLst/>
-                <a:latin typeface="맑은 고딕" panose="020B0503020000020004" pitchFamily="50" charset="-127"/>
-                <a:ea typeface="맑은 고딕" panose="020B0503020000020004" pitchFamily="50" charset="-127"/>
-                <a:cs typeface="Times New Roman" panose="02020603050405020304" pitchFamily="18" charset="0"/>
-              </a:rPr>
-              <a:t> 부족할</a:t>
-            </a:r>
-            <a:r>
-              <a:rPr lang="en-US" altLang="ko-KR" sz="1800" kern="100" dirty="0">
-                <a:effectLst/>
-                <a:latin typeface="맑은 고딕" panose="020B0503020000020004" pitchFamily="50" charset="-127"/>
-                <a:ea typeface="맑은 고딕" panose="020B0503020000020004" pitchFamily="50" charset="-127"/>
-                <a:cs typeface="Times New Roman" panose="02020603050405020304" pitchFamily="18" charset="0"/>
-              </a:rPr>
-              <a:t> </a:t>
-            </a:r>
-            <a:r>
-              <a:rPr lang="ko-KR" altLang="ko-KR" sz="1800" kern="100" dirty="0">
-                <a:effectLst/>
-                <a:latin typeface="맑은 고딕" panose="020B0503020000020004" pitchFamily="50" charset="-127"/>
-                <a:ea typeface="맑은 고딕" panose="020B0503020000020004" pitchFamily="50" charset="-127"/>
-                <a:cs typeface="Times New Roman" panose="02020603050405020304" pitchFamily="18" charset="0"/>
-              </a:rPr>
-              <a:t>경우와 부족하지 않을 경우로 나뉘어지게 됩니다</a:t>
-            </a:r>
-            <a:r>
-              <a:rPr lang="en-US" altLang="ko-KR" sz="1800" kern="100" dirty="0">
-                <a:effectLst/>
-                <a:latin typeface="맑은 고딕" panose="020B0503020000020004" pitchFamily="50" charset="-127"/>
-                <a:ea typeface="맑은 고딕" panose="020B0503020000020004" pitchFamily="50" charset="-127"/>
-                <a:cs typeface="Times New Roman" panose="02020603050405020304" pitchFamily="18" charset="0"/>
-              </a:rPr>
-              <a:t>.</a:t>
-            </a:r>
-            <a:endParaRPr lang="ko-KR" altLang="ko-KR" sz="1800" kern="100" dirty="0">
-              <a:effectLst/>
-              <a:latin typeface="맑은 고딕" panose="020B0503020000020004" pitchFamily="50" charset="-127"/>
-              <a:ea typeface="맑은 고딕" panose="020B0503020000020004" pitchFamily="50" charset="-127"/>
-              <a:cs typeface="Times New Roman" panose="02020603050405020304" pitchFamily="18" charset="0"/>
-            </a:endParaRPr>
-          </a:p>
-          <a:p>
-            <a:pPr marL="457200" indent="-457200" algn="just" latinLnBrk="1">
-              <a:lnSpc>
-                <a:spcPct val="107000"/>
-              </a:lnSpc>
-              <a:spcAft>
-                <a:spcPts val="800"/>
-              </a:spcAft>
-            </a:pPr>
-            <a:r>
-              <a:rPr lang="ko-KR" altLang="ko-KR" sz="1800" kern="100" dirty="0">
-                <a:effectLst/>
-                <a:latin typeface="맑은 고딕" panose="020B0503020000020004" pitchFamily="50" charset="-127"/>
-                <a:ea typeface="맑은 고딕" panose="020B0503020000020004" pitchFamily="50" charset="-127"/>
-                <a:cs typeface="Times New Roman" panose="02020603050405020304" pitchFamily="18" charset="0"/>
-              </a:rPr>
-              <a:t>현재 </a:t>
-            </a:r>
-            <a:r>
-              <a:rPr lang="ko-KR" altLang="ko-KR" sz="1800" kern="100" dirty="0" err="1">
-                <a:effectLst/>
-                <a:latin typeface="맑은 고딕" panose="020B0503020000020004" pitchFamily="50" charset="-127"/>
-                <a:ea typeface="맑은 고딕" panose="020B0503020000020004" pitchFamily="50" charset="-127"/>
-                <a:cs typeface="Times New Roman" panose="02020603050405020304" pitchFamily="18" charset="0"/>
-              </a:rPr>
-              <a:t>잔여량이</a:t>
-            </a:r>
-            <a:r>
-              <a:rPr lang="ko-KR" altLang="ko-KR" sz="1800" kern="100" dirty="0">
-                <a:effectLst/>
-                <a:latin typeface="맑은 고딕" panose="020B0503020000020004" pitchFamily="50" charset="-127"/>
-                <a:ea typeface="맑은 고딕" panose="020B0503020000020004" pitchFamily="50" charset="-127"/>
-                <a:cs typeface="Times New Roman" panose="02020603050405020304" pitchFamily="18" charset="0"/>
-              </a:rPr>
-              <a:t> 부족할 경우엔 사용자에게 위험신호를 보내주어야</a:t>
-            </a:r>
-            <a:r>
-              <a:rPr lang="en-US" altLang="ko-KR" sz="1800" kern="100" dirty="0">
-                <a:effectLst/>
-                <a:latin typeface="맑은 고딕" panose="020B0503020000020004" pitchFamily="50" charset="-127"/>
-                <a:ea typeface="맑은 고딕" panose="020B0503020000020004" pitchFamily="50" charset="-127"/>
-                <a:cs typeface="Times New Roman" panose="02020603050405020304" pitchFamily="18" charset="0"/>
-              </a:rPr>
-              <a:t> </a:t>
-            </a:r>
-            <a:r>
-              <a:rPr lang="ko-KR" altLang="en-US" sz="1800" kern="100" dirty="0">
-                <a:effectLst/>
-                <a:latin typeface="맑은 고딕" panose="020B0503020000020004" pitchFamily="50" charset="-127"/>
-                <a:ea typeface="맑은 고딕" panose="020B0503020000020004" pitchFamily="50" charset="-127"/>
-                <a:cs typeface="Times New Roman" panose="02020603050405020304" pitchFamily="18" charset="0"/>
-              </a:rPr>
-              <a:t>하기</a:t>
-            </a:r>
-            <a:r>
-              <a:rPr lang="ko-KR" altLang="ko-KR" sz="1800" kern="100" dirty="0">
-                <a:effectLst/>
-                <a:latin typeface="맑은 고딕" panose="020B0503020000020004" pitchFamily="50" charset="-127"/>
-                <a:ea typeface="맑은 고딕" panose="020B0503020000020004" pitchFamily="50" charset="-127"/>
-                <a:cs typeface="Times New Roman" panose="02020603050405020304" pitchFamily="18" charset="0"/>
-              </a:rPr>
-              <a:t> 때문에</a:t>
-            </a:r>
-            <a:r>
-              <a:rPr lang="en-US" altLang="ko-KR" sz="1800" kern="100" dirty="0">
-                <a:effectLst/>
-                <a:latin typeface="맑은 고딕" panose="020B0503020000020004" pitchFamily="50" charset="-127"/>
-                <a:ea typeface="맑은 고딕" panose="020B0503020000020004" pitchFamily="50" charset="-127"/>
-                <a:cs typeface="Times New Roman" panose="02020603050405020304" pitchFamily="18" charset="0"/>
-              </a:rPr>
-              <a:t> </a:t>
-            </a:r>
-          </a:p>
-          <a:p>
-            <a:pPr marL="457200" indent="-457200" algn="just" latinLnBrk="1">
-              <a:lnSpc>
-                <a:spcPct val="107000"/>
-              </a:lnSpc>
-              <a:spcAft>
-                <a:spcPts val="800"/>
-              </a:spcAft>
-            </a:pPr>
-            <a:r>
-              <a:rPr lang="en-US" altLang="ko-KR" sz="1800" kern="100" dirty="0" err="1">
-                <a:effectLst/>
-                <a:latin typeface="맑은 고딕" panose="020B0503020000020004" pitchFamily="50" charset="-127"/>
-                <a:ea typeface="맑은 고딕" panose="020B0503020000020004" pitchFamily="50" charset="-127"/>
-                <a:cs typeface="Times New Roman" panose="02020603050405020304" pitchFamily="18" charset="0"/>
-              </a:rPr>
-              <a:t>HS_Status</a:t>
-            </a:r>
-            <a:r>
-              <a:rPr lang="ko-KR" altLang="ko-KR" sz="1800" kern="100" dirty="0">
-                <a:effectLst/>
-                <a:latin typeface="맑은 고딕" panose="020B0503020000020004" pitchFamily="50" charset="-127"/>
-                <a:ea typeface="맑은 고딕" panose="020B0503020000020004" pitchFamily="50" charset="-127"/>
-                <a:cs typeface="Times New Roman" panose="02020603050405020304" pitchFamily="18" charset="0"/>
-              </a:rPr>
-              <a:t>에서 </a:t>
-            </a:r>
-            <a:r>
-              <a:rPr lang="ko-KR" altLang="en-US" sz="1800" kern="100" dirty="0">
-                <a:effectLst/>
-                <a:latin typeface="맑은 고딕" panose="020B0503020000020004" pitchFamily="50" charset="-127"/>
-                <a:ea typeface="맑은 고딕" panose="020B0503020000020004" pitchFamily="50" charset="-127"/>
-                <a:cs typeface="Times New Roman" panose="02020603050405020304" pitchFamily="18" charset="0"/>
-              </a:rPr>
-              <a:t>위험신호 인스턴스인 </a:t>
-            </a:r>
-            <a:r>
-              <a:rPr lang="en-US" altLang="ko-KR" sz="1800" kern="100" dirty="0">
-                <a:effectLst/>
-                <a:latin typeface="맑은 고딕" panose="020B0503020000020004" pitchFamily="50" charset="-127"/>
-                <a:ea typeface="맑은 고딕" panose="020B0503020000020004" pitchFamily="50" charset="-127"/>
-                <a:cs typeface="Times New Roman" panose="02020603050405020304" pitchFamily="18" charset="0"/>
-              </a:rPr>
-              <a:t>warning</a:t>
-            </a:r>
-            <a:r>
-              <a:rPr lang="ko-KR" altLang="en-US" sz="1800" kern="100" dirty="0">
-                <a:effectLst/>
-                <a:latin typeface="맑은 고딕" panose="020B0503020000020004" pitchFamily="50" charset="-127"/>
-                <a:ea typeface="맑은 고딕" panose="020B0503020000020004" pitchFamily="50" charset="-127"/>
-                <a:cs typeface="Times New Roman" panose="02020603050405020304" pitchFamily="18" charset="0"/>
-              </a:rPr>
-              <a:t>을 요청하면</a:t>
-            </a:r>
-            <a:r>
-              <a:rPr lang="en-US" altLang="ko-KR" sz="1800" kern="100" dirty="0">
-                <a:effectLst/>
-                <a:latin typeface="맑은 고딕" panose="020B0503020000020004" pitchFamily="50" charset="-127"/>
-                <a:ea typeface="맑은 고딕" panose="020B0503020000020004" pitchFamily="50" charset="-127"/>
-                <a:cs typeface="Times New Roman" panose="02020603050405020304" pitchFamily="18" charset="0"/>
-              </a:rPr>
-              <a:t>, app</a:t>
-            </a:r>
-            <a:r>
-              <a:rPr lang="ko-KR" altLang="en-US" sz="1800" kern="100" dirty="0">
-                <a:effectLst/>
-                <a:latin typeface="맑은 고딕" panose="020B0503020000020004" pitchFamily="50" charset="-127"/>
-                <a:ea typeface="맑은 고딕" panose="020B0503020000020004" pitchFamily="50" charset="-127"/>
-                <a:cs typeface="Times New Roman" panose="02020603050405020304" pitchFamily="18" charset="0"/>
-              </a:rPr>
-              <a:t>에 위험신호가 </a:t>
-            </a:r>
-            <a:r>
-              <a:rPr lang="ko-KR" altLang="en-US" sz="1800" kern="100" dirty="0" err="1">
-                <a:effectLst/>
-                <a:latin typeface="맑은 고딕" panose="020B0503020000020004" pitchFamily="50" charset="-127"/>
-                <a:ea typeface="맑은 고딕" panose="020B0503020000020004" pitchFamily="50" charset="-127"/>
-                <a:cs typeface="Times New Roman" panose="02020603050405020304" pitchFamily="18" charset="0"/>
-              </a:rPr>
-              <a:t>리턴됩니다</a:t>
-            </a:r>
-            <a:r>
-              <a:rPr lang="en-US" altLang="ko-KR" sz="1800" kern="100" dirty="0">
-                <a:effectLst/>
-                <a:latin typeface="맑은 고딕" panose="020B0503020000020004" pitchFamily="50" charset="-127"/>
-                <a:ea typeface="맑은 고딕" panose="020B0503020000020004" pitchFamily="50" charset="-127"/>
-                <a:cs typeface="Times New Roman" panose="02020603050405020304" pitchFamily="18" charset="0"/>
-              </a:rPr>
-              <a:t>. </a:t>
-            </a:r>
-            <a:r>
-              <a:rPr lang="ko-KR" altLang="en-US" sz="1800" kern="100" dirty="0">
-                <a:effectLst/>
-                <a:latin typeface="맑은 고딕" panose="020B0503020000020004" pitchFamily="50" charset="-127"/>
-                <a:ea typeface="맑은 고딕" panose="020B0503020000020004" pitchFamily="50" charset="-127"/>
-                <a:cs typeface="Times New Roman" panose="02020603050405020304" pitchFamily="18" charset="0"/>
-              </a:rPr>
-              <a:t>그리고 </a:t>
-            </a:r>
-            <a:r>
-              <a:rPr lang="en-US" altLang="ko-KR" sz="1800" kern="100" dirty="0" err="1">
-                <a:effectLst/>
-                <a:latin typeface="맑은 고딕" panose="020B0503020000020004" pitchFamily="50" charset="-127"/>
-                <a:ea typeface="맑은 고딕" panose="020B0503020000020004" pitchFamily="50" charset="-127"/>
-                <a:cs typeface="Times New Roman" panose="02020603050405020304" pitchFamily="18" charset="0"/>
-              </a:rPr>
-              <a:t>hs_status</a:t>
-            </a:r>
-            <a:r>
-              <a:rPr lang="ko-KR" altLang="en-US" sz="1800" kern="100" dirty="0">
-                <a:effectLst/>
-                <a:latin typeface="맑은 고딕" panose="020B0503020000020004" pitchFamily="50" charset="-127"/>
-                <a:ea typeface="맑은 고딕" panose="020B0503020000020004" pitchFamily="50" charset="-127"/>
-                <a:cs typeface="Times New Roman" panose="02020603050405020304" pitchFamily="18" charset="0"/>
-              </a:rPr>
-              <a:t>에서 현재 </a:t>
-            </a:r>
-            <a:r>
-              <a:rPr lang="ko-KR" altLang="en-US" sz="1800" kern="100" dirty="0" err="1">
-                <a:effectLst/>
-                <a:latin typeface="맑은 고딕" panose="020B0503020000020004" pitchFamily="50" charset="-127"/>
-                <a:ea typeface="맑은 고딕" panose="020B0503020000020004" pitchFamily="50" charset="-127"/>
-                <a:cs typeface="Times New Roman" panose="02020603050405020304" pitchFamily="18" charset="0"/>
-              </a:rPr>
-              <a:t>잔여량을</a:t>
-            </a:r>
-            <a:r>
-              <a:rPr lang="ko-KR" altLang="en-US" sz="1800" kern="100" dirty="0">
-                <a:effectLst/>
-                <a:latin typeface="맑은 고딕" panose="020B0503020000020004" pitchFamily="50" charset="-127"/>
-                <a:ea typeface="맑은 고딕" panose="020B0503020000020004" pitchFamily="50" charset="-127"/>
-                <a:cs typeface="Times New Roman" panose="02020603050405020304" pitchFamily="18" charset="0"/>
-              </a:rPr>
-              <a:t> 보여주고 프로시저가 끝납니다</a:t>
-            </a:r>
-            <a:r>
-              <a:rPr lang="en-US" altLang="ko-KR" sz="1800" kern="100" dirty="0">
-                <a:effectLst/>
-                <a:latin typeface="맑은 고딕" panose="020B0503020000020004" pitchFamily="50" charset="-127"/>
-                <a:ea typeface="맑은 고딕" panose="020B0503020000020004" pitchFamily="50" charset="-127"/>
-                <a:cs typeface="Times New Roman" panose="02020603050405020304" pitchFamily="18" charset="0"/>
-              </a:rPr>
-              <a:t>.</a:t>
-            </a:r>
-            <a:endParaRPr lang="ko-KR" altLang="ko-KR" sz="1800" kern="100" dirty="0">
-              <a:effectLst/>
-              <a:latin typeface="맑은 고딕" panose="020B0503020000020004" pitchFamily="50" charset="-127"/>
-              <a:ea typeface="맑은 고딕" panose="020B0503020000020004" pitchFamily="50" charset="-127"/>
-              <a:cs typeface="Times New Roman" panose="02020603050405020304" pitchFamily="18" charset="0"/>
-            </a:endParaRPr>
-          </a:p>
-          <a:p>
-            <a:pPr marL="457200" indent="-457200" algn="just" latinLnBrk="1">
-              <a:lnSpc>
-                <a:spcPct val="107000"/>
-              </a:lnSpc>
-              <a:spcAft>
-                <a:spcPts val="800"/>
-              </a:spcAft>
-            </a:pPr>
-            <a:r>
-              <a:rPr lang="ko-KR" altLang="ko-KR" sz="1800" kern="100" dirty="0">
-                <a:effectLst/>
-                <a:latin typeface="맑은 고딕" panose="020B0503020000020004" pitchFamily="50" charset="-127"/>
-                <a:ea typeface="맑은 고딕" panose="020B0503020000020004" pitchFamily="50" charset="-127"/>
-                <a:cs typeface="Times New Roman" panose="02020603050405020304" pitchFamily="18" charset="0"/>
-              </a:rPr>
-              <a:t>반대로 현재 </a:t>
-            </a:r>
-            <a:r>
-              <a:rPr lang="ko-KR" altLang="ko-KR" sz="1800" kern="100" dirty="0" err="1">
-                <a:effectLst/>
-                <a:latin typeface="맑은 고딕" panose="020B0503020000020004" pitchFamily="50" charset="-127"/>
-                <a:ea typeface="맑은 고딕" panose="020B0503020000020004" pitchFamily="50" charset="-127"/>
-                <a:cs typeface="Times New Roman" panose="02020603050405020304" pitchFamily="18" charset="0"/>
-              </a:rPr>
-              <a:t>잔여량이</a:t>
-            </a:r>
-            <a:r>
-              <a:rPr lang="ko-KR" altLang="ko-KR" sz="1800" kern="100" dirty="0">
-                <a:effectLst/>
-                <a:latin typeface="맑은 고딕" panose="020B0503020000020004" pitchFamily="50" charset="-127"/>
-                <a:ea typeface="맑은 고딕" panose="020B0503020000020004" pitchFamily="50" charset="-127"/>
-                <a:cs typeface="Times New Roman" panose="02020603050405020304" pitchFamily="18" charset="0"/>
-              </a:rPr>
-              <a:t> 부족하지 않은 경우에는 현재 </a:t>
-            </a:r>
-            <a:r>
-              <a:rPr lang="ko-KR" altLang="ko-KR" sz="1800" kern="100" dirty="0" err="1">
-                <a:effectLst/>
-                <a:latin typeface="맑은 고딕" panose="020B0503020000020004" pitchFamily="50" charset="-127"/>
-                <a:ea typeface="맑은 고딕" panose="020B0503020000020004" pitchFamily="50" charset="-127"/>
-                <a:cs typeface="Times New Roman" panose="02020603050405020304" pitchFamily="18" charset="0"/>
-              </a:rPr>
-              <a:t>잔여량만</a:t>
-            </a:r>
-            <a:r>
-              <a:rPr lang="ko-KR" altLang="ko-KR" sz="1800" kern="100" dirty="0">
-                <a:effectLst/>
-                <a:latin typeface="맑은 고딕" panose="020B0503020000020004" pitchFamily="50" charset="-127"/>
-                <a:ea typeface="맑은 고딕" panose="020B0503020000020004" pitchFamily="50" charset="-127"/>
-                <a:cs typeface="Times New Roman" panose="02020603050405020304" pitchFamily="18" charset="0"/>
-              </a:rPr>
-              <a:t> 보여주고 프로시저는 끝나게 됩니다</a:t>
-            </a:r>
-            <a:r>
-              <a:rPr lang="en-US" altLang="ko-KR" sz="1800" kern="100" dirty="0">
-                <a:effectLst/>
-                <a:latin typeface="맑은 고딕" panose="020B0503020000020004" pitchFamily="50" charset="-127"/>
+            <a:br>
+              <a:rPr lang="en-US" altLang="ko-KR" sz="1800" dirty="0">
+                <a:effectLst/>
+                <a:ea typeface="맑은 고딕" panose="020B0503020000020004" pitchFamily="50" charset="-127"/>
+                <a:cs typeface="Times New Roman" panose="02020603050405020304" pitchFamily="18" charset="0"/>
+              </a:rPr>
+            </a:br>
+            <a:r>
+              <a:rPr lang="ko-KR" altLang="ko-KR" sz="1800" dirty="0">
+                <a:effectLst/>
+                <a:ea typeface="맑은 고딕" panose="020B0503020000020004" pitchFamily="50" charset="-127"/>
+                <a:cs typeface="Times New Roman" panose="02020603050405020304" pitchFamily="18" charset="0"/>
+              </a:rPr>
+              <a:t>즉 이 시퀀스 다이어그램은 </a:t>
+            </a:r>
+            <a:br>
+              <a:rPr lang="en-US" altLang="ko-KR" sz="1800" dirty="0">
+                <a:effectLst/>
+                <a:ea typeface="맑은 고딕" panose="020B0503020000020004" pitchFamily="50" charset="-127"/>
+                <a:cs typeface="Times New Roman" panose="02020603050405020304" pitchFamily="18" charset="0"/>
+              </a:rPr>
+            </a:br>
+            <a:r>
+              <a:rPr lang="ko-KR" altLang="ko-KR" sz="1800" dirty="0">
+                <a:effectLst/>
+                <a:ea typeface="맑은 고딕" panose="020B0503020000020004" pitchFamily="50" charset="-127"/>
+                <a:cs typeface="Times New Roman" panose="02020603050405020304" pitchFamily="18" charset="0"/>
+              </a:rPr>
+              <a:t>손소독제를 많은 사람들이 사용해 없어진 상태에서 관리자에게 알림을 보내는 경우와</a:t>
+            </a:r>
+            <a:r>
+              <a:rPr lang="en-US" altLang="ko-KR" sz="1800" dirty="0">
+                <a:effectLst/>
+                <a:ea typeface="맑은 고딕" panose="020B0503020000020004" pitchFamily="50" charset="-127"/>
+                <a:cs typeface="Times New Roman" panose="02020603050405020304" pitchFamily="18" charset="0"/>
+              </a:rPr>
+              <a:t>, </a:t>
+            </a:r>
+            <a:br>
+              <a:rPr lang="en-US" altLang="ko-KR" sz="1800" dirty="0">
+                <a:effectLst/>
+                <a:ea typeface="맑은 고딕" panose="020B0503020000020004" pitchFamily="50" charset="-127"/>
+                <a:cs typeface="Times New Roman" panose="02020603050405020304" pitchFamily="18" charset="0"/>
+              </a:rPr>
+            </a:br>
+            <a:r>
+              <a:rPr lang="ko-KR" altLang="ko-KR" sz="1800" dirty="0">
+                <a:effectLst/>
+                <a:ea typeface="맑은 고딕" panose="020B0503020000020004" pitchFamily="50" charset="-127"/>
+                <a:cs typeface="Times New Roman" panose="02020603050405020304" pitchFamily="18" charset="0"/>
+              </a:rPr>
+              <a:t>아직 손소독제가 남아 있어 관리자에게 현황만을 알려주는 이 두 가지 경우를 </a:t>
+            </a:r>
+            <a:br>
+              <a:rPr lang="en-US" altLang="ko-KR" sz="1800" dirty="0">
+                <a:effectLst/>
+                <a:ea typeface="맑은 고딕" panose="020B0503020000020004" pitchFamily="50" charset="-127"/>
+                <a:cs typeface="Times New Roman" panose="02020603050405020304" pitchFamily="18" charset="0"/>
+              </a:rPr>
+            </a:br>
+            <a:r>
+              <a:rPr lang="ko-KR" altLang="ko-KR" sz="1800" dirty="0">
+                <a:effectLst/>
+                <a:ea typeface="맑은 고딕" panose="020B0503020000020004" pitchFamily="50" charset="-127"/>
+                <a:cs typeface="Times New Roman" panose="02020603050405020304" pitchFamily="18" charset="0"/>
+              </a:rPr>
+              <a:t>개발하는 입장에서 어떤 순서로 어떤 객체들이 어떻게 상호작용 하는지를 보여 드리기 위해</a:t>
+            </a:r>
+            <a:br>
+              <a:rPr lang="en-US" altLang="ko-KR" sz="1800" dirty="0">
+                <a:effectLst/>
+                <a:ea typeface="맑은 고딕" panose="020B0503020000020004" pitchFamily="50" charset="-127"/>
+                <a:cs typeface="Times New Roman" panose="02020603050405020304" pitchFamily="18" charset="0"/>
+              </a:rPr>
+            </a:br>
+            <a:r>
+              <a:rPr lang="ko-KR" altLang="ko-KR" sz="1800" dirty="0">
+                <a:effectLst/>
+                <a:ea typeface="맑은 고딕" panose="020B0503020000020004" pitchFamily="50" charset="-127"/>
+                <a:cs typeface="Times New Roman" panose="02020603050405020304" pitchFamily="18" charset="0"/>
+              </a:rPr>
+              <a:t>그린 구조입니다</a:t>
+            </a:r>
+            <a:r>
+              <a:rPr lang="en-US" altLang="ko-KR" sz="1800" dirty="0">
+                <a:effectLst/>
                 <a:ea typeface="맑은 고딕" panose="020B0503020000020004" pitchFamily="50" charset="-127"/>
                 <a:cs typeface="Times New Roman" panose="02020603050405020304" pitchFamily="18" charset="0"/>
               </a:rPr>
@@ -3631,7 +4155,7 @@
           <a:bodyPr/>
           <a:lstStyle/>
           <a:p>
-            <a:pPr algn="just" latinLnBrk="1">
+            <a:pPr algn="l" latinLnBrk="1">
               <a:lnSpc>
                 <a:spcPct val="107000"/>
               </a:lnSpc>
@@ -3640,59 +4164,391 @@
               </a:spcAft>
             </a:pPr>
             <a:r>
-              <a:rPr lang="ko-KR" altLang="en-US" sz="1800" kern="100" dirty="0">
-                <a:effectLst/>
-                <a:latin typeface="맑은 고딕" panose="020B0503020000020004" pitchFamily="50" charset="-127"/>
-                <a:ea typeface="맑은 고딕" panose="020B0503020000020004" pitchFamily="50" charset="-127"/>
-                <a:cs typeface="Times New Roman" panose="02020603050405020304" pitchFamily="18" charset="0"/>
-              </a:rPr>
-              <a:t>지금까지의 과정을 한 다이어그램을 표현하면</a:t>
-            </a:r>
-            <a:r>
-              <a:rPr lang="en-US" altLang="ko-KR" sz="1800" kern="100" dirty="0">
-                <a:effectLst/>
-                <a:latin typeface="맑은 고딕" panose="020B0503020000020004" pitchFamily="50" charset="-127"/>
-                <a:ea typeface="맑은 고딕" panose="020B0503020000020004" pitchFamily="50" charset="-127"/>
-                <a:cs typeface="Times New Roman" panose="02020603050405020304" pitchFamily="18" charset="0"/>
-              </a:rPr>
-              <a:t> </a:t>
-            </a:r>
-            <a:r>
-              <a:rPr lang="ko-KR" altLang="en-US" sz="1800" kern="100" dirty="0">
-                <a:effectLst/>
-                <a:latin typeface="맑은 고딕" panose="020B0503020000020004" pitchFamily="50" charset="-127"/>
-                <a:ea typeface="맑은 고딕" panose="020B0503020000020004" pitchFamily="50" charset="-127"/>
-                <a:cs typeface="Times New Roman" panose="02020603050405020304" pitchFamily="18" charset="0"/>
-              </a:rPr>
-              <a:t>이와 같은 </a:t>
-            </a:r>
-            <a:r>
-              <a:rPr lang="en-US" altLang="ko-KR" sz="1800" kern="100" dirty="0">
-                <a:effectLst/>
-                <a:latin typeface="맑은 고딕" panose="020B0503020000020004" pitchFamily="50" charset="-127"/>
-                <a:ea typeface="맑은 고딕" panose="020B0503020000020004" pitchFamily="50" charset="-127"/>
-                <a:cs typeface="Times New Roman" panose="02020603050405020304" pitchFamily="18" charset="0"/>
-              </a:rPr>
-              <a:t>flow</a:t>
-            </a:r>
-            <a:r>
-              <a:rPr lang="ko-KR" altLang="en-US" sz="1800" kern="100" dirty="0">
-                <a:effectLst/>
-                <a:latin typeface="맑은 고딕" panose="020B0503020000020004" pitchFamily="50" charset="-127"/>
+              <a:rPr lang="ko-KR" altLang="ko-KR" sz="1800" dirty="0">
+                <a:effectLst/>
+                <a:ea typeface="맑은 고딕" panose="020B0503020000020004" pitchFamily="50" charset="-127"/>
+                <a:cs typeface="Times New Roman" panose="02020603050405020304" pitchFamily="18" charset="0"/>
+              </a:rPr>
+              <a:t>지금까지의 과정을 한 다이어그램으로 표현하면 이와 같은</a:t>
+            </a:r>
+            <a:r>
+              <a:rPr lang="en-US" altLang="ko-KR" sz="1800" dirty="0">
+                <a:effectLst/>
+                <a:ea typeface="맑은 고딕" panose="020B0503020000020004" pitchFamily="50" charset="-127"/>
+                <a:cs typeface="Times New Roman" panose="02020603050405020304" pitchFamily="18" charset="0"/>
+              </a:rPr>
+              <a:t> flow</a:t>
+            </a:r>
+            <a:r>
+              <a:rPr lang="ko-KR" altLang="ko-KR" sz="1800" dirty="0">
+                <a:effectLst/>
                 <a:ea typeface="맑은 고딕" panose="020B0503020000020004" pitchFamily="50" charset="-127"/>
                 <a:cs typeface="Times New Roman" panose="02020603050405020304" pitchFamily="18" charset="0"/>
               </a:rPr>
               <a:t>를 갖게 됩니다</a:t>
             </a:r>
             <a:r>
-              <a:rPr lang="en-US" altLang="ko-KR" sz="1800" kern="100" dirty="0">
-                <a:effectLst/>
-                <a:latin typeface="맑은 고딕" panose="020B0503020000020004" pitchFamily="50" charset="-127"/>
+              <a:rPr lang="en-US" altLang="ko-KR" sz="1800" dirty="0">
+                <a:effectLst/>
+                <a:ea typeface="맑은 고딕" panose="020B0503020000020004" pitchFamily="50" charset="-127"/>
+                <a:cs typeface="Times New Roman" panose="02020603050405020304" pitchFamily="18" charset="0"/>
+              </a:rPr>
+              <a:t>. </a:t>
+            </a:r>
+            <a:br>
+              <a:rPr lang="en-US" altLang="ko-KR" sz="1800" dirty="0">
+                <a:effectLst/>
+                <a:ea typeface="맑은 고딕" panose="020B0503020000020004" pitchFamily="50" charset="-127"/>
+                <a:cs typeface="Times New Roman" panose="02020603050405020304" pitchFamily="18" charset="0"/>
+              </a:rPr>
+            </a:br>
+            <a:r>
+              <a:rPr lang="ko-KR" altLang="ko-KR" sz="1800" dirty="0">
+                <a:effectLst/>
+                <a:ea typeface="맑은 고딕" panose="020B0503020000020004" pitchFamily="50" charset="-127"/>
+                <a:cs typeface="Times New Roman" panose="02020603050405020304" pitchFamily="18" charset="0"/>
+              </a:rPr>
+              <a:t>관리자 입장에서 이 서비스가 어떻게 사용되는지를 설명해 드리면</a:t>
+            </a:r>
+            <a:r>
+              <a:rPr lang="en-US" altLang="ko-KR" sz="1800" dirty="0">
+                <a:effectLst/>
+                <a:ea typeface="맑은 고딕" panose="020B0503020000020004" pitchFamily="50" charset="-127"/>
+                <a:cs typeface="Times New Roman" panose="02020603050405020304" pitchFamily="18" charset="0"/>
+              </a:rPr>
+              <a:t>,</a:t>
+            </a:r>
+            <a:br>
+              <a:rPr lang="en-US" altLang="ko-KR" sz="1800" dirty="0">
+                <a:effectLst/>
+                <a:ea typeface="맑은 고딕" panose="020B0503020000020004" pitchFamily="50" charset="-127"/>
+                <a:cs typeface="Times New Roman" panose="02020603050405020304" pitchFamily="18" charset="0"/>
+              </a:rPr>
+            </a:br>
+            <a:r>
+              <a:rPr lang="ko-KR" altLang="ko-KR" sz="1800" dirty="0">
+                <a:effectLst/>
+                <a:ea typeface="맑은 고딕" panose="020B0503020000020004" pitchFamily="50" charset="-127"/>
+                <a:cs typeface="Times New Roman" panose="02020603050405020304" pitchFamily="18" charset="0"/>
+              </a:rPr>
+              <a:t>손소독제의 첫 설치 및 설정 이후에</a:t>
+            </a:r>
+            <a:r>
+              <a:rPr lang="en-US" altLang="ko-KR" sz="1800" dirty="0">
+                <a:effectLst/>
+                <a:ea typeface="맑은 고딕" panose="020B0503020000020004" pitchFamily="50" charset="-127"/>
+                <a:cs typeface="Times New Roman" panose="02020603050405020304" pitchFamily="18" charset="0"/>
+              </a:rPr>
+              <a:t>, </a:t>
+            </a:r>
+            <a:r>
+              <a:rPr lang="ko-KR" altLang="ko-KR" sz="1800" dirty="0">
+                <a:effectLst/>
+                <a:ea typeface="맑은 고딕" panose="020B0503020000020004" pitchFamily="50" charset="-127"/>
+                <a:cs typeface="Times New Roman" panose="02020603050405020304" pitchFamily="18" charset="0"/>
+              </a:rPr>
+              <a:t>임의의 이용자가 손소독제를 사용하게 되면 </a:t>
+            </a:r>
+            <a:br>
+              <a:rPr lang="en-US" altLang="ko-KR" sz="1800" dirty="0">
+                <a:effectLst/>
+                <a:ea typeface="맑은 고딕" panose="020B0503020000020004" pitchFamily="50" charset="-127"/>
+                <a:cs typeface="Times New Roman" panose="02020603050405020304" pitchFamily="18" charset="0"/>
+              </a:rPr>
+            </a:br>
+            <a:r>
+              <a:rPr lang="ko-KR" altLang="ko-KR" sz="1800" dirty="0">
+                <a:effectLst/>
+                <a:ea typeface="맑은 고딕" panose="020B0503020000020004" pitchFamily="50" charset="-127"/>
+                <a:cs typeface="Times New Roman" panose="02020603050405020304" pitchFamily="18" charset="0"/>
+              </a:rPr>
+              <a:t>해당 데이터가 업데이트 됩니다</a:t>
+            </a:r>
+            <a:r>
+              <a:rPr lang="en-US" altLang="ko-KR" sz="1800" dirty="0">
+                <a:effectLst/>
                 <a:ea typeface="맑은 고딕" panose="020B0503020000020004" pitchFamily="50" charset="-127"/>
                 <a:cs typeface="Times New Roman" panose="02020603050405020304" pitchFamily="18" charset="0"/>
               </a:rPr>
               <a:t>.</a:t>
             </a:r>
+            <a:br>
+              <a:rPr lang="en-US" altLang="ko-KR" sz="1800" dirty="0">
+                <a:effectLst/>
+                <a:ea typeface="맑은 고딕" panose="020B0503020000020004" pitchFamily="50" charset="-127"/>
+                <a:cs typeface="Times New Roman" panose="02020603050405020304" pitchFamily="18" charset="0"/>
+              </a:rPr>
+            </a:br>
+            <a:r>
+              <a:rPr lang="ko-KR" altLang="ko-KR" sz="1800" dirty="0">
+                <a:effectLst/>
+                <a:ea typeface="맑은 고딕" panose="020B0503020000020004" pitchFamily="50" charset="-127"/>
+                <a:cs typeface="Times New Roman" panose="02020603050405020304" pitchFamily="18" charset="0"/>
+              </a:rPr>
+              <a:t>업데이트는 일정 시간마다 수시로 이루어지고</a:t>
+            </a:r>
+            <a:r>
+              <a:rPr lang="en-US" altLang="ko-KR" sz="1800" dirty="0">
+                <a:effectLst/>
+                <a:ea typeface="맑은 고딕" panose="020B0503020000020004" pitchFamily="50" charset="-127"/>
+                <a:cs typeface="Times New Roman" panose="02020603050405020304" pitchFamily="18" charset="0"/>
+              </a:rPr>
+              <a:t>, </a:t>
+            </a:r>
+            <a:r>
+              <a:rPr lang="ko-KR" altLang="ko-KR" sz="1800" dirty="0">
+                <a:effectLst/>
+                <a:ea typeface="맑은 고딕" panose="020B0503020000020004" pitchFamily="50" charset="-127"/>
+                <a:cs typeface="Times New Roman" panose="02020603050405020304" pitchFamily="18" charset="0"/>
+              </a:rPr>
+              <a:t>잔량이</a:t>
+            </a:r>
+            <a:r>
+              <a:rPr lang="en-US" altLang="ko-KR" sz="1800" dirty="0">
+                <a:effectLst/>
+                <a:ea typeface="맑은 고딕" panose="020B0503020000020004" pitchFamily="50" charset="-127"/>
+                <a:cs typeface="Times New Roman" panose="02020603050405020304" pitchFamily="18" charset="0"/>
+              </a:rPr>
+              <a:t> 10% </a:t>
+            </a:r>
+            <a:r>
+              <a:rPr lang="ko-KR" altLang="ko-KR" sz="1800" dirty="0">
+                <a:effectLst/>
+                <a:ea typeface="맑은 고딕" panose="020B0503020000020004" pitchFamily="50" charset="-127"/>
+                <a:cs typeface="Times New Roman" panose="02020603050405020304" pitchFamily="18" charset="0"/>
+              </a:rPr>
+              <a:t>이하일 경우 </a:t>
+            </a:r>
+            <a:br>
+              <a:rPr lang="en-US" altLang="ko-KR" sz="1800" dirty="0">
+                <a:effectLst/>
+                <a:ea typeface="맑은 고딕" panose="020B0503020000020004" pitchFamily="50" charset="-127"/>
+                <a:cs typeface="Times New Roman" panose="02020603050405020304" pitchFamily="18" charset="0"/>
+              </a:rPr>
+            </a:br>
+            <a:r>
+              <a:rPr lang="ko-KR" altLang="ko-KR" sz="1800" dirty="0">
+                <a:effectLst/>
+                <a:ea typeface="맑은 고딕" panose="020B0503020000020004" pitchFamily="50" charset="-127"/>
+                <a:cs typeface="Times New Roman" panose="02020603050405020304" pitchFamily="18" charset="0"/>
+              </a:rPr>
+              <a:t>관리자에게 앱을 통해 알림이 갑니다</a:t>
+            </a:r>
+            <a:r>
+              <a:rPr lang="en-US" altLang="ko-KR" sz="1800" dirty="0">
+                <a:effectLst/>
+                <a:ea typeface="맑은 고딕" panose="020B0503020000020004" pitchFamily="50" charset="-127"/>
+                <a:cs typeface="Times New Roman" panose="02020603050405020304" pitchFamily="18" charset="0"/>
+              </a:rPr>
+              <a:t>.</a:t>
+            </a:r>
+            <a:br>
+              <a:rPr lang="en-US" altLang="ko-KR" sz="1800" dirty="0">
+                <a:effectLst/>
+                <a:ea typeface="맑은 고딕" panose="020B0503020000020004" pitchFamily="50" charset="-127"/>
+                <a:cs typeface="Times New Roman" panose="02020603050405020304" pitchFamily="18" charset="0"/>
+              </a:rPr>
+            </a:br>
+            <a:r>
+              <a:rPr lang="ko-KR" altLang="ko-KR" sz="1800" dirty="0">
+                <a:effectLst/>
+                <a:ea typeface="맑은 고딕" panose="020B0503020000020004" pitchFamily="50" charset="-127"/>
+                <a:cs typeface="Times New Roman" panose="02020603050405020304" pitchFamily="18" charset="0"/>
+              </a:rPr>
+              <a:t>알림을 받은 관리자는 손소독제 내용물을 채우고</a:t>
+            </a:r>
+            <a:r>
+              <a:rPr lang="en-US" altLang="ko-KR" sz="1800" dirty="0">
+                <a:effectLst/>
+                <a:ea typeface="맑은 고딕" panose="020B0503020000020004" pitchFamily="50" charset="-127"/>
+                <a:cs typeface="Times New Roman" panose="02020603050405020304" pitchFamily="18" charset="0"/>
+              </a:rPr>
+              <a:t>, </a:t>
+            </a:r>
+            <a:br>
+              <a:rPr lang="en-US" altLang="ko-KR" sz="1800" dirty="0">
+                <a:effectLst/>
+                <a:ea typeface="맑은 고딕" panose="020B0503020000020004" pitchFamily="50" charset="-127"/>
+                <a:cs typeface="Times New Roman" panose="02020603050405020304" pitchFamily="18" charset="0"/>
+              </a:rPr>
+            </a:br>
+            <a:r>
+              <a:rPr lang="ko-KR" altLang="ko-KR" sz="1800" dirty="0">
+                <a:effectLst/>
+                <a:ea typeface="맑은 고딕" panose="020B0503020000020004" pitchFamily="50" charset="-127"/>
+                <a:cs typeface="Times New Roman" panose="02020603050405020304" pitchFamily="18" charset="0"/>
+              </a:rPr>
+              <a:t>다시 이용자들은 손소독제를 사용할 수 있게 됩니다</a:t>
+            </a:r>
+            <a:r>
+              <a:rPr lang="en-US" altLang="ko-KR" sz="1800" dirty="0">
+                <a:effectLst/>
+                <a:ea typeface="맑은 고딕" panose="020B0503020000020004" pitchFamily="50" charset="-127"/>
+                <a:cs typeface="Times New Roman" panose="02020603050405020304" pitchFamily="18" charset="0"/>
+              </a:rPr>
+              <a:t>.</a:t>
+            </a:r>
+            <a:br>
+              <a:rPr lang="en-US" altLang="ko-KR" sz="1800" dirty="0">
+                <a:effectLst/>
+                <a:ea typeface="맑은 고딕" panose="020B0503020000020004" pitchFamily="50" charset="-127"/>
+                <a:cs typeface="Times New Roman" panose="02020603050405020304" pitchFamily="18" charset="0"/>
+              </a:rPr>
+            </a:br>
+            <a:r>
+              <a:rPr lang="ko-KR" altLang="ko-KR" sz="1800" dirty="0">
+                <a:effectLst/>
+                <a:ea typeface="맑은 고딕" panose="020B0503020000020004" pitchFamily="50" charset="-127"/>
+                <a:cs typeface="Times New Roman" panose="02020603050405020304" pitchFamily="18" charset="0"/>
+              </a:rPr>
+              <a:t>저희가 부가적인 기능으로 구현하고자 하는 인구 혼잡도는 이 다이어그램과 같이 </a:t>
+            </a:r>
+            <a:br>
+              <a:rPr lang="en-US" altLang="ko-KR" sz="1800" dirty="0">
+                <a:effectLst/>
+                <a:ea typeface="맑은 고딕" panose="020B0503020000020004" pitchFamily="50" charset="-127"/>
+                <a:cs typeface="Times New Roman" panose="02020603050405020304" pitchFamily="18" charset="0"/>
+              </a:rPr>
+            </a:br>
+            <a:r>
+              <a:rPr lang="ko-KR" altLang="ko-KR" sz="1800" dirty="0">
+                <a:effectLst/>
+                <a:ea typeface="맑은 고딕" panose="020B0503020000020004" pitchFamily="50" charset="-127"/>
+                <a:cs typeface="Times New Roman" panose="02020603050405020304" pitchFamily="18" charset="0"/>
+              </a:rPr>
+              <a:t>소모되는 속도를 기반으로 파악될 예정입니다</a:t>
+            </a:r>
+            <a:r>
+              <a:rPr lang="en-US" altLang="ko-KR" sz="1800" dirty="0">
+                <a:effectLst/>
+                <a:ea typeface="맑은 고딕" panose="020B0503020000020004" pitchFamily="50" charset="-127"/>
+                <a:cs typeface="Times New Roman" panose="02020603050405020304" pitchFamily="18" charset="0"/>
+              </a:rPr>
+              <a:t>.</a:t>
+            </a:r>
+            <a:br>
+              <a:rPr lang="en-US" altLang="ko-KR" sz="1800" dirty="0">
+                <a:effectLst/>
+                <a:ea typeface="맑은 고딕" panose="020B0503020000020004" pitchFamily="50" charset="-127"/>
+                <a:cs typeface="Times New Roman" panose="02020603050405020304" pitchFamily="18" charset="0"/>
+              </a:rPr>
+            </a:br>
+            <a:r>
+              <a:rPr lang="ko-KR" altLang="ko-KR" sz="1800" dirty="0">
+                <a:effectLst/>
+                <a:ea typeface="맑은 고딕" panose="020B0503020000020004" pitchFamily="50" charset="-127"/>
+                <a:cs typeface="Times New Roman" panose="02020603050405020304" pitchFamily="18" charset="0"/>
+              </a:rPr>
+              <a:t>만약 실제 혼잡도가 예상했던 혼잡도보다 적다면</a:t>
+            </a:r>
+            <a:r>
+              <a:rPr lang="en-US" altLang="ko-KR" sz="1800" dirty="0">
+                <a:effectLst/>
+                <a:ea typeface="맑은 고딕" panose="020B0503020000020004" pitchFamily="50" charset="-127"/>
+                <a:cs typeface="Times New Roman" panose="02020603050405020304" pitchFamily="18" charset="0"/>
+              </a:rPr>
+              <a:t>, </a:t>
+            </a:r>
+            <a:r>
+              <a:rPr lang="ko-KR" altLang="ko-KR" sz="1800" dirty="0">
+                <a:effectLst/>
+                <a:ea typeface="맑은 고딕" panose="020B0503020000020004" pitchFamily="50" charset="-127"/>
+                <a:cs typeface="Times New Roman" panose="02020603050405020304" pitchFamily="18" charset="0"/>
+              </a:rPr>
+              <a:t>손소독제의 용량은 기존의 것보다 작아도 되는 상황일 것이고</a:t>
+            </a:r>
+            <a:r>
+              <a:rPr lang="en-US" altLang="ko-KR" sz="1800" dirty="0">
+                <a:effectLst/>
+                <a:ea typeface="맑은 고딕" panose="020B0503020000020004" pitchFamily="50" charset="-127"/>
+                <a:cs typeface="Times New Roman" panose="02020603050405020304" pitchFamily="18" charset="0"/>
+              </a:rPr>
+              <a:t>,</a:t>
+            </a:r>
+            <a:br>
+              <a:rPr lang="en-US" altLang="ko-KR" sz="1800" dirty="0">
+                <a:effectLst/>
+                <a:ea typeface="맑은 고딕" panose="020B0503020000020004" pitchFamily="50" charset="-127"/>
+                <a:cs typeface="Times New Roman" panose="02020603050405020304" pitchFamily="18" charset="0"/>
+              </a:rPr>
+            </a:br>
+            <a:r>
+              <a:rPr lang="ko-KR" altLang="ko-KR" sz="1800" dirty="0">
+                <a:effectLst/>
+                <a:ea typeface="맑은 고딕" panose="020B0503020000020004" pitchFamily="50" charset="-127"/>
+                <a:cs typeface="Times New Roman" panose="02020603050405020304" pitchFamily="18" charset="0"/>
+              </a:rPr>
+              <a:t>반대로 실제 혼잡도가 예상했던 혼잡도보다 크다면</a:t>
+            </a:r>
+            <a:r>
+              <a:rPr lang="en-US" altLang="ko-KR" sz="1800" dirty="0">
+                <a:effectLst/>
+                <a:ea typeface="맑은 고딕" panose="020B0503020000020004" pitchFamily="50" charset="-127"/>
+                <a:cs typeface="Times New Roman" panose="02020603050405020304" pitchFamily="18" charset="0"/>
+              </a:rPr>
+              <a:t>, </a:t>
+            </a:r>
+            <a:r>
+              <a:rPr lang="ko-KR" altLang="ko-KR" sz="1800" dirty="0">
+                <a:effectLst/>
+                <a:ea typeface="맑은 고딕" panose="020B0503020000020004" pitchFamily="50" charset="-127"/>
+                <a:cs typeface="Times New Roman" panose="02020603050405020304" pitchFamily="18" charset="0"/>
+              </a:rPr>
+              <a:t>손소독제를 더 큰 용량으로 교체하는 것이 관리자에게 도움이 될 수 있습니다</a:t>
+            </a:r>
+            <a:r>
+              <a:rPr lang="en-US" altLang="ko-KR" sz="1800" dirty="0">
+                <a:effectLst/>
+                <a:ea typeface="맑은 고딕" panose="020B0503020000020004" pitchFamily="50" charset="-127"/>
+                <a:cs typeface="Times New Roman" panose="02020603050405020304" pitchFamily="18" charset="0"/>
+              </a:rPr>
+              <a:t>.</a:t>
+            </a:r>
+            <a:br>
+              <a:rPr lang="en-US" altLang="ko-KR" sz="1800" dirty="0">
+                <a:effectLst/>
+                <a:ea typeface="맑은 고딕" panose="020B0503020000020004" pitchFamily="50" charset="-127"/>
+                <a:cs typeface="Times New Roman" panose="02020603050405020304" pitchFamily="18" charset="0"/>
+              </a:rPr>
+            </a:br>
+            <a:r>
+              <a:rPr lang="ko-KR" altLang="ko-KR" sz="1800" dirty="0">
+                <a:effectLst/>
+                <a:ea typeface="맑은 고딕" panose="020B0503020000020004" pitchFamily="50" charset="-127"/>
+                <a:cs typeface="Times New Roman" panose="02020603050405020304" pitchFamily="18" charset="0"/>
+              </a:rPr>
+              <a:t>이 모든 정보는 사용자가 이해하고 확인하기 쉽게 </a:t>
+            </a:r>
+            <a:r>
+              <a:rPr lang="ko-KR" altLang="ko-KR" sz="1800" dirty="0" err="1">
+                <a:effectLst/>
+                <a:ea typeface="맑은 고딕" panose="020B0503020000020004" pitchFamily="50" charset="-127"/>
+                <a:cs typeface="Times New Roman" panose="02020603050405020304" pitchFamily="18" charset="0"/>
+              </a:rPr>
+              <a:t>시각화하여</a:t>
+            </a:r>
+            <a:r>
+              <a:rPr lang="ko-KR" altLang="ko-KR" sz="1800" dirty="0">
+                <a:effectLst/>
+                <a:ea typeface="맑은 고딕" panose="020B0503020000020004" pitchFamily="50" charset="-127"/>
+                <a:cs typeface="Times New Roman" panose="02020603050405020304" pitchFamily="18" charset="0"/>
+              </a:rPr>
+              <a:t> 표현할 것입니다</a:t>
+            </a:r>
+            <a:r>
+              <a:rPr lang="en-US" altLang="ko-KR" sz="1800" dirty="0">
+                <a:effectLst/>
+                <a:ea typeface="맑은 고딕" panose="020B0503020000020004" pitchFamily="50" charset="-127"/>
+                <a:cs typeface="Times New Roman" panose="02020603050405020304" pitchFamily="18" charset="0"/>
+              </a:rPr>
+              <a:t>.</a:t>
+            </a:r>
+            <a:endParaRPr lang="en-US" altLang="ko-KR" sz="1800" kern="100" dirty="0">
+              <a:effectLst/>
+              <a:latin typeface="맑은 고딕" panose="020B0503020000020004" pitchFamily="50" charset="-127"/>
+              <a:ea typeface="맑은 고딕" panose="020B0503020000020004" pitchFamily="50" charset="-127"/>
+              <a:cs typeface="Times New Roman" panose="02020603050405020304" pitchFamily="18" charset="0"/>
+            </a:endParaRPr>
           </a:p>
         </p:txBody>
       </p:sp>
@@ -3776,7 +4632,7 @@
           <a:bodyPr/>
           <a:lstStyle/>
           <a:p>
-            <a:pPr algn="just" latinLnBrk="1">
+            <a:pPr algn="l" latinLnBrk="1">
               <a:lnSpc>
                 <a:spcPct val="107000"/>
               </a:lnSpc>
@@ -3785,51 +4641,142 @@
               </a:spcAft>
             </a:pPr>
             <a:r>
-              <a:rPr lang="ko-KR" altLang="en-US" sz="1800" kern="100" dirty="0">
-                <a:effectLst/>
-                <a:latin typeface="맑은 고딕" panose="020B0503020000020004" pitchFamily="50" charset="-127"/>
+              <a:rPr lang="ko-KR" altLang="ko-KR" sz="1800" dirty="0">
+                <a:effectLst/>
                 <a:ea typeface="맑은 고딕" panose="020B0503020000020004" pitchFamily="50" charset="-127"/>
                 <a:cs typeface="Times New Roman" panose="02020603050405020304" pitchFamily="18" charset="0"/>
               </a:rPr>
               <a:t>마지막으로 저희 프로젝트의 현재 진행 과정은 이와 같습니다</a:t>
             </a:r>
             <a:r>
-              <a:rPr lang="en-US" altLang="ko-KR" sz="1800" kern="100" dirty="0">
-                <a:effectLst/>
-                <a:latin typeface="맑은 고딕" panose="020B0503020000020004" pitchFamily="50" charset="-127"/>
+              <a:rPr lang="en-US" altLang="ko-KR" sz="1800" dirty="0">
+                <a:effectLst/>
                 <a:ea typeface="맑은 고딕" panose="020B0503020000020004" pitchFamily="50" charset="-127"/>
                 <a:cs typeface="Times New Roman" panose="02020603050405020304" pitchFamily="18" charset="0"/>
               </a:rPr>
               <a:t>.</a:t>
             </a:r>
-          </a:p>
-          <a:p>
-            <a:pPr algn="just" latinLnBrk="1">
-              <a:lnSpc>
-                <a:spcPct val="107000"/>
-              </a:lnSpc>
-              <a:spcAft>
-                <a:spcPts val="800"/>
-              </a:spcAft>
-            </a:pPr>
-            <a:r>
-              <a:rPr lang="ko-KR" altLang="en-US" sz="1800" kern="100" dirty="0">
-                <a:effectLst/>
-                <a:latin typeface="맑은 고딕" panose="020B0503020000020004" pitchFamily="50" charset="-127"/>
-                <a:ea typeface="맑은 고딕" panose="020B0503020000020004" pitchFamily="50" charset="-127"/>
-                <a:cs typeface="Times New Roman" panose="02020603050405020304" pitchFamily="18" charset="0"/>
-              </a:rPr>
-              <a:t>앞으로 데이터베이스와 서비스 플랫폼을 설계하여 이들을 원활하게 연결함으로써 저희가 목표했던 서비스를 최종 개발하는 것이 앞으로의 계획입니다</a:t>
-            </a:r>
-            <a:r>
-              <a:rPr lang="en-US" altLang="ko-KR" sz="1800" kern="100" dirty="0">
-                <a:effectLst/>
-                <a:latin typeface="맑은 고딕" panose="020B0503020000020004" pitchFamily="50" charset="-127"/>
+            <a:br>
+              <a:rPr lang="en-US" altLang="ko-KR" sz="1800" dirty="0">
+                <a:effectLst/>
+                <a:ea typeface="맑은 고딕" panose="020B0503020000020004" pitchFamily="50" charset="-127"/>
+                <a:cs typeface="Times New Roman" panose="02020603050405020304" pitchFamily="18" charset="0"/>
+              </a:rPr>
+            </a:br>
+            <a:r>
+              <a:rPr lang="ko-KR" altLang="ko-KR" sz="1800" dirty="0">
+                <a:effectLst/>
+                <a:ea typeface="맑은 고딕" panose="020B0503020000020004" pitchFamily="50" charset="-127"/>
+                <a:cs typeface="Times New Roman" panose="02020603050405020304" pitchFamily="18" charset="0"/>
+              </a:rPr>
+              <a:t>지금 진행하고 있는 디바이스 설계 단계가 잘 마무리되면</a:t>
+            </a:r>
+            <a:r>
+              <a:rPr lang="en-US" altLang="ko-KR" sz="1800" dirty="0">
+                <a:effectLst/>
+                <a:ea typeface="맑은 고딕" panose="020B0503020000020004" pitchFamily="50" charset="-127"/>
+                <a:cs typeface="Times New Roman" panose="02020603050405020304" pitchFamily="18" charset="0"/>
+              </a:rPr>
+              <a:t>,</a:t>
+            </a:r>
+            <a:br>
+              <a:rPr lang="en-US" altLang="ko-KR" sz="1800" dirty="0">
+                <a:effectLst/>
+                <a:ea typeface="맑은 고딕" panose="020B0503020000020004" pitchFamily="50" charset="-127"/>
+                <a:cs typeface="Times New Roman" panose="02020603050405020304" pitchFamily="18" charset="0"/>
+              </a:rPr>
+            </a:br>
+            <a:r>
+              <a:rPr lang="ko-KR" altLang="ko-KR" sz="1800" dirty="0">
+                <a:effectLst/>
+                <a:ea typeface="맑은 고딕" panose="020B0503020000020004" pitchFamily="50" charset="-127"/>
+                <a:cs typeface="Times New Roman" panose="02020603050405020304" pitchFamily="18" charset="0"/>
+              </a:rPr>
+              <a:t>앞으로 데이터베이스와 서비스 플랫폼을 설계하여 이들을 원활하게 연결함으로써 </a:t>
+            </a:r>
+            <a:br>
+              <a:rPr lang="en-US" altLang="ko-KR" sz="1800" dirty="0">
+                <a:effectLst/>
+                <a:ea typeface="맑은 고딕" panose="020B0503020000020004" pitchFamily="50" charset="-127"/>
+                <a:cs typeface="Times New Roman" panose="02020603050405020304" pitchFamily="18" charset="0"/>
+              </a:rPr>
+            </a:br>
+            <a:r>
+              <a:rPr lang="ko-KR" altLang="ko-KR" sz="1800" dirty="0">
+                <a:effectLst/>
+                <a:ea typeface="맑은 고딕" panose="020B0503020000020004" pitchFamily="50" charset="-127"/>
+                <a:cs typeface="Times New Roman" panose="02020603050405020304" pitchFamily="18" charset="0"/>
+              </a:rPr>
+              <a:t>저희가 목표했던 서비스를 최종 개발하는 것이 앞으로의 계획입니다</a:t>
+            </a:r>
+            <a:r>
+              <a:rPr lang="en-US" altLang="ko-KR" sz="1800" dirty="0">
+                <a:effectLst/>
                 <a:ea typeface="맑은 고딕" panose="020B0503020000020004" pitchFamily="50" charset="-127"/>
                 <a:cs typeface="Times New Roman" panose="02020603050405020304" pitchFamily="18" charset="0"/>
               </a:rPr>
               <a:t>.</a:t>
             </a:r>
+            <a:br>
+              <a:rPr lang="en-US" altLang="ko-KR" sz="1800" dirty="0">
+                <a:effectLst/>
+                <a:ea typeface="맑은 고딕" panose="020B0503020000020004" pitchFamily="50" charset="-127"/>
+                <a:cs typeface="Times New Roman" panose="02020603050405020304" pitchFamily="18" charset="0"/>
+              </a:rPr>
+            </a:br>
+            <a:r>
+              <a:rPr lang="ko-KR" altLang="ko-KR" sz="1800" dirty="0">
+                <a:effectLst/>
+                <a:ea typeface="맑은 고딕" panose="020B0503020000020004" pitchFamily="50" charset="-127"/>
+                <a:cs typeface="Times New Roman" panose="02020603050405020304" pitchFamily="18" charset="0"/>
+              </a:rPr>
+              <a:t>앞서 </a:t>
+            </a:r>
+            <a:r>
+              <a:rPr lang="ko-KR" altLang="ko-KR" sz="1800" dirty="0" err="1">
+                <a:effectLst/>
+                <a:ea typeface="맑은 고딕" panose="020B0503020000020004" pitchFamily="50" charset="-127"/>
+                <a:cs typeface="Times New Roman" panose="02020603050405020304" pitchFamily="18" charset="0"/>
+              </a:rPr>
+              <a:t>설명드렸듯이</a:t>
+            </a:r>
+            <a:r>
+              <a:rPr lang="ko-KR" altLang="ko-KR" sz="1800" dirty="0">
+                <a:effectLst/>
+                <a:ea typeface="맑은 고딕" panose="020B0503020000020004" pitchFamily="50" charset="-127"/>
+                <a:cs typeface="Times New Roman" panose="02020603050405020304" pitchFamily="18" charset="0"/>
+              </a:rPr>
+              <a:t> 저희 팀 내에서도 두 팀으로 역할 분담을 하였기 때문에</a:t>
+            </a:r>
+            <a:br>
+              <a:rPr lang="en-US" altLang="ko-KR" sz="1800" dirty="0">
+                <a:effectLst/>
+                <a:ea typeface="맑은 고딕" panose="020B0503020000020004" pitchFamily="50" charset="-127"/>
+                <a:cs typeface="Times New Roman" panose="02020603050405020304" pitchFamily="18" charset="0"/>
+              </a:rPr>
+            </a:br>
+            <a:r>
+              <a:rPr lang="ko-KR" altLang="ko-KR" sz="1800" dirty="0">
+                <a:effectLst/>
+                <a:ea typeface="맑은 고딕" panose="020B0503020000020004" pitchFamily="50" charset="-127"/>
+                <a:cs typeface="Times New Roman" panose="02020603050405020304" pitchFamily="18" charset="0"/>
+              </a:rPr>
+              <a:t>디바이스 설계를 하고 서버를 다룸과 동시에 서비스 플랫폼도 개발이 가능할 것 같습니다</a:t>
+            </a:r>
+            <a:r>
+              <a:rPr lang="en-US" altLang="ko-KR" sz="1800" dirty="0">
+                <a:effectLst/>
+                <a:ea typeface="맑은 고딕" panose="020B0503020000020004" pitchFamily="50" charset="-127"/>
+                <a:cs typeface="Times New Roman" panose="02020603050405020304" pitchFamily="18" charset="0"/>
+              </a:rPr>
+              <a:t>.</a:t>
+            </a:r>
+            <a:endParaRPr lang="en-US" altLang="ko-KR" sz="1800" kern="100" dirty="0">
+              <a:effectLst/>
+              <a:latin typeface="맑은 고딕" panose="020B0503020000020004" pitchFamily="50" charset="-127"/>
+              <a:ea typeface="맑은 고딕" panose="020B0503020000020004" pitchFamily="50" charset="-127"/>
+              <a:cs typeface="Times New Roman" panose="02020603050405020304" pitchFamily="18" charset="0"/>
+            </a:endParaRPr>
           </a:p>
         </p:txBody>
       </p:sp>
@@ -3922,69 +4869,59 @@
               </a:spcAft>
             </a:pPr>
             <a:r>
-              <a:rPr lang="ko-KR" altLang="en-US" sz="1800" kern="100" dirty="0">
-                <a:effectLst/>
-                <a:latin typeface="맑은 고딕" panose="020B0503020000020004" pitchFamily="50" charset="-127"/>
-                <a:ea typeface="맑은 고딕" panose="020B0503020000020004" pitchFamily="50" charset="-127"/>
-                <a:cs typeface="Times New Roman" panose="02020603050405020304" pitchFamily="18" charset="0"/>
-              </a:rPr>
-              <a:t>지금까지 </a:t>
-            </a:r>
-            <a:r>
-              <a:rPr lang="en-US" altLang="ko-KR" sz="1800" kern="100" dirty="0">
-                <a:effectLst/>
-                <a:latin typeface="맑은 고딕" panose="020B0503020000020004" pitchFamily="50" charset="-127"/>
-                <a:ea typeface="맑은 고딕" panose="020B0503020000020004" pitchFamily="50" charset="-127"/>
-                <a:cs typeface="Times New Roman" panose="02020603050405020304" pitchFamily="18" charset="0"/>
-              </a:rPr>
-              <a:t>Team 1</a:t>
-            </a:r>
-            <a:r>
-              <a:rPr lang="ko-KR" altLang="en-US" sz="1800" kern="100" dirty="0">
-                <a:effectLst/>
-                <a:latin typeface="맑은 고딕" panose="020B0503020000020004" pitchFamily="50" charset="-127"/>
+              <a:rPr lang="ko-KR" altLang="ko-KR" sz="1800" dirty="0">
+                <a:effectLst/>
+                <a:ea typeface="맑은 고딕" panose="020B0503020000020004" pitchFamily="50" charset="-127"/>
+                <a:cs typeface="Times New Roman" panose="02020603050405020304" pitchFamily="18" charset="0"/>
+              </a:rPr>
+              <a:t>이로써</a:t>
+            </a:r>
+            <a:r>
+              <a:rPr lang="en-US" altLang="ko-KR" sz="1800" dirty="0">
+                <a:effectLst/>
+                <a:ea typeface="맑은 고딕" panose="020B0503020000020004" pitchFamily="50" charset="-127"/>
+                <a:cs typeface="Times New Roman" panose="02020603050405020304" pitchFamily="18" charset="0"/>
+              </a:rPr>
+              <a:t> Team 1</a:t>
+            </a:r>
+            <a:r>
+              <a:rPr lang="ko-KR" altLang="ko-KR" sz="1800" dirty="0">
+                <a:effectLst/>
                 <a:ea typeface="맑은 고딕" panose="020B0503020000020004" pitchFamily="50" charset="-127"/>
                 <a:cs typeface="Times New Roman" panose="02020603050405020304" pitchFamily="18" charset="0"/>
               </a:rPr>
               <a:t>의 중간 발표 마치겠습니다</a:t>
             </a:r>
             <a:r>
-              <a:rPr lang="en-US" altLang="ko-KR" sz="1800" kern="100" dirty="0">
-                <a:effectLst/>
-                <a:latin typeface="맑은 고딕" panose="020B0503020000020004" pitchFamily="50" charset="-127"/>
+              <a:rPr lang="en-US" altLang="ko-KR" sz="1800" dirty="0">
+                <a:effectLst/>
+                <a:ea typeface="맑은 고딕" panose="020B0503020000020004" pitchFamily="50" charset="-127"/>
+                <a:cs typeface="Times New Roman" panose="02020603050405020304" pitchFamily="18" charset="0"/>
+              </a:rPr>
+              <a:t>. </a:t>
+            </a:r>
+            <a:r>
+              <a:rPr lang="ko-KR" altLang="ko-KR" sz="1800" dirty="0">
+                <a:effectLst/>
+                <a:ea typeface="맑은 고딕" panose="020B0503020000020004" pitchFamily="50" charset="-127"/>
+                <a:cs typeface="Times New Roman" panose="02020603050405020304" pitchFamily="18" charset="0"/>
+              </a:rPr>
+              <a:t>감사합니다</a:t>
+            </a:r>
+            <a:r>
+              <a:rPr lang="en-US" altLang="ko-KR" sz="1800" dirty="0">
+                <a:effectLst/>
                 <a:ea typeface="맑은 고딕" panose="020B0503020000020004" pitchFamily="50" charset="-127"/>
                 <a:cs typeface="Times New Roman" panose="02020603050405020304" pitchFamily="18" charset="0"/>
               </a:rPr>
               <a:t>.</a:t>
             </a:r>
-          </a:p>
-          <a:p>
-            <a:pPr algn="just" latinLnBrk="1">
-              <a:lnSpc>
-                <a:spcPct val="107000"/>
-              </a:lnSpc>
-              <a:spcAft>
-                <a:spcPts val="800"/>
-              </a:spcAft>
-            </a:pPr>
-            <a:r>
-              <a:rPr lang="ko-KR" altLang="en-US" sz="1800" kern="100" dirty="0">
-                <a:effectLst/>
-                <a:latin typeface="맑은 고딕" panose="020B0503020000020004" pitchFamily="50" charset="-127"/>
-                <a:ea typeface="맑은 고딕" panose="020B0503020000020004" pitchFamily="50" charset="-127"/>
-                <a:cs typeface="Times New Roman" panose="02020603050405020304" pitchFamily="18" charset="0"/>
-              </a:rPr>
-              <a:t>감사합니다</a:t>
-            </a:r>
-            <a:r>
-              <a:rPr lang="en-US" altLang="ko-KR" sz="1800" kern="100" dirty="0">
-                <a:effectLst/>
-                <a:latin typeface="맑은 고딕" panose="020B0503020000020004" pitchFamily="50" charset="-127"/>
-                <a:ea typeface="맑은 고딕" panose="020B0503020000020004" pitchFamily="50" charset="-127"/>
-                <a:cs typeface="Times New Roman" panose="02020603050405020304" pitchFamily="18" charset="0"/>
-              </a:rPr>
-              <a:t>.</a:t>
-            </a:r>
+            <a:endParaRPr lang="en-US" altLang="ko-KR" sz="1800" kern="100" dirty="0">
+              <a:effectLst/>
+              <a:latin typeface="맑은 고딕" panose="020B0503020000020004" pitchFamily="50" charset="-127"/>
+              <a:ea typeface="맑은 고딕" panose="020B0503020000020004" pitchFamily="50" charset="-127"/>
+              <a:cs typeface="Times New Roman" panose="02020603050405020304" pitchFamily="18" charset="0"/>
+            </a:endParaRPr>
           </a:p>
         </p:txBody>
       </p:sp>
@@ -4069,72 +5006,113 @@
           <a:lstStyle/>
           <a:p>
             <a:r>
-              <a:rPr lang="ko-KR" altLang="en-US" dirty="0"/>
+              <a:rPr lang="ko-KR" altLang="ko-KR" sz="1800" dirty="0">
+                <a:effectLst/>
+                <a:ea typeface="맑은 고딕" panose="020B0503020000020004" pitchFamily="50" charset="-127"/>
+                <a:cs typeface="Times New Roman" panose="02020603050405020304" pitchFamily="18" charset="0"/>
+              </a:rPr>
               <a:t>발표는 </a:t>
             </a:r>
-            <a:endParaRPr lang="en-US" altLang="ko-KR" dirty="0"/>
-          </a:p>
-          <a:p>
-            <a:r>
-              <a:rPr lang="ko-KR" altLang="en-US" dirty="0"/>
+            <a:br>
+              <a:rPr lang="en-US" altLang="ko-KR" sz="1800" dirty="0">
+                <a:effectLst/>
+                <a:ea typeface="맑은 고딕" panose="020B0503020000020004" pitchFamily="50" charset="-127"/>
+                <a:cs typeface="Times New Roman" panose="02020603050405020304" pitchFamily="18" charset="0"/>
+              </a:rPr>
+            </a:br>
+            <a:r>
+              <a:rPr lang="ko-KR" altLang="ko-KR" sz="1800" dirty="0">
+                <a:effectLst/>
+                <a:ea typeface="맑은 고딕" panose="020B0503020000020004" pitchFamily="50" charset="-127"/>
+                <a:cs typeface="Times New Roman" panose="02020603050405020304" pitchFamily="18" charset="0"/>
+              </a:rPr>
               <a:t>서비스를 개발하게 된 동기</a:t>
             </a:r>
             <a:r>
-              <a:rPr lang="en-US" altLang="ko-KR" dirty="0"/>
+              <a:rPr lang="en-US" altLang="ko-KR" sz="1800" dirty="0">
+                <a:effectLst/>
+                <a:ea typeface="맑은 고딕" panose="020B0503020000020004" pitchFamily="50" charset="-127"/>
+                <a:cs typeface="Times New Roman" panose="02020603050405020304" pitchFamily="18" charset="0"/>
+              </a:rPr>
               <a:t>, </a:t>
             </a:r>
             <a:r>
-              <a:rPr lang="ko-KR" altLang="en-US" dirty="0"/>
+              <a:rPr lang="ko-KR" altLang="ko-KR" sz="1800" dirty="0">
+                <a:effectLst/>
+                <a:ea typeface="맑은 고딕" panose="020B0503020000020004" pitchFamily="50" charset="-127"/>
+                <a:cs typeface="Times New Roman" panose="02020603050405020304" pitchFamily="18" charset="0"/>
+              </a:rPr>
               <a:t>프로젝트의 전체적인 개요</a:t>
             </a:r>
             <a:r>
-              <a:rPr lang="en-US" altLang="ko-KR" dirty="0"/>
+              <a:rPr lang="en-US" altLang="ko-KR" sz="1800" dirty="0">
+                <a:effectLst/>
+                <a:ea typeface="맑은 고딕" panose="020B0503020000020004" pitchFamily="50" charset="-127"/>
+                <a:cs typeface="Times New Roman" panose="02020603050405020304" pitchFamily="18" charset="0"/>
+              </a:rPr>
               <a:t>, </a:t>
             </a:r>
-          </a:p>
-          <a:p>
-            <a:r>
-              <a:rPr lang="en-US" altLang="ko-KR" dirty="0"/>
-              <a:t>use</a:t>
-            </a:r>
-            <a:r>
-              <a:rPr lang="ko-KR" altLang="en-US" dirty="0"/>
-              <a:t> </a:t>
-            </a:r>
-            <a:r>
-              <a:rPr lang="en-US" altLang="ko-KR" dirty="0"/>
-              <a:t>case,</a:t>
-            </a:r>
-            <a:r>
-              <a:rPr lang="ko-KR" altLang="en-US" dirty="0"/>
-              <a:t> 아키텍처</a:t>
-            </a:r>
-            <a:r>
-              <a:rPr lang="en-US" altLang="ko-KR" dirty="0"/>
+            <a:br>
+              <a:rPr lang="en-US" altLang="ko-KR" sz="1800" dirty="0">
+                <a:effectLst/>
+                <a:ea typeface="맑은 고딕" panose="020B0503020000020004" pitchFamily="50" charset="-127"/>
+                <a:cs typeface="Times New Roman" panose="02020603050405020304" pitchFamily="18" charset="0"/>
+              </a:rPr>
+            </a:br>
+            <a:r>
+              <a:rPr lang="en-US" altLang="ko-KR" sz="1800" dirty="0">
+                <a:effectLst/>
+                <a:ea typeface="맑은 고딕" panose="020B0503020000020004" pitchFamily="50" charset="-127"/>
+                <a:cs typeface="Times New Roman" panose="02020603050405020304" pitchFamily="18" charset="0"/>
+              </a:rPr>
+              <a:t>use case, </a:t>
+            </a:r>
+            <a:r>
+              <a:rPr lang="ko-KR" altLang="ko-KR" sz="1800" dirty="0">
+                <a:effectLst/>
+                <a:ea typeface="맑은 고딕" panose="020B0503020000020004" pitchFamily="50" charset="-127"/>
+                <a:cs typeface="Times New Roman" panose="02020603050405020304" pitchFamily="18" charset="0"/>
+              </a:rPr>
+              <a:t>아키텍처</a:t>
+            </a:r>
+            <a:r>
+              <a:rPr lang="en-US" altLang="ko-KR" sz="1800" dirty="0">
+                <a:effectLst/>
+                <a:ea typeface="맑은 고딕" panose="020B0503020000020004" pitchFamily="50" charset="-127"/>
+                <a:cs typeface="Times New Roman" panose="02020603050405020304" pitchFamily="18" charset="0"/>
+              </a:rPr>
               <a:t>, </a:t>
             </a:r>
             <a:r>
-              <a:rPr lang="ko-KR" altLang="en-US" dirty="0"/>
+              <a:rPr lang="ko-KR" altLang="ko-KR" sz="1800" dirty="0">
+                <a:effectLst/>
+                <a:ea typeface="맑은 고딕" panose="020B0503020000020004" pitchFamily="50" charset="-127"/>
+                <a:cs typeface="Times New Roman" panose="02020603050405020304" pitchFamily="18" charset="0"/>
+              </a:rPr>
               <a:t>리소스 구조</a:t>
             </a:r>
             <a:r>
-              <a:rPr lang="en-US" altLang="ko-KR" dirty="0"/>
+              <a:rPr lang="en-US" altLang="ko-KR" sz="1800" dirty="0">
+                <a:effectLst/>
+                <a:ea typeface="맑은 고딕" panose="020B0503020000020004" pitchFamily="50" charset="-127"/>
+                <a:cs typeface="Times New Roman" panose="02020603050405020304" pitchFamily="18" charset="0"/>
+              </a:rPr>
               <a:t>, </a:t>
             </a:r>
             <a:r>
-              <a:rPr lang="ko-KR" altLang="en-US" dirty="0"/>
-              <a:t>그리고</a:t>
-            </a:r>
-            <a:r>
-              <a:rPr lang="en-US" altLang="ko-KR" dirty="0"/>
-              <a:t> </a:t>
-            </a:r>
-            <a:r>
-              <a:rPr lang="ko-KR" altLang="en-US" dirty="0"/>
-              <a:t>대표적인 서비스 프로시저 순으로 진행하겠습니다</a:t>
-            </a:r>
-            <a:r>
-              <a:rPr lang="en-US" altLang="ko-KR" dirty="0"/>
+              <a:rPr lang="ko-KR" altLang="ko-KR" sz="1800" dirty="0">
+                <a:effectLst/>
+                <a:ea typeface="맑은 고딕" panose="020B0503020000020004" pitchFamily="50" charset="-127"/>
+                <a:cs typeface="Times New Roman" panose="02020603050405020304" pitchFamily="18" charset="0"/>
+              </a:rPr>
+              <a:t>그리고 대표적인 서비스 프로시저 순으로 진행하겠습니다</a:t>
+            </a:r>
+            <a:r>
+              <a:rPr lang="en-US" altLang="ko-KR" sz="1800" dirty="0">
+                <a:effectLst/>
+                <a:ea typeface="맑은 고딕" panose="020B0503020000020004" pitchFamily="50" charset="-127"/>
+                <a:cs typeface="Times New Roman" panose="02020603050405020304" pitchFamily="18" charset="0"/>
+              </a:rPr>
               <a:t>.</a:t>
             </a:r>
             <a:endParaRPr lang="ko-KR" altLang="en-US" dirty="0"/>
@@ -4222,90 +5200,185 @@
           <a:lstStyle/>
           <a:p>
             <a:r>
-              <a:rPr lang="ko-KR" altLang="en-US" dirty="0"/>
-              <a:t>서비스 개발 배경부터 간단히 </a:t>
-            </a:r>
-            <a:r>
-              <a:rPr lang="ko-KR" altLang="en-US" dirty="0" err="1"/>
-              <a:t>설명드리겠습니다</a:t>
-            </a:r>
-            <a:r>
-              <a:rPr lang="en-US" altLang="ko-KR" dirty="0"/>
+              <a:rPr lang="ko-KR" altLang="ko-KR" sz="1800" dirty="0">
+                <a:effectLst/>
+                <a:ea typeface="맑은 고딕" panose="020B0503020000020004" pitchFamily="50" charset="-127"/>
+                <a:cs typeface="Times New Roman" panose="02020603050405020304" pitchFamily="18" charset="0"/>
+              </a:rPr>
+              <a:t>서비스 개발 배경부터 간단히 설명 드리겠습니다</a:t>
+            </a:r>
+            <a:r>
+              <a:rPr lang="en-US" altLang="ko-KR" sz="1800" dirty="0">
+                <a:effectLst/>
+                <a:ea typeface="맑은 고딕" panose="020B0503020000020004" pitchFamily="50" charset="-127"/>
+                <a:cs typeface="Times New Roman" panose="02020603050405020304" pitchFamily="18" charset="0"/>
+              </a:rPr>
               <a:t>.</a:t>
             </a:r>
-          </a:p>
-          <a:p>
-            <a:r>
-              <a:rPr lang="ko-KR" altLang="en-US" dirty="0"/>
+            <a:br>
+              <a:rPr lang="en-US" altLang="ko-KR" sz="1800" dirty="0">
+                <a:effectLst/>
+                <a:ea typeface="맑은 고딕" panose="020B0503020000020004" pitchFamily="50" charset="-127"/>
+                <a:cs typeface="Times New Roman" panose="02020603050405020304" pitchFamily="18" charset="0"/>
+              </a:rPr>
+            </a:br>
+            <a:r>
+              <a:rPr lang="ko-KR" altLang="ko-KR" sz="1800" dirty="0">
+                <a:effectLst/>
+                <a:ea typeface="맑은 고딕" panose="020B0503020000020004" pitchFamily="50" charset="-127"/>
+                <a:cs typeface="Times New Roman" panose="02020603050405020304" pitchFamily="18" charset="0"/>
+              </a:rPr>
               <a:t>과거의 </a:t>
             </a:r>
             <a:r>
-              <a:rPr lang="ko-KR" altLang="en-US" dirty="0" err="1"/>
+              <a:rPr lang="ko-KR" altLang="ko-KR" sz="1800" dirty="0" err="1">
+                <a:effectLst/>
+                <a:ea typeface="맑은 고딕" panose="020B0503020000020004" pitchFamily="50" charset="-127"/>
+                <a:cs typeface="Times New Roman" panose="02020603050405020304" pitchFamily="18" charset="0"/>
+              </a:rPr>
               <a:t>메르스나</a:t>
             </a:r>
             <a:r>
-              <a:rPr lang="ko-KR" altLang="en-US" dirty="0"/>
+              <a:rPr lang="ko-KR" altLang="ko-KR" sz="1800" dirty="0">
+                <a:effectLst/>
+                <a:ea typeface="맑은 고딕" panose="020B0503020000020004" pitchFamily="50" charset="-127"/>
+                <a:cs typeface="Times New Roman" panose="02020603050405020304" pitchFamily="18" charset="0"/>
+              </a:rPr>
               <a:t> 신종 플루와 같은 감염병을 포함하여</a:t>
             </a:r>
             <a:r>
-              <a:rPr lang="en-US" altLang="ko-KR" dirty="0"/>
+              <a:rPr lang="en-US" altLang="ko-KR" sz="1800" dirty="0">
+                <a:effectLst/>
+                <a:ea typeface="맑은 고딕" panose="020B0503020000020004" pitchFamily="50" charset="-127"/>
+                <a:cs typeface="Times New Roman" panose="02020603050405020304" pitchFamily="18" charset="0"/>
+              </a:rPr>
               <a:t>, </a:t>
             </a:r>
             <a:r>
-              <a:rPr lang="ko-KR" altLang="en-US" dirty="0"/>
+              <a:rPr lang="ko-KR" altLang="ko-KR" sz="1800" dirty="0">
+                <a:effectLst/>
+                <a:ea typeface="맑은 고딕" panose="020B0503020000020004" pitchFamily="50" charset="-127"/>
+                <a:cs typeface="Times New Roman" panose="02020603050405020304" pitchFamily="18" charset="0"/>
+              </a:rPr>
               <a:t>현재 진행되고 있는 코로나 바이러스까지</a:t>
             </a:r>
             <a:r>
-              <a:rPr lang="en-US" altLang="ko-KR" dirty="0"/>
+              <a:rPr lang="en-US" altLang="ko-KR" sz="1800" dirty="0">
+                <a:effectLst/>
+                <a:ea typeface="맑은 고딕" panose="020B0503020000020004" pitchFamily="50" charset="-127"/>
+                <a:cs typeface="Times New Roman" panose="02020603050405020304" pitchFamily="18" charset="0"/>
+              </a:rPr>
               <a:t>,</a:t>
             </a:r>
-          </a:p>
-          <a:p>
-            <a:r>
-              <a:rPr lang="ko-KR" altLang="en-US" dirty="0"/>
+            <a:br>
+              <a:rPr lang="en-US" altLang="ko-KR" sz="1800" dirty="0">
+                <a:effectLst/>
+                <a:ea typeface="맑은 고딕" panose="020B0503020000020004" pitchFamily="50" charset="-127"/>
+                <a:cs typeface="Times New Roman" panose="02020603050405020304" pitchFamily="18" charset="0"/>
+              </a:rPr>
+            </a:br>
+            <a:r>
+              <a:rPr lang="ko-KR" altLang="ko-KR" sz="1800" dirty="0">
+                <a:effectLst/>
+                <a:ea typeface="맑은 고딕" panose="020B0503020000020004" pitchFamily="50" charset="-127"/>
+                <a:cs typeface="Times New Roman" panose="02020603050405020304" pitchFamily="18" charset="0"/>
+              </a:rPr>
               <a:t>감염성이 강한 감염병이 대대적으로 확산되는 기간이 있었습니다</a:t>
             </a:r>
             <a:r>
-              <a:rPr lang="en-US" altLang="ko-KR" dirty="0"/>
+              <a:rPr lang="en-US" altLang="ko-KR" sz="1800" dirty="0">
+                <a:effectLst/>
+                <a:ea typeface="맑은 고딕" panose="020B0503020000020004" pitchFamily="50" charset="-127"/>
+                <a:cs typeface="Times New Roman" panose="02020603050405020304" pitchFamily="18" charset="0"/>
+              </a:rPr>
               <a:t>.</a:t>
             </a:r>
-          </a:p>
-          <a:p>
-            <a:r>
-              <a:rPr lang="ko-KR" altLang="en-US" dirty="0"/>
-              <a:t>가장 결정적인 동기였던 코로나 바이러스는 현재</a:t>
+            <a:br>
+              <a:rPr lang="en-US" altLang="ko-KR" sz="1800" dirty="0">
+                <a:effectLst/>
+                <a:ea typeface="맑은 고딕" panose="020B0503020000020004" pitchFamily="50" charset="-127"/>
+                <a:cs typeface="Times New Roman" panose="02020603050405020304" pitchFamily="18" charset="0"/>
+              </a:rPr>
+            </a:br>
+            <a:r>
+              <a:rPr lang="ko-KR" altLang="ko-KR" sz="1800" dirty="0">
+                <a:effectLst/>
+                <a:ea typeface="맑은 고딕" panose="020B0503020000020004" pitchFamily="50" charset="-127"/>
+                <a:cs typeface="Times New Roman" panose="02020603050405020304" pitchFamily="18" charset="0"/>
+              </a:rPr>
+              <a:t>가장 개발의 결정적인 동기였던 코로나 바이러스는 현재</a:t>
+            </a:r>
+            <a:br>
+              <a:rPr lang="en-US" altLang="ko-KR" sz="1800" dirty="0">
+                <a:effectLst/>
+                <a:ea typeface="맑은 고딕" panose="020B0503020000020004" pitchFamily="50" charset="-127"/>
+                <a:cs typeface="Times New Roman" panose="02020603050405020304" pitchFamily="18" charset="0"/>
+              </a:rPr>
+            </a:br>
+            <a:r>
+              <a:rPr lang="ko-KR" altLang="ko-KR" sz="1800" dirty="0">
+                <a:effectLst/>
+                <a:ea typeface="맑은 고딕" panose="020B0503020000020004" pitchFamily="50" charset="-127"/>
+                <a:cs typeface="Times New Roman" panose="02020603050405020304" pitchFamily="18" charset="0"/>
+              </a:rPr>
+              <a:t>예방을 위한 사회적 거리두기</a:t>
+            </a:r>
+            <a:r>
+              <a:rPr lang="en-US" altLang="ko-KR" sz="1800" dirty="0">
+                <a:effectLst/>
+                <a:ea typeface="맑은 고딕" panose="020B0503020000020004" pitchFamily="50" charset="-127"/>
+                <a:cs typeface="Times New Roman" panose="02020603050405020304" pitchFamily="18" charset="0"/>
+              </a:rPr>
+              <a:t>, </a:t>
+            </a:r>
+            <a:r>
+              <a:rPr lang="ko-KR" altLang="ko-KR" sz="1800" dirty="0" err="1">
+                <a:effectLst/>
+                <a:ea typeface="맑은 고딕" panose="020B0503020000020004" pitchFamily="50" charset="-127"/>
+                <a:cs typeface="Times New Roman" panose="02020603050405020304" pitchFamily="18" charset="0"/>
+              </a:rPr>
+              <a:t>비대면</a:t>
+            </a:r>
+            <a:r>
+              <a:rPr lang="ko-KR" altLang="ko-KR" sz="1800" dirty="0">
+                <a:effectLst/>
+                <a:ea typeface="맑은 고딕" panose="020B0503020000020004" pitchFamily="50" charset="-127"/>
+                <a:cs typeface="Times New Roman" panose="02020603050405020304" pitchFamily="18" charset="0"/>
+              </a:rPr>
+              <a:t> 수업 등 영향을 끼치지 않은 곳이 없을 정도로 </a:t>
+            </a:r>
+            <a:br>
+              <a:rPr lang="en-US" altLang="ko-KR" sz="1800" dirty="0">
+                <a:effectLst/>
+                <a:ea typeface="맑은 고딕" panose="020B0503020000020004" pitchFamily="50" charset="-127"/>
+                <a:cs typeface="Times New Roman" panose="02020603050405020304" pitchFamily="18" charset="0"/>
+              </a:rPr>
+            </a:br>
+            <a:r>
+              <a:rPr lang="en-US" altLang="ko-KR" sz="1800" dirty="0">
+                <a:effectLst/>
+                <a:ea typeface="맑은 고딕" panose="020B0503020000020004" pitchFamily="50" charset="-127"/>
+                <a:cs typeface="Times New Roman" panose="02020603050405020304" pitchFamily="18" charset="0"/>
+              </a:rPr>
+              <a:t>1</a:t>
+            </a:r>
+            <a:r>
+              <a:rPr lang="ko-KR" altLang="ko-KR" sz="1800" dirty="0">
+                <a:effectLst/>
+                <a:ea typeface="맑은 고딕" panose="020B0503020000020004" pitchFamily="50" charset="-127"/>
+                <a:cs typeface="Times New Roman" panose="02020603050405020304" pitchFamily="18" charset="0"/>
+              </a:rPr>
+              <a:t>년 가까이 뉴스가 조용할 날이 없습니다</a:t>
+            </a:r>
+            <a:r>
+              <a:rPr lang="en-US" altLang="ko-KR" sz="1800" dirty="0">
+                <a:effectLst/>
+                <a:ea typeface="맑은 고딕" panose="020B0503020000020004" pitchFamily="50" charset="-127"/>
+                <a:cs typeface="Times New Roman" panose="02020603050405020304" pitchFamily="18" charset="0"/>
+              </a:rPr>
+              <a:t>.</a:t>
             </a:r>
             <a:endParaRPr lang="en-US" altLang="ko-KR" dirty="0"/>
-          </a:p>
-          <a:p>
-            <a:r>
-              <a:rPr lang="ko-KR" altLang="en-US" dirty="0"/>
-              <a:t>예방을 위한 사회적 거리두기</a:t>
-            </a:r>
-            <a:r>
-              <a:rPr lang="en-US" altLang="ko-KR" dirty="0"/>
-              <a:t>, </a:t>
-            </a:r>
-            <a:r>
-              <a:rPr lang="ko-KR" altLang="en-US" dirty="0" err="1"/>
-              <a:t>비대면</a:t>
-            </a:r>
-            <a:r>
-              <a:rPr lang="ko-KR" altLang="en-US" dirty="0"/>
-              <a:t> 수업 등 영향을 끼치지 않은 곳이 없을 정도로 </a:t>
-            </a:r>
-            <a:r>
-              <a:rPr lang="en-US" altLang="ko-KR" dirty="0"/>
-              <a:t>1</a:t>
-            </a:r>
-            <a:r>
-              <a:rPr lang="ko-KR" altLang="en-US" dirty="0"/>
-              <a:t>년 가까이 뉴스가 조용할 날이 없습니다</a:t>
-            </a:r>
-            <a:r>
-              <a:rPr lang="en-US" altLang="ko-KR" dirty="0"/>
-              <a:t>.</a:t>
-            </a:r>
           </a:p>
         </p:txBody>
       </p:sp>
@@ -4407,88 +5480,215 @@
               <a:defRPr/>
             </a:pPr>
             <a:r>
-              <a:rPr lang="ko-KR" altLang="ko-KR" sz="1200" kern="1200" dirty="0">
-                <a:solidFill>
-                  <a:schemeClr val="tx1"/>
-                </a:solidFill>
-                <a:effectLst/>
-                <a:latin typeface="+mn-lt"/>
-                <a:ea typeface="+mn-ea"/>
-                <a:cs typeface="+mn-cs"/>
-              </a:rPr>
-              <a:t>주로 </a:t>
-            </a:r>
-            <a:r>
-              <a:rPr lang="ko-KR" altLang="en-US" sz="1200" kern="1200" dirty="0">
-                <a:solidFill>
-                  <a:schemeClr val="tx1"/>
-                </a:solidFill>
-                <a:effectLst/>
-                <a:latin typeface="+mn-lt"/>
-                <a:ea typeface="+mn-ea"/>
-                <a:cs typeface="+mn-cs"/>
-              </a:rPr>
-              <a:t>비말과 손을 통한 접촉으로 코로나가 전파되기 때문에</a:t>
-            </a:r>
-            <a:r>
-              <a:rPr lang="en-US" altLang="ko-KR" dirty="0"/>
+              <a:rPr lang="ko-KR" altLang="ko-KR" sz="1800" dirty="0">
+                <a:effectLst/>
+                <a:ea typeface="맑은 고딕" panose="020B0503020000020004" pitchFamily="50" charset="-127"/>
+                <a:cs typeface="Times New Roman" panose="02020603050405020304" pitchFamily="18" charset="0"/>
+              </a:rPr>
+              <a:t>주로 비말과 손을 통한 접촉으로 코로나가 전파되기 때문에</a:t>
+            </a:r>
+            <a:r>
+              <a:rPr lang="en-US" altLang="ko-KR" sz="1800" dirty="0">
+                <a:effectLst/>
+                <a:ea typeface="맑은 고딕" panose="020B0503020000020004" pitchFamily="50" charset="-127"/>
+                <a:cs typeface="Times New Roman" panose="02020603050405020304" pitchFamily="18" charset="0"/>
+              </a:rPr>
               <a:t>, </a:t>
             </a:r>
             <a:r>
-              <a:rPr lang="ko-KR" altLang="en-US" dirty="0"/>
+              <a:rPr lang="ko-KR" altLang="ko-KR" sz="1800" dirty="0">
+                <a:effectLst/>
+                <a:ea typeface="맑은 고딕" panose="020B0503020000020004" pitchFamily="50" charset="-127"/>
+                <a:cs typeface="Times New Roman" panose="02020603050405020304" pitchFamily="18" charset="0"/>
+              </a:rPr>
               <a:t>확산 방지를 위해</a:t>
             </a:r>
-            <a:endParaRPr lang="en-US" altLang="ko-KR" dirty="0"/>
-          </a:p>
-          <a:p>
-            <a:r>
-              <a:rPr lang="ko-KR" altLang="en-US" dirty="0"/>
+            <a:br>
+              <a:rPr lang="en-US" altLang="ko-KR" sz="1800" dirty="0">
+                <a:effectLst/>
+                <a:ea typeface="맑은 고딕" panose="020B0503020000020004" pitchFamily="50" charset="-127"/>
+                <a:cs typeface="Times New Roman" panose="02020603050405020304" pitchFamily="18" charset="0"/>
+              </a:rPr>
+            </a:br>
+            <a:r>
+              <a:rPr lang="ko-KR" altLang="ko-KR" sz="1800" dirty="0">
+                <a:effectLst/>
+                <a:ea typeface="맑은 고딕" panose="020B0503020000020004" pitchFamily="50" charset="-127"/>
+                <a:cs typeface="Times New Roman" panose="02020603050405020304" pitchFamily="18" charset="0"/>
+              </a:rPr>
               <a:t>학교나 공공기관 건물</a:t>
             </a:r>
             <a:r>
-              <a:rPr lang="en-US" altLang="ko-KR" dirty="0"/>
+              <a:rPr lang="en-US" altLang="ko-KR" sz="1800" dirty="0">
+                <a:effectLst/>
+                <a:ea typeface="맑은 고딕" panose="020B0503020000020004" pitchFamily="50" charset="-127"/>
+                <a:cs typeface="Times New Roman" panose="02020603050405020304" pitchFamily="18" charset="0"/>
+              </a:rPr>
               <a:t>, </a:t>
             </a:r>
             <a:r>
-              <a:rPr lang="ko-KR" altLang="en-US" dirty="0"/>
+              <a:rPr lang="ko-KR" altLang="ko-KR" sz="1800" dirty="0">
+                <a:effectLst/>
+                <a:ea typeface="맑은 고딕" panose="020B0503020000020004" pitchFamily="50" charset="-127"/>
+                <a:cs typeface="Times New Roman" panose="02020603050405020304" pitchFamily="18" charset="0"/>
+              </a:rPr>
               <a:t>영화관 등지에 알코올 손소독제가 비치되는 것을 볼 수 있습니다</a:t>
             </a:r>
             <a:r>
-              <a:rPr lang="en-US" altLang="ko-KR" dirty="0"/>
+              <a:rPr lang="en-US" altLang="ko-KR" sz="1800" dirty="0">
+                <a:effectLst/>
+                <a:ea typeface="맑은 고딕" panose="020B0503020000020004" pitchFamily="50" charset="-127"/>
+                <a:cs typeface="Times New Roman" panose="02020603050405020304" pitchFamily="18" charset="0"/>
+              </a:rPr>
               <a:t>.</a:t>
             </a:r>
-          </a:p>
-          <a:p>
-            <a:r>
-              <a:rPr lang="ko-KR" altLang="en-US" dirty="0"/>
+            <a:br>
+              <a:rPr lang="en-US" altLang="ko-KR" sz="1800" dirty="0">
+                <a:effectLst/>
+                <a:ea typeface="맑은 고딕" panose="020B0503020000020004" pitchFamily="50" charset="-127"/>
+                <a:cs typeface="Times New Roman" panose="02020603050405020304" pitchFamily="18" charset="0"/>
+              </a:rPr>
+            </a:br>
+            <a:r>
+              <a:rPr lang="ko-KR" altLang="ko-KR" sz="1800" dirty="0">
+                <a:effectLst/>
+                <a:ea typeface="맑은 고딕" panose="020B0503020000020004" pitchFamily="50" charset="-127"/>
+                <a:cs typeface="Times New Roman" panose="02020603050405020304" pitchFamily="18" charset="0"/>
+              </a:rPr>
+              <a:t>여기 사진과 같이 저희 학교 </a:t>
+            </a:r>
+            <a:r>
+              <a:rPr lang="en-US" altLang="ko-KR" sz="1800" dirty="0">
+                <a:effectLst/>
+                <a:ea typeface="맑은 고딕" panose="020B0503020000020004" pitchFamily="50" charset="-127"/>
+                <a:cs typeface="Times New Roman" panose="02020603050405020304" pitchFamily="18" charset="0"/>
+              </a:rPr>
+              <a:t>AI</a:t>
+            </a:r>
+            <a:r>
+              <a:rPr lang="ko-KR" altLang="ko-KR" sz="1800" dirty="0">
+                <a:effectLst/>
+                <a:ea typeface="맑은 고딕" panose="020B0503020000020004" pitchFamily="50" charset="-127"/>
+                <a:cs typeface="Times New Roman" panose="02020603050405020304" pitchFamily="18" charset="0"/>
+              </a:rPr>
+              <a:t>센터 엘리베이터에도 손소독제가 비치되어 있죠</a:t>
+            </a:r>
+            <a:r>
+              <a:rPr lang="en-US" altLang="ko-KR" sz="1800" dirty="0">
+                <a:effectLst/>
+                <a:ea typeface="맑은 고딕" panose="020B0503020000020004" pitchFamily="50" charset="-127"/>
+                <a:cs typeface="Times New Roman" panose="02020603050405020304" pitchFamily="18" charset="0"/>
+              </a:rPr>
+              <a:t>.</a:t>
+            </a:r>
+            <a:br>
+              <a:rPr lang="en-US" altLang="ko-KR" sz="1800" dirty="0">
+                <a:effectLst/>
+                <a:ea typeface="맑은 고딕" panose="020B0503020000020004" pitchFamily="50" charset="-127"/>
+                <a:cs typeface="Times New Roman" panose="02020603050405020304" pitchFamily="18" charset="0"/>
+              </a:rPr>
+            </a:br>
+            <a:r>
+              <a:rPr lang="ko-KR" altLang="ko-KR" sz="1800" dirty="0">
+                <a:effectLst/>
+                <a:ea typeface="맑은 고딕" panose="020B0503020000020004" pitchFamily="50" charset="-127"/>
+                <a:cs typeface="Times New Roman" panose="02020603050405020304" pitchFamily="18" charset="0"/>
+              </a:rPr>
               <a:t>특히</a:t>
             </a:r>
             <a:r>
-              <a:rPr lang="en-US" altLang="ko-KR" dirty="0"/>
+              <a:rPr lang="en-US" altLang="ko-KR" sz="1800" dirty="0">
+                <a:effectLst/>
+                <a:ea typeface="맑은 고딕" panose="020B0503020000020004" pitchFamily="50" charset="-127"/>
+                <a:cs typeface="Times New Roman" panose="02020603050405020304" pitchFamily="18" charset="0"/>
+              </a:rPr>
               <a:t>, </a:t>
             </a:r>
             <a:r>
-              <a:rPr lang="ko-KR" altLang="en-US" dirty="0"/>
+              <a:rPr lang="ko-KR" altLang="ko-KR" sz="1800" dirty="0">
+                <a:effectLst/>
+                <a:ea typeface="맑은 고딕" panose="020B0503020000020004" pitchFamily="50" charset="-127"/>
+                <a:cs typeface="Times New Roman" panose="02020603050405020304" pitchFamily="18" charset="0"/>
+              </a:rPr>
               <a:t>사람들의 </a:t>
             </a:r>
             <a:r>
-              <a:rPr lang="ko-KR" altLang="en-US" dirty="0" err="1"/>
+              <a:rPr lang="ko-KR" altLang="ko-KR" sz="1800" dirty="0" err="1">
+                <a:effectLst/>
+                <a:ea typeface="맑은 고딕" panose="020B0503020000020004" pitchFamily="50" charset="-127"/>
+                <a:cs typeface="Times New Roman" panose="02020603050405020304" pitchFamily="18" charset="0"/>
+              </a:rPr>
               <a:t>이용량이</a:t>
             </a:r>
             <a:r>
-              <a:rPr lang="ko-KR" altLang="en-US" dirty="0"/>
+              <a:rPr lang="ko-KR" altLang="ko-KR" sz="1800" dirty="0">
+                <a:effectLst/>
+                <a:ea typeface="맑은 고딕" panose="020B0503020000020004" pitchFamily="50" charset="-127"/>
+                <a:cs typeface="Times New Roman" panose="02020603050405020304" pitchFamily="18" charset="0"/>
+              </a:rPr>
               <a:t> 많을수록 손소독제 </a:t>
             </a:r>
             <a:r>
-              <a:rPr lang="ko-KR" altLang="en-US" dirty="0" err="1"/>
+              <a:rPr lang="ko-KR" altLang="ko-KR" sz="1800" dirty="0" err="1">
+                <a:effectLst/>
+                <a:ea typeface="맑은 고딕" panose="020B0503020000020004" pitchFamily="50" charset="-127"/>
+                <a:cs typeface="Times New Roman" panose="02020603050405020304" pitchFamily="18" charset="0"/>
+              </a:rPr>
               <a:t>비치량은</a:t>
             </a:r>
             <a:r>
-              <a:rPr lang="ko-KR" altLang="en-US" dirty="0"/>
+              <a:rPr lang="ko-KR" altLang="ko-KR" sz="1800" dirty="0">
+                <a:effectLst/>
+                <a:ea typeface="맑은 고딕" panose="020B0503020000020004" pitchFamily="50" charset="-127"/>
+                <a:cs typeface="Times New Roman" panose="02020603050405020304" pitchFamily="18" charset="0"/>
+              </a:rPr>
               <a:t> 더욱 증가합니다</a:t>
             </a:r>
             <a:r>
-              <a:rPr lang="en-US" altLang="ko-KR" dirty="0"/>
+              <a:rPr lang="en-US" altLang="ko-KR" sz="1800" dirty="0">
+                <a:effectLst/>
+                <a:ea typeface="맑은 고딕" panose="020B0503020000020004" pitchFamily="50" charset="-127"/>
+                <a:cs typeface="Times New Roman" panose="02020603050405020304" pitchFamily="18" charset="0"/>
+              </a:rPr>
+              <a:t>.</a:t>
+            </a:r>
+            <a:br>
+              <a:rPr lang="en-US" altLang="ko-KR" sz="1800" dirty="0">
+                <a:effectLst/>
+                <a:ea typeface="맑은 고딕" panose="020B0503020000020004" pitchFamily="50" charset="-127"/>
+                <a:cs typeface="Times New Roman" panose="02020603050405020304" pitchFamily="18" charset="0"/>
+              </a:rPr>
+            </a:br>
+            <a:r>
+              <a:rPr lang="ko-KR" altLang="ko-KR" sz="1800" dirty="0">
+                <a:effectLst/>
+                <a:ea typeface="맑은 고딕" panose="020B0503020000020004" pitchFamily="50" charset="-127"/>
+                <a:cs typeface="Times New Roman" panose="02020603050405020304" pitchFamily="18" charset="0"/>
+              </a:rPr>
+              <a:t>건물의 규모 또한 손소독제 </a:t>
+            </a:r>
+            <a:r>
+              <a:rPr lang="ko-KR" altLang="ko-KR" sz="1800" dirty="0" err="1">
+                <a:effectLst/>
+                <a:ea typeface="맑은 고딕" panose="020B0503020000020004" pitchFamily="50" charset="-127"/>
+                <a:cs typeface="Times New Roman" panose="02020603050405020304" pitchFamily="18" charset="0"/>
+              </a:rPr>
+              <a:t>비치량과</a:t>
+            </a:r>
+            <a:r>
+              <a:rPr lang="ko-KR" altLang="ko-KR" sz="1800" dirty="0">
+                <a:effectLst/>
+                <a:ea typeface="맑은 고딕" panose="020B0503020000020004" pitchFamily="50" charset="-127"/>
+                <a:cs typeface="Times New Roman" panose="02020603050405020304" pitchFamily="18" charset="0"/>
+              </a:rPr>
+              <a:t> 비례한다고 볼 수 있습니다</a:t>
+            </a:r>
+            <a:r>
+              <a:rPr lang="en-US" altLang="ko-KR" sz="1800" dirty="0">
+                <a:effectLst/>
+                <a:ea typeface="맑은 고딕" panose="020B0503020000020004" pitchFamily="50" charset="-127"/>
+                <a:cs typeface="Times New Roman" panose="02020603050405020304" pitchFamily="18" charset="0"/>
+              </a:rPr>
               <a:t>.</a:t>
             </a:r>
             <a:endParaRPr lang="ko-KR" altLang="en-US" dirty="0"/>
@@ -4576,52 +5776,167 @@
           <a:lstStyle/>
           <a:p>
             <a:r>
-              <a:rPr lang="ko-KR" altLang="en-US" dirty="0"/>
+              <a:rPr lang="ko-KR" altLang="ko-KR" sz="1800" dirty="0">
+                <a:effectLst/>
+                <a:ea typeface="맑은 고딕" panose="020B0503020000020004" pitchFamily="50" charset="-127"/>
+                <a:cs typeface="Times New Roman" panose="02020603050405020304" pitchFamily="18" charset="0"/>
+              </a:rPr>
               <a:t>하지만</a:t>
             </a:r>
             <a:r>
-              <a:rPr lang="en-US" altLang="ko-KR" dirty="0"/>
+              <a:rPr lang="en-US" altLang="ko-KR" sz="1800" dirty="0">
+                <a:effectLst/>
+                <a:ea typeface="맑은 고딕" panose="020B0503020000020004" pitchFamily="50" charset="-127"/>
+                <a:cs typeface="Times New Roman" panose="02020603050405020304" pitchFamily="18" charset="0"/>
+              </a:rPr>
               <a:t>, </a:t>
             </a:r>
             <a:r>
-              <a:rPr lang="ko-KR" altLang="en-US" dirty="0"/>
+              <a:rPr lang="ko-KR" altLang="ko-KR" sz="1800" dirty="0">
+                <a:effectLst/>
+                <a:ea typeface="맑은 고딕" panose="020B0503020000020004" pitchFamily="50" charset="-127"/>
+                <a:cs typeface="Times New Roman" panose="02020603050405020304" pitchFamily="18" charset="0"/>
+              </a:rPr>
               <a:t>여러 장소에 분산되어 위치해 있는 손소독제는</a:t>
             </a:r>
-            <a:endParaRPr lang="en-US" altLang="ko-KR" dirty="0"/>
-          </a:p>
-          <a:p>
-            <a:r>
-              <a:rPr lang="ko-KR" altLang="en-US" dirty="0"/>
+            <a:br>
+              <a:rPr lang="en-US" altLang="ko-KR" sz="1800" dirty="0">
+                <a:effectLst/>
+                <a:ea typeface="맑은 고딕" panose="020B0503020000020004" pitchFamily="50" charset="-127"/>
+                <a:cs typeface="Times New Roman" panose="02020603050405020304" pitchFamily="18" charset="0"/>
+              </a:rPr>
+            </a:br>
+            <a:r>
+              <a:rPr lang="ko-KR" altLang="ko-KR" sz="1800" dirty="0">
+                <a:effectLst/>
+                <a:ea typeface="맑은 고딕" panose="020B0503020000020004" pitchFamily="50" charset="-127"/>
+                <a:cs typeface="Times New Roman" panose="02020603050405020304" pitchFamily="18" charset="0"/>
+              </a:rPr>
               <a:t>소모품이라는 특성상</a:t>
             </a:r>
             <a:r>
-              <a:rPr lang="en-US" altLang="ko-KR" dirty="0"/>
+              <a:rPr lang="en-US" altLang="ko-KR" sz="1800" dirty="0">
+                <a:effectLst/>
+                <a:ea typeface="맑은 고딕" panose="020B0503020000020004" pitchFamily="50" charset="-127"/>
+                <a:cs typeface="Times New Roman" panose="02020603050405020304" pitchFamily="18" charset="0"/>
+              </a:rPr>
               <a:t>, </a:t>
             </a:r>
             <a:r>
-              <a:rPr lang="ko-KR" altLang="en-US" dirty="0"/>
+              <a:rPr lang="ko-KR" altLang="ko-KR" sz="1800" dirty="0">
+                <a:effectLst/>
+                <a:ea typeface="맑은 고딕" panose="020B0503020000020004" pitchFamily="50" charset="-127"/>
+                <a:cs typeface="Times New Roman" panose="02020603050405020304" pitchFamily="18" charset="0"/>
+              </a:rPr>
               <a:t>지속적인 점검 및 교체를 실시해 주어야 합니다</a:t>
             </a:r>
             <a:r>
-              <a:rPr lang="en-US" altLang="ko-KR" dirty="0"/>
+              <a:rPr lang="en-US" altLang="ko-KR" sz="1800" dirty="0">
+                <a:effectLst/>
+                <a:ea typeface="맑은 고딕" panose="020B0503020000020004" pitchFamily="50" charset="-127"/>
+                <a:cs typeface="Times New Roman" panose="02020603050405020304" pitchFamily="18" charset="0"/>
+              </a:rPr>
               <a:t>.</a:t>
             </a:r>
-          </a:p>
-          <a:p>
-            <a:r>
-              <a:rPr lang="ko-KR" altLang="en-US" dirty="0"/>
+            <a:br>
+              <a:rPr lang="en-US" altLang="ko-KR" sz="1800" dirty="0">
+                <a:effectLst/>
+                <a:ea typeface="맑은 고딕" panose="020B0503020000020004" pitchFamily="50" charset="-127"/>
+                <a:cs typeface="Times New Roman" panose="02020603050405020304" pitchFamily="18" charset="0"/>
+              </a:rPr>
+            </a:br>
+            <a:r>
+              <a:rPr lang="ko-KR" altLang="ko-KR" sz="1800" dirty="0">
+                <a:effectLst/>
+                <a:ea typeface="맑은 고딕" panose="020B0503020000020004" pitchFamily="50" charset="-127"/>
+                <a:cs typeface="Times New Roman" panose="02020603050405020304" pitchFamily="18" charset="0"/>
+              </a:rPr>
               <a:t>이를 위해 손소독제 관리자는</a:t>
             </a:r>
             <a:r>
-              <a:rPr lang="en-US" altLang="ko-KR" dirty="0"/>
+              <a:rPr lang="en-US" altLang="ko-KR" sz="1800" dirty="0">
+                <a:effectLst/>
+                <a:ea typeface="맑은 고딕" panose="020B0503020000020004" pitchFamily="50" charset="-127"/>
+                <a:cs typeface="Times New Roman" panose="02020603050405020304" pitchFamily="18" charset="0"/>
+              </a:rPr>
               <a:t>, </a:t>
             </a:r>
             <a:r>
-              <a:rPr lang="ko-KR" altLang="en-US" dirty="0"/>
-              <a:t>잔량 파악을 위해 직접 가서 눈으로 확인하는 수 밖에 없습니다</a:t>
-            </a:r>
-            <a:r>
-              <a:rPr lang="en-US" altLang="ko-KR" dirty="0"/>
+              <a:rPr lang="ko-KR" altLang="ko-KR" sz="1800" dirty="0">
+                <a:effectLst/>
+                <a:ea typeface="맑은 고딕" panose="020B0503020000020004" pitchFamily="50" charset="-127"/>
+                <a:cs typeface="Times New Roman" panose="02020603050405020304" pitchFamily="18" charset="0"/>
+              </a:rPr>
+              <a:t>잔량 파악을 위해 직접 가서 눈으로 확인하는 수밖에 없습니다</a:t>
+            </a:r>
+            <a:r>
+              <a:rPr lang="en-US" altLang="ko-KR" sz="1800" dirty="0">
+                <a:effectLst/>
+                <a:ea typeface="맑은 고딕" panose="020B0503020000020004" pitchFamily="50" charset="-127"/>
+                <a:cs typeface="Times New Roman" panose="02020603050405020304" pitchFamily="18" charset="0"/>
+              </a:rPr>
+              <a:t>.</a:t>
+            </a:r>
+            <a:br>
+              <a:rPr lang="en-US" altLang="ko-KR" sz="1800" dirty="0">
+                <a:effectLst/>
+                <a:ea typeface="맑은 고딕" panose="020B0503020000020004" pitchFamily="50" charset="-127"/>
+                <a:cs typeface="Times New Roman" panose="02020603050405020304" pitchFamily="18" charset="0"/>
+              </a:rPr>
+            </a:br>
+            <a:r>
+              <a:rPr lang="ko-KR" altLang="ko-KR" sz="1800" dirty="0">
+                <a:effectLst/>
+                <a:ea typeface="맑은 고딕" panose="020B0503020000020004" pitchFamily="50" charset="-127"/>
+                <a:cs typeface="Times New Roman" panose="02020603050405020304" pitchFamily="18" charset="0"/>
+              </a:rPr>
+              <a:t>이렇게 관리할 수밖에 없는 현재의 손소독제 관리 현황이 저희에게 큰 문제로 느껴졌고</a:t>
+            </a:r>
+            <a:r>
+              <a:rPr lang="en-US" altLang="ko-KR" sz="1800" dirty="0">
+                <a:effectLst/>
+                <a:ea typeface="맑은 고딕" panose="020B0503020000020004" pitchFamily="50" charset="-127"/>
+                <a:cs typeface="Times New Roman" panose="02020603050405020304" pitchFamily="18" charset="0"/>
+              </a:rPr>
+              <a:t>,</a:t>
+            </a:r>
+            <a:br>
+              <a:rPr lang="en-US" altLang="ko-KR" sz="1800" dirty="0">
+                <a:effectLst/>
+                <a:ea typeface="맑은 고딕" panose="020B0503020000020004" pitchFamily="50" charset="-127"/>
+                <a:cs typeface="Times New Roman" panose="02020603050405020304" pitchFamily="18" charset="0"/>
+              </a:rPr>
+            </a:br>
+            <a:r>
+              <a:rPr lang="ko-KR" altLang="ko-KR" sz="1800" dirty="0">
+                <a:effectLst/>
+                <a:ea typeface="맑은 고딕" panose="020B0503020000020004" pitchFamily="50" charset="-127"/>
+                <a:cs typeface="Times New Roman" panose="02020603050405020304" pitchFamily="18" charset="0"/>
+              </a:rPr>
+              <a:t>충분히 </a:t>
+            </a:r>
+            <a:r>
+              <a:rPr lang="en-US" altLang="ko-KR" sz="1800" dirty="0">
+                <a:effectLst/>
+                <a:ea typeface="맑은 고딕" panose="020B0503020000020004" pitchFamily="50" charset="-127"/>
+                <a:cs typeface="Times New Roman" panose="02020603050405020304" pitchFamily="18" charset="0"/>
+              </a:rPr>
+              <a:t>IoT </a:t>
+            </a:r>
+            <a:r>
+              <a:rPr lang="ko-KR" altLang="ko-KR" sz="1800" dirty="0">
+                <a:effectLst/>
+                <a:ea typeface="맑은 고딕" panose="020B0503020000020004" pitchFamily="50" charset="-127"/>
+                <a:cs typeface="Times New Roman" panose="02020603050405020304" pitchFamily="18" charset="0"/>
+              </a:rPr>
+              <a:t>서비스를 이용해서 이 문제를 해결할 수 있을 것 같다는 생각이 들었습니다</a:t>
+            </a:r>
+            <a:r>
+              <a:rPr lang="en-US" altLang="ko-KR" sz="1800" dirty="0">
+                <a:effectLst/>
+                <a:ea typeface="맑은 고딕" panose="020B0503020000020004" pitchFamily="50" charset="-127"/>
+                <a:cs typeface="Times New Roman" panose="02020603050405020304" pitchFamily="18" charset="0"/>
+              </a:rPr>
               <a:t>.</a:t>
             </a:r>
             <a:endParaRPr lang="ko-KR" altLang="en-US" dirty="0"/>
@@ -4709,51 +6024,145 @@
           <a:lstStyle/>
           <a:p>
             <a:r>
-              <a:rPr lang="ko-KR" altLang="en-US" dirty="0"/>
-              <a:t>만약 학교나 백화점 같은 큰 규모의 경우</a:t>
-            </a:r>
-            <a:r>
-              <a:rPr lang="en-US" altLang="ko-KR" dirty="0"/>
-              <a:t>,</a:t>
-            </a:r>
-          </a:p>
-          <a:p>
-            <a:r>
-              <a:rPr lang="ko-KR" altLang="en-US" dirty="0"/>
-              <a:t>관리자가 그 많은 손소독제를 전수조사 한다면</a:t>
-            </a:r>
-            <a:r>
-              <a:rPr lang="en-US" altLang="ko-KR" dirty="0"/>
+              <a:rPr lang="ko-KR" altLang="ko-KR" sz="1800" dirty="0">
+                <a:effectLst/>
+                <a:ea typeface="맑은 고딕" panose="020B0503020000020004" pitchFamily="50" charset="-127"/>
+                <a:cs typeface="Times New Roman" panose="02020603050405020304" pitchFamily="18" charset="0"/>
+              </a:rPr>
+              <a:t>손소독제를 관리하는 장소가 어느 작은 규모에 한정된 것이 아니라</a:t>
+            </a:r>
+            <a:br>
+              <a:rPr lang="en-US" altLang="ko-KR" sz="1800" dirty="0">
+                <a:effectLst/>
+                <a:ea typeface="맑은 고딕" panose="020B0503020000020004" pitchFamily="50" charset="-127"/>
+                <a:cs typeface="Times New Roman" panose="02020603050405020304" pitchFamily="18" charset="0"/>
+              </a:rPr>
+            </a:br>
+            <a:r>
+              <a:rPr lang="ko-KR" altLang="ko-KR" sz="1800" dirty="0">
+                <a:effectLst/>
+                <a:ea typeface="맑은 고딕" panose="020B0503020000020004" pitchFamily="50" charset="-127"/>
+                <a:cs typeface="Times New Roman" panose="02020603050405020304" pitchFamily="18" charset="0"/>
+              </a:rPr>
+              <a:t>만약 학교나 백화점 같은 큰 규모의 장소에서 관리자가 그 많은 손소독제를 전수조사 한다면</a:t>
+            </a:r>
+            <a:r>
+              <a:rPr lang="en-US" altLang="ko-KR" sz="1800" dirty="0">
+                <a:effectLst/>
+                <a:ea typeface="맑은 고딕" panose="020B0503020000020004" pitchFamily="50" charset="-127"/>
+                <a:cs typeface="Times New Roman" panose="02020603050405020304" pitchFamily="18" charset="0"/>
+              </a:rPr>
               <a:t>, </a:t>
             </a:r>
-            <a:r>
-              <a:rPr lang="ko-KR" altLang="en-US" dirty="0"/>
-              <a:t>이는 시간 낭비와 비효율적인 관리라고 볼 수 밖에 없습니다</a:t>
-            </a:r>
-            <a:r>
-              <a:rPr lang="en-US" altLang="ko-KR" dirty="0"/>
+            <a:br>
+              <a:rPr lang="en-US" altLang="ko-KR" sz="1800" dirty="0">
+                <a:effectLst/>
+                <a:ea typeface="맑은 고딕" panose="020B0503020000020004" pitchFamily="50" charset="-127"/>
+                <a:cs typeface="Times New Roman" panose="02020603050405020304" pitchFamily="18" charset="0"/>
+              </a:rPr>
+            </a:br>
+            <a:r>
+              <a:rPr lang="ko-KR" altLang="ko-KR" sz="1800" dirty="0">
+                <a:effectLst/>
+                <a:ea typeface="맑은 고딕" panose="020B0503020000020004" pitchFamily="50" charset="-127"/>
+                <a:cs typeface="Times New Roman" panose="02020603050405020304" pitchFamily="18" charset="0"/>
+              </a:rPr>
+              <a:t>이는 시간 낭비와 비효율적인 관리라고 볼 수밖에 없습니다</a:t>
+            </a:r>
+            <a:r>
+              <a:rPr lang="en-US" altLang="ko-KR" sz="1800" dirty="0">
+                <a:effectLst/>
+                <a:ea typeface="맑은 고딕" panose="020B0503020000020004" pitchFamily="50" charset="-127"/>
+                <a:cs typeface="Times New Roman" panose="02020603050405020304" pitchFamily="18" charset="0"/>
+              </a:rPr>
               <a:t>.</a:t>
             </a:r>
-          </a:p>
-          <a:p>
-            <a:r>
-              <a:rPr lang="ko-KR" altLang="en-US" dirty="0"/>
-              <a:t>직접 확인하기 전에는 손소독제가 고갈되었는지 확인이 불가하기에</a:t>
-            </a:r>
-            <a:r>
-              <a:rPr lang="en-US" altLang="ko-KR" dirty="0"/>
-              <a:t>,</a:t>
-            </a:r>
-          </a:p>
-          <a:p>
-            <a:r>
-              <a:rPr lang="ko-KR" altLang="en-US" dirty="0"/>
-              <a:t>아직 손소독제가 소모되지 않아 교체할 필요가 없는 곳까지 방문하는 경우가 다반사입니다</a:t>
-            </a:r>
-            <a:r>
-              <a:rPr lang="en-US" altLang="ko-KR" dirty="0"/>
+            <a:br>
+              <a:rPr lang="en-US" altLang="ko-KR" sz="1800" dirty="0">
+                <a:effectLst/>
+                <a:ea typeface="맑은 고딕" panose="020B0503020000020004" pitchFamily="50" charset="-127"/>
+                <a:cs typeface="Times New Roman" panose="02020603050405020304" pitchFamily="18" charset="0"/>
+              </a:rPr>
+            </a:br>
+            <a:r>
+              <a:rPr lang="ko-KR" altLang="ko-KR" sz="1800" dirty="0">
+                <a:effectLst/>
+                <a:ea typeface="맑은 고딕" panose="020B0503020000020004" pitchFamily="50" charset="-127"/>
+                <a:cs typeface="Times New Roman" panose="02020603050405020304" pitchFamily="18" charset="0"/>
+              </a:rPr>
+              <a:t>잠깐만 생각해봐도</a:t>
+            </a:r>
+            <a:r>
+              <a:rPr lang="en-US" altLang="ko-KR" sz="1800" dirty="0">
+                <a:effectLst/>
+                <a:ea typeface="맑은 고딕" panose="020B0503020000020004" pitchFamily="50" charset="-127"/>
+                <a:cs typeface="Times New Roman" panose="02020603050405020304" pitchFamily="18" charset="0"/>
+              </a:rPr>
+              <a:t>, </a:t>
+            </a:r>
+            <a:r>
+              <a:rPr lang="ko-KR" altLang="ko-KR" sz="1800" dirty="0">
+                <a:effectLst/>
+                <a:ea typeface="맑은 고딕" panose="020B0503020000020004" pitchFamily="50" charset="-127"/>
+                <a:cs typeface="Times New Roman" panose="02020603050405020304" pitchFamily="18" charset="0"/>
+              </a:rPr>
+              <a:t>직접 확인하기 전에는 손소독제가 고갈되었는지 혹은 채워져 있는지</a:t>
+            </a:r>
+            <a:br>
+              <a:rPr lang="en-US" altLang="ko-KR" sz="1800" dirty="0">
+                <a:effectLst/>
+                <a:ea typeface="맑은 고딕" panose="020B0503020000020004" pitchFamily="50" charset="-127"/>
+                <a:cs typeface="Times New Roman" panose="02020603050405020304" pitchFamily="18" charset="0"/>
+              </a:rPr>
+            </a:br>
+            <a:r>
+              <a:rPr lang="ko-KR" altLang="ko-KR" sz="1800" dirty="0">
+                <a:effectLst/>
+                <a:ea typeface="맑은 고딕" panose="020B0503020000020004" pitchFamily="50" charset="-127"/>
+                <a:cs typeface="Times New Roman" panose="02020603050405020304" pitchFamily="18" charset="0"/>
+              </a:rPr>
+              <a:t>확인이 불가하기에</a:t>
+            </a:r>
+            <a:r>
+              <a:rPr lang="en-US" altLang="ko-KR" sz="1800" dirty="0">
+                <a:effectLst/>
+                <a:ea typeface="맑은 고딕" panose="020B0503020000020004" pitchFamily="50" charset="-127"/>
+                <a:cs typeface="Times New Roman" panose="02020603050405020304" pitchFamily="18" charset="0"/>
+              </a:rPr>
+              <a:t>, </a:t>
+            </a:r>
+            <a:r>
+              <a:rPr lang="ko-KR" altLang="ko-KR" sz="1800" dirty="0">
+                <a:effectLst/>
+                <a:ea typeface="맑은 고딕" panose="020B0503020000020004" pitchFamily="50" charset="-127"/>
+                <a:cs typeface="Times New Roman" panose="02020603050405020304" pitchFamily="18" charset="0"/>
+              </a:rPr>
+              <a:t>아직 손소독제가 소모되지 않아 교체할 필요가 없는 곳까지 </a:t>
+            </a:r>
+            <a:br>
+              <a:rPr lang="en-US" altLang="ko-KR" sz="1800" dirty="0">
+                <a:effectLst/>
+                <a:ea typeface="맑은 고딕" panose="020B0503020000020004" pitchFamily="50" charset="-127"/>
+                <a:cs typeface="Times New Roman" panose="02020603050405020304" pitchFamily="18" charset="0"/>
+              </a:rPr>
+            </a:br>
+            <a:r>
+              <a:rPr lang="ko-KR" altLang="ko-KR" sz="1800" dirty="0">
+                <a:effectLst/>
+                <a:ea typeface="맑은 고딕" panose="020B0503020000020004" pitchFamily="50" charset="-127"/>
+                <a:cs typeface="Times New Roman" panose="02020603050405020304" pitchFamily="18" charset="0"/>
+              </a:rPr>
+              <a:t>방문하는 경우가 다반사입니다</a:t>
+            </a:r>
+            <a:r>
+              <a:rPr lang="en-US" altLang="ko-KR" sz="1800" dirty="0">
+                <a:effectLst/>
+                <a:ea typeface="맑은 고딕" panose="020B0503020000020004" pitchFamily="50" charset="-127"/>
+                <a:cs typeface="Times New Roman" panose="02020603050405020304" pitchFamily="18" charset="0"/>
+              </a:rPr>
               <a:t>.</a:t>
             </a:r>
+            <a:endParaRPr lang="en-US" altLang="ko-KR" dirty="0"/>
           </a:p>
         </p:txBody>
       </p:sp>
@@ -4837,45 +6246,108 @@
           <a:bodyPr/>
           <a:lstStyle/>
           <a:p>
-            <a:r>
-              <a:rPr lang="ko-KR" altLang="en-US" dirty="0"/>
-              <a:t>그래서 저희는 이러한 문제점에 착안하여</a:t>
-            </a:r>
-            <a:r>
-              <a:rPr lang="en-US" altLang="ko-KR" dirty="0"/>
-              <a:t>, IoT </a:t>
-            </a:r>
-            <a:r>
-              <a:rPr lang="ko-KR" altLang="en-US" dirty="0"/>
-              <a:t>기술을 이용해서</a:t>
-            </a:r>
-            <a:endParaRPr lang="en-US" altLang="ko-KR" dirty="0"/>
-          </a:p>
-          <a:p>
-            <a:r>
-              <a:rPr lang="ko-KR" altLang="en-US" dirty="0"/>
-              <a:t>손소독제의 잔량을 원격으로 체크해주고</a:t>
-            </a:r>
-            <a:r>
-              <a:rPr lang="en-US" altLang="ko-KR" dirty="0"/>
+            <a:pPr algn="l" latinLnBrk="1">
+              <a:lnSpc>
+                <a:spcPct val="107000"/>
+              </a:lnSpc>
+              <a:spcAft>
+                <a:spcPts val="800"/>
+              </a:spcAft>
+            </a:pPr>
+            <a:r>
+              <a:rPr lang="ko-KR" altLang="ko-KR" sz="1800" kern="100" dirty="0">
+                <a:effectLst/>
+                <a:latin typeface="맑은 고딕" panose="020B0503020000020004" pitchFamily="50" charset="-127"/>
+                <a:ea typeface="맑은 고딕" panose="020B0503020000020004" pitchFamily="50" charset="-127"/>
+                <a:cs typeface="Times New Roman" panose="02020603050405020304" pitchFamily="18" charset="0"/>
+              </a:rPr>
+              <a:t>그렇기 때문에 앞서 언급하였듯이 저희는 이 손소독제 관리의 문제점에 착안하여</a:t>
+            </a:r>
+            <a:r>
+              <a:rPr lang="en-US" altLang="ko-KR" sz="1800" kern="100" dirty="0">
+                <a:effectLst/>
+                <a:latin typeface="맑은 고딕" panose="020B0503020000020004" pitchFamily="50" charset="-127"/>
+                <a:ea typeface="맑은 고딕" panose="020B0503020000020004" pitchFamily="50" charset="-127"/>
+                <a:cs typeface="Times New Roman" panose="02020603050405020304" pitchFamily="18" charset="0"/>
+              </a:rPr>
               <a:t>, </a:t>
             </a:r>
-            <a:r>
-              <a:rPr lang="ko-KR" altLang="en-US" dirty="0"/>
+            <a:br>
+              <a:rPr lang="en-US" altLang="ko-KR" sz="1800" kern="100" dirty="0">
+                <a:effectLst/>
+                <a:latin typeface="맑은 고딕" panose="020B0503020000020004" pitchFamily="50" charset="-127"/>
+                <a:ea typeface="맑은 고딕" panose="020B0503020000020004" pitchFamily="50" charset="-127"/>
+                <a:cs typeface="Times New Roman" panose="02020603050405020304" pitchFamily="18" charset="0"/>
+              </a:rPr>
+            </a:br>
+            <a:r>
+              <a:rPr lang="en-US" altLang="ko-KR" sz="1800" kern="100" dirty="0">
+                <a:effectLst/>
+                <a:latin typeface="맑은 고딕" panose="020B0503020000020004" pitchFamily="50" charset="-127"/>
+                <a:ea typeface="맑은 고딕" panose="020B0503020000020004" pitchFamily="50" charset="-127"/>
+                <a:cs typeface="Times New Roman" panose="02020603050405020304" pitchFamily="18" charset="0"/>
+              </a:rPr>
+              <a:t>IoT </a:t>
+            </a:r>
+            <a:r>
+              <a:rPr lang="ko-KR" altLang="ko-KR" sz="1800" kern="100" dirty="0">
+                <a:effectLst/>
+                <a:latin typeface="맑은 고딕" panose="020B0503020000020004" pitchFamily="50" charset="-127"/>
+                <a:ea typeface="맑은 고딕" panose="020B0503020000020004" pitchFamily="50" charset="-127"/>
+                <a:cs typeface="Times New Roman" panose="02020603050405020304" pitchFamily="18" charset="0"/>
+              </a:rPr>
+              <a:t>기술을 이용해서 손소독제의 잔량을 원격으로 체크해주고</a:t>
+            </a:r>
+            <a:r>
+              <a:rPr lang="en-US" altLang="ko-KR" sz="1800" kern="100" dirty="0">
+                <a:effectLst/>
+                <a:latin typeface="맑은 고딕" panose="020B0503020000020004" pitchFamily="50" charset="-127"/>
+                <a:ea typeface="맑은 고딕" panose="020B0503020000020004" pitchFamily="50" charset="-127"/>
+                <a:cs typeface="Times New Roman" panose="02020603050405020304" pitchFamily="18" charset="0"/>
+              </a:rPr>
+              <a:t>, </a:t>
+            </a:r>
+            <a:r>
+              <a:rPr lang="ko-KR" altLang="ko-KR" sz="1800" kern="100" dirty="0">
+                <a:effectLst/>
+                <a:latin typeface="맑은 고딕" panose="020B0503020000020004" pitchFamily="50" charset="-127"/>
+                <a:ea typeface="맑은 고딕" panose="020B0503020000020004" pitchFamily="50" charset="-127"/>
+                <a:cs typeface="Times New Roman" panose="02020603050405020304" pitchFamily="18" charset="0"/>
+              </a:rPr>
               <a:t>소모되는 정도를 파악하여</a:t>
             </a:r>
-            <a:endParaRPr lang="en-US" altLang="ko-KR" dirty="0"/>
-          </a:p>
-          <a:p>
-            <a:r>
-              <a:rPr lang="ko-KR" altLang="en-US" dirty="0"/>
+            <a:br>
+              <a:rPr lang="en-US" altLang="ko-KR" sz="1800" kern="100" dirty="0">
+                <a:effectLst/>
+                <a:latin typeface="맑은 고딕" panose="020B0503020000020004" pitchFamily="50" charset="-127"/>
+                <a:ea typeface="맑은 고딕" panose="020B0503020000020004" pitchFamily="50" charset="-127"/>
+                <a:cs typeface="Times New Roman" panose="02020603050405020304" pitchFamily="18" charset="0"/>
+              </a:rPr>
+            </a:br>
+            <a:r>
+              <a:rPr lang="ko-KR" altLang="ko-KR" sz="1800" kern="100" dirty="0">
+                <a:effectLst/>
+                <a:latin typeface="맑은 고딕" panose="020B0503020000020004" pitchFamily="50" charset="-127"/>
+                <a:ea typeface="맑은 고딕" panose="020B0503020000020004" pitchFamily="50" charset="-127"/>
+                <a:cs typeface="Times New Roman" panose="02020603050405020304" pitchFamily="18" charset="0"/>
+              </a:rPr>
               <a:t>적절하고 효율적인 관리를 돕는 프로세스를 고안해 보았습니다</a:t>
             </a:r>
             <a:r>
-              <a:rPr lang="en-US" altLang="ko-KR" dirty="0"/>
+              <a:rPr lang="en-US" altLang="ko-KR" sz="1800" kern="100" dirty="0">
+                <a:effectLst/>
+                <a:latin typeface="맑은 고딕" panose="020B0503020000020004" pitchFamily="50" charset="-127"/>
+                <a:ea typeface="맑은 고딕" panose="020B0503020000020004" pitchFamily="50" charset="-127"/>
+                <a:cs typeface="Times New Roman" panose="02020603050405020304" pitchFamily="18" charset="0"/>
+              </a:rPr>
               <a:t>.</a:t>
             </a:r>
-            <a:endParaRPr lang="ko-KR" altLang="en-US" dirty="0"/>
+            <a:endParaRPr lang="ko-KR" altLang="ko-KR" sz="1800" kern="100" dirty="0">
+              <a:effectLst/>
+              <a:latin typeface="맑은 고딕" panose="020B0503020000020004" pitchFamily="50" charset="-127"/>
+              <a:ea typeface="맑은 고딕" panose="020B0503020000020004" pitchFamily="50" charset="-127"/>
+              <a:cs typeface="Times New Roman" panose="02020603050405020304" pitchFamily="18" charset="0"/>
+            </a:endParaRPr>
           </a:p>
         </p:txBody>
       </p:sp>
@@ -4977,91 +6449,302 @@
               <a:defRPr/>
             </a:pPr>
             <a:r>
-              <a:rPr lang="ko-KR" altLang="en-US" dirty="0"/>
-              <a:t>그렇게 저희가 개발하고자 하는 서비스가 바로 </a:t>
-            </a:r>
-            <a:r>
-              <a:rPr lang="en-US" altLang="ko-KR" dirty="0"/>
-              <a:t>“</a:t>
-            </a:r>
-            <a:r>
-              <a:rPr lang="ko-KR" altLang="en-US" dirty="0"/>
-              <a:t>손소독제 관리 시스템</a:t>
-            </a:r>
-            <a:r>
-              <a:rPr lang="en-US" altLang="ko-KR" dirty="0"/>
-              <a:t>”</a:t>
-            </a:r>
-            <a:r>
-              <a:rPr lang="ko-KR" altLang="en-US" dirty="0"/>
-              <a:t>입니다</a:t>
-            </a:r>
-            <a:r>
-              <a:rPr lang="en-US" altLang="ko-KR" dirty="0"/>
+              <a:rPr lang="ko-KR" altLang="ko-KR" sz="1800" dirty="0">
+                <a:effectLst/>
+                <a:ea typeface="맑은 고딕" panose="020B0503020000020004" pitchFamily="50" charset="-127"/>
+                <a:cs typeface="Times New Roman" panose="02020603050405020304" pitchFamily="18" charset="0"/>
+              </a:rPr>
+              <a:t>그렇게 저희가 개발하고자 하는 서비스가 바로 “손소독제 관리 시스템” 입니다</a:t>
+            </a:r>
+            <a:r>
+              <a:rPr lang="en-US" altLang="ko-KR" sz="1800" dirty="0">
+                <a:effectLst/>
+                <a:ea typeface="맑은 고딕" panose="020B0503020000020004" pitchFamily="50" charset="-127"/>
+                <a:cs typeface="Times New Roman" panose="02020603050405020304" pitchFamily="18" charset="0"/>
+              </a:rPr>
               <a:t>.</a:t>
             </a:r>
-          </a:p>
-          <a:p>
-            <a:pPr marL="0" marR="0" lvl="0" indent="0" algn="l" defTabSz="914400" rtl="0" eaLnBrk="1" fontAlgn="auto" latinLnBrk="1" hangingPunct="1">
-              <a:lnSpc>
-                <a:spcPct val="100000"/>
-              </a:lnSpc>
-              <a:spcBef>
-                <a:spcPts val="0"/>
-              </a:spcBef>
-              <a:spcAft>
-                <a:spcPts val="0"/>
-              </a:spcAft>
-              <a:buClrTx/>
-              <a:buSzTx/>
-              <a:buFontTx/>
-              <a:buNone/>
-              <a:tabLst/>
-              <a:defRPr/>
-            </a:pPr>
-            <a:r>
-              <a:rPr lang="ko-KR" altLang="en-US" dirty="0"/>
-              <a:t>이 서비스의 주요 기능은 </a:t>
-            </a:r>
-            <a:r>
-              <a:rPr lang="en-US" altLang="ko-KR" dirty="0"/>
-              <a:t>IoT </a:t>
-            </a:r>
-            <a:r>
-              <a:rPr lang="ko-KR" altLang="en-US" dirty="0"/>
+            <a:br>
+              <a:rPr lang="en-US" altLang="ko-KR" sz="1800" dirty="0">
+                <a:effectLst/>
+                <a:ea typeface="맑은 고딕" panose="020B0503020000020004" pitchFamily="50" charset="-127"/>
+                <a:cs typeface="Times New Roman" panose="02020603050405020304" pitchFamily="18" charset="0"/>
+              </a:rPr>
+            </a:br>
+            <a:r>
+              <a:rPr lang="ko-KR" altLang="ko-KR" sz="1800" dirty="0">
+                <a:effectLst/>
+                <a:ea typeface="맑은 고딕" panose="020B0503020000020004" pitchFamily="50" charset="-127"/>
+                <a:cs typeface="Times New Roman" panose="02020603050405020304" pitchFamily="18" charset="0"/>
+              </a:rPr>
+              <a:t>이 서비스의 주요 기능은</a:t>
+            </a:r>
+            <a:r>
+              <a:rPr lang="en-US" altLang="ko-KR" sz="1800" dirty="0">
+                <a:effectLst/>
+                <a:ea typeface="맑은 고딕" panose="020B0503020000020004" pitchFamily="50" charset="-127"/>
+                <a:cs typeface="Times New Roman" panose="02020603050405020304" pitchFamily="18" charset="0"/>
+              </a:rPr>
+              <a:t> IoT </a:t>
+            </a:r>
+            <a:r>
+              <a:rPr lang="ko-KR" altLang="ko-KR" sz="1800" dirty="0">
+                <a:effectLst/>
+                <a:ea typeface="맑은 고딕" panose="020B0503020000020004" pitchFamily="50" charset="-127"/>
+                <a:cs typeface="Times New Roman" panose="02020603050405020304" pitchFamily="18" charset="0"/>
+              </a:rPr>
               <a:t>센서를 통해 손소독제 잔량을 측정하여</a:t>
             </a:r>
             <a:r>
-              <a:rPr lang="en-US" altLang="ko-KR" dirty="0"/>
+              <a:rPr lang="en-US" altLang="ko-KR" sz="1800" dirty="0">
+                <a:effectLst/>
+                <a:ea typeface="맑은 고딕" panose="020B0503020000020004" pitchFamily="50" charset="-127"/>
+                <a:cs typeface="Times New Roman" panose="02020603050405020304" pitchFamily="18" charset="0"/>
+              </a:rPr>
               <a:t>,</a:t>
             </a:r>
             <a:br>
-              <a:rPr lang="en-US" altLang="ko-KR" dirty="0"/>
+              <a:rPr lang="en-US" altLang="ko-KR" sz="1800" dirty="0">
+                <a:effectLst/>
+                <a:ea typeface="맑은 고딕" panose="020B0503020000020004" pitchFamily="50" charset="-127"/>
+                <a:cs typeface="Times New Roman" panose="02020603050405020304" pitchFamily="18" charset="0"/>
+              </a:rPr>
             </a:br>
             <a:r>
-              <a:rPr lang="ko-KR" altLang="en-US" dirty="0"/>
-              <a:t>소독제가 고갈되었을 때</a:t>
-            </a:r>
-            <a:r>
-              <a:rPr lang="en-US" altLang="ko-KR" dirty="0"/>
+              <a:rPr lang="ko-KR" altLang="ko-KR" sz="1800" dirty="0">
+                <a:effectLst/>
+                <a:ea typeface="맑은 고딕" panose="020B0503020000020004" pitchFamily="50" charset="-127"/>
+                <a:cs typeface="Times New Roman" panose="02020603050405020304" pitchFamily="18" charset="0"/>
+              </a:rPr>
+              <a:t>손소독제가 고갈되었을 때</a:t>
+            </a:r>
+            <a:r>
+              <a:rPr lang="en-US" altLang="ko-KR" sz="1800" dirty="0">
+                <a:effectLst/>
+                <a:ea typeface="맑은 고딕" panose="020B0503020000020004" pitchFamily="50" charset="-127"/>
+                <a:cs typeface="Times New Roman" panose="02020603050405020304" pitchFamily="18" charset="0"/>
+              </a:rPr>
               <a:t>, </a:t>
             </a:r>
             <a:r>
-              <a:rPr lang="ko-KR" altLang="en-US" dirty="0"/>
-              <a:t>관리자에게 </a:t>
-            </a:r>
-            <a:r>
-              <a:rPr lang="en-US" altLang="ko-KR" dirty="0"/>
+              <a:rPr lang="ko-KR" altLang="ko-KR" sz="1800" dirty="0">
+                <a:effectLst/>
+                <a:ea typeface="맑은 고딕" panose="020B0503020000020004" pitchFamily="50" charset="-127"/>
+                <a:cs typeface="Times New Roman" panose="02020603050405020304" pitchFamily="18" charset="0"/>
+              </a:rPr>
+              <a:t>관리자에게</a:t>
+            </a:r>
+            <a:r>
+              <a:rPr lang="en-US" altLang="ko-KR" sz="1800" dirty="0">
+                <a:effectLst/>
+                <a:ea typeface="맑은 고딕" panose="020B0503020000020004" pitchFamily="50" charset="-127"/>
+                <a:cs typeface="Times New Roman" panose="02020603050405020304" pitchFamily="18" charset="0"/>
+              </a:rPr>
+              <a:t> App</a:t>
+            </a:r>
+            <a:r>
+              <a:rPr lang="ko-KR" altLang="ko-KR" sz="1800" dirty="0">
+                <a:effectLst/>
+                <a:ea typeface="맑은 고딕" panose="020B0503020000020004" pitchFamily="50" charset="-127"/>
+                <a:cs typeface="Times New Roman" panose="02020603050405020304" pitchFamily="18" charset="0"/>
+              </a:rPr>
+              <a:t>을 통해 알림을 보내는 것입니다</a:t>
+            </a:r>
+            <a:r>
+              <a:rPr lang="en-US" altLang="ko-KR" sz="1800" dirty="0">
+                <a:effectLst/>
+                <a:ea typeface="맑은 고딕" panose="020B0503020000020004" pitchFamily="50" charset="-127"/>
+                <a:cs typeface="Times New Roman" panose="02020603050405020304" pitchFamily="18" charset="0"/>
+              </a:rPr>
+              <a:t>.</a:t>
+            </a:r>
+            <a:br>
+              <a:rPr lang="en-US" altLang="ko-KR" sz="1800" dirty="0">
+                <a:effectLst/>
+                <a:ea typeface="맑은 고딕" panose="020B0503020000020004" pitchFamily="50" charset="-127"/>
+                <a:cs typeface="Times New Roman" panose="02020603050405020304" pitchFamily="18" charset="0"/>
+              </a:rPr>
+            </a:br>
+            <a:r>
+              <a:rPr lang="ko-KR" altLang="ko-KR" sz="1800" dirty="0">
+                <a:effectLst/>
+                <a:ea typeface="맑은 고딕" panose="020B0503020000020004" pitchFamily="50" charset="-127"/>
+                <a:cs typeface="Times New Roman" panose="02020603050405020304" pitchFamily="18" charset="0"/>
+              </a:rPr>
+              <a:t>손소독제 관리자가 실시간으로 필요할 때마다 </a:t>
+            </a:r>
+            <a:r>
+              <a:rPr lang="en-US" altLang="ko-KR" sz="1800" dirty="0">
+                <a:effectLst/>
+                <a:ea typeface="맑은 고딕" panose="020B0503020000020004" pitchFamily="50" charset="-127"/>
+                <a:cs typeface="Times New Roman" panose="02020603050405020304" pitchFamily="18" charset="0"/>
+              </a:rPr>
               <a:t>App</a:t>
             </a:r>
             <a:r>
-              <a:rPr lang="ko-KR" altLang="en-US" dirty="0"/>
-              <a:t>을 통해 알림을 보내는 것입니다</a:t>
-            </a:r>
-            <a:r>
-              <a:rPr lang="en-US" altLang="ko-KR" dirty="0"/>
+              <a:rPr lang="ko-KR" altLang="ko-KR" sz="1800" dirty="0">
+                <a:effectLst/>
+                <a:ea typeface="맑은 고딕" panose="020B0503020000020004" pitchFamily="50" charset="-127"/>
+                <a:cs typeface="Times New Roman" panose="02020603050405020304" pitchFamily="18" charset="0"/>
+              </a:rPr>
+              <a:t>을 통해 잔량을 확인하면</a:t>
+            </a:r>
+            <a:r>
+              <a:rPr lang="en-US" altLang="ko-KR" sz="1800" dirty="0">
+                <a:effectLst/>
+                <a:ea typeface="맑은 고딕" panose="020B0503020000020004" pitchFamily="50" charset="-127"/>
+                <a:cs typeface="Times New Roman" panose="02020603050405020304" pitchFamily="18" charset="0"/>
+              </a:rPr>
+              <a:t>,</a:t>
+            </a:r>
+            <a:br>
+              <a:rPr lang="en-US" altLang="ko-KR" sz="1800" dirty="0">
+                <a:effectLst/>
+                <a:ea typeface="맑은 고딕" panose="020B0503020000020004" pitchFamily="50" charset="-127"/>
+                <a:cs typeface="Times New Roman" panose="02020603050405020304" pitchFamily="18" charset="0"/>
+              </a:rPr>
+            </a:br>
+            <a:r>
+              <a:rPr lang="ko-KR" altLang="ko-KR" sz="1800" dirty="0">
+                <a:effectLst/>
+                <a:ea typeface="맑은 고딕" panose="020B0503020000020004" pitchFamily="50" charset="-127"/>
+                <a:cs typeface="Times New Roman" panose="02020603050405020304" pitchFamily="18" charset="0"/>
+              </a:rPr>
+              <a:t>앞서 설명한 현재 손소독제 관리의 문제점이</a:t>
+            </a:r>
+            <a:br>
+              <a:rPr lang="en-US" altLang="ko-KR" sz="1800" dirty="0">
+                <a:effectLst/>
+                <a:ea typeface="맑은 고딕" panose="020B0503020000020004" pitchFamily="50" charset="-127"/>
+                <a:cs typeface="Times New Roman" panose="02020603050405020304" pitchFamily="18" charset="0"/>
+              </a:rPr>
+            </a:br>
+            <a:r>
+              <a:rPr lang="ko-KR" altLang="ko-KR" sz="1800" dirty="0">
+                <a:effectLst/>
+                <a:ea typeface="맑은 고딕" panose="020B0503020000020004" pitchFamily="50" charset="-127"/>
+                <a:cs typeface="Times New Roman" panose="02020603050405020304" pitchFamily="18" charset="0"/>
+              </a:rPr>
+              <a:t>직접 가서 확인하지 않아도 되는</a:t>
+            </a:r>
+            <a:r>
+              <a:rPr lang="en-US" altLang="ko-KR" sz="1800" dirty="0">
+                <a:effectLst/>
+                <a:ea typeface="맑은 고딕" panose="020B0503020000020004" pitchFamily="50" charset="-127"/>
+                <a:cs typeface="Times New Roman" panose="02020603050405020304" pitchFamily="18" charset="0"/>
+              </a:rPr>
+              <a:t>, </a:t>
+            </a:r>
+            <a:r>
+              <a:rPr lang="ko-KR" altLang="ko-KR" sz="1800" dirty="0">
+                <a:effectLst/>
+                <a:ea typeface="맑은 고딕" panose="020B0503020000020004" pitchFamily="50" charset="-127"/>
+                <a:cs typeface="Times New Roman" panose="02020603050405020304" pitchFamily="18" charset="0"/>
+              </a:rPr>
+              <a:t>동선이 최적화된다는 장점으로 변하게 될 것입니다</a:t>
+            </a:r>
+            <a:r>
+              <a:rPr lang="en-US" altLang="ko-KR" sz="1800" dirty="0">
+                <a:effectLst/>
+                <a:ea typeface="맑은 고딕" panose="020B0503020000020004" pitchFamily="50" charset="-127"/>
+                <a:cs typeface="Times New Roman" panose="02020603050405020304" pitchFamily="18" charset="0"/>
+              </a:rPr>
               <a:t>.</a:t>
             </a:r>
+            <a:br>
+              <a:rPr lang="en-US" altLang="ko-KR" sz="1800" dirty="0">
+                <a:effectLst/>
+                <a:ea typeface="맑은 고딕" panose="020B0503020000020004" pitchFamily="50" charset="-127"/>
+                <a:cs typeface="Times New Roman" panose="02020603050405020304" pitchFamily="18" charset="0"/>
+              </a:rPr>
+            </a:br>
+            <a:r>
+              <a:rPr lang="ko-KR" altLang="ko-KR" sz="1800" dirty="0">
+                <a:effectLst/>
+                <a:ea typeface="맑은 고딕" panose="020B0503020000020004" pitchFamily="50" charset="-127"/>
+                <a:cs typeface="Times New Roman" panose="02020603050405020304" pitchFamily="18" charset="0"/>
+              </a:rPr>
+              <a:t>뿐만 아니라 손소독제가 고갈되었을 때에 바로 </a:t>
+            </a:r>
+            <a:r>
+              <a:rPr lang="en-US" altLang="ko-KR" sz="1800" dirty="0">
+                <a:effectLst/>
+                <a:ea typeface="맑은 고딕" panose="020B0503020000020004" pitchFamily="50" charset="-127"/>
+                <a:cs typeface="Times New Roman" panose="02020603050405020304" pitchFamily="18" charset="0"/>
+              </a:rPr>
+              <a:t>App</a:t>
+            </a:r>
+            <a:r>
+              <a:rPr lang="ko-KR" altLang="ko-KR" sz="1800" dirty="0">
+                <a:effectLst/>
+                <a:ea typeface="맑은 고딕" panose="020B0503020000020004" pitchFamily="50" charset="-127"/>
+                <a:cs typeface="Times New Roman" panose="02020603050405020304" pitchFamily="18" charset="0"/>
+              </a:rPr>
+              <a:t>으로 알림을 보냄으로써</a:t>
+            </a:r>
+            <a:br>
+              <a:rPr lang="en-US" altLang="ko-KR" sz="1800" dirty="0">
+                <a:effectLst/>
+                <a:ea typeface="맑은 고딕" panose="020B0503020000020004" pitchFamily="50" charset="-127"/>
+                <a:cs typeface="Times New Roman" panose="02020603050405020304" pitchFamily="18" charset="0"/>
+              </a:rPr>
+            </a:br>
+            <a:r>
+              <a:rPr lang="ko-KR" altLang="ko-KR" sz="1800" dirty="0">
+                <a:effectLst/>
+                <a:ea typeface="맑은 고딕" panose="020B0503020000020004" pitchFamily="50" charset="-127"/>
+                <a:cs typeface="Times New Roman" panose="02020603050405020304" pitchFamily="18" charset="0"/>
+              </a:rPr>
+              <a:t>손소독제가 완전히 고갈됐을 때에 사용자들이 이용하지 못하는 그 시간을 줄일 수 있습니다</a:t>
+            </a:r>
+            <a:r>
+              <a:rPr lang="en-US" altLang="ko-KR" sz="1800" dirty="0">
+                <a:effectLst/>
+                <a:ea typeface="맑은 고딕" panose="020B0503020000020004" pitchFamily="50" charset="-127"/>
+                <a:cs typeface="Times New Roman" panose="02020603050405020304" pitchFamily="18" charset="0"/>
+              </a:rPr>
+              <a:t>.</a:t>
+            </a:r>
+            <a:br>
+              <a:rPr lang="en-US" altLang="ko-KR" sz="1800" dirty="0">
+                <a:effectLst/>
+                <a:ea typeface="맑은 고딕" panose="020B0503020000020004" pitchFamily="50" charset="-127"/>
+                <a:cs typeface="Times New Roman" panose="02020603050405020304" pitchFamily="18" charset="0"/>
+              </a:rPr>
+            </a:br>
+            <a:r>
+              <a:rPr lang="ko-KR" altLang="ko-KR" sz="1800" dirty="0">
+                <a:effectLst/>
+                <a:ea typeface="맑은 고딕" panose="020B0503020000020004" pitchFamily="50" charset="-127"/>
+                <a:cs typeface="Times New Roman" panose="02020603050405020304" pitchFamily="18" charset="0"/>
+              </a:rPr>
+              <a:t>즉</a:t>
+            </a:r>
+            <a:r>
+              <a:rPr lang="en-US" altLang="ko-KR" sz="1800" dirty="0">
+                <a:effectLst/>
+                <a:ea typeface="맑은 고딕" panose="020B0503020000020004" pitchFamily="50" charset="-127"/>
+                <a:cs typeface="Times New Roman" panose="02020603050405020304" pitchFamily="18" charset="0"/>
+              </a:rPr>
+              <a:t>, </a:t>
+            </a:r>
+            <a:r>
+              <a:rPr lang="ko-KR" altLang="ko-KR" sz="1800" dirty="0">
+                <a:effectLst/>
+                <a:ea typeface="맑은 고딕" panose="020B0503020000020004" pitchFamily="50" charset="-127"/>
+                <a:cs typeface="Times New Roman" panose="02020603050405020304" pitchFamily="18" charset="0"/>
+              </a:rPr>
+              <a:t>이 서비스를 통해 가용성을 높일 수 있습니다</a:t>
+            </a:r>
+            <a:r>
+              <a:rPr lang="en-US" altLang="ko-KR" sz="1800" dirty="0">
+                <a:effectLst/>
+                <a:ea typeface="맑은 고딕" panose="020B0503020000020004" pitchFamily="50" charset="-127"/>
+                <a:cs typeface="Times New Roman" panose="02020603050405020304" pitchFamily="18" charset="0"/>
+              </a:rPr>
+              <a:t>.</a:t>
+            </a:r>
+            <a:endParaRPr lang="en-US" altLang="ko-KR" dirty="0"/>
           </a:p>
         </p:txBody>
       </p:sp>
@@ -5163,110 +6846,153 @@
               <a:defRPr/>
             </a:pPr>
             <a:r>
-              <a:rPr lang="ko-KR" altLang="en-US" dirty="0"/>
-              <a:t>그렇기에 이용 대상자는 공공기관 및 건물의 관리자입니다</a:t>
-            </a:r>
-            <a:r>
-              <a:rPr lang="en-US" altLang="ko-KR" dirty="0"/>
+              <a:rPr lang="ko-KR" altLang="ko-KR" sz="1800" dirty="0">
+                <a:effectLst/>
+                <a:ea typeface="맑은 고딕" panose="020B0503020000020004" pitchFamily="50" charset="-127"/>
+                <a:cs typeface="Times New Roman" panose="02020603050405020304" pitchFamily="18" charset="0"/>
+              </a:rPr>
+              <a:t>이러한 서비스이기 때문에 저희 서비스의 이용 대상자는 공공기관 및 건물의 관리자입니다</a:t>
+            </a:r>
+            <a:r>
+              <a:rPr lang="en-US" altLang="ko-KR" sz="1800" dirty="0">
+                <a:effectLst/>
+                <a:ea typeface="맑은 고딕" panose="020B0503020000020004" pitchFamily="50" charset="-127"/>
+                <a:cs typeface="Times New Roman" panose="02020603050405020304" pitchFamily="18" charset="0"/>
+              </a:rPr>
               <a:t>.</a:t>
             </a:r>
-          </a:p>
-          <a:p>
-            <a:pPr marL="0" marR="0" lvl="0" indent="0" algn="l" defTabSz="914400" rtl="0" eaLnBrk="1" fontAlgn="auto" latinLnBrk="1" hangingPunct="1">
-              <a:lnSpc>
-                <a:spcPct val="100000"/>
-              </a:lnSpc>
-              <a:spcBef>
-                <a:spcPts val="0"/>
-              </a:spcBef>
-              <a:spcAft>
-                <a:spcPts val="0"/>
-              </a:spcAft>
-              <a:buClrTx/>
-              <a:buSzTx/>
-              <a:buFontTx/>
-              <a:buNone/>
-              <a:tabLst/>
-              <a:defRPr/>
-            </a:pPr>
-            <a:r>
-              <a:rPr lang="ko-KR" altLang="en-US" dirty="0"/>
+            <a:br>
+              <a:rPr lang="en-US" altLang="ko-KR" sz="1800" dirty="0">
+                <a:effectLst/>
+                <a:ea typeface="맑은 고딕" panose="020B0503020000020004" pitchFamily="50" charset="-127"/>
+                <a:cs typeface="Times New Roman" panose="02020603050405020304" pitchFamily="18" charset="0"/>
+              </a:rPr>
+            </a:br>
+            <a:r>
+              <a:rPr lang="ko-KR" altLang="ko-KR" sz="1800" dirty="0">
+                <a:effectLst/>
+                <a:ea typeface="맑은 고딕" panose="020B0503020000020004" pitchFamily="50" charset="-127"/>
+                <a:cs typeface="Times New Roman" panose="02020603050405020304" pitchFamily="18" charset="0"/>
+              </a:rPr>
+              <a:t>보통 손소독제는 건물의 관리자분들이 현재 관리하고 계시기 때문입니다</a:t>
+            </a:r>
+            <a:r>
+              <a:rPr lang="en-US" altLang="ko-KR" sz="1800" dirty="0">
+                <a:effectLst/>
+                <a:ea typeface="맑은 고딕" panose="020B0503020000020004" pitchFamily="50" charset="-127"/>
+                <a:cs typeface="Times New Roman" panose="02020603050405020304" pitchFamily="18" charset="0"/>
+              </a:rPr>
+              <a:t>.</a:t>
+            </a:r>
+            <a:br>
+              <a:rPr lang="en-US" altLang="ko-KR" sz="1800" dirty="0">
+                <a:effectLst/>
+                <a:ea typeface="맑은 고딕" panose="020B0503020000020004" pitchFamily="50" charset="-127"/>
+                <a:cs typeface="Times New Roman" panose="02020603050405020304" pitchFamily="18" charset="0"/>
+              </a:rPr>
+            </a:br>
+            <a:r>
+              <a:rPr lang="ko-KR" altLang="ko-KR" sz="1800" dirty="0">
+                <a:effectLst/>
+                <a:ea typeface="맑은 고딕" panose="020B0503020000020004" pitchFamily="50" charset="-127"/>
+                <a:cs typeface="Times New Roman" panose="02020603050405020304" pitchFamily="18" charset="0"/>
+              </a:rPr>
               <a:t>이 서비스를 통해 손소독제 잔량 파악으로 인한 불필요한 인력낭비를 방지하고</a:t>
             </a:r>
             <a:r>
-              <a:rPr lang="en-US" altLang="ko-KR" dirty="0"/>
+              <a:rPr lang="en-US" altLang="ko-KR" sz="1800" dirty="0">
+                <a:effectLst/>
+                <a:ea typeface="맑은 고딕" panose="020B0503020000020004" pitchFamily="50" charset="-127"/>
+                <a:cs typeface="Times New Roman" panose="02020603050405020304" pitchFamily="18" charset="0"/>
+              </a:rPr>
               <a:t>,</a:t>
             </a:r>
-          </a:p>
-          <a:p>
-            <a:pPr marL="0" marR="0" lvl="0" indent="0" algn="l" defTabSz="914400" rtl="0" eaLnBrk="1" fontAlgn="auto" latinLnBrk="1" hangingPunct="1">
-              <a:lnSpc>
-                <a:spcPct val="100000"/>
-              </a:lnSpc>
-              <a:spcBef>
-                <a:spcPts val="0"/>
-              </a:spcBef>
-              <a:spcAft>
-                <a:spcPts val="0"/>
-              </a:spcAft>
-              <a:buClrTx/>
-              <a:buSzTx/>
-              <a:buFontTx/>
-              <a:buNone/>
-              <a:tabLst/>
-              <a:defRPr/>
-            </a:pPr>
-            <a:r>
-              <a:rPr lang="ko-KR" altLang="en-US" dirty="0"/>
+            <a:br>
+              <a:rPr lang="en-US" altLang="ko-KR" sz="1800" dirty="0">
+                <a:effectLst/>
+                <a:ea typeface="맑은 고딕" panose="020B0503020000020004" pitchFamily="50" charset="-127"/>
+                <a:cs typeface="Times New Roman" panose="02020603050405020304" pitchFamily="18" charset="0"/>
+              </a:rPr>
+            </a:br>
+            <a:r>
+              <a:rPr lang="ko-KR" altLang="ko-KR" sz="1800" dirty="0">
+                <a:effectLst/>
+                <a:ea typeface="맑은 고딕" panose="020B0503020000020004" pitchFamily="50" charset="-127"/>
+                <a:cs typeface="Times New Roman" panose="02020603050405020304" pitchFamily="18" charset="0"/>
+              </a:rPr>
               <a:t>소모 속도에 따라 적절한 양 조절을 하며</a:t>
             </a:r>
             <a:r>
-              <a:rPr lang="en-US" altLang="ko-KR" dirty="0"/>
+              <a:rPr lang="en-US" altLang="ko-KR" sz="1800" dirty="0">
+                <a:effectLst/>
+                <a:ea typeface="맑은 고딕" panose="020B0503020000020004" pitchFamily="50" charset="-127"/>
+                <a:cs typeface="Times New Roman" panose="02020603050405020304" pitchFamily="18" charset="0"/>
+              </a:rPr>
               <a:t>,</a:t>
             </a:r>
-          </a:p>
-          <a:p>
-            <a:pPr marL="0" marR="0" lvl="0" indent="0" algn="l" defTabSz="914400" rtl="0" eaLnBrk="1" fontAlgn="auto" latinLnBrk="1" hangingPunct="1">
-              <a:lnSpc>
-                <a:spcPct val="100000"/>
-              </a:lnSpc>
-              <a:spcBef>
-                <a:spcPts val="0"/>
-              </a:spcBef>
-              <a:spcAft>
-                <a:spcPts val="0"/>
-              </a:spcAft>
-              <a:buClrTx/>
-              <a:buSzTx/>
-              <a:buFontTx/>
-              <a:buNone/>
-              <a:tabLst/>
-              <a:defRPr/>
-            </a:pPr>
-            <a:r>
-              <a:rPr lang="ko-KR" altLang="en-US" dirty="0"/>
+            <a:br>
+              <a:rPr lang="en-US" altLang="ko-KR" sz="1800" dirty="0">
+                <a:effectLst/>
+                <a:ea typeface="맑은 고딕" panose="020B0503020000020004" pitchFamily="50" charset="-127"/>
+                <a:cs typeface="Times New Roman" panose="02020603050405020304" pitchFamily="18" charset="0"/>
+              </a:rPr>
+            </a:br>
+            <a:r>
+              <a:rPr lang="ko-KR" altLang="ko-KR" sz="1800" dirty="0">
+                <a:effectLst/>
+                <a:ea typeface="맑은 고딕" panose="020B0503020000020004" pitchFamily="50" charset="-127"/>
+                <a:cs typeface="Times New Roman" panose="02020603050405020304" pitchFamily="18" charset="0"/>
+              </a:rPr>
               <a:t>사용량을 기반으로 </a:t>
             </a:r>
             <a:r>
-              <a:rPr lang="ko-KR" altLang="en-US" dirty="0" err="1"/>
+              <a:rPr lang="ko-KR" altLang="ko-KR" sz="1800" dirty="0" err="1">
+                <a:effectLst/>
+                <a:ea typeface="맑은 고딕" panose="020B0503020000020004" pitchFamily="50" charset="-127"/>
+                <a:cs typeface="Times New Roman" panose="02020603050405020304" pitchFamily="18" charset="0"/>
+              </a:rPr>
               <a:t>간접적으로나마</a:t>
             </a:r>
             <a:r>
-              <a:rPr lang="ko-KR" altLang="en-US" dirty="0"/>
+              <a:rPr lang="ko-KR" altLang="ko-KR" sz="1800" dirty="0">
+                <a:effectLst/>
+                <a:ea typeface="맑은 고딕" panose="020B0503020000020004" pitchFamily="50" charset="-127"/>
+                <a:cs typeface="Times New Roman" panose="02020603050405020304" pitchFamily="18" charset="0"/>
+              </a:rPr>
               <a:t> 인구 밀집도를 파악하여</a:t>
             </a:r>
             <a:r>
-              <a:rPr lang="en-US" altLang="ko-KR" dirty="0"/>
+              <a:rPr lang="en-US" altLang="ko-KR" sz="1800" dirty="0">
+                <a:effectLst/>
+                <a:ea typeface="맑은 고딕" panose="020B0503020000020004" pitchFamily="50" charset="-127"/>
+                <a:cs typeface="Times New Roman" panose="02020603050405020304" pitchFamily="18" charset="0"/>
+              </a:rPr>
               <a:t>, </a:t>
             </a:r>
-            <a:r>
-              <a:rPr lang="ko-KR" altLang="en-US" dirty="0"/>
+            <a:br>
+              <a:rPr lang="en-US" altLang="ko-KR" sz="1800" dirty="0">
+                <a:effectLst/>
+                <a:ea typeface="맑은 고딕" panose="020B0503020000020004" pitchFamily="50" charset="-127"/>
+                <a:cs typeface="Times New Roman" panose="02020603050405020304" pitchFamily="18" charset="0"/>
+              </a:rPr>
+            </a:br>
+            <a:r>
+              <a:rPr lang="ko-KR" altLang="ko-KR" sz="1800" dirty="0">
+                <a:effectLst/>
+                <a:ea typeface="맑은 고딕" panose="020B0503020000020004" pitchFamily="50" charset="-127"/>
+                <a:cs typeface="Times New Roman" panose="02020603050405020304" pitchFamily="18" charset="0"/>
+              </a:rPr>
               <a:t>다양한 분야에 활용할 수 있게 하는 것이 저희의 목표입니다</a:t>
             </a:r>
             <a:r>
-              <a:rPr lang="en-US" altLang="ko-KR" dirty="0"/>
+              <a:rPr lang="en-US" altLang="ko-KR" sz="1800" dirty="0">
+                <a:effectLst/>
+                <a:ea typeface="맑은 고딕" panose="020B0503020000020004" pitchFamily="50" charset="-127"/>
+                <a:cs typeface="Times New Roman" panose="02020603050405020304" pitchFamily="18" charset="0"/>
+              </a:rPr>
               <a:t>.</a:t>
             </a:r>
+            <a:endParaRPr lang="en-US" altLang="ko-KR" dirty="0"/>
           </a:p>
         </p:txBody>
       </p:sp>
@@ -5461,7 +7187,7 @@
           <a:p>
             <a:fld id="{7197A083-76BA-49CA-BB32-BD7943E08EBB}" type="datetime1">
               <a:rPr lang="ko-KR" altLang="en-US" smtClean="0"/>
-              <a:t>2020-10-27</a:t>
+              <a:t>2020-10-29</a:t>
             </a:fld>
             <a:endParaRPr lang="ko-KR" altLang="en-US"/>
           </a:p>
@@ -5701,7 +7427,7 @@
           <a:p>
             <a:fld id="{51BD7EAD-C81D-4805-8039-C3D3B9DD6EC1}" type="datetime1">
               <a:rPr lang="ko-KR" altLang="en-US" smtClean="0"/>
-              <a:t>2020-10-27</a:t>
+              <a:t>2020-10-29</a:t>
             </a:fld>
             <a:endParaRPr lang="ko-KR" altLang="en-US"/>
           </a:p>
@@ -5944,7 +7670,7 @@
           <a:p>
             <a:fld id="{6ED4B718-156F-4F1B-AF1E-F81FDBE32FE9}" type="datetime1">
               <a:rPr lang="ko-KR" altLang="en-US" smtClean="0"/>
-              <a:t>2020-10-27</a:t>
+              <a:t>2020-10-29</a:t>
             </a:fld>
             <a:endParaRPr lang="ko-KR" altLang="en-US"/>
           </a:p>
@@ -6177,7 +7903,7 @@
           <a:p>
             <a:fld id="{1170B75A-FA6C-4151-ADE2-F942388B6A78}" type="datetime1">
               <a:rPr lang="ko-KR" altLang="en-US" smtClean="0"/>
-              <a:t>2020-10-27</a:t>
+              <a:t>2020-10-29</a:t>
             </a:fld>
             <a:endParaRPr lang="ko-KR" altLang="en-US"/>
           </a:p>
@@ -6487,7 +8213,7 @@
           <a:p>
             <a:fld id="{3BD28081-0DFE-4CC6-9E7F-2F9EF6B0B7B7}" type="datetime1">
               <a:rPr lang="ko-KR" altLang="en-US" smtClean="0"/>
-              <a:t>2020-10-27</a:t>
+              <a:t>2020-10-29</a:t>
             </a:fld>
             <a:endParaRPr lang="ko-KR" altLang="en-US"/>
           </a:p>
@@ -6787,7 +8513,7 @@
           <a:p>
             <a:fld id="{AF44C2A0-723E-4DFD-B5A2-B62A0B8CF913}" type="datetime1">
               <a:rPr lang="ko-KR" altLang="en-US" smtClean="0"/>
-              <a:t>2020-10-27</a:t>
+              <a:t>2020-10-29</a:t>
             </a:fld>
             <a:endParaRPr lang="ko-KR" altLang="en-US"/>
           </a:p>
@@ -7234,7 +8960,7 @@
           <a:p>
             <a:fld id="{3D7A3139-C291-4F6D-B506-80349A2CE843}" type="datetime1">
               <a:rPr lang="ko-KR" altLang="en-US" smtClean="0"/>
-              <a:t>2020-10-27</a:t>
+              <a:t>2020-10-29</a:t>
             </a:fld>
             <a:endParaRPr lang="ko-KR" altLang="en-US"/>
           </a:p>
@@ -7410,7 +9136,7 @@
           <a:p>
             <a:fld id="{AC3A54A4-1D9A-4EA4-83C9-032C7558E97A}" type="datetime1">
               <a:rPr lang="ko-KR" altLang="en-US" smtClean="0"/>
-              <a:t>2020-10-27</a:t>
+              <a:t>2020-10-29</a:t>
             </a:fld>
             <a:endParaRPr lang="ko-KR" altLang="en-US"/>
           </a:p>
@@ -7558,7 +9284,7 @@
           <a:p>
             <a:fld id="{29F12B2F-7FA6-450F-99FE-04774F19F559}" type="datetime1">
               <a:rPr lang="ko-KR" altLang="en-US" smtClean="0"/>
-              <a:t>2020-10-27</a:t>
+              <a:t>2020-10-29</a:t>
             </a:fld>
             <a:endParaRPr lang="ko-KR" altLang="en-US"/>
           </a:p>
@@ -7904,7 +9630,7 @@
           <a:p>
             <a:fld id="{F5789761-A2A5-4DD2-A541-0B2333F1A735}" type="datetime1">
               <a:rPr lang="ko-KR" altLang="en-US" smtClean="0"/>
-              <a:t>2020-10-27</a:t>
+              <a:t>2020-10-29</a:t>
             </a:fld>
             <a:endParaRPr lang="ko-KR" altLang="en-US"/>
           </a:p>
@@ -8227,7 +9953,7 @@
           <a:p>
             <a:fld id="{66B08EFB-003F-47D8-BBB5-74494BE53C42}" type="datetime1">
               <a:rPr lang="ko-KR" altLang="en-US" smtClean="0"/>
-              <a:t>2020-10-27</a:t>
+              <a:t>2020-10-29</a:t>
             </a:fld>
             <a:endParaRPr lang="ko-KR" altLang="en-US"/>
           </a:p>
@@ -8495,7 +10221,7 @@
           <a:p>
             <a:fld id="{1D56028A-F832-41DB-8E61-55343315335C}" type="datetime1">
               <a:rPr lang="ko-KR" altLang="en-US" smtClean="0"/>
-              <a:t>2020-10-27</a:t>
+              <a:t>2020-10-29</a:t>
             </a:fld>
             <a:endParaRPr lang="ko-KR" altLang="en-US"/>
           </a:p>
